--- a/S24/cs494/notes/LZ77.pptx
+++ b/S24/cs494/notes/LZ77.pptx
@@ -13,6 +13,9 @@
     <p:sldId id="260" r:id="rId8"/>
     <p:sldId id="261" r:id="rId9"/>
     <p:sldId id="262" r:id="rId10"/>
+    <p:sldId id="263" r:id="rId11"/>
+    <p:sldId id="264" r:id="rId12"/>
+    <p:sldId id="265" r:id="rId13"/>
   </p:sldIdLst>
   <p:sldSz cx="10080625" cy="5670550"/>
   <p:notesSz cx="7772400" cy="10058400"/>
@@ -49,7 +52,7 @@
         <p:spPr>
           <a:xfrm>
             <a:off x="504000" y="226080"/>
-            <a:ext cx="9071280" cy="946080"/>
+            <a:ext cx="9070920" cy="945720"/>
           </a:xfrm>
           <a:prstGeom prst="rect">
             <a:avLst/>
@@ -150,7 +153,7 @@
         <p:txBody>
           <a:bodyPr/>
           <a:p>
-            <a:fld id="{E8430706-F275-4622-B162-8A581319FBEF}" type="slidenum">
+            <a:fld id="{5247C80B-2336-4788-95FE-1E7D2AD04EEE}" type="slidenum">
               <a:t>&lt;#&gt;</a:t>
             </a:fld>
           </a:p>
@@ -234,7 +237,7 @@
         <p:spPr>
           <a:xfrm>
             <a:off x="504000" y="226080"/>
-            <a:ext cx="9071280" cy="946080"/>
+            <a:ext cx="9070920" cy="945720"/>
           </a:xfrm>
           <a:prstGeom prst="rect">
             <a:avLst/>
@@ -283,7 +286,7 @@
         <p:spPr>
           <a:xfrm>
             <a:off x="3447360" y="5165280"/>
-            <a:ext cx="3194640" cy="390240"/>
+            <a:ext cx="3194280" cy="389880"/>
           </a:xfrm>
           <a:prstGeom prst="rect">
             <a:avLst/>
@@ -355,7 +358,7 @@
         <p:spPr>
           <a:xfrm>
             <a:off x="7227360" y="5165280"/>
-            <a:ext cx="2347920" cy="390240"/>
+            <a:ext cx="2347560" cy="389880"/>
           </a:xfrm>
           <a:prstGeom prst="rect">
             <a:avLst/>
@@ -396,7 +399,7 @@
                 <a:tab algn="l" pos="0"/>
               </a:tabLst>
             </a:pPr>
-            <a:fld id="{4B633BD3-6832-4D2B-84D3-1600259AF61E}" type="slidenum">
+            <a:fld id="{6415FC40-628D-405F-ABA9-9F4A5CA89B47}" type="slidenum">
               <a:rPr b="0" lang="en-US" sz="1400" spc="-1" strike="noStrike">
                 <a:solidFill>
                   <a:srgbClr val="000000"/>
@@ -427,7 +430,7 @@
         <p:spPr>
           <a:xfrm>
             <a:off x="504000" y="5165280"/>
-            <a:ext cx="2347920" cy="390240"/>
+            <a:ext cx="2347560" cy="389880"/>
           </a:xfrm>
           <a:prstGeom prst="rect">
             <a:avLst/>
@@ -851,7 +854,7 @@
         <p:spPr>
           <a:xfrm>
             <a:off x="928080" y="0"/>
-            <a:ext cx="8223840" cy="6294240"/>
+            <a:ext cx="8223480" cy="6293880"/>
           </a:xfrm>
           <a:prstGeom prst="rect">
             <a:avLst/>
@@ -886,6 +889,7 @@
                   <a:srgbClr val="000000"/>
                 </a:solidFill>
                 <a:latin typeface="Times New Roman"/>
+                <a:ea typeface="DejaVu Sans"/>
               </a:rPr>
               <a:t>LZ77 Compression</a:t>
             </a:r>
@@ -901,6 +905,7 @@
                   <a:srgbClr val="000000"/>
                 </a:solidFill>
                 <a:latin typeface="Times New Roman"/>
+                <a:ea typeface="DejaVu Sans"/>
               </a:rPr>
               <a:t>Will Buziak</a:t>
             </a:r>
@@ -913,6 +918,7 @@
                   <a:srgbClr val="000000"/>
                 </a:solidFill>
                 <a:latin typeface="Times New Roman"/>
+                <a:ea typeface="DejaVu Sans"/>
               </a:rPr>
               <a:t>MABE/EECS</a:t>
             </a:r>
@@ -925,6 +931,7 @@
                   <a:srgbClr val="000000"/>
                 </a:solidFill>
                 <a:latin typeface="Times New Roman"/>
+                <a:ea typeface="DejaVu Sans"/>
               </a:rPr>
               <a:t>University of Tennessee</a:t>
             </a:r>
@@ -943,6 +950,7 @@
                   <a:srgbClr val="000000"/>
                 </a:solidFill>
                 <a:latin typeface="Times New Roman"/>
+                <a:ea typeface="DejaVu Sans"/>
               </a:rPr>
               <a:t>CS494</a:t>
             </a:r>
@@ -955,6 +963,255 @@
                   <a:srgbClr val="000000"/>
                 </a:solidFill>
                 <a:latin typeface="Times New Roman"/>
+                <a:ea typeface="DejaVu Sans"/>
+              </a:rPr>
+              <a:t>February 20, 2024</a:t>
+            </a:r>
+            <a:br>
+              <a:rPr sz="2600"/>
+            </a:br>
+            <a:endParaRPr b="0" lang="en-US" sz="2600" spc="-1" strike="noStrike">
+              <a:solidFill>
+                <a:srgbClr val="000000"/>
+              </a:solidFill>
+              <a:latin typeface="Arial"/>
+            </a:endParaRPr>
+          </a:p>
+        </p:txBody>
+      </p:sp>
+    </p:spTree>
+  </p:cSld>
+  <mc:AlternateContent>
+    <mc:Choice Requires="p14">
+      <p:transition spd="slow" p14:dur="2000"/>
+    </mc:Choice>
+    <mc:Fallback>
+      <p:transition spd="slow"/>
+    </mc:Fallback>
+  </mc:AlternateContent>
+</p:sld>
+</file>
+
+<file path=ppt/slides/slide10.xml><?xml version="1.0" encoding="utf-8"?>
+<p:sld xmlns:a="http://schemas.openxmlformats.org/drawingml/2006/main" xmlns:p="http://schemas.openxmlformats.org/presentationml/2006/main" xmlns:r="http://schemas.openxmlformats.org/officeDocument/2006/relationships" xmlns:p14="http://schemas.microsoft.com/office/powerpoint/2010/main" xmlns:p15="http://schemas.microsoft.com/office/powerpoint/2012/main" xmlns:mc="http://schemas.openxmlformats.org/markup-compatibility/2006">
+  <p:cSld>
+    <p:spTree>
+      <p:nvGrpSpPr>
+        <p:cNvPr id="1" name=""/>
+        <p:cNvGrpSpPr/>
+        <p:nvPr/>
+      </p:nvGrpSpPr>
+      <p:grpSpPr>
+        <a:xfrm>
+          <a:off x="0" y="0"/>
+          <a:ext cx="0" cy="0"/>
+          <a:chOff x="0" y="0"/>
+          <a:chExt cx="0" cy="0"/>
+        </a:xfrm>
+      </p:grpSpPr>
+      <p:sp>
+        <p:nvSpPr>
+          <p:cNvPr id="153" name="Straight Connector 7"/>
+          <p:cNvSpPr/>
+          <p:nvPr/>
+        </p:nvSpPr>
+        <p:spPr>
+          <a:xfrm>
+            <a:off x="468000" y="4044600"/>
+            <a:ext cx="9144000" cy="360"/>
+          </a:xfrm>
+          <a:prstGeom prst="line">
+            <a:avLst/>
+          </a:prstGeom>
+          <a:ln w="57240">
+            <a:solidFill>
+              <a:srgbClr val="ed7d31"/>
+            </a:solidFill>
+            <a:miter/>
+          </a:ln>
+        </p:spPr>
+        <p:style>
+          <a:lnRef idx="0"/>
+          <a:fillRef idx="0"/>
+          <a:effectRef idx="0"/>
+          <a:fontRef idx="minor"/>
+        </p:style>
+        <p:txBody>
+          <a:bodyPr lIns="90000" rIns="90000" tIns="-44640" bIns="-44640" anchor="t" anchorCtr="1">
+            <a:noAutofit/>
+          </a:bodyPr>
+          <a:p>
+            <a:endParaRPr b="0" lang="en-US" sz="1800" spc="-1" strike="noStrike">
+              <a:solidFill>
+                <a:srgbClr val="000000"/>
+              </a:solidFill>
+              <a:latin typeface="Arial"/>
+              <a:ea typeface="DejaVu Sans"/>
+            </a:endParaRPr>
+          </a:p>
+        </p:txBody>
+      </p:sp>
+      <p:sp>
+        <p:nvSpPr>
+          <p:cNvPr id="154" name="Straight Connector 8"/>
+          <p:cNvSpPr/>
+          <p:nvPr/>
+        </p:nvSpPr>
+        <p:spPr>
+          <a:xfrm>
+            <a:off x="468000" y="1128600"/>
+            <a:ext cx="9144000" cy="360"/>
+          </a:xfrm>
+          <a:prstGeom prst="line">
+            <a:avLst/>
+          </a:prstGeom>
+          <a:ln w="57240">
+            <a:solidFill>
+              <a:srgbClr val="ed7d31"/>
+            </a:solidFill>
+            <a:miter/>
+          </a:ln>
+        </p:spPr>
+        <p:style>
+          <a:lnRef idx="0"/>
+          <a:fillRef idx="0"/>
+          <a:effectRef idx="0"/>
+          <a:fontRef idx="minor"/>
+        </p:style>
+        <p:txBody>
+          <a:bodyPr lIns="90000" rIns="90000" tIns="-44640" bIns="-44640" anchor="t" anchorCtr="1">
+            <a:noAutofit/>
+          </a:bodyPr>
+          <a:p>
+            <a:endParaRPr b="0" lang="en-US" sz="1800" spc="-1" strike="noStrike">
+              <a:solidFill>
+                <a:srgbClr val="000000"/>
+              </a:solidFill>
+              <a:latin typeface="Arial"/>
+              <a:ea typeface="DejaVu Sans"/>
+            </a:endParaRPr>
+          </a:p>
+        </p:txBody>
+      </p:sp>
+      <p:sp>
+        <p:nvSpPr>
+          <p:cNvPr id="155" name="PlaceHolder 6"/>
+          <p:cNvSpPr/>
+          <p:nvPr/>
+        </p:nvSpPr>
+        <p:spPr>
+          <a:xfrm>
+            <a:off x="928080" y="0"/>
+            <a:ext cx="8223480" cy="6293880"/>
+          </a:xfrm>
+          <a:prstGeom prst="rect">
+            <a:avLst/>
+          </a:prstGeom>
+          <a:noFill/>
+          <a:ln w="9360">
+            <a:noFill/>
+          </a:ln>
+        </p:spPr>
+        <p:style>
+          <a:lnRef idx="0"/>
+          <a:fillRef idx="0"/>
+          <a:effectRef idx="0"/>
+          <a:fontRef idx="minor"/>
+        </p:style>
+        <p:txBody>
+          <a:bodyPr numCol="1" spcCol="0" lIns="90000" rIns="90000" tIns="45000" bIns="45000" anchor="t">
+            <a:noAutofit/>
+          </a:bodyPr>
+          <a:p>
+            <a:pPr algn="ctr">
+              <a:lnSpc>
+                <a:spcPct val="150000"/>
+              </a:lnSpc>
+              <a:tabLst>
+                <a:tab algn="l" pos="0"/>
+              </a:tabLst>
+            </a:pPr>
+            <a:r>
+              <a:rPr b="0" lang="en-US" sz="2600" spc="-1" strike="noStrike">
+                <a:solidFill>
+                  <a:srgbClr val="000000"/>
+                </a:solidFill>
+                <a:latin typeface="Times New Roman"/>
+                <a:ea typeface="DejaVu Sans"/>
+              </a:rPr>
+              <a:t>LZ77 Compression</a:t>
+            </a:r>
+            <a:br>
+              <a:rPr sz="2600"/>
+            </a:br>
+            <a:br>
+              <a:rPr sz="2600"/>
+            </a:br>
+            <a:r>
+              <a:rPr b="0" lang="en-US" sz="2600" spc="-1" strike="noStrike">
+                <a:solidFill>
+                  <a:srgbClr val="000000"/>
+                </a:solidFill>
+                <a:latin typeface="Times New Roman"/>
+                <a:ea typeface="DejaVu Sans"/>
+              </a:rPr>
+              <a:t>Will Buziak</a:t>
+            </a:r>
+            <a:br>
+              <a:rPr sz="2600"/>
+            </a:br>
+            <a:r>
+              <a:rPr b="0" lang="en-US" sz="2600" spc="-1" strike="noStrike">
+                <a:solidFill>
+                  <a:srgbClr val="000000"/>
+                </a:solidFill>
+                <a:latin typeface="Times New Roman"/>
+                <a:ea typeface="DejaVu Sans"/>
+              </a:rPr>
+              <a:t>MABE/EECS</a:t>
+            </a:r>
+            <a:br>
+              <a:rPr sz="2600"/>
+            </a:br>
+            <a:r>
+              <a:rPr b="0" lang="en-US" sz="2600" spc="-1" strike="noStrike">
+                <a:solidFill>
+                  <a:srgbClr val="000000"/>
+                </a:solidFill>
+                <a:latin typeface="Times New Roman"/>
+                <a:ea typeface="DejaVu Sans"/>
+              </a:rPr>
+              <a:t>University of Tennessee</a:t>
+            </a:r>
+            <a:br>
+              <a:rPr sz="2600"/>
+            </a:br>
+            <a:br>
+              <a:rPr sz="2600"/>
+            </a:br>
+            <a:br>
+              <a:rPr sz="2600"/>
+            </a:br>
+            <a:r>
+              <a:rPr b="0" lang="en-US" sz="2600" spc="-1" strike="noStrike">
+                <a:solidFill>
+                  <a:srgbClr val="000000"/>
+                </a:solidFill>
+                <a:latin typeface="Times New Roman"/>
+                <a:ea typeface="DejaVu Sans"/>
+              </a:rPr>
+              <a:t>CS494</a:t>
+            </a:r>
+            <a:br>
+              <a:rPr sz="2600"/>
+            </a:br>
+            <a:r>
+              <a:rPr b="0" lang="en-US" sz="2600" spc="-1" strike="noStrike">
+                <a:solidFill>
+                  <a:srgbClr val="000000"/>
+                </a:solidFill>
+                <a:latin typeface="Times New Roman"/>
+                <a:ea typeface="DejaVu Sans"/>
               </a:rPr>
               <a:t>February 20, 2024</a:t>
             </a:r>
@@ -1051,7 +1308,7 @@
         <p:spPr>
           <a:xfrm>
             <a:off x="914400" y="0"/>
-            <a:ext cx="8237520" cy="914040"/>
+            <a:ext cx="8237160" cy="913680"/>
           </a:xfrm>
           <a:prstGeom prst="rect">
             <a:avLst/>
@@ -1086,6 +1343,7 @@
                   <a:srgbClr val="000000"/>
                 </a:solidFill>
                 <a:latin typeface="Times New Roman"/>
+                <a:ea typeface="DejaVu Sans"/>
               </a:rPr>
               <a:t>Lossless Data Compression</a:t>
             </a:r>
@@ -1110,7 +1368,7 @@
         <p:spPr>
           <a:xfrm>
             <a:off x="457200" y="1128600"/>
-            <a:ext cx="9143640" cy="3885840"/>
+            <a:ext cx="9143280" cy="3885480"/>
           </a:xfrm>
           <a:prstGeom prst="rect">
             <a:avLst/>
@@ -1136,77 +1394,7 @@
                 <a:spcPct val="150000"/>
               </a:lnSpc>
             </a:pPr>
-            <a:endParaRPr b="0" lang="en-US" sz="2600" spc="-1" strike="noStrike">
-              <a:solidFill>
-                <a:srgbClr val="000000"/>
-              </a:solidFill>
-              <a:latin typeface="Arial"/>
-            </a:endParaRPr>
-          </a:p>
-          <a:p>
-            <a:pPr marL="216000" indent="-216000">
-              <a:lnSpc>
-                <a:spcPct val="90000"/>
-              </a:lnSpc>
-              <a:spcAft>
-                <a:spcPts val="1599"/>
-              </a:spcAft>
-              <a:buClr>
-                <a:srgbClr val="000000"/>
-              </a:buClr>
-              <a:buSzPct val="45000"/>
-              <a:buFont typeface="Wingdings" charset="2"/>
-              <a:buChar char=""/>
-              <a:tabLst>
-                <a:tab algn="l" pos="0"/>
-              </a:tabLst>
-            </a:pPr>
-            <a:r>
-              <a:rPr b="0" lang="en-US" sz="2600" spc="-1" strike="noStrike">
-                <a:solidFill>
-                  <a:srgbClr val="000000"/>
-                </a:solidFill>
-                <a:latin typeface="Times New Roman"/>
-                <a:ea typeface="DejaVu Sans"/>
-              </a:rPr>
-              <a:t>Uses a shorthand to redundant data </a:t>
-            </a:r>
-            <a:endParaRPr b="0" lang="en-US" sz="2600" spc="-1" strike="noStrike">
-              <a:solidFill>
-                <a:srgbClr val="000000"/>
-              </a:solidFill>
-              <a:latin typeface="Arial"/>
-            </a:endParaRPr>
-          </a:p>
-          <a:p>
-            <a:pPr marL="216000" indent="-216000">
-              <a:lnSpc>
-                <a:spcPct val="90000"/>
-              </a:lnSpc>
-              <a:spcAft>
-                <a:spcPts val="1599"/>
-              </a:spcAft>
-              <a:buClr>
-                <a:srgbClr val="000000"/>
-              </a:buClr>
-              <a:buSzPct val="45000"/>
-              <a:buFont typeface="Wingdings" charset="2"/>
-              <a:buChar char=""/>
-              <a:tabLst>
-                <a:tab algn="l" pos="0"/>
-              </a:tabLst>
-            </a:pPr>
-            <a:r>
-              <a:rPr b="0" lang="en-US" sz="2600" spc="-1" strike="noStrike">
-                <a:solidFill>
-                  <a:srgbClr val="000000"/>
-                </a:solidFill>
-                <a:latin typeface="Times New Roman"/>
-                <a:ea typeface="DejaVu Sans"/>
-              </a:rPr>
-              <a:t>Completely reconstruct the compressed data with no quality lost</a:t>
-            </a:r>
-            <a:endParaRPr b="0" lang="en-US" sz="2600" spc="-1" strike="noStrike">
+            <a:endParaRPr b="0" lang="en-US" sz="1800" spc="-1" strike="noStrike">
               <a:solidFill>
                 <a:srgbClr val="000000"/>
               </a:solidFill>
@@ -1223,8 +1411,8 @@
         </p:nvSpPr>
         <p:spPr>
           <a:xfrm>
-            <a:off x="457200" y="1371600"/>
-            <a:ext cx="9143640" cy="1371240"/>
+            <a:off x="457920" y="1372320"/>
+            <a:ext cx="9142560" cy="1599480"/>
           </a:xfrm>
           <a:prstGeom prst="roundRect">
             <a:avLst>
@@ -1254,45 +1442,111 @@
             <a:noAutofit/>
           </a:bodyPr>
           <a:p>
+            <a:pPr marL="216000" indent="-216000">
+              <a:lnSpc>
+                <a:spcPct val="90000"/>
+              </a:lnSpc>
+              <a:spcAft>
+                <a:spcPts val="1599"/>
+              </a:spcAft>
+              <a:buClr>
+                <a:srgbClr val="000000"/>
+              </a:buClr>
+              <a:buSzPct val="45000"/>
+              <a:buFont typeface="Wingdings" charset="2"/>
+              <a:buChar char=""/>
+              <a:tabLst>
+                <a:tab algn="l" pos="0"/>
+              </a:tabLst>
+            </a:pPr>
+            <a:r>
+              <a:rPr b="0" lang="en-US" sz="2600" spc="-1" strike="noStrike">
+                <a:solidFill>
+                  <a:srgbClr val="000000"/>
+                </a:solidFill>
+                <a:latin typeface="Times New Roman"/>
+                <a:ea typeface="DejaVu Sans"/>
+              </a:rPr>
+              <a:t>Uses a shorthand to shorten redundant data </a:t>
+            </a:r>
+            <a:endParaRPr b="0" lang="en-US" sz="2600" spc="-1" strike="noStrike">
+              <a:solidFill>
+                <a:srgbClr val="000000"/>
+              </a:solidFill>
+              <a:latin typeface="Arial"/>
+              <a:ea typeface="DejaVu Sans"/>
+            </a:endParaRPr>
+          </a:p>
+          <a:p>
+            <a:pPr marL="216000" indent="-216000">
+              <a:lnSpc>
+                <a:spcPct val="100000"/>
+              </a:lnSpc>
+              <a:buClr>
+                <a:srgbClr val="000000"/>
+              </a:buClr>
+              <a:buSzPct val="45000"/>
+              <a:buFont typeface="Wingdings" charset="2"/>
+              <a:buChar char=""/>
+              <a:tabLst>
+                <a:tab algn="l" pos="0"/>
+              </a:tabLst>
+            </a:pPr>
+            <a:r>
+              <a:rPr b="0" lang="en-US" sz="2600" spc="-1" strike="noStrike">
+                <a:solidFill>
+                  <a:srgbClr val="000000"/>
+                </a:solidFill>
+                <a:latin typeface="Times New Roman"/>
+                <a:ea typeface="DejaVu Sans"/>
+              </a:rPr>
+              <a:t>Compressed files can be sent faster over weaker connections and completely reassembled by the recipient</a:t>
+            </a:r>
+            <a:endParaRPr b="0" lang="en-US" sz="2600" spc="-1" strike="noStrike">
+              <a:solidFill>
+                <a:srgbClr val="000000"/>
+              </a:solidFill>
+              <a:latin typeface="Arial"/>
+              <a:ea typeface="DejaVu Sans"/>
+            </a:endParaRPr>
+          </a:p>
+        </p:txBody>
+      </p:sp>
+      <p:sp>
+        <p:nvSpPr>
+          <p:cNvPr id="14" name=""/>
+          <p:cNvSpPr/>
+          <p:nvPr/>
+        </p:nvSpPr>
+        <p:spPr>
+          <a:xfrm>
+            <a:off x="9664920" y="5258160"/>
+            <a:ext cx="3822480" cy="426960"/>
+          </a:xfrm>
+          <a:prstGeom prst="rect">
+            <a:avLst/>
+          </a:prstGeom>
+          <a:noFill/>
+          <a:ln w="0">
+            <a:noFill/>
+          </a:ln>
+        </p:spPr>
+        <p:style>
+          <a:lnRef idx="0"/>
+          <a:fillRef idx="0"/>
+          <a:effectRef idx="0"/>
+          <a:fontRef idx="minor"/>
+        </p:style>
+        <p:txBody>
+          <a:bodyPr lIns="90000" rIns="90000" tIns="45000" bIns="45000" anchor="t">
+            <a:noAutofit/>
+          </a:bodyPr>
+          <a:p>
             <a:pPr>
               <a:lnSpc>
                 <a:spcPct val="100000"/>
               </a:lnSpc>
             </a:pPr>
-            <a:endParaRPr b="0" lang="en-US" sz="1800" spc="-1" strike="noStrike">
-              <a:solidFill>
-                <a:srgbClr val="000000"/>
-              </a:solidFill>
-              <a:latin typeface="Arial"/>
-              <a:ea typeface="DejaVu Sans"/>
-            </a:endParaRPr>
-          </a:p>
-        </p:txBody>
-      </p:sp>
-      <p:sp>
-        <p:nvSpPr>
-          <p:cNvPr id="14" name=""/>
-          <p:cNvSpPr txBox="1"/>
-          <p:nvPr/>
-        </p:nvSpPr>
-        <p:spPr>
-          <a:xfrm>
-            <a:off x="9664920" y="5258160"/>
-            <a:ext cx="3822840" cy="427320"/>
-          </a:xfrm>
-          <a:prstGeom prst="rect">
-            <a:avLst/>
-          </a:prstGeom>
-          <a:noFill/>
-          <a:ln w="0">
-            <a:noFill/>
-          </a:ln>
-        </p:spPr>
-        <p:txBody>
-          <a:bodyPr lIns="90000" rIns="90000" tIns="45000" bIns="45000" anchor="t">
-            <a:noAutofit/>
-          </a:bodyPr>
-          <a:p>
             <a:r>
               <a:rPr b="0" lang="en-US" sz="2400" spc="-1" strike="noStrike">
                 <a:solidFill>
@@ -1306,7 +1560,7 @@
               <a:solidFill>
                 <a:srgbClr val="000000"/>
               </a:solidFill>
-              <a:latin typeface="Times New Roman"/>
+              <a:latin typeface="Arial"/>
             </a:endParaRPr>
           </a:p>
         </p:txBody>
@@ -1391,8 +1645,8 @@
         </p:nvSpPr>
         <p:spPr>
           <a:xfrm>
-            <a:off x="914400" y="0"/>
-            <a:ext cx="8237520" cy="914040"/>
+            <a:off x="921960" y="0"/>
+            <a:ext cx="8237160" cy="913680"/>
           </a:xfrm>
           <a:prstGeom prst="rect">
             <a:avLst/>
@@ -1427,6 +1681,7 @@
                   <a:srgbClr val="000000"/>
                 </a:solidFill>
                 <a:latin typeface="Times New Roman"/>
+                <a:ea typeface="DejaVu Sans"/>
               </a:rPr>
               <a:t>Applications</a:t>
             </a:r>
@@ -1450,8 +1705,8 @@
         </p:nvSpPr>
         <p:spPr>
           <a:xfrm>
-            <a:off x="457200" y="1371600"/>
-            <a:ext cx="9143640" cy="3885840"/>
+            <a:off x="457200" y="915120"/>
+            <a:ext cx="9143280" cy="3885480"/>
           </a:xfrm>
           <a:prstGeom prst="rect">
             <a:avLst/>
@@ -1524,7 +1779,7 @@
                 <a:latin typeface="Times New Roman"/>
                 <a:ea typeface="DejaVu Sans"/>
               </a:rPr>
-              <a:t>- Deflate → PNG &amp; ZIP</a:t>
+              <a:t>- Deflate → Zip &amp; PNG</a:t>
             </a:r>
             <a:endParaRPr b="0" lang="en-US" sz="2800" spc="-1" strike="noStrike">
               <a:solidFill>
@@ -1557,7 +1812,7 @@
                 <a:latin typeface="Times New Roman"/>
                 <a:ea typeface="DejaVu Sans"/>
               </a:rPr>
-              <a:t>- LZW → GIF</a:t>
+              <a:t>- LZW → Gif &amp; pdf</a:t>
             </a:r>
             <a:endParaRPr b="0" lang="en-US" sz="2800" spc="-1" strike="noStrike">
               <a:solidFill>
@@ -1571,13 +1826,13 @@
       <p:sp>
         <p:nvSpPr>
           <p:cNvPr id="18" name=""/>
-          <p:cNvSpPr txBox="1"/>
+          <p:cNvSpPr/>
           <p:nvPr/>
         </p:nvSpPr>
         <p:spPr>
           <a:xfrm>
             <a:off x="9664920" y="5258160"/>
-            <a:ext cx="3822840" cy="427320"/>
+            <a:ext cx="3822480" cy="426960"/>
           </a:xfrm>
           <a:prstGeom prst="rect">
             <a:avLst/>
@@ -1587,11 +1842,22 @@
             <a:noFill/>
           </a:ln>
         </p:spPr>
+        <p:style>
+          <a:lnRef idx="0"/>
+          <a:fillRef idx="0"/>
+          <a:effectRef idx="0"/>
+          <a:fontRef idx="minor"/>
+        </p:style>
         <p:txBody>
           <a:bodyPr lIns="90000" rIns="90000" tIns="45000" bIns="45000" anchor="t">
             <a:noAutofit/>
           </a:bodyPr>
           <a:p>
+            <a:pPr>
+              <a:lnSpc>
+                <a:spcPct val="100000"/>
+              </a:lnSpc>
+            </a:pPr>
             <a:r>
               <a:rPr b="0" lang="en-US" sz="2400" spc="-1" strike="noStrike">
                 <a:solidFill>
@@ -1605,7 +1871,449 @@
               <a:solidFill>
                 <a:srgbClr val="000000"/>
               </a:solidFill>
-              <a:latin typeface="Times New Roman"/>
+              <a:latin typeface="Arial"/>
+            </a:endParaRPr>
+          </a:p>
+        </p:txBody>
+      </p:sp>
+      <p:sp>
+        <p:nvSpPr>
+          <p:cNvPr id="19" name=""/>
+          <p:cNvSpPr/>
+          <p:nvPr/>
+        </p:nvSpPr>
+        <p:spPr>
+          <a:xfrm>
+            <a:off x="2238840" y="3896640"/>
+            <a:ext cx="725400" cy="543960"/>
+          </a:xfrm>
+          <a:prstGeom prst="roundRect">
+            <a:avLst>
+              <a:gd name="adj" fmla="val 16667"/>
+            </a:avLst>
+          </a:prstGeom>
+          <a:solidFill>
+            <a:srgbClr val="729fcf"/>
+          </a:solidFill>
+          <a:ln w="0">
+            <a:solidFill>
+              <a:srgbClr val="3465a4"/>
+            </a:solidFill>
+          </a:ln>
+        </p:spPr>
+        <p:style>
+          <a:lnRef idx="0"/>
+          <a:fillRef idx="0"/>
+          <a:effectRef idx="0"/>
+          <a:fontRef idx="minor"/>
+        </p:style>
+        <p:txBody>
+          <a:bodyPr lIns="90000" rIns="90000" tIns="45000" bIns="45000" anchor="ctr">
+            <a:noAutofit/>
+          </a:bodyPr>
+          <a:p>
+            <a:endParaRPr b="0" lang="en-US" sz="1800" spc="-1" strike="noStrike">
+              <a:solidFill>
+                <a:srgbClr val="000000"/>
+              </a:solidFill>
+              <a:latin typeface="Arial"/>
+              <a:ea typeface="DejaVu Sans"/>
+            </a:endParaRPr>
+          </a:p>
+        </p:txBody>
+      </p:sp>
+      <p:sp>
+        <p:nvSpPr>
+          <p:cNvPr id="20" name=""/>
+          <p:cNvSpPr/>
+          <p:nvPr/>
+        </p:nvSpPr>
+        <p:spPr>
+          <a:xfrm>
+            <a:off x="3692160" y="3896640"/>
+            <a:ext cx="725400" cy="543960"/>
+          </a:xfrm>
+          <a:prstGeom prst="roundRect">
+            <a:avLst>
+              <a:gd name="adj" fmla="val 16667"/>
+            </a:avLst>
+          </a:prstGeom>
+          <a:solidFill>
+            <a:srgbClr val="729fcf"/>
+          </a:solidFill>
+          <a:ln w="0">
+            <a:solidFill>
+              <a:srgbClr val="3465a4"/>
+            </a:solidFill>
+          </a:ln>
+        </p:spPr>
+        <p:style>
+          <a:lnRef idx="0"/>
+          <a:fillRef idx="0"/>
+          <a:effectRef idx="0"/>
+          <a:fontRef idx="minor"/>
+        </p:style>
+        <p:txBody>
+          <a:bodyPr lIns="90000" rIns="90000" tIns="45000" bIns="45000" anchor="ctr">
+            <a:noAutofit/>
+          </a:bodyPr>
+          <a:p>
+            <a:endParaRPr b="0" lang="en-US" sz="1800" spc="-1" strike="noStrike">
+              <a:solidFill>
+                <a:srgbClr val="000000"/>
+              </a:solidFill>
+              <a:latin typeface="Arial"/>
+              <a:ea typeface="DejaVu Sans"/>
+            </a:endParaRPr>
+          </a:p>
+        </p:txBody>
+      </p:sp>
+      <p:sp>
+        <p:nvSpPr>
+          <p:cNvPr id="21" name=""/>
+          <p:cNvSpPr/>
+          <p:nvPr/>
+        </p:nvSpPr>
+        <p:spPr>
+          <a:xfrm>
+            <a:off x="2965320" y="3896640"/>
+            <a:ext cx="725400" cy="543960"/>
+          </a:xfrm>
+          <a:prstGeom prst="roundRect">
+            <a:avLst>
+              <a:gd name="adj" fmla="val 16667"/>
+            </a:avLst>
+          </a:prstGeom>
+          <a:solidFill>
+            <a:srgbClr val="729fcf"/>
+          </a:solidFill>
+          <a:ln w="0">
+            <a:solidFill>
+              <a:srgbClr val="3465a4"/>
+            </a:solidFill>
+          </a:ln>
+        </p:spPr>
+        <p:style>
+          <a:lnRef idx="0"/>
+          <a:fillRef idx="0"/>
+          <a:effectRef idx="0"/>
+          <a:fontRef idx="minor"/>
+        </p:style>
+        <p:txBody>
+          <a:bodyPr lIns="90000" rIns="90000" tIns="45000" bIns="45000" anchor="ctr">
+            <a:noAutofit/>
+          </a:bodyPr>
+          <a:p>
+            <a:endParaRPr b="0" lang="en-US" sz="1800" spc="-1" strike="noStrike">
+              <a:solidFill>
+                <a:srgbClr val="000000"/>
+              </a:solidFill>
+              <a:latin typeface="Arial"/>
+              <a:ea typeface="DejaVu Sans"/>
+            </a:endParaRPr>
+          </a:p>
+        </p:txBody>
+      </p:sp>
+      <p:sp>
+        <p:nvSpPr>
+          <p:cNvPr id="22" name=""/>
+          <p:cNvSpPr/>
+          <p:nvPr/>
+        </p:nvSpPr>
+        <p:spPr>
+          <a:xfrm>
+            <a:off x="2420280" y="4025880"/>
+            <a:ext cx="362520" cy="362160"/>
+          </a:xfrm>
+          <a:prstGeom prst="rect">
+            <a:avLst/>
+          </a:prstGeom>
+          <a:noFill/>
+          <a:ln w="0">
+            <a:noFill/>
+          </a:ln>
+        </p:spPr>
+        <p:style>
+          <a:lnRef idx="0"/>
+          <a:fillRef idx="0"/>
+          <a:effectRef idx="0"/>
+          <a:fontRef idx="minor"/>
+        </p:style>
+        <p:txBody>
+          <a:bodyPr lIns="90000" rIns="90000" tIns="45000" bIns="45000" anchor="t">
+            <a:noAutofit/>
+          </a:bodyPr>
+          <a:p>
+            <a:pPr>
+              <a:lnSpc>
+                <a:spcPct val="100000"/>
+              </a:lnSpc>
+            </a:pPr>
+            <a:r>
+              <a:rPr b="0" lang="en-US" sz="1800" spc="-1" strike="noStrike">
+                <a:solidFill>
+                  <a:srgbClr val="000000"/>
+                </a:solidFill>
+                <a:latin typeface="Arial"/>
+                <a:ea typeface="DejaVu Sans"/>
+              </a:rPr>
+              <a:t>A</a:t>
+            </a:r>
+            <a:endParaRPr b="0" lang="en-US" sz="1800" spc="-1" strike="noStrike">
+              <a:solidFill>
+                <a:srgbClr val="000000"/>
+              </a:solidFill>
+              <a:latin typeface="Arial"/>
+            </a:endParaRPr>
+          </a:p>
+        </p:txBody>
+      </p:sp>
+      <p:sp>
+        <p:nvSpPr>
+          <p:cNvPr id="23" name=""/>
+          <p:cNvSpPr/>
+          <p:nvPr/>
+        </p:nvSpPr>
+        <p:spPr>
+          <a:xfrm>
+            <a:off x="3146760" y="4025880"/>
+            <a:ext cx="362520" cy="362160"/>
+          </a:xfrm>
+          <a:prstGeom prst="rect">
+            <a:avLst/>
+          </a:prstGeom>
+          <a:noFill/>
+          <a:ln w="0">
+            <a:noFill/>
+          </a:ln>
+        </p:spPr>
+        <p:style>
+          <a:lnRef idx="0"/>
+          <a:fillRef idx="0"/>
+          <a:effectRef idx="0"/>
+          <a:fontRef idx="minor"/>
+        </p:style>
+        <p:txBody>
+          <a:bodyPr lIns="90000" rIns="90000" tIns="45000" bIns="45000" anchor="t">
+            <a:noAutofit/>
+          </a:bodyPr>
+          <a:p>
+            <a:pPr>
+              <a:lnSpc>
+                <a:spcPct val="100000"/>
+              </a:lnSpc>
+            </a:pPr>
+            <a:r>
+              <a:rPr b="0" lang="en-US" sz="1800" spc="-1" strike="noStrike">
+                <a:solidFill>
+                  <a:srgbClr val="000000"/>
+                </a:solidFill>
+                <a:latin typeface="Arial"/>
+                <a:ea typeface="DejaVu Sans"/>
+              </a:rPr>
+              <a:t>B</a:t>
+            </a:r>
+            <a:endParaRPr b="0" lang="en-US" sz="1800" spc="-1" strike="noStrike">
+              <a:solidFill>
+                <a:srgbClr val="000000"/>
+              </a:solidFill>
+              <a:latin typeface="Arial"/>
+            </a:endParaRPr>
+          </a:p>
+        </p:txBody>
+      </p:sp>
+      <p:sp>
+        <p:nvSpPr>
+          <p:cNvPr id="24" name=""/>
+          <p:cNvSpPr/>
+          <p:nvPr/>
+        </p:nvSpPr>
+        <p:spPr>
+          <a:xfrm>
+            <a:off x="3873600" y="4025880"/>
+            <a:ext cx="362520" cy="362160"/>
+          </a:xfrm>
+          <a:prstGeom prst="rect">
+            <a:avLst/>
+          </a:prstGeom>
+          <a:noFill/>
+          <a:ln w="0">
+            <a:noFill/>
+          </a:ln>
+        </p:spPr>
+        <p:style>
+          <a:lnRef idx="0"/>
+          <a:fillRef idx="0"/>
+          <a:effectRef idx="0"/>
+          <a:fontRef idx="minor"/>
+        </p:style>
+        <p:txBody>
+          <a:bodyPr lIns="90000" rIns="90000" tIns="45000" bIns="45000" anchor="t">
+            <a:noAutofit/>
+          </a:bodyPr>
+          <a:p>
+            <a:pPr>
+              <a:lnSpc>
+                <a:spcPct val="100000"/>
+              </a:lnSpc>
+            </a:pPr>
+            <a:r>
+              <a:rPr b="0" lang="en-US" sz="1800" spc="-1" strike="noStrike">
+                <a:solidFill>
+                  <a:srgbClr val="000000"/>
+                </a:solidFill>
+                <a:latin typeface="Arial"/>
+                <a:ea typeface="DejaVu Sans"/>
+              </a:rPr>
+              <a:t>C</a:t>
+            </a:r>
+            <a:endParaRPr b="0" lang="en-US" sz="1800" spc="-1" strike="noStrike">
+              <a:solidFill>
+                <a:srgbClr val="000000"/>
+              </a:solidFill>
+              <a:latin typeface="Arial"/>
+            </a:endParaRPr>
+          </a:p>
+        </p:txBody>
+      </p:sp>
+      <p:sp>
+        <p:nvSpPr>
+          <p:cNvPr id="25" name=""/>
+          <p:cNvSpPr/>
+          <p:nvPr/>
+        </p:nvSpPr>
+        <p:spPr>
+          <a:xfrm>
+            <a:off x="5904000" y="3896640"/>
+            <a:ext cx="1182600" cy="543960"/>
+          </a:xfrm>
+          <a:prstGeom prst="roundRect">
+            <a:avLst>
+              <a:gd name="adj" fmla="val 16667"/>
+            </a:avLst>
+          </a:prstGeom>
+          <a:solidFill>
+            <a:srgbClr val="77bc65"/>
+          </a:solidFill>
+          <a:ln w="0">
+            <a:solidFill>
+              <a:srgbClr val="3465a4"/>
+            </a:solidFill>
+          </a:ln>
+        </p:spPr>
+        <p:style>
+          <a:lnRef idx="0"/>
+          <a:fillRef idx="0"/>
+          <a:effectRef idx="0"/>
+          <a:fontRef idx="minor"/>
+        </p:style>
+        <p:txBody>
+          <a:bodyPr lIns="90000" rIns="90000" tIns="45000" bIns="45000" anchor="ctr">
+            <a:noAutofit/>
+          </a:bodyPr>
+          <a:p>
+            <a:pPr algn="ctr"/>
+            <a:r>
+              <a:rPr b="0" lang="en-US" sz="1800" spc="-1" strike="noStrike">
+                <a:solidFill>
+                  <a:srgbClr val="000000"/>
+                </a:solidFill>
+                <a:latin typeface="Arial"/>
+              </a:rPr>
+              <a:t>(d, n)</a:t>
+            </a:r>
+            <a:endParaRPr b="0" lang="en-US" sz="1800" spc="-1" strike="noStrike">
+              <a:solidFill>
+                <a:srgbClr val="000000"/>
+              </a:solidFill>
+              <a:latin typeface="Arial"/>
+              <a:ea typeface="DejaVu Sans"/>
+            </a:endParaRPr>
+          </a:p>
+        </p:txBody>
+      </p:sp>
+      <p:sp>
+        <p:nvSpPr>
+          <p:cNvPr id="26" name=""/>
+          <p:cNvSpPr/>
+          <p:nvPr/>
+        </p:nvSpPr>
+        <p:spPr>
+          <a:xfrm>
+            <a:off x="6003720" y="4280040"/>
+            <a:ext cx="362520" cy="362160"/>
+          </a:xfrm>
+          <a:prstGeom prst="rect">
+            <a:avLst/>
+          </a:prstGeom>
+          <a:noFill/>
+          <a:ln w="0">
+            <a:noFill/>
+          </a:ln>
+        </p:spPr>
+        <p:style>
+          <a:lnRef idx="0"/>
+          <a:fillRef idx="0"/>
+          <a:effectRef idx="0"/>
+          <a:fontRef idx="minor"/>
+        </p:style>
+        <p:txBody>
+          <a:bodyPr lIns="90000" rIns="90000" tIns="45000" bIns="45000" anchor="t">
+            <a:noAutofit/>
+          </a:bodyPr>
+          <a:p>
+            <a:pPr>
+              <a:lnSpc>
+                <a:spcPct val="100000"/>
+              </a:lnSpc>
+            </a:pPr>
+            <a:endParaRPr b="0" lang="en-US" sz="1800" spc="-1" strike="noStrike">
+              <a:solidFill>
+                <a:srgbClr val="000000"/>
+              </a:solidFill>
+              <a:latin typeface="Arial"/>
+            </a:endParaRPr>
+          </a:p>
+        </p:txBody>
+      </p:sp>
+      <p:sp>
+        <p:nvSpPr>
+          <p:cNvPr id="27" name=""/>
+          <p:cNvSpPr/>
+          <p:nvPr/>
+        </p:nvSpPr>
+        <p:spPr>
+          <a:xfrm>
+            <a:off x="4967280" y="4201920"/>
+            <a:ext cx="347400" cy="0"/>
+          </a:xfrm>
+          <a:prstGeom prst="line">
+            <a:avLst/>
+          </a:prstGeom>
+          <a:ln w="19080">
+            <a:solidFill>
+              <a:srgbClr val="000000"/>
+            </a:solidFill>
+            <a:round/>
+            <a:tailEnd len="med" type="triangle" w="med"/>
+          </a:ln>
+        </p:spPr>
+        <p:style>
+          <a:lnRef idx="0"/>
+          <a:fillRef idx="0"/>
+          <a:effectRef idx="0"/>
+          <a:fontRef idx="minor"/>
+        </p:style>
+        <p:txBody>
+          <a:bodyPr lIns="99360" rIns="99360" tIns="-54360" bIns="-54360" anchor="ctr">
+            <a:noAutofit/>
+          </a:bodyPr>
+          <a:p>
+            <a:endParaRPr b="0" lang="en-US" sz="1800" spc="-1" strike="noStrike">
+              <a:solidFill>
+                <a:srgbClr val="000000"/>
+              </a:solidFill>
+              <a:latin typeface="Arial"/>
             </a:endParaRPr>
           </a:p>
         </p:txBody>
@@ -1642,7 +2350,7 @@
       </p:grpSpPr>
       <p:sp>
         <p:nvSpPr>
-          <p:cNvPr id="19" name="Straight Connector 4"/>
+          <p:cNvPr id="28" name="Straight Connector 12"/>
           <p:cNvSpPr/>
           <p:nvPr/>
         </p:nvSpPr>
@@ -1684,14 +2392,14 @@
       </p:sp>
       <p:sp>
         <p:nvSpPr>
-          <p:cNvPr id="20" name="PlaceHolder 3"/>
-          <p:cNvSpPr/>
-          <p:nvPr/>
-        </p:nvSpPr>
-        <p:spPr>
-          <a:xfrm>
-            <a:off x="914400" y="0"/>
-            <a:ext cx="8237520" cy="914040"/>
+          <p:cNvPr id="29" name="PlaceHolder 11"/>
+          <p:cNvSpPr/>
+          <p:nvPr/>
+        </p:nvSpPr>
+        <p:spPr>
+          <a:xfrm>
+            <a:off x="921960" y="0"/>
+            <a:ext cx="8237160" cy="913680"/>
           </a:xfrm>
           <a:prstGeom prst="rect">
             <a:avLst/>
@@ -1726,6 +2434,7 @@
                   <a:srgbClr val="000000"/>
                 </a:solidFill>
                 <a:latin typeface="Times New Roman"/>
+                <a:ea typeface="DejaVu Sans"/>
               </a:rPr>
               <a:t>The “Sliding Window”</a:t>
             </a:r>
@@ -1743,14 +2452,674 @@
       </p:sp>
       <p:sp>
         <p:nvSpPr>
-          <p:cNvPr id="21" name=""/>
+          <p:cNvPr id="30" name=""/>
+          <p:cNvSpPr/>
+          <p:nvPr/>
+        </p:nvSpPr>
+        <p:spPr>
+          <a:xfrm>
+            <a:off x="9664920" y="5258160"/>
+            <a:ext cx="3822480" cy="426960"/>
+          </a:xfrm>
+          <a:prstGeom prst="rect">
+            <a:avLst/>
+          </a:prstGeom>
+          <a:noFill/>
+          <a:ln w="0">
+            <a:noFill/>
+          </a:ln>
+        </p:spPr>
+        <p:style>
+          <a:lnRef idx="0"/>
+          <a:fillRef idx="0"/>
+          <a:effectRef idx="0"/>
+          <a:fontRef idx="minor"/>
+        </p:style>
+        <p:txBody>
+          <a:bodyPr lIns="90000" rIns="90000" tIns="45000" bIns="45000" anchor="t">
+            <a:noAutofit/>
+          </a:bodyPr>
+          <a:p>
+            <a:pPr>
+              <a:lnSpc>
+                <a:spcPct val="100000"/>
+              </a:lnSpc>
+            </a:pPr>
+            <a:r>
+              <a:rPr b="0" lang="en-US" sz="2400" spc="-1" strike="noStrike">
+                <a:solidFill>
+                  <a:srgbClr val="000000"/>
+                </a:solidFill>
+                <a:latin typeface="Times New Roman"/>
+              </a:rPr>
+              <a:t>3</a:t>
+            </a:r>
+            <a:endParaRPr b="0" lang="en-US" sz="2400" spc="-1" strike="noStrike">
+              <a:solidFill>
+                <a:srgbClr val="000000"/>
+              </a:solidFill>
+              <a:latin typeface="Arial"/>
+            </a:endParaRPr>
+          </a:p>
+        </p:txBody>
+      </p:sp>
+      <p:sp>
+        <p:nvSpPr>
+          <p:cNvPr id="31" name=""/>
+          <p:cNvSpPr/>
+          <p:nvPr/>
+        </p:nvSpPr>
+        <p:spPr>
+          <a:xfrm>
+            <a:off x="2238840" y="3896640"/>
+            <a:ext cx="725400" cy="543960"/>
+          </a:xfrm>
+          <a:prstGeom prst="roundRect">
+            <a:avLst>
+              <a:gd name="adj" fmla="val 16667"/>
+            </a:avLst>
+          </a:prstGeom>
+          <a:solidFill>
+            <a:srgbClr val="729fcf"/>
+          </a:solidFill>
+          <a:ln w="0">
+            <a:solidFill>
+              <a:srgbClr val="3465a4"/>
+            </a:solidFill>
+          </a:ln>
+        </p:spPr>
+        <p:style>
+          <a:lnRef idx="0"/>
+          <a:fillRef idx="0"/>
+          <a:effectRef idx="0"/>
+          <a:fontRef idx="minor"/>
+        </p:style>
+        <p:txBody>
+          <a:bodyPr lIns="90000" rIns="90000" tIns="45000" bIns="45000" anchor="ctr">
+            <a:noAutofit/>
+          </a:bodyPr>
+          <a:p>
+            <a:endParaRPr b="0" lang="en-US" sz="1800" spc="-1" strike="noStrike">
+              <a:solidFill>
+                <a:srgbClr val="000000"/>
+              </a:solidFill>
+              <a:latin typeface="Arial"/>
+              <a:ea typeface="DejaVu Sans"/>
+            </a:endParaRPr>
+          </a:p>
+        </p:txBody>
+      </p:sp>
+      <p:sp>
+        <p:nvSpPr>
+          <p:cNvPr id="32" name=""/>
+          <p:cNvSpPr/>
+          <p:nvPr/>
+        </p:nvSpPr>
+        <p:spPr>
+          <a:xfrm>
+            <a:off x="3692160" y="3896640"/>
+            <a:ext cx="725400" cy="543960"/>
+          </a:xfrm>
+          <a:prstGeom prst="roundRect">
+            <a:avLst>
+              <a:gd name="adj" fmla="val 16667"/>
+            </a:avLst>
+          </a:prstGeom>
+          <a:solidFill>
+            <a:srgbClr val="729fcf"/>
+          </a:solidFill>
+          <a:ln w="0">
+            <a:solidFill>
+              <a:srgbClr val="3465a4"/>
+            </a:solidFill>
+          </a:ln>
+        </p:spPr>
+        <p:style>
+          <a:lnRef idx="0"/>
+          <a:fillRef idx="0"/>
+          <a:effectRef idx="0"/>
+          <a:fontRef idx="minor"/>
+        </p:style>
+        <p:txBody>
+          <a:bodyPr lIns="90000" rIns="90000" tIns="45000" bIns="45000" anchor="ctr">
+            <a:noAutofit/>
+          </a:bodyPr>
+          <a:p>
+            <a:endParaRPr b="0" lang="en-US" sz="1800" spc="-1" strike="noStrike">
+              <a:solidFill>
+                <a:srgbClr val="000000"/>
+              </a:solidFill>
+              <a:latin typeface="Arial"/>
+              <a:ea typeface="DejaVu Sans"/>
+            </a:endParaRPr>
+          </a:p>
+        </p:txBody>
+      </p:sp>
+      <p:sp>
+        <p:nvSpPr>
+          <p:cNvPr id="33" name=""/>
+          <p:cNvSpPr/>
+          <p:nvPr/>
+        </p:nvSpPr>
+        <p:spPr>
+          <a:xfrm>
+            <a:off x="2965320" y="3896640"/>
+            <a:ext cx="725400" cy="543960"/>
+          </a:xfrm>
+          <a:prstGeom prst="roundRect">
+            <a:avLst>
+              <a:gd name="adj" fmla="val 16667"/>
+            </a:avLst>
+          </a:prstGeom>
+          <a:solidFill>
+            <a:srgbClr val="729fcf"/>
+          </a:solidFill>
+          <a:ln w="0">
+            <a:solidFill>
+              <a:srgbClr val="3465a4"/>
+            </a:solidFill>
+          </a:ln>
+        </p:spPr>
+        <p:style>
+          <a:lnRef idx="0"/>
+          <a:fillRef idx="0"/>
+          <a:effectRef idx="0"/>
+          <a:fontRef idx="minor"/>
+        </p:style>
+        <p:txBody>
+          <a:bodyPr lIns="90000" rIns="90000" tIns="45000" bIns="45000" anchor="ctr">
+            <a:noAutofit/>
+          </a:bodyPr>
+          <a:p>
+            <a:endParaRPr b="0" lang="en-US" sz="1800" spc="-1" strike="noStrike">
+              <a:solidFill>
+                <a:srgbClr val="000000"/>
+              </a:solidFill>
+              <a:latin typeface="Arial"/>
+              <a:ea typeface="DejaVu Sans"/>
+            </a:endParaRPr>
+          </a:p>
+        </p:txBody>
+      </p:sp>
+      <p:sp>
+        <p:nvSpPr>
+          <p:cNvPr id="34" name=""/>
+          <p:cNvSpPr/>
+          <p:nvPr/>
+        </p:nvSpPr>
+        <p:spPr>
+          <a:xfrm>
+            <a:off x="2420280" y="4025880"/>
+            <a:ext cx="362520" cy="362160"/>
+          </a:xfrm>
+          <a:prstGeom prst="rect">
+            <a:avLst/>
+          </a:prstGeom>
+          <a:noFill/>
+          <a:ln w="0">
+            <a:noFill/>
+          </a:ln>
+        </p:spPr>
+        <p:style>
+          <a:lnRef idx="0"/>
+          <a:fillRef idx="0"/>
+          <a:effectRef idx="0"/>
+          <a:fontRef idx="minor"/>
+        </p:style>
+        <p:txBody>
+          <a:bodyPr lIns="90000" rIns="90000" tIns="45000" bIns="45000" anchor="t">
+            <a:noAutofit/>
+          </a:bodyPr>
+          <a:p>
+            <a:pPr>
+              <a:lnSpc>
+                <a:spcPct val="100000"/>
+              </a:lnSpc>
+            </a:pPr>
+            <a:r>
+              <a:rPr b="0" lang="en-US" sz="1800" spc="-1" strike="noStrike">
+                <a:solidFill>
+                  <a:srgbClr val="000000"/>
+                </a:solidFill>
+                <a:latin typeface="Arial"/>
+                <a:ea typeface="DejaVu Sans"/>
+              </a:rPr>
+              <a:t>A</a:t>
+            </a:r>
+            <a:endParaRPr b="0" lang="en-US" sz="1800" spc="-1" strike="noStrike">
+              <a:solidFill>
+                <a:srgbClr val="000000"/>
+              </a:solidFill>
+              <a:latin typeface="Arial"/>
+            </a:endParaRPr>
+          </a:p>
+        </p:txBody>
+      </p:sp>
+      <p:sp>
+        <p:nvSpPr>
+          <p:cNvPr id="35" name=""/>
+          <p:cNvSpPr/>
+          <p:nvPr/>
+        </p:nvSpPr>
+        <p:spPr>
+          <a:xfrm>
+            <a:off x="3146760" y="4025880"/>
+            <a:ext cx="362520" cy="362160"/>
+          </a:xfrm>
+          <a:prstGeom prst="rect">
+            <a:avLst/>
+          </a:prstGeom>
+          <a:noFill/>
+          <a:ln w="0">
+            <a:noFill/>
+          </a:ln>
+        </p:spPr>
+        <p:style>
+          <a:lnRef idx="0"/>
+          <a:fillRef idx="0"/>
+          <a:effectRef idx="0"/>
+          <a:fontRef idx="minor"/>
+        </p:style>
+        <p:txBody>
+          <a:bodyPr lIns="90000" rIns="90000" tIns="45000" bIns="45000" anchor="t">
+            <a:noAutofit/>
+          </a:bodyPr>
+          <a:p>
+            <a:pPr>
+              <a:lnSpc>
+                <a:spcPct val="100000"/>
+              </a:lnSpc>
+            </a:pPr>
+            <a:r>
+              <a:rPr b="0" lang="en-US" sz="1800" spc="-1" strike="noStrike">
+                <a:solidFill>
+                  <a:srgbClr val="000000"/>
+                </a:solidFill>
+                <a:latin typeface="Arial"/>
+                <a:ea typeface="DejaVu Sans"/>
+              </a:rPr>
+              <a:t>B</a:t>
+            </a:r>
+            <a:endParaRPr b="0" lang="en-US" sz="1800" spc="-1" strike="noStrike">
+              <a:solidFill>
+                <a:srgbClr val="000000"/>
+              </a:solidFill>
+              <a:latin typeface="Arial"/>
+            </a:endParaRPr>
+          </a:p>
+        </p:txBody>
+      </p:sp>
+      <p:sp>
+        <p:nvSpPr>
+          <p:cNvPr id="36" name=""/>
+          <p:cNvSpPr/>
+          <p:nvPr/>
+        </p:nvSpPr>
+        <p:spPr>
+          <a:xfrm>
+            <a:off x="3873600" y="4025880"/>
+            <a:ext cx="362520" cy="362160"/>
+          </a:xfrm>
+          <a:prstGeom prst="rect">
+            <a:avLst/>
+          </a:prstGeom>
+          <a:noFill/>
+          <a:ln w="0">
+            <a:noFill/>
+          </a:ln>
+        </p:spPr>
+        <p:style>
+          <a:lnRef idx="0"/>
+          <a:fillRef idx="0"/>
+          <a:effectRef idx="0"/>
+          <a:fontRef idx="minor"/>
+        </p:style>
+        <p:txBody>
+          <a:bodyPr lIns="90000" rIns="90000" tIns="45000" bIns="45000" anchor="t">
+            <a:noAutofit/>
+          </a:bodyPr>
+          <a:p>
+            <a:pPr>
+              <a:lnSpc>
+                <a:spcPct val="100000"/>
+              </a:lnSpc>
+            </a:pPr>
+            <a:r>
+              <a:rPr b="0" lang="en-US" sz="1800" spc="-1" strike="noStrike">
+                <a:solidFill>
+                  <a:srgbClr val="000000"/>
+                </a:solidFill>
+                <a:latin typeface="Arial"/>
+                <a:ea typeface="DejaVu Sans"/>
+              </a:rPr>
+              <a:t>C</a:t>
+            </a:r>
+            <a:endParaRPr b="0" lang="en-US" sz="1800" spc="-1" strike="noStrike">
+              <a:solidFill>
+                <a:srgbClr val="000000"/>
+              </a:solidFill>
+              <a:latin typeface="Arial"/>
+            </a:endParaRPr>
+          </a:p>
+        </p:txBody>
+      </p:sp>
+      <p:sp>
+        <p:nvSpPr>
+          <p:cNvPr id="37" name=""/>
+          <p:cNvSpPr/>
+          <p:nvPr/>
+        </p:nvSpPr>
+        <p:spPr>
+          <a:xfrm>
+            <a:off x="5904000" y="3896640"/>
+            <a:ext cx="1182600" cy="543960"/>
+          </a:xfrm>
+          <a:prstGeom prst="roundRect">
+            <a:avLst>
+              <a:gd name="adj" fmla="val 16667"/>
+            </a:avLst>
+          </a:prstGeom>
+          <a:solidFill>
+            <a:srgbClr val="77bc65"/>
+          </a:solidFill>
+          <a:ln w="0">
+            <a:solidFill>
+              <a:srgbClr val="3465a4"/>
+            </a:solidFill>
+          </a:ln>
+        </p:spPr>
+        <p:style>
+          <a:lnRef idx="0"/>
+          <a:fillRef idx="0"/>
+          <a:effectRef idx="0"/>
+          <a:fontRef idx="minor"/>
+        </p:style>
+        <p:txBody>
+          <a:bodyPr lIns="90000" rIns="90000" tIns="45000" bIns="45000" anchor="ctr">
+            <a:noAutofit/>
+          </a:bodyPr>
+          <a:p>
+            <a:pPr algn="ctr"/>
+            <a:r>
+              <a:rPr b="0" lang="en-US" sz="1800" spc="-1" strike="noStrike">
+                <a:solidFill>
+                  <a:srgbClr val="000000"/>
+                </a:solidFill>
+                <a:latin typeface="Arial"/>
+              </a:rPr>
+              <a:t>(d, n)</a:t>
+            </a:r>
+            <a:endParaRPr b="0" lang="en-US" sz="1800" spc="-1" strike="noStrike">
+              <a:solidFill>
+                <a:srgbClr val="000000"/>
+              </a:solidFill>
+              <a:latin typeface="Arial"/>
+              <a:ea typeface="DejaVu Sans"/>
+            </a:endParaRPr>
+          </a:p>
+        </p:txBody>
+      </p:sp>
+      <p:sp>
+        <p:nvSpPr>
+          <p:cNvPr id="38" name=""/>
+          <p:cNvSpPr/>
+          <p:nvPr/>
+        </p:nvSpPr>
+        <p:spPr>
+          <a:xfrm>
+            <a:off x="6003720" y="4280040"/>
+            <a:ext cx="362520" cy="362160"/>
+          </a:xfrm>
+          <a:prstGeom prst="rect">
+            <a:avLst/>
+          </a:prstGeom>
+          <a:noFill/>
+          <a:ln w="0">
+            <a:noFill/>
+          </a:ln>
+        </p:spPr>
+        <p:style>
+          <a:lnRef idx="0"/>
+          <a:fillRef idx="0"/>
+          <a:effectRef idx="0"/>
+          <a:fontRef idx="minor"/>
+        </p:style>
+        <p:txBody>
+          <a:bodyPr lIns="90000" rIns="90000" tIns="45000" bIns="45000" anchor="t">
+            <a:noAutofit/>
+          </a:bodyPr>
+          <a:p>
+            <a:endParaRPr b="0" lang="en-US" sz="1800" spc="-1" strike="noStrike">
+              <a:solidFill>
+                <a:srgbClr val="000000"/>
+              </a:solidFill>
+              <a:latin typeface="Arial"/>
+            </a:endParaRPr>
+          </a:p>
+        </p:txBody>
+      </p:sp>
+      <p:sp>
+        <p:nvSpPr>
+          <p:cNvPr id="39" name=""/>
+          <p:cNvSpPr/>
+          <p:nvPr/>
+        </p:nvSpPr>
+        <p:spPr>
+          <a:xfrm>
+            <a:off x="6364800" y="3493080"/>
+            <a:ext cx="0" cy="347400"/>
+          </a:xfrm>
+          <a:prstGeom prst="line">
+            <a:avLst/>
+          </a:prstGeom>
+          <a:ln w="19080">
+            <a:solidFill>
+              <a:srgbClr val="3465a4"/>
+            </a:solidFill>
+            <a:round/>
+            <a:tailEnd len="med" type="triangle" w="med"/>
+          </a:ln>
+        </p:spPr>
+        <p:style>
+          <a:lnRef idx="0"/>
+          <a:fillRef idx="0"/>
+          <a:effectRef idx="0"/>
+          <a:fontRef idx="minor"/>
+        </p:style>
+        <p:txBody>
+          <a:bodyPr lIns="99360" rIns="99360" tIns="54360" bIns="54360" anchor="ctr">
+            <a:noAutofit/>
+          </a:bodyPr>
+          <a:p>
+            <a:endParaRPr b="0" lang="en-US" sz="1800" spc="-1" strike="noStrike">
+              <a:solidFill>
+                <a:srgbClr val="000000"/>
+              </a:solidFill>
+              <a:latin typeface="Arial"/>
+            </a:endParaRPr>
+          </a:p>
+        </p:txBody>
+      </p:sp>
+      <p:sp>
+        <p:nvSpPr>
+          <p:cNvPr id="40" name=""/>
+          <p:cNvSpPr txBox="1"/>
+          <p:nvPr/>
+        </p:nvSpPr>
+        <p:spPr>
+          <a:xfrm>
+            <a:off x="5715000" y="3200400"/>
+            <a:ext cx="1600200" cy="343440"/>
+          </a:xfrm>
+          <a:prstGeom prst="rect">
+            <a:avLst/>
+          </a:prstGeom>
+          <a:noFill/>
+          <a:ln w="0">
+            <a:noFill/>
+          </a:ln>
+        </p:spPr>
+        <p:txBody>
+          <a:bodyPr lIns="90000" rIns="90000" tIns="45000" bIns="45000" anchor="t">
+            <a:noAutofit/>
+          </a:bodyPr>
+          <a:p>
+            <a:pPr algn="ctr"/>
+            <a:r>
+              <a:rPr b="0" lang="en-US" sz="1800" spc="-1" strike="noStrike">
+                <a:solidFill>
+                  <a:srgbClr val="000000"/>
+                </a:solidFill>
+                <a:latin typeface="Times New Roman"/>
+              </a:rPr>
+              <a:t>Jump Distance</a:t>
+            </a:r>
+            <a:endParaRPr b="0" lang="en-US" sz="1800" spc="-1" strike="noStrike">
+              <a:solidFill>
+                <a:srgbClr val="000000"/>
+              </a:solidFill>
+              <a:latin typeface="Times New Roman"/>
+            </a:endParaRPr>
+          </a:p>
+        </p:txBody>
+      </p:sp>
+      <p:sp>
+        <p:nvSpPr>
+          <p:cNvPr id="41" name=""/>
+          <p:cNvSpPr/>
+          <p:nvPr/>
+        </p:nvSpPr>
+        <p:spPr>
+          <a:xfrm flipV="1">
+            <a:off x="6616800" y="4532040"/>
+            <a:ext cx="0" cy="347400"/>
+          </a:xfrm>
+          <a:prstGeom prst="line">
+            <a:avLst/>
+          </a:prstGeom>
+          <a:ln w="19080">
+            <a:solidFill>
+              <a:srgbClr val="3465a4"/>
+            </a:solidFill>
+            <a:round/>
+            <a:tailEnd len="med" type="triangle" w="med"/>
+          </a:ln>
+        </p:spPr>
+        <p:style>
+          <a:lnRef idx="0"/>
+          <a:fillRef idx="0"/>
+          <a:effectRef idx="0"/>
+          <a:fontRef idx="minor"/>
+        </p:style>
+        <p:txBody>
+          <a:bodyPr lIns="99360" rIns="99360" tIns="54360" bIns="54360" anchor="ctr">
+            <a:noAutofit/>
+          </a:bodyPr>
+          <a:p>
+            <a:endParaRPr b="0" lang="en-US" sz="1800" spc="-1" strike="noStrike">
+              <a:solidFill>
+                <a:srgbClr val="000000"/>
+              </a:solidFill>
+              <a:latin typeface="Arial"/>
+            </a:endParaRPr>
+          </a:p>
+        </p:txBody>
+      </p:sp>
+      <p:sp>
+        <p:nvSpPr>
+          <p:cNvPr id="42" name=""/>
+          <p:cNvSpPr txBox="1"/>
+          <p:nvPr/>
+        </p:nvSpPr>
+        <p:spPr>
+          <a:xfrm>
+            <a:off x="5967360" y="4820400"/>
+            <a:ext cx="1600200" cy="343440"/>
+          </a:xfrm>
+          <a:prstGeom prst="rect">
+            <a:avLst/>
+          </a:prstGeom>
+          <a:noFill/>
+          <a:ln w="0">
+            <a:noFill/>
+          </a:ln>
+        </p:spPr>
+        <p:txBody>
+          <a:bodyPr lIns="90000" rIns="90000" tIns="45000" bIns="45000" anchor="t">
+            <a:noAutofit/>
+          </a:bodyPr>
+          <a:p>
+            <a:pPr algn="ctr"/>
+            <a:r>
+              <a:rPr b="0" lang="en-US" sz="1800" spc="-1" strike="noStrike">
+                <a:solidFill>
+                  <a:srgbClr val="000000"/>
+                </a:solidFill>
+                <a:latin typeface="Times New Roman"/>
+              </a:rPr>
+              <a:t>Read Length</a:t>
+            </a:r>
+            <a:endParaRPr b="0" lang="en-US" sz="1800" spc="-1" strike="noStrike">
+              <a:solidFill>
+                <a:srgbClr val="000000"/>
+              </a:solidFill>
+              <a:latin typeface="Times New Roman"/>
+            </a:endParaRPr>
+          </a:p>
+        </p:txBody>
+      </p:sp>
+      <p:sp>
+        <p:nvSpPr>
+          <p:cNvPr id="43" name=""/>
+          <p:cNvSpPr/>
+          <p:nvPr/>
+        </p:nvSpPr>
+        <p:spPr>
+          <a:xfrm>
+            <a:off x="4967280" y="4201920"/>
+            <a:ext cx="347400" cy="0"/>
+          </a:xfrm>
+          <a:prstGeom prst="line">
+            <a:avLst/>
+          </a:prstGeom>
+          <a:ln w="19080">
+            <a:solidFill>
+              <a:srgbClr val="000000"/>
+            </a:solidFill>
+            <a:round/>
+            <a:tailEnd len="med" type="triangle" w="med"/>
+          </a:ln>
+        </p:spPr>
+        <p:style>
+          <a:lnRef idx="0"/>
+          <a:fillRef idx="0"/>
+          <a:effectRef idx="0"/>
+          <a:fontRef idx="minor"/>
+        </p:style>
+        <p:txBody>
+          <a:bodyPr lIns="99360" rIns="99360" tIns="-54360" bIns="-54360" anchor="ctr">
+            <a:noAutofit/>
+          </a:bodyPr>
+          <a:p>
+            <a:endParaRPr b="0" lang="en-US" sz="1800" spc="-1" strike="noStrike">
+              <a:solidFill>
+                <a:srgbClr val="000000"/>
+              </a:solidFill>
+              <a:latin typeface="Arial"/>
+            </a:endParaRPr>
+          </a:p>
+        </p:txBody>
+      </p:sp>
+      <p:sp>
+        <p:nvSpPr>
+          <p:cNvPr id="44" name=""/>
           <p:cNvSpPr/>
           <p:nvPr/>
         </p:nvSpPr>
         <p:spPr>
           <a:xfrm>
             <a:off x="468000" y="1128600"/>
-            <a:ext cx="9132840" cy="1385640"/>
+            <a:ext cx="9132480" cy="1385280"/>
           </a:xfrm>
           <a:prstGeom prst="rect">
             <a:avLst/>
@@ -1783,13 +3152,205 @@
               <a:buChar char=""/>
             </a:pPr>
             <a:r>
-              <a:rPr b="0" lang="en-US" sz="2600" spc="-1" strike="noStrike">
+              <a:rPr b="0" lang="en-US" sz="2400" spc="-1" strike="noStrike">
                 <a:solidFill>
                   <a:srgbClr val="000000"/>
                 </a:solidFill>
                 <a:latin typeface="Times New Roman"/>
                 <a:ea typeface="DejaVu Sans"/>
               </a:rPr>
+              <a:t>Matching characters are replaced with pointers to earlier occurances</a:t>
+            </a:r>
+            <a:endParaRPr b="0" lang="en-US" sz="2400" spc="-1" strike="noStrike">
+              <a:solidFill>
+                <a:srgbClr val="000000"/>
+              </a:solidFill>
+              <a:latin typeface="Arial"/>
+            </a:endParaRPr>
+          </a:p>
+        </p:txBody>
+      </p:sp>
+    </p:spTree>
+  </p:cSld>
+  <mc:AlternateContent>
+    <mc:Choice Requires="p14">
+      <p:transition spd="slow" p14:dur="2000"/>
+    </mc:Choice>
+    <mc:Fallback>
+      <p:transition spd="slow"/>
+    </mc:Fallback>
+  </mc:AlternateContent>
+</p:sld>
+</file>
+
+<file path=ppt/slides/slide5.xml><?xml version="1.0" encoding="utf-8"?>
+<p:sld xmlns:a="http://schemas.openxmlformats.org/drawingml/2006/main" xmlns:p="http://schemas.openxmlformats.org/presentationml/2006/main" xmlns:r="http://schemas.openxmlformats.org/officeDocument/2006/relationships" xmlns:p14="http://schemas.microsoft.com/office/powerpoint/2010/main" xmlns:p15="http://schemas.microsoft.com/office/powerpoint/2012/main" xmlns:mc="http://schemas.openxmlformats.org/markup-compatibility/2006">
+  <p:cSld>
+    <p:spTree>
+      <p:nvGrpSpPr>
+        <p:cNvPr id="1" name=""/>
+        <p:cNvGrpSpPr/>
+        <p:nvPr/>
+      </p:nvGrpSpPr>
+      <p:grpSpPr>
+        <a:xfrm>
+          <a:off x="0" y="0"/>
+          <a:ext cx="0" cy="0"/>
+          <a:chOff x="0" y="0"/>
+          <a:chExt cx="0" cy="0"/>
+        </a:xfrm>
+      </p:grpSpPr>
+      <p:sp>
+        <p:nvSpPr>
+          <p:cNvPr id="45" name="Straight Connector 4"/>
+          <p:cNvSpPr/>
+          <p:nvPr/>
+        </p:nvSpPr>
+        <p:spPr>
+          <a:xfrm>
+            <a:off x="468000" y="1128600"/>
+            <a:ext cx="9144000" cy="360"/>
+          </a:xfrm>
+          <a:prstGeom prst="line">
+            <a:avLst/>
+          </a:prstGeom>
+          <a:ln w="57240">
+            <a:solidFill>
+              <a:srgbClr val="ed7d31"/>
+            </a:solidFill>
+            <a:miter/>
+          </a:ln>
+        </p:spPr>
+        <p:style>
+          <a:lnRef idx="0"/>
+          <a:fillRef idx="0"/>
+          <a:effectRef idx="0"/>
+          <a:fontRef idx="minor"/>
+        </p:style>
+        <p:txBody>
+          <a:bodyPr lIns="90000" rIns="90000" tIns="-44640" bIns="-44640" anchor="t" anchorCtr="1">
+            <a:noAutofit/>
+          </a:bodyPr>
+          <a:p>
+            <a:endParaRPr b="0" lang="en-US" sz="1800" spc="-1" strike="noStrike">
+              <a:solidFill>
+                <a:srgbClr val="000000"/>
+              </a:solidFill>
+              <a:latin typeface="Arial"/>
+              <a:ea typeface="DejaVu Sans"/>
+            </a:endParaRPr>
+          </a:p>
+        </p:txBody>
+      </p:sp>
+      <p:sp>
+        <p:nvSpPr>
+          <p:cNvPr id="46" name="PlaceHolder 3"/>
+          <p:cNvSpPr/>
+          <p:nvPr/>
+        </p:nvSpPr>
+        <p:spPr>
+          <a:xfrm>
+            <a:off x="914400" y="0"/>
+            <a:ext cx="8237160" cy="913680"/>
+          </a:xfrm>
+          <a:prstGeom prst="rect">
+            <a:avLst/>
+          </a:prstGeom>
+          <a:noFill/>
+          <a:ln w="9360">
+            <a:noFill/>
+          </a:ln>
+        </p:spPr>
+        <p:style>
+          <a:lnRef idx="0"/>
+          <a:fillRef idx="0"/>
+          <a:effectRef idx="0"/>
+          <a:fontRef idx="minor"/>
+        </p:style>
+        <p:txBody>
+          <a:bodyPr numCol="1" spcCol="0" lIns="90000" rIns="90000" tIns="45000" bIns="45000" anchor="t">
+            <a:noAutofit/>
+          </a:bodyPr>
+          <a:p>
+            <a:pPr algn="ctr">
+              <a:lnSpc>
+                <a:spcPct val="150000"/>
+              </a:lnSpc>
+              <a:tabLst>
+                <a:tab algn="l" pos="0"/>
+              </a:tabLst>
+            </a:pPr>
+            <a:r>
+              <a:rPr b="0" lang="en-US" sz="2800" spc="-1" strike="noStrike">
+                <a:solidFill>
+                  <a:srgbClr val="000000"/>
+                </a:solidFill>
+                <a:latin typeface="Times New Roman"/>
+                <a:ea typeface="DejaVu Sans"/>
+              </a:rPr>
+              <a:t>The “Sliding Window”</a:t>
+            </a:r>
+            <a:br>
+              <a:rPr sz="2800"/>
+            </a:br>
+            <a:endParaRPr b="0" lang="en-US" sz="2800" spc="-1" strike="noStrike">
+              <a:solidFill>
+                <a:srgbClr val="000000"/>
+              </a:solidFill>
+              <a:latin typeface="Arial"/>
+            </a:endParaRPr>
+          </a:p>
+        </p:txBody>
+      </p:sp>
+      <p:sp>
+        <p:nvSpPr>
+          <p:cNvPr id="47" name=""/>
+          <p:cNvSpPr/>
+          <p:nvPr/>
+        </p:nvSpPr>
+        <p:spPr>
+          <a:xfrm>
+            <a:off x="468000" y="1128600"/>
+            <a:ext cx="9132480" cy="1385280"/>
+          </a:xfrm>
+          <a:prstGeom prst="rect">
+            <a:avLst/>
+          </a:prstGeom>
+          <a:noFill/>
+          <a:ln w="0">
+            <a:noFill/>
+          </a:ln>
+        </p:spPr>
+        <p:style>
+          <a:lnRef idx="0"/>
+          <a:fillRef idx="0"/>
+          <a:effectRef idx="0"/>
+          <a:fontRef idx="minor"/>
+        </p:style>
+        <p:txBody>
+          <a:bodyPr lIns="90000" rIns="90000" tIns="45000" bIns="45000" anchor="t">
+            <a:noAutofit/>
+          </a:bodyPr>
+          <a:p>
+            <a:pPr marL="216000" indent="-216000">
+              <a:lnSpc>
+                <a:spcPct val="150000"/>
+              </a:lnSpc>
+              <a:buClr>
+                <a:srgbClr val="000000"/>
+              </a:buClr>
+              <a:buSzPct val="45000"/>
+              <a:buFont typeface="Wingdings" charset="2"/>
+              <a:buChar char=""/>
+            </a:pPr>
+            <a:r>
+              <a:rPr b="0" lang="en-US" sz="2600" spc="-1" strike="noStrike">
+                <a:solidFill>
+                  <a:srgbClr val="000000"/>
+                </a:solidFill>
+                <a:latin typeface="Times New Roman"/>
+                <a:ea typeface="DejaVu Sans"/>
+              </a:rPr>
               <a:t>Two buffers slide along, encoding the file by creating pointers to earlier instances of characters with a read distance</a:t>
             </a:r>
             <a:endParaRPr b="0" lang="en-US" sz="2600" spc="-1" strike="noStrike">
@@ -1803,22 +3364,22 @@
       </p:sp>
       <p:sp>
         <p:nvSpPr>
-          <p:cNvPr id="22" name=""/>
+          <p:cNvPr id="48" name=""/>
           <p:cNvSpPr/>
           <p:nvPr/>
         </p:nvSpPr>
         <p:spPr>
           <a:xfrm rot="5391600">
             <a:off x="6655320" y="1710000"/>
-            <a:ext cx="454320" cy="3268080"/>
+            <a:ext cx="453960" cy="3267720"/>
           </a:xfrm>
           <a:custGeom>
             <a:avLst/>
             <a:gdLst>
-              <a:gd name="textAreaLeft" fmla="*/ 290520 w 454320"/>
-              <a:gd name="textAreaRight" fmla="*/ 455040 w 454320"/>
-              <a:gd name="textAreaTop" fmla="*/ 84960 h 3268080"/>
-              <a:gd name="textAreaBottom" fmla="*/ 3183480 h 3268080"/>
+              <a:gd name="textAreaLeft" fmla="*/ 290520 w 453960"/>
+              <a:gd name="textAreaRight" fmla="*/ 455040 w 453960"/>
+              <a:gd name="textAreaTop" fmla="*/ 84960 h 3267720"/>
+              <a:gd name="textAreaBottom" fmla="*/ 3183480 h 3267720"/>
             </a:gdLst>
             <a:ahLst/>
             <a:rect l="textAreaLeft" t="textAreaTop" r="textAreaRight" b="textAreaBottom"/>
@@ -1891,14 +3452,14 @@
       </p:sp>
       <p:sp>
         <p:nvSpPr>
-          <p:cNvPr id="23" name=""/>
+          <p:cNvPr id="49" name=""/>
           <p:cNvSpPr/>
           <p:nvPr/>
         </p:nvSpPr>
         <p:spPr>
           <a:xfrm>
             <a:off x="1432080" y="3528720"/>
-            <a:ext cx="725760" cy="544320"/>
+            <a:ext cx="725400" cy="543960"/>
           </a:xfrm>
           <a:prstGeom prst="roundRect">
             <a:avLst>
@@ -1942,14 +3503,14 @@
       </p:sp>
       <p:sp>
         <p:nvSpPr>
-          <p:cNvPr id="24" name=""/>
+          <p:cNvPr id="50" name=""/>
           <p:cNvSpPr/>
           <p:nvPr/>
         </p:nvSpPr>
         <p:spPr>
           <a:xfrm>
             <a:off x="2159280" y="3528720"/>
-            <a:ext cx="725760" cy="544320"/>
+            <a:ext cx="725400" cy="543960"/>
           </a:xfrm>
           <a:prstGeom prst="roundRect">
             <a:avLst>
@@ -1993,14 +3554,14 @@
       </p:sp>
       <p:sp>
         <p:nvSpPr>
-          <p:cNvPr id="25" name=""/>
+          <p:cNvPr id="51" name=""/>
           <p:cNvSpPr/>
           <p:nvPr/>
         </p:nvSpPr>
         <p:spPr>
           <a:xfrm>
             <a:off x="3612600" y="3528720"/>
-            <a:ext cx="725760" cy="544320"/>
+            <a:ext cx="725400" cy="543960"/>
           </a:xfrm>
           <a:prstGeom prst="roundRect">
             <a:avLst>
@@ -2044,14 +3605,14 @@
       </p:sp>
       <p:sp>
         <p:nvSpPr>
-          <p:cNvPr id="26" name=""/>
+          <p:cNvPr id="52" name=""/>
           <p:cNvSpPr/>
           <p:nvPr/>
         </p:nvSpPr>
         <p:spPr>
           <a:xfrm>
             <a:off x="4339080" y="3528720"/>
-            <a:ext cx="725760" cy="544320"/>
+            <a:ext cx="725400" cy="543960"/>
           </a:xfrm>
           <a:prstGeom prst="roundRect">
             <a:avLst>
@@ -2095,14 +3656,14 @@
       </p:sp>
       <p:sp>
         <p:nvSpPr>
-          <p:cNvPr id="27" name=""/>
+          <p:cNvPr id="53" name=""/>
           <p:cNvSpPr/>
           <p:nvPr/>
         </p:nvSpPr>
         <p:spPr>
           <a:xfrm>
             <a:off x="2885760" y="3528720"/>
-            <a:ext cx="725760" cy="544320"/>
+            <a:ext cx="725400" cy="543960"/>
           </a:xfrm>
           <a:prstGeom prst="roundRect">
             <a:avLst>
@@ -2146,14 +3707,14 @@
       </p:sp>
       <p:sp>
         <p:nvSpPr>
-          <p:cNvPr id="28" name=""/>
+          <p:cNvPr id="54" name=""/>
           <p:cNvSpPr/>
           <p:nvPr/>
         </p:nvSpPr>
         <p:spPr>
           <a:xfrm>
             <a:off x="5065920" y="3528720"/>
-            <a:ext cx="725760" cy="544320"/>
+            <a:ext cx="725400" cy="543960"/>
           </a:xfrm>
           <a:prstGeom prst="roundRect">
             <a:avLst>
@@ -2197,14 +3758,14 @@
       </p:sp>
       <p:sp>
         <p:nvSpPr>
-          <p:cNvPr id="29" name=""/>
+          <p:cNvPr id="55" name=""/>
           <p:cNvSpPr/>
           <p:nvPr/>
         </p:nvSpPr>
         <p:spPr>
           <a:xfrm>
             <a:off x="5792400" y="3528720"/>
-            <a:ext cx="725760" cy="544320"/>
+            <a:ext cx="725400" cy="543960"/>
           </a:xfrm>
           <a:prstGeom prst="roundRect">
             <a:avLst>
@@ -2248,14 +3809,14 @@
       </p:sp>
       <p:sp>
         <p:nvSpPr>
-          <p:cNvPr id="30" name=""/>
+          <p:cNvPr id="56" name=""/>
           <p:cNvSpPr/>
           <p:nvPr/>
         </p:nvSpPr>
         <p:spPr>
           <a:xfrm>
             <a:off x="6519600" y="3528720"/>
-            <a:ext cx="725760" cy="544320"/>
+            <a:ext cx="725400" cy="543960"/>
           </a:xfrm>
           <a:prstGeom prst="roundRect">
             <a:avLst>
@@ -2299,14 +3860,14 @@
       </p:sp>
       <p:sp>
         <p:nvSpPr>
-          <p:cNvPr id="31" name=""/>
+          <p:cNvPr id="57" name=""/>
           <p:cNvSpPr/>
           <p:nvPr/>
         </p:nvSpPr>
         <p:spPr>
           <a:xfrm>
             <a:off x="7246080" y="3528720"/>
-            <a:ext cx="726120" cy="544320"/>
+            <a:ext cx="725760" cy="543960"/>
           </a:xfrm>
           <a:prstGeom prst="roundRect">
             <a:avLst>
@@ -2350,14 +3911,14 @@
       </p:sp>
       <p:sp>
         <p:nvSpPr>
-          <p:cNvPr id="32" name=""/>
+          <p:cNvPr id="58" name=""/>
           <p:cNvSpPr/>
           <p:nvPr/>
         </p:nvSpPr>
         <p:spPr>
           <a:xfrm>
             <a:off x="7972920" y="3528720"/>
-            <a:ext cx="725760" cy="544320"/>
+            <a:ext cx="725400" cy="543960"/>
           </a:xfrm>
           <a:prstGeom prst="roundRect">
             <a:avLst>
@@ -2401,7 +3962,7 @@
       </p:sp>
       <p:sp>
         <p:nvSpPr>
-          <p:cNvPr id="33" name=""/>
+          <p:cNvPr id="59" name=""/>
           <p:cNvSpPr/>
           <p:nvPr/>
         </p:nvSpPr>
@@ -2444,22 +4005,22 @@
       </p:sp>
       <p:sp>
         <p:nvSpPr>
-          <p:cNvPr id="34" name=""/>
+          <p:cNvPr id="60" name=""/>
           <p:cNvSpPr/>
           <p:nvPr/>
         </p:nvSpPr>
         <p:spPr>
           <a:xfrm rot="5392800">
-            <a:off x="2708640" y="2073600"/>
-            <a:ext cx="353160" cy="2543040"/>
+            <a:off x="2708640" y="2073240"/>
+            <a:ext cx="352800" cy="2542680"/>
           </a:xfrm>
           <a:custGeom>
             <a:avLst/>
             <a:gdLst>
-              <a:gd name="textAreaLeft" fmla="*/ 226080 w 353160"/>
-              <a:gd name="textAreaRight" fmla="*/ 353880 w 353160"/>
-              <a:gd name="textAreaTop" fmla="*/ 65880 h 2543040"/>
-              <a:gd name="textAreaBottom" fmla="*/ 2477520 h 2543040"/>
+              <a:gd name="textAreaLeft" fmla="*/ 226080 w 352800"/>
+              <a:gd name="textAreaRight" fmla="*/ 353880 w 352800"/>
+              <a:gd name="textAreaTop" fmla="*/ 65880 h 2542680"/>
+              <a:gd name="textAreaBottom" fmla="*/ 2477520 h 2542680"/>
             </a:gdLst>
             <a:ahLst/>
             <a:rect l="textAreaLeft" t="textAreaTop" r="textAreaRight" b="textAreaBottom"/>
@@ -2532,14 +4093,14 @@
       </p:sp>
       <p:sp>
         <p:nvSpPr>
-          <p:cNvPr id="35" name=""/>
+          <p:cNvPr id="61" name=""/>
           <p:cNvSpPr/>
           <p:nvPr/>
         </p:nvSpPr>
         <p:spPr>
           <a:xfrm>
             <a:off x="1474200" y="2743200"/>
-            <a:ext cx="2700720" cy="284040"/>
+            <a:ext cx="2700360" cy="283680"/>
           </a:xfrm>
           <a:prstGeom prst="rect">
             <a:avLst/>
@@ -2586,14 +4147,14 @@
       </p:sp>
       <p:sp>
         <p:nvSpPr>
-          <p:cNvPr id="36" name=""/>
+          <p:cNvPr id="62" name=""/>
           <p:cNvSpPr/>
           <p:nvPr/>
         </p:nvSpPr>
         <p:spPr>
           <a:xfrm>
             <a:off x="5596560" y="2711160"/>
-            <a:ext cx="3354480" cy="473400"/>
+            <a:ext cx="3354120" cy="473040"/>
           </a:xfrm>
           <a:prstGeom prst="rect">
             <a:avLst/>
@@ -2640,14 +4201,14 @@
       </p:sp>
       <p:sp>
         <p:nvSpPr>
-          <p:cNvPr id="37" name=""/>
+          <p:cNvPr id="63" name=""/>
           <p:cNvSpPr/>
           <p:nvPr/>
         </p:nvSpPr>
         <p:spPr>
           <a:xfrm>
             <a:off x="3779280" y="4744800"/>
-            <a:ext cx="2514240" cy="356040"/>
+            <a:ext cx="2513880" cy="355680"/>
           </a:xfrm>
           <a:prstGeom prst="rect">
             <a:avLst/>
@@ -2694,14 +4255,14 @@
       </p:sp>
       <p:sp>
         <p:nvSpPr>
-          <p:cNvPr id="38" name=""/>
+          <p:cNvPr id="64" name=""/>
           <p:cNvSpPr/>
           <p:nvPr/>
         </p:nvSpPr>
         <p:spPr>
           <a:xfrm>
             <a:off x="1613880" y="3657960"/>
-            <a:ext cx="362520" cy="362520"/>
+            <a:ext cx="362160" cy="362160"/>
           </a:xfrm>
           <a:prstGeom prst="rect">
             <a:avLst/>
@@ -2748,14 +4309,14 @@
       </p:sp>
       <p:sp>
         <p:nvSpPr>
-          <p:cNvPr id="39" name=""/>
+          <p:cNvPr id="65" name=""/>
           <p:cNvSpPr/>
           <p:nvPr/>
         </p:nvSpPr>
         <p:spPr>
           <a:xfrm>
             <a:off x="2340720" y="3657960"/>
-            <a:ext cx="362880" cy="362520"/>
+            <a:ext cx="362520" cy="362160"/>
           </a:xfrm>
           <a:prstGeom prst="rect">
             <a:avLst/>
@@ -2802,14 +4363,14 @@
       </p:sp>
       <p:sp>
         <p:nvSpPr>
-          <p:cNvPr id="40" name=""/>
+          <p:cNvPr id="66" name=""/>
           <p:cNvSpPr/>
           <p:nvPr/>
         </p:nvSpPr>
         <p:spPr>
           <a:xfrm>
             <a:off x="3067200" y="3657960"/>
-            <a:ext cx="362880" cy="362520"/>
+            <a:ext cx="362520" cy="362160"/>
           </a:xfrm>
           <a:prstGeom prst="rect">
             <a:avLst/>
@@ -2856,14 +4417,14 @@
       </p:sp>
       <p:sp>
         <p:nvSpPr>
-          <p:cNvPr id="41" name=""/>
+          <p:cNvPr id="67" name=""/>
           <p:cNvSpPr/>
           <p:nvPr/>
         </p:nvSpPr>
         <p:spPr>
           <a:xfrm>
             <a:off x="3794040" y="3657960"/>
-            <a:ext cx="362880" cy="362520"/>
+            <a:ext cx="362520" cy="362160"/>
           </a:xfrm>
           <a:prstGeom prst="rect">
             <a:avLst/>
@@ -2910,14 +4471,14 @@
       </p:sp>
       <p:sp>
         <p:nvSpPr>
-          <p:cNvPr id="42" name=""/>
+          <p:cNvPr id="68" name=""/>
           <p:cNvSpPr/>
           <p:nvPr/>
         </p:nvSpPr>
         <p:spPr>
           <a:xfrm>
             <a:off x="4520880" y="3657960"/>
-            <a:ext cx="363240" cy="362520"/>
+            <a:ext cx="362880" cy="362160"/>
           </a:xfrm>
           <a:prstGeom prst="rect">
             <a:avLst/>
@@ -2964,14 +4525,14 @@
       </p:sp>
       <p:sp>
         <p:nvSpPr>
-          <p:cNvPr id="43" name=""/>
+          <p:cNvPr id="69" name=""/>
           <p:cNvSpPr/>
           <p:nvPr/>
         </p:nvSpPr>
         <p:spPr>
           <a:xfrm>
             <a:off x="5247720" y="3657960"/>
-            <a:ext cx="362880" cy="362520"/>
+            <a:ext cx="362520" cy="362160"/>
           </a:xfrm>
           <a:prstGeom prst="rect">
             <a:avLst/>
@@ -3018,14 +4579,14 @@
       </p:sp>
       <p:sp>
         <p:nvSpPr>
-          <p:cNvPr id="44" name=""/>
+          <p:cNvPr id="70" name=""/>
           <p:cNvSpPr/>
           <p:nvPr/>
         </p:nvSpPr>
         <p:spPr>
           <a:xfrm>
             <a:off x="5974200" y="3657960"/>
-            <a:ext cx="362520" cy="362520"/>
+            <a:ext cx="362160" cy="362160"/>
           </a:xfrm>
           <a:prstGeom prst="rect">
             <a:avLst/>
@@ -3072,14 +4633,14 @@
       </p:sp>
       <p:sp>
         <p:nvSpPr>
-          <p:cNvPr id="45" name=""/>
+          <p:cNvPr id="71" name=""/>
           <p:cNvSpPr/>
           <p:nvPr/>
         </p:nvSpPr>
         <p:spPr>
           <a:xfrm>
             <a:off x="6701400" y="3657960"/>
-            <a:ext cx="362520" cy="362520"/>
+            <a:ext cx="362160" cy="362160"/>
           </a:xfrm>
           <a:prstGeom prst="rect">
             <a:avLst/>
@@ -3126,14 +4687,14 @@
       </p:sp>
       <p:sp>
         <p:nvSpPr>
-          <p:cNvPr id="46" name=""/>
+          <p:cNvPr id="72" name=""/>
           <p:cNvSpPr/>
           <p:nvPr/>
         </p:nvSpPr>
         <p:spPr>
           <a:xfrm>
             <a:off x="7428240" y="3657960"/>
-            <a:ext cx="362520" cy="362520"/>
+            <a:ext cx="362160" cy="362160"/>
           </a:xfrm>
           <a:prstGeom prst="rect">
             <a:avLst/>
@@ -3180,14 +4741,14 @@
       </p:sp>
       <p:sp>
         <p:nvSpPr>
-          <p:cNvPr id="47" name=""/>
+          <p:cNvPr id="73" name=""/>
           <p:cNvSpPr/>
           <p:nvPr/>
         </p:nvSpPr>
         <p:spPr>
           <a:xfrm>
             <a:off x="8154720" y="3657960"/>
-            <a:ext cx="362520" cy="362520"/>
+            <a:ext cx="362160" cy="362160"/>
           </a:xfrm>
           <a:prstGeom prst="rect">
             <a:avLst/>
@@ -3234,14 +4795,14 @@
       </p:sp>
       <p:sp>
         <p:nvSpPr>
-          <p:cNvPr id="48" name=""/>
-          <p:cNvSpPr txBox="1"/>
+          <p:cNvPr id="74" name=""/>
+          <p:cNvSpPr/>
           <p:nvPr/>
         </p:nvSpPr>
         <p:spPr>
           <a:xfrm>
             <a:off x="9664560" y="5257800"/>
-            <a:ext cx="3822840" cy="427320"/>
+            <a:ext cx="3822480" cy="426960"/>
           </a:xfrm>
           <a:prstGeom prst="rect">
             <a:avLst/>
@@ -3251,11 +4812,22 @@
             <a:noFill/>
           </a:ln>
         </p:spPr>
+        <p:style>
+          <a:lnRef idx="0"/>
+          <a:fillRef idx="0"/>
+          <a:effectRef idx="0"/>
+          <a:fontRef idx="minor"/>
+        </p:style>
         <p:txBody>
           <a:bodyPr lIns="90000" rIns="90000" tIns="45000" bIns="45000" anchor="t">
             <a:noAutofit/>
           </a:bodyPr>
           <a:p>
+            <a:pPr>
+              <a:lnSpc>
+                <a:spcPct val="100000"/>
+              </a:lnSpc>
+            </a:pPr>
             <a:r>
               <a:rPr b="0" lang="en-US" sz="2400" spc="-1" strike="noStrike">
                 <a:solidFill>
@@ -3263,1462 +4835,13 @@
                 </a:solidFill>
                 <a:latin typeface="Times New Roman"/>
               </a:rPr>
-              <a:t>3</a:t>
+              <a:t>4</a:t>
             </a:r>
             <a:endParaRPr b="0" lang="en-US" sz="2400" spc="-1" strike="noStrike">
               <a:solidFill>
                 <a:srgbClr val="000000"/>
               </a:solidFill>
-              <a:latin typeface="Times New Roman"/>
-            </a:endParaRPr>
-          </a:p>
-        </p:txBody>
-      </p:sp>
-    </p:spTree>
-  </p:cSld>
-  <mc:AlternateContent>
-    <mc:Choice Requires="p14">
-      <p:transition spd="slow" p14:dur="2000"/>
-    </mc:Choice>
-    <mc:Fallback>
-      <p:transition spd="slow"/>
-    </mc:Fallback>
-  </mc:AlternateContent>
-</p:sld>
-</file>
-
-<file path=ppt/slides/slide5.xml><?xml version="1.0" encoding="utf-8"?>
-<p:sld xmlns:a="http://schemas.openxmlformats.org/drawingml/2006/main" xmlns:p="http://schemas.openxmlformats.org/presentationml/2006/main" xmlns:r="http://schemas.openxmlformats.org/officeDocument/2006/relationships" xmlns:p14="http://schemas.microsoft.com/office/powerpoint/2010/main" xmlns:p15="http://schemas.microsoft.com/office/powerpoint/2012/main" xmlns:mc="http://schemas.openxmlformats.org/markup-compatibility/2006">
-  <p:cSld>
-    <p:spTree>
-      <p:nvGrpSpPr>
-        <p:cNvPr id="1" name=""/>
-        <p:cNvGrpSpPr/>
-        <p:nvPr/>
-      </p:nvGrpSpPr>
-      <p:grpSpPr>
-        <a:xfrm>
-          <a:off x="0" y="0"/>
-          <a:ext cx="0" cy="0"/>
-          <a:chOff x="0" y="0"/>
-          <a:chExt cx="0" cy="0"/>
-        </a:xfrm>
-      </p:grpSpPr>
-      <p:sp>
-        <p:nvSpPr>
-          <p:cNvPr id="49" name="Straight Connector 5"/>
-          <p:cNvSpPr/>
-          <p:nvPr/>
-        </p:nvSpPr>
-        <p:spPr>
-          <a:xfrm>
-            <a:off x="468000" y="1128600"/>
-            <a:ext cx="9144000" cy="360"/>
-          </a:xfrm>
-          <a:prstGeom prst="line">
-            <a:avLst/>
-          </a:prstGeom>
-          <a:ln w="57240">
-            <a:solidFill>
-              <a:srgbClr val="ed7d31"/>
-            </a:solidFill>
-            <a:miter/>
-          </a:ln>
-        </p:spPr>
-        <p:style>
-          <a:lnRef idx="0"/>
-          <a:fillRef idx="0"/>
-          <a:effectRef idx="0"/>
-          <a:fontRef idx="minor"/>
-        </p:style>
-        <p:txBody>
-          <a:bodyPr lIns="90000" rIns="90000" tIns="-44640" bIns="-44640" anchor="t" anchorCtr="1">
-            <a:noAutofit/>
-          </a:bodyPr>
-          <a:p>
-            <a:endParaRPr b="0" lang="en-US" sz="1800" spc="-1" strike="noStrike">
-              <a:solidFill>
-                <a:srgbClr val="000000"/>
-              </a:solidFill>
-              <a:latin typeface="Arial"/>
-              <a:ea typeface="DejaVu Sans"/>
-            </a:endParaRPr>
-          </a:p>
-        </p:txBody>
-      </p:sp>
-      <p:sp>
-        <p:nvSpPr>
-          <p:cNvPr id="50" name="PlaceHolder 4"/>
-          <p:cNvSpPr/>
-          <p:nvPr/>
-        </p:nvSpPr>
-        <p:spPr>
-          <a:xfrm>
-            <a:off x="914400" y="0"/>
-            <a:ext cx="8237520" cy="914040"/>
-          </a:xfrm>
-          <a:prstGeom prst="rect">
-            <a:avLst/>
-          </a:prstGeom>
-          <a:noFill/>
-          <a:ln w="9360">
-            <a:noFill/>
-          </a:ln>
-        </p:spPr>
-        <p:style>
-          <a:lnRef idx="0"/>
-          <a:fillRef idx="0"/>
-          <a:effectRef idx="0"/>
-          <a:fontRef idx="minor"/>
-        </p:style>
-        <p:txBody>
-          <a:bodyPr numCol="1" spcCol="0" lIns="90000" rIns="90000" tIns="45000" bIns="45000" anchor="t">
-            <a:noAutofit/>
-          </a:bodyPr>
-          <a:p>
-            <a:pPr algn="ctr">
-              <a:lnSpc>
-                <a:spcPct val="150000"/>
-              </a:lnSpc>
-              <a:tabLst>
-                <a:tab algn="l" pos="0"/>
-              </a:tabLst>
-            </a:pPr>
-            <a:r>
-              <a:rPr b="0" lang="en-US" sz="2800" spc="-1" strike="noStrike">
-                <a:solidFill>
-                  <a:srgbClr val="000000"/>
-                </a:solidFill>
-                <a:latin typeface="Times New Roman"/>
-              </a:rPr>
-              <a:t>How do the Buffers Work?</a:t>
-            </a:r>
-            <a:br>
-              <a:rPr sz="2800"/>
-            </a:br>
-            <a:endParaRPr b="0" lang="en-US" sz="2800" spc="-1" strike="noStrike">
-              <a:solidFill>
-                <a:srgbClr val="000000"/>
-              </a:solidFill>
-              <a:latin typeface="Arial"/>
-            </a:endParaRPr>
-          </a:p>
-        </p:txBody>
-      </p:sp>
-      <p:sp>
-        <p:nvSpPr>
-          <p:cNvPr id="51" name=""/>
-          <p:cNvSpPr/>
-          <p:nvPr/>
-        </p:nvSpPr>
-        <p:spPr>
-          <a:xfrm>
-            <a:off x="468000" y="1128600"/>
-            <a:ext cx="9132840" cy="1944720"/>
-          </a:xfrm>
-          <a:prstGeom prst="rect">
-            <a:avLst/>
-          </a:prstGeom>
-          <a:noFill/>
-          <a:ln w="0">
-            <a:noFill/>
-          </a:ln>
-        </p:spPr>
-        <p:style>
-          <a:lnRef idx="0"/>
-          <a:fillRef idx="0"/>
-          <a:effectRef idx="0"/>
-          <a:fontRef idx="minor"/>
-        </p:style>
-        <p:txBody>
-          <a:bodyPr lIns="90000" rIns="90000" tIns="45000" bIns="45000" anchor="t">
-            <a:noAutofit/>
-          </a:bodyPr>
-          <a:p>
-            <a:pPr marL="216000" indent="-216000">
-              <a:lnSpc>
-                <a:spcPct val="150000"/>
-              </a:lnSpc>
-              <a:buClr>
-                <a:srgbClr val="000000"/>
-              </a:buClr>
-              <a:buSzPct val="45000"/>
-              <a:buFont typeface="Wingdings" charset="2"/>
-              <a:buChar char=""/>
-            </a:pPr>
-            <a:r>
-              <a:rPr b="0" lang="en-US" sz="2200" spc="-1" strike="noStrike">
-                <a:solidFill>
-                  <a:srgbClr val="000000"/>
-                </a:solidFill>
-                <a:latin typeface="Times New Roman"/>
-                <a:ea typeface="DejaVu Sans"/>
-              </a:rPr>
-              <a:t>Each buffer can be thought of as look up memory, distinguished by its relative position to the current character</a:t>
-            </a:r>
-            <a:endParaRPr b="0" lang="en-US" sz="2200" spc="-1" strike="noStrike">
-              <a:solidFill>
-                <a:srgbClr val="000000"/>
-              </a:solidFill>
-              <a:latin typeface="Arial"/>
-            </a:endParaRPr>
-          </a:p>
-          <a:p>
-            <a:pPr marL="216000" indent="-216000">
-              <a:lnSpc>
-                <a:spcPct val="150000"/>
-              </a:lnSpc>
-              <a:buClr>
-                <a:srgbClr val="000000"/>
-              </a:buClr>
-              <a:buSzPct val="45000"/>
-              <a:buFont typeface="Wingdings" charset="2"/>
-              <a:buChar char=""/>
-            </a:pPr>
-            <a:r>
-              <a:rPr b="0" lang="en-US" sz="2200" spc="-1" strike="noStrike">
-                <a:solidFill>
-                  <a:srgbClr val="000000"/>
-                </a:solidFill>
-                <a:latin typeface="Times New Roman"/>
-                <a:ea typeface="DejaVu Sans"/>
-              </a:rPr>
-              <a:t>In other words, you want an idea of the characters/words around you</a:t>
-            </a:r>
-            <a:endParaRPr b="0" lang="en-US" sz="2200" spc="-1" strike="noStrike">
-              <a:solidFill>
-                <a:srgbClr val="000000"/>
-              </a:solidFill>
-              <a:latin typeface="Arial"/>
-            </a:endParaRPr>
-          </a:p>
-          <a:p>
-            <a:pPr lvl="1" marL="432000" indent="-216000">
-              <a:lnSpc>
-                <a:spcPct val="150000"/>
-              </a:lnSpc>
-              <a:buClr>
-                <a:srgbClr val="000000"/>
-              </a:buClr>
-              <a:buSzPct val="45000"/>
-              <a:buFont typeface="Wingdings" charset="2"/>
-              <a:buChar char=""/>
-            </a:pPr>
-            <a:r>
-              <a:rPr b="0" lang="en-US" sz="2200" spc="-1" strike="noStrike">
-                <a:solidFill>
-                  <a:srgbClr val="000000"/>
-                </a:solidFill>
-                <a:latin typeface="Times New Roman"/>
-                <a:ea typeface="DejaVu Sans"/>
-              </a:rPr>
-              <a:t>- Otherwise, you would simply be expanding characters while encoding!</a:t>
-            </a:r>
-            <a:endParaRPr b="0" lang="en-US" sz="2200" spc="-1" strike="noStrike">
-              <a:solidFill>
-                <a:srgbClr val="000000"/>
-              </a:solidFill>
-              <a:latin typeface="Arial"/>
-            </a:endParaRPr>
-          </a:p>
-        </p:txBody>
-      </p:sp>
-      <p:sp>
-        <p:nvSpPr>
-          <p:cNvPr id="52" name=""/>
-          <p:cNvSpPr/>
-          <p:nvPr/>
-        </p:nvSpPr>
-        <p:spPr>
-          <a:xfrm>
-            <a:off x="4344840" y="3372120"/>
-            <a:ext cx="684720" cy="513720"/>
-          </a:xfrm>
-          <a:prstGeom prst="roundRect">
-            <a:avLst>
-              <a:gd name="adj" fmla="val 16667"/>
-            </a:avLst>
-          </a:prstGeom>
-          <a:solidFill>
-            <a:srgbClr val="729fcf"/>
-          </a:solidFill>
-          <a:ln w="0">
-            <a:solidFill>
-              <a:srgbClr val="3465a4"/>
-            </a:solidFill>
-          </a:ln>
-        </p:spPr>
-        <p:style>
-          <a:lnRef idx="0"/>
-          <a:fillRef idx="0"/>
-          <a:effectRef idx="0"/>
-          <a:fontRef idx="minor"/>
-        </p:style>
-        <p:txBody>
-          <a:bodyPr lIns="90000" rIns="90000" tIns="45000" bIns="45000" anchor="ctr">
-            <a:noAutofit/>
-          </a:bodyPr>
-          <a:p>
-            <a:pPr>
-              <a:lnSpc>
-                <a:spcPct val="100000"/>
-              </a:lnSpc>
-            </a:pPr>
-            <a:endParaRPr b="0" lang="en-US" sz="1800" spc="-1" strike="noStrike">
-              <a:solidFill>
-                <a:srgbClr val="000000"/>
-              </a:solidFill>
-              <a:latin typeface="Arial"/>
-              <a:ea typeface="DejaVu Sans"/>
-            </a:endParaRPr>
-          </a:p>
-        </p:txBody>
-      </p:sp>
-      <p:sp>
-        <p:nvSpPr>
-          <p:cNvPr id="53" name=""/>
-          <p:cNvSpPr/>
-          <p:nvPr/>
-        </p:nvSpPr>
-        <p:spPr>
-          <a:xfrm>
-            <a:off x="5030640" y="3372120"/>
-            <a:ext cx="684720" cy="513360"/>
-          </a:xfrm>
-          <a:prstGeom prst="roundRect">
-            <a:avLst>
-              <a:gd name="adj" fmla="val 16667"/>
-            </a:avLst>
-          </a:prstGeom>
-          <a:solidFill>
-            <a:srgbClr val="729fcf"/>
-          </a:solidFill>
-          <a:ln w="0">
-            <a:solidFill>
-              <a:srgbClr val="3465a4"/>
-            </a:solidFill>
-          </a:ln>
-        </p:spPr>
-        <p:style>
-          <a:lnRef idx="0"/>
-          <a:fillRef idx="0"/>
-          <a:effectRef idx="0"/>
-          <a:fontRef idx="minor"/>
-        </p:style>
-        <p:txBody>
-          <a:bodyPr lIns="90000" rIns="90000" tIns="45000" bIns="45000" anchor="ctr">
-            <a:noAutofit/>
-          </a:bodyPr>
-          <a:p>
-            <a:pPr>
-              <a:lnSpc>
-                <a:spcPct val="100000"/>
-              </a:lnSpc>
-            </a:pPr>
-            <a:endParaRPr b="0" lang="en-US" sz="1800" spc="-1" strike="noStrike">
-              <a:solidFill>
-                <a:srgbClr val="000000"/>
-              </a:solidFill>
-              <a:latin typeface="Arial"/>
-              <a:ea typeface="DejaVu Sans"/>
-            </a:endParaRPr>
-          </a:p>
-        </p:txBody>
-      </p:sp>
-      <p:sp>
-        <p:nvSpPr>
-          <p:cNvPr id="54" name=""/>
-          <p:cNvSpPr/>
-          <p:nvPr/>
-        </p:nvSpPr>
-        <p:spPr>
-          <a:xfrm>
-            <a:off x="6401880" y="3372120"/>
-            <a:ext cx="684720" cy="513720"/>
-          </a:xfrm>
-          <a:prstGeom prst="roundRect">
-            <a:avLst>
-              <a:gd name="adj" fmla="val 16667"/>
-            </a:avLst>
-          </a:prstGeom>
-          <a:solidFill>
-            <a:srgbClr val="729fcf"/>
-          </a:solidFill>
-          <a:ln w="0">
-            <a:solidFill>
-              <a:srgbClr val="3465a4"/>
-            </a:solidFill>
-          </a:ln>
-        </p:spPr>
-        <p:style>
-          <a:lnRef idx="0"/>
-          <a:fillRef idx="0"/>
-          <a:effectRef idx="0"/>
-          <a:fontRef idx="minor"/>
-        </p:style>
-        <p:txBody>
-          <a:bodyPr lIns="90000" rIns="90000" tIns="45000" bIns="45000" anchor="ctr">
-            <a:noAutofit/>
-          </a:bodyPr>
-          <a:p>
-            <a:pPr>
-              <a:lnSpc>
-                <a:spcPct val="100000"/>
-              </a:lnSpc>
-            </a:pPr>
-            <a:endParaRPr b="0" lang="en-US" sz="1800" spc="-1" strike="noStrike">
-              <a:solidFill>
-                <a:srgbClr val="000000"/>
-              </a:solidFill>
-              <a:latin typeface="Arial"/>
-              <a:ea typeface="DejaVu Sans"/>
-            </a:endParaRPr>
-          </a:p>
-        </p:txBody>
-      </p:sp>
-      <p:sp>
-        <p:nvSpPr>
-          <p:cNvPr id="55" name=""/>
-          <p:cNvSpPr/>
-          <p:nvPr/>
-        </p:nvSpPr>
-        <p:spPr>
-          <a:xfrm>
-            <a:off x="5716080" y="3372120"/>
-            <a:ext cx="684720" cy="513720"/>
-          </a:xfrm>
-          <a:prstGeom prst="roundRect">
-            <a:avLst>
-              <a:gd name="adj" fmla="val 16667"/>
-            </a:avLst>
-          </a:prstGeom>
-          <a:solidFill>
-            <a:srgbClr val="729fcf"/>
-          </a:solidFill>
-          <a:ln w="0">
-            <a:solidFill>
-              <a:srgbClr val="3465a4"/>
-            </a:solidFill>
-          </a:ln>
-        </p:spPr>
-        <p:style>
-          <a:lnRef idx="0"/>
-          <a:fillRef idx="0"/>
-          <a:effectRef idx="0"/>
-          <a:fontRef idx="minor"/>
-        </p:style>
-        <p:txBody>
-          <a:bodyPr lIns="90000" rIns="90000" tIns="45000" bIns="45000" anchor="ctr">
-            <a:noAutofit/>
-          </a:bodyPr>
-          <a:p>
-            <a:pPr>
-              <a:lnSpc>
-                <a:spcPct val="100000"/>
-              </a:lnSpc>
-            </a:pPr>
-            <a:endParaRPr b="0" lang="en-US" sz="1800" spc="-1" strike="noStrike">
-              <a:solidFill>
-                <a:srgbClr val="000000"/>
-              </a:solidFill>
-              <a:latin typeface="Arial"/>
-              <a:ea typeface="DejaVu Sans"/>
-            </a:endParaRPr>
-          </a:p>
-        </p:txBody>
-      </p:sp>
-      <p:sp>
-        <p:nvSpPr>
-          <p:cNvPr id="56" name=""/>
-          <p:cNvSpPr/>
-          <p:nvPr/>
-        </p:nvSpPr>
-        <p:spPr>
-          <a:xfrm>
-            <a:off x="5030640" y="4526640"/>
-            <a:ext cx="684720" cy="502200"/>
-          </a:xfrm>
-          <a:prstGeom prst="roundRect">
-            <a:avLst>
-              <a:gd name="adj" fmla="val 16667"/>
-            </a:avLst>
-          </a:prstGeom>
-          <a:solidFill>
-            <a:srgbClr val="77bc65"/>
-          </a:solidFill>
-          <a:ln w="0">
-            <a:solidFill>
-              <a:srgbClr val="3465a4"/>
-            </a:solidFill>
-          </a:ln>
-        </p:spPr>
-        <p:style>
-          <a:lnRef idx="0"/>
-          <a:fillRef idx="0"/>
-          <a:effectRef idx="0"/>
-          <a:fontRef idx="minor"/>
-        </p:style>
-        <p:txBody>
-          <a:bodyPr lIns="90000" rIns="90000" tIns="45000" bIns="45000" anchor="ctr">
-            <a:noAutofit/>
-          </a:bodyPr>
-          <a:p>
-            <a:pPr>
-              <a:lnSpc>
-                <a:spcPct val="100000"/>
-              </a:lnSpc>
-            </a:pPr>
-            <a:endParaRPr b="0" lang="en-US" sz="1800" spc="-1" strike="noStrike">
-              <a:solidFill>
-                <a:srgbClr val="000000"/>
-              </a:solidFill>
-              <a:latin typeface="Arial"/>
-              <a:ea typeface="DejaVu Sans"/>
-            </a:endParaRPr>
-          </a:p>
-        </p:txBody>
-      </p:sp>
-      <p:sp>
-        <p:nvSpPr>
-          <p:cNvPr id="57" name=""/>
-          <p:cNvSpPr/>
-          <p:nvPr/>
-        </p:nvSpPr>
-        <p:spPr>
-          <a:xfrm>
-            <a:off x="5716080" y="4526640"/>
-            <a:ext cx="684720" cy="502200"/>
-          </a:xfrm>
-          <a:prstGeom prst="roundRect">
-            <a:avLst>
-              <a:gd name="adj" fmla="val 16667"/>
-            </a:avLst>
-          </a:prstGeom>
-          <a:solidFill>
-            <a:srgbClr val="77bc65"/>
-          </a:solidFill>
-          <a:ln w="0">
-            <a:solidFill>
-              <a:srgbClr val="3465a4"/>
-            </a:solidFill>
-          </a:ln>
-        </p:spPr>
-        <p:style>
-          <a:lnRef idx="0"/>
-          <a:fillRef idx="0"/>
-          <a:effectRef idx="0"/>
-          <a:fontRef idx="minor"/>
-        </p:style>
-        <p:txBody>
-          <a:bodyPr lIns="90000" rIns="90000" tIns="45000" bIns="45000" anchor="ctr">
-            <a:noAutofit/>
-          </a:bodyPr>
-          <a:p>
-            <a:pPr>
-              <a:lnSpc>
-                <a:spcPct val="100000"/>
-              </a:lnSpc>
-            </a:pPr>
-            <a:endParaRPr b="0" lang="en-US" sz="1800" spc="-1" strike="noStrike">
-              <a:solidFill>
-                <a:srgbClr val="000000"/>
-              </a:solidFill>
-              <a:latin typeface="Arial"/>
-              <a:ea typeface="DejaVu Sans"/>
-            </a:endParaRPr>
-          </a:p>
-        </p:txBody>
-      </p:sp>
-      <p:sp>
-        <p:nvSpPr>
-          <p:cNvPr id="58" name=""/>
-          <p:cNvSpPr/>
-          <p:nvPr/>
-        </p:nvSpPr>
-        <p:spPr>
-          <a:xfrm>
-            <a:off x="6401880" y="4526640"/>
-            <a:ext cx="684720" cy="502200"/>
-          </a:xfrm>
-          <a:prstGeom prst="roundRect">
-            <a:avLst>
-              <a:gd name="adj" fmla="val 16667"/>
-            </a:avLst>
-          </a:prstGeom>
-          <a:solidFill>
-            <a:srgbClr val="77bc65"/>
-          </a:solidFill>
-          <a:ln w="0">
-            <a:solidFill>
-              <a:srgbClr val="3465a4"/>
-            </a:solidFill>
-          </a:ln>
-        </p:spPr>
-        <p:style>
-          <a:lnRef idx="0"/>
-          <a:fillRef idx="0"/>
-          <a:effectRef idx="0"/>
-          <a:fontRef idx="minor"/>
-        </p:style>
-        <p:txBody>
-          <a:bodyPr lIns="90000" rIns="90000" tIns="45000" bIns="45000" anchor="ctr">
-            <a:noAutofit/>
-          </a:bodyPr>
-          <a:p>
-            <a:pPr>
-              <a:lnSpc>
-                <a:spcPct val="100000"/>
-              </a:lnSpc>
-            </a:pPr>
-            <a:endParaRPr b="0" lang="en-US" sz="1800" spc="-1" strike="noStrike">
-              <a:solidFill>
-                <a:srgbClr val="000000"/>
-              </a:solidFill>
-              <a:latin typeface="Arial"/>
-              <a:ea typeface="DejaVu Sans"/>
-            </a:endParaRPr>
-          </a:p>
-        </p:txBody>
-      </p:sp>
-      <p:sp>
-        <p:nvSpPr>
-          <p:cNvPr id="59" name=""/>
-          <p:cNvSpPr/>
-          <p:nvPr/>
-        </p:nvSpPr>
-        <p:spPr>
-          <a:xfrm>
-            <a:off x="7087320" y="4526640"/>
-            <a:ext cx="684720" cy="502200"/>
-          </a:xfrm>
-          <a:prstGeom prst="roundRect">
-            <a:avLst>
-              <a:gd name="adj" fmla="val 16667"/>
-            </a:avLst>
-          </a:prstGeom>
-          <a:solidFill>
-            <a:srgbClr val="77bc65"/>
-          </a:solidFill>
-          <a:ln w="0">
-            <a:solidFill>
-              <a:srgbClr val="3465a4"/>
-            </a:solidFill>
-          </a:ln>
-        </p:spPr>
-        <p:style>
-          <a:lnRef idx="0"/>
-          <a:fillRef idx="0"/>
-          <a:effectRef idx="0"/>
-          <a:fontRef idx="minor"/>
-        </p:style>
-        <p:txBody>
-          <a:bodyPr lIns="90000" rIns="90000" tIns="45000" bIns="45000" anchor="ctr">
-            <a:noAutofit/>
-          </a:bodyPr>
-          <a:p>
-            <a:pPr>
-              <a:lnSpc>
-                <a:spcPct val="100000"/>
-              </a:lnSpc>
-            </a:pPr>
-            <a:endParaRPr b="0" lang="en-US" sz="1800" spc="-1" strike="noStrike">
-              <a:solidFill>
-                <a:srgbClr val="000000"/>
-              </a:solidFill>
-              <a:latin typeface="Arial"/>
-              <a:ea typeface="DejaVu Sans"/>
-            </a:endParaRPr>
-          </a:p>
-        </p:txBody>
-      </p:sp>
-      <p:sp>
-        <p:nvSpPr>
-          <p:cNvPr id="60" name=""/>
-          <p:cNvSpPr/>
-          <p:nvPr/>
-        </p:nvSpPr>
-        <p:spPr>
-          <a:xfrm>
-            <a:off x="7773120" y="4538880"/>
-            <a:ext cx="684720" cy="502200"/>
-          </a:xfrm>
-          <a:prstGeom prst="roundRect">
-            <a:avLst>
-              <a:gd name="adj" fmla="val 16667"/>
-            </a:avLst>
-          </a:prstGeom>
-          <a:solidFill>
-            <a:srgbClr val="77bc65"/>
-          </a:solidFill>
-          <a:ln w="0">
-            <a:solidFill>
-              <a:srgbClr val="3465a4"/>
-            </a:solidFill>
-          </a:ln>
-        </p:spPr>
-        <p:style>
-          <a:lnRef idx="0"/>
-          <a:fillRef idx="0"/>
-          <a:effectRef idx="0"/>
-          <a:fontRef idx="minor"/>
-        </p:style>
-        <p:txBody>
-          <a:bodyPr lIns="90000" rIns="90000" tIns="45000" bIns="45000" anchor="ctr">
-            <a:noAutofit/>
-          </a:bodyPr>
-          <a:p>
-            <a:pPr>
-              <a:lnSpc>
-                <a:spcPct val="100000"/>
-              </a:lnSpc>
-            </a:pPr>
-            <a:endParaRPr b="0" lang="en-US" sz="1800" spc="-1" strike="noStrike">
-              <a:solidFill>
-                <a:srgbClr val="000000"/>
-              </a:solidFill>
-              <a:latin typeface="Arial"/>
-              <a:ea typeface="DejaVu Sans"/>
-            </a:endParaRPr>
-          </a:p>
-        </p:txBody>
-      </p:sp>
-      <p:sp>
-        <p:nvSpPr>
-          <p:cNvPr id="61" name=""/>
-          <p:cNvSpPr/>
-          <p:nvPr/>
-        </p:nvSpPr>
-        <p:spPr>
-          <a:xfrm>
-            <a:off x="688320" y="3429360"/>
-            <a:ext cx="2513160" cy="456480"/>
-          </a:xfrm>
-          <a:prstGeom prst="rect">
-            <a:avLst/>
-          </a:prstGeom>
-          <a:noFill/>
-          <a:ln w="0">
-            <a:noFill/>
-          </a:ln>
-        </p:spPr>
-        <p:style>
-          <a:lnRef idx="0"/>
-          <a:fillRef idx="0"/>
-          <a:effectRef idx="0"/>
-          <a:fontRef idx="minor"/>
-        </p:style>
-        <p:txBody>
-          <a:bodyPr lIns="90000" rIns="90000" tIns="45000" bIns="45000" anchor="t">
-            <a:noAutofit/>
-          </a:bodyPr>
-          <a:p>
-            <a:pPr algn="ctr">
-              <a:lnSpc>
-                <a:spcPct val="100000"/>
-              </a:lnSpc>
-            </a:pPr>
-            <a:r>
-              <a:rPr b="0" lang="en-US" sz="2400" spc="-1" strike="noStrike">
-                <a:solidFill>
-                  <a:srgbClr val="000000"/>
-                </a:solidFill>
-                <a:latin typeface="Times New Roman"/>
-                <a:ea typeface="DejaVu Sans"/>
-              </a:rPr>
-              <a:t>Search Buffer</a:t>
-            </a:r>
-            <a:endParaRPr b="0" lang="en-US" sz="2400" spc="-1" strike="noStrike">
-              <a:solidFill>
-                <a:srgbClr val="000000"/>
-              </a:solidFill>
-              <a:latin typeface="Arial"/>
-            </a:endParaRPr>
-          </a:p>
-        </p:txBody>
-      </p:sp>
-      <p:sp>
-        <p:nvSpPr>
-          <p:cNvPr id="62" name=""/>
-          <p:cNvSpPr/>
-          <p:nvPr/>
-        </p:nvSpPr>
-        <p:spPr>
-          <a:xfrm>
-            <a:off x="688320" y="4493880"/>
-            <a:ext cx="3198960" cy="763560"/>
-          </a:xfrm>
-          <a:prstGeom prst="rect">
-            <a:avLst/>
-          </a:prstGeom>
-          <a:noFill/>
-          <a:ln w="0">
-            <a:noFill/>
-          </a:ln>
-        </p:spPr>
-        <p:style>
-          <a:lnRef idx="0"/>
-          <a:fillRef idx="0"/>
-          <a:effectRef idx="0"/>
-          <a:fontRef idx="minor"/>
-        </p:style>
-        <p:txBody>
-          <a:bodyPr lIns="90000" rIns="90000" tIns="45000" bIns="45000" anchor="t">
-            <a:noAutofit/>
-          </a:bodyPr>
-          <a:p>
-            <a:pPr>
-              <a:lnSpc>
-                <a:spcPct val="100000"/>
-              </a:lnSpc>
-            </a:pPr>
-            <a:r>
-              <a:rPr b="0" lang="en-US" sz="2400" spc="-1" strike="noStrike">
-                <a:solidFill>
-                  <a:srgbClr val="000000"/>
-                </a:solidFill>
-                <a:latin typeface="Times New Roman"/>
-                <a:ea typeface="DejaVu Sans"/>
-              </a:rPr>
-              <a:t>Look Ahead Window</a:t>
-            </a:r>
-            <a:endParaRPr b="0" lang="en-US" sz="2400" spc="-1" strike="noStrike">
-              <a:solidFill>
-                <a:srgbClr val="000000"/>
-              </a:solidFill>
-              <a:latin typeface="Arial"/>
-            </a:endParaRPr>
-          </a:p>
-        </p:txBody>
-      </p:sp>
-      <p:sp>
-        <p:nvSpPr>
-          <p:cNvPr id="63" name=""/>
-          <p:cNvSpPr/>
-          <p:nvPr/>
-        </p:nvSpPr>
-        <p:spPr>
-          <a:xfrm>
-            <a:off x="4516200" y="3494160"/>
-            <a:ext cx="342360" cy="345600"/>
-          </a:xfrm>
-          <a:prstGeom prst="rect">
-            <a:avLst/>
-          </a:prstGeom>
-          <a:noFill/>
-          <a:ln w="0">
-            <a:noFill/>
-          </a:ln>
-        </p:spPr>
-        <p:style>
-          <a:lnRef idx="0"/>
-          <a:fillRef idx="0"/>
-          <a:effectRef idx="0"/>
-          <a:fontRef idx="minor"/>
-        </p:style>
-        <p:txBody>
-          <a:bodyPr lIns="90000" rIns="90000" tIns="45000" bIns="45000" anchor="t">
-            <a:noAutofit/>
-          </a:bodyPr>
-          <a:p>
-            <a:pPr>
-              <a:lnSpc>
-                <a:spcPct val="100000"/>
-              </a:lnSpc>
-            </a:pPr>
-            <a:r>
-              <a:rPr b="0" lang="en-US" sz="1800" spc="-1" strike="noStrike">
-                <a:solidFill>
-                  <a:srgbClr val="000000"/>
-                </a:solidFill>
-                <a:latin typeface="Arial"/>
-                <a:ea typeface="DejaVu Sans"/>
-              </a:rPr>
-              <a:t>A</a:t>
-            </a:r>
-            <a:endParaRPr b="0" lang="en-US" sz="1800" spc="-1" strike="noStrike">
-              <a:solidFill>
-                <a:srgbClr val="000000"/>
-              </a:solidFill>
-              <a:latin typeface="Arial"/>
-            </a:endParaRPr>
-          </a:p>
-        </p:txBody>
-      </p:sp>
-      <p:sp>
-        <p:nvSpPr>
-          <p:cNvPr id="64" name=""/>
-          <p:cNvSpPr/>
-          <p:nvPr/>
-        </p:nvSpPr>
-        <p:spPr>
-          <a:xfrm>
-            <a:off x="5202000" y="3494160"/>
-            <a:ext cx="342360" cy="345600"/>
-          </a:xfrm>
-          <a:prstGeom prst="rect">
-            <a:avLst/>
-          </a:prstGeom>
-          <a:noFill/>
-          <a:ln w="0">
-            <a:noFill/>
-          </a:ln>
-        </p:spPr>
-        <p:style>
-          <a:lnRef idx="0"/>
-          <a:fillRef idx="0"/>
-          <a:effectRef idx="0"/>
-          <a:fontRef idx="minor"/>
-        </p:style>
-        <p:txBody>
-          <a:bodyPr lIns="90000" rIns="90000" tIns="45000" bIns="45000" anchor="t">
-            <a:noAutofit/>
-          </a:bodyPr>
-          <a:p>
-            <a:pPr>
-              <a:lnSpc>
-                <a:spcPct val="100000"/>
-              </a:lnSpc>
-            </a:pPr>
-            <a:r>
-              <a:rPr b="0" lang="en-US" sz="1800" spc="-1" strike="noStrike">
-                <a:solidFill>
-                  <a:srgbClr val="000000"/>
-                </a:solidFill>
-                <a:latin typeface="Arial"/>
-                <a:ea typeface="DejaVu Sans"/>
-              </a:rPr>
-              <a:t>A</a:t>
-            </a:r>
-            <a:endParaRPr b="0" lang="en-US" sz="1800" spc="-1" strike="noStrike">
-              <a:solidFill>
-                <a:srgbClr val="000000"/>
-              </a:solidFill>
-              <a:latin typeface="Arial"/>
-            </a:endParaRPr>
-          </a:p>
-        </p:txBody>
-      </p:sp>
-      <p:sp>
-        <p:nvSpPr>
-          <p:cNvPr id="65" name=""/>
-          <p:cNvSpPr/>
-          <p:nvPr/>
-        </p:nvSpPr>
-        <p:spPr>
-          <a:xfrm>
-            <a:off x="5887440" y="3494160"/>
-            <a:ext cx="342360" cy="345600"/>
-          </a:xfrm>
-          <a:prstGeom prst="rect">
-            <a:avLst/>
-          </a:prstGeom>
-          <a:noFill/>
-          <a:ln w="0">
-            <a:noFill/>
-          </a:ln>
-        </p:spPr>
-        <p:style>
-          <a:lnRef idx="0"/>
-          <a:fillRef idx="0"/>
-          <a:effectRef idx="0"/>
-          <a:fontRef idx="minor"/>
-        </p:style>
-        <p:txBody>
-          <a:bodyPr lIns="90000" rIns="90000" tIns="45000" bIns="45000" anchor="t">
-            <a:noAutofit/>
-          </a:bodyPr>
-          <a:p>
-            <a:pPr>
-              <a:lnSpc>
-                <a:spcPct val="100000"/>
-              </a:lnSpc>
-            </a:pPr>
-            <a:r>
-              <a:rPr b="0" lang="en-US" sz="1800" spc="-1" strike="noStrike">
-                <a:solidFill>
-                  <a:srgbClr val="000000"/>
-                </a:solidFill>
-                <a:latin typeface="Arial"/>
-                <a:ea typeface="DejaVu Sans"/>
-              </a:rPr>
-              <a:t>B</a:t>
-            </a:r>
-            <a:endParaRPr b="0" lang="en-US" sz="1800" spc="-1" strike="noStrike">
-              <a:solidFill>
-                <a:srgbClr val="000000"/>
-              </a:solidFill>
-              <a:latin typeface="Arial"/>
-            </a:endParaRPr>
-          </a:p>
-        </p:txBody>
-      </p:sp>
-      <p:sp>
-        <p:nvSpPr>
-          <p:cNvPr id="66" name=""/>
-          <p:cNvSpPr/>
-          <p:nvPr/>
-        </p:nvSpPr>
-        <p:spPr>
-          <a:xfrm>
-            <a:off x="6573240" y="3494160"/>
-            <a:ext cx="342360" cy="345600"/>
-          </a:xfrm>
-          <a:prstGeom prst="rect">
-            <a:avLst/>
-          </a:prstGeom>
-          <a:noFill/>
-          <a:ln w="0">
-            <a:noFill/>
-          </a:ln>
-        </p:spPr>
-        <p:style>
-          <a:lnRef idx="0"/>
-          <a:fillRef idx="0"/>
-          <a:effectRef idx="0"/>
-          <a:fontRef idx="minor"/>
-        </p:style>
-        <p:txBody>
-          <a:bodyPr lIns="90000" rIns="90000" tIns="45000" bIns="45000" anchor="t">
-            <a:noAutofit/>
-          </a:bodyPr>
-          <a:p>
-            <a:pPr>
-              <a:lnSpc>
-                <a:spcPct val="100000"/>
-              </a:lnSpc>
-            </a:pPr>
-            <a:r>
-              <a:rPr b="0" lang="en-US" sz="1800" spc="-1" strike="noStrike">
-                <a:solidFill>
-                  <a:srgbClr val="000000"/>
-                </a:solidFill>
-                <a:latin typeface="Arial"/>
-                <a:ea typeface="DejaVu Sans"/>
-              </a:rPr>
-              <a:t>C</a:t>
-            </a:r>
-            <a:endParaRPr b="0" lang="en-US" sz="1800" spc="-1" strike="noStrike">
-              <a:solidFill>
-                <a:srgbClr val="000000"/>
-              </a:solidFill>
-              <a:latin typeface="Arial"/>
-            </a:endParaRPr>
-          </a:p>
-        </p:txBody>
-      </p:sp>
-      <p:sp>
-        <p:nvSpPr>
-          <p:cNvPr id="67" name=""/>
-          <p:cNvSpPr/>
-          <p:nvPr/>
-        </p:nvSpPr>
-        <p:spPr>
-          <a:xfrm>
-            <a:off x="5202000" y="4645800"/>
-            <a:ext cx="342360" cy="345600"/>
-          </a:xfrm>
-          <a:prstGeom prst="rect">
-            <a:avLst/>
-          </a:prstGeom>
-          <a:noFill/>
-          <a:ln w="0">
-            <a:noFill/>
-          </a:ln>
-        </p:spPr>
-        <p:style>
-          <a:lnRef idx="0"/>
-          <a:fillRef idx="0"/>
-          <a:effectRef idx="0"/>
-          <a:fontRef idx="minor"/>
-        </p:style>
-        <p:txBody>
-          <a:bodyPr lIns="90000" rIns="90000" tIns="45000" bIns="45000" anchor="t">
-            <a:noAutofit/>
-          </a:bodyPr>
-          <a:p>
-            <a:pPr>
-              <a:lnSpc>
-                <a:spcPct val="100000"/>
-              </a:lnSpc>
-            </a:pPr>
-            <a:r>
-              <a:rPr b="0" lang="en-US" sz="1800" spc="-1" strike="noStrike">
-                <a:solidFill>
-                  <a:srgbClr val="000000"/>
-                </a:solidFill>
-                <a:latin typeface="Arial"/>
-                <a:ea typeface="DejaVu Sans"/>
-              </a:rPr>
-              <a:t>A</a:t>
-            </a:r>
-            <a:endParaRPr b="0" lang="en-US" sz="1800" spc="-1" strike="noStrike">
-              <a:solidFill>
-                <a:srgbClr val="000000"/>
-              </a:solidFill>
-              <a:latin typeface="Arial"/>
-            </a:endParaRPr>
-          </a:p>
-        </p:txBody>
-      </p:sp>
-      <p:sp>
-        <p:nvSpPr>
-          <p:cNvPr id="68" name=""/>
-          <p:cNvSpPr/>
-          <p:nvPr/>
-        </p:nvSpPr>
-        <p:spPr>
-          <a:xfrm>
-            <a:off x="5887440" y="4646160"/>
-            <a:ext cx="342360" cy="345600"/>
-          </a:xfrm>
-          <a:prstGeom prst="rect">
-            <a:avLst/>
-          </a:prstGeom>
-          <a:noFill/>
-          <a:ln w="0">
-            <a:noFill/>
-          </a:ln>
-        </p:spPr>
-        <p:style>
-          <a:lnRef idx="0"/>
-          <a:fillRef idx="0"/>
-          <a:effectRef idx="0"/>
-          <a:fontRef idx="minor"/>
-        </p:style>
-        <p:txBody>
-          <a:bodyPr lIns="90000" rIns="90000" tIns="45000" bIns="45000" anchor="t">
-            <a:noAutofit/>
-          </a:bodyPr>
-          <a:p>
-            <a:pPr>
-              <a:lnSpc>
-                <a:spcPct val="100000"/>
-              </a:lnSpc>
-            </a:pPr>
-            <a:r>
-              <a:rPr b="0" lang="en-US" sz="1800" spc="-1" strike="noStrike">
-                <a:solidFill>
-                  <a:srgbClr val="000000"/>
-                </a:solidFill>
-                <a:latin typeface="Arial"/>
-                <a:ea typeface="DejaVu Sans"/>
-              </a:rPr>
-              <a:t>B</a:t>
-            </a:r>
-            <a:endParaRPr b="0" lang="en-US" sz="1800" spc="-1" strike="noStrike">
-              <a:solidFill>
-                <a:srgbClr val="000000"/>
-              </a:solidFill>
-              <a:latin typeface="Arial"/>
-            </a:endParaRPr>
-          </a:p>
-        </p:txBody>
-      </p:sp>
-      <p:sp>
-        <p:nvSpPr>
-          <p:cNvPr id="69" name=""/>
-          <p:cNvSpPr/>
-          <p:nvPr/>
-        </p:nvSpPr>
-        <p:spPr>
-          <a:xfrm>
-            <a:off x="6573240" y="4645800"/>
-            <a:ext cx="342360" cy="345600"/>
-          </a:xfrm>
-          <a:prstGeom prst="rect">
-            <a:avLst/>
-          </a:prstGeom>
-          <a:noFill/>
-          <a:ln w="0">
-            <a:noFill/>
-          </a:ln>
-        </p:spPr>
-        <p:style>
-          <a:lnRef idx="0"/>
-          <a:fillRef idx="0"/>
-          <a:effectRef idx="0"/>
-          <a:fontRef idx="minor"/>
-        </p:style>
-        <p:txBody>
-          <a:bodyPr lIns="90000" rIns="90000" tIns="45000" bIns="45000" anchor="t">
-            <a:noAutofit/>
-          </a:bodyPr>
-          <a:p>
-            <a:pPr>
-              <a:lnSpc>
-                <a:spcPct val="100000"/>
-              </a:lnSpc>
-            </a:pPr>
-            <a:r>
-              <a:rPr b="0" lang="en-US" sz="1800" spc="-1" strike="noStrike">
-                <a:solidFill>
-                  <a:srgbClr val="000000"/>
-                </a:solidFill>
-                <a:latin typeface="Arial"/>
-                <a:ea typeface="DejaVu Sans"/>
-              </a:rPr>
-              <a:t>C</a:t>
-            </a:r>
-            <a:endParaRPr b="0" lang="en-US" sz="1800" spc="-1" strike="noStrike">
-              <a:solidFill>
-                <a:srgbClr val="000000"/>
-              </a:solidFill>
-              <a:latin typeface="Arial"/>
-            </a:endParaRPr>
-          </a:p>
-        </p:txBody>
-      </p:sp>
-      <p:sp>
-        <p:nvSpPr>
-          <p:cNvPr id="70" name=""/>
-          <p:cNvSpPr/>
-          <p:nvPr/>
-        </p:nvSpPr>
-        <p:spPr>
-          <a:xfrm>
-            <a:off x="7258680" y="4646160"/>
-            <a:ext cx="342360" cy="345600"/>
-          </a:xfrm>
-          <a:prstGeom prst="rect">
-            <a:avLst/>
-          </a:prstGeom>
-          <a:noFill/>
-          <a:ln w="0">
-            <a:noFill/>
-          </a:ln>
-        </p:spPr>
-        <p:style>
-          <a:lnRef idx="0"/>
-          <a:fillRef idx="0"/>
-          <a:effectRef idx="0"/>
-          <a:fontRef idx="minor"/>
-        </p:style>
-        <p:txBody>
-          <a:bodyPr lIns="90000" rIns="90000" tIns="45000" bIns="45000" anchor="t">
-            <a:noAutofit/>
-          </a:bodyPr>
-          <a:p>
-            <a:pPr>
-              <a:lnSpc>
-                <a:spcPct val="100000"/>
-              </a:lnSpc>
-            </a:pPr>
-            <a:r>
-              <a:rPr b="0" lang="en-US" sz="1800" spc="-1" strike="noStrike">
-                <a:solidFill>
-                  <a:srgbClr val="000000"/>
-                </a:solidFill>
-                <a:latin typeface="Arial"/>
-                <a:ea typeface="DejaVu Sans"/>
-              </a:rPr>
-              <a:t>D</a:t>
-            </a:r>
-            <a:endParaRPr b="0" lang="en-US" sz="1800" spc="-1" strike="noStrike">
-              <a:solidFill>
-                <a:srgbClr val="000000"/>
-              </a:solidFill>
-              <a:latin typeface="Arial"/>
-            </a:endParaRPr>
-          </a:p>
-        </p:txBody>
-      </p:sp>
-      <p:sp>
-        <p:nvSpPr>
-          <p:cNvPr id="71" name=""/>
-          <p:cNvSpPr/>
-          <p:nvPr/>
-        </p:nvSpPr>
-        <p:spPr>
-          <a:xfrm>
-            <a:off x="7944480" y="4658400"/>
-            <a:ext cx="342360" cy="345600"/>
-          </a:xfrm>
-          <a:prstGeom prst="rect">
-            <a:avLst/>
-          </a:prstGeom>
-          <a:noFill/>
-          <a:ln w="0">
-            <a:noFill/>
-          </a:ln>
-        </p:spPr>
-        <p:style>
-          <a:lnRef idx="0"/>
-          <a:fillRef idx="0"/>
-          <a:effectRef idx="0"/>
-          <a:fontRef idx="minor"/>
-        </p:style>
-        <p:txBody>
-          <a:bodyPr lIns="90000" rIns="90000" tIns="45000" bIns="45000" anchor="t">
-            <a:noAutofit/>
-          </a:bodyPr>
-          <a:p>
-            <a:pPr>
-              <a:lnSpc>
-                <a:spcPct val="100000"/>
-              </a:lnSpc>
-            </a:pPr>
-            <a:r>
-              <a:rPr b="0" lang="en-US" sz="1800" spc="-1" strike="noStrike">
-                <a:solidFill>
-                  <a:srgbClr val="000000"/>
-                </a:solidFill>
-                <a:latin typeface="Arial"/>
-                <a:ea typeface="DejaVu Sans"/>
-              </a:rPr>
-              <a:t>Z</a:t>
-            </a:r>
-            <a:endParaRPr b="0" lang="en-US" sz="1800" spc="-1" strike="noStrike">
-              <a:solidFill>
-                <a:srgbClr val="000000"/>
-              </a:solidFill>
-              <a:latin typeface="Arial"/>
-            </a:endParaRPr>
-          </a:p>
-        </p:txBody>
-      </p:sp>
-      <p:sp>
-        <p:nvSpPr>
-          <p:cNvPr id="72" name=""/>
-          <p:cNvSpPr/>
-          <p:nvPr/>
-        </p:nvSpPr>
-        <p:spPr>
-          <a:xfrm>
-            <a:off x="4344840" y="4526640"/>
-            <a:ext cx="684720" cy="502200"/>
-          </a:xfrm>
-          <a:prstGeom prst="roundRect">
-            <a:avLst>
-              <a:gd name="adj" fmla="val 16667"/>
-            </a:avLst>
-          </a:prstGeom>
-          <a:solidFill>
-            <a:srgbClr val="ffde59"/>
-          </a:solidFill>
-          <a:ln w="0">
-            <a:solidFill>
-              <a:srgbClr val="3465a4"/>
-            </a:solidFill>
-          </a:ln>
-        </p:spPr>
-        <p:style>
-          <a:lnRef idx="0"/>
-          <a:fillRef idx="0"/>
-          <a:effectRef idx="0"/>
-          <a:fontRef idx="minor"/>
-        </p:style>
-        <p:txBody>
-          <a:bodyPr lIns="90000" rIns="90000" tIns="45000" bIns="45000" anchor="ctr">
-            <a:noAutofit/>
-          </a:bodyPr>
-          <a:p>
-            <a:pPr>
-              <a:lnSpc>
-                <a:spcPct val="100000"/>
-              </a:lnSpc>
-            </a:pPr>
-            <a:endParaRPr b="0" lang="en-US" sz="1800" spc="-1" strike="noStrike">
-              <a:solidFill>
-                <a:srgbClr val="000000"/>
-              </a:solidFill>
-              <a:latin typeface="Arial"/>
-              <a:ea typeface="DejaVu Sans"/>
-            </a:endParaRPr>
-          </a:p>
-        </p:txBody>
-      </p:sp>
-      <p:sp>
-        <p:nvSpPr>
-          <p:cNvPr id="73" name=""/>
-          <p:cNvSpPr/>
-          <p:nvPr/>
-        </p:nvSpPr>
-        <p:spPr>
-          <a:xfrm>
-            <a:off x="4516200" y="4645800"/>
-            <a:ext cx="342360" cy="345600"/>
-          </a:xfrm>
-          <a:prstGeom prst="rect">
-            <a:avLst/>
-          </a:prstGeom>
-          <a:noFill/>
-          <a:ln w="0">
-            <a:noFill/>
-          </a:ln>
-        </p:spPr>
-        <p:style>
-          <a:lnRef idx="0"/>
-          <a:fillRef idx="0"/>
-          <a:effectRef idx="0"/>
-          <a:fontRef idx="minor"/>
-        </p:style>
-        <p:txBody>
-          <a:bodyPr lIns="90000" rIns="90000" tIns="45000" bIns="45000" anchor="t">
-            <a:noAutofit/>
-          </a:bodyPr>
-          <a:p>
-            <a:pPr>
-              <a:lnSpc>
-                <a:spcPct val="100000"/>
-              </a:lnSpc>
-            </a:pPr>
-            <a:r>
-              <a:rPr b="0" lang="en-US" sz="1800" spc="-1" strike="noStrike">
-                <a:solidFill>
-                  <a:srgbClr val="000000"/>
-                </a:solidFill>
-                <a:latin typeface="Arial"/>
-                <a:ea typeface="DejaVu Sans"/>
-              </a:rPr>
-              <a:t>A</a:t>
-            </a:r>
-            <a:endParaRPr b="0" lang="en-US" sz="1800" spc="-1" strike="noStrike">
-              <a:solidFill>
-                <a:srgbClr val="000000"/>
-              </a:solidFill>
-              <a:latin typeface="Arial"/>
-            </a:endParaRPr>
-          </a:p>
-        </p:txBody>
-      </p:sp>
-      <p:sp>
-        <p:nvSpPr>
-          <p:cNvPr id="74" name=""/>
-          <p:cNvSpPr txBox="1"/>
-          <p:nvPr/>
-        </p:nvSpPr>
-        <p:spPr>
-          <a:xfrm>
-            <a:off x="9664920" y="5258160"/>
-            <a:ext cx="3822840" cy="427320"/>
-          </a:xfrm>
-          <a:prstGeom prst="rect">
-            <a:avLst/>
-          </a:prstGeom>
-          <a:noFill/>
-          <a:ln w="0">
-            <a:noFill/>
-          </a:ln>
-        </p:spPr>
-        <p:txBody>
-          <a:bodyPr lIns="90000" rIns="90000" tIns="45000" bIns="45000" anchor="t">
-            <a:noAutofit/>
-          </a:bodyPr>
-          <a:p>
-            <a:r>
-              <a:rPr b="0" lang="en-US" sz="2400" spc="-1" strike="noStrike">
-                <a:solidFill>
-                  <a:srgbClr val="000000"/>
-                </a:solidFill>
-                <a:latin typeface="Times New Roman"/>
-              </a:rPr>
-              <a:t>4</a:t>
-            </a:r>
-            <a:endParaRPr b="0" lang="en-US" sz="2400" spc="-1" strike="noStrike">
-              <a:solidFill>
-                <a:srgbClr val="000000"/>
-              </a:solidFill>
-              <a:latin typeface="Times New Roman"/>
+              <a:latin typeface="Arial"/>
             </a:endParaRPr>
           </a:p>
         </p:txBody>
@@ -4755,7 +4878,7 @@
       </p:grpSpPr>
       <p:sp>
         <p:nvSpPr>
-          <p:cNvPr id="75" name="Straight Connector 6"/>
+          <p:cNvPr id="75" name="Straight Connector 5"/>
           <p:cNvSpPr/>
           <p:nvPr/>
         </p:nvSpPr>
@@ -4797,14 +4920,14 @@
       </p:sp>
       <p:sp>
         <p:nvSpPr>
-          <p:cNvPr id="76" name="PlaceHolder 5"/>
+          <p:cNvPr id="76" name="PlaceHolder 4"/>
           <p:cNvSpPr/>
           <p:nvPr/>
         </p:nvSpPr>
         <p:spPr>
           <a:xfrm>
             <a:off x="914400" y="0"/>
-            <a:ext cx="8237520" cy="914040"/>
+            <a:ext cx="8237160" cy="913680"/>
           </a:xfrm>
           <a:prstGeom prst="rect">
             <a:avLst/>
@@ -4839,8 +4962,9 @@
                   <a:srgbClr val="000000"/>
                 </a:solidFill>
                 <a:latin typeface="Times New Roman"/>
-              </a:rPr>
-              <a:t>References</a:t>
+                <a:ea typeface="DejaVu Sans"/>
+              </a:rPr>
+              <a:t>How do the Buffers Work?</a:t>
             </a:r>
             <a:br>
               <a:rPr sz="2800"/>
@@ -4863,7 +4987,7 @@
         <p:spPr>
           <a:xfrm>
             <a:off x="468000" y="1128600"/>
-            <a:ext cx="9132840" cy="1944720"/>
+            <a:ext cx="9132480" cy="1944360"/>
           </a:xfrm>
           <a:prstGeom prst="rect">
             <a:avLst/>
@@ -4896,18 +5020,16 @@
               <a:buChar char=""/>
             </a:pPr>
             <a:r>
-              <a:rPr b="0" lang="en-US" sz="1800" spc="-1" strike="noStrike" u="sng">
-                <a:solidFill>
-                  <a:srgbClr val="0000ee"/>
-                </a:solidFill>
-                <a:uFillTx/>
+              <a:rPr b="0" lang="en-US" sz="2200" spc="-1" strike="noStrike">
+                <a:solidFill>
+                  <a:srgbClr val="000000"/>
+                </a:solidFill>
                 <a:latin typeface="Times New Roman"/>
                 <a:ea typeface="DejaVu Sans"/>
-                <a:hlinkClick r:id="rId1"/>
-              </a:rPr>
-              <a:t>https://cs.stanford.edu/people/eroberts/courses/soco/projects/data-compression/lossless/lz77/algorithm.html</a:t>
-            </a:r>
-            <a:endParaRPr b="0" lang="en-US" sz="1800" spc="-1" strike="noStrike">
+              </a:rPr>
+              <a:t>Each buffer can be thought of as look up memory, distinguished by its relative position to the current character</a:t>
+            </a:r>
+            <a:endParaRPr b="0" lang="en-US" sz="2200" spc="-1" strike="noStrike">
               <a:solidFill>
                 <a:srgbClr val="000000"/>
               </a:solidFill>
@@ -4927,26 +5049,24 @@
               <a:buChar char=""/>
             </a:pPr>
             <a:r>
-              <a:rPr b="0" lang="en-US" sz="1800" spc="-1" strike="noStrike" u="sng">
-                <a:solidFill>
-                  <a:srgbClr val="0000ee"/>
-                </a:solidFill>
-                <a:uFillTx/>
+              <a:rPr b="0" lang="en-US" sz="2200" spc="-1" strike="noStrike">
+                <a:solidFill>
+                  <a:srgbClr val="000000"/>
+                </a:solidFill>
                 <a:latin typeface="Times New Roman"/>
                 <a:ea typeface="DejaVu Sans"/>
-                <a:hlinkClick r:id="rId2"/>
-              </a:rPr>
-              <a:t>https://en.wikipedia.org/wiki/LZ77_and_LZ78</a:t>
-            </a:r>
-            <a:endParaRPr b="0" lang="en-US" sz="1800" spc="-1" strike="noStrike">
-              <a:solidFill>
-                <a:srgbClr val="000000"/>
-              </a:solidFill>
-              <a:latin typeface="Arial"/>
-            </a:endParaRPr>
-          </a:p>
-          <a:p>
-            <a:pPr marL="216000" indent="-216000">
+              </a:rPr>
+              <a:t>In other words, you want an idea of the characters/words around you</a:t>
+            </a:r>
+            <a:endParaRPr b="0" lang="en-US" sz="2200" spc="-1" strike="noStrike">
+              <a:solidFill>
+                <a:srgbClr val="000000"/>
+              </a:solidFill>
+              <a:latin typeface="Arial"/>
+            </a:endParaRPr>
+          </a:p>
+          <a:p>
+            <a:pPr lvl="2" marL="648000" indent="-216000">
               <a:lnSpc>
                 <a:spcPct val="150000"/>
               </a:lnSpc>
@@ -4958,18 +5078,1122 @@
               <a:buChar char=""/>
             </a:pPr>
             <a:r>
-              <a:rPr b="0" lang="en-US" sz="1800" spc="-1" strike="noStrike" u="sng">
-                <a:solidFill>
-                  <a:srgbClr val="0000ee"/>
-                </a:solidFill>
-                <a:uFillTx/>
+              <a:rPr b="0" lang="en-US" sz="2200" spc="-1" strike="noStrike">
+                <a:solidFill>
+                  <a:srgbClr val="000000"/>
+                </a:solidFill>
                 <a:latin typeface="Times New Roman"/>
                 <a:ea typeface="DejaVu Sans"/>
-                <a:hlinkClick r:id="rId3"/>
-              </a:rPr>
-              <a:t>https://medium.com/@vincentcorbee/lz77-compression-in-javascript-cd2583d2a8bd</a:t>
-            </a:r>
-            <a:endParaRPr b="0" lang="en-US" sz="1800" spc="-1" strike="noStrike">
+              </a:rPr>
+              <a:t>- Otherwise, you would simply be expanding characters while encoding!</a:t>
+            </a:r>
+            <a:endParaRPr b="0" lang="en-US" sz="2200" spc="-1" strike="noStrike">
+              <a:solidFill>
+                <a:srgbClr val="000000"/>
+              </a:solidFill>
+              <a:latin typeface="Arial"/>
+            </a:endParaRPr>
+          </a:p>
+        </p:txBody>
+      </p:sp>
+      <p:sp>
+        <p:nvSpPr>
+          <p:cNvPr id="78" name=""/>
+          <p:cNvSpPr/>
+          <p:nvPr/>
+        </p:nvSpPr>
+        <p:spPr>
+          <a:xfrm>
+            <a:off x="4344840" y="3372120"/>
+            <a:ext cx="684360" cy="513360"/>
+          </a:xfrm>
+          <a:prstGeom prst="roundRect">
+            <a:avLst>
+              <a:gd name="adj" fmla="val 16667"/>
+            </a:avLst>
+          </a:prstGeom>
+          <a:solidFill>
+            <a:srgbClr val="729fcf"/>
+          </a:solidFill>
+          <a:ln w="0">
+            <a:solidFill>
+              <a:srgbClr val="3465a4"/>
+            </a:solidFill>
+          </a:ln>
+        </p:spPr>
+        <p:style>
+          <a:lnRef idx="0"/>
+          <a:fillRef idx="0"/>
+          <a:effectRef idx="0"/>
+          <a:fontRef idx="minor"/>
+        </p:style>
+        <p:txBody>
+          <a:bodyPr lIns="90000" rIns="90000" tIns="45000" bIns="45000" anchor="ctr">
+            <a:noAutofit/>
+          </a:bodyPr>
+          <a:p>
+            <a:pPr>
+              <a:lnSpc>
+                <a:spcPct val="100000"/>
+              </a:lnSpc>
+            </a:pPr>
+            <a:endParaRPr b="0" lang="en-US" sz="1800" spc="-1" strike="noStrike">
+              <a:solidFill>
+                <a:srgbClr val="000000"/>
+              </a:solidFill>
+              <a:latin typeface="Arial"/>
+              <a:ea typeface="DejaVu Sans"/>
+            </a:endParaRPr>
+          </a:p>
+        </p:txBody>
+      </p:sp>
+      <p:sp>
+        <p:nvSpPr>
+          <p:cNvPr id="79" name=""/>
+          <p:cNvSpPr/>
+          <p:nvPr/>
+        </p:nvSpPr>
+        <p:spPr>
+          <a:xfrm>
+            <a:off x="5030640" y="3372120"/>
+            <a:ext cx="684360" cy="513000"/>
+          </a:xfrm>
+          <a:prstGeom prst="roundRect">
+            <a:avLst>
+              <a:gd name="adj" fmla="val 16667"/>
+            </a:avLst>
+          </a:prstGeom>
+          <a:solidFill>
+            <a:srgbClr val="729fcf"/>
+          </a:solidFill>
+          <a:ln w="0">
+            <a:solidFill>
+              <a:srgbClr val="3465a4"/>
+            </a:solidFill>
+          </a:ln>
+        </p:spPr>
+        <p:style>
+          <a:lnRef idx="0"/>
+          <a:fillRef idx="0"/>
+          <a:effectRef idx="0"/>
+          <a:fontRef idx="minor"/>
+        </p:style>
+        <p:txBody>
+          <a:bodyPr lIns="90000" rIns="90000" tIns="45000" bIns="45000" anchor="ctr">
+            <a:noAutofit/>
+          </a:bodyPr>
+          <a:p>
+            <a:pPr>
+              <a:lnSpc>
+                <a:spcPct val="100000"/>
+              </a:lnSpc>
+            </a:pPr>
+            <a:endParaRPr b="0" lang="en-US" sz="1800" spc="-1" strike="noStrike">
+              <a:solidFill>
+                <a:srgbClr val="000000"/>
+              </a:solidFill>
+              <a:latin typeface="Arial"/>
+              <a:ea typeface="DejaVu Sans"/>
+            </a:endParaRPr>
+          </a:p>
+        </p:txBody>
+      </p:sp>
+      <p:sp>
+        <p:nvSpPr>
+          <p:cNvPr id="80" name=""/>
+          <p:cNvSpPr/>
+          <p:nvPr/>
+        </p:nvSpPr>
+        <p:spPr>
+          <a:xfrm>
+            <a:off x="6401880" y="3372120"/>
+            <a:ext cx="684360" cy="513360"/>
+          </a:xfrm>
+          <a:prstGeom prst="roundRect">
+            <a:avLst>
+              <a:gd name="adj" fmla="val 16667"/>
+            </a:avLst>
+          </a:prstGeom>
+          <a:solidFill>
+            <a:srgbClr val="729fcf"/>
+          </a:solidFill>
+          <a:ln w="0">
+            <a:solidFill>
+              <a:srgbClr val="3465a4"/>
+            </a:solidFill>
+          </a:ln>
+        </p:spPr>
+        <p:style>
+          <a:lnRef idx="0"/>
+          <a:fillRef idx="0"/>
+          <a:effectRef idx="0"/>
+          <a:fontRef idx="minor"/>
+        </p:style>
+        <p:txBody>
+          <a:bodyPr lIns="90000" rIns="90000" tIns="45000" bIns="45000" anchor="ctr">
+            <a:noAutofit/>
+          </a:bodyPr>
+          <a:p>
+            <a:pPr>
+              <a:lnSpc>
+                <a:spcPct val="100000"/>
+              </a:lnSpc>
+            </a:pPr>
+            <a:endParaRPr b="0" lang="en-US" sz="1800" spc="-1" strike="noStrike">
+              <a:solidFill>
+                <a:srgbClr val="000000"/>
+              </a:solidFill>
+              <a:latin typeface="Arial"/>
+              <a:ea typeface="DejaVu Sans"/>
+            </a:endParaRPr>
+          </a:p>
+        </p:txBody>
+      </p:sp>
+      <p:sp>
+        <p:nvSpPr>
+          <p:cNvPr id="81" name=""/>
+          <p:cNvSpPr/>
+          <p:nvPr/>
+        </p:nvSpPr>
+        <p:spPr>
+          <a:xfrm>
+            <a:off x="5716080" y="3372120"/>
+            <a:ext cx="684360" cy="513360"/>
+          </a:xfrm>
+          <a:prstGeom prst="roundRect">
+            <a:avLst>
+              <a:gd name="adj" fmla="val 16667"/>
+            </a:avLst>
+          </a:prstGeom>
+          <a:solidFill>
+            <a:srgbClr val="729fcf"/>
+          </a:solidFill>
+          <a:ln w="0">
+            <a:solidFill>
+              <a:srgbClr val="3465a4"/>
+            </a:solidFill>
+          </a:ln>
+        </p:spPr>
+        <p:style>
+          <a:lnRef idx="0"/>
+          <a:fillRef idx="0"/>
+          <a:effectRef idx="0"/>
+          <a:fontRef idx="minor"/>
+        </p:style>
+        <p:txBody>
+          <a:bodyPr lIns="90000" rIns="90000" tIns="45000" bIns="45000" anchor="ctr">
+            <a:noAutofit/>
+          </a:bodyPr>
+          <a:p>
+            <a:pPr>
+              <a:lnSpc>
+                <a:spcPct val="100000"/>
+              </a:lnSpc>
+            </a:pPr>
+            <a:endParaRPr b="0" lang="en-US" sz="1800" spc="-1" strike="noStrike">
+              <a:solidFill>
+                <a:srgbClr val="000000"/>
+              </a:solidFill>
+              <a:latin typeface="Arial"/>
+              <a:ea typeface="DejaVu Sans"/>
+            </a:endParaRPr>
+          </a:p>
+        </p:txBody>
+      </p:sp>
+      <p:sp>
+        <p:nvSpPr>
+          <p:cNvPr id="82" name=""/>
+          <p:cNvSpPr/>
+          <p:nvPr/>
+        </p:nvSpPr>
+        <p:spPr>
+          <a:xfrm>
+            <a:off x="5030640" y="4526640"/>
+            <a:ext cx="684360" cy="501840"/>
+          </a:xfrm>
+          <a:prstGeom prst="roundRect">
+            <a:avLst>
+              <a:gd name="adj" fmla="val 16667"/>
+            </a:avLst>
+          </a:prstGeom>
+          <a:solidFill>
+            <a:srgbClr val="77bc65"/>
+          </a:solidFill>
+          <a:ln w="0">
+            <a:solidFill>
+              <a:srgbClr val="3465a4"/>
+            </a:solidFill>
+          </a:ln>
+        </p:spPr>
+        <p:style>
+          <a:lnRef idx="0"/>
+          <a:fillRef idx="0"/>
+          <a:effectRef idx="0"/>
+          <a:fontRef idx="minor"/>
+        </p:style>
+        <p:txBody>
+          <a:bodyPr lIns="90000" rIns="90000" tIns="45000" bIns="45000" anchor="ctr">
+            <a:noAutofit/>
+          </a:bodyPr>
+          <a:p>
+            <a:pPr>
+              <a:lnSpc>
+                <a:spcPct val="100000"/>
+              </a:lnSpc>
+            </a:pPr>
+            <a:endParaRPr b="0" lang="en-US" sz="1800" spc="-1" strike="noStrike">
+              <a:solidFill>
+                <a:srgbClr val="000000"/>
+              </a:solidFill>
+              <a:latin typeface="Arial"/>
+              <a:ea typeface="DejaVu Sans"/>
+            </a:endParaRPr>
+          </a:p>
+        </p:txBody>
+      </p:sp>
+      <p:sp>
+        <p:nvSpPr>
+          <p:cNvPr id="83" name=""/>
+          <p:cNvSpPr/>
+          <p:nvPr/>
+        </p:nvSpPr>
+        <p:spPr>
+          <a:xfrm>
+            <a:off x="5716080" y="4526640"/>
+            <a:ext cx="684360" cy="501840"/>
+          </a:xfrm>
+          <a:prstGeom prst="roundRect">
+            <a:avLst>
+              <a:gd name="adj" fmla="val 16667"/>
+            </a:avLst>
+          </a:prstGeom>
+          <a:solidFill>
+            <a:srgbClr val="77bc65"/>
+          </a:solidFill>
+          <a:ln w="0">
+            <a:solidFill>
+              <a:srgbClr val="3465a4"/>
+            </a:solidFill>
+          </a:ln>
+        </p:spPr>
+        <p:style>
+          <a:lnRef idx="0"/>
+          <a:fillRef idx="0"/>
+          <a:effectRef idx="0"/>
+          <a:fontRef idx="minor"/>
+        </p:style>
+        <p:txBody>
+          <a:bodyPr lIns="90000" rIns="90000" tIns="45000" bIns="45000" anchor="ctr">
+            <a:noAutofit/>
+          </a:bodyPr>
+          <a:p>
+            <a:pPr>
+              <a:lnSpc>
+                <a:spcPct val="100000"/>
+              </a:lnSpc>
+            </a:pPr>
+            <a:endParaRPr b="0" lang="en-US" sz="1800" spc="-1" strike="noStrike">
+              <a:solidFill>
+                <a:srgbClr val="000000"/>
+              </a:solidFill>
+              <a:latin typeface="Arial"/>
+              <a:ea typeface="DejaVu Sans"/>
+            </a:endParaRPr>
+          </a:p>
+        </p:txBody>
+      </p:sp>
+      <p:sp>
+        <p:nvSpPr>
+          <p:cNvPr id="84" name=""/>
+          <p:cNvSpPr/>
+          <p:nvPr/>
+        </p:nvSpPr>
+        <p:spPr>
+          <a:xfrm>
+            <a:off x="6401880" y="4526640"/>
+            <a:ext cx="684360" cy="501840"/>
+          </a:xfrm>
+          <a:prstGeom prst="roundRect">
+            <a:avLst>
+              <a:gd name="adj" fmla="val 16667"/>
+            </a:avLst>
+          </a:prstGeom>
+          <a:solidFill>
+            <a:srgbClr val="77bc65"/>
+          </a:solidFill>
+          <a:ln w="0">
+            <a:solidFill>
+              <a:srgbClr val="3465a4"/>
+            </a:solidFill>
+          </a:ln>
+        </p:spPr>
+        <p:style>
+          <a:lnRef idx="0"/>
+          <a:fillRef idx="0"/>
+          <a:effectRef idx="0"/>
+          <a:fontRef idx="minor"/>
+        </p:style>
+        <p:txBody>
+          <a:bodyPr lIns="90000" rIns="90000" tIns="45000" bIns="45000" anchor="ctr">
+            <a:noAutofit/>
+          </a:bodyPr>
+          <a:p>
+            <a:pPr>
+              <a:lnSpc>
+                <a:spcPct val="100000"/>
+              </a:lnSpc>
+            </a:pPr>
+            <a:endParaRPr b="0" lang="en-US" sz="1800" spc="-1" strike="noStrike">
+              <a:solidFill>
+                <a:srgbClr val="000000"/>
+              </a:solidFill>
+              <a:latin typeface="Arial"/>
+              <a:ea typeface="DejaVu Sans"/>
+            </a:endParaRPr>
+          </a:p>
+        </p:txBody>
+      </p:sp>
+      <p:sp>
+        <p:nvSpPr>
+          <p:cNvPr id="85" name=""/>
+          <p:cNvSpPr/>
+          <p:nvPr/>
+        </p:nvSpPr>
+        <p:spPr>
+          <a:xfrm>
+            <a:off x="7087320" y="4526640"/>
+            <a:ext cx="684360" cy="501840"/>
+          </a:xfrm>
+          <a:prstGeom prst="roundRect">
+            <a:avLst>
+              <a:gd name="adj" fmla="val 16667"/>
+            </a:avLst>
+          </a:prstGeom>
+          <a:solidFill>
+            <a:srgbClr val="77bc65"/>
+          </a:solidFill>
+          <a:ln w="0">
+            <a:solidFill>
+              <a:srgbClr val="3465a4"/>
+            </a:solidFill>
+          </a:ln>
+        </p:spPr>
+        <p:style>
+          <a:lnRef idx="0"/>
+          <a:fillRef idx="0"/>
+          <a:effectRef idx="0"/>
+          <a:fontRef idx="minor"/>
+        </p:style>
+        <p:txBody>
+          <a:bodyPr lIns="90000" rIns="90000" tIns="45000" bIns="45000" anchor="ctr">
+            <a:noAutofit/>
+          </a:bodyPr>
+          <a:p>
+            <a:pPr>
+              <a:lnSpc>
+                <a:spcPct val="100000"/>
+              </a:lnSpc>
+            </a:pPr>
+            <a:endParaRPr b="0" lang="en-US" sz="1800" spc="-1" strike="noStrike">
+              <a:solidFill>
+                <a:srgbClr val="000000"/>
+              </a:solidFill>
+              <a:latin typeface="Arial"/>
+              <a:ea typeface="DejaVu Sans"/>
+            </a:endParaRPr>
+          </a:p>
+        </p:txBody>
+      </p:sp>
+      <p:sp>
+        <p:nvSpPr>
+          <p:cNvPr id="86" name=""/>
+          <p:cNvSpPr/>
+          <p:nvPr/>
+        </p:nvSpPr>
+        <p:spPr>
+          <a:xfrm>
+            <a:off x="7773120" y="4538880"/>
+            <a:ext cx="684360" cy="501840"/>
+          </a:xfrm>
+          <a:prstGeom prst="roundRect">
+            <a:avLst>
+              <a:gd name="adj" fmla="val 16667"/>
+            </a:avLst>
+          </a:prstGeom>
+          <a:solidFill>
+            <a:srgbClr val="77bc65"/>
+          </a:solidFill>
+          <a:ln w="0">
+            <a:solidFill>
+              <a:srgbClr val="3465a4"/>
+            </a:solidFill>
+          </a:ln>
+        </p:spPr>
+        <p:style>
+          <a:lnRef idx="0"/>
+          <a:fillRef idx="0"/>
+          <a:effectRef idx="0"/>
+          <a:fontRef idx="minor"/>
+        </p:style>
+        <p:txBody>
+          <a:bodyPr lIns="90000" rIns="90000" tIns="45000" bIns="45000" anchor="ctr">
+            <a:noAutofit/>
+          </a:bodyPr>
+          <a:p>
+            <a:pPr>
+              <a:lnSpc>
+                <a:spcPct val="100000"/>
+              </a:lnSpc>
+            </a:pPr>
+            <a:endParaRPr b="0" lang="en-US" sz="1800" spc="-1" strike="noStrike">
+              <a:solidFill>
+                <a:srgbClr val="000000"/>
+              </a:solidFill>
+              <a:latin typeface="Arial"/>
+              <a:ea typeface="DejaVu Sans"/>
+            </a:endParaRPr>
+          </a:p>
+        </p:txBody>
+      </p:sp>
+      <p:sp>
+        <p:nvSpPr>
+          <p:cNvPr id="87" name=""/>
+          <p:cNvSpPr/>
+          <p:nvPr/>
+        </p:nvSpPr>
+        <p:spPr>
+          <a:xfrm>
+            <a:off x="688320" y="3429360"/>
+            <a:ext cx="2512800" cy="456120"/>
+          </a:xfrm>
+          <a:prstGeom prst="rect">
+            <a:avLst/>
+          </a:prstGeom>
+          <a:noFill/>
+          <a:ln w="0">
+            <a:noFill/>
+          </a:ln>
+        </p:spPr>
+        <p:style>
+          <a:lnRef idx="0"/>
+          <a:fillRef idx="0"/>
+          <a:effectRef idx="0"/>
+          <a:fontRef idx="minor"/>
+        </p:style>
+        <p:txBody>
+          <a:bodyPr lIns="90000" rIns="90000" tIns="45000" bIns="45000" anchor="t">
+            <a:noAutofit/>
+          </a:bodyPr>
+          <a:p>
+            <a:pPr algn="ctr">
+              <a:lnSpc>
+                <a:spcPct val="100000"/>
+              </a:lnSpc>
+            </a:pPr>
+            <a:r>
+              <a:rPr b="0" lang="en-US" sz="2400" spc="-1" strike="noStrike">
+                <a:solidFill>
+                  <a:srgbClr val="000000"/>
+                </a:solidFill>
+                <a:latin typeface="Times New Roman"/>
+                <a:ea typeface="DejaVu Sans"/>
+              </a:rPr>
+              <a:t>Search Buffer</a:t>
+            </a:r>
+            <a:endParaRPr b="0" lang="en-US" sz="2400" spc="-1" strike="noStrike">
+              <a:solidFill>
+                <a:srgbClr val="000000"/>
+              </a:solidFill>
+              <a:latin typeface="Arial"/>
+            </a:endParaRPr>
+          </a:p>
+        </p:txBody>
+      </p:sp>
+      <p:sp>
+        <p:nvSpPr>
+          <p:cNvPr id="88" name=""/>
+          <p:cNvSpPr/>
+          <p:nvPr/>
+        </p:nvSpPr>
+        <p:spPr>
+          <a:xfrm>
+            <a:off x="688320" y="4493880"/>
+            <a:ext cx="3198600" cy="763200"/>
+          </a:xfrm>
+          <a:prstGeom prst="rect">
+            <a:avLst/>
+          </a:prstGeom>
+          <a:noFill/>
+          <a:ln w="0">
+            <a:noFill/>
+          </a:ln>
+        </p:spPr>
+        <p:style>
+          <a:lnRef idx="0"/>
+          <a:fillRef idx="0"/>
+          <a:effectRef idx="0"/>
+          <a:fontRef idx="minor"/>
+        </p:style>
+        <p:txBody>
+          <a:bodyPr lIns="90000" rIns="90000" tIns="45000" bIns="45000" anchor="t">
+            <a:noAutofit/>
+          </a:bodyPr>
+          <a:p>
+            <a:pPr>
+              <a:lnSpc>
+                <a:spcPct val="100000"/>
+              </a:lnSpc>
+            </a:pPr>
+            <a:r>
+              <a:rPr b="0" lang="en-US" sz="2400" spc="-1" strike="noStrike">
+                <a:solidFill>
+                  <a:srgbClr val="000000"/>
+                </a:solidFill>
+                <a:latin typeface="Times New Roman"/>
+                <a:ea typeface="DejaVu Sans"/>
+              </a:rPr>
+              <a:t>Look Ahead Window</a:t>
+            </a:r>
+            <a:endParaRPr b="0" lang="en-US" sz="2400" spc="-1" strike="noStrike">
+              <a:solidFill>
+                <a:srgbClr val="000000"/>
+              </a:solidFill>
+              <a:latin typeface="Arial"/>
+            </a:endParaRPr>
+          </a:p>
+        </p:txBody>
+      </p:sp>
+      <p:sp>
+        <p:nvSpPr>
+          <p:cNvPr id="89" name=""/>
+          <p:cNvSpPr/>
+          <p:nvPr/>
+        </p:nvSpPr>
+        <p:spPr>
+          <a:xfrm>
+            <a:off x="4516200" y="3494160"/>
+            <a:ext cx="342000" cy="345240"/>
+          </a:xfrm>
+          <a:prstGeom prst="rect">
+            <a:avLst/>
+          </a:prstGeom>
+          <a:noFill/>
+          <a:ln w="0">
+            <a:noFill/>
+          </a:ln>
+        </p:spPr>
+        <p:style>
+          <a:lnRef idx="0"/>
+          <a:fillRef idx="0"/>
+          <a:effectRef idx="0"/>
+          <a:fontRef idx="minor"/>
+        </p:style>
+        <p:txBody>
+          <a:bodyPr lIns="90000" rIns="90000" tIns="45000" bIns="45000" anchor="t">
+            <a:noAutofit/>
+          </a:bodyPr>
+          <a:p>
+            <a:pPr>
+              <a:lnSpc>
+                <a:spcPct val="100000"/>
+              </a:lnSpc>
+            </a:pPr>
+            <a:r>
+              <a:rPr b="0" lang="en-US" sz="1800" spc="-1" strike="noStrike">
+                <a:solidFill>
+                  <a:srgbClr val="000000"/>
+                </a:solidFill>
+                <a:latin typeface="Arial"/>
+                <a:ea typeface="DejaVu Sans"/>
+              </a:rPr>
+              <a:t>A</a:t>
+            </a:r>
+            <a:endParaRPr b="0" lang="en-US" sz="1800" spc="-1" strike="noStrike">
+              <a:solidFill>
+                <a:srgbClr val="000000"/>
+              </a:solidFill>
+              <a:latin typeface="Arial"/>
+            </a:endParaRPr>
+          </a:p>
+        </p:txBody>
+      </p:sp>
+      <p:sp>
+        <p:nvSpPr>
+          <p:cNvPr id="90" name=""/>
+          <p:cNvSpPr/>
+          <p:nvPr/>
+        </p:nvSpPr>
+        <p:spPr>
+          <a:xfrm>
+            <a:off x="5202000" y="3494160"/>
+            <a:ext cx="342000" cy="345240"/>
+          </a:xfrm>
+          <a:prstGeom prst="rect">
+            <a:avLst/>
+          </a:prstGeom>
+          <a:noFill/>
+          <a:ln w="0">
+            <a:noFill/>
+          </a:ln>
+        </p:spPr>
+        <p:style>
+          <a:lnRef idx="0"/>
+          <a:fillRef idx="0"/>
+          <a:effectRef idx="0"/>
+          <a:fontRef idx="minor"/>
+        </p:style>
+        <p:txBody>
+          <a:bodyPr lIns="90000" rIns="90000" tIns="45000" bIns="45000" anchor="t">
+            <a:noAutofit/>
+          </a:bodyPr>
+          <a:p>
+            <a:pPr>
+              <a:lnSpc>
+                <a:spcPct val="100000"/>
+              </a:lnSpc>
+            </a:pPr>
+            <a:r>
+              <a:rPr b="0" lang="en-US" sz="1800" spc="-1" strike="noStrike">
+                <a:solidFill>
+                  <a:srgbClr val="000000"/>
+                </a:solidFill>
+                <a:latin typeface="Arial"/>
+                <a:ea typeface="DejaVu Sans"/>
+              </a:rPr>
+              <a:t>A</a:t>
+            </a:r>
+            <a:endParaRPr b="0" lang="en-US" sz="1800" spc="-1" strike="noStrike">
+              <a:solidFill>
+                <a:srgbClr val="000000"/>
+              </a:solidFill>
+              <a:latin typeface="Arial"/>
+            </a:endParaRPr>
+          </a:p>
+        </p:txBody>
+      </p:sp>
+      <p:sp>
+        <p:nvSpPr>
+          <p:cNvPr id="91" name=""/>
+          <p:cNvSpPr/>
+          <p:nvPr/>
+        </p:nvSpPr>
+        <p:spPr>
+          <a:xfrm>
+            <a:off x="5887440" y="3494160"/>
+            <a:ext cx="342000" cy="345240"/>
+          </a:xfrm>
+          <a:prstGeom prst="rect">
+            <a:avLst/>
+          </a:prstGeom>
+          <a:noFill/>
+          <a:ln w="0">
+            <a:noFill/>
+          </a:ln>
+        </p:spPr>
+        <p:style>
+          <a:lnRef idx="0"/>
+          <a:fillRef idx="0"/>
+          <a:effectRef idx="0"/>
+          <a:fontRef idx="minor"/>
+        </p:style>
+        <p:txBody>
+          <a:bodyPr lIns="90000" rIns="90000" tIns="45000" bIns="45000" anchor="t">
+            <a:noAutofit/>
+          </a:bodyPr>
+          <a:p>
+            <a:pPr>
+              <a:lnSpc>
+                <a:spcPct val="100000"/>
+              </a:lnSpc>
+            </a:pPr>
+            <a:r>
+              <a:rPr b="0" lang="en-US" sz="1800" spc="-1" strike="noStrike">
+                <a:solidFill>
+                  <a:srgbClr val="000000"/>
+                </a:solidFill>
+                <a:latin typeface="Arial"/>
+                <a:ea typeface="DejaVu Sans"/>
+              </a:rPr>
+              <a:t>B</a:t>
+            </a:r>
+            <a:endParaRPr b="0" lang="en-US" sz="1800" spc="-1" strike="noStrike">
+              <a:solidFill>
+                <a:srgbClr val="000000"/>
+              </a:solidFill>
+              <a:latin typeface="Arial"/>
+            </a:endParaRPr>
+          </a:p>
+        </p:txBody>
+      </p:sp>
+      <p:sp>
+        <p:nvSpPr>
+          <p:cNvPr id="92" name=""/>
+          <p:cNvSpPr/>
+          <p:nvPr/>
+        </p:nvSpPr>
+        <p:spPr>
+          <a:xfrm>
+            <a:off x="6573240" y="3494160"/>
+            <a:ext cx="342000" cy="345240"/>
+          </a:xfrm>
+          <a:prstGeom prst="rect">
+            <a:avLst/>
+          </a:prstGeom>
+          <a:noFill/>
+          <a:ln w="0">
+            <a:noFill/>
+          </a:ln>
+        </p:spPr>
+        <p:style>
+          <a:lnRef idx="0"/>
+          <a:fillRef idx="0"/>
+          <a:effectRef idx="0"/>
+          <a:fontRef idx="minor"/>
+        </p:style>
+        <p:txBody>
+          <a:bodyPr lIns="90000" rIns="90000" tIns="45000" bIns="45000" anchor="t">
+            <a:noAutofit/>
+          </a:bodyPr>
+          <a:p>
+            <a:pPr>
+              <a:lnSpc>
+                <a:spcPct val="100000"/>
+              </a:lnSpc>
+            </a:pPr>
+            <a:r>
+              <a:rPr b="0" lang="en-US" sz="1800" spc="-1" strike="noStrike">
+                <a:solidFill>
+                  <a:srgbClr val="000000"/>
+                </a:solidFill>
+                <a:latin typeface="Arial"/>
+                <a:ea typeface="DejaVu Sans"/>
+              </a:rPr>
+              <a:t>C</a:t>
+            </a:r>
+            <a:endParaRPr b="0" lang="en-US" sz="1800" spc="-1" strike="noStrike">
+              <a:solidFill>
+                <a:srgbClr val="000000"/>
+              </a:solidFill>
+              <a:latin typeface="Arial"/>
+            </a:endParaRPr>
+          </a:p>
+        </p:txBody>
+      </p:sp>
+      <p:sp>
+        <p:nvSpPr>
+          <p:cNvPr id="93" name=""/>
+          <p:cNvSpPr/>
+          <p:nvPr/>
+        </p:nvSpPr>
+        <p:spPr>
+          <a:xfrm>
+            <a:off x="5202000" y="4645800"/>
+            <a:ext cx="342000" cy="345240"/>
+          </a:xfrm>
+          <a:prstGeom prst="rect">
+            <a:avLst/>
+          </a:prstGeom>
+          <a:noFill/>
+          <a:ln w="0">
+            <a:noFill/>
+          </a:ln>
+        </p:spPr>
+        <p:style>
+          <a:lnRef idx="0"/>
+          <a:fillRef idx="0"/>
+          <a:effectRef idx="0"/>
+          <a:fontRef idx="minor"/>
+        </p:style>
+        <p:txBody>
+          <a:bodyPr lIns="90000" rIns="90000" tIns="45000" bIns="45000" anchor="t">
+            <a:noAutofit/>
+          </a:bodyPr>
+          <a:p>
+            <a:pPr>
+              <a:lnSpc>
+                <a:spcPct val="100000"/>
+              </a:lnSpc>
+            </a:pPr>
+            <a:r>
+              <a:rPr b="0" lang="en-US" sz="1800" spc="-1" strike="noStrike">
+                <a:solidFill>
+                  <a:srgbClr val="000000"/>
+                </a:solidFill>
+                <a:latin typeface="Arial"/>
+                <a:ea typeface="DejaVu Sans"/>
+              </a:rPr>
+              <a:t>A</a:t>
+            </a:r>
+            <a:endParaRPr b="0" lang="en-US" sz="1800" spc="-1" strike="noStrike">
+              <a:solidFill>
+                <a:srgbClr val="000000"/>
+              </a:solidFill>
+              <a:latin typeface="Arial"/>
+            </a:endParaRPr>
+          </a:p>
+        </p:txBody>
+      </p:sp>
+      <p:sp>
+        <p:nvSpPr>
+          <p:cNvPr id="94" name=""/>
+          <p:cNvSpPr/>
+          <p:nvPr/>
+        </p:nvSpPr>
+        <p:spPr>
+          <a:xfrm>
+            <a:off x="5887440" y="4646160"/>
+            <a:ext cx="342000" cy="345240"/>
+          </a:xfrm>
+          <a:prstGeom prst="rect">
+            <a:avLst/>
+          </a:prstGeom>
+          <a:noFill/>
+          <a:ln w="0">
+            <a:noFill/>
+          </a:ln>
+        </p:spPr>
+        <p:style>
+          <a:lnRef idx="0"/>
+          <a:fillRef idx="0"/>
+          <a:effectRef idx="0"/>
+          <a:fontRef idx="minor"/>
+        </p:style>
+        <p:txBody>
+          <a:bodyPr lIns="90000" rIns="90000" tIns="45000" bIns="45000" anchor="t">
+            <a:noAutofit/>
+          </a:bodyPr>
+          <a:p>
+            <a:pPr>
+              <a:lnSpc>
+                <a:spcPct val="100000"/>
+              </a:lnSpc>
+            </a:pPr>
+            <a:r>
+              <a:rPr b="0" lang="en-US" sz="1800" spc="-1" strike="noStrike">
+                <a:solidFill>
+                  <a:srgbClr val="000000"/>
+                </a:solidFill>
+                <a:latin typeface="Arial"/>
+                <a:ea typeface="DejaVu Sans"/>
+              </a:rPr>
+              <a:t>B</a:t>
+            </a:r>
+            <a:endParaRPr b="0" lang="en-US" sz="1800" spc="-1" strike="noStrike">
+              <a:solidFill>
+                <a:srgbClr val="000000"/>
+              </a:solidFill>
+              <a:latin typeface="Arial"/>
+            </a:endParaRPr>
+          </a:p>
+        </p:txBody>
+      </p:sp>
+      <p:sp>
+        <p:nvSpPr>
+          <p:cNvPr id="95" name=""/>
+          <p:cNvSpPr/>
+          <p:nvPr/>
+        </p:nvSpPr>
+        <p:spPr>
+          <a:xfrm>
+            <a:off x="6573240" y="4645800"/>
+            <a:ext cx="342000" cy="345240"/>
+          </a:xfrm>
+          <a:prstGeom prst="rect">
+            <a:avLst/>
+          </a:prstGeom>
+          <a:noFill/>
+          <a:ln w="0">
+            <a:noFill/>
+          </a:ln>
+        </p:spPr>
+        <p:style>
+          <a:lnRef idx="0"/>
+          <a:fillRef idx="0"/>
+          <a:effectRef idx="0"/>
+          <a:fontRef idx="minor"/>
+        </p:style>
+        <p:txBody>
+          <a:bodyPr lIns="90000" rIns="90000" tIns="45000" bIns="45000" anchor="t">
+            <a:noAutofit/>
+          </a:bodyPr>
+          <a:p>
+            <a:pPr>
+              <a:lnSpc>
+                <a:spcPct val="100000"/>
+              </a:lnSpc>
+            </a:pPr>
+            <a:r>
+              <a:rPr b="0" lang="en-US" sz="1800" spc="-1" strike="noStrike">
+                <a:solidFill>
+                  <a:srgbClr val="000000"/>
+                </a:solidFill>
+                <a:latin typeface="Arial"/>
+                <a:ea typeface="DejaVu Sans"/>
+              </a:rPr>
+              <a:t>C</a:t>
+            </a:r>
+            <a:endParaRPr b="0" lang="en-US" sz="1800" spc="-1" strike="noStrike">
+              <a:solidFill>
+                <a:srgbClr val="000000"/>
+              </a:solidFill>
+              <a:latin typeface="Arial"/>
+            </a:endParaRPr>
+          </a:p>
+        </p:txBody>
+      </p:sp>
+      <p:sp>
+        <p:nvSpPr>
+          <p:cNvPr id="96" name=""/>
+          <p:cNvSpPr/>
+          <p:nvPr/>
+        </p:nvSpPr>
+        <p:spPr>
+          <a:xfrm>
+            <a:off x="7258680" y="4646160"/>
+            <a:ext cx="342000" cy="345240"/>
+          </a:xfrm>
+          <a:prstGeom prst="rect">
+            <a:avLst/>
+          </a:prstGeom>
+          <a:noFill/>
+          <a:ln w="0">
+            <a:noFill/>
+          </a:ln>
+        </p:spPr>
+        <p:style>
+          <a:lnRef idx="0"/>
+          <a:fillRef idx="0"/>
+          <a:effectRef idx="0"/>
+          <a:fontRef idx="minor"/>
+        </p:style>
+        <p:txBody>
+          <a:bodyPr lIns="90000" rIns="90000" tIns="45000" bIns="45000" anchor="t">
+            <a:noAutofit/>
+          </a:bodyPr>
+          <a:p>
+            <a:pPr>
+              <a:lnSpc>
+                <a:spcPct val="100000"/>
+              </a:lnSpc>
+            </a:pPr>
+            <a:r>
+              <a:rPr b="0" lang="en-US" sz="1800" spc="-1" strike="noStrike">
+                <a:solidFill>
+                  <a:srgbClr val="000000"/>
+                </a:solidFill>
+                <a:latin typeface="Arial"/>
+                <a:ea typeface="DejaVu Sans"/>
+              </a:rPr>
+              <a:t>D</a:t>
+            </a:r>
+            <a:endParaRPr b="0" lang="en-US" sz="1800" spc="-1" strike="noStrike">
+              <a:solidFill>
+                <a:srgbClr val="000000"/>
+              </a:solidFill>
+              <a:latin typeface="Arial"/>
+            </a:endParaRPr>
+          </a:p>
+        </p:txBody>
+      </p:sp>
+      <p:sp>
+        <p:nvSpPr>
+          <p:cNvPr id="97" name=""/>
+          <p:cNvSpPr/>
+          <p:nvPr/>
+        </p:nvSpPr>
+        <p:spPr>
+          <a:xfrm>
+            <a:off x="7944480" y="4658400"/>
+            <a:ext cx="342000" cy="345240"/>
+          </a:xfrm>
+          <a:prstGeom prst="rect">
+            <a:avLst/>
+          </a:prstGeom>
+          <a:noFill/>
+          <a:ln w="0">
+            <a:noFill/>
+          </a:ln>
+        </p:spPr>
+        <p:style>
+          <a:lnRef idx="0"/>
+          <a:fillRef idx="0"/>
+          <a:effectRef idx="0"/>
+          <a:fontRef idx="minor"/>
+        </p:style>
+        <p:txBody>
+          <a:bodyPr lIns="90000" rIns="90000" tIns="45000" bIns="45000" anchor="t">
+            <a:noAutofit/>
+          </a:bodyPr>
+          <a:p>
+            <a:pPr>
+              <a:lnSpc>
+                <a:spcPct val="100000"/>
+              </a:lnSpc>
+            </a:pPr>
+            <a:r>
+              <a:rPr b="0" lang="en-US" sz="1800" spc="-1" strike="noStrike">
+                <a:solidFill>
+                  <a:srgbClr val="000000"/>
+                </a:solidFill>
+                <a:latin typeface="Arial"/>
+                <a:ea typeface="DejaVu Sans"/>
+              </a:rPr>
+              <a:t>Z</a:t>
+            </a:r>
+            <a:endParaRPr b="0" lang="en-US" sz="1800" spc="-1" strike="noStrike">
+              <a:solidFill>
+                <a:srgbClr val="000000"/>
+              </a:solidFill>
+              <a:latin typeface="Arial"/>
+            </a:endParaRPr>
+          </a:p>
+        </p:txBody>
+      </p:sp>
+      <p:sp>
+        <p:nvSpPr>
+          <p:cNvPr id="98" name=""/>
+          <p:cNvSpPr/>
+          <p:nvPr/>
+        </p:nvSpPr>
+        <p:spPr>
+          <a:xfrm>
+            <a:off x="9664920" y="5258160"/>
+            <a:ext cx="3822480" cy="426960"/>
+          </a:xfrm>
+          <a:prstGeom prst="rect">
+            <a:avLst/>
+          </a:prstGeom>
+          <a:noFill/>
+          <a:ln w="0">
+            <a:noFill/>
+          </a:ln>
+        </p:spPr>
+        <p:style>
+          <a:lnRef idx="0"/>
+          <a:fillRef idx="0"/>
+          <a:effectRef idx="0"/>
+          <a:fontRef idx="minor"/>
+        </p:style>
+        <p:txBody>
+          <a:bodyPr lIns="90000" rIns="90000" tIns="45000" bIns="45000" anchor="t">
+            <a:noAutofit/>
+          </a:bodyPr>
+          <a:p>
+            <a:pPr>
+              <a:lnSpc>
+                <a:spcPct val="100000"/>
+              </a:lnSpc>
+            </a:pPr>
+            <a:r>
+              <a:rPr b="0" lang="en-US" sz="2400" spc="-1" strike="noStrike">
+                <a:solidFill>
+                  <a:srgbClr val="000000"/>
+                </a:solidFill>
+                <a:latin typeface="Times New Roman"/>
+              </a:rPr>
+              <a:t>5</a:t>
+            </a:r>
+            <a:endParaRPr b="0" lang="en-US" sz="2400" spc="-1" strike="noStrike">
               <a:solidFill>
                 <a:srgbClr val="000000"/>
               </a:solidFill>
@@ -5010,13 +6234,13 @@
       </p:grpSpPr>
       <p:sp>
         <p:nvSpPr>
-          <p:cNvPr id="78" name="Straight Connector 7"/>
-          <p:cNvSpPr/>
-          <p:nvPr/>
-        </p:nvSpPr>
-        <p:spPr>
-          <a:xfrm>
-            <a:off x="468000" y="4044600"/>
+          <p:cNvPr id="99" name="Straight Connector 10"/>
+          <p:cNvSpPr/>
+          <p:nvPr/>
+        </p:nvSpPr>
+        <p:spPr>
+          <a:xfrm>
+            <a:off x="468000" y="1128600"/>
             <a:ext cx="9144000" cy="360"/>
           </a:xfrm>
           <a:prstGeom prst="line">
@@ -5052,7 +6276,1528 @@
       </p:sp>
       <p:sp>
         <p:nvSpPr>
-          <p:cNvPr id="79" name="Straight Connector 8"/>
+          <p:cNvPr id="100" name="PlaceHolder 9"/>
+          <p:cNvSpPr/>
+          <p:nvPr/>
+        </p:nvSpPr>
+        <p:spPr>
+          <a:xfrm>
+            <a:off x="914400" y="0"/>
+            <a:ext cx="8237160" cy="913680"/>
+          </a:xfrm>
+          <a:prstGeom prst="rect">
+            <a:avLst/>
+          </a:prstGeom>
+          <a:noFill/>
+          <a:ln w="9360">
+            <a:noFill/>
+          </a:ln>
+        </p:spPr>
+        <p:style>
+          <a:lnRef idx="0"/>
+          <a:fillRef idx="0"/>
+          <a:effectRef idx="0"/>
+          <a:fontRef idx="minor"/>
+        </p:style>
+        <p:txBody>
+          <a:bodyPr numCol="1" spcCol="0" lIns="90000" rIns="90000" tIns="45000" bIns="45000" anchor="t">
+            <a:noAutofit/>
+          </a:bodyPr>
+          <a:p>
+            <a:pPr algn="ctr">
+              <a:lnSpc>
+                <a:spcPct val="150000"/>
+              </a:lnSpc>
+              <a:tabLst>
+                <a:tab algn="l" pos="0"/>
+              </a:tabLst>
+            </a:pPr>
+            <a:r>
+              <a:rPr b="0" lang="en-US" sz="2800" spc="-1" strike="noStrike">
+                <a:solidFill>
+                  <a:srgbClr val="000000"/>
+                </a:solidFill>
+                <a:latin typeface="Times New Roman"/>
+                <a:ea typeface="DejaVu Sans"/>
+              </a:rPr>
+              <a:t>How do the Buffers Work?</a:t>
+            </a:r>
+            <a:br>
+              <a:rPr sz="2800"/>
+            </a:br>
+            <a:endParaRPr b="0" lang="en-US" sz="2800" spc="-1" strike="noStrike">
+              <a:solidFill>
+                <a:srgbClr val="000000"/>
+              </a:solidFill>
+              <a:latin typeface="Arial"/>
+            </a:endParaRPr>
+          </a:p>
+        </p:txBody>
+      </p:sp>
+      <p:sp>
+        <p:nvSpPr>
+          <p:cNvPr id="101" name=""/>
+          <p:cNvSpPr/>
+          <p:nvPr/>
+        </p:nvSpPr>
+        <p:spPr>
+          <a:xfrm>
+            <a:off x="468000" y="1128600"/>
+            <a:ext cx="9132480" cy="1944360"/>
+          </a:xfrm>
+          <a:prstGeom prst="rect">
+            <a:avLst/>
+          </a:prstGeom>
+          <a:noFill/>
+          <a:ln w="0">
+            <a:noFill/>
+          </a:ln>
+        </p:spPr>
+        <p:style>
+          <a:lnRef idx="0"/>
+          <a:fillRef idx="0"/>
+          <a:effectRef idx="0"/>
+          <a:fontRef idx="minor"/>
+        </p:style>
+        <p:txBody>
+          <a:bodyPr lIns="90000" rIns="90000" tIns="45000" bIns="45000" anchor="t">
+            <a:noAutofit/>
+          </a:bodyPr>
+          <a:p>
+            <a:pPr marL="216000" indent="-216000">
+              <a:lnSpc>
+                <a:spcPct val="150000"/>
+              </a:lnSpc>
+              <a:buClr>
+                <a:srgbClr val="000000"/>
+              </a:buClr>
+              <a:buSzPct val="45000"/>
+              <a:buFont typeface="Wingdings" charset="2"/>
+              <a:buChar char=""/>
+            </a:pPr>
+            <a:r>
+              <a:rPr b="0" lang="en-US" sz="2200" spc="-1" strike="noStrike">
+                <a:solidFill>
+                  <a:srgbClr val="000000"/>
+                </a:solidFill>
+                <a:latin typeface="Times New Roman"/>
+                <a:ea typeface="DejaVu Sans"/>
+              </a:rPr>
+              <a:t>Starting at the current position, find the longest string that matches in the search buffer</a:t>
+            </a:r>
+            <a:endParaRPr b="0" lang="en-US" sz="2200" spc="-1" strike="noStrike">
+              <a:solidFill>
+                <a:srgbClr val="000000"/>
+              </a:solidFill>
+              <a:latin typeface="Arial"/>
+            </a:endParaRPr>
+          </a:p>
+        </p:txBody>
+      </p:sp>
+      <p:sp>
+        <p:nvSpPr>
+          <p:cNvPr id="102" name=""/>
+          <p:cNvSpPr/>
+          <p:nvPr/>
+        </p:nvSpPr>
+        <p:spPr>
+          <a:xfrm>
+            <a:off x="4344840" y="3372120"/>
+            <a:ext cx="684360" cy="513360"/>
+          </a:xfrm>
+          <a:prstGeom prst="roundRect">
+            <a:avLst>
+              <a:gd name="adj" fmla="val 16667"/>
+            </a:avLst>
+          </a:prstGeom>
+          <a:solidFill>
+            <a:srgbClr val="729fcf"/>
+          </a:solidFill>
+          <a:ln w="0">
+            <a:solidFill>
+              <a:srgbClr val="3465a4"/>
+            </a:solidFill>
+          </a:ln>
+        </p:spPr>
+        <p:style>
+          <a:lnRef idx="0"/>
+          <a:fillRef idx="0"/>
+          <a:effectRef idx="0"/>
+          <a:fontRef idx="minor"/>
+        </p:style>
+        <p:txBody>
+          <a:bodyPr lIns="90000" rIns="90000" tIns="45000" bIns="45000" anchor="ctr">
+            <a:noAutofit/>
+          </a:bodyPr>
+          <a:p>
+            <a:endParaRPr b="0" lang="en-US" sz="1800" spc="-1" strike="noStrike">
+              <a:solidFill>
+                <a:srgbClr val="000000"/>
+              </a:solidFill>
+              <a:latin typeface="Arial"/>
+              <a:ea typeface="DejaVu Sans"/>
+            </a:endParaRPr>
+          </a:p>
+        </p:txBody>
+      </p:sp>
+      <p:sp>
+        <p:nvSpPr>
+          <p:cNvPr id="103" name=""/>
+          <p:cNvSpPr/>
+          <p:nvPr/>
+        </p:nvSpPr>
+        <p:spPr>
+          <a:xfrm>
+            <a:off x="5030640" y="3372120"/>
+            <a:ext cx="684360" cy="513000"/>
+          </a:xfrm>
+          <a:prstGeom prst="roundRect">
+            <a:avLst>
+              <a:gd name="adj" fmla="val 16667"/>
+            </a:avLst>
+          </a:prstGeom>
+          <a:solidFill>
+            <a:srgbClr val="729fcf"/>
+          </a:solidFill>
+          <a:ln w="0">
+            <a:solidFill>
+              <a:srgbClr val="3465a4"/>
+            </a:solidFill>
+          </a:ln>
+        </p:spPr>
+        <p:style>
+          <a:lnRef idx="0"/>
+          <a:fillRef idx="0"/>
+          <a:effectRef idx="0"/>
+          <a:fontRef idx="minor"/>
+        </p:style>
+        <p:txBody>
+          <a:bodyPr lIns="90000" rIns="90000" tIns="45000" bIns="45000" anchor="ctr">
+            <a:noAutofit/>
+          </a:bodyPr>
+          <a:p>
+            <a:endParaRPr b="0" lang="en-US" sz="1800" spc="-1" strike="noStrike">
+              <a:solidFill>
+                <a:srgbClr val="000000"/>
+              </a:solidFill>
+              <a:latin typeface="Arial"/>
+              <a:ea typeface="DejaVu Sans"/>
+            </a:endParaRPr>
+          </a:p>
+        </p:txBody>
+      </p:sp>
+      <p:sp>
+        <p:nvSpPr>
+          <p:cNvPr id="104" name=""/>
+          <p:cNvSpPr/>
+          <p:nvPr/>
+        </p:nvSpPr>
+        <p:spPr>
+          <a:xfrm>
+            <a:off x="6401880" y="3372120"/>
+            <a:ext cx="684360" cy="513360"/>
+          </a:xfrm>
+          <a:prstGeom prst="roundRect">
+            <a:avLst>
+              <a:gd name="adj" fmla="val 16667"/>
+            </a:avLst>
+          </a:prstGeom>
+          <a:solidFill>
+            <a:srgbClr val="729fcf"/>
+          </a:solidFill>
+          <a:ln w="0">
+            <a:solidFill>
+              <a:srgbClr val="3465a4"/>
+            </a:solidFill>
+          </a:ln>
+        </p:spPr>
+        <p:style>
+          <a:lnRef idx="0"/>
+          <a:fillRef idx="0"/>
+          <a:effectRef idx="0"/>
+          <a:fontRef idx="minor"/>
+        </p:style>
+        <p:txBody>
+          <a:bodyPr lIns="90000" rIns="90000" tIns="45000" bIns="45000" anchor="ctr">
+            <a:noAutofit/>
+          </a:bodyPr>
+          <a:p>
+            <a:endParaRPr b="0" lang="en-US" sz="1800" spc="-1" strike="noStrike">
+              <a:solidFill>
+                <a:srgbClr val="000000"/>
+              </a:solidFill>
+              <a:latin typeface="Arial"/>
+              <a:ea typeface="DejaVu Sans"/>
+            </a:endParaRPr>
+          </a:p>
+        </p:txBody>
+      </p:sp>
+      <p:sp>
+        <p:nvSpPr>
+          <p:cNvPr id="105" name=""/>
+          <p:cNvSpPr/>
+          <p:nvPr/>
+        </p:nvSpPr>
+        <p:spPr>
+          <a:xfrm>
+            <a:off x="5716080" y="3372120"/>
+            <a:ext cx="684360" cy="513360"/>
+          </a:xfrm>
+          <a:prstGeom prst="roundRect">
+            <a:avLst>
+              <a:gd name="adj" fmla="val 16667"/>
+            </a:avLst>
+          </a:prstGeom>
+          <a:solidFill>
+            <a:srgbClr val="729fcf"/>
+          </a:solidFill>
+          <a:ln w="0">
+            <a:solidFill>
+              <a:srgbClr val="3465a4"/>
+            </a:solidFill>
+          </a:ln>
+        </p:spPr>
+        <p:style>
+          <a:lnRef idx="0"/>
+          <a:fillRef idx="0"/>
+          <a:effectRef idx="0"/>
+          <a:fontRef idx="minor"/>
+        </p:style>
+        <p:txBody>
+          <a:bodyPr lIns="90000" rIns="90000" tIns="45000" bIns="45000" anchor="ctr">
+            <a:noAutofit/>
+          </a:bodyPr>
+          <a:p>
+            <a:endParaRPr b="0" lang="en-US" sz="1800" spc="-1" strike="noStrike">
+              <a:solidFill>
+                <a:srgbClr val="000000"/>
+              </a:solidFill>
+              <a:latin typeface="Arial"/>
+              <a:ea typeface="DejaVu Sans"/>
+            </a:endParaRPr>
+          </a:p>
+        </p:txBody>
+      </p:sp>
+      <p:sp>
+        <p:nvSpPr>
+          <p:cNvPr id="106" name=""/>
+          <p:cNvSpPr/>
+          <p:nvPr/>
+        </p:nvSpPr>
+        <p:spPr>
+          <a:xfrm>
+            <a:off x="5030640" y="4526640"/>
+            <a:ext cx="684360" cy="501840"/>
+          </a:xfrm>
+          <a:prstGeom prst="roundRect">
+            <a:avLst>
+              <a:gd name="adj" fmla="val 16667"/>
+            </a:avLst>
+          </a:prstGeom>
+          <a:solidFill>
+            <a:srgbClr val="77bc65"/>
+          </a:solidFill>
+          <a:ln w="0">
+            <a:solidFill>
+              <a:srgbClr val="3465a4"/>
+            </a:solidFill>
+          </a:ln>
+        </p:spPr>
+        <p:style>
+          <a:lnRef idx="0"/>
+          <a:fillRef idx="0"/>
+          <a:effectRef idx="0"/>
+          <a:fontRef idx="minor"/>
+        </p:style>
+        <p:txBody>
+          <a:bodyPr lIns="90000" rIns="90000" tIns="45000" bIns="45000" anchor="ctr">
+            <a:noAutofit/>
+          </a:bodyPr>
+          <a:p>
+            <a:endParaRPr b="0" lang="en-US" sz="1800" spc="-1" strike="noStrike">
+              <a:solidFill>
+                <a:srgbClr val="000000"/>
+              </a:solidFill>
+              <a:latin typeface="Arial"/>
+              <a:ea typeface="DejaVu Sans"/>
+            </a:endParaRPr>
+          </a:p>
+        </p:txBody>
+      </p:sp>
+      <p:sp>
+        <p:nvSpPr>
+          <p:cNvPr id="107" name=""/>
+          <p:cNvSpPr/>
+          <p:nvPr/>
+        </p:nvSpPr>
+        <p:spPr>
+          <a:xfrm>
+            <a:off x="5716080" y="4526640"/>
+            <a:ext cx="684360" cy="501840"/>
+          </a:xfrm>
+          <a:prstGeom prst="roundRect">
+            <a:avLst>
+              <a:gd name="adj" fmla="val 16667"/>
+            </a:avLst>
+          </a:prstGeom>
+          <a:solidFill>
+            <a:srgbClr val="77bc65"/>
+          </a:solidFill>
+          <a:ln w="0">
+            <a:solidFill>
+              <a:srgbClr val="3465a4"/>
+            </a:solidFill>
+          </a:ln>
+        </p:spPr>
+        <p:style>
+          <a:lnRef idx="0"/>
+          <a:fillRef idx="0"/>
+          <a:effectRef idx="0"/>
+          <a:fontRef idx="minor"/>
+        </p:style>
+        <p:txBody>
+          <a:bodyPr lIns="90000" rIns="90000" tIns="45000" bIns="45000" anchor="ctr">
+            <a:noAutofit/>
+          </a:bodyPr>
+          <a:p>
+            <a:endParaRPr b="0" lang="en-US" sz="1800" spc="-1" strike="noStrike">
+              <a:solidFill>
+                <a:srgbClr val="000000"/>
+              </a:solidFill>
+              <a:latin typeface="Arial"/>
+              <a:ea typeface="DejaVu Sans"/>
+            </a:endParaRPr>
+          </a:p>
+        </p:txBody>
+      </p:sp>
+      <p:sp>
+        <p:nvSpPr>
+          <p:cNvPr id="108" name=""/>
+          <p:cNvSpPr/>
+          <p:nvPr/>
+        </p:nvSpPr>
+        <p:spPr>
+          <a:xfrm>
+            <a:off x="6401880" y="4526640"/>
+            <a:ext cx="684360" cy="501840"/>
+          </a:xfrm>
+          <a:prstGeom prst="roundRect">
+            <a:avLst>
+              <a:gd name="adj" fmla="val 16667"/>
+            </a:avLst>
+          </a:prstGeom>
+          <a:solidFill>
+            <a:srgbClr val="77bc65"/>
+          </a:solidFill>
+          <a:ln w="0">
+            <a:solidFill>
+              <a:srgbClr val="3465a4"/>
+            </a:solidFill>
+          </a:ln>
+        </p:spPr>
+        <p:style>
+          <a:lnRef idx="0"/>
+          <a:fillRef idx="0"/>
+          <a:effectRef idx="0"/>
+          <a:fontRef idx="minor"/>
+        </p:style>
+        <p:txBody>
+          <a:bodyPr lIns="90000" rIns="90000" tIns="45000" bIns="45000" anchor="ctr">
+            <a:noAutofit/>
+          </a:bodyPr>
+          <a:p>
+            <a:endParaRPr b="0" lang="en-US" sz="1800" spc="-1" strike="noStrike">
+              <a:solidFill>
+                <a:srgbClr val="000000"/>
+              </a:solidFill>
+              <a:latin typeface="Arial"/>
+              <a:ea typeface="DejaVu Sans"/>
+            </a:endParaRPr>
+          </a:p>
+        </p:txBody>
+      </p:sp>
+      <p:sp>
+        <p:nvSpPr>
+          <p:cNvPr id="109" name=""/>
+          <p:cNvSpPr/>
+          <p:nvPr/>
+        </p:nvSpPr>
+        <p:spPr>
+          <a:xfrm>
+            <a:off x="7087320" y="4526640"/>
+            <a:ext cx="684360" cy="501840"/>
+          </a:xfrm>
+          <a:prstGeom prst="roundRect">
+            <a:avLst>
+              <a:gd name="adj" fmla="val 16667"/>
+            </a:avLst>
+          </a:prstGeom>
+          <a:solidFill>
+            <a:srgbClr val="77bc65"/>
+          </a:solidFill>
+          <a:ln w="0">
+            <a:solidFill>
+              <a:srgbClr val="3465a4"/>
+            </a:solidFill>
+          </a:ln>
+        </p:spPr>
+        <p:style>
+          <a:lnRef idx="0"/>
+          <a:fillRef idx="0"/>
+          <a:effectRef idx="0"/>
+          <a:fontRef idx="minor"/>
+        </p:style>
+        <p:txBody>
+          <a:bodyPr lIns="90000" rIns="90000" tIns="45000" bIns="45000" anchor="ctr">
+            <a:noAutofit/>
+          </a:bodyPr>
+          <a:p>
+            <a:endParaRPr b="0" lang="en-US" sz="1800" spc="-1" strike="noStrike">
+              <a:solidFill>
+                <a:srgbClr val="000000"/>
+              </a:solidFill>
+              <a:latin typeface="Arial"/>
+              <a:ea typeface="DejaVu Sans"/>
+            </a:endParaRPr>
+          </a:p>
+        </p:txBody>
+      </p:sp>
+      <p:sp>
+        <p:nvSpPr>
+          <p:cNvPr id="110" name=""/>
+          <p:cNvSpPr/>
+          <p:nvPr/>
+        </p:nvSpPr>
+        <p:spPr>
+          <a:xfrm>
+            <a:off x="7773120" y="4538880"/>
+            <a:ext cx="684360" cy="501840"/>
+          </a:xfrm>
+          <a:prstGeom prst="roundRect">
+            <a:avLst>
+              <a:gd name="adj" fmla="val 16667"/>
+            </a:avLst>
+          </a:prstGeom>
+          <a:solidFill>
+            <a:srgbClr val="77bc65"/>
+          </a:solidFill>
+          <a:ln w="0">
+            <a:solidFill>
+              <a:srgbClr val="3465a4"/>
+            </a:solidFill>
+          </a:ln>
+        </p:spPr>
+        <p:style>
+          <a:lnRef idx="0"/>
+          <a:fillRef idx="0"/>
+          <a:effectRef idx="0"/>
+          <a:fontRef idx="minor"/>
+        </p:style>
+        <p:txBody>
+          <a:bodyPr lIns="90000" rIns="90000" tIns="45000" bIns="45000" anchor="ctr">
+            <a:noAutofit/>
+          </a:bodyPr>
+          <a:p>
+            <a:endParaRPr b="0" lang="en-US" sz="1800" spc="-1" strike="noStrike">
+              <a:solidFill>
+                <a:srgbClr val="000000"/>
+              </a:solidFill>
+              <a:latin typeface="Arial"/>
+              <a:ea typeface="DejaVu Sans"/>
+            </a:endParaRPr>
+          </a:p>
+        </p:txBody>
+      </p:sp>
+      <p:sp>
+        <p:nvSpPr>
+          <p:cNvPr id="111" name=""/>
+          <p:cNvSpPr/>
+          <p:nvPr/>
+        </p:nvSpPr>
+        <p:spPr>
+          <a:xfrm>
+            <a:off x="688320" y="3429360"/>
+            <a:ext cx="2512800" cy="456120"/>
+          </a:xfrm>
+          <a:prstGeom prst="rect">
+            <a:avLst/>
+          </a:prstGeom>
+          <a:noFill/>
+          <a:ln w="0">
+            <a:noFill/>
+          </a:ln>
+        </p:spPr>
+        <p:style>
+          <a:lnRef idx="0"/>
+          <a:fillRef idx="0"/>
+          <a:effectRef idx="0"/>
+          <a:fontRef idx="minor"/>
+        </p:style>
+        <p:txBody>
+          <a:bodyPr lIns="90000" rIns="90000" tIns="45000" bIns="45000" anchor="t">
+            <a:noAutofit/>
+          </a:bodyPr>
+          <a:p>
+            <a:pPr algn="ctr">
+              <a:lnSpc>
+                <a:spcPct val="100000"/>
+              </a:lnSpc>
+            </a:pPr>
+            <a:r>
+              <a:rPr b="0" lang="en-US" sz="2400" spc="-1" strike="noStrike">
+                <a:solidFill>
+                  <a:srgbClr val="000000"/>
+                </a:solidFill>
+                <a:latin typeface="Times New Roman"/>
+                <a:ea typeface="DejaVu Sans"/>
+              </a:rPr>
+              <a:t>Search Buffer</a:t>
+            </a:r>
+            <a:endParaRPr b="0" lang="en-US" sz="2400" spc="-1" strike="noStrike">
+              <a:solidFill>
+                <a:srgbClr val="000000"/>
+              </a:solidFill>
+              <a:latin typeface="Arial"/>
+            </a:endParaRPr>
+          </a:p>
+        </p:txBody>
+      </p:sp>
+      <p:sp>
+        <p:nvSpPr>
+          <p:cNvPr id="112" name=""/>
+          <p:cNvSpPr/>
+          <p:nvPr/>
+        </p:nvSpPr>
+        <p:spPr>
+          <a:xfrm>
+            <a:off x="688320" y="4493880"/>
+            <a:ext cx="3198600" cy="763200"/>
+          </a:xfrm>
+          <a:prstGeom prst="rect">
+            <a:avLst/>
+          </a:prstGeom>
+          <a:noFill/>
+          <a:ln w="0">
+            <a:noFill/>
+          </a:ln>
+        </p:spPr>
+        <p:style>
+          <a:lnRef idx="0"/>
+          <a:fillRef idx="0"/>
+          <a:effectRef idx="0"/>
+          <a:fontRef idx="minor"/>
+        </p:style>
+        <p:txBody>
+          <a:bodyPr lIns="90000" rIns="90000" tIns="45000" bIns="45000" anchor="t">
+            <a:noAutofit/>
+          </a:bodyPr>
+          <a:p>
+            <a:pPr>
+              <a:lnSpc>
+                <a:spcPct val="100000"/>
+              </a:lnSpc>
+            </a:pPr>
+            <a:r>
+              <a:rPr b="0" lang="en-US" sz="2400" spc="-1" strike="noStrike">
+                <a:solidFill>
+                  <a:srgbClr val="000000"/>
+                </a:solidFill>
+                <a:latin typeface="Times New Roman"/>
+                <a:ea typeface="DejaVu Sans"/>
+              </a:rPr>
+              <a:t>Look Ahead Window</a:t>
+            </a:r>
+            <a:endParaRPr b="0" lang="en-US" sz="2400" spc="-1" strike="noStrike">
+              <a:solidFill>
+                <a:srgbClr val="000000"/>
+              </a:solidFill>
+              <a:latin typeface="Arial"/>
+            </a:endParaRPr>
+          </a:p>
+        </p:txBody>
+      </p:sp>
+      <p:sp>
+        <p:nvSpPr>
+          <p:cNvPr id="113" name=""/>
+          <p:cNvSpPr/>
+          <p:nvPr/>
+        </p:nvSpPr>
+        <p:spPr>
+          <a:xfrm>
+            <a:off x="4516200" y="3494160"/>
+            <a:ext cx="342000" cy="345240"/>
+          </a:xfrm>
+          <a:prstGeom prst="rect">
+            <a:avLst/>
+          </a:prstGeom>
+          <a:noFill/>
+          <a:ln w="0">
+            <a:noFill/>
+          </a:ln>
+        </p:spPr>
+        <p:style>
+          <a:lnRef idx="0"/>
+          <a:fillRef idx="0"/>
+          <a:effectRef idx="0"/>
+          <a:fontRef idx="minor"/>
+        </p:style>
+        <p:txBody>
+          <a:bodyPr lIns="90000" rIns="90000" tIns="45000" bIns="45000" anchor="t">
+            <a:noAutofit/>
+          </a:bodyPr>
+          <a:p>
+            <a:pPr>
+              <a:lnSpc>
+                <a:spcPct val="100000"/>
+              </a:lnSpc>
+            </a:pPr>
+            <a:r>
+              <a:rPr b="0" lang="en-US" sz="1800" spc="-1" strike="noStrike">
+                <a:solidFill>
+                  <a:srgbClr val="000000"/>
+                </a:solidFill>
+                <a:latin typeface="Arial"/>
+                <a:ea typeface="DejaVu Sans"/>
+              </a:rPr>
+              <a:t>A</a:t>
+            </a:r>
+            <a:endParaRPr b="0" lang="en-US" sz="1800" spc="-1" strike="noStrike">
+              <a:solidFill>
+                <a:srgbClr val="000000"/>
+              </a:solidFill>
+              <a:latin typeface="Arial"/>
+            </a:endParaRPr>
+          </a:p>
+        </p:txBody>
+      </p:sp>
+      <p:sp>
+        <p:nvSpPr>
+          <p:cNvPr id="114" name=""/>
+          <p:cNvSpPr/>
+          <p:nvPr/>
+        </p:nvSpPr>
+        <p:spPr>
+          <a:xfrm>
+            <a:off x="5202000" y="3494160"/>
+            <a:ext cx="342000" cy="345240"/>
+          </a:xfrm>
+          <a:prstGeom prst="rect">
+            <a:avLst/>
+          </a:prstGeom>
+          <a:noFill/>
+          <a:ln w="0">
+            <a:noFill/>
+          </a:ln>
+        </p:spPr>
+        <p:style>
+          <a:lnRef idx="0"/>
+          <a:fillRef idx="0"/>
+          <a:effectRef idx="0"/>
+          <a:fontRef idx="minor"/>
+        </p:style>
+        <p:txBody>
+          <a:bodyPr lIns="90000" rIns="90000" tIns="45000" bIns="45000" anchor="t">
+            <a:noAutofit/>
+          </a:bodyPr>
+          <a:p>
+            <a:pPr>
+              <a:lnSpc>
+                <a:spcPct val="100000"/>
+              </a:lnSpc>
+            </a:pPr>
+            <a:r>
+              <a:rPr b="0" lang="en-US" sz="1800" spc="-1" strike="noStrike">
+                <a:solidFill>
+                  <a:srgbClr val="000000"/>
+                </a:solidFill>
+                <a:latin typeface="Arial"/>
+                <a:ea typeface="DejaVu Sans"/>
+              </a:rPr>
+              <a:t>A</a:t>
+            </a:r>
+            <a:endParaRPr b="0" lang="en-US" sz="1800" spc="-1" strike="noStrike">
+              <a:solidFill>
+                <a:srgbClr val="000000"/>
+              </a:solidFill>
+              <a:latin typeface="Arial"/>
+            </a:endParaRPr>
+          </a:p>
+        </p:txBody>
+      </p:sp>
+      <p:sp>
+        <p:nvSpPr>
+          <p:cNvPr id="115" name=""/>
+          <p:cNvSpPr/>
+          <p:nvPr/>
+        </p:nvSpPr>
+        <p:spPr>
+          <a:xfrm>
+            <a:off x="5887440" y="3494160"/>
+            <a:ext cx="342000" cy="345240"/>
+          </a:xfrm>
+          <a:prstGeom prst="rect">
+            <a:avLst/>
+          </a:prstGeom>
+          <a:noFill/>
+          <a:ln w="0">
+            <a:noFill/>
+          </a:ln>
+        </p:spPr>
+        <p:style>
+          <a:lnRef idx="0"/>
+          <a:fillRef idx="0"/>
+          <a:effectRef idx="0"/>
+          <a:fontRef idx="minor"/>
+        </p:style>
+        <p:txBody>
+          <a:bodyPr lIns="90000" rIns="90000" tIns="45000" bIns="45000" anchor="t">
+            <a:noAutofit/>
+          </a:bodyPr>
+          <a:p>
+            <a:pPr>
+              <a:lnSpc>
+                <a:spcPct val="100000"/>
+              </a:lnSpc>
+            </a:pPr>
+            <a:r>
+              <a:rPr b="0" lang="en-US" sz="1800" spc="-1" strike="noStrike">
+                <a:solidFill>
+                  <a:srgbClr val="000000"/>
+                </a:solidFill>
+                <a:latin typeface="Arial"/>
+                <a:ea typeface="DejaVu Sans"/>
+              </a:rPr>
+              <a:t>B</a:t>
+            </a:r>
+            <a:endParaRPr b="0" lang="en-US" sz="1800" spc="-1" strike="noStrike">
+              <a:solidFill>
+                <a:srgbClr val="000000"/>
+              </a:solidFill>
+              <a:latin typeface="Arial"/>
+            </a:endParaRPr>
+          </a:p>
+        </p:txBody>
+      </p:sp>
+      <p:sp>
+        <p:nvSpPr>
+          <p:cNvPr id="116" name=""/>
+          <p:cNvSpPr/>
+          <p:nvPr/>
+        </p:nvSpPr>
+        <p:spPr>
+          <a:xfrm>
+            <a:off x="6573240" y="3494160"/>
+            <a:ext cx="342000" cy="345240"/>
+          </a:xfrm>
+          <a:prstGeom prst="rect">
+            <a:avLst/>
+          </a:prstGeom>
+          <a:noFill/>
+          <a:ln w="0">
+            <a:noFill/>
+          </a:ln>
+        </p:spPr>
+        <p:style>
+          <a:lnRef idx="0"/>
+          <a:fillRef idx="0"/>
+          <a:effectRef idx="0"/>
+          <a:fontRef idx="minor"/>
+        </p:style>
+        <p:txBody>
+          <a:bodyPr lIns="90000" rIns="90000" tIns="45000" bIns="45000" anchor="t">
+            <a:noAutofit/>
+          </a:bodyPr>
+          <a:p>
+            <a:pPr>
+              <a:lnSpc>
+                <a:spcPct val="100000"/>
+              </a:lnSpc>
+            </a:pPr>
+            <a:r>
+              <a:rPr b="0" lang="en-US" sz="1800" spc="-1" strike="noStrike">
+                <a:solidFill>
+                  <a:srgbClr val="000000"/>
+                </a:solidFill>
+                <a:latin typeface="Arial"/>
+                <a:ea typeface="DejaVu Sans"/>
+              </a:rPr>
+              <a:t>C</a:t>
+            </a:r>
+            <a:endParaRPr b="0" lang="en-US" sz="1800" spc="-1" strike="noStrike">
+              <a:solidFill>
+                <a:srgbClr val="000000"/>
+              </a:solidFill>
+              <a:latin typeface="Arial"/>
+            </a:endParaRPr>
+          </a:p>
+        </p:txBody>
+      </p:sp>
+      <p:sp>
+        <p:nvSpPr>
+          <p:cNvPr id="117" name=""/>
+          <p:cNvSpPr/>
+          <p:nvPr/>
+        </p:nvSpPr>
+        <p:spPr>
+          <a:xfrm>
+            <a:off x="5202000" y="4645800"/>
+            <a:ext cx="342000" cy="345240"/>
+          </a:xfrm>
+          <a:prstGeom prst="rect">
+            <a:avLst/>
+          </a:prstGeom>
+          <a:noFill/>
+          <a:ln w="0">
+            <a:noFill/>
+          </a:ln>
+        </p:spPr>
+        <p:style>
+          <a:lnRef idx="0"/>
+          <a:fillRef idx="0"/>
+          <a:effectRef idx="0"/>
+          <a:fontRef idx="minor"/>
+        </p:style>
+        <p:txBody>
+          <a:bodyPr lIns="90000" rIns="90000" tIns="45000" bIns="45000" anchor="t">
+            <a:noAutofit/>
+          </a:bodyPr>
+          <a:p>
+            <a:pPr>
+              <a:lnSpc>
+                <a:spcPct val="100000"/>
+              </a:lnSpc>
+            </a:pPr>
+            <a:r>
+              <a:rPr b="0" lang="en-US" sz="1800" spc="-1" strike="noStrike">
+                <a:solidFill>
+                  <a:srgbClr val="000000"/>
+                </a:solidFill>
+                <a:latin typeface="Arial"/>
+                <a:ea typeface="DejaVu Sans"/>
+              </a:rPr>
+              <a:t>A</a:t>
+            </a:r>
+            <a:endParaRPr b="0" lang="en-US" sz="1800" spc="-1" strike="noStrike">
+              <a:solidFill>
+                <a:srgbClr val="000000"/>
+              </a:solidFill>
+              <a:latin typeface="Arial"/>
+            </a:endParaRPr>
+          </a:p>
+        </p:txBody>
+      </p:sp>
+      <p:sp>
+        <p:nvSpPr>
+          <p:cNvPr id="118" name=""/>
+          <p:cNvSpPr/>
+          <p:nvPr/>
+        </p:nvSpPr>
+        <p:spPr>
+          <a:xfrm>
+            <a:off x="5887440" y="4646160"/>
+            <a:ext cx="342000" cy="345240"/>
+          </a:xfrm>
+          <a:prstGeom prst="rect">
+            <a:avLst/>
+          </a:prstGeom>
+          <a:noFill/>
+          <a:ln w="0">
+            <a:noFill/>
+          </a:ln>
+        </p:spPr>
+        <p:style>
+          <a:lnRef idx="0"/>
+          <a:fillRef idx="0"/>
+          <a:effectRef idx="0"/>
+          <a:fontRef idx="minor"/>
+        </p:style>
+        <p:txBody>
+          <a:bodyPr lIns="90000" rIns="90000" tIns="45000" bIns="45000" anchor="t">
+            <a:noAutofit/>
+          </a:bodyPr>
+          <a:p>
+            <a:pPr>
+              <a:lnSpc>
+                <a:spcPct val="100000"/>
+              </a:lnSpc>
+            </a:pPr>
+            <a:r>
+              <a:rPr b="0" lang="en-US" sz="1800" spc="-1" strike="noStrike">
+                <a:solidFill>
+                  <a:srgbClr val="000000"/>
+                </a:solidFill>
+                <a:latin typeface="Arial"/>
+                <a:ea typeface="DejaVu Sans"/>
+              </a:rPr>
+              <a:t>B</a:t>
+            </a:r>
+            <a:endParaRPr b="0" lang="en-US" sz="1800" spc="-1" strike="noStrike">
+              <a:solidFill>
+                <a:srgbClr val="000000"/>
+              </a:solidFill>
+              <a:latin typeface="Arial"/>
+            </a:endParaRPr>
+          </a:p>
+        </p:txBody>
+      </p:sp>
+      <p:sp>
+        <p:nvSpPr>
+          <p:cNvPr id="119" name=""/>
+          <p:cNvSpPr/>
+          <p:nvPr/>
+        </p:nvSpPr>
+        <p:spPr>
+          <a:xfrm>
+            <a:off x="6573240" y="4645800"/>
+            <a:ext cx="342000" cy="345240"/>
+          </a:xfrm>
+          <a:prstGeom prst="rect">
+            <a:avLst/>
+          </a:prstGeom>
+          <a:noFill/>
+          <a:ln w="0">
+            <a:noFill/>
+          </a:ln>
+        </p:spPr>
+        <p:style>
+          <a:lnRef idx="0"/>
+          <a:fillRef idx="0"/>
+          <a:effectRef idx="0"/>
+          <a:fontRef idx="minor"/>
+        </p:style>
+        <p:txBody>
+          <a:bodyPr lIns="90000" rIns="90000" tIns="45000" bIns="45000" anchor="t">
+            <a:noAutofit/>
+          </a:bodyPr>
+          <a:p>
+            <a:pPr>
+              <a:lnSpc>
+                <a:spcPct val="100000"/>
+              </a:lnSpc>
+            </a:pPr>
+            <a:r>
+              <a:rPr b="0" lang="en-US" sz="1800" spc="-1" strike="noStrike">
+                <a:solidFill>
+                  <a:srgbClr val="000000"/>
+                </a:solidFill>
+                <a:latin typeface="Arial"/>
+                <a:ea typeface="DejaVu Sans"/>
+              </a:rPr>
+              <a:t>C</a:t>
+            </a:r>
+            <a:endParaRPr b="0" lang="en-US" sz="1800" spc="-1" strike="noStrike">
+              <a:solidFill>
+                <a:srgbClr val="000000"/>
+              </a:solidFill>
+              <a:latin typeface="Arial"/>
+            </a:endParaRPr>
+          </a:p>
+        </p:txBody>
+      </p:sp>
+      <p:sp>
+        <p:nvSpPr>
+          <p:cNvPr id="120" name=""/>
+          <p:cNvSpPr/>
+          <p:nvPr/>
+        </p:nvSpPr>
+        <p:spPr>
+          <a:xfrm>
+            <a:off x="7258680" y="4646160"/>
+            <a:ext cx="342000" cy="345240"/>
+          </a:xfrm>
+          <a:prstGeom prst="rect">
+            <a:avLst/>
+          </a:prstGeom>
+          <a:noFill/>
+          <a:ln w="0">
+            <a:noFill/>
+          </a:ln>
+        </p:spPr>
+        <p:style>
+          <a:lnRef idx="0"/>
+          <a:fillRef idx="0"/>
+          <a:effectRef idx="0"/>
+          <a:fontRef idx="minor"/>
+        </p:style>
+        <p:txBody>
+          <a:bodyPr lIns="90000" rIns="90000" tIns="45000" bIns="45000" anchor="t">
+            <a:noAutofit/>
+          </a:bodyPr>
+          <a:p>
+            <a:pPr>
+              <a:lnSpc>
+                <a:spcPct val="100000"/>
+              </a:lnSpc>
+            </a:pPr>
+            <a:r>
+              <a:rPr b="0" lang="en-US" sz="1800" spc="-1" strike="noStrike">
+                <a:solidFill>
+                  <a:srgbClr val="000000"/>
+                </a:solidFill>
+                <a:latin typeface="Arial"/>
+                <a:ea typeface="DejaVu Sans"/>
+              </a:rPr>
+              <a:t>D</a:t>
+            </a:r>
+            <a:endParaRPr b="0" lang="en-US" sz="1800" spc="-1" strike="noStrike">
+              <a:solidFill>
+                <a:srgbClr val="000000"/>
+              </a:solidFill>
+              <a:latin typeface="Arial"/>
+            </a:endParaRPr>
+          </a:p>
+        </p:txBody>
+      </p:sp>
+      <p:sp>
+        <p:nvSpPr>
+          <p:cNvPr id="121" name=""/>
+          <p:cNvSpPr/>
+          <p:nvPr/>
+        </p:nvSpPr>
+        <p:spPr>
+          <a:xfrm>
+            <a:off x="7944480" y="4658400"/>
+            <a:ext cx="342000" cy="345240"/>
+          </a:xfrm>
+          <a:prstGeom prst="rect">
+            <a:avLst/>
+          </a:prstGeom>
+          <a:noFill/>
+          <a:ln w="0">
+            <a:noFill/>
+          </a:ln>
+        </p:spPr>
+        <p:style>
+          <a:lnRef idx="0"/>
+          <a:fillRef idx="0"/>
+          <a:effectRef idx="0"/>
+          <a:fontRef idx="minor"/>
+        </p:style>
+        <p:txBody>
+          <a:bodyPr lIns="90000" rIns="90000" tIns="45000" bIns="45000" anchor="t">
+            <a:noAutofit/>
+          </a:bodyPr>
+          <a:p>
+            <a:pPr>
+              <a:lnSpc>
+                <a:spcPct val="100000"/>
+              </a:lnSpc>
+            </a:pPr>
+            <a:r>
+              <a:rPr b="0" lang="en-US" sz="1800" spc="-1" strike="noStrike">
+                <a:solidFill>
+                  <a:srgbClr val="000000"/>
+                </a:solidFill>
+                <a:latin typeface="Arial"/>
+                <a:ea typeface="DejaVu Sans"/>
+              </a:rPr>
+              <a:t>Z</a:t>
+            </a:r>
+            <a:endParaRPr b="0" lang="en-US" sz="1800" spc="-1" strike="noStrike">
+              <a:solidFill>
+                <a:srgbClr val="000000"/>
+              </a:solidFill>
+              <a:latin typeface="Arial"/>
+            </a:endParaRPr>
+          </a:p>
+        </p:txBody>
+      </p:sp>
+      <p:sp>
+        <p:nvSpPr>
+          <p:cNvPr id="122" name=""/>
+          <p:cNvSpPr/>
+          <p:nvPr/>
+        </p:nvSpPr>
+        <p:spPr>
+          <a:xfrm>
+            <a:off x="4344840" y="4526640"/>
+            <a:ext cx="684360" cy="501840"/>
+          </a:xfrm>
+          <a:prstGeom prst="roundRect">
+            <a:avLst>
+              <a:gd name="adj" fmla="val 16667"/>
+            </a:avLst>
+          </a:prstGeom>
+          <a:solidFill>
+            <a:srgbClr val="ffde59"/>
+          </a:solidFill>
+          <a:ln w="0">
+            <a:solidFill>
+              <a:srgbClr val="3465a4"/>
+            </a:solidFill>
+          </a:ln>
+        </p:spPr>
+        <p:style>
+          <a:lnRef idx="0"/>
+          <a:fillRef idx="0"/>
+          <a:effectRef idx="0"/>
+          <a:fontRef idx="minor"/>
+        </p:style>
+        <p:txBody>
+          <a:bodyPr lIns="90000" rIns="90000" tIns="45000" bIns="45000" anchor="ctr">
+            <a:noAutofit/>
+          </a:bodyPr>
+          <a:p>
+            <a:endParaRPr b="0" lang="en-US" sz="1800" spc="-1" strike="noStrike">
+              <a:solidFill>
+                <a:srgbClr val="000000"/>
+              </a:solidFill>
+              <a:latin typeface="Arial"/>
+              <a:ea typeface="DejaVu Sans"/>
+            </a:endParaRPr>
+          </a:p>
+        </p:txBody>
+      </p:sp>
+      <p:sp>
+        <p:nvSpPr>
+          <p:cNvPr id="123" name=""/>
+          <p:cNvSpPr/>
+          <p:nvPr/>
+        </p:nvSpPr>
+        <p:spPr>
+          <a:xfrm>
+            <a:off x="4516200" y="4645800"/>
+            <a:ext cx="342000" cy="345240"/>
+          </a:xfrm>
+          <a:prstGeom prst="rect">
+            <a:avLst/>
+          </a:prstGeom>
+          <a:noFill/>
+          <a:ln w="0">
+            <a:noFill/>
+          </a:ln>
+        </p:spPr>
+        <p:style>
+          <a:lnRef idx="0"/>
+          <a:fillRef idx="0"/>
+          <a:effectRef idx="0"/>
+          <a:fontRef idx="minor"/>
+        </p:style>
+        <p:txBody>
+          <a:bodyPr lIns="90000" rIns="90000" tIns="45000" bIns="45000" anchor="t">
+            <a:noAutofit/>
+          </a:bodyPr>
+          <a:p>
+            <a:pPr>
+              <a:lnSpc>
+                <a:spcPct val="100000"/>
+              </a:lnSpc>
+            </a:pPr>
+            <a:r>
+              <a:rPr b="0" lang="en-US" sz="1800" spc="-1" strike="noStrike">
+                <a:solidFill>
+                  <a:srgbClr val="000000"/>
+                </a:solidFill>
+                <a:latin typeface="Arial"/>
+                <a:ea typeface="DejaVu Sans"/>
+              </a:rPr>
+              <a:t>A</a:t>
+            </a:r>
+            <a:endParaRPr b="0" lang="en-US" sz="1800" spc="-1" strike="noStrike">
+              <a:solidFill>
+                <a:srgbClr val="000000"/>
+              </a:solidFill>
+              <a:latin typeface="Arial"/>
+            </a:endParaRPr>
+          </a:p>
+        </p:txBody>
+      </p:sp>
+      <p:sp>
+        <p:nvSpPr>
+          <p:cNvPr id="124" name=""/>
+          <p:cNvSpPr/>
+          <p:nvPr/>
+        </p:nvSpPr>
+        <p:spPr>
+          <a:xfrm>
+            <a:off x="9664920" y="5258160"/>
+            <a:ext cx="3822480" cy="426960"/>
+          </a:xfrm>
+          <a:prstGeom prst="rect">
+            <a:avLst/>
+          </a:prstGeom>
+          <a:noFill/>
+          <a:ln w="0">
+            <a:noFill/>
+          </a:ln>
+        </p:spPr>
+        <p:style>
+          <a:lnRef idx="0"/>
+          <a:fillRef idx="0"/>
+          <a:effectRef idx="0"/>
+          <a:fontRef idx="minor"/>
+        </p:style>
+        <p:txBody>
+          <a:bodyPr lIns="90000" rIns="90000" tIns="45000" bIns="45000" anchor="t">
+            <a:noAutofit/>
+          </a:bodyPr>
+          <a:p>
+            <a:pPr>
+              <a:lnSpc>
+                <a:spcPct val="100000"/>
+              </a:lnSpc>
+            </a:pPr>
+            <a:r>
+              <a:rPr b="0" lang="en-US" sz="2400" spc="-1" strike="noStrike">
+                <a:solidFill>
+                  <a:srgbClr val="000000"/>
+                </a:solidFill>
+                <a:latin typeface="Times New Roman"/>
+              </a:rPr>
+              <a:t>5</a:t>
+            </a:r>
+            <a:endParaRPr b="0" lang="en-US" sz="2400" spc="-1" strike="noStrike">
+              <a:solidFill>
+                <a:srgbClr val="000000"/>
+              </a:solidFill>
+              <a:latin typeface="Arial"/>
+            </a:endParaRPr>
+          </a:p>
+        </p:txBody>
+      </p:sp>
+      <p:sp>
+        <p:nvSpPr>
+          <p:cNvPr id="125" name=""/>
+          <p:cNvSpPr/>
+          <p:nvPr/>
+        </p:nvSpPr>
+        <p:spPr>
+          <a:xfrm flipV="1">
+            <a:off x="4680000" y="5101200"/>
+            <a:ext cx="0" cy="349200"/>
+          </a:xfrm>
+          <a:prstGeom prst="line">
+            <a:avLst/>
+          </a:prstGeom>
+          <a:ln w="19080">
+            <a:solidFill>
+              <a:srgbClr val="3465a4"/>
+            </a:solidFill>
+            <a:round/>
+            <a:tailEnd len="med" type="triangle" w="med"/>
+          </a:ln>
+        </p:spPr>
+        <p:style>
+          <a:lnRef idx="0"/>
+          <a:fillRef idx="0"/>
+          <a:effectRef idx="0"/>
+          <a:fontRef idx="minor"/>
+        </p:style>
+        <p:txBody>
+          <a:bodyPr lIns="99360" rIns="99360" tIns="54360" bIns="54360" anchor="ctr">
+            <a:noAutofit/>
+          </a:bodyPr>
+          <a:p>
+            <a:endParaRPr b="0" lang="en-US" sz="1800" spc="-1" strike="noStrike">
+              <a:solidFill>
+                <a:srgbClr val="000000"/>
+              </a:solidFill>
+              <a:latin typeface="Arial"/>
+            </a:endParaRPr>
+          </a:p>
+        </p:txBody>
+      </p:sp>
+      <p:sp>
+        <p:nvSpPr>
+          <p:cNvPr id="126" name=""/>
+          <p:cNvSpPr/>
+          <p:nvPr/>
+        </p:nvSpPr>
+        <p:spPr>
+          <a:xfrm flipV="1">
+            <a:off x="4680000" y="4062240"/>
+            <a:ext cx="0" cy="349200"/>
+          </a:xfrm>
+          <a:prstGeom prst="line">
+            <a:avLst/>
+          </a:prstGeom>
+          <a:ln w="19080">
+            <a:solidFill>
+              <a:srgbClr val="f10d0c"/>
+            </a:solidFill>
+            <a:round/>
+            <a:tailEnd len="med" type="triangle" w="med"/>
+          </a:ln>
+        </p:spPr>
+        <p:style>
+          <a:lnRef idx="0"/>
+          <a:fillRef idx="0"/>
+          <a:effectRef idx="0"/>
+          <a:fontRef idx="minor"/>
+        </p:style>
+        <p:txBody>
+          <a:bodyPr lIns="99360" rIns="99360" tIns="54360" bIns="54360" anchor="ctr">
+            <a:noAutofit/>
+          </a:bodyPr>
+          <a:p>
+            <a:endParaRPr b="0" lang="en-US" sz="1800" spc="-1" strike="noStrike">
+              <a:solidFill>
+                <a:srgbClr val="000000"/>
+              </a:solidFill>
+              <a:latin typeface="Arial"/>
+            </a:endParaRPr>
+          </a:p>
+        </p:txBody>
+      </p:sp>
+      <p:sp>
+        <p:nvSpPr>
+          <p:cNvPr id="127" name=""/>
+          <p:cNvSpPr/>
+          <p:nvPr/>
+        </p:nvSpPr>
+        <p:spPr>
+          <a:xfrm flipV="1">
+            <a:off x="5364000" y="4067280"/>
+            <a:ext cx="0" cy="349200"/>
+          </a:xfrm>
+          <a:prstGeom prst="line">
+            <a:avLst/>
+          </a:prstGeom>
+          <a:ln w="19080">
+            <a:solidFill>
+              <a:srgbClr val="f10d0c"/>
+            </a:solidFill>
+            <a:round/>
+            <a:tailEnd len="med" type="triangle" w="med"/>
+          </a:ln>
+        </p:spPr>
+        <p:style>
+          <a:lnRef idx="0"/>
+          <a:fillRef idx="0"/>
+          <a:effectRef idx="0"/>
+          <a:fontRef idx="minor"/>
+        </p:style>
+        <p:txBody>
+          <a:bodyPr lIns="99360" rIns="99360" tIns="54360" bIns="54360" anchor="ctr">
+            <a:noAutofit/>
+          </a:bodyPr>
+          <a:p>
+            <a:endParaRPr b="0" lang="en-US" sz="1800" spc="-1" strike="noStrike">
+              <a:solidFill>
+                <a:srgbClr val="000000"/>
+              </a:solidFill>
+              <a:latin typeface="Arial"/>
+            </a:endParaRPr>
+          </a:p>
+        </p:txBody>
+      </p:sp>
+      <p:sp>
+        <p:nvSpPr>
+          <p:cNvPr id="128" name=""/>
+          <p:cNvSpPr/>
+          <p:nvPr/>
+        </p:nvSpPr>
+        <p:spPr>
+          <a:xfrm flipV="1">
+            <a:off x="6048000" y="4067280"/>
+            <a:ext cx="0" cy="349200"/>
+          </a:xfrm>
+          <a:prstGeom prst="line">
+            <a:avLst/>
+          </a:prstGeom>
+          <a:ln w="19080">
+            <a:solidFill>
+              <a:srgbClr val="f10d0c"/>
+            </a:solidFill>
+            <a:round/>
+            <a:tailEnd len="med" type="triangle" w="med"/>
+          </a:ln>
+        </p:spPr>
+        <p:style>
+          <a:lnRef idx="0"/>
+          <a:fillRef idx="0"/>
+          <a:effectRef idx="0"/>
+          <a:fontRef idx="minor"/>
+        </p:style>
+        <p:txBody>
+          <a:bodyPr lIns="99360" rIns="99360" tIns="54360" bIns="54360" anchor="ctr">
+            <a:noAutofit/>
+          </a:bodyPr>
+          <a:p>
+            <a:endParaRPr b="0" lang="en-US" sz="1800" spc="-1" strike="noStrike">
+              <a:solidFill>
+                <a:srgbClr val="000000"/>
+              </a:solidFill>
+              <a:latin typeface="Arial"/>
+            </a:endParaRPr>
+          </a:p>
+        </p:txBody>
+      </p:sp>
+      <p:sp>
+        <p:nvSpPr>
+          <p:cNvPr id="129" name=""/>
+          <p:cNvSpPr/>
+          <p:nvPr/>
+        </p:nvSpPr>
+        <p:spPr>
+          <a:xfrm flipV="1">
+            <a:off x="6732000" y="4067280"/>
+            <a:ext cx="0" cy="349200"/>
+          </a:xfrm>
+          <a:prstGeom prst="line">
+            <a:avLst/>
+          </a:prstGeom>
+          <a:ln w="19080">
+            <a:solidFill>
+              <a:srgbClr val="f10d0c"/>
+            </a:solidFill>
+            <a:round/>
+            <a:tailEnd len="med" type="triangle" w="med"/>
+          </a:ln>
+        </p:spPr>
+        <p:style>
+          <a:lnRef idx="0"/>
+          <a:fillRef idx="0"/>
+          <a:effectRef idx="0"/>
+          <a:fontRef idx="minor"/>
+        </p:style>
+        <p:txBody>
+          <a:bodyPr lIns="99360" rIns="99360" tIns="54360" bIns="54360" anchor="ctr">
+            <a:noAutofit/>
+          </a:bodyPr>
+          <a:p>
+            <a:endParaRPr b="0" lang="en-US" sz="1800" spc="-1" strike="noStrike">
+              <a:solidFill>
+                <a:srgbClr val="000000"/>
+              </a:solidFill>
+              <a:latin typeface="Arial"/>
+            </a:endParaRPr>
+          </a:p>
+        </p:txBody>
+      </p:sp>
+    </p:spTree>
+  </p:cSld>
+  <mc:AlternateContent>
+    <mc:Choice Requires="p14">
+      <p:transition spd="slow" p14:dur="2000"/>
+    </mc:Choice>
+    <mc:Fallback>
+      <p:transition spd="slow"/>
+    </mc:Fallback>
+  </mc:AlternateContent>
+</p:sld>
+</file>
+
+<file path=ppt/slides/slide8.xml><?xml version="1.0" encoding="utf-8"?>
+<p:sld xmlns:a="http://schemas.openxmlformats.org/drawingml/2006/main" xmlns:p="http://schemas.openxmlformats.org/presentationml/2006/main" xmlns:r="http://schemas.openxmlformats.org/officeDocument/2006/relationships" xmlns:p14="http://schemas.microsoft.com/office/powerpoint/2010/main" xmlns:p15="http://schemas.microsoft.com/office/powerpoint/2012/main" xmlns:mc="http://schemas.openxmlformats.org/markup-compatibility/2006">
+  <p:cSld>
+    <p:spTree>
+      <p:nvGrpSpPr>
+        <p:cNvPr id="1" name=""/>
+        <p:cNvGrpSpPr/>
+        <p:nvPr/>
+      </p:nvGrpSpPr>
+      <p:grpSpPr>
+        <a:xfrm>
+          <a:off x="0" y="0"/>
+          <a:ext cx="0" cy="0"/>
+          <a:chOff x="0" y="0"/>
+          <a:chExt cx="0" cy="0"/>
+        </a:xfrm>
+      </p:grpSpPr>
+      <p:sp>
+        <p:nvSpPr>
+          <p:cNvPr id="130" name="Straight Connector 11"/>
           <p:cNvSpPr/>
           <p:nvPr/>
         </p:nvSpPr>
@@ -5094,14 +7839,14 @@
       </p:sp>
       <p:sp>
         <p:nvSpPr>
-          <p:cNvPr id="80" name="PlaceHolder 6"/>
-          <p:cNvSpPr/>
-          <p:nvPr/>
-        </p:nvSpPr>
-        <p:spPr>
-          <a:xfrm>
-            <a:off x="928080" y="0"/>
-            <a:ext cx="8223840" cy="6294240"/>
+          <p:cNvPr id="131" name="PlaceHolder 10"/>
+          <p:cNvSpPr/>
+          <p:nvPr/>
+        </p:nvSpPr>
+        <p:spPr>
+          <a:xfrm>
+            <a:off x="914400" y="0"/>
+            <a:ext cx="8237160" cy="913680"/>
           </a:xfrm>
           <a:prstGeom prst="rect">
             <a:avLst/>
@@ -5131,87 +7876,1223 @@
               </a:tabLst>
             </a:pPr>
             <a:r>
-              <a:rPr b="0" lang="en-US" sz="2600" spc="-1" strike="noStrike">
+              <a:rPr b="0" lang="en-US" sz="2800" spc="-1" strike="noStrike">
                 <a:solidFill>
                   <a:srgbClr val="000000"/>
                 </a:solidFill>
                 <a:latin typeface="Times New Roman"/>
-              </a:rPr>
-              <a:t>LZ77 Compression</a:t>
+                <a:ea typeface="DejaVu Sans"/>
+              </a:rPr>
+              <a:t>How do the Buffers Work?</a:t>
             </a:r>
             <a:br>
-              <a:rPr sz="2600"/>
+              <a:rPr sz="2800"/>
             </a:br>
+            <a:endParaRPr b="0" lang="en-US" sz="2800" spc="-1" strike="noStrike">
+              <a:solidFill>
+                <a:srgbClr val="000000"/>
+              </a:solidFill>
+              <a:latin typeface="Arial"/>
+            </a:endParaRPr>
+          </a:p>
+        </p:txBody>
+      </p:sp>
+      <p:sp>
+        <p:nvSpPr>
+          <p:cNvPr id="132" name=""/>
+          <p:cNvSpPr/>
+          <p:nvPr/>
+        </p:nvSpPr>
+        <p:spPr>
+          <a:xfrm>
+            <a:off x="468000" y="1128600"/>
+            <a:ext cx="9132480" cy="1944360"/>
+          </a:xfrm>
+          <a:prstGeom prst="rect">
+            <a:avLst/>
+          </a:prstGeom>
+          <a:noFill/>
+          <a:ln w="0">
+            <a:noFill/>
+          </a:ln>
+        </p:spPr>
+        <p:style>
+          <a:lnRef idx="0"/>
+          <a:fillRef idx="0"/>
+          <a:effectRef idx="0"/>
+          <a:fontRef idx="minor"/>
+        </p:style>
+        <p:txBody>
+          <a:bodyPr lIns="90000" rIns="90000" tIns="45000" bIns="45000" anchor="t">
+            <a:noAutofit/>
+          </a:bodyPr>
+          <a:p>
+            <a:pPr marL="216000" indent="-216000">
+              <a:lnSpc>
+                <a:spcPct val="150000"/>
+              </a:lnSpc>
+              <a:buClr>
+                <a:srgbClr val="000000"/>
+              </a:buClr>
+              <a:buSzPct val="45000"/>
+              <a:buFont typeface="Wingdings" charset="2"/>
+              <a:buChar char=""/>
+            </a:pPr>
+            <a:r>
+              <a:rPr b="0" lang="en-US" sz="2200" spc="-1" strike="noStrike">
+                <a:solidFill>
+                  <a:srgbClr val="000000"/>
+                </a:solidFill>
+                <a:latin typeface="Times New Roman"/>
+                <a:ea typeface="DejaVu Sans"/>
+              </a:rPr>
+              <a:t>Starting at the current position, find the longest string that matches in the search buffer.</a:t>
+            </a:r>
+            <a:endParaRPr b="0" lang="en-US" sz="2200" spc="-1" strike="noStrike">
+              <a:solidFill>
+                <a:srgbClr val="000000"/>
+              </a:solidFill>
+              <a:latin typeface="Arial"/>
+            </a:endParaRPr>
+          </a:p>
+          <a:p>
+            <a:pPr marL="216000" indent="-216000">
+              <a:lnSpc>
+                <a:spcPct val="150000"/>
+              </a:lnSpc>
+              <a:buClr>
+                <a:srgbClr val="000000"/>
+              </a:buClr>
+              <a:buSzPct val="45000"/>
+              <a:buFont typeface="Wingdings" charset="2"/>
+              <a:buChar char=""/>
+            </a:pPr>
+            <a:r>
+              <a:rPr b="0" lang="en-US" sz="2200" spc="-1" strike="noStrike">
+                <a:solidFill>
+                  <a:srgbClr val="000000"/>
+                </a:solidFill>
+                <a:latin typeface="Times New Roman"/>
+                <a:ea typeface="DejaVu Sans"/>
+              </a:rPr>
+              <a:t>If found, replace the string with a pointer to the first character in the buffer with a read distance in bytes.</a:t>
+            </a:r>
+            <a:endParaRPr b="0" lang="en-US" sz="2200" spc="-1" strike="noStrike">
+              <a:solidFill>
+                <a:srgbClr val="000000"/>
+              </a:solidFill>
+              <a:latin typeface="Arial"/>
+            </a:endParaRPr>
+          </a:p>
+        </p:txBody>
+      </p:sp>
+      <p:sp>
+        <p:nvSpPr>
+          <p:cNvPr id="133" name=""/>
+          <p:cNvSpPr/>
+          <p:nvPr/>
+        </p:nvSpPr>
+        <p:spPr>
+          <a:xfrm>
+            <a:off x="4344840" y="3372120"/>
+            <a:ext cx="684360" cy="513360"/>
+          </a:xfrm>
+          <a:prstGeom prst="roundRect">
+            <a:avLst>
+              <a:gd name="adj" fmla="val 16667"/>
+            </a:avLst>
+          </a:prstGeom>
+          <a:solidFill>
+            <a:srgbClr val="729fcf"/>
+          </a:solidFill>
+          <a:ln w="0">
+            <a:solidFill>
+              <a:srgbClr val="3465a4"/>
+            </a:solidFill>
+          </a:ln>
+        </p:spPr>
+        <p:style>
+          <a:lnRef idx="0"/>
+          <a:fillRef idx="0"/>
+          <a:effectRef idx="0"/>
+          <a:fontRef idx="minor"/>
+        </p:style>
+        <p:txBody>
+          <a:bodyPr lIns="90000" rIns="90000" tIns="45000" bIns="45000" anchor="ctr">
+            <a:noAutofit/>
+          </a:bodyPr>
+          <a:p>
+            <a:endParaRPr b="0" lang="en-US" sz="1800" spc="-1" strike="noStrike">
+              <a:solidFill>
+                <a:srgbClr val="000000"/>
+              </a:solidFill>
+              <a:latin typeface="Arial"/>
+              <a:ea typeface="DejaVu Sans"/>
+            </a:endParaRPr>
+          </a:p>
+        </p:txBody>
+      </p:sp>
+      <p:sp>
+        <p:nvSpPr>
+          <p:cNvPr id="134" name=""/>
+          <p:cNvSpPr/>
+          <p:nvPr/>
+        </p:nvSpPr>
+        <p:spPr>
+          <a:xfrm>
+            <a:off x="5030640" y="3372120"/>
+            <a:ext cx="684360" cy="513000"/>
+          </a:xfrm>
+          <a:prstGeom prst="roundRect">
+            <a:avLst>
+              <a:gd name="adj" fmla="val 16667"/>
+            </a:avLst>
+          </a:prstGeom>
+          <a:solidFill>
+            <a:srgbClr val="729fcf"/>
+          </a:solidFill>
+          <a:ln w="0">
+            <a:solidFill>
+              <a:srgbClr val="3465a4"/>
+            </a:solidFill>
+          </a:ln>
+        </p:spPr>
+        <p:style>
+          <a:lnRef idx="0"/>
+          <a:fillRef idx="0"/>
+          <a:effectRef idx="0"/>
+          <a:fontRef idx="minor"/>
+        </p:style>
+        <p:txBody>
+          <a:bodyPr lIns="90000" rIns="90000" tIns="45000" bIns="45000" anchor="ctr">
+            <a:noAutofit/>
+          </a:bodyPr>
+          <a:p>
+            <a:endParaRPr b="0" lang="en-US" sz="1800" spc="-1" strike="noStrike">
+              <a:solidFill>
+                <a:srgbClr val="000000"/>
+              </a:solidFill>
+              <a:latin typeface="Arial"/>
+              <a:ea typeface="DejaVu Sans"/>
+            </a:endParaRPr>
+          </a:p>
+        </p:txBody>
+      </p:sp>
+      <p:sp>
+        <p:nvSpPr>
+          <p:cNvPr id="135" name=""/>
+          <p:cNvSpPr/>
+          <p:nvPr/>
+        </p:nvSpPr>
+        <p:spPr>
+          <a:xfrm>
+            <a:off x="6401880" y="3372120"/>
+            <a:ext cx="684360" cy="513360"/>
+          </a:xfrm>
+          <a:prstGeom prst="roundRect">
+            <a:avLst>
+              <a:gd name="adj" fmla="val 16667"/>
+            </a:avLst>
+          </a:prstGeom>
+          <a:solidFill>
+            <a:srgbClr val="729fcf"/>
+          </a:solidFill>
+          <a:ln w="0">
+            <a:solidFill>
+              <a:srgbClr val="3465a4"/>
+            </a:solidFill>
+          </a:ln>
+        </p:spPr>
+        <p:style>
+          <a:lnRef idx="0"/>
+          <a:fillRef idx="0"/>
+          <a:effectRef idx="0"/>
+          <a:fontRef idx="minor"/>
+        </p:style>
+        <p:txBody>
+          <a:bodyPr lIns="90000" rIns="90000" tIns="45000" bIns="45000" anchor="ctr">
+            <a:noAutofit/>
+          </a:bodyPr>
+          <a:p>
+            <a:endParaRPr b="0" lang="en-US" sz="1800" spc="-1" strike="noStrike">
+              <a:solidFill>
+                <a:srgbClr val="000000"/>
+              </a:solidFill>
+              <a:latin typeface="Arial"/>
+              <a:ea typeface="DejaVu Sans"/>
+            </a:endParaRPr>
+          </a:p>
+        </p:txBody>
+      </p:sp>
+      <p:sp>
+        <p:nvSpPr>
+          <p:cNvPr id="136" name=""/>
+          <p:cNvSpPr/>
+          <p:nvPr/>
+        </p:nvSpPr>
+        <p:spPr>
+          <a:xfrm>
+            <a:off x="5716080" y="3372120"/>
+            <a:ext cx="684360" cy="513360"/>
+          </a:xfrm>
+          <a:prstGeom prst="roundRect">
+            <a:avLst>
+              <a:gd name="adj" fmla="val 16667"/>
+            </a:avLst>
+          </a:prstGeom>
+          <a:solidFill>
+            <a:srgbClr val="729fcf"/>
+          </a:solidFill>
+          <a:ln w="0">
+            <a:solidFill>
+              <a:srgbClr val="3465a4"/>
+            </a:solidFill>
+          </a:ln>
+        </p:spPr>
+        <p:style>
+          <a:lnRef idx="0"/>
+          <a:fillRef idx="0"/>
+          <a:effectRef idx="0"/>
+          <a:fontRef idx="minor"/>
+        </p:style>
+        <p:txBody>
+          <a:bodyPr lIns="90000" rIns="90000" tIns="45000" bIns="45000" anchor="ctr">
+            <a:noAutofit/>
+          </a:bodyPr>
+          <a:p>
+            <a:endParaRPr b="0" lang="en-US" sz="1800" spc="-1" strike="noStrike">
+              <a:solidFill>
+                <a:srgbClr val="000000"/>
+              </a:solidFill>
+              <a:latin typeface="Arial"/>
+              <a:ea typeface="DejaVu Sans"/>
+            </a:endParaRPr>
+          </a:p>
+        </p:txBody>
+      </p:sp>
+      <p:sp>
+        <p:nvSpPr>
+          <p:cNvPr id="137" name=""/>
+          <p:cNvSpPr/>
+          <p:nvPr/>
+        </p:nvSpPr>
+        <p:spPr>
+          <a:xfrm>
+            <a:off x="7087320" y="4526640"/>
+            <a:ext cx="684360" cy="501840"/>
+          </a:xfrm>
+          <a:prstGeom prst="roundRect">
+            <a:avLst>
+              <a:gd name="adj" fmla="val 16667"/>
+            </a:avLst>
+          </a:prstGeom>
+          <a:solidFill>
+            <a:srgbClr val="ffde59"/>
+          </a:solidFill>
+          <a:ln w="0">
+            <a:solidFill>
+              <a:srgbClr val="3465a4"/>
+            </a:solidFill>
+          </a:ln>
+        </p:spPr>
+        <p:style>
+          <a:lnRef idx="0"/>
+          <a:fillRef idx="0"/>
+          <a:effectRef idx="0"/>
+          <a:fontRef idx="minor"/>
+        </p:style>
+        <p:txBody>
+          <a:bodyPr lIns="90000" rIns="90000" tIns="45000" bIns="45000" anchor="ctr">
+            <a:noAutofit/>
+          </a:bodyPr>
+          <a:p>
+            <a:endParaRPr b="0" lang="en-US" sz="1800" spc="-1" strike="noStrike">
+              <a:solidFill>
+                <a:srgbClr val="000000"/>
+              </a:solidFill>
+              <a:latin typeface="Arial"/>
+              <a:ea typeface="DejaVu Sans"/>
+            </a:endParaRPr>
+          </a:p>
+        </p:txBody>
+      </p:sp>
+      <p:sp>
+        <p:nvSpPr>
+          <p:cNvPr id="138" name=""/>
+          <p:cNvSpPr/>
+          <p:nvPr/>
+        </p:nvSpPr>
+        <p:spPr>
+          <a:xfrm>
+            <a:off x="7773120" y="4538880"/>
+            <a:ext cx="684360" cy="501840"/>
+          </a:xfrm>
+          <a:prstGeom prst="roundRect">
+            <a:avLst>
+              <a:gd name="adj" fmla="val 16667"/>
+            </a:avLst>
+          </a:prstGeom>
+          <a:solidFill>
+            <a:srgbClr val="77bc65"/>
+          </a:solidFill>
+          <a:ln w="0">
+            <a:solidFill>
+              <a:srgbClr val="3465a4"/>
+            </a:solidFill>
+          </a:ln>
+        </p:spPr>
+        <p:style>
+          <a:lnRef idx="0"/>
+          <a:fillRef idx="0"/>
+          <a:effectRef idx="0"/>
+          <a:fontRef idx="minor"/>
+        </p:style>
+        <p:txBody>
+          <a:bodyPr lIns="90000" rIns="90000" tIns="45000" bIns="45000" anchor="ctr">
+            <a:noAutofit/>
+          </a:bodyPr>
+          <a:p>
+            <a:endParaRPr b="0" lang="en-US" sz="1800" spc="-1" strike="noStrike">
+              <a:solidFill>
+                <a:srgbClr val="000000"/>
+              </a:solidFill>
+              <a:latin typeface="Arial"/>
+              <a:ea typeface="DejaVu Sans"/>
+            </a:endParaRPr>
+          </a:p>
+        </p:txBody>
+      </p:sp>
+      <p:sp>
+        <p:nvSpPr>
+          <p:cNvPr id="139" name=""/>
+          <p:cNvSpPr/>
+          <p:nvPr/>
+        </p:nvSpPr>
+        <p:spPr>
+          <a:xfrm>
+            <a:off x="688320" y="3429360"/>
+            <a:ext cx="2512800" cy="456120"/>
+          </a:xfrm>
+          <a:prstGeom prst="rect">
+            <a:avLst/>
+          </a:prstGeom>
+          <a:noFill/>
+          <a:ln w="0">
+            <a:noFill/>
+          </a:ln>
+        </p:spPr>
+        <p:style>
+          <a:lnRef idx="0"/>
+          <a:fillRef idx="0"/>
+          <a:effectRef idx="0"/>
+          <a:fontRef idx="minor"/>
+        </p:style>
+        <p:txBody>
+          <a:bodyPr lIns="90000" rIns="90000" tIns="45000" bIns="45000" anchor="t">
+            <a:noAutofit/>
+          </a:bodyPr>
+          <a:p>
+            <a:pPr algn="ctr">
+              <a:lnSpc>
+                <a:spcPct val="100000"/>
+              </a:lnSpc>
+            </a:pPr>
+            <a:r>
+              <a:rPr b="0" lang="en-US" sz="2400" spc="-1" strike="noStrike">
+                <a:solidFill>
+                  <a:srgbClr val="000000"/>
+                </a:solidFill>
+                <a:latin typeface="Times New Roman"/>
+                <a:ea typeface="DejaVu Sans"/>
+              </a:rPr>
+              <a:t>Search Buffer</a:t>
+            </a:r>
+            <a:endParaRPr b="0" lang="en-US" sz="2400" spc="-1" strike="noStrike">
+              <a:solidFill>
+                <a:srgbClr val="000000"/>
+              </a:solidFill>
+              <a:latin typeface="Arial"/>
+            </a:endParaRPr>
+          </a:p>
+        </p:txBody>
+      </p:sp>
+      <p:sp>
+        <p:nvSpPr>
+          <p:cNvPr id="140" name=""/>
+          <p:cNvSpPr/>
+          <p:nvPr/>
+        </p:nvSpPr>
+        <p:spPr>
+          <a:xfrm>
+            <a:off x="688320" y="4493880"/>
+            <a:ext cx="3198600" cy="763200"/>
+          </a:xfrm>
+          <a:prstGeom prst="rect">
+            <a:avLst/>
+          </a:prstGeom>
+          <a:noFill/>
+          <a:ln w="0">
+            <a:noFill/>
+          </a:ln>
+        </p:spPr>
+        <p:style>
+          <a:lnRef idx="0"/>
+          <a:fillRef idx="0"/>
+          <a:effectRef idx="0"/>
+          <a:fontRef idx="minor"/>
+        </p:style>
+        <p:txBody>
+          <a:bodyPr lIns="90000" rIns="90000" tIns="45000" bIns="45000" anchor="t">
+            <a:noAutofit/>
+          </a:bodyPr>
+          <a:p>
+            <a:pPr>
+              <a:lnSpc>
+                <a:spcPct val="100000"/>
+              </a:lnSpc>
+            </a:pPr>
+            <a:r>
+              <a:rPr b="0" lang="en-US" sz="2400" spc="-1" strike="noStrike">
+                <a:solidFill>
+                  <a:srgbClr val="000000"/>
+                </a:solidFill>
+                <a:latin typeface="Times New Roman"/>
+                <a:ea typeface="DejaVu Sans"/>
+              </a:rPr>
+              <a:t>Look Ahead Window</a:t>
+            </a:r>
+            <a:endParaRPr b="0" lang="en-US" sz="2400" spc="-1" strike="noStrike">
+              <a:solidFill>
+                <a:srgbClr val="000000"/>
+              </a:solidFill>
+              <a:latin typeface="Arial"/>
+            </a:endParaRPr>
+          </a:p>
+        </p:txBody>
+      </p:sp>
+      <p:sp>
+        <p:nvSpPr>
+          <p:cNvPr id="141" name=""/>
+          <p:cNvSpPr/>
+          <p:nvPr/>
+        </p:nvSpPr>
+        <p:spPr>
+          <a:xfrm>
+            <a:off x="4516200" y="3494160"/>
+            <a:ext cx="342000" cy="345240"/>
+          </a:xfrm>
+          <a:prstGeom prst="rect">
+            <a:avLst/>
+          </a:prstGeom>
+          <a:noFill/>
+          <a:ln w="0">
+            <a:noFill/>
+          </a:ln>
+        </p:spPr>
+        <p:style>
+          <a:lnRef idx="0"/>
+          <a:fillRef idx="0"/>
+          <a:effectRef idx="0"/>
+          <a:fontRef idx="minor"/>
+        </p:style>
+        <p:txBody>
+          <a:bodyPr lIns="90000" rIns="90000" tIns="45000" bIns="45000" anchor="t">
+            <a:noAutofit/>
+          </a:bodyPr>
+          <a:p>
+            <a:pPr>
+              <a:lnSpc>
+                <a:spcPct val="100000"/>
+              </a:lnSpc>
+            </a:pPr>
+            <a:r>
+              <a:rPr b="0" lang="en-US" sz="1800" spc="-1" strike="noStrike">
+                <a:solidFill>
+                  <a:srgbClr val="000000"/>
+                </a:solidFill>
+                <a:latin typeface="Arial"/>
+                <a:ea typeface="DejaVu Sans"/>
+              </a:rPr>
+              <a:t>A</a:t>
+            </a:r>
+            <a:endParaRPr b="0" lang="en-US" sz="1800" spc="-1" strike="noStrike">
+              <a:solidFill>
+                <a:srgbClr val="000000"/>
+              </a:solidFill>
+              <a:latin typeface="Arial"/>
+            </a:endParaRPr>
+          </a:p>
+        </p:txBody>
+      </p:sp>
+      <p:sp>
+        <p:nvSpPr>
+          <p:cNvPr id="142" name=""/>
+          <p:cNvSpPr/>
+          <p:nvPr/>
+        </p:nvSpPr>
+        <p:spPr>
+          <a:xfrm>
+            <a:off x="5202000" y="3494160"/>
+            <a:ext cx="342000" cy="345240"/>
+          </a:xfrm>
+          <a:prstGeom prst="rect">
+            <a:avLst/>
+          </a:prstGeom>
+          <a:noFill/>
+          <a:ln w="0">
+            <a:noFill/>
+          </a:ln>
+        </p:spPr>
+        <p:style>
+          <a:lnRef idx="0"/>
+          <a:fillRef idx="0"/>
+          <a:effectRef idx="0"/>
+          <a:fontRef idx="minor"/>
+        </p:style>
+        <p:txBody>
+          <a:bodyPr lIns="90000" rIns="90000" tIns="45000" bIns="45000" anchor="t">
+            <a:noAutofit/>
+          </a:bodyPr>
+          <a:p>
+            <a:pPr>
+              <a:lnSpc>
+                <a:spcPct val="100000"/>
+              </a:lnSpc>
+            </a:pPr>
+            <a:r>
+              <a:rPr b="0" lang="en-US" sz="1800" spc="-1" strike="noStrike">
+                <a:solidFill>
+                  <a:srgbClr val="000000"/>
+                </a:solidFill>
+                <a:latin typeface="Arial"/>
+                <a:ea typeface="DejaVu Sans"/>
+              </a:rPr>
+              <a:t>A</a:t>
+            </a:r>
+            <a:endParaRPr b="0" lang="en-US" sz="1800" spc="-1" strike="noStrike">
+              <a:solidFill>
+                <a:srgbClr val="000000"/>
+              </a:solidFill>
+              <a:latin typeface="Arial"/>
+            </a:endParaRPr>
+          </a:p>
+        </p:txBody>
+      </p:sp>
+      <p:sp>
+        <p:nvSpPr>
+          <p:cNvPr id="143" name=""/>
+          <p:cNvSpPr/>
+          <p:nvPr/>
+        </p:nvSpPr>
+        <p:spPr>
+          <a:xfrm>
+            <a:off x="5887440" y="3494160"/>
+            <a:ext cx="342000" cy="345240"/>
+          </a:xfrm>
+          <a:prstGeom prst="rect">
+            <a:avLst/>
+          </a:prstGeom>
+          <a:noFill/>
+          <a:ln w="0">
+            <a:noFill/>
+          </a:ln>
+        </p:spPr>
+        <p:style>
+          <a:lnRef idx="0"/>
+          <a:fillRef idx="0"/>
+          <a:effectRef idx="0"/>
+          <a:fontRef idx="minor"/>
+        </p:style>
+        <p:txBody>
+          <a:bodyPr lIns="90000" rIns="90000" tIns="45000" bIns="45000" anchor="t">
+            <a:noAutofit/>
+          </a:bodyPr>
+          <a:p>
+            <a:pPr>
+              <a:lnSpc>
+                <a:spcPct val="100000"/>
+              </a:lnSpc>
+            </a:pPr>
+            <a:r>
+              <a:rPr b="0" lang="en-US" sz="1800" spc="-1" strike="noStrike">
+                <a:solidFill>
+                  <a:srgbClr val="000000"/>
+                </a:solidFill>
+                <a:latin typeface="Arial"/>
+                <a:ea typeface="DejaVu Sans"/>
+              </a:rPr>
+              <a:t>B</a:t>
+            </a:r>
+            <a:endParaRPr b="0" lang="en-US" sz="1800" spc="-1" strike="noStrike">
+              <a:solidFill>
+                <a:srgbClr val="000000"/>
+              </a:solidFill>
+              <a:latin typeface="Arial"/>
+            </a:endParaRPr>
+          </a:p>
+        </p:txBody>
+      </p:sp>
+      <p:sp>
+        <p:nvSpPr>
+          <p:cNvPr id="144" name=""/>
+          <p:cNvSpPr/>
+          <p:nvPr/>
+        </p:nvSpPr>
+        <p:spPr>
+          <a:xfrm>
+            <a:off x="6573240" y="3494160"/>
+            <a:ext cx="342000" cy="345240"/>
+          </a:xfrm>
+          <a:prstGeom prst="rect">
+            <a:avLst/>
+          </a:prstGeom>
+          <a:noFill/>
+          <a:ln w="0">
+            <a:noFill/>
+          </a:ln>
+        </p:spPr>
+        <p:style>
+          <a:lnRef idx="0"/>
+          <a:fillRef idx="0"/>
+          <a:effectRef idx="0"/>
+          <a:fontRef idx="minor"/>
+        </p:style>
+        <p:txBody>
+          <a:bodyPr lIns="90000" rIns="90000" tIns="45000" bIns="45000" anchor="t">
+            <a:noAutofit/>
+          </a:bodyPr>
+          <a:p>
+            <a:pPr>
+              <a:lnSpc>
+                <a:spcPct val="100000"/>
+              </a:lnSpc>
+            </a:pPr>
+            <a:r>
+              <a:rPr b="0" lang="en-US" sz="1800" spc="-1" strike="noStrike">
+                <a:solidFill>
+                  <a:srgbClr val="000000"/>
+                </a:solidFill>
+                <a:latin typeface="Arial"/>
+                <a:ea typeface="DejaVu Sans"/>
+              </a:rPr>
+              <a:t>C</a:t>
+            </a:r>
+            <a:endParaRPr b="0" lang="en-US" sz="1800" spc="-1" strike="noStrike">
+              <a:solidFill>
+                <a:srgbClr val="000000"/>
+              </a:solidFill>
+              <a:latin typeface="Arial"/>
+            </a:endParaRPr>
+          </a:p>
+        </p:txBody>
+      </p:sp>
+      <p:sp>
+        <p:nvSpPr>
+          <p:cNvPr id="145" name=""/>
+          <p:cNvSpPr/>
+          <p:nvPr/>
+        </p:nvSpPr>
+        <p:spPr>
+          <a:xfrm>
+            <a:off x="7258680" y="4646160"/>
+            <a:ext cx="342000" cy="345240"/>
+          </a:xfrm>
+          <a:prstGeom prst="rect">
+            <a:avLst/>
+          </a:prstGeom>
+          <a:noFill/>
+          <a:ln w="0">
+            <a:noFill/>
+          </a:ln>
+        </p:spPr>
+        <p:style>
+          <a:lnRef idx="0"/>
+          <a:fillRef idx="0"/>
+          <a:effectRef idx="0"/>
+          <a:fontRef idx="minor"/>
+        </p:style>
+        <p:txBody>
+          <a:bodyPr lIns="90000" rIns="90000" tIns="45000" bIns="45000" anchor="t">
+            <a:noAutofit/>
+          </a:bodyPr>
+          <a:p>
+            <a:pPr>
+              <a:lnSpc>
+                <a:spcPct val="100000"/>
+              </a:lnSpc>
+            </a:pPr>
+            <a:r>
+              <a:rPr b="0" lang="en-US" sz="1800" spc="-1" strike="noStrike">
+                <a:solidFill>
+                  <a:srgbClr val="000000"/>
+                </a:solidFill>
+                <a:latin typeface="Arial"/>
+                <a:ea typeface="DejaVu Sans"/>
+              </a:rPr>
+              <a:t>D</a:t>
+            </a:r>
+            <a:endParaRPr b="0" lang="en-US" sz="1800" spc="-1" strike="noStrike">
+              <a:solidFill>
+                <a:srgbClr val="000000"/>
+              </a:solidFill>
+              <a:latin typeface="Arial"/>
+            </a:endParaRPr>
+          </a:p>
+        </p:txBody>
+      </p:sp>
+      <p:sp>
+        <p:nvSpPr>
+          <p:cNvPr id="146" name=""/>
+          <p:cNvSpPr/>
+          <p:nvPr/>
+        </p:nvSpPr>
+        <p:spPr>
+          <a:xfrm>
+            <a:off x="7944480" y="4658400"/>
+            <a:ext cx="342000" cy="345240"/>
+          </a:xfrm>
+          <a:prstGeom prst="rect">
+            <a:avLst/>
+          </a:prstGeom>
+          <a:noFill/>
+          <a:ln w="0">
+            <a:noFill/>
+          </a:ln>
+        </p:spPr>
+        <p:style>
+          <a:lnRef idx="0"/>
+          <a:fillRef idx="0"/>
+          <a:effectRef idx="0"/>
+          <a:fontRef idx="minor"/>
+        </p:style>
+        <p:txBody>
+          <a:bodyPr lIns="90000" rIns="90000" tIns="45000" bIns="45000" anchor="t">
+            <a:noAutofit/>
+          </a:bodyPr>
+          <a:p>
+            <a:pPr>
+              <a:lnSpc>
+                <a:spcPct val="100000"/>
+              </a:lnSpc>
+            </a:pPr>
+            <a:r>
+              <a:rPr b="0" lang="en-US" sz="1800" spc="-1" strike="noStrike">
+                <a:solidFill>
+                  <a:srgbClr val="000000"/>
+                </a:solidFill>
+                <a:latin typeface="Arial"/>
+                <a:ea typeface="DejaVu Sans"/>
+              </a:rPr>
+              <a:t>Z</a:t>
+            </a:r>
+            <a:endParaRPr b="0" lang="en-US" sz="1800" spc="-1" strike="noStrike">
+              <a:solidFill>
+                <a:srgbClr val="000000"/>
+              </a:solidFill>
+              <a:latin typeface="Arial"/>
+            </a:endParaRPr>
+          </a:p>
+        </p:txBody>
+      </p:sp>
+      <p:sp>
+        <p:nvSpPr>
+          <p:cNvPr id="147" name=""/>
+          <p:cNvSpPr/>
+          <p:nvPr/>
+        </p:nvSpPr>
+        <p:spPr>
+          <a:xfrm>
+            <a:off x="9664920" y="5258160"/>
+            <a:ext cx="3822480" cy="426960"/>
+          </a:xfrm>
+          <a:prstGeom prst="rect">
+            <a:avLst/>
+          </a:prstGeom>
+          <a:noFill/>
+          <a:ln w="0">
+            <a:noFill/>
+          </a:ln>
+        </p:spPr>
+        <p:style>
+          <a:lnRef idx="0"/>
+          <a:fillRef idx="0"/>
+          <a:effectRef idx="0"/>
+          <a:fontRef idx="minor"/>
+        </p:style>
+        <p:txBody>
+          <a:bodyPr lIns="90000" rIns="90000" tIns="45000" bIns="45000" anchor="t">
+            <a:noAutofit/>
+          </a:bodyPr>
+          <a:p>
+            <a:pPr>
+              <a:lnSpc>
+                <a:spcPct val="100000"/>
+              </a:lnSpc>
+            </a:pPr>
+            <a:r>
+              <a:rPr b="0" lang="en-US" sz="2400" spc="-1" strike="noStrike">
+                <a:solidFill>
+                  <a:srgbClr val="000000"/>
+                </a:solidFill>
+                <a:latin typeface="Times New Roman"/>
+              </a:rPr>
+              <a:t>4</a:t>
+            </a:r>
+            <a:endParaRPr b="0" lang="en-US" sz="2400" spc="-1" strike="noStrike">
+              <a:solidFill>
+                <a:srgbClr val="000000"/>
+              </a:solidFill>
+              <a:latin typeface="Arial"/>
+            </a:endParaRPr>
+          </a:p>
+        </p:txBody>
+      </p:sp>
+      <p:sp>
+        <p:nvSpPr>
+          <p:cNvPr id="148" name=""/>
+          <p:cNvSpPr/>
+          <p:nvPr/>
+        </p:nvSpPr>
+        <p:spPr>
+          <a:xfrm flipV="1">
+            <a:off x="7452000" y="5106240"/>
+            <a:ext cx="0" cy="349200"/>
+          </a:xfrm>
+          <a:prstGeom prst="line">
+            <a:avLst/>
+          </a:prstGeom>
+          <a:ln w="19080">
+            <a:solidFill>
+              <a:srgbClr val="3465a4"/>
+            </a:solidFill>
+            <a:round/>
+            <a:tailEnd len="med" type="triangle" w="med"/>
+          </a:ln>
+        </p:spPr>
+        <p:style>
+          <a:lnRef idx="0"/>
+          <a:fillRef idx="0"/>
+          <a:effectRef idx="0"/>
+          <a:fontRef idx="minor"/>
+        </p:style>
+        <p:txBody>
+          <a:bodyPr lIns="99360" rIns="99360" tIns="54360" bIns="54360" anchor="ctr">
+            <a:noAutofit/>
+          </a:bodyPr>
+          <a:p>
+            <a:endParaRPr b="0" lang="en-US" sz="1800" spc="-1" strike="noStrike">
+              <a:solidFill>
+                <a:srgbClr val="000000"/>
+              </a:solidFill>
+              <a:latin typeface="Arial"/>
+            </a:endParaRPr>
+          </a:p>
+        </p:txBody>
+      </p:sp>
+      <p:sp>
+        <p:nvSpPr>
+          <p:cNvPr id="149" name=""/>
+          <p:cNvSpPr/>
+          <p:nvPr/>
+        </p:nvSpPr>
+        <p:spPr>
+          <a:xfrm>
+            <a:off x="4344840" y="4524120"/>
+            <a:ext cx="1141560" cy="513360"/>
+          </a:xfrm>
+          <a:prstGeom prst="roundRect">
+            <a:avLst>
+              <a:gd name="adj" fmla="val 16667"/>
+            </a:avLst>
+          </a:prstGeom>
+          <a:solidFill>
+            <a:srgbClr val="729fcf"/>
+          </a:solidFill>
+          <a:ln w="0">
+            <a:solidFill>
+              <a:srgbClr val="3465a4"/>
+            </a:solidFill>
+          </a:ln>
+        </p:spPr>
+        <p:style>
+          <a:lnRef idx="0"/>
+          <a:fillRef idx="0"/>
+          <a:effectRef idx="0"/>
+          <a:fontRef idx="minor"/>
+        </p:style>
+        <p:txBody>
+          <a:bodyPr lIns="90000" rIns="90000" tIns="45000" bIns="45000" anchor="ctr">
+            <a:noAutofit/>
+          </a:bodyPr>
+          <a:p>
+            <a:pPr algn="ctr"/>
+            <a:r>
+              <a:rPr b="0" lang="en-US" sz="1800" spc="-1" strike="noStrike">
+                <a:solidFill>
+                  <a:srgbClr val="000000"/>
+                </a:solidFill>
+                <a:latin typeface="Times New Roman"/>
+              </a:rPr>
+              <a:t>(4, 4)</a:t>
+            </a:r>
+            <a:endParaRPr b="0" lang="en-US" sz="1800" spc="-1" strike="noStrike">
+              <a:solidFill>
+                <a:srgbClr val="000000"/>
+              </a:solidFill>
+              <a:latin typeface="Arial"/>
+              <a:ea typeface="DejaVu Sans"/>
+            </a:endParaRPr>
+          </a:p>
+        </p:txBody>
+      </p:sp>
+    </p:spTree>
+  </p:cSld>
+  <mc:AlternateContent>
+    <mc:Choice Requires="p14">
+      <p:transition spd="slow" p14:dur="2000"/>
+    </mc:Choice>
+    <mc:Fallback>
+      <p:transition spd="slow"/>
+    </mc:Fallback>
+  </mc:AlternateContent>
+</p:sld>
+</file>
+
+<file path=ppt/slides/slide9.xml><?xml version="1.0" encoding="utf-8"?>
+<p:sld xmlns:a="http://schemas.openxmlformats.org/drawingml/2006/main" xmlns:p="http://schemas.openxmlformats.org/presentationml/2006/main" xmlns:r="http://schemas.openxmlformats.org/officeDocument/2006/relationships" xmlns:p14="http://schemas.microsoft.com/office/powerpoint/2010/main" xmlns:p15="http://schemas.microsoft.com/office/powerpoint/2012/main" xmlns:mc="http://schemas.openxmlformats.org/markup-compatibility/2006">
+  <p:cSld>
+    <p:spTree>
+      <p:nvGrpSpPr>
+        <p:cNvPr id="1" name=""/>
+        <p:cNvGrpSpPr/>
+        <p:nvPr/>
+      </p:nvGrpSpPr>
+      <p:grpSpPr>
+        <a:xfrm>
+          <a:off x="0" y="0"/>
+          <a:ext cx="0" cy="0"/>
+          <a:chOff x="0" y="0"/>
+          <a:chExt cx="0" cy="0"/>
+        </a:xfrm>
+      </p:grpSpPr>
+      <p:sp>
+        <p:nvSpPr>
+          <p:cNvPr id="150" name="Straight Connector 6"/>
+          <p:cNvSpPr/>
+          <p:nvPr/>
+        </p:nvSpPr>
+        <p:spPr>
+          <a:xfrm>
+            <a:off x="468000" y="1128600"/>
+            <a:ext cx="9144000" cy="360"/>
+          </a:xfrm>
+          <a:prstGeom prst="line">
+            <a:avLst/>
+          </a:prstGeom>
+          <a:ln w="57240">
+            <a:solidFill>
+              <a:srgbClr val="ed7d31"/>
+            </a:solidFill>
+            <a:miter/>
+          </a:ln>
+        </p:spPr>
+        <p:style>
+          <a:lnRef idx="0"/>
+          <a:fillRef idx="0"/>
+          <a:effectRef idx="0"/>
+          <a:fontRef idx="minor"/>
+        </p:style>
+        <p:txBody>
+          <a:bodyPr lIns="90000" rIns="90000" tIns="-44640" bIns="-44640" anchor="t" anchorCtr="1">
+            <a:noAutofit/>
+          </a:bodyPr>
+          <a:p>
+            <a:endParaRPr b="0" lang="en-US" sz="1800" spc="-1" strike="noStrike">
+              <a:solidFill>
+                <a:srgbClr val="000000"/>
+              </a:solidFill>
+              <a:latin typeface="Arial"/>
+              <a:ea typeface="DejaVu Sans"/>
+            </a:endParaRPr>
+          </a:p>
+        </p:txBody>
+      </p:sp>
+      <p:sp>
+        <p:nvSpPr>
+          <p:cNvPr id="151" name="PlaceHolder 5"/>
+          <p:cNvSpPr/>
+          <p:nvPr/>
+        </p:nvSpPr>
+        <p:spPr>
+          <a:xfrm>
+            <a:off x="914400" y="0"/>
+            <a:ext cx="8237160" cy="913680"/>
+          </a:xfrm>
+          <a:prstGeom prst="rect">
+            <a:avLst/>
+          </a:prstGeom>
+          <a:noFill/>
+          <a:ln w="9360">
+            <a:noFill/>
+          </a:ln>
+        </p:spPr>
+        <p:style>
+          <a:lnRef idx="0"/>
+          <a:fillRef idx="0"/>
+          <a:effectRef idx="0"/>
+          <a:fontRef idx="minor"/>
+        </p:style>
+        <p:txBody>
+          <a:bodyPr numCol="1" spcCol="0" lIns="90000" rIns="90000" tIns="45000" bIns="45000" anchor="t">
+            <a:noAutofit/>
+          </a:bodyPr>
+          <a:p>
+            <a:pPr algn="ctr">
+              <a:lnSpc>
+                <a:spcPct val="150000"/>
+              </a:lnSpc>
+              <a:tabLst>
+                <a:tab algn="l" pos="0"/>
+              </a:tabLst>
+            </a:pPr>
+            <a:r>
+              <a:rPr b="0" lang="en-US" sz="2800" spc="-1" strike="noStrike">
+                <a:solidFill>
+                  <a:srgbClr val="000000"/>
+                </a:solidFill>
+                <a:latin typeface="Times New Roman"/>
+                <a:ea typeface="DejaVu Sans"/>
+              </a:rPr>
+              <a:t>References</a:t>
+            </a:r>
             <a:br>
-              <a:rPr sz="2600"/>
+              <a:rPr sz="2800"/>
             </a:br>
-            <a:r>
-              <a:rPr b="0" lang="en-US" sz="2600" spc="-1" strike="noStrike">
-                <a:solidFill>
-                  <a:srgbClr val="000000"/>
-                </a:solidFill>
+            <a:endParaRPr b="0" lang="en-US" sz="2800" spc="-1" strike="noStrike">
+              <a:solidFill>
+                <a:srgbClr val="000000"/>
+              </a:solidFill>
+              <a:latin typeface="Arial"/>
+            </a:endParaRPr>
+          </a:p>
+        </p:txBody>
+      </p:sp>
+      <p:sp>
+        <p:nvSpPr>
+          <p:cNvPr id="152" name=""/>
+          <p:cNvSpPr/>
+          <p:nvPr/>
+        </p:nvSpPr>
+        <p:spPr>
+          <a:xfrm>
+            <a:off x="468000" y="1128600"/>
+            <a:ext cx="9132480" cy="1944360"/>
+          </a:xfrm>
+          <a:prstGeom prst="rect">
+            <a:avLst/>
+          </a:prstGeom>
+          <a:noFill/>
+          <a:ln w="0">
+            <a:noFill/>
+          </a:ln>
+        </p:spPr>
+        <p:style>
+          <a:lnRef idx="0"/>
+          <a:fillRef idx="0"/>
+          <a:effectRef idx="0"/>
+          <a:fontRef idx="minor"/>
+        </p:style>
+        <p:txBody>
+          <a:bodyPr lIns="90000" rIns="90000" tIns="45000" bIns="45000" anchor="t">
+            <a:noAutofit/>
+          </a:bodyPr>
+          <a:p>
+            <a:pPr marL="216000" indent="-216000">
+              <a:lnSpc>
+                <a:spcPct val="150000"/>
+              </a:lnSpc>
+              <a:buClr>
+                <a:srgbClr val="000000"/>
+              </a:buClr>
+              <a:buSzPct val="45000"/>
+              <a:buFont typeface="Wingdings" charset="2"/>
+              <a:buChar char=""/>
+            </a:pPr>
+            <a:r>
+              <a:rPr b="0" lang="en-US" sz="1800" spc="-1" strike="noStrike" u="sng">
+                <a:solidFill>
+                  <a:srgbClr val="0000ee"/>
+                </a:solidFill>
+                <a:uFillTx/>
                 <a:latin typeface="Times New Roman"/>
-              </a:rPr>
-              <a:t>Will Buziak</a:t>
-            </a:r>
-            <a:br>
-              <a:rPr sz="2600"/>
-            </a:br>
-            <a:r>
-              <a:rPr b="0" lang="en-US" sz="2600" spc="-1" strike="noStrike">
-                <a:solidFill>
-                  <a:srgbClr val="000000"/>
-                </a:solidFill>
+                <a:ea typeface="DejaVu Sans"/>
+                <a:hlinkClick r:id="rId1"/>
+              </a:rPr>
+              <a:t>https://cs.stanford.edu/people/eroberts/courses/soco/projects/data-compression/lossless/lz77/algorithm.html</a:t>
+            </a:r>
+            <a:endParaRPr b="0" lang="en-US" sz="1800" spc="-1" strike="noStrike">
+              <a:solidFill>
+                <a:srgbClr val="000000"/>
+              </a:solidFill>
+              <a:latin typeface="Arial"/>
+            </a:endParaRPr>
+          </a:p>
+          <a:p>
+            <a:pPr marL="216000" indent="-216000">
+              <a:lnSpc>
+                <a:spcPct val="150000"/>
+              </a:lnSpc>
+              <a:buClr>
+                <a:srgbClr val="000000"/>
+              </a:buClr>
+              <a:buSzPct val="45000"/>
+              <a:buFont typeface="Wingdings" charset="2"/>
+              <a:buChar char=""/>
+            </a:pPr>
+            <a:r>
+              <a:rPr b="0" lang="en-US" sz="1800" spc="-1" strike="noStrike" u="sng">
+                <a:solidFill>
+                  <a:srgbClr val="0000ee"/>
+                </a:solidFill>
+                <a:uFillTx/>
                 <a:latin typeface="Times New Roman"/>
-              </a:rPr>
-              <a:t>MABE/EECS</a:t>
-            </a:r>
-            <a:br>
-              <a:rPr sz="2600"/>
-            </a:br>
-            <a:r>
-              <a:rPr b="0" lang="en-US" sz="2600" spc="-1" strike="noStrike">
-                <a:solidFill>
-                  <a:srgbClr val="000000"/>
-                </a:solidFill>
+                <a:ea typeface="DejaVu Sans"/>
+                <a:hlinkClick r:id="rId2"/>
+              </a:rPr>
+              <a:t>https://en.wikipedia.org/wiki/LZ77_and_LZ78</a:t>
+            </a:r>
+            <a:endParaRPr b="0" lang="en-US" sz="1800" spc="-1" strike="noStrike">
+              <a:solidFill>
+                <a:srgbClr val="000000"/>
+              </a:solidFill>
+              <a:latin typeface="Arial"/>
+            </a:endParaRPr>
+          </a:p>
+          <a:p>
+            <a:pPr marL="216000" indent="-216000">
+              <a:lnSpc>
+                <a:spcPct val="150000"/>
+              </a:lnSpc>
+              <a:buClr>
+                <a:srgbClr val="000000"/>
+              </a:buClr>
+              <a:buSzPct val="45000"/>
+              <a:buFont typeface="Wingdings" charset="2"/>
+              <a:buChar char=""/>
+            </a:pPr>
+            <a:r>
+              <a:rPr b="0" lang="en-US" sz="1800" spc="-1" strike="noStrike" u="sng">
+                <a:solidFill>
+                  <a:srgbClr val="0000ee"/>
+                </a:solidFill>
+                <a:uFillTx/>
                 <a:latin typeface="Times New Roman"/>
-              </a:rPr>
-              <a:t>University of Tennessee</a:t>
-            </a:r>
-            <a:br>
-              <a:rPr sz="2600"/>
-            </a:br>
-            <a:br>
-              <a:rPr sz="2600"/>
-            </a:br>
-            <a:br>
-              <a:rPr sz="2600"/>
-            </a:br>
-            <a:r>
-              <a:rPr b="0" lang="en-US" sz="2600" spc="-1" strike="noStrike">
-                <a:solidFill>
-                  <a:srgbClr val="000000"/>
-                </a:solidFill>
-                <a:latin typeface="Times New Roman"/>
-              </a:rPr>
-              <a:t>CS494</a:t>
-            </a:r>
-            <a:br>
-              <a:rPr sz="2600"/>
-            </a:br>
-            <a:r>
-              <a:rPr b="0" lang="en-US" sz="2600" spc="-1" strike="noStrike">
-                <a:solidFill>
-                  <a:srgbClr val="000000"/>
-                </a:solidFill>
-                <a:latin typeface="Times New Roman"/>
-              </a:rPr>
-              <a:t>February 20, 2024</a:t>
-            </a:r>
-            <a:br>
-              <a:rPr sz="2600"/>
-            </a:br>
-            <a:endParaRPr b="0" lang="en-US" sz="2600" spc="-1" strike="noStrike">
+                <a:ea typeface="DejaVu Sans"/>
+                <a:hlinkClick r:id="rId3"/>
+              </a:rPr>
+              <a:t>https://medium.com/@vincentcorbee/lz77-compression-in-javascript-cd2583d2a8bd</a:t>
+            </a:r>
+            <a:endParaRPr b="0" lang="en-US" sz="1800" spc="-1" strike="noStrike">
               <a:solidFill>
                 <a:srgbClr val="000000"/>
               </a:solidFill>

--- a/S24/cs494/notes/LZ77.pptx
+++ b/S24/cs494/notes/LZ77.pptx
@@ -16,6 +16,7 @@
     <p:sldId id="263" r:id="rId11"/>
     <p:sldId id="264" r:id="rId12"/>
     <p:sldId id="265" r:id="rId13"/>
+    <p:sldId id="266" r:id="rId14"/>
   </p:sldIdLst>
   <p:sldSz cx="10080625" cy="5670550"/>
   <p:notesSz cx="7772400" cy="10058400"/>
@@ -52,7 +53,7 @@
         <p:spPr>
           <a:xfrm>
             <a:off x="504000" y="226080"/>
-            <a:ext cx="9070920" cy="945720"/>
+            <a:ext cx="9070200" cy="945000"/>
           </a:xfrm>
           <a:prstGeom prst="rect">
             <a:avLst/>
@@ -153,7 +154,7 @@
         <p:txBody>
           <a:bodyPr/>
           <a:p>
-            <a:fld id="{5247C80B-2336-4788-95FE-1E7D2AD04EEE}" type="slidenum">
+            <a:fld id="{90CEC9F6-7DF1-455C-B4DA-C49C32E9A7AD}" type="slidenum">
               <a:t>&lt;#&gt;</a:t>
             </a:fld>
           </a:p>
@@ -237,7 +238,7 @@
         <p:spPr>
           <a:xfrm>
             <a:off x="504000" y="226080"/>
-            <a:ext cx="9070920" cy="945720"/>
+            <a:ext cx="9070200" cy="945000"/>
           </a:xfrm>
           <a:prstGeom prst="rect">
             <a:avLst/>
@@ -286,7 +287,7 @@
         <p:spPr>
           <a:xfrm>
             <a:off x="3447360" y="5165280"/>
-            <a:ext cx="3194280" cy="389880"/>
+            <a:ext cx="3193560" cy="389160"/>
           </a:xfrm>
           <a:prstGeom prst="rect">
             <a:avLst/>
@@ -358,7 +359,7 @@
         <p:spPr>
           <a:xfrm>
             <a:off x="7227360" y="5165280"/>
-            <a:ext cx="2347560" cy="389880"/>
+            <a:ext cx="2346840" cy="389160"/>
           </a:xfrm>
           <a:prstGeom prst="rect">
             <a:avLst/>
@@ -399,7 +400,7 @@
                 <a:tab algn="l" pos="0"/>
               </a:tabLst>
             </a:pPr>
-            <a:fld id="{6415FC40-628D-405F-ABA9-9F4A5CA89B47}" type="slidenum">
+            <a:fld id="{61C845C3-6E6F-4ED1-886F-129EDE21E8A4}" type="slidenum">
               <a:rPr b="0" lang="en-US" sz="1400" spc="-1" strike="noStrike">
                 <a:solidFill>
                   <a:srgbClr val="000000"/>
@@ -430,7 +431,7 @@
         <p:spPr>
           <a:xfrm>
             <a:off x="504000" y="5165280"/>
-            <a:ext cx="2347560" cy="389880"/>
+            <a:ext cx="2346840" cy="389160"/>
           </a:xfrm>
           <a:prstGeom prst="rect">
             <a:avLst/>
@@ -854,7 +855,7 @@
         <p:spPr>
           <a:xfrm>
             <a:off x="928080" y="0"/>
-            <a:ext cx="8223480" cy="6293880"/>
+            <a:ext cx="8222760" cy="6293160"/>
           </a:xfrm>
           <a:prstGeom prst="rect">
             <a:avLst/>
@@ -1011,13 +1012,13 @@
       </p:grpSpPr>
       <p:sp>
         <p:nvSpPr>
-          <p:cNvPr id="153" name="Straight Connector 7"/>
-          <p:cNvSpPr/>
-          <p:nvPr/>
-        </p:nvSpPr>
-        <p:spPr>
-          <a:xfrm>
-            <a:off x="468000" y="4044600"/>
+          <p:cNvPr id="131" name="Straight Connector 6"/>
+          <p:cNvSpPr/>
+          <p:nvPr/>
+        </p:nvSpPr>
+        <p:spPr>
+          <a:xfrm>
+            <a:off x="468000" y="1128600"/>
             <a:ext cx="9144000" cy="360"/>
           </a:xfrm>
           <a:prstGeom prst="line">
@@ -1053,13 +1054,227 @@
       </p:sp>
       <p:sp>
         <p:nvSpPr>
-          <p:cNvPr id="154" name="Straight Connector 8"/>
+          <p:cNvPr id="132" name="PlaceHolder 5"/>
+          <p:cNvSpPr/>
+          <p:nvPr/>
+        </p:nvSpPr>
+        <p:spPr>
+          <a:xfrm>
+            <a:off x="914400" y="0"/>
+            <a:ext cx="8236440" cy="912960"/>
+          </a:xfrm>
+          <a:prstGeom prst="rect">
+            <a:avLst/>
+          </a:prstGeom>
+          <a:noFill/>
+          <a:ln w="9360">
+            <a:noFill/>
+          </a:ln>
+        </p:spPr>
+        <p:style>
+          <a:lnRef idx="0"/>
+          <a:fillRef idx="0"/>
+          <a:effectRef idx="0"/>
+          <a:fontRef idx="minor"/>
+        </p:style>
+        <p:txBody>
+          <a:bodyPr numCol="1" spcCol="0" lIns="90000" rIns="90000" tIns="45000" bIns="45000" anchor="t">
+            <a:noAutofit/>
+          </a:bodyPr>
+          <a:p>
+            <a:pPr algn="ctr">
+              <a:lnSpc>
+                <a:spcPct val="150000"/>
+              </a:lnSpc>
+              <a:tabLst>
+                <a:tab algn="l" pos="0"/>
+              </a:tabLst>
+            </a:pPr>
+            <a:r>
+              <a:rPr b="0" lang="en-US" sz="2800" spc="-1" strike="noStrike">
+                <a:solidFill>
+                  <a:srgbClr val="000000"/>
+                </a:solidFill>
+                <a:latin typeface="Times New Roman"/>
+                <a:ea typeface="DejaVu Sans"/>
+              </a:rPr>
+              <a:t>References</a:t>
+            </a:r>
+            <a:br>
+              <a:rPr sz="2800"/>
+            </a:br>
+            <a:endParaRPr b="0" lang="en-US" sz="2800" spc="-1" strike="noStrike">
+              <a:solidFill>
+                <a:srgbClr val="000000"/>
+              </a:solidFill>
+              <a:latin typeface="Arial"/>
+            </a:endParaRPr>
+          </a:p>
+        </p:txBody>
+      </p:sp>
+      <p:sp>
+        <p:nvSpPr>
+          <p:cNvPr id="133" name=""/>
           <p:cNvSpPr/>
           <p:nvPr/>
         </p:nvSpPr>
         <p:spPr>
           <a:xfrm>
             <a:off x="468000" y="1128600"/>
+            <a:ext cx="9131760" cy="1943640"/>
+          </a:xfrm>
+          <a:prstGeom prst="rect">
+            <a:avLst/>
+          </a:prstGeom>
+          <a:noFill/>
+          <a:ln w="0">
+            <a:noFill/>
+          </a:ln>
+        </p:spPr>
+        <p:style>
+          <a:lnRef idx="0"/>
+          <a:fillRef idx="0"/>
+          <a:effectRef idx="0"/>
+          <a:fontRef idx="minor"/>
+        </p:style>
+        <p:txBody>
+          <a:bodyPr lIns="90000" rIns="90000" tIns="45000" bIns="45000" anchor="t">
+            <a:noAutofit/>
+          </a:bodyPr>
+          <a:p>
+            <a:pPr marL="216000" indent="-216000">
+              <a:lnSpc>
+                <a:spcPct val="150000"/>
+              </a:lnSpc>
+              <a:buClr>
+                <a:srgbClr val="000000"/>
+              </a:buClr>
+              <a:buSzPct val="45000"/>
+              <a:buFont typeface="Wingdings" charset="2"/>
+              <a:buChar char=""/>
+            </a:pPr>
+            <a:r>
+              <a:rPr b="0" lang="en-US" sz="1800" spc="-1" strike="noStrike" u="sng">
+                <a:solidFill>
+                  <a:srgbClr val="0000ee"/>
+                </a:solidFill>
+                <a:uFillTx/>
+                <a:latin typeface="Times New Roman"/>
+                <a:ea typeface="DejaVu Sans"/>
+                <a:hlinkClick r:id="rId1"/>
+              </a:rPr>
+              <a:t>https://cs.stanford.edu/people/eroberts/courses/soco/projects/data-compression/lossless/lz77/algorithm.html</a:t>
+            </a:r>
+            <a:endParaRPr b="0" lang="en-US" sz="1800" spc="-1" strike="noStrike">
+              <a:solidFill>
+                <a:srgbClr val="000000"/>
+              </a:solidFill>
+              <a:latin typeface="Arial"/>
+            </a:endParaRPr>
+          </a:p>
+          <a:p>
+            <a:pPr marL="216000" indent="-216000">
+              <a:lnSpc>
+                <a:spcPct val="150000"/>
+              </a:lnSpc>
+              <a:buClr>
+                <a:srgbClr val="000000"/>
+              </a:buClr>
+              <a:buSzPct val="45000"/>
+              <a:buFont typeface="Wingdings" charset="2"/>
+              <a:buChar char=""/>
+            </a:pPr>
+            <a:r>
+              <a:rPr b="0" lang="en-US" sz="1800" spc="-1" strike="noStrike" u="sng">
+                <a:solidFill>
+                  <a:srgbClr val="0000ee"/>
+                </a:solidFill>
+                <a:uFillTx/>
+                <a:latin typeface="Times New Roman"/>
+                <a:ea typeface="DejaVu Sans"/>
+                <a:hlinkClick r:id="rId2"/>
+              </a:rPr>
+              <a:t>https://en.wikipedia.org/wiki/LZ77_and_LZ78</a:t>
+            </a:r>
+            <a:endParaRPr b="0" lang="en-US" sz="1800" spc="-1" strike="noStrike">
+              <a:solidFill>
+                <a:srgbClr val="000000"/>
+              </a:solidFill>
+              <a:latin typeface="Arial"/>
+            </a:endParaRPr>
+          </a:p>
+          <a:p>
+            <a:pPr marL="216000" indent="-216000">
+              <a:lnSpc>
+                <a:spcPct val="150000"/>
+              </a:lnSpc>
+              <a:buClr>
+                <a:srgbClr val="000000"/>
+              </a:buClr>
+              <a:buSzPct val="45000"/>
+              <a:buFont typeface="Wingdings" charset="2"/>
+              <a:buChar char=""/>
+            </a:pPr>
+            <a:r>
+              <a:rPr b="0" lang="en-US" sz="1800" spc="-1" strike="noStrike" u="sng">
+                <a:solidFill>
+                  <a:srgbClr val="0000ee"/>
+                </a:solidFill>
+                <a:uFillTx/>
+                <a:latin typeface="Times New Roman"/>
+                <a:ea typeface="DejaVu Sans"/>
+                <a:hlinkClick r:id="rId3"/>
+              </a:rPr>
+              <a:t>https://medium.com/@vincentcorbee/lz77-compression-in-javascript-cd2583d2a8bd</a:t>
+            </a:r>
+            <a:endParaRPr b="0" lang="en-US" sz="1800" spc="-1" strike="noStrike">
+              <a:solidFill>
+                <a:srgbClr val="000000"/>
+              </a:solidFill>
+              <a:latin typeface="Arial"/>
+            </a:endParaRPr>
+          </a:p>
+        </p:txBody>
+      </p:sp>
+    </p:spTree>
+  </p:cSld>
+  <mc:AlternateContent>
+    <mc:Choice Requires="p14">
+      <p:transition spd="slow" p14:dur="2000"/>
+    </mc:Choice>
+    <mc:Fallback>
+      <p:transition spd="slow"/>
+    </mc:Fallback>
+  </mc:AlternateContent>
+</p:sld>
+</file>
+
+<file path=ppt/slides/slide11.xml><?xml version="1.0" encoding="utf-8"?>
+<p:sld xmlns:a="http://schemas.openxmlformats.org/drawingml/2006/main" xmlns:p="http://schemas.openxmlformats.org/presentationml/2006/main" xmlns:r="http://schemas.openxmlformats.org/officeDocument/2006/relationships" xmlns:p14="http://schemas.microsoft.com/office/powerpoint/2010/main" xmlns:p15="http://schemas.microsoft.com/office/powerpoint/2012/main" xmlns:mc="http://schemas.openxmlformats.org/markup-compatibility/2006">
+  <p:cSld>
+    <p:spTree>
+      <p:nvGrpSpPr>
+        <p:cNvPr id="1" name=""/>
+        <p:cNvGrpSpPr/>
+        <p:nvPr/>
+      </p:nvGrpSpPr>
+      <p:grpSpPr>
+        <a:xfrm>
+          <a:off x="0" y="0"/>
+          <a:ext cx="0" cy="0"/>
+          <a:chOff x="0" y="0"/>
+          <a:chExt cx="0" cy="0"/>
+        </a:xfrm>
+      </p:grpSpPr>
+      <p:sp>
+        <p:nvSpPr>
+          <p:cNvPr id="134" name="Straight Connector 7"/>
+          <p:cNvSpPr/>
+          <p:nvPr/>
+        </p:nvSpPr>
+        <p:spPr>
+          <a:xfrm>
+            <a:off x="468000" y="4044600"/>
             <a:ext cx="9144000" cy="360"/>
           </a:xfrm>
           <a:prstGeom prst="line">
@@ -1095,14 +1310,56 @@
       </p:sp>
       <p:sp>
         <p:nvSpPr>
-          <p:cNvPr id="155" name="PlaceHolder 6"/>
+          <p:cNvPr id="135" name="Straight Connector 8"/>
+          <p:cNvSpPr/>
+          <p:nvPr/>
+        </p:nvSpPr>
+        <p:spPr>
+          <a:xfrm>
+            <a:off x="468000" y="1128600"/>
+            <a:ext cx="9144000" cy="360"/>
+          </a:xfrm>
+          <a:prstGeom prst="line">
+            <a:avLst/>
+          </a:prstGeom>
+          <a:ln w="57240">
+            <a:solidFill>
+              <a:srgbClr val="ed7d31"/>
+            </a:solidFill>
+            <a:miter/>
+          </a:ln>
+        </p:spPr>
+        <p:style>
+          <a:lnRef idx="0"/>
+          <a:fillRef idx="0"/>
+          <a:effectRef idx="0"/>
+          <a:fontRef idx="minor"/>
+        </p:style>
+        <p:txBody>
+          <a:bodyPr lIns="90000" rIns="90000" tIns="-44640" bIns="-44640" anchor="t" anchorCtr="1">
+            <a:noAutofit/>
+          </a:bodyPr>
+          <a:p>
+            <a:endParaRPr b="0" lang="en-US" sz="1800" spc="-1" strike="noStrike">
+              <a:solidFill>
+                <a:srgbClr val="000000"/>
+              </a:solidFill>
+              <a:latin typeface="Arial"/>
+              <a:ea typeface="DejaVu Sans"/>
+            </a:endParaRPr>
+          </a:p>
+        </p:txBody>
+      </p:sp>
+      <p:sp>
+        <p:nvSpPr>
+          <p:cNvPr id="136" name="PlaceHolder 6"/>
           <p:cNvSpPr/>
           <p:nvPr/>
         </p:nvSpPr>
         <p:spPr>
           <a:xfrm>
             <a:off x="928080" y="0"/>
-            <a:ext cx="8223480" cy="6293880"/>
+            <a:ext cx="8222760" cy="6293160"/>
           </a:xfrm>
           <a:prstGeom prst="rect">
             <a:avLst/>
@@ -1308,7 +1565,7 @@
         <p:spPr>
           <a:xfrm>
             <a:off x="914400" y="0"/>
-            <a:ext cx="8237160" cy="913680"/>
+            <a:ext cx="8236440" cy="912960"/>
           </a:xfrm>
           <a:prstGeom prst="rect">
             <a:avLst/>
@@ -1368,7 +1625,7 @@
         <p:spPr>
           <a:xfrm>
             <a:off x="457200" y="1128600"/>
-            <a:ext cx="9143280" cy="3885480"/>
+            <a:ext cx="9142560" cy="3884760"/>
           </a:xfrm>
           <a:prstGeom prst="rect">
             <a:avLst/>
@@ -1399,6 +1656,7 @@
                 <a:srgbClr val="000000"/>
               </a:solidFill>
               <a:latin typeface="Arial"/>
+              <a:ea typeface="DejaVu Sans"/>
             </a:endParaRPr>
           </a:p>
         </p:txBody>
@@ -1412,7 +1670,7 @@
         <p:spPr>
           <a:xfrm>
             <a:off x="457920" y="1372320"/>
-            <a:ext cx="9142560" cy="1599480"/>
+            <a:ext cx="9141840" cy="1598760"/>
           </a:xfrm>
           <a:prstGeom prst="roundRect">
             <a:avLst>
@@ -1467,14 +1725,13 @@
                 <a:latin typeface="Times New Roman"/>
                 <a:ea typeface="DejaVu Sans"/>
               </a:rPr>
-              <a:t>Uses a shorthand to shorten redundant data </a:t>
+              <a:t>Uses a shorthand instead of copying redundant data </a:t>
             </a:r>
             <a:endParaRPr b="0" lang="en-US" sz="2600" spc="-1" strike="noStrike">
               <a:solidFill>
                 <a:srgbClr val="000000"/>
               </a:solidFill>
               <a:latin typeface="Arial"/>
-              <a:ea typeface="DejaVu Sans"/>
             </a:endParaRPr>
           </a:p>
           <a:p>
@@ -1507,7 +1764,6 @@
                 <a:srgbClr val="000000"/>
               </a:solidFill>
               <a:latin typeface="Arial"/>
-              <a:ea typeface="DejaVu Sans"/>
             </a:endParaRPr>
           </a:p>
         </p:txBody>
@@ -1521,7 +1777,7 @@
         <p:spPr>
           <a:xfrm>
             <a:off x="9664920" y="5258160"/>
-            <a:ext cx="3822480" cy="426960"/>
+            <a:ext cx="3821760" cy="426240"/>
           </a:xfrm>
           <a:prstGeom prst="rect">
             <a:avLst/>
@@ -1553,6 +1809,7 @@
                   <a:srgbClr val="000000"/>
                 </a:solidFill>
                 <a:latin typeface="Times New Roman"/>
+                <a:ea typeface="DejaVu Sans"/>
               </a:rPr>
               <a:t>1</a:t>
             </a:r>
@@ -1646,7 +1903,7 @@
         <p:spPr>
           <a:xfrm>
             <a:off x="921960" y="0"/>
-            <a:ext cx="8237160" cy="913680"/>
+            <a:ext cx="8236440" cy="912960"/>
           </a:xfrm>
           <a:prstGeom prst="rect">
             <a:avLst/>
@@ -1706,7 +1963,7 @@
         <p:spPr>
           <a:xfrm>
             <a:off x="457200" y="915120"/>
-            <a:ext cx="9143280" cy="3885480"/>
+            <a:ext cx="9142560" cy="3884760"/>
           </a:xfrm>
           <a:prstGeom prst="rect">
             <a:avLst/>
@@ -1832,7 +2089,7 @@
         <p:spPr>
           <a:xfrm>
             <a:off x="9664920" y="5258160"/>
-            <a:ext cx="3822480" cy="426960"/>
+            <a:ext cx="3821760" cy="426240"/>
           </a:xfrm>
           <a:prstGeom prst="rect">
             <a:avLst/>
@@ -1864,6 +2121,7 @@
                   <a:srgbClr val="000000"/>
                 </a:solidFill>
                 <a:latin typeface="Times New Roman"/>
+                <a:ea typeface="DejaVu Sans"/>
               </a:rPr>
               <a:t>2</a:t>
             </a:r>
@@ -1884,8 +2142,8 @@
         </p:nvSpPr>
         <p:spPr>
           <a:xfrm>
-            <a:off x="2238840" y="3896640"/>
-            <a:ext cx="725400" cy="543960"/>
+            <a:off x="2239200" y="3896640"/>
+            <a:ext cx="724680" cy="543240"/>
           </a:xfrm>
           <a:prstGeom prst="roundRect">
             <a:avLst>
@@ -1912,6 +2170,11 @@
             <a:noAutofit/>
           </a:bodyPr>
           <a:p>
+            <a:pPr>
+              <a:lnSpc>
+                <a:spcPct val="100000"/>
+              </a:lnSpc>
+            </a:pPr>
             <a:endParaRPr b="0" lang="en-US" sz="1800" spc="-1" strike="noStrike">
               <a:solidFill>
                 <a:srgbClr val="000000"/>
@@ -1930,8 +2193,8 @@
         </p:nvSpPr>
         <p:spPr>
           <a:xfrm>
-            <a:off x="3692160" y="3896640"/>
-            <a:ext cx="725400" cy="543960"/>
+            <a:off x="3692520" y="3896640"/>
+            <a:ext cx="724680" cy="543240"/>
           </a:xfrm>
           <a:prstGeom prst="roundRect">
             <a:avLst>
@@ -1958,6 +2221,11 @@
             <a:noAutofit/>
           </a:bodyPr>
           <a:p>
+            <a:pPr>
+              <a:lnSpc>
+                <a:spcPct val="100000"/>
+              </a:lnSpc>
+            </a:pPr>
             <a:endParaRPr b="0" lang="en-US" sz="1800" spc="-1" strike="noStrike">
               <a:solidFill>
                 <a:srgbClr val="000000"/>
@@ -1976,8 +2244,8 @@
         </p:nvSpPr>
         <p:spPr>
           <a:xfrm>
-            <a:off x="2965320" y="3896640"/>
-            <a:ext cx="725400" cy="543960"/>
+            <a:off x="2965680" y="3896640"/>
+            <a:ext cx="724680" cy="543240"/>
           </a:xfrm>
           <a:prstGeom prst="roundRect">
             <a:avLst>
@@ -2004,6 +2272,11 @@
             <a:noAutofit/>
           </a:bodyPr>
           <a:p>
+            <a:pPr>
+              <a:lnSpc>
+                <a:spcPct val="100000"/>
+              </a:lnSpc>
+            </a:pPr>
             <a:endParaRPr b="0" lang="en-US" sz="1800" spc="-1" strike="noStrike">
               <a:solidFill>
                 <a:srgbClr val="000000"/>
@@ -2022,8 +2295,8 @@
         </p:nvSpPr>
         <p:spPr>
           <a:xfrm>
-            <a:off x="2420280" y="4025880"/>
-            <a:ext cx="362520" cy="362160"/>
+            <a:off x="2456640" y="3989880"/>
+            <a:ext cx="361800" cy="361440"/>
           </a:xfrm>
           <a:prstGeom prst="rect">
             <a:avLst/>
@@ -2054,7 +2327,7 @@
                 <a:solidFill>
                   <a:srgbClr val="000000"/>
                 </a:solidFill>
-                <a:latin typeface="Arial"/>
+                <a:latin typeface="Times New Roman"/>
                 <a:ea typeface="DejaVu Sans"/>
               </a:rPr>
               <a:t>A</a:t>
@@ -2076,8 +2349,8 @@
         </p:nvSpPr>
         <p:spPr>
           <a:xfrm>
-            <a:off x="3146760" y="4025880"/>
-            <a:ext cx="362520" cy="362160"/>
+            <a:off x="3183120" y="3989880"/>
+            <a:ext cx="361800" cy="361440"/>
           </a:xfrm>
           <a:prstGeom prst="rect">
             <a:avLst/>
@@ -2108,7 +2381,7 @@
                 <a:solidFill>
                   <a:srgbClr val="000000"/>
                 </a:solidFill>
-                <a:latin typeface="Arial"/>
+                <a:latin typeface="Times New Roman"/>
                 <a:ea typeface="DejaVu Sans"/>
               </a:rPr>
               <a:t>B</a:t>
@@ -2130,8 +2403,8 @@
         </p:nvSpPr>
         <p:spPr>
           <a:xfrm>
-            <a:off x="3873600" y="4025880"/>
-            <a:ext cx="362520" cy="362160"/>
+            <a:off x="3909960" y="3989880"/>
+            <a:ext cx="361800" cy="361440"/>
           </a:xfrm>
           <a:prstGeom prst="rect">
             <a:avLst/>
@@ -2162,7 +2435,7 @@
                 <a:solidFill>
                   <a:srgbClr val="000000"/>
                 </a:solidFill>
-                <a:latin typeface="Arial"/>
+                <a:latin typeface="Times New Roman"/>
                 <a:ea typeface="DejaVu Sans"/>
               </a:rPr>
               <a:t>C</a:t>
@@ -2184,8 +2457,8 @@
         </p:nvSpPr>
         <p:spPr>
           <a:xfrm>
-            <a:off x="5904000" y="3896640"/>
-            <a:ext cx="1182600" cy="543960"/>
+            <a:off x="5904360" y="3896640"/>
+            <a:ext cx="1181880" cy="543240"/>
           </a:xfrm>
           <a:prstGeom prst="roundRect">
             <a:avLst>
@@ -2212,104 +2485,22 @@
             <a:noAutofit/>
           </a:bodyPr>
           <a:p>
-            <a:pPr algn="ctr"/>
-            <a:r>
-              <a:rPr b="0" lang="en-US" sz="1800" spc="-1" strike="noStrike">
-                <a:solidFill>
-                  <a:srgbClr val="000000"/>
-                </a:solidFill>
-                <a:latin typeface="Arial"/>
+            <a:pPr algn="ctr">
+              <a:lnSpc>
+                <a:spcPct val="100000"/>
+              </a:lnSpc>
+            </a:pPr>
+            <a:r>
+              <a:rPr b="0" lang="en-US" sz="2100" spc="-1" strike="noStrike">
+                <a:solidFill>
+                  <a:srgbClr val="000000"/>
+                </a:solidFill>
+                <a:latin typeface="Times New Roman"/>
+                <a:ea typeface="DejaVu Sans"/>
               </a:rPr>
               <a:t>(d, n)</a:t>
             </a:r>
-            <a:endParaRPr b="0" lang="en-US" sz="1800" spc="-1" strike="noStrike">
-              <a:solidFill>
-                <a:srgbClr val="000000"/>
-              </a:solidFill>
-              <a:latin typeface="Arial"/>
-              <a:ea typeface="DejaVu Sans"/>
-            </a:endParaRPr>
-          </a:p>
-        </p:txBody>
-      </p:sp>
-      <p:sp>
-        <p:nvSpPr>
-          <p:cNvPr id="26" name=""/>
-          <p:cNvSpPr/>
-          <p:nvPr/>
-        </p:nvSpPr>
-        <p:spPr>
-          <a:xfrm>
-            <a:off x="6003720" y="4280040"/>
-            <a:ext cx="362520" cy="362160"/>
-          </a:xfrm>
-          <a:prstGeom prst="rect">
-            <a:avLst/>
-          </a:prstGeom>
-          <a:noFill/>
-          <a:ln w="0">
-            <a:noFill/>
-          </a:ln>
-        </p:spPr>
-        <p:style>
-          <a:lnRef idx="0"/>
-          <a:fillRef idx="0"/>
-          <a:effectRef idx="0"/>
-          <a:fontRef idx="minor"/>
-        </p:style>
-        <p:txBody>
-          <a:bodyPr lIns="90000" rIns="90000" tIns="45000" bIns="45000" anchor="t">
-            <a:noAutofit/>
-          </a:bodyPr>
-          <a:p>
-            <a:pPr>
-              <a:lnSpc>
-                <a:spcPct val="100000"/>
-              </a:lnSpc>
-            </a:pPr>
-            <a:endParaRPr b="0" lang="en-US" sz="1800" spc="-1" strike="noStrike">
-              <a:solidFill>
-                <a:srgbClr val="000000"/>
-              </a:solidFill>
-              <a:latin typeface="Arial"/>
-            </a:endParaRPr>
-          </a:p>
-        </p:txBody>
-      </p:sp>
-      <p:sp>
-        <p:nvSpPr>
-          <p:cNvPr id="27" name=""/>
-          <p:cNvSpPr/>
-          <p:nvPr/>
-        </p:nvSpPr>
-        <p:spPr>
-          <a:xfrm>
-            <a:off x="4967280" y="4201920"/>
-            <a:ext cx="347400" cy="0"/>
-          </a:xfrm>
-          <a:prstGeom prst="line">
-            <a:avLst/>
-          </a:prstGeom>
-          <a:ln w="19080">
-            <a:solidFill>
-              <a:srgbClr val="000000"/>
-            </a:solidFill>
-            <a:round/>
-            <a:tailEnd len="med" type="triangle" w="med"/>
-          </a:ln>
-        </p:spPr>
-        <p:style>
-          <a:lnRef idx="0"/>
-          <a:fillRef idx="0"/>
-          <a:effectRef idx="0"/>
-          <a:fontRef idx="minor"/>
-        </p:style>
-        <p:txBody>
-          <a:bodyPr lIns="99360" rIns="99360" tIns="-54360" bIns="-54360" anchor="ctr">
-            <a:noAutofit/>
-          </a:bodyPr>
-          <a:p>
-            <a:endParaRPr b="0" lang="en-US" sz="1800" spc="-1" strike="noStrike">
+            <a:endParaRPr b="0" lang="en-US" sz="2100" spc="-1" strike="noStrike">
               <a:solidFill>
                 <a:srgbClr val="000000"/>
               </a:solidFill>
@@ -2350,7 +2541,7 @@
       </p:grpSpPr>
       <p:sp>
         <p:nvSpPr>
-          <p:cNvPr id="28" name="Straight Connector 12"/>
+          <p:cNvPr id="26" name="Straight Connector 12"/>
           <p:cNvSpPr/>
           <p:nvPr/>
         </p:nvSpPr>
@@ -2392,14 +2583,14 @@
       </p:sp>
       <p:sp>
         <p:nvSpPr>
-          <p:cNvPr id="29" name="PlaceHolder 11"/>
+          <p:cNvPr id="27" name="PlaceHolder 11"/>
           <p:cNvSpPr/>
           <p:nvPr/>
         </p:nvSpPr>
         <p:spPr>
           <a:xfrm>
             <a:off x="921960" y="0"/>
-            <a:ext cx="8237160" cy="913680"/>
+            <a:ext cx="8236440" cy="912960"/>
           </a:xfrm>
           <a:prstGeom prst="rect">
             <a:avLst/>
@@ -2436,7 +2627,7 @@
                 <a:latin typeface="Times New Roman"/>
                 <a:ea typeface="DejaVu Sans"/>
               </a:rPr>
-              <a:t>The “Sliding Window”</a:t>
+              <a:t>It’s Rude to Point</a:t>
             </a:r>
             <a:br>
               <a:rPr sz="2800"/>
@@ -2452,14 +2643,14 @@
       </p:sp>
       <p:sp>
         <p:nvSpPr>
-          <p:cNvPr id="30" name=""/>
+          <p:cNvPr id="28" name=""/>
           <p:cNvSpPr/>
           <p:nvPr/>
         </p:nvSpPr>
         <p:spPr>
           <a:xfrm>
             <a:off x="9664920" y="5258160"/>
-            <a:ext cx="3822480" cy="426960"/>
+            <a:ext cx="3821760" cy="426240"/>
           </a:xfrm>
           <a:prstGeom prst="rect">
             <a:avLst/>
@@ -2491,6 +2682,7 @@
                   <a:srgbClr val="000000"/>
                 </a:solidFill>
                 <a:latin typeface="Times New Roman"/>
+                <a:ea typeface="DejaVu Sans"/>
               </a:rPr>
               <a:t>3</a:t>
             </a:r>
@@ -2505,14 +2697,14 @@
       </p:sp>
       <p:sp>
         <p:nvSpPr>
-          <p:cNvPr id="31" name=""/>
+          <p:cNvPr id="29" name=""/>
           <p:cNvSpPr/>
           <p:nvPr/>
         </p:nvSpPr>
         <p:spPr>
           <a:xfrm>
             <a:off x="2238840" y="3896640"/>
-            <a:ext cx="725400" cy="543960"/>
+            <a:ext cx="724680" cy="543240"/>
           </a:xfrm>
           <a:prstGeom prst="roundRect">
             <a:avLst>
@@ -2539,6 +2731,11 @@
             <a:noAutofit/>
           </a:bodyPr>
           <a:p>
+            <a:pPr>
+              <a:lnSpc>
+                <a:spcPct val="100000"/>
+              </a:lnSpc>
+            </a:pPr>
             <a:endParaRPr b="0" lang="en-US" sz="1800" spc="-1" strike="noStrike">
               <a:solidFill>
                 <a:srgbClr val="000000"/>
@@ -2551,14 +2748,14 @@
       </p:sp>
       <p:sp>
         <p:nvSpPr>
-          <p:cNvPr id="32" name=""/>
+          <p:cNvPr id="30" name=""/>
           <p:cNvSpPr/>
           <p:nvPr/>
         </p:nvSpPr>
         <p:spPr>
           <a:xfrm>
             <a:off x="3692160" y="3896640"/>
-            <a:ext cx="725400" cy="543960"/>
+            <a:ext cx="724680" cy="543240"/>
           </a:xfrm>
           <a:prstGeom prst="roundRect">
             <a:avLst>
@@ -2585,6 +2782,11 @@
             <a:noAutofit/>
           </a:bodyPr>
           <a:p>
+            <a:pPr>
+              <a:lnSpc>
+                <a:spcPct val="100000"/>
+              </a:lnSpc>
+            </a:pPr>
             <a:endParaRPr b="0" lang="en-US" sz="1800" spc="-1" strike="noStrike">
               <a:solidFill>
                 <a:srgbClr val="000000"/>
@@ -2597,14 +2799,14 @@
       </p:sp>
       <p:sp>
         <p:nvSpPr>
-          <p:cNvPr id="33" name=""/>
+          <p:cNvPr id="31" name=""/>
           <p:cNvSpPr/>
           <p:nvPr/>
         </p:nvSpPr>
         <p:spPr>
           <a:xfrm>
             <a:off x="2965320" y="3896640"/>
-            <a:ext cx="725400" cy="543960"/>
+            <a:ext cx="724680" cy="543240"/>
           </a:xfrm>
           <a:prstGeom prst="roundRect">
             <a:avLst>
@@ -2631,6 +2833,11 @@
             <a:noAutofit/>
           </a:bodyPr>
           <a:p>
+            <a:pPr>
+              <a:lnSpc>
+                <a:spcPct val="100000"/>
+              </a:lnSpc>
+            </a:pPr>
             <a:endParaRPr b="0" lang="en-US" sz="1800" spc="-1" strike="noStrike">
               <a:solidFill>
                 <a:srgbClr val="000000"/>
@@ -2643,14 +2850,14 @@
       </p:sp>
       <p:sp>
         <p:nvSpPr>
-          <p:cNvPr id="34" name=""/>
-          <p:cNvSpPr/>
-          <p:nvPr/>
-        </p:nvSpPr>
-        <p:spPr>
-          <a:xfrm>
-            <a:off x="2420280" y="4025880"/>
-            <a:ext cx="362520" cy="362160"/>
+          <p:cNvPr id="32" name=""/>
+          <p:cNvSpPr/>
+          <p:nvPr/>
+        </p:nvSpPr>
+        <p:spPr>
+          <a:xfrm>
+            <a:off x="2456280" y="3989880"/>
+            <a:ext cx="361800" cy="361440"/>
           </a:xfrm>
           <a:prstGeom prst="rect">
             <a:avLst/>
@@ -2681,7 +2888,7 @@
                 <a:solidFill>
                   <a:srgbClr val="000000"/>
                 </a:solidFill>
-                <a:latin typeface="Arial"/>
+                <a:latin typeface="Times New Roman"/>
                 <a:ea typeface="DejaVu Sans"/>
               </a:rPr>
               <a:t>A</a:t>
@@ -2697,14 +2904,14 @@
       </p:sp>
       <p:sp>
         <p:nvSpPr>
-          <p:cNvPr id="35" name=""/>
-          <p:cNvSpPr/>
-          <p:nvPr/>
-        </p:nvSpPr>
-        <p:spPr>
-          <a:xfrm>
-            <a:off x="3146760" y="4025880"/>
-            <a:ext cx="362520" cy="362160"/>
+          <p:cNvPr id="33" name=""/>
+          <p:cNvSpPr/>
+          <p:nvPr/>
+        </p:nvSpPr>
+        <p:spPr>
+          <a:xfrm>
+            <a:off x="3182760" y="3989880"/>
+            <a:ext cx="361800" cy="361440"/>
           </a:xfrm>
           <a:prstGeom prst="rect">
             <a:avLst/>
@@ -2735,7 +2942,7 @@
                 <a:solidFill>
                   <a:srgbClr val="000000"/>
                 </a:solidFill>
-                <a:latin typeface="Arial"/>
+                <a:latin typeface="Times New Roman"/>
                 <a:ea typeface="DejaVu Sans"/>
               </a:rPr>
               <a:t>B</a:t>
@@ -2751,14 +2958,14 @@
       </p:sp>
       <p:sp>
         <p:nvSpPr>
-          <p:cNvPr id="36" name=""/>
-          <p:cNvSpPr/>
-          <p:nvPr/>
-        </p:nvSpPr>
-        <p:spPr>
-          <a:xfrm>
-            <a:off x="3873600" y="4025880"/>
-            <a:ext cx="362520" cy="362160"/>
+          <p:cNvPr id="34" name=""/>
+          <p:cNvSpPr/>
+          <p:nvPr/>
+        </p:nvSpPr>
+        <p:spPr>
+          <a:xfrm>
+            <a:off x="3909600" y="3989880"/>
+            <a:ext cx="361800" cy="361440"/>
           </a:xfrm>
           <a:prstGeom prst="rect">
             <a:avLst/>
@@ -2789,7 +2996,7 @@
                 <a:solidFill>
                   <a:srgbClr val="000000"/>
                 </a:solidFill>
-                <a:latin typeface="Arial"/>
+                <a:latin typeface="Times New Roman"/>
                 <a:ea typeface="DejaVu Sans"/>
               </a:rPr>
               <a:t>C</a:t>
@@ -2805,14 +3012,14 @@
       </p:sp>
       <p:sp>
         <p:nvSpPr>
-          <p:cNvPr id="37" name=""/>
+          <p:cNvPr id="35" name=""/>
           <p:cNvSpPr/>
           <p:nvPr/>
         </p:nvSpPr>
         <p:spPr>
           <a:xfrm>
             <a:off x="5904000" y="3896640"/>
-            <a:ext cx="1182600" cy="543960"/>
+            <a:ext cx="1181880" cy="543240"/>
           </a:xfrm>
           <a:prstGeom prst="roundRect">
             <a:avLst>
@@ -2839,36 +3046,40 @@
             <a:noAutofit/>
           </a:bodyPr>
           <a:p>
-            <a:pPr algn="ctr"/>
-            <a:r>
-              <a:rPr b="0" lang="en-US" sz="1800" spc="-1" strike="noStrike">
-                <a:solidFill>
-                  <a:srgbClr val="000000"/>
-                </a:solidFill>
-                <a:latin typeface="Arial"/>
-              </a:rPr>
-              <a:t>(d, n)</a:t>
-            </a:r>
-            <a:endParaRPr b="0" lang="en-US" sz="1800" spc="-1" strike="noStrike">
-              <a:solidFill>
-                <a:srgbClr val="000000"/>
-              </a:solidFill>
-              <a:latin typeface="Arial"/>
-              <a:ea typeface="DejaVu Sans"/>
-            </a:endParaRPr>
-          </a:p>
-        </p:txBody>
-      </p:sp>
-      <p:sp>
-        <p:nvSpPr>
-          <p:cNvPr id="38" name=""/>
+            <a:pPr algn="ctr">
+              <a:lnSpc>
+                <a:spcPct val="100000"/>
+              </a:lnSpc>
+            </a:pPr>
+            <a:r>
+              <a:rPr b="0" lang="en-US" sz="2100" spc="-1" strike="noStrike">
+                <a:solidFill>
+                  <a:srgbClr val="000000"/>
+                </a:solidFill>
+                <a:latin typeface="Times New Roman"/>
+                <a:ea typeface="DejaVu Sans"/>
+              </a:rPr>
+              <a:t>(3, 3)</a:t>
+            </a:r>
+            <a:endParaRPr b="0" lang="en-US" sz="2100" spc="-1" strike="noStrike">
+              <a:solidFill>
+                <a:srgbClr val="000000"/>
+              </a:solidFill>
+              <a:latin typeface="Arial"/>
+            </a:endParaRPr>
+          </a:p>
+        </p:txBody>
+      </p:sp>
+      <p:sp>
+        <p:nvSpPr>
+          <p:cNvPr id="36" name=""/>
           <p:cNvSpPr/>
           <p:nvPr/>
         </p:nvSpPr>
         <p:spPr>
           <a:xfrm>
             <a:off x="6003720" y="4280040"/>
-            <a:ext cx="362520" cy="362160"/>
+            <a:ext cx="361800" cy="361440"/>
           </a:xfrm>
           <a:prstGeom prst="rect">
             <a:avLst/>
@@ -2889,25 +3100,31 @@
             <a:noAutofit/>
           </a:bodyPr>
           <a:p>
-            <a:endParaRPr b="0" lang="en-US" sz="1800" spc="-1" strike="noStrike">
-              <a:solidFill>
-                <a:srgbClr val="000000"/>
-              </a:solidFill>
-              <a:latin typeface="Arial"/>
-            </a:endParaRPr>
-          </a:p>
-        </p:txBody>
-      </p:sp>
-      <p:sp>
-        <p:nvSpPr>
-          <p:cNvPr id="39" name=""/>
+            <a:pPr>
+              <a:lnSpc>
+                <a:spcPct val="100000"/>
+              </a:lnSpc>
+            </a:pPr>
+            <a:endParaRPr b="0" lang="en-US" sz="1800" spc="-1" strike="noStrike">
+              <a:solidFill>
+                <a:srgbClr val="000000"/>
+              </a:solidFill>
+              <a:latin typeface="Arial"/>
+              <a:ea typeface="DejaVu Sans"/>
+            </a:endParaRPr>
+          </a:p>
+        </p:txBody>
+      </p:sp>
+      <p:sp>
+        <p:nvSpPr>
+          <p:cNvPr id="37" name=""/>
           <p:cNvSpPr/>
           <p:nvPr/>
         </p:nvSpPr>
         <p:spPr>
           <a:xfrm>
             <a:off x="6364800" y="3493080"/>
-            <a:ext cx="0" cy="347400"/>
+            <a:ext cx="360" cy="347400"/>
           </a:xfrm>
           <a:prstGeom prst="line">
             <a:avLst/>
@@ -2936,20 +3153,21 @@
                 <a:srgbClr val="000000"/>
               </a:solidFill>
               <a:latin typeface="Arial"/>
-            </a:endParaRPr>
-          </a:p>
-        </p:txBody>
-      </p:sp>
-      <p:sp>
-        <p:nvSpPr>
-          <p:cNvPr id="40" name=""/>
-          <p:cNvSpPr txBox="1"/>
-          <p:nvPr/>
-        </p:nvSpPr>
-        <p:spPr>
-          <a:xfrm>
-            <a:off x="5715000" y="3200400"/>
-            <a:ext cx="1600200" cy="343440"/>
+              <a:ea typeface="DejaVu Sans"/>
+            </a:endParaRPr>
+          </a:p>
+        </p:txBody>
+      </p:sp>
+      <p:sp>
+        <p:nvSpPr>
+          <p:cNvPr id="38" name=""/>
+          <p:cNvSpPr/>
+          <p:nvPr/>
+        </p:nvSpPr>
+        <p:spPr>
+          <a:xfrm>
+            <a:off x="5571000" y="3164400"/>
+            <a:ext cx="1599480" cy="342720"/>
           </a:xfrm>
           <a:prstGeom prst="rect">
             <a:avLst/>
@@ -2959,40 +3177,51 @@
             <a:noFill/>
           </a:ln>
         </p:spPr>
+        <p:style>
+          <a:lnRef idx="0"/>
+          <a:fillRef idx="0"/>
+          <a:effectRef idx="0"/>
+          <a:fontRef idx="minor"/>
+        </p:style>
         <p:txBody>
           <a:bodyPr lIns="90000" rIns="90000" tIns="45000" bIns="45000" anchor="t">
             <a:noAutofit/>
           </a:bodyPr>
           <a:p>
-            <a:pPr algn="ctr"/>
+            <a:pPr algn="ctr">
+              <a:lnSpc>
+                <a:spcPct val="100000"/>
+              </a:lnSpc>
+            </a:pPr>
             <a:r>
               <a:rPr b="0" lang="en-US" sz="1800" spc="-1" strike="noStrike">
                 <a:solidFill>
                   <a:srgbClr val="000000"/>
                 </a:solidFill>
                 <a:latin typeface="Times New Roman"/>
-              </a:rPr>
-              <a:t>Jump Distance</a:t>
-            </a:r>
-            <a:endParaRPr b="0" lang="en-US" sz="1800" spc="-1" strike="noStrike">
-              <a:solidFill>
-                <a:srgbClr val="000000"/>
-              </a:solidFill>
-              <a:latin typeface="Times New Roman"/>
-            </a:endParaRPr>
-          </a:p>
-        </p:txBody>
-      </p:sp>
-      <p:sp>
-        <p:nvSpPr>
-          <p:cNvPr id="41" name=""/>
+                <a:ea typeface="DejaVu Sans"/>
+              </a:rPr>
+              <a:t>Depth</a:t>
+            </a:r>
+            <a:endParaRPr b="0" lang="en-US" sz="1800" spc="-1" strike="noStrike">
+              <a:solidFill>
+                <a:srgbClr val="000000"/>
+              </a:solidFill>
+              <a:latin typeface="Arial"/>
+            </a:endParaRPr>
+          </a:p>
+        </p:txBody>
+      </p:sp>
+      <p:sp>
+        <p:nvSpPr>
+          <p:cNvPr id="39" name=""/>
           <p:cNvSpPr/>
           <p:nvPr/>
         </p:nvSpPr>
         <p:spPr>
           <a:xfrm flipV="1">
             <a:off x="6616800" y="4532040"/>
-            <a:ext cx="0" cy="347400"/>
+            <a:ext cx="360" cy="347400"/>
           </a:xfrm>
           <a:prstGeom prst="line">
             <a:avLst/>
@@ -3021,20 +3250,21 @@
                 <a:srgbClr val="000000"/>
               </a:solidFill>
               <a:latin typeface="Arial"/>
-            </a:endParaRPr>
-          </a:p>
-        </p:txBody>
-      </p:sp>
-      <p:sp>
-        <p:nvSpPr>
-          <p:cNvPr id="42" name=""/>
-          <p:cNvSpPr txBox="1"/>
+              <a:ea typeface="DejaVu Sans"/>
+            </a:endParaRPr>
+          </a:p>
+        </p:txBody>
+      </p:sp>
+      <p:sp>
+        <p:nvSpPr>
+          <p:cNvPr id="40" name=""/>
+          <p:cNvSpPr/>
           <p:nvPr/>
         </p:nvSpPr>
         <p:spPr>
           <a:xfrm>
             <a:off x="5967360" y="4820400"/>
-            <a:ext cx="1600200" cy="343440"/>
+            <a:ext cx="1599480" cy="342720"/>
           </a:xfrm>
           <a:prstGeom prst="rect">
             <a:avLst/>
@@ -3044,18 +3274,29 @@
             <a:noFill/>
           </a:ln>
         </p:spPr>
+        <p:style>
+          <a:lnRef idx="0"/>
+          <a:fillRef idx="0"/>
+          <a:effectRef idx="0"/>
+          <a:fontRef idx="minor"/>
+        </p:style>
         <p:txBody>
           <a:bodyPr lIns="90000" rIns="90000" tIns="45000" bIns="45000" anchor="t">
             <a:noAutofit/>
           </a:bodyPr>
           <a:p>
-            <a:pPr algn="ctr"/>
+            <a:pPr algn="ctr">
+              <a:lnSpc>
+                <a:spcPct val="100000"/>
+              </a:lnSpc>
+            </a:pPr>
             <a:r>
               <a:rPr b="0" lang="en-US" sz="1800" spc="-1" strike="noStrike">
                 <a:solidFill>
                   <a:srgbClr val="000000"/>
                 </a:solidFill>
                 <a:latin typeface="Times New Roman"/>
+                <a:ea typeface="DejaVu Sans"/>
               </a:rPr>
               <a:t>Read Length</a:t>
             </a:r>
@@ -3063,63 +3304,21 @@
               <a:solidFill>
                 <a:srgbClr val="000000"/>
               </a:solidFill>
-              <a:latin typeface="Times New Roman"/>
-            </a:endParaRPr>
-          </a:p>
-        </p:txBody>
-      </p:sp>
-      <p:sp>
-        <p:nvSpPr>
-          <p:cNvPr id="43" name=""/>
-          <p:cNvSpPr/>
-          <p:nvPr/>
-        </p:nvSpPr>
-        <p:spPr>
-          <a:xfrm>
-            <a:off x="4967280" y="4201920"/>
-            <a:ext cx="347400" cy="0"/>
-          </a:xfrm>
-          <a:prstGeom prst="line">
-            <a:avLst/>
-          </a:prstGeom>
-          <a:ln w="19080">
-            <a:solidFill>
-              <a:srgbClr val="000000"/>
-            </a:solidFill>
-            <a:round/>
-            <a:tailEnd len="med" type="triangle" w="med"/>
-          </a:ln>
-        </p:spPr>
-        <p:style>
-          <a:lnRef idx="0"/>
-          <a:fillRef idx="0"/>
-          <a:effectRef idx="0"/>
-          <a:fontRef idx="minor"/>
-        </p:style>
-        <p:txBody>
-          <a:bodyPr lIns="99360" rIns="99360" tIns="-54360" bIns="-54360" anchor="ctr">
-            <a:noAutofit/>
-          </a:bodyPr>
-          <a:p>
-            <a:endParaRPr b="0" lang="en-US" sz="1800" spc="-1" strike="noStrike">
-              <a:solidFill>
-                <a:srgbClr val="000000"/>
-              </a:solidFill>
-              <a:latin typeface="Arial"/>
-            </a:endParaRPr>
-          </a:p>
-        </p:txBody>
-      </p:sp>
-      <p:sp>
-        <p:nvSpPr>
-          <p:cNvPr id="44" name=""/>
+              <a:latin typeface="Arial"/>
+            </a:endParaRPr>
+          </a:p>
+        </p:txBody>
+      </p:sp>
+      <p:sp>
+        <p:nvSpPr>
+          <p:cNvPr id="41" name=""/>
           <p:cNvSpPr/>
           <p:nvPr/>
         </p:nvSpPr>
         <p:spPr>
           <a:xfrm>
             <a:off x="468000" y="1128600"/>
-            <a:ext cx="9132480" cy="1385280"/>
+            <a:ext cx="9131760" cy="1384560"/>
           </a:xfrm>
           <a:prstGeom prst="rect">
             <a:avLst/>
@@ -3202,7 +3401,7 @@
       </p:grpSpPr>
       <p:sp>
         <p:nvSpPr>
-          <p:cNvPr id="45" name="Straight Connector 4"/>
+          <p:cNvPr id="42" name="Straight Connector 9"/>
           <p:cNvSpPr/>
           <p:nvPr/>
         </p:nvSpPr>
@@ -3244,14 +3443,14 @@
       </p:sp>
       <p:sp>
         <p:nvSpPr>
-          <p:cNvPr id="46" name="PlaceHolder 3"/>
-          <p:cNvSpPr/>
-          <p:nvPr/>
-        </p:nvSpPr>
-        <p:spPr>
-          <a:xfrm>
-            <a:off x="914400" y="0"/>
-            <a:ext cx="8237160" cy="913680"/>
+          <p:cNvPr id="43" name="PlaceHolder 7"/>
+          <p:cNvSpPr/>
+          <p:nvPr/>
+        </p:nvSpPr>
+        <p:spPr>
+          <a:xfrm>
+            <a:off x="921960" y="0"/>
+            <a:ext cx="8236440" cy="912960"/>
           </a:xfrm>
           <a:prstGeom prst="rect">
             <a:avLst/>
@@ -3288,7 +3487,7 @@
                 <a:latin typeface="Times New Roman"/>
                 <a:ea typeface="DejaVu Sans"/>
               </a:rPr>
-              <a:t>The “Sliding Window”</a:t>
+              <a:t>It’s Rude to Point</a:t>
             </a:r>
             <a:br>
               <a:rPr sz="2800"/>
@@ -3304,14 +3503,682 @@
       </p:sp>
       <p:sp>
         <p:nvSpPr>
+          <p:cNvPr id="44" name=""/>
+          <p:cNvSpPr/>
+          <p:nvPr/>
+        </p:nvSpPr>
+        <p:spPr>
+          <a:xfrm>
+            <a:off x="9664920" y="5258160"/>
+            <a:ext cx="3821760" cy="426240"/>
+          </a:xfrm>
+          <a:prstGeom prst="rect">
+            <a:avLst/>
+          </a:prstGeom>
+          <a:noFill/>
+          <a:ln w="0">
+            <a:noFill/>
+          </a:ln>
+        </p:spPr>
+        <p:style>
+          <a:lnRef idx="0"/>
+          <a:fillRef idx="0"/>
+          <a:effectRef idx="0"/>
+          <a:fontRef idx="minor"/>
+        </p:style>
+        <p:txBody>
+          <a:bodyPr lIns="90000" rIns="90000" tIns="45000" bIns="45000" anchor="t">
+            <a:noAutofit/>
+          </a:bodyPr>
+          <a:p>
+            <a:pPr>
+              <a:lnSpc>
+                <a:spcPct val="100000"/>
+              </a:lnSpc>
+            </a:pPr>
+            <a:r>
+              <a:rPr b="0" lang="en-US" sz="2400" spc="-1" strike="noStrike">
+                <a:solidFill>
+                  <a:srgbClr val="000000"/>
+                </a:solidFill>
+                <a:latin typeface="Times New Roman"/>
+                <a:ea typeface="DejaVu Sans"/>
+              </a:rPr>
+              <a:t>4</a:t>
+            </a:r>
+            <a:endParaRPr b="0" lang="en-US" sz="2400" spc="-1" strike="noStrike">
+              <a:solidFill>
+                <a:srgbClr val="000000"/>
+              </a:solidFill>
+              <a:latin typeface="Arial"/>
+            </a:endParaRPr>
+          </a:p>
+        </p:txBody>
+      </p:sp>
+      <p:sp>
+        <p:nvSpPr>
+          <p:cNvPr id="45" name=""/>
+          <p:cNvSpPr/>
+          <p:nvPr/>
+        </p:nvSpPr>
+        <p:spPr>
+          <a:xfrm>
+            <a:off x="1828800" y="3896640"/>
+            <a:ext cx="1134720" cy="543240"/>
+          </a:xfrm>
+          <a:prstGeom prst="roundRect">
+            <a:avLst>
+              <a:gd name="adj" fmla="val 16667"/>
+            </a:avLst>
+          </a:prstGeom>
+          <a:solidFill>
+            <a:srgbClr val="729fcf"/>
+          </a:solidFill>
+          <a:ln w="0">
+            <a:solidFill>
+              <a:srgbClr val="3465a4"/>
+            </a:solidFill>
+          </a:ln>
+        </p:spPr>
+        <p:style>
+          <a:lnRef idx="0"/>
+          <a:fillRef idx="0"/>
+          <a:effectRef idx="0"/>
+          <a:fontRef idx="minor"/>
+        </p:style>
+        <p:txBody>
+          <a:bodyPr lIns="90000" rIns="90000" tIns="45000" bIns="45000" anchor="ctr">
+            <a:noAutofit/>
+          </a:bodyPr>
+          <a:p>
+            <a:pPr>
+              <a:lnSpc>
+                <a:spcPct val="100000"/>
+              </a:lnSpc>
+            </a:pPr>
+            <a:endParaRPr b="0" lang="en-US" sz="1800" spc="-1" strike="noStrike">
+              <a:solidFill>
+                <a:srgbClr val="000000"/>
+              </a:solidFill>
+              <a:latin typeface="Arial"/>
+              <a:ea typeface="DejaVu Sans"/>
+            </a:endParaRPr>
+          </a:p>
+        </p:txBody>
+      </p:sp>
+      <p:sp>
+        <p:nvSpPr>
+          <p:cNvPr id="46" name=""/>
+          <p:cNvSpPr/>
+          <p:nvPr/>
+        </p:nvSpPr>
+        <p:spPr>
+          <a:xfrm>
+            <a:off x="3692160" y="3896640"/>
+            <a:ext cx="724680" cy="543240"/>
+          </a:xfrm>
+          <a:prstGeom prst="roundRect">
+            <a:avLst>
+              <a:gd name="adj" fmla="val 16667"/>
+            </a:avLst>
+          </a:prstGeom>
+          <a:solidFill>
+            <a:srgbClr val="729fcf"/>
+          </a:solidFill>
+          <a:ln w="0">
+            <a:solidFill>
+              <a:srgbClr val="3465a4"/>
+            </a:solidFill>
+          </a:ln>
+        </p:spPr>
+        <p:style>
+          <a:lnRef idx="0"/>
+          <a:fillRef idx="0"/>
+          <a:effectRef idx="0"/>
+          <a:fontRef idx="minor"/>
+        </p:style>
+        <p:txBody>
+          <a:bodyPr lIns="90000" rIns="90000" tIns="45000" bIns="45000" anchor="ctr">
+            <a:noAutofit/>
+          </a:bodyPr>
+          <a:p>
+            <a:pPr>
+              <a:lnSpc>
+                <a:spcPct val="100000"/>
+              </a:lnSpc>
+            </a:pPr>
+            <a:endParaRPr b="0" lang="en-US" sz="1800" spc="-1" strike="noStrike">
+              <a:solidFill>
+                <a:srgbClr val="000000"/>
+              </a:solidFill>
+              <a:latin typeface="Arial"/>
+              <a:ea typeface="DejaVu Sans"/>
+            </a:endParaRPr>
+          </a:p>
+        </p:txBody>
+      </p:sp>
+      <p:sp>
+        <p:nvSpPr>
           <p:cNvPr id="47" name=""/>
           <p:cNvSpPr/>
           <p:nvPr/>
         </p:nvSpPr>
         <p:spPr>
           <a:xfrm>
+            <a:off x="2965320" y="3896640"/>
+            <a:ext cx="724680" cy="543240"/>
+          </a:xfrm>
+          <a:prstGeom prst="roundRect">
+            <a:avLst>
+              <a:gd name="adj" fmla="val 16667"/>
+            </a:avLst>
+          </a:prstGeom>
+          <a:solidFill>
+            <a:srgbClr val="729fcf"/>
+          </a:solidFill>
+          <a:ln w="0">
+            <a:solidFill>
+              <a:srgbClr val="3465a4"/>
+            </a:solidFill>
+          </a:ln>
+        </p:spPr>
+        <p:style>
+          <a:lnRef idx="0"/>
+          <a:fillRef idx="0"/>
+          <a:effectRef idx="0"/>
+          <a:fontRef idx="minor"/>
+        </p:style>
+        <p:txBody>
+          <a:bodyPr lIns="90000" rIns="90000" tIns="45000" bIns="45000" anchor="ctr">
+            <a:noAutofit/>
+          </a:bodyPr>
+          <a:p>
+            <a:pPr>
+              <a:lnSpc>
+                <a:spcPct val="100000"/>
+              </a:lnSpc>
+            </a:pPr>
+            <a:endParaRPr b="0" lang="en-US" sz="1800" spc="-1" strike="noStrike">
+              <a:solidFill>
+                <a:srgbClr val="000000"/>
+              </a:solidFill>
+              <a:latin typeface="Arial"/>
+              <a:ea typeface="DejaVu Sans"/>
+            </a:endParaRPr>
+          </a:p>
+        </p:txBody>
+      </p:sp>
+      <p:sp>
+        <p:nvSpPr>
+          <p:cNvPr id="48" name=""/>
+          <p:cNvSpPr/>
+          <p:nvPr/>
+        </p:nvSpPr>
+        <p:spPr>
+          <a:xfrm>
+            <a:off x="1828800" y="3989880"/>
+            <a:ext cx="1134720" cy="361440"/>
+          </a:xfrm>
+          <a:prstGeom prst="rect">
+            <a:avLst/>
+          </a:prstGeom>
+          <a:noFill/>
+          <a:ln w="0">
+            <a:noFill/>
+          </a:ln>
+        </p:spPr>
+        <p:style>
+          <a:lnRef idx="0"/>
+          <a:fillRef idx="0"/>
+          <a:effectRef idx="0"/>
+          <a:fontRef idx="minor"/>
+        </p:style>
+        <p:txBody>
+          <a:bodyPr lIns="90000" rIns="90000" tIns="45000" bIns="45000" anchor="t">
+            <a:noAutofit/>
+          </a:bodyPr>
+          <a:p>
+            <a:pPr algn="ctr">
+              <a:lnSpc>
+                <a:spcPct val="100000"/>
+              </a:lnSpc>
+            </a:pPr>
+            <a:r>
+              <a:rPr b="0" lang="en-US" sz="1800" spc="-1" strike="noStrike">
+                <a:solidFill>
+                  <a:srgbClr val="000000"/>
+                </a:solidFill>
+                <a:latin typeface="Times New Roman"/>
+                <a:ea typeface="DejaVu Sans"/>
+              </a:rPr>
+              <a:t>(0,  0, A)</a:t>
+            </a:r>
+            <a:endParaRPr b="0" lang="en-US" sz="1800" spc="-1" strike="noStrike">
+              <a:solidFill>
+                <a:srgbClr val="000000"/>
+              </a:solidFill>
+              <a:latin typeface="Arial"/>
+            </a:endParaRPr>
+          </a:p>
+        </p:txBody>
+      </p:sp>
+      <p:sp>
+        <p:nvSpPr>
+          <p:cNvPr id="49" name=""/>
+          <p:cNvSpPr/>
+          <p:nvPr/>
+        </p:nvSpPr>
+        <p:spPr>
+          <a:xfrm>
+            <a:off x="3182760" y="3989880"/>
+            <a:ext cx="361800" cy="361440"/>
+          </a:xfrm>
+          <a:prstGeom prst="rect">
+            <a:avLst/>
+          </a:prstGeom>
+          <a:noFill/>
+          <a:ln w="0">
+            <a:noFill/>
+          </a:ln>
+        </p:spPr>
+        <p:style>
+          <a:lnRef idx="0"/>
+          <a:fillRef idx="0"/>
+          <a:effectRef idx="0"/>
+          <a:fontRef idx="minor"/>
+        </p:style>
+        <p:txBody>
+          <a:bodyPr lIns="90000" rIns="90000" tIns="45000" bIns="45000" anchor="t">
+            <a:noAutofit/>
+          </a:bodyPr>
+          <a:p>
+            <a:pPr>
+              <a:lnSpc>
+                <a:spcPct val="100000"/>
+              </a:lnSpc>
+            </a:pPr>
+            <a:r>
+              <a:rPr b="0" lang="en-US" sz="1800" spc="-1" strike="noStrike">
+                <a:solidFill>
+                  <a:srgbClr val="000000"/>
+                </a:solidFill>
+                <a:latin typeface="Times New Roman"/>
+                <a:ea typeface="DejaVu Sans"/>
+              </a:rPr>
+              <a:t>B</a:t>
+            </a:r>
+            <a:endParaRPr b="0" lang="en-US" sz="1800" spc="-1" strike="noStrike">
+              <a:solidFill>
+                <a:srgbClr val="000000"/>
+              </a:solidFill>
+              <a:latin typeface="Arial"/>
+            </a:endParaRPr>
+          </a:p>
+        </p:txBody>
+      </p:sp>
+      <p:sp>
+        <p:nvSpPr>
+          <p:cNvPr id="50" name=""/>
+          <p:cNvSpPr/>
+          <p:nvPr/>
+        </p:nvSpPr>
+        <p:spPr>
+          <a:xfrm>
+            <a:off x="3909600" y="3989880"/>
+            <a:ext cx="361800" cy="361440"/>
+          </a:xfrm>
+          <a:prstGeom prst="rect">
+            <a:avLst/>
+          </a:prstGeom>
+          <a:noFill/>
+          <a:ln w="0">
+            <a:noFill/>
+          </a:ln>
+        </p:spPr>
+        <p:style>
+          <a:lnRef idx="0"/>
+          <a:fillRef idx="0"/>
+          <a:effectRef idx="0"/>
+          <a:fontRef idx="minor"/>
+        </p:style>
+        <p:txBody>
+          <a:bodyPr lIns="90000" rIns="90000" tIns="45000" bIns="45000" anchor="t">
+            <a:noAutofit/>
+          </a:bodyPr>
+          <a:p>
+            <a:pPr>
+              <a:lnSpc>
+                <a:spcPct val="100000"/>
+              </a:lnSpc>
+            </a:pPr>
+            <a:r>
+              <a:rPr b="0" lang="en-US" sz="1800" spc="-1" strike="noStrike">
+                <a:solidFill>
+                  <a:srgbClr val="000000"/>
+                </a:solidFill>
+                <a:latin typeface="Times New Roman"/>
+                <a:ea typeface="DejaVu Sans"/>
+              </a:rPr>
+              <a:t>C</a:t>
+            </a:r>
+            <a:endParaRPr b="0" lang="en-US" sz="1800" spc="-1" strike="noStrike">
+              <a:solidFill>
+                <a:srgbClr val="000000"/>
+              </a:solidFill>
+              <a:latin typeface="Arial"/>
+            </a:endParaRPr>
+          </a:p>
+        </p:txBody>
+      </p:sp>
+      <p:sp>
+        <p:nvSpPr>
+          <p:cNvPr id="51" name=""/>
+          <p:cNvSpPr/>
+          <p:nvPr/>
+        </p:nvSpPr>
+        <p:spPr>
+          <a:xfrm>
+            <a:off x="5904000" y="3896640"/>
+            <a:ext cx="1181880" cy="543240"/>
+          </a:xfrm>
+          <a:prstGeom prst="roundRect">
+            <a:avLst>
+              <a:gd name="adj" fmla="val 16667"/>
+            </a:avLst>
+          </a:prstGeom>
+          <a:solidFill>
+            <a:srgbClr val="77bc65"/>
+          </a:solidFill>
+          <a:ln w="0">
+            <a:solidFill>
+              <a:srgbClr val="3465a4"/>
+            </a:solidFill>
+          </a:ln>
+        </p:spPr>
+        <p:style>
+          <a:lnRef idx="0"/>
+          <a:fillRef idx="0"/>
+          <a:effectRef idx="0"/>
+          <a:fontRef idx="minor"/>
+        </p:style>
+        <p:txBody>
+          <a:bodyPr lIns="90000" rIns="90000" tIns="45000" bIns="45000" anchor="ctr">
+            <a:noAutofit/>
+          </a:bodyPr>
+          <a:p>
+            <a:pPr algn="ctr">
+              <a:lnSpc>
+                <a:spcPct val="100000"/>
+              </a:lnSpc>
+            </a:pPr>
+            <a:r>
+              <a:rPr b="0" lang="en-US" sz="2100" spc="-1" strike="noStrike">
+                <a:solidFill>
+                  <a:srgbClr val="000000"/>
+                </a:solidFill>
+                <a:latin typeface="Times New Roman"/>
+                <a:ea typeface="DejaVu Sans"/>
+              </a:rPr>
+              <a:t>(3, 3)</a:t>
+            </a:r>
+            <a:endParaRPr b="0" lang="en-US" sz="2100" spc="-1" strike="noStrike">
+              <a:solidFill>
+                <a:srgbClr val="000000"/>
+              </a:solidFill>
+              <a:latin typeface="Arial"/>
+            </a:endParaRPr>
+          </a:p>
+        </p:txBody>
+      </p:sp>
+      <p:sp>
+        <p:nvSpPr>
+          <p:cNvPr id="52" name=""/>
+          <p:cNvSpPr/>
+          <p:nvPr/>
+        </p:nvSpPr>
+        <p:spPr>
+          <a:xfrm>
+            <a:off x="6003720" y="4280040"/>
+            <a:ext cx="361800" cy="361440"/>
+          </a:xfrm>
+          <a:prstGeom prst="rect">
+            <a:avLst/>
+          </a:prstGeom>
+          <a:noFill/>
+          <a:ln w="0">
+            <a:noFill/>
+          </a:ln>
+        </p:spPr>
+        <p:style>
+          <a:lnRef idx="0"/>
+          <a:fillRef idx="0"/>
+          <a:effectRef idx="0"/>
+          <a:fontRef idx="minor"/>
+        </p:style>
+        <p:txBody>
+          <a:bodyPr lIns="90000" rIns="90000" tIns="45000" bIns="45000" anchor="t">
+            <a:noAutofit/>
+          </a:bodyPr>
+          <a:p>
+            <a:pPr>
+              <a:lnSpc>
+                <a:spcPct val="100000"/>
+              </a:lnSpc>
+            </a:pPr>
+            <a:endParaRPr b="0" lang="en-US" sz="1800" spc="-1" strike="noStrike">
+              <a:solidFill>
+                <a:srgbClr val="000000"/>
+              </a:solidFill>
+              <a:latin typeface="Arial"/>
+              <a:ea typeface="DejaVu Sans"/>
+            </a:endParaRPr>
+          </a:p>
+        </p:txBody>
+      </p:sp>
+      <p:sp>
+        <p:nvSpPr>
+          <p:cNvPr id="53" name=""/>
+          <p:cNvSpPr/>
+          <p:nvPr/>
+        </p:nvSpPr>
+        <p:spPr>
+          <a:xfrm>
+            <a:off x="6364800" y="3493080"/>
+            <a:ext cx="360" cy="347400"/>
+          </a:xfrm>
+          <a:prstGeom prst="line">
+            <a:avLst/>
+          </a:prstGeom>
+          <a:ln w="19080">
+            <a:solidFill>
+              <a:srgbClr val="3465a4"/>
+            </a:solidFill>
+            <a:round/>
+            <a:tailEnd len="med" type="triangle" w="med"/>
+          </a:ln>
+        </p:spPr>
+        <p:style>
+          <a:lnRef idx="0"/>
+          <a:fillRef idx="0"/>
+          <a:effectRef idx="0"/>
+          <a:fontRef idx="minor"/>
+        </p:style>
+        <p:txBody>
+          <a:bodyPr lIns="99360" rIns="99360" tIns="54360" bIns="54360" anchor="ctr">
+            <a:noAutofit/>
+          </a:bodyPr>
+          <a:p>
+            <a:endParaRPr b="0" lang="en-US" sz="1800" spc="-1" strike="noStrike">
+              <a:solidFill>
+                <a:srgbClr val="000000"/>
+              </a:solidFill>
+              <a:latin typeface="Arial"/>
+              <a:ea typeface="DejaVu Sans"/>
+            </a:endParaRPr>
+          </a:p>
+        </p:txBody>
+      </p:sp>
+      <p:sp>
+        <p:nvSpPr>
+          <p:cNvPr id="54" name=""/>
+          <p:cNvSpPr/>
+          <p:nvPr/>
+        </p:nvSpPr>
+        <p:spPr>
+          <a:xfrm>
+            <a:off x="5571000" y="3164400"/>
+            <a:ext cx="1599480" cy="342720"/>
+          </a:xfrm>
+          <a:prstGeom prst="rect">
+            <a:avLst/>
+          </a:prstGeom>
+          <a:noFill/>
+          <a:ln w="0">
+            <a:noFill/>
+          </a:ln>
+        </p:spPr>
+        <p:style>
+          <a:lnRef idx="0"/>
+          <a:fillRef idx="0"/>
+          <a:effectRef idx="0"/>
+          <a:fontRef idx="minor"/>
+        </p:style>
+        <p:txBody>
+          <a:bodyPr lIns="90000" rIns="90000" tIns="45000" bIns="45000" anchor="t">
+            <a:noAutofit/>
+          </a:bodyPr>
+          <a:p>
+            <a:pPr algn="ctr">
+              <a:lnSpc>
+                <a:spcPct val="100000"/>
+              </a:lnSpc>
+            </a:pPr>
+            <a:r>
+              <a:rPr b="0" lang="en-US" sz="1800" spc="-1" strike="noStrike">
+                <a:solidFill>
+                  <a:srgbClr val="000000"/>
+                </a:solidFill>
+                <a:latin typeface="Times New Roman"/>
+                <a:ea typeface="DejaVu Sans"/>
+              </a:rPr>
+              <a:t>Depth</a:t>
+            </a:r>
+            <a:endParaRPr b="0" lang="en-US" sz="1800" spc="-1" strike="noStrike">
+              <a:solidFill>
+                <a:srgbClr val="000000"/>
+              </a:solidFill>
+              <a:latin typeface="Arial"/>
+            </a:endParaRPr>
+          </a:p>
+        </p:txBody>
+      </p:sp>
+      <p:sp>
+        <p:nvSpPr>
+          <p:cNvPr id="55" name=""/>
+          <p:cNvSpPr/>
+          <p:nvPr/>
+        </p:nvSpPr>
+        <p:spPr>
+          <a:xfrm flipV="1">
+            <a:off x="6616800" y="4532040"/>
+            <a:ext cx="360" cy="347400"/>
+          </a:xfrm>
+          <a:prstGeom prst="line">
+            <a:avLst/>
+          </a:prstGeom>
+          <a:ln w="19080">
+            <a:solidFill>
+              <a:srgbClr val="3465a4"/>
+            </a:solidFill>
+            <a:round/>
+            <a:tailEnd len="med" type="triangle" w="med"/>
+          </a:ln>
+        </p:spPr>
+        <p:style>
+          <a:lnRef idx="0"/>
+          <a:fillRef idx="0"/>
+          <a:effectRef idx="0"/>
+          <a:fontRef idx="minor"/>
+        </p:style>
+        <p:txBody>
+          <a:bodyPr lIns="99360" rIns="99360" tIns="54360" bIns="54360" anchor="ctr">
+            <a:noAutofit/>
+          </a:bodyPr>
+          <a:p>
+            <a:endParaRPr b="0" lang="en-US" sz="1800" spc="-1" strike="noStrike">
+              <a:solidFill>
+                <a:srgbClr val="000000"/>
+              </a:solidFill>
+              <a:latin typeface="Arial"/>
+              <a:ea typeface="DejaVu Sans"/>
+            </a:endParaRPr>
+          </a:p>
+        </p:txBody>
+      </p:sp>
+      <p:sp>
+        <p:nvSpPr>
+          <p:cNvPr id="56" name=""/>
+          <p:cNvSpPr/>
+          <p:nvPr/>
+        </p:nvSpPr>
+        <p:spPr>
+          <a:xfrm>
+            <a:off x="5967360" y="4820400"/>
+            <a:ext cx="1599480" cy="342720"/>
+          </a:xfrm>
+          <a:prstGeom prst="rect">
+            <a:avLst/>
+          </a:prstGeom>
+          <a:noFill/>
+          <a:ln w="0">
+            <a:noFill/>
+          </a:ln>
+        </p:spPr>
+        <p:style>
+          <a:lnRef idx="0"/>
+          <a:fillRef idx="0"/>
+          <a:effectRef idx="0"/>
+          <a:fontRef idx="minor"/>
+        </p:style>
+        <p:txBody>
+          <a:bodyPr lIns="90000" rIns="90000" tIns="45000" bIns="45000" anchor="t">
+            <a:noAutofit/>
+          </a:bodyPr>
+          <a:p>
+            <a:pPr algn="ctr">
+              <a:lnSpc>
+                <a:spcPct val="100000"/>
+              </a:lnSpc>
+            </a:pPr>
+            <a:r>
+              <a:rPr b="0" lang="en-US" sz="1800" spc="-1" strike="noStrike">
+                <a:solidFill>
+                  <a:srgbClr val="000000"/>
+                </a:solidFill>
+                <a:latin typeface="Times New Roman"/>
+                <a:ea typeface="DejaVu Sans"/>
+              </a:rPr>
+              <a:t>Read Length</a:t>
+            </a:r>
+            <a:endParaRPr b="0" lang="en-US" sz="1800" spc="-1" strike="noStrike">
+              <a:solidFill>
+                <a:srgbClr val="000000"/>
+              </a:solidFill>
+              <a:latin typeface="Arial"/>
+            </a:endParaRPr>
+          </a:p>
+        </p:txBody>
+      </p:sp>
+      <p:sp>
+        <p:nvSpPr>
+          <p:cNvPr id="57" name=""/>
+          <p:cNvSpPr/>
+          <p:nvPr/>
+        </p:nvSpPr>
+        <p:spPr>
+          <a:xfrm>
             <a:off x="468000" y="1128600"/>
-            <a:ext cx="9132480" cy="1385280"/>
+            <a:ext cx="9131760" cy="1384560"/>
           </a:xfrm>
           <a:prstGeom prst="rect">
             <a:avLst/>
@@ -3344,6 +4211,227 @@
               <a:buChar char=""/>
             </a:pPr>
             <a:r>
+              <a:rPr b="0" lang="en-US" sz="2400" spc="-1" strike="noStrike">
+                <a:solidFill>
+                  <a:srgbClr val="000000"/>
+                </a:solidFill>
+                <a:latin typeface="Times New Roman"/>
+                <a:ea typeface="DejaVu Sans"/>
+              </a:rPr>
+              <a:t>Matching characters are replaced with pointers to earlier occurances</a:t>
+            </a:r>
+            <a:endParaRPr b="0" lang="en-US" sz="2400" spc="-1" strike="noStrike">
+              <a:solidFill>
+                <a:srgbClr val="000000"/>
+              </a:solidFill>
+              <a:latin typeface="Arial"/>
+            </a:endParaRPr>
+          </a:p>
+          <a:p>
+            <a:pPr marL="216000" indent="-216000">
+              <a:lnSpc>
+                <a:spcPct val="150000"/>
+              </a:lnSpc>
+              <a:buClr>
+                <a:srgbClr val="000000"/>
+              </a:buClr>
+              <a:buSzPct val="45000"/>
+              <a:buFont typeface="Wingdings" charset="2"/>
+              <a:buChar char=""/>
+            </a:pPr>
+            <a:r>
+              <a:rPr b="0" lang="en-US" sz="2400" spc="-1" strike="noStrike">
+                <a:solidFill>
+                  <a:srgbClr val="000000"/>
+                </a:solidFill>
+                <a:latin typeface="Times New Roman"/>
+                <a:ea typeface="DejaVu Sans"/>
+              </a:rPr>
+              <a:t>Unique characters are set as zero and include their respective character</a:t>
+            </a:r>
+            <a:endParaRPr b="0" lang="en-US" sz="2400" spc="-1" strike="noStrike">
+              <a:solidFill>
+                <a:srgbClr val="000000"/>
+              </a:solidFill>
+              <a:latin typeface="Arial"/>
+            </a:endParaRPr>
+          </a:p>
+        </p:txBody>
+      </p:sp>
+    </p:spTree>
+  </p:cSld>
+  <mc:AlternateContent>
+    <mc:Choice Requires="p14">
+      <p:transition spd="slow" p14:dur="2000"/>
+    </mc:Choice>
+    <mc:Fallback>
+      <p:transition spd="slow"/>
+    </mc:Fallback>
+  </mc:AlternateContent>
+</p:sld>
+</file>
+
+<file path=ppt/slides/slide6.xml><?xml version="1.0" encoding="utf-8"?>
+<p:sld xmlns:a="http://schemas.openxmlformats.org/drawingml/2006/main" xmlns:p="http://schemas.openxmlformats.org/presentationml/2006/main" xmlns:r="http://schemas.openxmlformats.org/officeDocument/2006/relationships" xmlns:p14="http://schemas.microsoft.com/office/powerpoint/2010/main" xmlns:p15="http://schemas.microsoft.com/office/powerpoint/2012/main" xmlns:mc="http://schemas.openxmlformats.org/markup-compatibility/2006">
+  <p:cSld>
+    <p:spTree>
+      <p:nvGrpSpPr>
+        <p:cNvPr id="1" name=""/>
+        <p:cNvGrpSpPr/>
+        <p:nvPr/>
+      </p:nvGrpSpPr>
+      <p:grpSpPr>
+        <a:xfrm>
+          <a:off x="0" y="0"/>
+          <a:ext cx="0" cy="0"/>
+          <a:chOff x="0" y="0"/>
+          <a:chExt cx="0" cy="0"/>
+        </a:xfrm>
+      </p:grpSpPr>
+      <p:sp>
+        <p:nvSpPr>
+          <p:cNvPr id="58" name="Straight Connector 4"/>
+          <p:cNvSpPr/>
+          <p:nvPr/>
+        </p:nvSpPr>
+        <p:spPr>
+          <a:xfrm>
+            <a:off x="468000" y="1128600"/>
+            <a:ext cx="9144000" cy="360"/>
+          </a:xfrm>
+          <a:prstGeom prst="line">
+            <a:avLst/>
+          </a:prstGeom>
+          <a:ln w="57240">
+            <a:solidFill>
+              <a:srgbClr val="ed7d31"/>
+            </a:solidFill>
+            <a:miter/>
+          </a:ln>
+        </p:spPr>
+        <p:style>
+          <a:lnRef idx="0"/>
+          <a:fillRef idx="0"/>
+          <a:effectRef idx="0"/>
+          <a:fontRef idx="minor"/>
+        </p:style>
+        <p:txBody>
+          <a:bodyPr lIns="90000" rIns="90000" tIns="-44640" bIns="-44640" anchor="t" anchorCtr="1">
+            <a:noAutofit/>
+          </a:bodyPr>
+          <a:p>
+            <a:endParaRPr b="0" lang="en-US" sz="1800" spc="-1" strike="noStrike">
+              <a:solidFill>
+                <a:srgbClr val="000000"/>
+              </a:solidFill>
+              <a:latin typeface="Arial"/>
+              <a:ea typeface="DejaVu Sans"/>
+            </a:endParaRPr>
+          </a:p>
+        </p:txBody>
+      </p:sp>
+      <p:sp>
+        <p:nvSpPr>
+          <p:cNvPr id="59" name="PlaceHolder 3"/>
+          <p:cNvSpPr/>
+          <p:nvPr/>
+        </p:nvSpPr>
+        <p:spPr>
+          <a:xfrm>
+            <a:off x="914400" y="0"/>
+            <a:ext cx="8236440" cy="912960"/>
+          </a:xfrm>
+          <a:prstGeom prst="rect">
+            <a:avLst/>
+          </a:prstGeom>
+          <a:noFill/>
+          <a:ln w="9360">
+            <a:noFill/>
+          </a:ln>
+        </p:spPr>
+        <p:style>
+          <a:lnRef idx="0"/>
+          <a:fillRef idx="0"/>
+          <a:effectRef idx="0"/>
+          <a:fontRef idx="minor"/>
+        </p:style>
+        <p:txBody>
+          <a:bodyPr numCol="1" spcCol="0" lIns="90000" rIns="90000" tIns="45000" bIns="45000" anchor="t">
+            <a:noAutofit/>
+          </a:bodyPr>
+          <a:p>
+            <a:pPr algn="ctr">
+              <a:lnSpc>
+                <a:spcPct val="150000"/>
+              </a:lnSpc>
+              <a:tabLst>
+                <a:tab algn="l" pos="0"/>
+              </a:tabLst>
+            </a:pPr>
+            <a:r>
+              <a:rPr b="0" lang="en-US" sz="2800" spc="-1" strike="noStrike">
+                <a:solidFill>
+                  <a:srgbClr val="000000"/>
+                </a:solidFill>
+                <a:latin typeface="Times New Roman"/>
+                <a:ea typeface="DejaVu Sans"/>
+              </a:rPr>
+              <a:t>The “Sliding Window”</a:t>
+            </a:r>
+            <a:br>
+              <a:rPr sz="2800"/>
+            </a:br>
+            <a:endParaRPr b="0" lang="en-US" sz="2800" spc="-1" strike="noStrike">
+              <a:solidFill>
+                <a:srgbClr val="000000"/>
+              </a:solidFill>
+              <a:latin typeface="Arial"/>
+            </a:endParaRPr>
+          </a:p>
+        </p:txBody>
+      </p:sp>
+      <p:sp>
+        <p:nvSpPr>
+          <p:cNvPr id="60" name=""/>
+          <p:cNvSpPr/>
+          <p:nvPr/>
+        </p:nvSpPr>
+        <p:spPr>
+          <a:xfrm>
+            <a:off x="468000" y="1128600"/>
+            <a:ext cx="9131760" cy="1384560"/>
+          </a:xfrm>
+          <a:prstGeom prst="rect">
+            <a:avLst/>
+          </a:prstGeom>
+          <a:noFill/>
+          <a:ln w="0">
+            <a:noFill/>
+          </a:ln>
+        </p:spPr>
+        <p:style>
+          <a:lnRef idx="0"/>
+          <a:fillRef idx="0"/>
+          <a:effectRef idx="0"/>
+          <a:fontRef idx="minor"/>
+        </p:style>
+        <p:txBody>
+          <a:bodyPr lIns="90000" rIns="90000" tIns="45000" bIns="45000" anchor="t">
+            <a:noAutofit/>
+          </a:bodyPr>
+          <a:p>
+            <a:pPr marL="216000" indent="-216000">
+              <a:lnSpc>
+                <a:spcPct val="150000"/>
+              </a:lnSpc>
+              <a:buClr>
+                <a:srgbClr val="000000"/>
+              </a:buClr>
+              <a:buSzPct val="45000"/>
+              <a:buFont typeface="Wingdings" charset="2"/>
+              <a:buChar char=""/>
+            </a:pPr>
+            <a:r>
               <a:rPr b="0" lang="en-US" sz="2600" spc="-1" strike="noStrike">
                 <a:solidFill>
                   <a:srgbClr val="000000"/>
@@ -3364,22 +4452,22 @@
       </p:sp>
       <p:sp>
         <p:nvSpPr>
-          <p:cNvPr id="48" name=""/>
+          <p:cNvPr id="61" name=""/>
           <p:cNvSpPr/>
           <p:nvPr/>
         </p:nvSpPr>
         <p:spPr>
           <a:xfrm rot="5391600">
             <a:off x="6655320" y="1710000"/>
-            <a:ext cx="453960" cy="3267720"/>
+            <a:ext cx="453240" cy="3267000"/>
           </a:xfrm>
           <a:custGeom>
             <a:avLst/>
             <a:gdLst>
-              <a:gd name="textAreaLeft" fmla="*/ 290520 w 453960"/>
-              <a:gd name="textAreaRight" fmla="*/ 455040 w 453960"/>
-              <a:gd name="textAreaTop" fmla="*/ 84960 h 3267720"/>
-              <a:gd name="textAreaBottom" fmla="*/ 3183480 h 3267720"/>
+              <a:gd name="textAreaLeft" fmla="*/ 290520 w 453240"/>
+              <a:gd name="textAreaRight" fmla="*/ 455040 w 453240"/>
+              <a:gd name="textAreaTop" fmla="*/ 84960 h 3267000"/>
+              <a:gd name="textAreaBottom" fmla="*/ 3183480 h 3267000"/>
             </a:gdLst>
             <a:ahLst/>
             <a:rect l="textAreaLeft" t="textAreaTop" r="textAreaRight" b="textAreaBottom"/>
@@ -3452,14 +4540,14 @@
       </p:sp>
       <p:sp>
         <p:nvSpPr>
-          <p:cNvPr id="49" name=""/>
-          <p:cNvSpPr/>
-          <p:nvPr/>
-        </p:nvSpPr>
-        <p:spPr>
-          <a:xfrm>
-            <a:off x="1432080" y="3528720"/>
-            <a:ext cx="725400" cy="543960"/>
+          <p:cNvPr id="62" name=""/>
+          <p:cNvSpPr/>
+          <p:nvPr/>
+        </p:nvSpPr>
+        <p:spPr>
+          <a:xfrm>
+            <a:off x="3612600" y="3528720"/>
+            <a:ext cx="724680" cy="543240"/>
           </a:xfrm>
           <a:prstGeom prst="roundRect">
             <a:avLst>
@@ -3486,31 +4574,40 @@
             <a:noAutofit/>
           </a:bodyPr>
           <a:p>
-            <a:pPr>
-              <a:lnSpc>
-                <a:spcPct val="100000"/>
-              </a:lnSpc>
-            </a:pPr>
-            <a:endParaRPr b="0" lang="en-US" sz="1800" spc="-1" strike="noStrike">
-              <a:solidFill>
-                <a:srgbClr val="000000"/>
-              </a:solidFill>
-              <a:latin typeface="Arial"/>
-              <a:ea typeface="DejaVu Sans"/>
-            </a:endParaRPr>
-          </a:p>
-        </p:txBody>
-      </p:sp>
-      <p:sp>
-        <p:nvSpPr>
-          <p:cNvPr id="50" name=""/>
-          <p:cNvSpPr/>
-          <p:nvPr/>
-        </p:nvSpPr>
-        <p:spPr>
-          <a:xfrm>
-            <a:off x="2159280" y="3528720"/>
-            <a:ext cx="725400" cy="543960"/>
+            <a:pPr algn="ctr">
+              <a:lnSpc>
+                <a:spcPct val="100000"/>
+              </a:lnSpc>
+            </a:pPr>
+            <a:r>
+              <a:rPr b="0" lang="en-US" sz="1800" spc="-1" strike="noStrike">
+                <a:solidFill>
+                  <a:srgbClr val="000000"/>
+                </a:solidFill>
+                <a:latin typeface="Times New Roman"/>
+                <a:ea typeface="DejaVu Sans"/>
+              </a:rPr>
+              <a:t>L</a:t>
+            </a:r>
+            <a:endParaRPr b="0" lang="en-US" sz="1800" spc="-1" strike="noStrike">
+              <a:solidFill>
+                <a:srgbClr val="000000"/>
+              </a:solidFill>
+              <a:latin typeface="Arial"/>
+            </a:endParaRPr>
+          </a:p>
+        </p:txBody>
+      </p:sp>
+      <p:sp>
+        <p:nvSpPr>
+          <p:cNvPr id="63" name=""/>
+          <p:cNvSpPr/>
+          <p:nvPr/>
+        </p:nvSpPr>
+        <p:spPr>
+          <a:xfrm>
+            <a:off x="4339080" y="3528720"/>
+            <a:ext cx="724680" cy="543240"/>
           </a:xfrm>
           <a:prstGeom prst="roundRect">
             <a:avLst>
@@ -3518,7 +4615,7 @@
             </a:avLst>
           </a:prstGeom>
           <a:solidFill>
-            <a:srgbClr val="729fcf"/>
+            <a:srgbClr val="ffde59"/>
           </a:solidFill>
           <a:ln w="0">
             <a:solidFill>
@@ -3537,31 +4634,40 @@
             <a:noAutofit/>
           </a:bodyPr>
           <a:p>
-            <a:pPr>
-              <a:lnSpc>
-                <a:spcPct val="100000"/>
-              </a:lnSpc>
-            </a:pPr>
-            <a:endParaRPr b="0" lang="en-US" sz="1800" spc="-1" strike="noStrike">
-              <a:solidFill>
-                <a:srgbClr val="000000"/>
-              </a:solidFill>
-              <a:latin typeface="Arial"/>
-              <a:ea typeface="DejaVu Sans"/>
-            </a:endParaRPr>
-          </a:p>
-        </p:txBody>
-      </p:sp>
-      <p:sp>
-        <p:nvSpPr>
-          <p:cNvPr id="51" name=""/>
-          <p:cNvSpPr/>
-          <p:nvPr/>
-        </p:nvSpPr>
-        <p:spPr>
-          <a:xfrm>
-            <a:off x="3612600" y="3528720"/>
-            <a:ext cx="725400" cy="543960"/>
+            <a:pPr algn="ctr">
+              <a:lnSpc>
+                <a:spcPct val="100000"/>
+              </a:lnSpc>
+            </a:pPr>
+            <a:r>
+              <a:rPr b="0" lang="en-US" sz="1800" spc="-1" strike="noStrike">
+                <a:solidFill>
+                  <a:srgbClr val="000000"/>
+                </a:solidFill>
+                <a:latin typeface="Times New Roman"/>
+                <a:ea typeface="DejaVu Sans"/>
+              </a:rPr>
+              <a:t>B</a:t>
+            </a:r>
+            <a:endParaRPr b="0" lang="en-US" sz="1800" spc="-1" strike="noStrike">
+              <a:solidFill>
+                <a:srgbClr val="000000"/>
+              </a:solidFill>
+              <a:latin typeface="Arial"/>
+            </a:endParaRPr>
+          </a:p>
+        </p:txBody>
+      </p:sp>
+      <p:sp>
+        <p:nvSpPr>
+          <p:cNvPr id="64" name=""/>
+          <p:cNvSpPr/>
+          <p:nvPr/>
+        </p:nvSpPr>
+        <p:spPr>
+          <a:xfrm>
+            <a:off x="5065920" y="3528720"/>
+            <a:ext cx="724680" cy="543240"/>
           </a:xfrm>
           <a:prstGeom prst="roundRect">
             <a:avLst>
@@ -3569,7 +4675,7 @@
             </a:avLst>
           </a:prstGeom>
           <a:solidFill>
-            <a:srgbClr val="729fcf"/>
+            <a:srgbClr val="77bc65"/>
           </a:solidFill>
           <a:ln w="0">
             <a:solidFill>
@@ -3588,31 +4694,40 @@
             <a:noAutofit/>
           </a:bodyPr>
           <a:p>
-            <a:pPr>
-              <a:lnSpc>
-                <a:spcPct val="100000"/>
-              </a:lnSpc>
-            </a:pPr>
-            <a:endParaRPr b="0" lang="en-US" sz="1800" spc="-1" strike="noStrike">
-              <a:solidFill>
-                <a:srgbClr val="000000"/>
-              </a:solidFill>
-              <a:latin typeface="Arial"/>
-              <a:ea typeface="DejaVu Sans"/>
-            </a:endParaRPr>
-          </a:p>
-        </p:txBody>
-      </p:sp>
-      <p:sp>
-        <p:nvSpPr>
-          <p:cNvPr id="52" name=""/>
-          <p:cNvSpPr/>
-          <p:nvPr/>
-        </p:nvSpPr>
-        <p:spPr>
-          <a:xfrm>
-            <a:off x="4339080" y="3528720"/>
-            <a:ext cx="725400" cy="543960"/>
+            <a:pPr algn="ctr">
+              <a:lnSpc>
+                <a:spcPct val="100000"/>
+              </a:lnSpc>
+            </a:pPr>
+            <a:r>
+              <a:rPr b="0" lang="en-US" sz="1800" spc="-1" strike="noStrike">
+                <a:solidFill>
+                  <a:srgbClr val="000000"/>
+                </a:solidFill>
+                <a:latin typeface="Times New Roman"/>
+                <a:ea typeface="DejaVu Sans"/>
+              </a:rPr>
+              <a:t>U</a:t>
+            </a:r>
+            <a:endParaRPr b="0" lang="en-US" sz="1800" spc="-1" strike="noStrike">
+              <a:solidFill>
+                <a:srgbClr val="000000"/>
+              </a:solidFill>
+              <a:latin typeface="Arial"/>
+            </a:endParaRPr>
+          </a:p>
+        </p:txBody>
+      </p:sp>
+      <p:sp>
+        <p:nvSpPr>
+          <p:cNvPr id="65" name=""/>
+          <p:cNvSpPr/>
+          <p:nvPr/>
+        </p:nvSpPr>
+        <p:spPr>
+          <a:xfrm>
+            <a:off x="5792400" y="3528720"/>
+            <a:ext cx="724680" cy="543240"/>
           </a:xfrm>
           <a:prstGeom prst="roundRect">
             <a:avLst>
@@ -3620,7 +4735,7 @@
             </a:avLst>
           </a:prstGeom>
           <a:solidFill>
-            <a:srgbClr val="ffde59"/>
+            <a:srgbClr val="77bc65"/>
           </a:solidFill>
           <a:ln w="0">
             <a:solidFill>
@@ -3639,31 +4754,40 @@
             <a:noAutofit/>
           </a:bodyPr>
           <a:p>
-            <a:pPr>
-              <a:lnSpc>
-                <a:spcPct val="100000"/>
-              </a:lnSpc>
-            </a:pPr>
-            <a:endParaRPr b="0" lang="en-US" sz="1800" spc="-1" strike="noStrike">
-              <a:solidFill>
-                <a:srgbClr val="000000"/>
-              </a:solidFill>
-              <a:latin typeface="Arial"/>
-              <a:ea typeface="DejaVu Sans"/>
-            </a:endParaRPr>
-          </a:p>
-        </p:txBody>
-      </p:sp>
-      <p:sp>
-        <p:nvSpPr>
-          <p:cNvPr id="53" name=""/>
-          <p:cNvSpPr/>
-          <p:nvPr/>
-        </p:nvSpPr>
-        <p:spPr>
-          <a:xfrm>
-            <a:off x="2885760" y="3528720"/>
-            <a:ext cx="725400" cy="543960"/>
+            <a:pPr algn="ctr">
+              <a:lnSpc>
+                <a:spcPct val="100000"/>
+              </a:lnSpc>
+            </a:pPr>
+            <a:r>
+              <a:rPr b="0" lang="en-US" sz="1800" spc="-1" strike="noStrike">
+                <a:solidFill>
+                  <a:srgbClr val="000000"/>
+                </a:solidFill>
+                <a:latin typeface="Times New Roman"/>
+                <a:ea typeface="DejaVu Sans"/>
+              </a:rPr>
+              <a:t>Z</a:t>
+            </a:r>
+            <a:endParaRPr b="0" lang="en-US" sz="1800" spc="-1" strike="noStrike">
+              <a:solidFill>
+                <a:srgbClr val="000000"/>
+              </a:solidFill>
+              <a:latin typeface="Arial"/>
+            </a:endParaRPr>
+          </a:p>
+        </p:txBody>
+      </p:sp>
+      <p:sp>
+        <p:nvSpPr>
+          <p:cNvPr id="66" name=""/>
+          <p:cNvSpPr/>
+          <p:nvPr/>
+        </p:nvSpPr>
+        <p:spPr>
+          <a:xfrm>
+            <a:off x="6519600" y="3528720"/>
+            <a:ext cx="724680" cy="543240"/>
           </a:xfrm>
           <a:prstGeom prst="roundRect">
             <a:avLst>
@@ -3671,7 +4795,7 @@
             </a:avLst>
           </a:prstGeom>
           <a:solidFill>
-            <a:srgbClr val="729fcf"/>
+            <a:srgbClr val="77bc65"/>
           </a:solidFill>
           <a:ln w="0">
             <a:solidFill>
@@ -3690,31 +4814,40 @@
             <a:noAutofit/>
           </a:bodyPr>
           <a:p>
-            <a:pPr>
-              <a:lnSpc>
-                <a:spcPct val="100000"/>
-              </a:lnSpc>
-            </a:pPr>
-            <a:endParaRPr b="0" lang="en-US" sz="1800" spc="-1" strike="noStrike">
-              <a:solidFill>
-                <a:srgbClr val="000000"/>
-              </a:solidFill>
-              <a:latin typeface="Arial"/>
-              <a:ea typeface="DejaVu Sans"/>
-            </a:endParaRPr>
-          </a:p>
-        </p:txBody>
-      </p:sp>
-      <p:sp>
-        <p:nvSpPr>
-          <p:cNvPr id="54" name=""/>
-          <p:cNvSpPr/>
-          <p:nvPr/>
-        </p:nvSpPr>
-        <p:spPr>
-          <a:xfrm>
-            <a:off x="5065920" y="3528720"/>
-            <a:ext cx="725400" cy="543960"/>
+            <a:pPr algn="ctr">
+              <a:lnSpc>
+                <a:spcPct val="100000"/>
+              </a:lnSpc>
+            </a:pPr>
+            <a:r>
+              <a:rPr b="0" lang="en-US" sz="1800" spc="-1" strike="noStrike">
+                <a:solidFill>
+                  <a:srgbClr val="000000"/>
+                </a:solidFill>
+                <a:latin typeface="Times New Roman"/>
+                <a:ea typeface="DejaVu Sans"/>
+              </a:rPr>
+              <a:t>I</a:t>
+            </a:r>
+            <a:endParaRPr b="0" lang="en-US" sz="1800" spc="-1" strike="noStrike">
+              <a:solidFill>
+                <a:srgbClr val="000000"/>
+              </a:solidFill>
+              <a:latin typeface="Arial"/>
+            </a:endParaRPr>
+          </a:p>
+        </p:txBody>
+      </p:sp>
+      <p:sp>
+        <p:nvSpPr>
+          <p:cNvPr id="67" name=""/>
+          <p:cNvSpPr/>
+          <p:nvPr/>
+        </p:nvSpPr>
+        <p:spPr>
+          <a:xfrm>
+            <a:off x="7246080" y="3528720"/>
+            <a:ext cx="725040" cy="543240"/>
           </a:xfrm>
           <a:prstGeom prst="roundRect">
             <a:avLst>
@@ -3741,31 +4874,40 @@
             <a:noAutofit/>
           </a:bodyPr>
           <a:p>
-            <a:pPr>
-              <a:lnSpc>
-                <a:spcPct val="100000"/>
-              </a:lnSpc>
-            </a:pPr>
-            <a:endParaRPr b="0" lang="en-US" sz="1800" spc="-1" strike="noStrike">
-              <a:solidFill>
-                <a:srgbClr val="000000"/>
-              </a:solidFill>
-              <a:latin typeface="Arial"/>
-              <a:ea typeface="DejaVu Sans"/>
-            </a:endParaRPr>
-          </a:p>
-        </p:txBody>
-      </p:sp>
-      <p:sp>
-        <p:nvSpPr>
-          <p:cNvPr id="55" name=""/>
-          <p:cNvSpPr/>
-          <p:nvPr/>
-        </p:nvSpPr>
-        <p:spPr>
-          <a:xfrm>
-            <a:off x="5792400" y="3528720"/>
-            <a:ext cx="725400" cy="543960"/>
+            <a:pPr algn="ctr">
+              <a:lnSpc>
+                <a:spcPct val="100000"/>
+              </a:lnSpc>
+            </a:pPr>
+            <a:r>
+              <a:rPr b="0" lang="en-US" sz="1800" spc="-1" strike="noStrike">
+                <a:solidFill>
+                  <a:srgbClr val="000000"/>
+                </a:solidFill>
+                <a:latin typeface="Times New Roman"/>
+                <a:ea typeface="DejaVu Sans"/>
+              </a:rPr>
+              <a:t>A</a:t>
+            </a:r>
+            <a:endParaRPr b="0" lang="en-US" sz="1800" spc="-1" strike="noStrike">
+              <a:solidFill>
+                <a:srgbClr val="000000"/>
+              </a:solidFill>
+              <a:latin typeface="Arial"/>
+            </a:endParaRPr>
+          </a:p>
+        </p:txBody>
+      </p:sp>
+      <p:sp>
+        <p:nvSpPr>
+          <p:cNvPr id="68" name=""/>
+          <p:cNvSpPr/>
+          <p:nvPr/>
+        </p:nvSpPr>
+        <p:spPr>
+          <a:xfrm>
+            <a:off x="7972920" y="3528720"/>
+            <a:ext cx="724680" cy="543240"/>
           </a:xfrm>
           <a:prstGeom prst="roundRect">
             <a:avLst>
@@ -3792,177 +4934,33 @@
             <a:noAutofit/>
           </a:bodyPr>
           <a:p>
-            <a:pPr>
-              <a:lnSpc>
-                <a:spcPct val="100000"/>
-              </a:lnSpc>
-            </a:pPr>
-            <a:endParaRPr b="0" lang="en-US" sz="1800" spc="-1" strike="noStrike">
-              <a:solidFill>
-                <a:srgbClr val="000000"/>
-              </a:solidFill>
-              <a:latin typeface="Arial"/>
-              <a:ea typeface="DejaVu Sans"/>
-            </a:endParaRPr>
-          </a:p>
-        </p:txBody>
-      </p:sp>
-      <p:sp>
-        <p:nvSpPr>
-          <p:cNvPr id="56" name=""/>
-          <p:cNvSpPr/>
-          <p:nvPr/>
-        </p:nvSpPr>
-        <p:spPr>
-          <a:xfrm>
-            <a:off x="6519600" y="3528720"/>
-            <a:ext cx="725400" cy="543960"/>
-          </a:xfrm>
-          <a:prstGeom prst="roundRect">
-            <a:avLst>
-              <a:gd name="adj" fmla="val 16667"/>
-            </a:avLst>
-          </a:prstGeom>
-          <a:solidFill>
-            <a:srgbClr val="77bc65"/>
-          </a:solidFill>
-          <a:ln w="0">
-            <a:solidFill>
-              <a:srgbClr val="3465a4"/>
-            </a:solidFill>
-          </a:ln>
-        </p:spPr>
-        <p:style>
-          <a:lnRef idx="0"/>
-          <a:fillRef idx="0"/>
-          <a:effectRef idx="0"/>
-          <a:fontRef idx="minor"/>
-        </p:style>
-        <p:txBody>
-          <a:bodyPr lIns="90000" rIns="90000" tIns="45000" bIns="45000" anchor="ctr">
-            <a:noAutofit/>
-          </a:bodyPr>
-          <a:p>
-            <a:pPr>
-              <a:lnSpc>
-                <a:spcPct val="100000"/>
-              </a:lnSpc>
-            </a:pPr>
-            <a:endParaRPr b="0" lang="en-US" sz="1800" spc="-1" strike="noStrike">
-              <a:solidFill>
-                <a:srgbClr val="000000"/>
-              </a:solidFill>
-              <a:latin typeface="Arial"/>
-              <a:ea typeface="DejaVu Sans"/>
-            </a:endParaRPr>
-          </a:p>
-        </p:txBody>
-      </p:sp>
-      <p:sp>
-        <p:nvSpPr>
-          <p:cNvPr id="57" name=""/>
-          <p:cNvSpPr/>
-          <p:nvPr/>
-        </p:nvSpPr>
-        <p:spPr>
-          <a:xfrm>
-            <a:off x="7246080" y="3528720"/>
-            <a:ext cx="725760" cy="543960"/>
-          </a:xfrm>
-          <a:prstGeom prst="roundRect">
-            <a:avLst>
-              <a:gd name="adj" fmla="val 16667"/>
-            </a:avLst>
-          </a:prstGeom>
-          <a:solidFill>
-            <a:srgbClr val="77bc65"/>
-          </a:solidFill>
-          <a:ln w="0">
-            <a:solidFill>
-              <a:srgbClr val="3465a4"/>
-            </a:solidFill>
-          </a:ln>
-        </p:spPr>
-        <p:style>
-          <a:lnRef idx="0"/>
-          <a:fillRef idx="0"/>
-          <a:effectRef idx="0"/>
-          <a:fontRef idx="minor"/>
-        </p:style>
-        <p:txBody>
-          <a:bodyPr lIns="90000" rIns="90000" tIns="45000" bIns="45000" anchor="ctr">
-            <a:noAutofit/>
-          </a:bodyPr>
-          <a:p>
-            <a:pPr>
-              <a:lnSpc>
-                <a:spcPct val="100000"/>
-              </a:lnSpc>
-            </a:pPr>
-            <a:endParaRPr b="0" lang="en-US" sz="1800" spc="-1" strike="noStrike">
-              <a:solidFill>
-                <a:srgbClr val="000000"/>
-              </a:solidFill>
-              <a:latin typeface="Arial"/>
-              <a:ea typeface="DejaVu Sans"/>
-            </a:endParaRPr>
-          </a:p>
-        </p:txBody>
-      </p:sp>
-      <p:sp>
-        <p:nvSpPr>
-          <p:cNvPr id="58" name=""/>
-          <p:cNvSpPr/>
-          <p:nvPr/>
-        </p:nvSpPr>
-        <p:spPr>
-          <a:xfrm>
-            <a:off x="7972920" y="3528720"/>
-            <a:ext cx="725400" cy="543960"/>
-          </a:xfrm>
-          <a:prstGeom prst="roundRect">
-            <a:avLst>
-              <a:gd name="adj" fmla="val 16667"/>
-            </a:avLst>
-          </a:prstGeom>
-          <a:solidFill>
-            <a:srgbClr val="77bc65"/>
-          </a:solidFill>
-          <a:ln w="0">
-            <a:solidFill>
-              <a:srgbClr val="3465a4"/>
-            </a:solidFill>
-          </a:ln>
-        </p:spPr>
-        <p:style>
-          <a:lnRef idx="0"/>
-          <a:fillRef idx="0"/>
-          <a:effectRef idx="0"/>
-          <a:fontRef idx="minor"/>
-        </p:style>
-        <p:txBody>
-          <a:bodyPr lIns="90000" rIns="90000" tIns="45000" bIns="45000" anchor="ctr">
-            <a:noAutofit/>
-          </a:bodyPr>
-          <a:p>
-            <a:pPr>
-              <a:lnSpc>
-                <a:spcPct val="100000"/>
-              </a:lnSpc>
-            </a:pPr>
-            <a:endParaRPr b="0" lang="en-US" sz="1800" spc="-1" strike="noStrike">
-              <a:solidFill>
-                <a:srgbClr val="000000"/>
-              </a:solidFill>
-              <a:latin typeface="Arial"/>
-              <a:ea typeface="DejaVu Sans"/>
-            </a:endParaRPr>
-          </a:p>
-        </p:txBody>
-      </p:sp>
-      <p:sp>
-        <p:nvSpPr>
-          <p:cNvPr id="59" name=""/>
+            <a:pPr algn="ctr">
+              <a:lnSpc>
+                <a:spcPct val="100000"/>
+              </a:lnSpc>
+            </a:pPr>
+            <a:r>
+              <a:rPr b="0" lang="en-US" sz="1800" spc="-1" strike="noStrike">
+                <a:solidFill>
+                  <a:srgbClr val="000000"/>
+                </a:solidFill>
+                <a:latin typeface="Times New Roman"/>
+                <a:ea typeface="DejaVu Sans"/>
+              </a:rPr>
+              <a:t>K</a:t>
+            </a:r>
+            <a:endParaRPr b="0" lang="en-US" sz="1800" spc="-1" strike="noStrike">
+              <a:solidFill>
+                <a:srgbClr val="000000"/>
+              </a:solidFill>
+              <a:latin typeface="Arial"/>
+            </a:endParaRPr>
+          </a:p>
+        </p:txBody>
+      </p:sp>
+      <p:sp>
+        <p:nvSpPr>
+          <p:cNvPr id="69" name=""/>
           <p:cNvSpPr/>
           <p:nvPr/>
         </p:nvSpPr>
@@ -4005,22 +5003,22 @@
       </p:sp>
       <p:sp>
         <p:nvSpPr>
-          <p:cNvPr id="60" name=""/>
+          <p:cNvPr id="70" name=""/>
           <p:cNvSpPr/>
           <p:nvPr/>
         </p:nvSpPr>
         <p:spPr>
           <a:xfrm rot="5392800">
-            <a:off x="2708640" y="2073240"/>
-            <a:ext cx="352800" cy="2542680"/>
+            <a:off x="2708640" y="2072520"/>
+            <a:ext cx="352080" cy="2541960"/>
           </a:xfrm>
           <a:custGeom>
             <a:avLst/>
             <a:gdLst>
-              <a:gd name="textAreaLeft" fmla="*/ 226080 w 352800"/>
-              <a:gd name="textAreaRight" fmla="*/ 353880 w 352800"/>
-              <a:gd name="textAreaTop" fmla="*/ 65880 h 2542680"/>
-              <a:gd name="textAreaBottom" fmla="*/ 2477520 h 2542680"/>
+              <a:gd name="textAreaLeft" fmla="*/ 226080 w 352080"/>
+              <a:gd name="textAreaRight" fmla="*/ 353880 w 352080"/>
+              <a:gd name="textAreaTop" fmla="*/ 65880 h 2541960"/>
+              <a:gd name="textAreaBottom" fmla="*/ 2477520 h 2541960"/>
             </a:gdLst>
             <a:ahLst/>
             <a:rect l="textAreaLeft" t="textAreaTop" r="textAreaRight" b="textAreaBottom"/>
@@ -4093,14 +5091,14 @@
       </p:sp>
       <p:sp>
         <p:nvSpPr>
-          <p:cNvPr id="61" name=""/>
+          <p:cNvPr id="71" name=""/>
           <p:cNvSpPr/>
           <p:nvPr/>
         </p:nvSpPr>
         <p:spPr>
           <a:xfrm>
             <a:off x="1474200" y="2743200"/>
-            <a:ext cx="2700360" cy="283680"/>
+            <a:ext cx="2699640" cy="282960"/>
           </a:xfrm>
           <a:prstGeom prst="rect">
             <a:avLst/>
@@ -4147,14 +5145,14 @@
       </p:sp>
       <p:sp>
         <p:nvSpPr>
-          <p:cNvPr id="62" name=""/>
-          <p:cNvSpPr/>
-          <p:nvPr/>
-        </p:nvSpPr>
-        <p:spPr>
-          <a:xfrm>
-            <a:off x="5596560" y="2711160"/>
-            <a:ext cx="3354120" cy="473040"/>
+          <p:cNvPr id="72" name=""/>
+          <p:cNvSpPr/>
+          <p:nvPr/>
+        </p:nvSpPr>
+        <p:spPr>
+          <a:xfrm>
+            <a:off x="5740560" y="2711160"/>
+            <a:ext cx="3353400" cy="472320"/>
           </a:xfrm>
           <a:prstGeom prst="rect">
             <a:avLst/>
@@ -4188,7 +5186,7 @@
                 <a:latin typeface="Times New Roman"/>
                 <a:ea typeface="DejaVu Sans"/>
               </a:rPr>
-              <a:t>Look Ahead Window</a:t>
+              <a:t>Window Buffer</a:t>
             </a:r>
             <a:endParaRPr b="0" lang="en-US" sz="2400" spc="-1" strike="noStrike">
               <a:solidFill>
@@ -4201,14 +5199,14 @@
       </p:sp>
       <p:sp>
         <p:nvSpPr>
-          <p:cNvPr id="63" name=""/>
+          <p:cNvPr id="73" name=""/>
           <p:cNvSpPr/>
           <p:nvPr/>
         </p:nvSpPr>
         <p:spPr>
           <a:xfrm>
             <a:off x="3779280" y="4744800"/>
-            <a:ext cx="2513880" cy="355680"/>
+            <a:ext cx="2513160" cy="354960"/>
           </a:xfrm>
           <a:prstGeom prst="rect">
             <a:avLst/>
@@ -4255,14 +5253,14 @@
       </p:sp>
       <p:sp>
         <p:nvSpPr>
-          <p:cNvPr id="64" name=""/>
-          <p:cNvSpPr/>
-          <p:nvPr/>
-        </p:nvSpPr>
-        <p:spPr>
-          <a:xfrm>
-            <a:off x="1613880" y="3657960"/>
-            <a:ext cx="362160" cy="362160"/>
+          <p:cNvPr id="74" name=""/>
+          <p:cNvSpPr/>
+          <p:nvPr/>
+        </p:nvSpPr>
+        <p:spPr>
+          <a:xfrm>
+            <a:off x="9664560" y="5257800"/>
+            <a:ext cx="3821760" cy="426240"/>
           </a:xfrm>
           <a:prstGeom prst="rect">
             <a:avLst/>
@@ -4289,553 +5287,14 @@
               </a:lnSpc>
             </a:pPr>
             <a:r>
-              <a:rPr b="0" lang="en-US" sz="1800" spc="-1" strike="noStrike">
-                <a:solidFill>
-                  <a:srgbClr val="000000"/>
-                </a:solidFill>
-                <a:latin typeface="Arial"/>
-                <a:ea typeface="DejaVu Sans"/>
-              </a:rPr>
-              <a:t>A</a:t>
-            </a:r>
-            <a:endParaRPr b="0" lang="en-US" sz="1800" spc="-1" strike="noStrike">
-              <a:solidFill>
-                <a:srgbClr val="000000"/>
-              </a:solidFill>
-              <a:latin typeface="Arial"/>
-            </a:endParaRPr>
-          </a:p>
-        </p:txBody>
-      </p:sp>
-      <p:sp>
-        <p:nvSpPr>
-          <p:cNvPr id="65" name=""/>
-          <p:cNvSpPr/>
-          <p:nvPr/>
-        </p:nvSpPr>
-        <p:spPr>
-          <a:xfrm>
-            <a:off x="2340720" y="3657960"/>
-            <a:ext cx="362520" cy="362160"/>
-          </a:xfrm>
-          <a:prstGeom prst="rect">
-            <a:avLst/>
-          </a:prstGeom>
-          <a:noFill/>
-          <a:ln w="0">
-            <a:noFill/>
-          </a:ln>
-        </p:spPr>
-        <p:style>
-          <a:lnRef idx="0"/>
-          <a:fillRef idx="0"/>
-          <a:effectRef idx="0"/>
-          <a:fontRef idx="minor"/>
-        </p:style>
-        <p:txBody>
-          <a:bodyPr lIns="90000" rIns="90000" tIns="45000" bIns="45000" anchor="t">
-            <a:noAutofit/>
-          </a:bodyPr>
-          <a:p>
-            <a:pPr>
-              <a:lnSpc>
-                <a:spcPct val="100000"/>
-              </a:lnSpc>
-            </a:pPr>
-            <a:r>
-              <a:rPr b="0" lang="en-US" sz="1800" spc="-1" strike="noStrike">
-                <a:solidFill>
-                  <a:srgbClr val="000000"/>
-                </a:solidFill>
-                <a:latin typeface="Arial"/>
-                <a:ea typeface="DejaVu Sans"/>
-              </a:rPr>
-              <a:t>A</a:t>
-            </a:r>
-            <a:endParaRPr b="0" lang="en-US" sz="1800" spc="-1" strike="noStrike">
-              <a:solidFill>
-                <a:srgbClr val="000000"/>
-              </a:solidFill>
-              <a:latin typeface="Arial"/>
-            </a:endParaRPr>
-          </a:p>
-        </p:txBody>
-      </p:sp>
-      <p:sp>
-        <p:nvSpPr>
-          <p:cNvPr id="66" name=""/>
-          <p:cNvSpPr/>
-          <p:nvPr/>
-        </p:nvSpPr>
-        <p:spPr>
-          <a:xfrm>
-            <a:off x="3067200" y="3657960"/>
-            <a:ext cx="362520" cy="362160"/>
-          </a:xfrm>
-          <a:prstGeom prst="rect">
-            <a:avLst/>
-          </a:prstGeom>
-          <a:noFill/>
-          <a:ln w="0">
-            <a:noFill/>
-          </a:ln>
-        </p:spPr>
-        <p:style>
-          <a:lnRef idx="0"/>
-          <a:fillRef idx="0"/>
-          <a:effectRef idx="0"/>
-          <a:fontRef idx="minor"/>
-        </p:style>
-        <p:txBody>
-          <a:bodyPr lIns="90000" rIns="90000" tIns="45000" bIns="45000" anchor="t">
-            <a:noAutofit/>
-          </a:bodyPr>
-          <a:p>
-            <a:pPr>
-              <a:lnSpc>
-                <a:spcPct val="100000"/>
-              </a:lnSpc>
-            </a:pPr>
-            <a:r>
-              <a:rPr b="0" lang="en-US" sz="1800" spc="-1" strike="noStrike">
-                <a:solidFill>
-                  <a:srgbClr val="000000"/>
-                </a:solidFill>
-                <a:latin typeface="Arial"/>
-                <a:ea typeface="DejaVu Sans"/>
-              </a:rPr>
-              <a:t>B</a:t>
-            </a:r>
-            <a:endParaRPr b="0" lang="en-US" sz="1800" spc="-1" strike="noStrike">
-              <a:solidFill>
-                <a:srgbClr val="000000"/>
-              </a:solidFill>
-              <a:latin typeface="Arial"/>
-            </a:endParaRPr>
-          </a:p>
-        </p:txBody>
-      </p:sp>
-      <p:sp>
-        <p:nvSpPr>
-          <p:cNvPr id="67" name=""/>
-          <p:cNvSpPr/>
-          <p:nvPr/>
-        </p:nvSpPr>
-        <p:spPr>
-          <a:xfrm>
-            <a:off x="3794040" y="3657960"/>
-            <a:ext cx="362520" cy="362160"/>
-          </a:xfrm>
-          <a:prstGeom prst="rect">
-            <a:avLst/>
-          </a:prstGeom>
-          <a:noFill/>
-          <a:ln w="0">
-            <a:noFill/>
-          </a:ln>
-        </p:spPr>
-        <p:style>
-          <a:lnRef idx="0"/>
-          <a:fillRef idx="0"/>
-          <a:effectRef idx="0"/>
-          <a:fontRef idx="minor"/>
-        </p:style>
-        <p:txBody>
-          <a:bodyPr lIns="90000" rIns="90000" tIns="45000" bIns="45000" anchor="t">
-            <a:noAutofit/>
-          </a:bodyPr>
-          <a:p>
-            <a:pPr>
-              <a:lnSpc>
-                <a:spcPct val="100000"/>
-              </a:lnSpc>
-            </a:pPr>
-            <a:r>
-              <a:rPr b="0" lang="en-US" sz="1800" spc="-1" strike="noStrike">
-                <a:solidFill>
-                  <a:srgbClr val="000000"/>
-                </a:solidFill>
-                <a:latin typeface="Arial"/>
-                <a:ea typeface="DejaVu Sans"/>
-              </a:rPr>
-              <a:t>C</a:t>
-            </a:r>
-            <a:endParaRPr b="0" lang="en-US" sz="1800" spc="-1" strike="noStrike">
-              <a:solidFill>
-                <a:srgbClr val="000000"/>
-              </a:solidFill>
-              <a:latin typeface="Arial"/>
-            </a:endParaRPr>
-          </a:p>
-        </p:txBody>
-      </p:sp>
-      <p:sp>
-        <p:nvSpPr>
-          <p:cNvPr id="68" name=""/>
-          <p:cNvSpPr/>
-          <p:nvPr/>
-        </p:nvSpPr>
-        <p:spPr>
-          <a:xfrm>
-            <a:off x="4520880" y="3657960"/>
-            <a:ext cx="362880" cy="362160"/>
-          </a:xfrm>
-          <a:prstGeom prst="rect">
-            <a:avLst/>
-          </a:prstGeom>
-          <a:noFill/>
-          <a:ln w="0">
-            <a:noFill/>
-          </a:ln>
-        </p:spPr>
-        <p:style>
-          <a:lnRef idx="0"/>
-          <a:fillRef idx="0"/>
-          <a:effectRef idx="0"/>
-          <a:fontRef idx="minor"/>
-        </p:style>
-        <p:txBody>
-          <a:bodyPr lIns="90000" rIns="90000" tIns="45000" bIns="45000" anchor="t">
-            <a:noAutofit/>
-          </a:bodyPr>
-          <a:p>
-            <a:pPr>
-              <a:lnSpc>
-                <a:spcPct val="100000"/>
-              </a:lnSpc>
-            </a:pPr>
-            <a:r>
-              <a:rPr b="0" lang="en-US" sz="1800" spc="-1" strike="noStrike">
-                <a:solidFill>
-                  <a:srgbClr val="000000"/>
-                </a:solidFill>
-                <a:latin typeface="Arial"/>
-                <a:ea typeface="DejaVu Sans"/>
-              </a:rPr>
-              <a:t>A</a:t>
-            </a:r>
-            <a:endParaRPr b="0" lang="en-US" sz="1800" spc="-1" strike="noStrike">
-              <a:solidFill>
-                <a:srgbClr val="000000"/>
-              </a:solidFill>
-              <a:latin typeface="Arial"/>
-            </a:endParaRPr>
-          </a:p>
-        </p:txBody>
-      </p:sp>
-      <p:sp>
-        <p:nvSpPr>
-          <p:cNvPr id="69" name=""/>
-          <p:cNvSpPr/>
-          <p:nvPr/>
-        </p:nvSpPr>
-        <p:spPr>
-          <a:xfrm>
-            <a:off x="5247720" y="3657960"/>
-            <a:ext cx="362520" cy="362160"/>
-          </a:xfrm>
-          <a:prstGeom prst="rect">
-            <a:avLst/>
-          </a:prstGeom>
-          <a:noFill/>
-          <a:ln w="0">
-            <a:noFill/>
-          </a:ln>
-        </p:spPr>
-        <p:style>
-          <a:lnRef idx="0"/>
-          <a:fillRef idx="0"/>
-          <a:effectRef idx="0"/>
-          <a:fontRef idx="minor"/>
-        </p:style>
-        <p:txBody>
-          <a:bodyPr lIns="90000" rIns="90000" tIns="45000" bIns="45000" anchor="t">
-            <a:noAutofit/>
-          </a:bodyPr>
-          <a:p>
-            <a:pPr>
-              <a:lnSpc>
-                <a:spcPct val="100000"/>
-              </a:lnSpc>
-            </a:pPr>
-            <a:r>
-              <a:rPr b="0" lang="en-US" sz="1800" spc="-1" strike="noStrike">
-                <a:solidFill>
-                  <a:srgbClr val="000000"/>
-                </a:solidFill>
-                <a:latin typeface="Arial"/>
-                <a:ea typeface="DejaVu Sans"/>
-              </a:rPr>
-              <a:t>A</a:t>
-            </a:r>
-            <a:endParaRPr b="0" lang="en-US" sz="1800" spc="-1" strike="noStrike">
-              <a:solidFill>
-                <a:srgbClr val="000000"/>
-              </a:solidFill>
-              <a:latin typeface="Arial"/>
-            </a:endParaRPr>
-          </a:p>
-        </p:txBody>
-      </p:sp>
-      <p:sp>
-        <p:nvSpPr>
-          <p:cNvPr id="70" name=""/>
-          <p:cNvSpPr/>
-          <p:nvPr/>
-        </p:nvSpPr>
-        <p:spPr>
-          <a:xfrm>
-            <a:off x="5974200" y="3657960"/>
-            <a:ext cx="362160" cy="362160"/>
-          </a:xfrm>
-          <a:prstGeom prst="rect">
-            <a:avLst/>
-          </a:prstGeom>
-          <a:noFill/>
-          <a:ln w="0">
-            <a:noFill/>
-          </a:ln>
-        </p:spPr>
-        <p:style>
-          <a:lnRef idx="0"/>
-          <a:fillRef idx="0"/>
-          <a:effectRef idx="0"/>
-          <a:fontRef idx="minor"/>
-        </p:style>
-        <p:txBody>
-          <a:bodyPr lIns="90000" rIns="90000" tIns="45000" bIns="45000" anchor="t">
-            <a:noAutofit/>
-          </a:bodyPr>
-          <a:p>
-            <a:pPr>
-              <a:lnSpc>
-                <a:spcPct val="100000"/>
-              </a:lnSpc>
-            </a:pPr>
-            <a:r>
-              <a:rPr b="0" lang="en-US" sz="1800" spc="-1" strike="noStrike">
-                <a:solidFill>
-                  <a:srgbClr val="000000"/>
-                </a:solidFill>
-                <a:latin typeface="Arial"/>
-                <a:ea typeface="DejaVu Sans"/>
-              </a:rPr>
-              <a:t>B</a:t>
-            </a:r>
-            <a:endParaRPr b="0" lang="en-US" sz="1800" spc="-1" strike="noStrike">
-              <a:solidFill>
-                <a:srgbClr val="000000"/>
-              </a:solidFill>
-              <a:latin typeface="Arial"/>
-            </a:endParaRPr>
-          </a:p>
-        </p:txBody>
-      </p:sp>
-      <p:sp>
-        <p:nvSpPr>
-          <p:cNvPr id="71" name=""/>
-          <p:cNvSpPr/>
-          <p:nvPr/>
-        </p:nvSpPr>
-        <p:spPr>
-          <a:xfrm>
-            <a:off x="6701400" y="3657960"/>
-            <a:ext cx="362160" cy="362160"/>
-          </a:xfrm>
-          <a:prstGeom prst="rect">
-            <a:avLst/>
-          </a:prstGeom>
-          <a:noFill/>
-          <a:ln w="0">
-            <a:noFill/>
-          </a:ln>
-        </p:spPr>
-        <p:style>
-          <a:lnRef idx="0"/>
-          <a:fillRef idx="0"/>
-          <a:effectRef idx="0"/>
-          <a:fontRef idx="minor"/>
-        </p:style>
-        <p:txBody>
-          <a:bodyPr lIns="90000" rIns="90000" tIns="45000" bIns="45000" anchor="t">
-            <a:noAutofit/>
-          </a:bodyPr>
-          <a:p>
-            <a:pPr>
-              <a:lnSpc>
-                <a:spcPct val="100000"/>
-              </a:lnSpc>
-            </a:pPr>
-            <a:r>
-              <a:rPr b="0" lang="en-US" sz="1800" spc="-1" strike="noStrike">
-                <a:solidFill>
-                  <a:srgbClr val="000000"/>
-                </a:solidFill>
-                <a:latin typeface="Arial"/>
-                <a:ea typeface="DejaVu Sans"/>
-              </a:rPr>
-              <a:t>C</a:t>
-            </a:r>
-            <a:endParaRPr b="0" lang="en-US" sz="1800" spc="-1" strike="noStrike">
-              <a:solidFill>
-                <a:srgbClr val="000000"/>
-              </a:solidFill>
-              <a:latin typeface="Arial"/>
-            </a:endParaRPr>
-          </a:p>
-        </p:txBody>
-      </p:sp>
-      <p:sp>
-        <p:nvSpPr>
-          <p:cNvPr id="72" name=""/>
-          <p:cNvSpPr/>
-          <p:nvPr/>
-        </p:nvSpPr>
-        <p:spPr>
-          <a:xfrm>
-            <a:off x="7428240" y="3657960"/>
-            <a:ext cx="362160" cy="362160"/>
-          </a:xfrm>
-          <a:prstGeom prst="rect">
-            <a:avLst/>
-          </a:prstGeom>
-          <a:noFill/>
-          <a:ln w="0">
-            <a:noFill/>
-          </a:ln>
-        </p:spPr>
-        <p:style>
-          <a:lnRef idx="0"/>
-          <a:fillRef idx="0"/>
-          <a:effectRef idx="0"/>
-          <a:fontRef idx="minor"/>
-        </p:style>
-        <p:txBody>
-          <a:bodyPr lIns="90000" rIns="90000" tIns="45000" bIns="45000" anchor="t">
-            <a:noAutofit/>
-          </a:bodyPr>
-          <a:p>
-            <a:pPr>
-              <a:lnSpc>
-                <a:spcPct val="100000"/>
-              </a:lnSpc>
-            </a:pPr>
-            <a:r>
-              <a:rPr b="0" lang="en-US" sz="1800" spc="-1" strike="noStrike">
-                <a:solidFill>
-                  <a:srgbClr val="000000"/>
-                </a:solidFill>
-                <a:latin typeface="Arial"/>
-                <a:ea typeface="DejaVu Sans"/>
-              </a:rPr>
-              <a:t>D</a:t>
-            </a:r>
-            <a:endParaRPr b="0" lang="en-US" sz="1800" spc="-1" strike="noStrike">
-              <a:solidFill>
-                <a:srgbClr val="000000"/>
-              </a:solidFill>
-              <a:latin typeface="Arial"/>
-            </a:endParaRPr>
-          </a:p>
-        </p:txBody>
-      </p:sp>
-      <p:sp>
-        <p:nvSpPr>
-          <p:cNvPr id="73" name=""/>
-          <p:cNvSpPr/>
-          <p:nvPr/>
-        </p:nvSpPr>
-        <p:spPr>
-          <a:xfrm>
-            <a:off x="8154720" y="3657960"/>
-            <a:ext cx="362160" cy="362160"/>
-          </a:xfrm>
-          <a:prstGeom prst="rect">
-            <a:avLst/>
-          </a:prstGeom>
-          <a:noFill/>
-          <a:ln w="0">
-            <a:noFill/>
-          </a:ln>
-        </p:spPr>
-        <p:style>
-          <a:lnRef idx="0"/>
-          <a:fillRef idx="0"/>
-          <a:effectRef idx="0"/>
-          <a:fontRef idx="minor"/>
-        </p:style>
-        <p:txBody>
-          <a:bodyPr lIns="90000" rIns="90000" tIns="45000" bIns="45000" anchor="t">
-            <a:noAutofit/>
-          </a:bodyPr>
-          <a:p>
-            <a:pPr>
-              <a:lnSpc>
-                <a:spcPct val="100000"/>
-              </a:lnSpc>
-            </a:pPr>
-            <a:r>
-              <a:rPr b="0" lang="en-US" sz="1800" spc="-1" strike="noStrike">
-                <a:solidFill>
-                  <a:srgbClr val="000000"/>
-                </a:solidFill>
-                <a:latin typeface="Arial"/>
-                <a:ea typeface="DejaVu Sans"/>
-              </a:rPr>
-              <a:t>Z</a:t>
-            </a:r>
-            <a:endParaRPr b="0" lang="en-US" sz="1800" spc="-1" strike="noStrike">
-              <a:solidFill>
-                <a:srgbClr val="000000"/>
-              </a:solidFill>
-              <a:latin typeface="Arial"/>
-            </a:endParaRPr>
-          </a:p>
-        </p:txBody>
-      </p:sp>
-      <p:sp>
-        <p:nvSpPr>
-          <p:cNvPr id="74" name=""/>
-          <p:cNvSpPr/>
-          <p:nvPr/>
-        </p:nvSpPr>
-        <p:spPr>
-          <a:xfrm>
-            <a:off x="9664560" y="5257800"/>
-            <a:ext cx="3822480" cy="426960"/>
-          </a:xfrm>
-          <a:prstGeom prst="rect">
-            <a:avLst/>
-          </a:prstGeom>
-          <a:noFill/>
-          <a:ln w="0">
-            <a:noFill/>
-          </a:ln>
-        </p:spPr>
-        <p:style>
-          <a:lnRef idx="0"/>
-          <a:fillRef idx="0"/>
-          <a:effectRef idx="0"/>
-          <a:fontRef idx="minor"/>
-        </p:style>
-        <p:txBody>
-          <a:bodyPr lIns="90000" rIns="90000" tIns="45000" bIns="45000" anchor="t">
-            <a:noAutofit/>
-          </a:bodyPr>
-          <a:p>
-            <a:pPr>
-              <a:lnSpc>
-                <a:spcPct val="100000"/>
-              </a:lnSpc>
-            </a:pPr>
-            <a:r>
               <a:rPr b="0" lang="en-US" sz="2400" spc="-1" strike="noStrike">
                 <a:solidFill>
                   <a:srgbClr val="000000"/>
                 </a:solidFill>
                 <a:latin typeface="Times New Roman"/>
-              </a:rPr>
-              <a:t>4</a:t>
+                <a:ea typeface="DejaVu Sans"/>
+              </a:rPr>
+              <a:t>5</a:t>
             </a:r>
             <a:endParaRPr b="0" lang="en-US" sz="2400" spc="-1" strike="noStrike">
               <a:solidFill>
@@ -4846,266 +5305,16 @@
           </a:p>
         </p:txBody>
       </p:sp>
-    </p:spTree>
-  </p:cSld>
-  <mc:AlternateContent>
-    <mc:Choice Requires="p14">
-      <p:transition spd="slow" p14:dur="2000"/>
-    </mc:Choice>
-    <mc:Fallback>
-      <p:transition spd="slow"/>
-    </mc:Fallback>
-  </mc:AlternateContent>
-</p:sld>
-</file>
-
-<file path=ppt/slides/slide6.xml><?xml version="1.0" encoding="utf-8"?>
-<p:sld xmlns:a="http://schemas.openxmlformats.org/drawingml/2006/main" xmlns:p="http://schemas.openxmlformats.org/presentationml/2006/main" xmlns:r="http://schemas.openxmlformats.org/officeDocument/2006/relationships" xmlns:p14="http://schemas.microsoft.com/office/powerpoint/2010/main" xmlns:p15="http://schemas.microsoft.com/office/powerpoint/2012/main" xmlns:mc="http://schemas.openxmlformats.org/markup-compatibility/2006">
-  <p:cSld>
-    <p:spTree>
-      <p:nvGrpSpPr>
-        <p:cNvPr id="1" name=""/>
-        <p:cNvGrpSpPr/>
-        <p:nvPr/>
-      </p:nvGrpSpPr>
-      <p:grpSpPr>
-        <a:xfrm>
-          <a:off x="0" y="0"/>
-          <a:ext cx="0" cy="0"/>
-          <a:chOff x="0" y="0"/>
-          <a:chExt cx="0" cy="0"/>
-        </a:xfrm>
-      </p:grpSpPr>
-      <p:sp>
-        <p:nvSpPr>
-          <p:cNvPr id="75" name="Straight Connector 5"/>
-          <p:cNvSpPr/>
-          <p:nvPr/>
-        </p:nvSpPr>
-        <p:spPr>
-          <a:xfrm>
-            <a:off x="468000" y="1128600"/>
-            <a:ext cx="9144000" cy="360"/>
-          </a:xfrm>
-          <a:prstGeom prst="line">
-            <a:avLst/>
-          </a:prstGeom>
-          <a:ln w="57240">
-            <a:solidFill>
-              <a:srgbClr val="ed7d31"/>
-            </a:solidFill>
-            <a:miter/>
-          </a:ln>
-        </p:spPr>
-        <p:style>
-          <a:lnRef idx="0"/>
-          <a:fillRef idx="0"/>
-          <a:effectRef idx="0"/>
-          <a:fontRef idx="minor"/>
-        </p:style>
-        <p:txBody>
-          <a:bodyPr lIns="90000" rIns="90000" tIns="-44640" bIns="-44640" anchor="t" anchorCtr="1">
-            <a:noAutofit/>
-          </a:bodyPr>
-          <a:p>
-            <a:endParaRPr b="0" lang="en-US" sz="1800" spc="-1" strike="noStrike">
-              <a:solidFill>
-                <a:srgbClr val="000000"/>
-              </a:solidFill>
-              <a:latin typeface="Arial"/>
-              <a:ea typeface="DejaVu Sans"/>
-            </a:endParaRPr>
-          </a:p>
-        </p:txBody>
-      </p:sp>
-      <p:sp>
-        <p:nvSpPr>
-          <p:cNvPr id="76" name="PlaceHolder 4"/>
-          <p:cNvSpPr/>
-          <p:nvPr/>
-        </p:nvSpPr>
-        <p:spPr>
-          <a:xfrm>
-            <a:off x="914400" y="0"/>
-            <a:ext cx="8237160" cy="913680"/>
-          </a:xfrm>
-          <a:prstGeom prst="rect">
-            <a:avLst/>
-          </a:prstGeom>
-          <a:noFill/>
-          <a:ln w="9360">
-            <a:noFill/>
-          </a:ln>
-        </p:spPr>
-        <p:style>
-          <a:lnRef idx="0"/>
-          <a:fillRef idx="0"/>
-          <a:effectRef idx="0"/>
-          <a:fontRef idx="minor"/>
-        </p:style>
-        <p:txBody>
-          <a:bodyPr numCol="1" spcCol="0" lIns="90000" rIns="90000" tIns="45000" bIns="45000" anchor="t">
-            <a:noAutofit/>
-          </a:bodyPr>
-          <a:p>
-            <a:pPr algn="ctr">
-              <a:lnSpc>
-                <a:spcPct val="150000"/>
-              </a:lnSpc>
-              <a:tabLst>
-                <a:tab algn="l" pos="0"/>
-              </a:tabLst>
-            </a:pPr>
-            <a:r>
-              <a:rPr b="0" lang="en-US" sz="2800" spc="-1" strike="noStrike">
-                <a:solidFill>
-                  <a:srgbClr val="000000"/>
-                </a:solidFill>
-                <a:latin typeface="Times New Roman"/>
-                <a:ea typeface="DejaVu Sans"/>
-              </a:rPr>
-              <a:t>How do the Buffers Work?</a:t>
-            </a:r>
-            <a:br>
-              <a:rPr sz="2800"/>
-            </a:br>
-            <a:endParaRPr b="0" lang="en-US" sz="2800" spc="-1" strike="noStrike">
-              <a:solidFill>
-                <a:srgbClr val="000000"/>
-              </a:solidFill>
-              <a:latin typeface="Arial"/>
-            </a:endParaRPr>
-          </a:p>
-        </p:txBody>
-      </p:sp>
-      <p:sp>
-        <p:nvSpPr>
-          <p:cNvPr id="77" name=""/>
-          <p:cNvSpPr/>
-          <p:nvPr/>
-        </p:nvSpPr>
-        <p:spPr>
-          <a:xfrm>
-            <a:off x="468000" y="1128600"/>
-            <a:ext cx="9132480" cy="1944360"/>
-          </a:xfrm>
-          <a:prstGeom prst="rect">
-            <a:avLst/>
-          </a:prstGeom>
-          <a:noFill/>
-          <a:ln w="0">
-            <a:noFill/>
-          </a:ln>
-        </p:spPr>
-        <p:style>
-          <a:lnRef idx="0"/>
-          <a:fillRef idx="0"/>
-          <a:effectRef idx="0"/>
-          <a:fontRef idx="minor"/>
-        </p:style>
-        <p:txBody>
-          <a:bodyPr lIns="90000" rIns="90000" tIns="45000" bIns="45000" anchor="t">
-            <a:noAutofit/>
-          </a:bodyPr>
-          <a:p>
-            <a:pPr marL="216000" indent="-216000">
-              <a:lnSpc>
-                <a:spcPct val="150000"/>
-              </a:lnSpc>
-              <a:buClr>
-                <a:srgbClr val="000000"/>
-              </a:buClr>
-              <a:buSzPct val="45000"/>
-              <a:buFont typeface="Wingdings" charset="2"/>
-              <a:buChar char=""/>
-            </a:pPr>
-            <a:r>
-              <a:rPr b="0" lang="en-US" sz="2200" spc="-1" strike="noStrike">
-                <a:solidFill>
-                  <a:srgbClr val="000000"/>
-                </a:solidFill>
-                <a:latin typeface="Times New Roman"/>
-                <a:ea typeface="DejaVu Sans"/>
-              </a:rPr>
-              <a:t>Each buffer can be thought of as look up memory, distinguished by its relative position to the current character</a:t>
-            </a:r>
-            <a:endParaRPr b="0" lang="en-US" sz="2200" spc="-1" strike="noStrike">
-              <a:solidFill>
-                <a:srgbClr val="000000"/>
-              </a:solidFill>
-              <a:latin typeface="Arial"/>
-            </a:endParaRPr>
-          </a:p>
-          <a:p>
-            <a:pPr marL="216000" indent="-216000">
-              <a:lnSpc>
-                <a:spcPct val="150000"/>
-              </a:lnSpc>
-              <a:buClr>
-                <a:srgbClr val="000000"/>
-              </a:buClr>
-              <a:buSzPct val="45000"/>
-              <a:buFont typeface="Wingdings" charset="2"/>
-              <a:buChar char=""/>
-            </a:pPr>
-            <a:r>
-              <a:rPr b="0" lang="en-US" sz="2200" spc="-1" strike="noStrike">
-                <a:solidFill>
-                  <a:srgbClr val="000000"/>
-                </a:solidFill>
-                <a:latin typeface="Times New Roman"/>
-                <a:ea typeface="DejaVu Sans"/>
-              </a:rPr>
-              <a:t>In other words, you want an idea of the characters/words around you</a:t>
-            </a:r>
-            <a:endParaRPr b="0" lang="en-US" sz="2200" spc="-1" strike="noStrike">
-              <a:solidFill>
-                <a:srgbClr val="000000"/>
-              </a:solidFill>
-              <a:latin typeface="Arial"/>
-            </a:endParaRPr>
-          </a:p>
-          <a:p>
-            <a:pPr lvl="2" marL="648000" indent="-216000">
-              <a:lnSpc>
-                <a:spcPct val="150000"/>
-              </a:lnSpc>
-              <a:buClr>
-                <a:srgbClr val="000000"/>
-              </a:buClr>
-              <a:buSzPct val="45000"/>
-              <a:buFont typeface="Wingdings" charset="2"/>
-              <a:buChar char=""/>
-            </a:pPr>
-            <a:r>
-              <a:rPr b="0" lang="en-US" sz="2200" spc="-1" strike="noStrike">
-                <a:solidFill>
-                  <a:srgbClr val="000000"/>
-                </a:solidFill>
-                <a:latin typeface="Times New Roman"/>
-                <a:ea typeface="DejaVu Sans"/>
-              </a:rPr>
-              <a:t>- Otherwise, you would simply be expanding characters while encoding!</a:t>
-            </a:r>
-            <a:endParaRPr b="0" lang="en-US" sz="2200" spc="-1" strike="noStrike">
-              <a:solidFill>
-                <a:srgbClr val="000000"/>
-              </a:solidFill>
-              <a:latin typeface="Arial"/>
-            </a:endParaRPr>
-          </a:p>
-        </p:txBody>
-      </p:sp>
-      <p:sp>
-        <p:nvSpPr>
-          <p:cNvPr id="78" name=""/>
-          <p:cNvSpPr/>
-          <p:nvPr/>
-        </p:nvSpPr>
-        <p:spPr>
-          <a:xfrm>
-            <a:off x="4344840" y="3372120"/>
-            <a:ext cx="684360" cy="513360"/>
+      <p:sp>
+        <p:nvSpPr>
+          <p:cNvPr id="75" name=""/>
+          <p:cNvSpPr/>
+          <p:nvPr/>
+        </p:nvSpPr>
+        <p:spPr>
+          <a:xfrm>
+            <a:off x="2892600" y="3528720"/>
+            <a:ext cx="724680" cy="543240"/>
           </a:xfrm>
           <a:prstGeom prst="roundRect">
             <a:avLst>
@@ -5132,31 +5341,40 @@
             <a:noAutofit/>
           </a:bodyPr>
           <a:p>
-            <a:pPr>
-              <a:lnSpc>
-                <a:spcPct val="100000"/>
-              </a:lnSpc>
-            </a:pPr>
-            <a:endParaRPr b="0" lang="en-US" sz="1800" spc="-1" strike="noStrike">
-              <a:solidFill>
-                <a:srgbClr val="000000"/>
-              </a:solidFill>
-              <a:latin typeface="Arial"/>
-              <a:ea typeface="DejaVu Sans"/>
-            </a:endParaRPr>
-          </a:p>
-        </p:txBody>
-      </p:sp>
-      <p:sp>
-        <p:nvSpPr>
-          <p:cNvPr id="79" name=""/>
-          <p:cNvSpPr/>
-          <p:nvPr/>
-        </p:nvSpPr>
-        <p:spPr>
-          <a:xfrm>
-            <a:off x="5030640" y="3372120"/>
-            <a:ext cx="684360" cy="513000"/>
+            <a:pPr algn="ctr">
+              <a:lnSpc>
+                <a:spcPct val="100000"/>
+              </a:lnSpc>
+            </a:pPr>
+            <a:r>
+              <a:rPr b="0" lang="en-US" sz="1800" spc="-1" strike="noStrike">
+                <a:solidFill>
+                  <a:srgbClr val="000000"/>
+                </a:solidFill>
+                <a:latin typeface="Times New Roman"/>
+                <a:ea typeface="DejaVu Sans"/>
+              </a:rPr>
+              <a:t>L</a:t>
+            </a:r>
+            <a:endParaRPr b="0" lang="en-US" sz="1800" spc="-1" strike="noStrike">
+              <a:solidFill>
+                <a:srgbClr val="000000"/>
+              </a:solidFill>
+              <a:latin typeface="Arial"/>
+            </a:endParaRPr>
+          </a:p>
+        </p:txBody>
+      </p:sp>
+      <p:sp>
+        <p:nvSpPr>
+          <p:cNvPr id="76" name=""/>
+          <p:cNvSpPr/>
+          <p:nvPr/>
+        </p:nvSpPr>
+        <p:spPr>
+          <a:xfrm>
+            <a:off x="2172600" y="3528720"/>
+            <a:ext cx="724680" cy="543240"/>
           </a:xfrm>
           <a:prstGeom prst="roundRect">
             <a:avLst>
@@ -5183,31 +5401,40 @@
             <a:noAutofit/>
           </a:bodyPr>
           <a:p>
-            <a:pPr>
-              <a:lnSpc>
-                <a:spcPct val="100000"/>
-              </a:lnSpc>
-            </a:pPr>
-            <a:endParaRPr b="0" lang="en-US" sz="1800" spc="-1" strike="noStrike">
-              <a:solidFill>
-                <a:srgbClr val="000000"/>
-              </a:solidFill>
-              <a:latin typeface="Arial"/>
-              <a:ea typeface="DejaVu Sans"/>
-            </a:endParaRPr>
-          </a:p>
-        </p:txBody>
-      </p:sp>
-      <p:sp>
-        <p:nvSpPr>
-          <p:cNvPr id="80" name=""/>
-          <p:cNvSpPr/>
-          <p:nvPr/>
-        </p:nvSpPr>
-        <p:spPr>
-          <a:xfrm>
-            <a:off x="6401880" y="3372120"/>
-            <a:ext cx="684360" cy="513360"/>
+            <a:pPr algn="ctr">
+              <a:lnSpc>
+                <a:spcPct val="100000"/>
+              </a:lnSpc>
+            </a:pPr>
+            <a:r>
+              <a:rPr b="0" lang="en-US" sz="1800" spc="-1" strike="noStrike">
+                <a:solidFill>
+                  <a:srgbClr val="000000"/>
+                </a:solidFill>
+                <a:latin typeface="Times New Roman"/>
+                <a:ea typeface="DejaVu Sans"/>
+              </a:rPr>
+              <a:t>I</a:t>
+            </a:r>
+            <a:endParaRPr b="0" lang="en-US" sz="1800" spc="-1" strike="noStrike">
+              <a:solidFill>
+                <a:srgbClr val="000000"/>
+              </a:solidFill>
+              <a:latin typeface="Arial"/>
+            </a:endParaRPr>
+          </a:p>
+        </p:txBody>
+      </p:sp>
+      <p:sp>
+        <p:nvSpPr>
+          <p:cNvPr id="77" name=""/>
+          <p:cNvSpPr/>
+          <p:nvPr/>
+        </p:nvSpPr>
+        <p:spPr>
+          <a:xfrm>
+            <a:off x="1452600" y="3528720"/>
+            <a:ext cx="724680" cy="543240"/>
           </a:xfrm>
           <a:prstGeom prst="roundRect">
             <a:avLst>
@@ -5234,966 +5461,22 @@
             <a:noAutofit/>
           </a:bodyPr>
           <a:p>
-            <a:pPr>
-              <a:lnSpc>
-                <a:spcPct val="100000"/>
-              </a:lnSpc>
-            </a:pPr>
-            <a:endParaRPr b="0" lang="en-US" sz="1800" spc="-1" strike="noStrike">
-              <a:solidFill>
-                <a:srgbClr val="000000"/>
-              </a:solidFill>
-              <a:latin typeface="Arial"/>
-              <a:ea typeface="DejaVu Sans"/>
-            </a:endParaRPr>
-          </a:p>
-        </p:txBody>
-      </p:sp>
-      <p:sp>
-        <p:nvSpPr>
-          <p:cNvPr id="81" name=""/>
-          <p:cNvSpPr/>
-          <p:nvPr/>
-        </p:nvSpPr>
-        <p:spPr>
-          <a:xfrm>
-            <a:off x="5716080" y="3372120"/>
-            <a:ext cx="684360" cy="513360"/>
-          </a:xfrm>
-          <a:prstGeom prst="roundRect">
-            <a:avLst>
-              <a:gd name="adj" fmla="val 16667"/>
-            </a:avLst>
-          </a:prstGeom>
-          <a:solidFill>
-            <a:srgbClr val="729fcf"/>
-          </a:solidFill>
-          <a:ln w="0">
-            <a:solidFill>
-              <a:srgbClr val="3465a4"/>
-            </a:solidFill>
-          </a:ln>
-        </p:spPr>
-        <p:style>
-          <a:lnRef idx="0"/>
-          <a:fillRef idx="0"/>
-          <a:effectRef idx="0"/>
-          <a:fontRef idx="minor"/>
-        </p:style>
-        <p:txBody>
-          <a:bodyPr lIns="90000" rIns="90000" tIns="45000" bIns="45000" anchor="ctr">
-            <a:noAutofit/>
-          </a:bodyPr>
-          <a:p>
-            <a:pPr>
-              <a:lnSpc>
-                <a:spcPct val="100000"/>
-              </a:lnSpc>
-            </a:pPr>
-            <a:endParaRPr b="0" lang="en-US" sz="1800" spc="-1" strike="noStrike">
-              <a:solidFill>
-                <a:srgbClr val="000000"/>
-              </a:solidFill>
-              <a:latin typeface="Arial"/>
-              <a:ea typeface="DejaVu Sans"/>
-            </a:endParaRPr>
-          </a:p>
-        </p:txBody>
-      </p:sp>
-      <p:sp>
-        <p:nvSpPr>
-          <p:cNvPr id="82" name=""/>
-          <p:cNvSpPr/>
-          <p:nvPr/>
-        </p:nvSpPr>
-        <p:spPr>
-          <a:xfrm>
-            <a:off x="5030640" y="4526640"/>
-            <a:ext cx="684360" cy="501840"/>
-          </a:xfrm>
-          <a:prstGeom prst="roundRect">
-            <a:avLst>
-              <a:gd name="adj" fmla="val 16667"/>
-            </a:avLst>
-          </a:prstGeom>
-          <a:solidFill>
-            <a:srgbClr val="77bc65"/>
-          </a:solidFill>
-          <a:ln w="0">
-            <a:solidFill>
-              <a:srgbClr val="3465a4"/>
-            </a:solidFill>
-          </a:ln>
-        </p:spPr>
-        <p:style>
-          <a:lnRef idx="0"/>
-          <a:fillRef idx="0"/>
-          <a:effectRef idx="0"/>
-          <a:fontRef idx="minor"/>
-        </p:style>
-        <p:txBody>
-          <a:bodyPr lIns="90000" rIns="90000" tIns="45000" bIns="45000" anchor="ctr">
-            <a:noAutofit/>
-          </a:bodyPr>
-          <a:p>
-            <a:pPr>
-              <a:lnSpc>
-                <a:spcPct val="100000"/>
-              </a:lnSpc>
-            </a:pPr>
-            <a:endParaRPr b="0" lang="en-US" sz="1800" spc="-1" strike="noStrike">
-              <a:solidFill>
-                <a:srgbClr val="000000"/>
-              </a:solidFill>
-              <a:latin typeface="Arial"/>
-              <a:ea typeface="DejaVu Sans"/>
-            </a:endParaRPr>
-          </a:p>
-        </p:txBody>
-      </p:sp>
-      <p:sp>
-        <p:nvSpPr>
-          <p:cNvPr id="83" name=""/>
-          <p:cNvSpPr/>
-          <p:nvPr/>
-        </p:nvSpPr>
-        <p:spPr>
-          <a:xfrm>
-            <a:off x="5716080" y="4526640"/>
-            <a:ext cx="684360" cy="501840"/>
-          </a:xfrm>
-          <a:prstGeom prst="roundRect">
-            <a:avLst>
-              <a:gd name="adj" fmla="val 16667"/>
-            </a:avLst>
-          </a:prstGeom>
-          <a:solidFill>
-            <a:srgbClr val="77bc65"/>
-          </a:solidFill>
-          <a:ln w="0">
-            <a:solidFill>
-              <a:srgbClr val="3465a4"/>
-            </a:solidFill>
-          </a:ln>
-        </p:spPr>
-        <p:style>
-          <a:lnRef idx="0"/>
-          <a:fillRef idx="0"/>
-          <a:effectRef idx="0"/>
-          <a:fontRef idx="minor"/>
-        </p:style>
-        <p:txBody>
-          <a:bodyPr lIns="90000" rIns="90000" tIns="45000" bIns="45000" anchor="ctr">
-            <a:noAutofit/>
-          </a:bodyPr>
-          <a:p>
-            <a:pPr>
-              <a:lnSpc>
-                <a:spcPct val="100000"/>
-              </a:lnSpc>
-            </a:pPr>
-            <a:endParaRPr b="0" lang="en-US" sz="1800" spc="-1" strike="noStrike">
-              <a:solidFill>
-                <a:srgbClr val="000000"/>
-              </a:solidFill>
-              <a:latin typeface="Arial"/>
-              <a:ea typeface="DejaVu Sans"/>
-            </a:endParaRPr>
-          </a:p>
-        </p:txBody>
-      </p:sp>
-      <p:sp>
-        <p:nvSpPr>
-          <p:cNvPr id="84" name=""/>
-          <p:cNvSpPr/>
-          <p:nvPr/>
-        </p:nvSpPr>
-        <p:spPr>
-          <a:xfrm>
-            <a:off x="6401880" y="4526640"/>
-            <a:ext cx="684360" cy="501840"/>
-          </a:xfrm>
-          <a:prstGeom prst="roundRect">
-            <a:avLst>
-              <a:gd name="adj" fmla="val 16667"/>
-            </a:avLst>
-          </a:prstGeom>
-          <a:solidFill>
-            <a:srgbClr val="77bc65"/>
-          </a:solidFill>
-          <a:ln w="0">
-            <a:solidFill>
-              <a:srgbClr val="3465a4"/>
-            </a:solidFill>
-          </a:ln>
-        </p:spPr>
-        <p:style>
-          <a:lnRef idx="0"/>
-          <a:fillRef idx="0"/>
-          <a:effectRef idx="0"/>
-          <a:fontRef idx="minor"/>
-        </p:style>
-        <p:txBody>
-          <a:bodyPr lIns="90000" rIns="90000" tIns="45000" bIns="45000" anchor="ctr">
-            <a:noAutofit/>
-          </a:bodyPr>
-          <a:p>
-            <a:pPr>
-              <a:lnSpc>
-                <a:spcPct val="100000"/>
-              </a:lnSpc>
-            </a:pPr>
-            <a:endParaRPr b="0" lang="en-US" sz="1800" spc="-1" strike="noStrike">
-              <a:solidFill>
-                <a:srgbClr val="000000"/>
-              </a:solidFill>
-              <a:latin typeface="Arial"/>
-              <a:ea typeface="DejaVu Sans"/>
-            </a:endParaRPr>
-          </a:p>
-        </p:txBody>
-      </p:sp>
-      <p:sp>
-        <p:nvSpPr>
-          <p:cNvPr id="85" name=""/>
-          <p:cNvSpPr/>
-          <p:nvPr/>
-        </p:nvSpPr>
-        <p:spPr>
-          <a:xfrm>
-            <a:off x="7087320" y="4526640"/>
-            <a:ext cx="684360" cy="501840"/>
-          </a:xfrm>
-          <a:prstGeom prst="roundRect">
-            <a:avLst>
-              <a:gd name="adj" fmla="val 16667"/>
-            </a:avLst>
-          </a:prstGeom>
-          <a:solidFill>
-            <a:srgbClr val="77bc65"/>
-          </a:solidFill>
-          <a:ln w="0">
-            <a:solidFill>
-              <a:srgbClr val="3465a4"/>
-            </a:solidFill>
-          </a:ln>
-        </p:spPr>
-        <p:style>
-          <a:lnRef idx="0"/>
-          <a:fillRef idx="0"/>
-          <a:effectRef idx="0"/>
-          <a:fontRef idx="minor"/>
-        </p:style>
-        <p:txBody>
-          <a:bodyPr lIns="90000" rIns="90000" tIns="45000" bIns="45000" anchor="ctr">
-            <a:noAutofit/>
-          </a:bodyPr>
-          <a:p>
-            <a:pPr>
-              <a:lnSpc>
-                <a:spcPct val="100000"/>
-              </a:lnSpc>
-            </a:pPr>
-            <a:endParaRPr b="0" lang="en-US" sz="1800" spc="-1" strike="noStrike">
-              <a:solidFill>
-                <a:srgbClr val="000000"/>
-              </a:solidFill>
-              <a:latin typeface="Arial"/>
-              <a:ea typeface="DejaVu Sans"/>
-            </a:endParaRPr>
-          </a:p>
-        </p:txBody>
-      </p:sp>
-      <p:sp>
-        <p:nvSpPr>
-          <p:cNvPr id="86" name=""/>
-          <p:cNvSpPr/>
-          <p:nvPr/>
-        </p:nvSpPr>
-        <p:spPr>
-          <a:xfrm>
-            <a:off x="7773120" y="4538880"/>
-            <a:ext cx="684360" cy="501840"/>
-          </a:xfrm>
-          <a:prstGeom prst="roundRect">
-            <a:avLst>
-              <a:gd name="adj" fmla="val 16667"/>
-            </a:avLst>
-          </a:prstGeom>
-          <a:solidFill>
-            <a:srgbClr val="77bc65"/>
-          </a:solidFill>
-          <a:ln w="0">
-            <a:solidFill>
-              <a:srgbClr val="3465a4"/>
-            </a:solidFill>
-          </a:ln>
-        </p:spPr>
-        <p:style>
-          <a:lnRef idx="0"/>
-          <a:fillRef idx="0"/>
-          <a:effectRef idx="0"/>
-          <a:fontRef idx="minor"/>
-        </p:style>
-        <p:txBody>
-          <a:bodyPr lIns="90000" rIns="90000" tIns="45000" bIns="45000" anchor="ctr">
-            <a:noAutofit/>
-          </a:bodyPr>
-          <a:p>
-            <a:pPr>
-              <a:lnSpc>
-                <a:spcPct val="100000"/>
-              </a:lnSpc>
-            </a:pPr>
-            <a:endParaRPr b="0" lang="en-US" sz="1800" spc="-1" strike="noStrike">
-              <a:solidFill>
-                <a:srgbClr val="000000"/>
-              </a:solidFill>
-              <a:latin typeface="Arial"/>
-              <a:ea typeface="DejaVu Sans"/>
-            </a:endParaRPr>
-          </a:p>
-        </p:txBody>
-      </p:sp>
-      <p:sp>
-        <p:nvSpPr>
-          <p:cNvPr id="87" name=""/>
-          <p:cNvSpPr/>
-          <p:nvPr/>
-        </p:nvSpPr>
-        <p:spPr>
-          <a:xfrm>
-            <a:off x="688320" y="3429360"/>
-            <a:ext cx="2512800" cy="456120"/>
-          </a:xfrm>
-          <a:prstGeom prst="rect">
-            <a:avLst/>
-          </a:prstGeom>
-          <a:noFill/>
-          <a:ln w="0">
-            <a:noFill/>
-          </a:ln>
-        </p:spPr>
-        <p:style>
-          <a:lnRef idx="0"/>
-          <a:fillRef idx="0"/>
-          <a:effectRef idx="0"/>
-          <a:fontRef idx="minor"/>
-        </p:style>
-        <p:txBody>
-          <a:bodyPr lIns="90000" rIns="90000" tIns="45000" bIns="45000" anchor="t">
-            <a:noAutofit/>
-          </a:bodyPr>
-          <a:p>
             <a:pPr algn="ctr">
               <a:lnSpc>
                 <a:spcPct val="100000"/>
               </a:lnSpc>
             </a:pPr>
             <a:r>
-              <a:rPr b="0" lang="en-US" sz="2400" spc="-1" strike="noStrike">
-                <a:solidFill>
-                  <a:srgbClr val="000000"/>
-                </a:solidFill>
-                <a:latin typeface="Times New Roman"/>
-                <a:ea typeface="DejaVu Sans"/>
-              </a:rPr>
-              <a:t>Search Buffer</a:t>
-            </a:r>
-            <a:endParaRPr b="0" lang="en-US" sz="2400" spc="-1" strike="noStrike">
-              <a:solidFill>
-                <a:srgbClr val="000000"/>
-              </a:solidFill>
-              <a:latin typeface="Arial"/>
-            </a:endParaRPr>
-          </a:p>
-        </p:txBody>
-      </p:sp>
-      <p:sp>
-        <p:nvSpPr>
-          <p:cNvPr id="88" name=""/>
-          <p:cNvSpPr/>
-          <p:nvPr/>
-        </p:nvSpPr>
-        <p:spPr>
-          <a:xfrm>
-            <a:off x="688320" y="4493880"/>
-            <a:ext cx="3198600" cy="763200"/>
-          </a:xfrm>
-          <a:prstGeom prst="rect">
-            <a:avLst/>
-          </a:prstGeom>
-          <a:noFill/>
-          <a:ln w="0">
-            <a:noFill/>
-          </a:ln>
-        </p:spPr>
-        <p:style>
-          <a:lnRef idx="0"/>
-          <a:fillRef idx="0"/>
-          <a:effectRef idx="0"/>
-          <a:fontRef idx="minor"/>
-        </p:style>
-        <p:txBody>
-          <a:bodyPr lIns="90000" rIns="90000" tIns="45000" bIns="45000" anchor="t">
-            <a:noAutofit/>
-          </a:bodyPr>
-          <a:p>
-            <a:pPr>
-              <a:lnSpc>
-                <a:spcPct val="100000"/>
-              </a:lnSpc>
-            </a:pPr>
-            <a:r>
-              <a:rPr b="0" lang="en-US" sz="2400" spc="-1" strike="noStrike">
-                <a:solidFill>
-                  <a:srgbClr val="000000"/>
-                </a:solidFill>
-                <a:latin typeface="Times New Roman"/>
-                <a:ea typeface="DejaVu Sans"/>
-              </a:rPr>
-              <a:t>Look Ahead Window</a:t>
-            </a:r>
-            <a:endParaRPr b="0" lang="en-US" sz="2400" spc="-1" strike="noStrike">
-              <a:solidFill>
-                <a:srgbClr val="000000"/>
-              </a:solidFill>
-              <a:latin typeface="Arial"/>
-            </a:endParaRPr>
-          </a:p>
-        </p:txBody>
-      </p:sp>
-      <p:sp>
-        <p:nvSpPr>
-          <p:cNvPr id="89" name=""/>
-          <p:cNvSpPr/>
-          <p:nvPr/>
-        </p:nvSpPr>
-        <p:spPr>
-          <a:xfrm>
-            <a:off x="4516200" y="3494160"/>
-            <a:ext cx="342000" cy="345240"/>
-          </a:xfrm>
-          <a:prstGeom prst="rect">
-            <a:avLst/>
-          </a:prstGeom>
-          <a:noFill/>
-          <a:ln w="0">
-            <a:noFill/>
-          </a:ln>
-        </p:spPr>
-        <p:style>
-          <a:lnRef idx="0"/>
-          <a:fillRef idx="0"/>
-          <a:effectRef idx="0"/>
-          <a:fontRef idx="minor"/>
-        </p:style>
-        <p:txBody>
-          <a:bodyPr lIns="90000" rIns="90000" tIns="45000" bIns="45000" anchor="t">
-            <a:noAutofit/>
-          </a:bodyPr>
-          <a:p>
-            <a:pPr>
-              <a:lnSpc>
-                <a:spcPct val="100000"/>
-              </a:lnSpc>
-            </a:pPr>
-            <a:r>
               <a:rPr b="0" lang="en-US" sz="1800" spc="-1" strike="noStrike">
                 <a:solidFill>
                   <a:srgbClr val="000000"/>
                 </a:solidFill>
-                <a:latin typeface="Arial"/>
-                <a:ea typeface="DejaVu Sans"/>
-              </a:rPr>
-              <a:t>A</a:t>
-            </a:r>
-            <a:endParaRPr b="0" lang="en-US" sz="1800" spc="-1" strike="noStrike">
-              <a:solidFill>
-                <a:srgbClr val="000000"/>
-              </a:solidFill>
-              <a:latin typeface="Arial"/>
-            </a:endParaRPr>
-          </a:p>
-        </p:txBody>
-      </p:sp>
-      <p:sp>
-        <p:nvSpPr>
-          <p:cNvPr id="90" name=""/>
-          <p:cNvSpPr/>
-          <p:nvPr/>
-        </p:nvSpPr>
-        <p:spPr>
-          <a:xfrm>
-            <a:off x="5202000" y="3494160"/>
-            <a:ext cx="342000" cy="345240"/>
-          </a:xfrm>
-          <a:prstGeom prst="rect">
-            <a:avLst/>
-          </a:prstGeom>
-          <a:noFill/>
-          <a:ln w="0">
-            <a:noFill/>
-          </a:ln>
-        </p:spPr>
-        <p:style>
-          <a:lnRef idx="0"/>
-          <a:fillRef idx="0"/>
-          <a:effectRef idx="0"/>
-          <a:fontRef idx="minor"/>
-        </p:style>
-        <p:txBody>
-          <a:bodyPr lIns="90000" rIns="90000" tIns="45000" bIns="45000" anchor="t">
-            <a:noAutofit/>
-          </a:bodyPr>
-          <a:p>
-            <a:pPr>
-              <a:lnSpc>
-                <a:spcPct val="100000"/>
-              </a:lnSpc>
-            </a:pPr>
-            <a:r>
-              <a:rPr b="0" lang="en-US" sz="1800" spc="-1" strike="noStrike">
-                <a:solidFill>
-                  <a:srgbClr val="000000"/>
-                </a:solidFill>
-                <a:latin typeface="Arial"/>
-                <a:ea typeface="DejaVu Sans"/>
-              </a:rPr>
-              <a:t>A</a:t>
-            </a:r>
-            <a:endParaRPr b="0" lang="en-US" sz="1800" spc="-1" strike="noStrike">
-              <a:solidFill>
-                <a:srgbClr val="000000"/>
-              </a:solidFill>
-              <a:latin typeface="Arial"/>
-            </a:endParaRPr>
-          </a:p>
-        </p:txBody>
-      </p:sp>
-      <p:sp>
-        <p:nvSpPr>
-          <p:cNvPr id="91" name=""/>
-          <p:cNvSpPr/>
-          <p:nvPr/>
-        </p:nvSpPr>
-        <p:spPr>
-          <a:xfrm>
-            <a:off x="5887440" y="3494160"/>
-            <a:ext cx="342000" cy="345240"/>
-          </a:xfrm>
-          <a:prstGeom prst="rect">
-            <a:avLst/>
-          </a:prstGeom>
-          <a:noFill/>
-          <a:ln w="0">
-            <a:noFill/>
-          </a:ln>
-        </p:spPr>
-        <p:style>
-          <a:lnRef idx="0"/>
-          <a:fillRef idx="0"/>
-          <a:effectRef idx="0"/>
-          <a:fontRef idx="minor"/>
-        </p:style>
-        <p:txBody>
-          <a:bodyPr lIns="90000" rIns="90000" tIns="45000" bIns="45000" anchor="t">
-            <a:noAutofit/>
-          </a:bodyPr>
-          <a:p>
-            <a:pPr>
-              <a:lnSpc>
-                <a:spcPct val="100000"/>
-              </a:lnSpc>
-            </a:pPr>
-            <a:r>
-              <a:rPr b="0" lang="en-US" sz="1800" spc="-1" strike="noStrike">
-                <a:solidFill>
-                  <a:srgbClr val="000000"/>
-                </a:solidFill>
-                <a:latin typeface="Arial"/>
-                <a:ea typeface="DejaVu Sans"/>
-              </a:rPr>
-              <a:t>B</a:t>
-            </a:r>
-            <a:endParaRPr b="0" lang="en-US" sz="1800" spc="-1" strike="noStrike">
-              <a:solidFill>
-                <a:srgbClr val="000000"/>
-              </a:solidFill>
-              <a:latin typeface="Arial"/>
-            </a:endParaRPr>
-          </a:p>
-        </p:txBody>
-      </p:sp>
-      <p:sp>
-        <p:nvSpPr>
-          <p:cNvPr id="92" name=""/>
-          <p:cNvSpPr/>
-          <p:nvPr/>
-        </p:nvSpPr>
-        <p:spPr>
-          <a:xfrm>
-            <a:off x="6573240" y="3494160"/>
-            <a:ext cx="342000" cy="345240"/>
-          </a:xfrm>
-          <a:prstGeom prst="rect">
-            <a:avLst/>
-          </a:prstGeom>
-          <a:noFill/>
-          <a:ln w="0">
-            <a:noFill/>
-          </a:ln>
-        </p:spPr>
-        <p:style>
-          <a:lnRef idx="0"/>
-          <a:fillRef idx="0"/>
-          <a:effectRef idx="0"/>
-          <a:fontRef idx="minor"/>
-        </p:style>
-        <p:txBody>
-          <a:bodyPr lIns="90000" rIns="90000" tIns="45000" bIns="45000" anchor="t">
-            <a:noAutofit/>
-          </a:bodyPr>
-          <a:p>
-            <a:pPr>
-              <a:lnSpc>
-                <a:spcPct val="100000"/>
-              </a:lnSpc>
-            </a:pPr>
-            <a:r>
-              <a:rPr b="0" lang="en-US" sz="1800" spc="-1" strike="noStrike">
-                <a:solidFill>
-                  <a:srgbClr val="000000"/>
-                </a:solidFill>
-                <a:latin typeface="Arial"/>
-                <a:ea typeface="DejaVu Sans"/>
-              </a:rPr>
-              <a:t>C</a:t>
-            </a:r>
-            <a:endParaRPr b="0" lang="en-US" sz="1800" spc="-1" strike="noStrike">
-              <a:solidFill>
-                <a:srgbClr val="000000"/>
-              </a:solidFill>
-              <a:latin typeface="Arial"/>
-            </a:endParaRPr>
-          </a:p>
-        </p:txBody>
-      </p:sp>
-      <p:sp>
-        <p:nvSpPr>
-          <p:cNvPr id="93" name=""/>
-          <p:cNvSpPr/>
-          <p:nvPr/>
-        </p:nvSpPr>
-        <p:spPr>
-          <a:xfrm>
-            <a:off x="5202000" y="4645800"/>
-            <a:ext cx="342000" cy="345240"/>
-          </a:xfrm>
-          <a:prstGeom prst="rect">
-            <a:avLst/>
-          </a:prstGeom>
-          <a:noFill/>
-          <a:ln w="0">
-            <a:noFill/>
-          </a:ln>
-        </p:spPr>
-        <p:style>
-          <a:lnRef idx="0"/>
-          <a:fillRef idx="0"/>
-          <a:effectRef idx="0"/>
-          <a:fontRef idx="minor"/>
-        </p:style>
-        <p:txBody>
-          <a:bodyPr lIns="90000" rIns="90000" tIns="45000" bIns="45000" anchor="t">
-            <a:noAutofit/>
-          </a:bodyPr>
-          <a:p>
-            <a:pPr>
-              <a:lnSpc>
-                <a:spcPct val="100000"/>
-              </a:lnSpc>
-            </a:pPr>
-            <a:r>
-              <a:rPr b="0" lang="en-US" sz="1800" spc="-1" strike="noStrike">
-                <a:solidFill>
-                  <a:srgbClr val="000000"/>
-                </a:solidFill>
-                <a:latin typeface="Arial"/>
-                <a:ea typeface="DejaVu Sans"/>
-              </a:rPr>
-              <a:t>A</a:t>
-            </a:r>
-            <a:endParaRPr b="0" lang="en-US" sz="1800" spc="-1" strike="noStrike">
-              <a:solidFill>
-                <a:srgbClr val="000000"/>
-              </a:solidFill>
-              <a:latin typeface="Arial"/>
-            </a:endParaRPr>
-          </a:p>
-        </p:txBody>
-      </p:sp>
-      <p:sp>
-        <p:nvSpPr>
-          <p:cNvPr id="94" name=""/>
-          <p:cNvSpPr/>
-          <p:nvPr/>
-        </p:nvSpPr>
-        <p:spPr>
-          <a:xfrm>
-            <a:off x="5887440" y="4646160"/>
-            <a:ext cx="342000" cy="345240"/>
-          </a:xfrm>
-          <a:prstGeom prst="rect">
-            <a:avLst/>
-          </a:prstGeom>
-          <a:noFill/>
-          <a:ln w="0">
-            <a:noFill/>
-          </a:ln>
-        </p:spPr>
-        <p:style>
-          <a:lnRef idx="0"/>
-          <a:fillRef idx="0"/>
-          <a:effectRef idx="0"/>
-          <a:fontRef idx="minor"/>
-        </p:style>
-        <p:txBody>
-          <a:bodyPr lIns="90000" rIns="90000" tIns="45000" bIns="45000" anchor="t">
-            <a:noAutofit/>
-          </a:bodyPr>
-          <a:p>
-            <a:pPr>
-              <a:lnSpc>
-                <a:spcPct val="100000"/>
-              </a:lnSpc>
-            </a:pPr>
-            <a:r>
-              <a:rPr b="0" lang="en-US" sz="1800" spc="-1" strike="noStrike">
-                <a:solidFill>
-                  <a:srgbClr val="000000"/>
-                </a:solidFill>
-                <a:latin typeface="Arial"/>
-                <a:ea typeface="DejaVu Sans"/>
-              </a:rPr>
-              <a:t>B</a:t>
-            </a:r>
-            <a:endParaRPr b="0" lang="en-US" sz="1800" spc="-1" strike="noStrike">
-              <a:solidFill>
-                <a:srgbClr val="000000"/>
-              </a:solidFill>
-              <a:latin typeface="Arial"/>
-            </a:endParaRPr>
-          </a:p>
-        </p:txBody>
-      </p:sp>
-      <p:sp>
-        <p:nvSpPr>
-          <p:cNvPr id="95" name=""/>
-          <p:cNvSpPr/>
-          <p:nvPr/>
-        </p:nvSpPr>
-        <p:spPr>
-          <a:xfrm>
-            <a:off x="6573240" y="4645800"/>
-            <a:ext cx="342000" cy="345240"/>
-          </a:xfrm>
-          <a:prstGeom prst="rect">
-            <a:avLst/>
-          </a:prstGeom>
-          <a:noFill/>
-          <a:ln w="0">
-            <a:noFill/>
-          </a:ln>
-        </p:spPr>
-        <p:style>
-          <a:lnRef idx="0"/>
-          <a:fillRef idx="0"/>
-          <a:effectRef idx="0"/>
-          <a:fontRef idx="minor"/>
-        </p:style>
-        <p:txBody>
-          <a:bodyPr lIns="90000" rIns="90000" tIns="45000" bIns="45000" anchor="t">
-            <a:noAutofit/>
-          </a:bodyPr>
-          <a:p>
-            <a:pPr>
-              <a:lnSpc>
-                <a:spcPct val="100000"/>
-              </a:lnSpc>
-            </a:pPr>
-            <a:r>
-              <a:rPr b="0" lang="en-US" sz="1800" spc="-1" strike="noStrike">
-                <a:solidFill>
-                  <a:srgbClr val="000000"/>
-                </a:solidFill>
-                <a:latin typeface="Arial"/>
-                <a:ea typeface="DejaVu Sans"/>
-              </a:rPr>
-              <a:t>C</a:t>
-            </a:r>
-            <a:endParaRPr b="0" lang="en-US" sz="1800" spc="-1" strike="noStrike">
-              <a:solidFill>
-                <a:srgbClr val="000000"/>
-              </a:solidFill>
-              <a:latin typeface="Arial"/>
-            </a:endParaRPr>
-          </a:p>
-        </p:txBody>
-      </p:sp>
-      <p:sp>
-        <p:nvSpPr>
-          <p:cNvPr id="96" name=""/>
-          <p:cNvSpPr/>
-          <p:nvPr/>
-        </p:nvSpPr>
-        <p:spPr>
-          <a:xfrm>
-            <a:off x="7258680" y="4646160"/>
-            <a:ext cx="342000" cy="345240"/>
-          </a:xfrm>
-          <a:prstGeom prst="rect">
-            <a:avLst/>
-          </a:prstGeom>
-          <a:noFill/>
-          <a:ln w="0">
-            <a:noFill/>
-          </a:ln>
-        </p:spPr>
-        <p:style>
-          <a:lnRef idx="0"/>
-          <a:fillRef idx="0"/>
-          <a:effectRef idx="0"/>
-          <a:fontRef idx="minor"/>
-        </p:style>
-        <p:txBody>
-          <a:bodyPr lIns="90000" rIns="90000" tIns="45000" bIns="45000" anchor="t">
-            <a:noAutofit/>
-          </a:bodyPr>
-          <a:p>
-            <a:pPr>
-              <a:lnSpc>
-                <a:spcPct val="100000"/>
-              </a:lnSpc>
-            </a:pPr>
-            <a:r>
-              <a:rPr b="0" lang="en-US" sz="1800" spc="-1" strike="noStrike">
-                <a:solidFill>
-                  <a:srgbClr val="000000"/>
-                </a:solidFill>
-                <a:latin typeface="Arial"/>
-                <a:ea typeface="DejaVu Sans"/>
-              </a:rPr>
-              <a:t>D</a:t>
-            </a:r>
-            <a:endParaRPr b="0" lang="en-US" sz="1800" spc="-1" strike="noStrike">
-              <a:solidFill>
-                <a:srgbClr val="000000"/>
-              </a:solidFill>
-              <a:latin typeface="Arial"/>
-            </a:endParaRPr>
-          </a:p>
-        </p:txBody>
-      </p:sp>
-      <p:sp>
-        <p:nvSpPr>
-          <p:cNvPr id="97" name=""/>
-          <p:cNvSpPr/>
-          <p:nvPr/>
-        </p:nvSpPr>
-        <p:spPr>
-          <a:xfrm>
-            <a:off x="7944480" y="4658400"/>
-            <a:ext cx="342000" cy="345240"/>
-          </a:xfrm>
-          <a:prstGeom prst="rect">
-            <a:avLst/>
-          </a:prstGeom>
-          <a:noFill/>
-          <a:ln w="0">
-            <a:noFill/>
-          </a:ln>
-        </p:spPr>
-        <p:style>
-          <a:lnRef idx="0"/>
-          <a:fillRef idx="0"/>
-          <a:effectRef idx="0"/>
-          <a:fontRef idx="minor"/>
-        </p:style>
-        <p:txBody>
-          <a:bodyPr lIns="90000" rIns="90000" tIns="45000" bIns="45000" anchor="t">
-            <a:noAutofit/>
-          </a:bodyPr>
-          <a:p>
-            <a:pPr>
-              <a:lnSpc>
-                <a:spcPct val="100000"/>
-              </a:lnSpc>
-            </a:pPr>
-            <a:r>
-              <a:rPr b="0" lang="en-US" sz="1800" spc="-1" strike="noStrike">
-                <a:solidFill>
-                  <a:srgbClr val="000000"/>
-                </a:solidFill>
-                <a:latin typeface="Arial"/>
-                <a:ea typeface="DejaVu Sans"/>
-              </a:rPr>
-              <a:t>Z</a:t>
-            </a:r>
-            <a:endParaRPr b="0" lang="en-US" sz="1800" spc="-1" strike="noStrike">
-              <a:solidFill>
-                <a:srgbClr val="000000"/>
-              </a:solidFill>
-              <a:latin typeface="Arial"/>
-            </a:endParaRPr>
-          </a:p>
-        </p:txBody>
-      </p:sp>
-      <p:sp>
-        <p:nvSpPr>
-          <p:cNvPr id="98" name=""/>
-          <p:cNvSpPr/>
-          <p:nvPr/>
-        </p:nvSpPr>
-        <p:spPr>
-          <a:xfrm>
-            <a:off x="9664920" y="5258160"/>
-            <a:ext cx="3822480" cy="426960"/>
-          </a:xfrm>
-          <a:prstGeom prst="rect">
-            <a:avLst/>
-          </a:prstGeom>
-          <a:noFill/>
-          <a:ln w="0">
-            <a:noFill/>
-          </a:ln>
-        </p:spPr>
-        <p:style>
-          <a:lnRef idx="0"/>
-          <a:fillRef idx="0"/>
-          <a:effectRef idx="0"/>
-          <a:fontRef idx="minor"/>
-        </p:style>
-        <p:txBody>
-          <a:bodyPr lIns="90000" rIns="90000" tIns="45000" bIns="45000" anchor="t">
-            <a:noAutofit/>
-          </a:bodyPr>
-          <a:p>
-            <a:pPr>
-              <a:lnSpc>
-                <a:spcPct val="100000"/>
-              </a:lnSpc>
-            </a:pPr>
-            <a:r>
-              <a:rPr b="0" lang="en-US" sz="2400" spc="-1" strike="noStrike">
-                <a:solidFill>
-                  <a:srgbClr val="000000"/>
-                </a:solidFill>
-                <a:latin typeface="Times New Roman"/>
-              </a:rPr>
-              <a:t>5</a:t>
-            </a:r>
-            <a:endParaRPr b="0" lang="en-US" sz="2400" spc="-1" strike="noStrike">
+                <a:latin typeface="Times New Roman"/>
+                <a:ea typeface="DejaVu Sans"/>
+              </a:rPr>
+              <a:t>W</a:t>
+            </a:r>
+            <a:endParaRPr b="0" lang="en-US" sz="1800" spc="-1" strike="noStrike">
               <a:solidFill>
                 <a:srgbClr val="000000"/>
               </a:solidFill>
@@ -6234,7 +5517,7 @@
       </p:grpSpPr>
       <p:sp>
         <p:nvSpPr>
-          <p:cNvPr id="99" name="Straight Connector 10"/>
+          <p:cNvPr id="78" name="Straight Connector 5"/>
           <p:cNvSpPr/>
           <p:nvPr/>
         </p:nvSpPr>
@@ -6276,14 +5559,14 @@
       </p:sp>
       <p:sp>
         <p:nvSpPr>
-          <p:cNvPr id="100" name="PlaceHolder 9"/>
+          <p:cNvPr id="79" name="PlaceHolder 4"/>
           <p:cNvSpPr/>
           <p:nvPr/>
         </p:nvSpPr>
         <p:spPr>
           <a:xfrm>
             <a:off x="914400" y="0"/>
-            <a:ext cx="8237160" cy="913680"/>
+            <a:ext cx="8236440" cy="912960"/>
           </a:xfrm>
           <a:prstGeom prst="rect">
             <a:avLst/>
@@ -6336,14 +5619,14 @@
       </p:sp>
       <p:sp>
         <p:nvSpPr>
-          <p:cNvPr id="101" name=""/>
+          <p:cNvPr id="80" name=""/>
           <p:cNvSpPr/>
           <p:nvPr/>
         </p:nvSpPr>
         <p:spPr>
           <a:xfrm>
             <a:off x="468000" y="1128600"/>
-            <a:ext cx="9132480" cy="1944360"/>
+            <a:ext cx="9131760" cy="1943640"/>
           </a:xfrm>
           <a:prstGeom prst="rect">
             <a:avLst/>
@@ -6383,7 +5666,7 @@
                 <a:latin typeface="Times New Roman"/>
                 <a:ea typeface="DejaVu Sans"/>
               </a:rPr>
-              <a:t>Starting at the current position, find the longest string that matches in the search buffer</a:t>
+              <a:t>Each buffer can be thought of as look up memory, distinguished by its relative position to the character of interest</a:t>
             </a:r>
             <a:endParaRPr b="0" lang="en-US" sz="2200" spc="-1" strike="noStrike">
               <a:solidFill>
@@ -6392,18 +5675,209 @@
               <a:latin typeface="Arial"/>
             </a:endParaRPr>
           </a:p>
-        </p:txBody>
-      </p:sp>
-      <p:sp>
-        <p:nvSpPr>
-          <p:cNvPr id="102" name=""/>
-          <p:cNvSpPr/>
-          <p:nvPr/>
-        </p:nvSpPr>
-        <p:spPr>
-          <a:xfrm>
-            <a:off x="4344840" y="3372120"/>
-            <a:ext cx="684360" cy="513360"/>
+          <a:p>
+            <a:pPr marL="216000" indent="-216000">
+              <a:lnSpc>
+                <a:spcPct val="150000"/>
+              </a:lnSpc>
+              <a:buClr>
+                <a:srgbClr val="000000"/>
+              </a:buClr>
+              <a:buSzPct val="45000"/>
+              <a:buFont typeface="Wingdings" charset="2"/>
+              <a:buChar char=""/>
+            </a:pPr>
+            <a:r>
+              <a:rPr b="0" lang="en-US" sz="2200" spc="-1" strike="noStrike">
+                <a:solidFill>
+                  <a:srgbClr val="000000"/>
+                </a:solidFill>
+                <a:latin typeface="Times New Roman"/>
+                <a:ea typeface="DejaVu Sans"/>
+              </a:rPr>
+              <a:t>In other words, you want an idea of the characters/words around you</a:t>
+            </a:r>
+            <a:endParaRPr b="0" lang="en-US" sz="2200" spc="-1" strike="noStrike">
+              <a:solidFill>
+                <a:srgbClr val="000000"/>
+              </a:solidFill>
+              <a:latin typeface="Arial"/>
+            </a:endParaRPr>
+          </a:p>
+        </p:txBody>
+      </p:sp>
+      <p:sp>
+        <p:nvSpPr>
+          <p:cNvPr id="81" name=""/>
+          <p:cNvSpPr/>
+          <p:nvPr/>
+        </p:nvSpPr>
+        <p:spPr>
+          <a:xfrm>
+            <a:off x="688320" y="3429360"/>
+            <a:ext cx="2512080" cy="455400"/>
+          </a:xfrm>
+          <a:prstGeom prst="rect">
+            <a:avLst/>
+          </a:prstGeom>
+          <a:noFill/>
+          <a:ln w="0">
+            <a:noFill/>
+          </a:ln>
+        </p:spPr>
+        <p:style>
+          <a:lnRef idx="0"/>
+          <a:fillRef idx="0"/>
+          <a:effectRef idx="0"/>
+          <a:fontRef idx="minor"/>
+        </p:style>
+        <p:txBody>
+          <a:bodyPr lIns="90000" rIns="90000" tIns="45000" bIns="45000" anchor="t">
+            <a:noAutofit/>
+          </a:bodyPr>
+          <a:p>
+            <a:pPr algn="ctr">
+              <a:lnSpc>
+                <a:spcPct val="100000"/>
+              </a:lnSpc>
+            </a:pPr>
+            <a:r>
+              <a:rPr b="0" lang="en-US" sz="2400" spc="-1" strike="noStrike">
+                <a:solidFill>
+                  <a:srgbClr val="000000"/>
+                </a:solidFill>
+                <a:latin typeface="Times New Roman"/>
+                <a:ea typeface="DejaVu Sans"/>
+              </a:rPr>
+              <a:t>Search Buffer</a:t>
+            </a:r>
+            <a:endParaRPr b="0" lang="en-US" sz="2400" spc="-1" strike="noStrike">
+              <a:solidFill>
+                <a:srgbClr val="000000"/>
+              </a:solidFill>
+              <a:latin typeface="Arial"/>
+            </a:endParaRPr>
+          </a:p>
+        </p:txBody>
+      </p:sp>
+      <p:sp>
+        <p:nvSpPr>
+          <p:cNvPr id="82" name=""/>
+          <p:cNvSpPr/>
+          <p:nvPr/>
+        </p:nvSpPr>
+        <p:spPr>
+          <a:xfrm>
+            <a:off x="1048320" y="4493880"/>
+            <a:ext cx="3197880" cy="762480"/>
+          </a:xfrm>
+          <a:prstGeom prst="rect">
+            <a:avLst/>
+          </a:prstGeom>
+          <a:noFill/>
+          <a:ln w="0">
+            <a:noFill/>
+          </a:ln>
+        </p:spPr>
+        <p:style>
+          <a:lnRef idx="0"/>
+          <a:fillRef idx="0"/>
+          <a:effectRef idx="0"/>
+          <a:fontRef idx="minor"/>
+        </p:style>
+        <p:txBody>
+          <a:bodyPr lIns="90000" rIns="90000" tIns="45000" bIns="45000" anchor="t">
+            <a:noAutofit/>
+          </a:bodyPr>
+          <a:p>
+            <a:pPr>
+              <a:lnSpc>
+                <a:spcPct val="100000"/>
+              </a:lnSpc>
+            </a:pPr>
+            <a:r>
+              <a:rPr b="0" lang="en-US" sz="2400" spc="-1" strike="noStrike">
+                <a:solidFill>
+                  <a:srgbClr val="000000"/>
+                </a:solidFill>
+                <a:latin typeface="Times New Roman"/>
+                <a:ea typeface="DejaVu Sans"/>
+              </a:rPr>
+              <a:t>Window</a:t>
+            </a:r>
+            <a:endParaRPr b="0" lang="en-US" sz="2400" spc="-1" strike="noStrike">
+              <a:solidFill>
+                <a:srgbClr val="000000"/>
+              </a:solidFill>
+              <a:latin typeface="Arial"/>
+            </a:endParaRPr>
+          </a:p>
+        </p:txBody>
+      </p:sp>
+      <p:sp>
+        <p:nvSpPr>
+          <p:cNvPr id="83" name=""/>
+          <p:cNvSpPr/>
+          <p:nvPr/>
+        </p:nvSpPr>
+        <p:spPr>
+          <a:xfrm>
+            <a:off x="9664920" y="5258160"/>
+            <a:ext cx="3821760" cy="426240"/>
+          </a:xfrm>
+          <a:prstGeom prst="rect">
+            <a:avLst/>
+          </a:prstGeom>
+          <a:noFill/>
+          <a:ln w="0">
+            <a:noFill/>
+          </a:ln>
+        </p:spPr>
+        <p:style>
+          <a:lnRef idx="0"/>
+          <a:fillRef idx="0"/>
+          <a:effectRef idx="0"/>
+          <a:fontRef idx="minor"/>
+        </p:style>
+        <p:txBody>
+          <a:bodyPr lIns="90000" rIns="90000" tIns="45000" bIns="45000" anchor="t">
+            <a:noAutofit/>
+          </a:bodyPr>
+          <a:p>
+            <a:pPr>
+              <a:lnSpc>
+                <a:spcPct val="100000"/>
+              </a:lnSpc>
+            </a:pPr>
+            <a:r>
+              <a:rPr b="0" lang="en-US" sz="2400" spc="-1" strike="noStrike">
+                <a:solidFill>
+                  <a:srgbClr val="000000"/>
+                </a:solidFill>
+                <a:latin typeface="Times New Roman"/>
+                <a:ea typeface="DejaVu Sans"/>
+              </a:rPr>
+              <a:t>6</a:t>
+            </a:r>
+            <a:endParaRPr b="0" lang="en-US" sz="2400" spc="-1" strike="noStrike">
+              <a:solidFill>
+                <a:srgbClr val="000000"/>
+              </a:solidFill>
+              <a:latin typeface="Arial"/>
+            </a:endParaRPr>
+          </a:p>
+        </p:txBody>
+      </p:sp>
+      <p:sp>
+        <p:nvSpPr>
+          <p:cNvPr id="84" name=""/>
+          <p:cNvSpPr/>
+          <p:nvPr/>
+        </p:nvSpPr>
+        <p:spPr>
+          <a:xfrm>
+            <a:off x="8457480" y="4538880"/>
+            <a:ext cx="683640" cy="501120"/>
           </a:xfrm>
           <a:prstGeom prst="roundRect">
             <a:avLst>
@@ -6411,7 +5885,7 @@
             </a:avLst>
           </a:prstGeom>
           <a:solidFill>
-            <a:srgbClr val="729fcf"/>
+            <a:srgbClr val="77bc65"/>
           </a:solidFill>
           <a:ln w="0">
             <a:solidFill>
@@ -6430,26 +5904,40 @@
             <a:noAutofit/>
           </a:bodyPr>
           <a:p>
-            <a:endParaRPr b="0" lang="en-US" sz="1800" spc="-1" strike="noStrike">
-              <a:solidFill>
-                <a:srgbClr val="000000"/>
-              </a:solidFill>
-              <a:latin typeface="Arial"/>
-              <a:ea typeface="DejaVu Sans"/>
-            </a:endParaRPr>
-          </a:p>
-        </p:txBody>
-      </p:sp>
-      <p:sp>
-        <p:nvSpPr>
-          <p:cNvPr id="103" name=""/>
-          <p:cNvSpPr/>
-          <p:nvPr/>
-        </p:nvSpPr>
-        <p:spPr>
-          <a:xfrm>
-            <a:off x="5030640" y="3372120"/>
-            <a:ext cx="684360" cy="513000"/>
+            <a:pPr algn="ctr">
+              <a:lnSpc>
+                <a:spcPct val="100000"/>
+              </a:lnSpc>
+            </a:pPr>
+            <a:r>
+              <a:rPr b="0" lang="en-US" sz="1800" spc="-1" strike="noStrike">
+                <a:solidFill>
+                  <a:srgbClr val="000000"/>
+                </a:solidFill>
+                <a:latin typeface="Times New Roman"/>
+                <a:ea typeface="DejaVu Sans"/>
+              </a:rPr>
+              <a:t>F</a:t>
+            </a:r>
+            <a:endParaRPr b="0" lang="en-US" sz="1800" spc="-1" strike="noStrike">
+              <a:solidFill>
+                <a:srgbClr val="000000"/>
+              </a:solidFill>
+              <a:latin typeface="Arial"/>
+            </a:endParaRPr>
+          </a:p>
+        </p:txBody>
+      </p:sp>
+      <p:sp>
+        <p:nvSpPr>
+          <p:cNvPr id="85" name=""/>
+          <p:cNvSpPr/>
+          <p:nvPr/>
+        </p:nvSpPr>
+        <p:spPr>
+          <a:xfrm>
+            <a:off x="7773840" y="4538880"/>
+            <a:ext cx="683640" cy="501120"/>
           </a:xfrm>
           <a:prstGeom prst="roundRect">
             <a:avLst>
@@ -6457,7 +5945,7 @@
             </a:avLst>
           </a:prstGeom>
           <a:solidFill>
-            <a:srgbClr val="729fcf"/>
+            <a:srgbClr val="77bc65"/>
           </a:solidFill>
           <a:ln w="0">
             <a:solidFill>
@@ -6476,26 +5964,40 @@
             <a:noAutofit/>
           </a:bodyPr>
           <a:p>
-            <a:endParaRPr b="0" lang="en-US" sz="1800" spc="-1" strike="noStrike">
-              <a:solidFill>
-                <a:srgbClr val="000000"/>
-              </a:solidFill>
-              <a:latin typeface="Arial"/>
-              <a:ea typeface="DejaVu Sans"/>
-            </a:endParaRPr>
-          </a:p>
-        </p:txBody>
-      </p:sp>
-      <p:sp>
-        <p:nvSpPr>
-          <p:cNvPr id="104" name=""/>
-          <p:cNvSpPr/>
-          <p:nvPr/>
-        </p:nvSpPr>
-        <p:spPr>
-          <a:xfrm>
-            <a:off x="6401880" y="3372120"/>
-            <a:ext cx="684360" cy="513360"/>
+            <a:pPr algn="ctr">
+              <a:lnSpc>
+                <a:spcPct val="100000"/>
+              </a:lnSpc>
+            </a:pPr>
+            <a:r>
+              <a:rPr b="0" lang="en-US" sz="1800" spc="-1" strike="noStrike">
+                <a:solidFill>
+                  <a:srgbClr val="000000"/>
+                </a:solidFill>
+                <a:latin typeface="Times New Roman"/>
+                <a:ea typeface="DejaVu Sans"/>
+              </a:rPr>
+              <a:t>L</a:t>
+            </a:r>
+            <a:endParaRPr b="0" lang="en-US" sz="1800" spc="-1" strike="noStrike">
+              <a:solidFill>
+                <a:srgbClr val="000000"/>
+              </a:solidFill>
+              <a:latin typeface="Arial"/>
+            </a:endParaRPr>
+          </a:p>
+        </p:txBody>
+      </p:sp>
+      <p:sp>
+        <p:nvSpPr>
+          <p:cNvPr id="86" name=""/>
+          <p:cNvSpPr/>
+          <p:nvPr/>
+        </p:nvSpPr>
+        <p:spPr>
+          <a:xfrm>
+            <a:off x="7089840" y="4538880"/>
+            <a:ext cx="683640" cy="501120"/>
           </a:xfrm>
           <a:prstGeom prst="roundRect">
             <a:avLst>
@@ -6503,7 +6005,7 @@
             </a:avLst>
           </a:prstGeom>
           <a:solidFill>
-            <a:srgbClr val="729fcf"/>
+            <a:srgbClr val="77bc65"/>
           </a:solidFill>
           <a:ln w="0">
             <a:solidFill>
@@ -6522,26 +6024,40 @@
             <a:noAutofit/>
           </a:bodyPr>
           <a:p>
-            <a:endParaRPr b="0" lang="en-US" sz="1800" spc="-1" strike="noStrike">
-              <a:solidFill>
-                <a:srgbClr val="000000"/>
-              </a:solidFill>
-              <a:latin typeface="Arial"/>
-              <a:ea typeface="DejaVu Sans"/>
-            </a:endParaRPr>
-          </a:p>
-        </p:txBody>
-      </p:sp>
-      <p:sp>
-        <p:nvSpPr>
-          <p:cNvPr id="105" name=""/>
-          <p:cNvSpPr/>
-          <p:nvPr/>
-        </p:nvSpPr>
-        <p:spPr>
-          <a:xfrm>
-            <a:off x="5716080" y="3372120"/>
-            <a:ext cx="684360" cy="513360"/>
+            <a:pPr algn="ctr">
+              <a:lnSpc>
+                <a:spcPct val="100000"/>
+              </a:lnSpc>
+            </a:pPr>
+            <a:r>
+              <a:rPr b="0" lang="en-US" sz="1800" spc="-1" strike="noStrike">
+                <a:solidFill>
+                  <a:srgbClr val="000000"/>
+                </a:solidFill>
+                <a:latin typeface="Times New Roman"/>
+                <a:ea typeface="DejaVu Sans"/>
+              </a:rPr>
+              <a:t>A</a:t>
+            </a:r>
+            <a:endParaRPr b="0" lang="en-US" sz="1800" spc="-1" strike="noStrike">
+              <a:solidFill>
+                <a:srgbClr val="000000"/>
+              </a:solidFill>
+              <a:latin typeface="Arial"/>
+            </a:endParaRPr>
+          </a:p>
+        </p:txBody>
+      </p:sp>
+      <p:sp>
+        <p:nvSpPr>
+          <p:cNvPr id="87" name=""/>
+          <p:cNvSpPr/>
+          <p:nvPr/>
+        </p:nvSpPr>
+        <p:spPr>
+          <a:xfrm>
+            <a:off x="6405840" y="4538880"/>
+            <a:ext cx="683640" cy="501120"/>
           </a:xfrm>
           <a:prstGeom prst="roundRect">
             <a:avLst>
@@ -6549,7 +6065,7 @@
             </a:avLst>
           </a:prstGeom>
           <a:solidFill>
-            <a:srgbClr val="729fcf"/>
+            <a:srgbClr val="77bc65"/>
           </a:solidFill>
           <a:ln w="0">
             <a:solidFill>
@@ -6568,26 +6084,40 @@
             <a:noAutofit/>
           </a:bodyPr>
           <a:p>
-            <a:endParaRPr b="0" lang="en-US" sz="1800" spc="-1" strike="noStrike">
-              <a:solidFill>
-                <a:srgbClr val="000000"/>
-              </a:solidFill>
-              <a:latin typeface="Arial"/>
-              <a:ea typeface="DejaVu Sans"/>
-            </a:endParaRPr>
-          </a:p>
-        </p:txBody>
-      </p:sp>
-      <p:sp>
-        <p:nvSpPr>
-          <p:cNvPr id="106" name=""/>
-          <p:cNvSpPr/>
-          <p:nvPr/>
-        </p:nvSpPr>
-        <p:spPr>
-          <a:xfrm>
-            <a:off x="5030640" y="4526640"/>
-            <a:ext cx="684360" cy="501840"/>
+            <a:pPr algn="ctr">
+              <a:lnSpc>
+                <a:spcPct val="100000"/>
+              </a:lnSpc>
+            </a:pPr>
+            <a:r>
+              <a:rPr b="0" lang="en-US" sz="1800" spc="-1" strike="noStrike">
+                <a:solidFill>
+                  <a:srgbClr val="000000"/>
+                </a:solidFill>
+                <a:latin typeface="Times New Roman"/>
+                <a:ea typeface="DejaVu Sans"/>
+              </a:rPr>
+              <a:t>D</a:t>
+            </a:r>
+            <a:endParaRPr b="0" lang="en-US" sz="1800" spc="-1" strike="noStrike">
+              <a:solidFill>
+                <a:srgbClr val="000000"/>
+              </a:solidFill>
+              <a:latin typeface="Arial"/>
+            </a:endParaRPr>
+          </a:p>
+        </p:txBody>
+      </p:sp>
+      <p:sp>
+        <p:nvSpPr>
+          <p:cNvPr id="88" name=""/>
+          <p:cNvSpPr/>
+          <p:nvPr/>
+        </p:nvSpPr>
+        <p:spPr>
+          <a:xfrm>
+            <a:off x="5721840" y="4538880"/>
+            <a:ext cx="683640" cy="501120"/>
           </a:xfrm>
           <a:prstGeom prst="roundRect">
             <a:avLst>
@@ -6614,26 +6144,40 @@
             <a:noAutofit/>
           </a:bodyPr>
           <a:p>
-            <a:endParaRPr b="0" lang="en-US" sz="1800" spc="-1" strike="noStrike">
-              <a:solidFill>
-                <a:srgbClr val="000000"/>
-              </a:solidFill>
-              <a:latin typeface="Arial"/>
-              <a:ea typeface="DejaVu Sans"/>
-            </a:endParaRPr>
-          </a:p>
-        </p:txBody>
-      </p:sp>
-      <p:sp>
-        <p:nvSpPr>
-          <p:cNvPr id="107" name=""/>
-          <p:cNvSpPr/>
-          <p:nvPr/>
-        </p:nvSpPr>
-        <p:spPr>
-          <a:xfrm>
-            <a:off x="5716080" y="4526640"/>
-            <a:ext cx="684360" cy="501840"/>
+            <a:pPr algn="ctr">
+              <a:lnSpc>
+                <a:spcPct val="100000"/>
+              </a:lnSpc>
+            </a:pPr>
+            <a:r>
+              <a:rPr b="0" lang="en-US" sz="1800" spc="-1" strike="noStrike">
+                <a:solidFill>
+                  <a:srgbClr val="000000"/>
+                </a:solidFill>
+                <a:latin typeface="Times New Roman"/>
+                <a:ea typeface="DejaVu Sans"/>
+              </a:rPr>
+              <a:t>N</a:t>
+            </a:r>
+            <a:endParaRPr b="0" lang="en-US" sz="1800" spc="-1" strike="noStrike">
+              <a:solidFill>
+                <a:srgbClr val="000000"/>
+              </a:solidFill>
+              <a:latin typeface="Arial"/>
+            </a:endParaRPr>
+          </a:p>
+        </p:txBody>
+      </p:sp>
+      <p:sp>
+        <p:nvSpPr>
+          <p:cNvPr id="89" name=""/>
+          <p:cNvSpPr/>
+          <p:nvPr/>
+        </p:nvSpPr>
+        <p:spPr>
+          <a:xfrm>
+            <a:off x="5037840" y="4538880"/>
+            <a:ext cx="683640" cy="501120"/>
           </a:xfrm>
           <a:prstGeom prst="roundRect">
             <a:avLst>
@@ -6660,26 +6204,40 @@
             <a:noAutofit/>
           </a:bodyPr>
           <a:p>
-            <a:endParaRPr b="0" lang="en-US" sz="1800" spc="-1" strike="noStrike">
-              <a:solidFill>
-                <a:srgbClr val="000000"/>
-              </a:solidFill>
-              <a:latin typeface="Arial"/>
-              <a:ea typeface="DejaVu Sans"/>
-            </a:endParaRPr>
-          </a:p>
-        </p:txBody>
-      </p:sp>
-      <p:sp>
-        <p:nvSpPr>
-          <p:cNvPr id="108" name=""/>
-          <p:cNvSpPr/>
-          <p:nvPr/>
-        </p:nvSpPr>
-        <p:spPr>
-          <a:xfrm>
-            <a:off x="6401880" y="4526640"/>
-            <a:ext cx="684360" cy="501840"/>
+            <a:pPr algn="ctr">
+              <a:lnSpc>
+                <a:spcPct val="100000"/>
+              </a:lnSpc>
+            </a:pPr>
+            <a:r>
+              <a:rPr b="0" lang="en-US" sz="1800" spc="-1" strike="noStrike">
+                <a:solidFill>
+                  <a:srgbClr val="000000"/>
+                </a:solidFill>
+                <a:latin typeface="Times New Roman"/>
+                <a:ea typeface="DejaVu Sans"/>
+              </a:rPr>
+              <a:t>A</a:t>
+            </a:r>
+            <a:endParaRPr b="0" lang="en-US" sz="1800" spc="-1" strike="noStrike">
+              <a:solidFill>
+                <a:srgbClr val="000000"/>
+              </a:solidFill>
+              <a:latin typeface="Arial"/>
+            </a:endParaRPr>
+          </a:p>
+        </p:txBody>
+      </p:sp>
+      <p:sp>
+        <p:nvSpPr>
+          <p:cNvPr id="90" name=""/>
+          <p:cNvSpPr/>
+          <p:nvPr/>
+        </p:nvSpPr>
+        <p:spPr>
+          <a:xfrm>
+            <a:off x="4345560" y="3410640"/>
+            <a:ext cx="683640" cy="501120"/>
           </a:xfrm>
           <a:prstGeom prst="roundRect">
             <a:avLst>
@@ -6687,7 +6245,7 @@
             </a:avLst>
           </a:prstGeom>
           <a:solidFill>
-            <a:srgbClr val="77bc65"/>
+            <a:srgbClr val="729fcf"/>
           </a:solidFill>
           <a:ln w="0">
             <a:solidFill>
@@ -6706,26 +6264,40 @@
             <a:noAutofit/>
           </a:bodyPr>
           <a:p>
-            <a:endParaRPr b="0" lang="en-US" sz="1800" spc="-1" strike="noStrike">
-              <a:solidFill>
-                <a:srgbClr val="000000"/>
-              </a:solidFill>
-              <a:latin typeface="Arial"/>
-              <a:ea typeface="DejaVu Sans"/>
-            </a:endParaRPr>
-          </a:p>
-        </p:txBody>
-      </p:sp>
-      <p:sp>
-        <p:nvSpPr>
-          <p:cNvPr id="109" name=""/>
-          <p:cNvSpPr/>
-          <p:nvPr/>
-        </p:nvSpPr>
-        <p:spPr>
-          <a:xfrm>
-            <a:off x="7087320" y="4526640"/>
-            <a:ext cx="684360" cy="501840"/>
+            <a:pPr algn="ctr">
+              <a:lnSpc>
+                <a:spcPct val="100000"/>
+              </a:lnSpc>
+            </a:pPr>
+            <a:r>
+              <a:rPr b="0" lang="en-US" sz="1800" spc="-1" strike="noStrike">
+                <a:solidFill>
+                  <a:srgbClr val="000000"/>
+                </a:solidFill>
+                <a:latin typeface="Times New Roman"/>
+                <a:ea typeface="DejaVu Sans"/>
+              </a:rPr>
+              <a:t>G</a:t>
+            </a:r>
+            <a:endParaRPr b="0" lang="en-US" sz="1800" spc="-1" strike="noStrike">
+              <a:solidFill>
+                <a:srgbClr val="000000"/>
+              </a:solidFill>
+              <a:latin typeface="Arial"/>
+            </a:endParaRPr>
+          </a:p>
+        </p:txBody>
+      </p:sp>
+      <p:sp>
+        <p:nvSpPr>
+          <p:cNvPr id="91" name=""/>
+          <p:cNvSpPr/>
+          <p:nvPr/>
+        </p:nvSpPr>
+        <p:spPr>
+          <a:xfrm>
+            <a:off x="6406920" y="3422880"/>
+            <a:ext cx="683640" cy="501120"/>
           </a:xfrm>
           <a:prstGeom prst="roundRect">
             <a:avLst>
@@ -6733,7 +6305,7 @@
             </a:avLst>
           </a:prstGeom>
           <a:solidFill>
-            <a:srgbClr val="77bc65"/>
+            <a:srgbClr val="729fcf"/>
           </a:solidFill>
           <a:ln w="0">
             <a:solidFill>
@@ -6752,26 +6324,40 @@
             <a:noAutofit/>
           </a:bodyPr>
           <a:p>
-            <a:endParaRPr b="0" lang="en-US" sz="1800" spc="-1" strike="noStrike">
-              <a:solidFill>
-                <a:srgbClr val="000000"/>
-              </a:solidFill>
-              <a:latin typeface="Arial"/>
-              <a:ea typeface="DejaVu Sans"/>
-            </a:endParaRPr>
-          </a:p>
-        </p:txBody>
-      </p:sp>
-      <p:sp>
-        <p:nvSpPr>
-          <p:cNvPr id="110" name=""/>
-          <p:cNvSpPr/>
-          <p:nvPr/>
-        </p:nvSpPr>
-        <p:spPr>
-          <a:xfrm>
-            <a:off x="7773120" y="4538880"/>
-            <a:ext cx="684360" cy="501840"/>
+            <a:pPr algn="ctr">
+              <a:lnSpc>
+                <a:spcPct val="100000"/>
+              </a:lnSpc>
+            </a:pPr>
+            <a:r>
+              <a:rPr b="0" lang="en-US" sz="1800" spc="-1" strike="noStrike">
+                <a:solidFill>
+                  <a:srgbClr val="000000"/>
+                </a:solidFill>
+                <a:latin typeface="Times New Roman"/>
+                <a:ea typeface="DejaVu Sans"/>
+              </a:rPr>
+              <a:t>D</a:t>
+            </a:r>
+            <a:endParaRPr b="0" lang="en-US" sz="1800" spc="-1" strike="noStrike">
+              <a:solidFill>
+                <a:srgbClr val="000000"/>
+              </a:solidFill>
+              <a:latin typeface="Arial"/>
+            </a:endParaRPr>
+          </a:p>
+        </p:txBody>
+      </p:sp>
+      <p:sp>
+        <p:nvSpPr>
+          <p:cNvPr id="92" name=""/>
+          <p:cNvSpPr/>
+          <p:nvPr/>
+        </p:nvSpPr>
+        <p:spPr>
+          <a:xfrm>
+            <a:off x="5722920" y="3422880"/>
+            <a:ext cx="683640" cy="501120"/>
           </a:xfrm>
           <a:prstGeom prst="roundRect">
             <a:avLst>
@@ -6779,7 +6365,7 @@
             </a:avLst>
           </a:prstGeom>
           <a:solidFill>
-            <a:srgbClr val="77bc65"/>
+            <a:srgbClr val="729fcf"/>
           </a:solidFill>
           <a:ln w="0">
             <a:solidFill>
@@ -6798,620 +6384,40 @@
             <a:noAutofit/>
           </a:bodyPr>
           <a:p>
-            <a:endParaRPr b="0" lang="en-US" sz="1800" spc="-1" strike="noStrike">
-              <a:solidFill>
-                <a:srgbClr val="000000"/>
-              </a:solidFill>
-              <a:latin typeface="Arial"/>
-              <a:ea typeface="DejaVu Sans"/>
-            </a:endParaRPr>
-          </a:p>
-        </p:txBody>
-      </p:sp>
-      <p:sp>
-        <p:nvSpPr>
-          <p:cNvPr id="111" name=""/>
-          <p:cNvSpPr/>
-          <p:nvPr/>
-        </p:nvSpPr>
-        <p:spPr>
-          <a:xfrm>
-            <a:off x="688320" y="3429360"/>
-            <a:ext cx="2512800" cy="456120"/>
-          </a:xfrm>
-          <a:prstGeom prst="rect">
-            <a:avLst/>
-          </a:prstGeom>
-          <a:noFill/>
-          <a:ln w="0">
-            <a:noFill/>
-          </a:ln>
-        </p:spPr>
-        <p:style>
-          <a:lnRef idx="0"/>
-          <a:fillRef idx="0"/>
-          <a:effectRef idx="0"/>
-          <a:fontRef idx="minor"/>
-        </p:style>
-        <p:txBody>
-          <a:bodyPr lIns="90000" rIns="90000" tIns="45000" bIns="45000" anchor="t">
-            <a:noAutofit/>
-          </a:bodyPr>
-          <a:p>
             <a:pPr algn="ctr">
               <a:lnSpc>
                 <a:spcPct val="100000"/>
               </a:lnSpc>
             </a:pPr>
             <a:r>
-              <a:rPr b="0" lang="en-US" sz="2400" spc="-1" strike="noStrike">
-                <a:solidFill>
-                  <a:srgbClr val="000000"/>
-                </a:solidFill>
-                <a:latin typeface="Times New Roman"/>
-                <a:ea typeface="DejaVu Sans"/>
-              </a:rPr>
-              <a:t>Search Buffer</a:t>
-            </a:r>
-            <a:endParaRPr b="0" lang="en-US" sz="2400" spc="-1" strike="noStrike">
-              <a:solidFill>
-                <a:srgbClr val="000000"/>
-              </a:solidFill>
-              <a:latin typeface="Arial"/>
-            </a:endParaRPr>
-          </a:p>
-        </p:txBody>
-      </p:sp>
-      <p:sp>
-        <p:nvSpPr>
-          <p:cNvPr id="112" name=""/>
-          <p:cNvSpPr/>
-          <p:nvPr/>
-        </p:nvSpPr>
-        <p:spPr>
-          <a:xfrm>
-            <a:off x="688320" y="4493880"/>
-            <a:ext cx="3198600" cy="763200"/>
-          </a:xfrm>
-          <a:prstGeom prst="rect">
-            <a:avLst/>
-          </a:prstGeom>
-          <a:noFill/>
-          <a:ln w="0">
-            <a:noFill/>
-          </a:ln>
-        </p:spPr>
-        <p:style>
-          <a:lnRef idx="0"/>
-          <a:fillRef idx="0"/>
-          <a:effectRef idx="0"/>
-          <a:fontRef idx="minor"/>
-        </p:style>
-        <p:txBody>
-          <a:bodyPr lIns="90000" rIns="90000" tIns="45000" bIns="45000" anchor="t">
-            <a:noAutofit/>
-          </a:bodyPr>
-          <a:p>
-            <a:pPr>
-              <a:lnSpc>
-                <a:spcPct val="100000"/>
-              </a:lnSpc>
-            </a:pPr>
-            <a:r>
-              <a:rPr b="0" lang="en-US" sz="2400" spc="-1" strike="noStrike">
-                <a:solidFill>
-                  <a:srgbClr val="000000"/>
-                </a:solidFill>
-                <a:latin typeface="Times New Roman"/>
-                <a:ea typeface="DejaVu Sans"/>
-              </a:rPr>
-              <a:t>Look Ahead Window</a:t>
-            </a:r>
-            <a:endParaRPr b="0" lang="en-US" sz="2400" spc="-1" strike="noStrike">
-              <a:solidFill>
-                <a:srgbClr val="000000"/>
-              </a:solidFill>
-              <a:latin typeface="Arial"/>
-            </a:endParaRPr>
-          </a:p>
-        </p:txBody>
-      </p:sp>
-      <p:sp>
-        <p:nvSpPr>
-          <p:cNvPr id="113" name=""/>
-          <p:cNvSpPr/>
-          <p:nvPr/>
-        </p:nvSpPr>
-        <p:spPr>
-          <a:xfrm>
-            <a:off x="4516200" y="3494160"/>
-            <a:ext cx="342000" cy="345240"/>
-          </a:xfrm>
-          <a:prstGeom prst="rect">
-            <a:avLst/>
-          </a:prstGeom>
-          <a:noFill/>
-          <a:ln w="0">
-            <a:noFill/>
-          </a:ln>
-        </p:spPr>
-        <p:style>
-          <a:lnRef idx="0"/>
-          <a:fillRef idx="0"/>
-          <a:effectRef idx="0"/>
-          <a:fontRef idx="minor"/>
-        </p:style>
-        <p:txBody>
-          <a:bodyPr lIns="90000" rIns="90000" tIns="45000" bIns="45000" anchor="t">
-            <a:noAutofit/>
-          </a:bodyPr>
-          <a:p>
-            <a:pPr>
-              <a:lnSpc>
-                <a:spcPct val="100000"/>
-              </a:lnSpc>
-            </a:pPr>
-            <a:r>
               <a:rPr b="0" lang="en-US" sz="1800" spc="-1" strike="noStrike">
                 <a:solidFill>
                   <a:srgbClr val="000000"/>
                 </a:solidFill>
-                <a:latin typeface="Arial"/>
-                <a:ea typeface="DejaVu Sans"/>
-              </a:rPr>
-              <a:t>A</a:t>
-            </a:r>
-            <a:endParaRPr b="0" lang="en-US" sz="1800" spc="-1" strike="noStrike">
-              <a:solidFill>
-                <a:srgbClr val="000000"/>
-              </a:solidFill>
-              <a:latin typeface="Arial"/>
-            </a:endParaRPr>
-          </a:p>
-        </p:txBody>
-      </p:sp>
-      <p:sp>
-        <p:nvSpPr>
-          <p:cNvPr id="114" name=""/>
-          <p:cNvSpPr/>
-          <p:nvPr/>
-        </p:nvSpPr>
-        <p:spPr>
-          <a:xfrm>
-            <a:off x="5202000" y="3494160"/>
-            <a:ext cx="342000" cy="345240"/>
-          </a:xfrm>
-          <a:prstGeom prst="rect">
-            <a:avLst/>
-          </a:prstGeom>
-          <a:noFill/>
-          <a:ln w="0">
-            <a:noFill/>
-          </a:ln>
-        </p:spPr>
-        <p:style>
-          <a:lnRef idx="0"/>
-          <a:fillRef idx="0"/>
-          <a:effectRef idx="0"/>
-          <a:fontRef idx="minor"/>
-        </p:style>
-        <p:txBody>
-          <a:bodyPr lIns="90000" rIns="90000" tIns="45000" bIns="45000" anchor="t">
-            <a:noAutofit/>
-          </a:bodyPr>
-          <a:p>
-            <a:pPr>
-              <a:lnSpc>
-                <a:spcPct val="100000"/>
-              </a:lnSpc>
-            </a:pPr>
-            <a:r>
-              <a:rPr b="0" lang="en-US" sz="1800" spc="-1" strike="noStrike">
-                <a:solidFill>
-                  <a:srgbClr val="000000"/>
-                </a:solidFill>
-                <a:latin typeface="Arial"/>
-                <a:ea typeface="DejaVu Sans"/>
-              </a:rPr>
-              <a:t>A</a:t>
-            </a:r>
-            <a:endParaRPr b="0" lang="en-US" sz="1800" spc="-1" strike="noStrike">
-              <a:solidFill>
-                <a:srgbClr val="000000"/>
-              </a:solidFill>
-              <a:latin typeface="Arial"/>
-            </a:endParaRPr>
-          </a:p>
-        </p:txBody>
-      </p:sp>
-      <p:sp>
-        <p:nvSpPr>
-          <p:cNvPr id="115" name=""/>
-          <p:cNvSpPr/>
-          <p:nvPr/>
-        </p:nvSpPr>
-        <p:spPr>
-          <a:xfrm>
-            <a:off x="5887440" y="3494160"/>
-            <a:ext cx="342000" cy="345240"/>
-          </a:xfrm>
-          <a:prstGeom prst="rect">
-            <a:avLst/>
-          </a:prstGeom>
-          <a:noFill/>
-          <a:ln w="0">
-            <a:noFill/>
-          </a:ln>
-        </p:spPr>
-        <p:style>
-          <a:lnRef idx="0"/>
-          <a:fillRef idx="0"/>
-          <a:effectRef idx="0"/>
-          <a:fontRef idx="minor"/>
-        </p:style>
-        <p:txBody>
-          <a:bodyPr lIns="90000" rIns="90000" tIns="45000" bIns="45000" anchor="t">
-            <a:noAutofit/>
-          </a:bodyPr>
-          <a:p>
-            <a:pPr>
-              <a:lnSpc>
-                <a:spcPct val="100000"/>
-              </a:lnSpc>
-            </a:pPr>
-            <a:r>
-              <a:rPr b="0" lang="en-US" sz="1800" spc="-1" strike="noStrike">
-                <a:solidFill>
-                  <a:srgbClr val="000000"/>
-                </a:solidFill>
-                <a:latin typeface="Arial"/>
-                <a:ea typeface="DejaVu Sans"/>
-              </a:rPr>
-              <a:t>B</a:t>
-            </a:r>
-            <a:endParaRPr b="0" lang="en-US" sz="1800" spc="-1" strike="noStrike">
-              <a:solidFill>
-                <a:srgbClr val="000000"/>
-              </a:solidFill>
-              <a:latin typeface="Arial"/>
-            </a:endParaRPr>
-          </a:p>
-        </p:txBody>
-      </p:sp>
-      <p:sp>
-        <p:nvSpPr>
-          <p:cNvPr id="116" name=""/>
-          <p:cNvSpPr/>
-          <p:nvPr/>
-        </p:nvSpPr>
-        <p:spPr>
-          <a:xfrm>
-            <a:off x="6573240" y="3494160"/>
-            <a:ext cx="342000" cy="345240"/>
-          </a:xfrm>
-          <a:prstGeom prst="rect">
-            <a:avLst/>
-          </a:prstGeom>
-          <a:noFill/>
-          <a:ln w="0">
-            <a:noFill/>
-          </a:ln>
-        </p:spPr>
-        <p:style>
-          <a:lnRef idx="0"/>
-          <a:fillRef idx="0"/>
-          <a:effectRef idx="0"/>
-          <a:fontRef idx="minor"/>
-        </p:style>
-        <p:txBody>
-          <a:bodyPr lIns="90000" rIns="90000" tIns="45000" bIns="45000" anchor="t">
-            <a:noAutofit/>
-          </a:bodyPr>
-          <a:p>
-            <a:pPr>
-              <a:lnSpc>
-                <a:spcPct val="100000"/>
-              </a:lnSpc>
-            </a:pPr>
-            <a:r>
-              <a:rPr b="0" lang="en-US" sz="1800" spc="-1" strike="noStrike">
-                <a:solidFill>
-                  <a:srgbClr val="000000"/>
-                </a:solidFill>
-                <a:latin typeface="Arial"/>
-                <a:ea typeface="DejaVu Sans"/>
-              </a:rPr>
-              <a:t>C</a:t>
-            </a:r>
-            <a:endParaRPr b="0" lang="en-US" sz="1800" spc="-1" strike="noStrike">
-              <a:solidFill>
-                <a:srgbClr val="000000"/>
-              </a:solidFill>
-              <a:latin typeface="Arial"/>
-            </a:endParaRPr>
-          </a:p>
-        </p:txBody>
-      </p:sp>
-      <p:sp>
-        <p:nvSpPr>
-          <p:cNvPr id="117" name=""/>
-          <p:cNvSpPr/>
-          <p:nvPr/>
-        </p:nvSpPr>
-        <p:spPr>
-          <a:xfrm>
-            <a:off x="5202000" y="4645800"/>
-            <a:ext cx="342000" cy="345240"/>
-          </a:xfrm>
-          <a:prstGeom prst="rect">
-            <a:avLst/>
-          </a:prstGeom>
-          <a:noFill/>
-          <a:ln w="0">
-            <a:noFill/>
-          </a:ln>
-        </p:spPr>
-        <p:style>
-          <a:lnRef idx="0"/>
-          <a:fillRef idx="0"/>
-          <a:effectRef idx="0"/>
-          <a:fontRef idx="minor"/>
-        </p:style>
-        <p:txBody>
-          <a:bodyPr lIns="90000" rIns="90000" tIns="45000" bIns="45000" anchor="t">
-            <a:noAutofit/>
-          </a:bodyPr>
-          <a:p>
-            <a:pPr>
-              <a:lnSpc>
-                <a:spcPct val="100000"/>
-              </a:lnSpc>
-            </a:pPr>
-            <a:r>
-              <a:rPr b="0" lang="en-US" sz="1800" spc="-1" strike="noStrike">
-                <a:solidFill>
-                  <a:srgbClr val="000000"/>
-                </a:solidFill>
-                <a:latin typeface="Arial"/>
-                <a:ea typeface="DejaVu Sans"/>
-              </a:rPr>
-              <a:t>A</a:t>
-            </a:r>
-            <a:endParaRPr b="0" lang="en-US" sz="1800" spc="-1" strike="noStrike">
-              <a:solidFill>
-                <a:srgbClr val="000000"/>
-              </a:solidFill>
-              <a:latin typeface="Arial"/>
-            </a:endParaRPr>
-          </a:p>
-        </p:txBody>
-      </p:sp>
-      <p:sp>
-        <p:nvSpPr>
-          <p:cNvPr id="118" name=""/>
-          <p:cNvSpPr/>
-          <p:nvPr/>
-        </p:nvSpPr>
-        <p:spPr>
-          <a:xfrm>
-            <a:off x="5887440" y="4646160"/>
-            <a:ext cx="342000" cy="345240"/>
-          </a:xfrm>
-          <a:prstGeom prst="rect">
-            <a:avLst/>
-          </a:prstGeom>
-          <a:noFill/>
-          <a:ln w="0">
-            <a:noFill/>
-          </a:ln>
-        </p:spPr>
-        <p:style>
-          <a:lnRef idx="0"/>
-          <a:fillRef idx="0"/>
-          <a:effectRef idx="0"/>
-          <a:fontRef idx="minor"/>
-        </p:style>
-        <p:txBody>
-          <a:bodyPr lIns="90000" rIns="90000" tIns="45000" bIns="45000" anchor="t">
-            <a:noAutofit/>
-          </a:bodyPr>
-          <a:p>
-            <a:pPr>
-              <a:lnSpc>
-                <a:spcPct val="100000"/>
-              </a:lnSpc>
-            </a:pPr>
-            <a:r>
-              <a:rPr b="0" lang="en-US" sz="1800" spc="-1" strike="noStrike">
-                <a:solidFill>
-                  <a:srgbClr val="000000"/>
-                </a:solidFill>
-                <a:latin typeface="Arial"/>
-                <a:ea typeface="DejaVu Sans"/>
-              </a:rPr>
-              <a:t>B</a:t>
-            </a:r>
-            <a:endParaRPr b="0" lang="en-US" sz="1800" spc="-1" strike="noStrike">
-              <a:solidFill>
-                <a:srgbClr val="000000"/>
-              </a:solidFill>
-              <a:latin typeface="Arial"/>
-            </a:endParaRPr>
-          </a:p>
-        </p:txBody>
-      </p:sp>
-      <p:sp>
-        <p:nvSpPr>
-          <p:cNvPr id="119" name=""/>
-          <p:cNvSpPr/>
-          <p:nvPr/>
-        </p:nvSpPr>
-        <p:spPr>
-          <a:xfrm>
-            <a:off x="6573240" y="4645800"/>
-            <a:ext cx="342000" cy="345240"/>
-          </a:xfrm>
-          <a:prstGeom prst="rect">
-            <a:avLst/>
-          </a:prstGeom>
-          <a:noFill/>
-          <a:ln w="0">
-            <a:noFill/>
-          </a:ln>
-        </p:spPr>
-        <p:style>
-          <a:lnRef idx="0"/>
-          <a:fillRef idx="0"/>
-          <a:effectRef idx="0"/>
-          <a:fontRef idx="minor"/>
-        </p:style>
-        <p:txBody>
-          <a:bodyPr lIns="90000" rIns="90000" tIns="45000" bIns="45000" anchor="t">
-            <a:noAutofit/>
-          </a:bodyPr>
-          <a:p>
-            <a:pPr>
-              <a:lnSpc>
-                <a:spcPct val="100000"/>
-              </a:lnSpc>
-            </a:pPr>
-            <a:r>
-              <a:rPr b="0" lang="en-US" sz="1800" spc="-1" strike="noStrike">
-                <a:solidFill>
-                  <a:srgbClr val="000000"/>
-                </a:solidFill>
-                <a:latin typeface="Arial"/>
-                <a:ea typeface="DejaVu Sans"/>
-              </a:rPr>
-              <a:t>C</a:t>
-            </a:r>
-            <a:endParaRPr b="0" lang="en-US" sz="1800" spc="-1" strike="noStrike">
-              <a:solidFill>
-                <a:srgbClr val="000000"/>
-              </a:solidFill>
-              <a:latin typeface="Arial"/>
-            </a:endParaRPr>
-          </a:p>
-        </p:txBody>
-      </p:sp>
-      <p:sp>
-        <p:nvSpPr>
-          <p:cNvPr id="120" name=""/>
-          <p:cNvSpPr/>
-          <p:nvPr/>
-        </p:nvSpPr>
-        <p:spPr>
-          <a:xfrm>
-            <a:off x="7258680" y="4646160"/>
-            <a:ext cx="342000" cy="345240"/>
-          </a:xfrm>
-          <a:prstGeom prst="rect">
-            <a:avLst/>
-          </a:prstGeom>
-          <a:noFill/>
-          <a:ln w="0">
-            <a:noFill/>
-          </a:ln>
-        </p:spPr>
-        <p:style>
-          <a:lnRef idx="0"/>
-          <a:fillRef idx="0"/>
-          <a:effectRef idx="0"/>
-          <a:fontRef idx="minor"/>
-        </p:style>
-        <p:txBody>
-          <a:bodyPr lIns="90000" rIns="90000" tIns="45000" bIns="45000" anchor="t">
-            <a:noAutofit/>
-          </a:bodyPr>
-          <a:p>
-            <a:pPr>
-              <a:lnSpc>
-                <a:spcPct val="100000"/>
-              </a:lnSpc>
-            </a:pPr>
-            <a:r>
-              <a:rPr b="0" lang="en-US" sz="1800" spc="-1" strike="noStrike">
-                <a:solidFill>
-                  <a:srgbClr val="000000"/>
-                </a:solidFill>
-                <a:latin typeface="Arial"/>
-                <a:ea typeface="DejaVu Sans"/>
-              </a:rPr>
-              <a:t>D</a:t>
-            </a:r>
-            <a:endParaRPr b="0" lang="en-US" sz="1800" spc="-1" strike="noStrike">
-              <a:solidFill>
-                <a:srgbClr val="000000"/>
-              </a:solidFill>
-              <a:latin typeface="Arial"/>
-            </a:endParaRPr>
-          </a:p>
-        </p:txBody>
-      </p:sp>
-      <p:sp>
-        <p:nvSpPr>
-          <p:cNvPr id="121" name=""/>
-          <p:cNvSpPr/>
-          <p:nvPr/>
-        </p:nvSpPr>
-        <p:spPr>
-          <a:xfrm>
-            <a:off x="7944480" y="4658400"/>
-            <a:ext cx="342000" cy="345240"/>
-          </a:xfrm>
-          <a:prstGeom prst="rect">
-            <a:avLst/>
-          </a:prstGeom>
-          <a:noFill/>
-          <a:ln w="0">
-            <a:noFill/>
-          </a:ln>
-        </p:spPr>
-        <p:style>
-          <a:lnRef idx="0"/>
-          <a:fillRef idx="0"/>
-          <a:effectRef idx="0"/>
-          <a:fontRef idx="minor"/>
-        </p:style>
-        <p:txBody>
-          <a:bodyPr lIns="90000" rIns="90000" tIns="45000" bIns="45000" anchor="t">
-            <a:noAutofit/>
-          </a:bodyPr>
-          <a:p>
-            <a:pPr>
-              <a:lnSpc>
-                <a:spcPct val="100000"/>
-              </a:lnSpc>
-            </a:pPr>
-            <a:r>
-              <a:rPr b="0" lang="en-US" sz="1800" spc="-1" strike="noStrike">
-                <a:solidFill>
-                  <a:srgbClr val="000000"/>
-                </a:solidFill>
-                <a:latin typeface="Arial"/>
-                <a:ea typeface="DejaVu Sans"/>
-              </a:rPr>
-              <a:t>Z</a:t>
-            </a:r>
-            <a:endParaRPr b="0" lang="en-US" sz="1800" spc="-1" strike="noStrike">
-              <a:solidFill>
-                <a:srgbClr val="000000"/>
-              </a:solidFill>
-              <a:latin typeface="Arial"/>
-            </a:endParaRPr>
-          </a:p>
-        </p:txBody>
-      </p:sp>
-      <p:sp>
-        <p:nvSpPr>
-          <p:cNvPr id="122" name=""/>
-          <p:cNvSpPr/>
-          <p:nvPr/>
-        </p:nvSpPr>
-        <p:spPr>
-          <a:xfrm>
-            <a:off x="4344840" y="4526640"/>
-            <a:ext cx="684360" cy="501840"/>
+                <a:latin typeface="Times New Roman"/>
+                <a:ea typeface="DejaVu Sans"/>
+              </a:rPr>
+              <a:t>N</a:t>
+            </a:r>
+            <a:endParaRPr b="0" lang="en-US" sz="1800" spc="-1" strike="noStrike">
+              <a:solidFill>
+                <a:srgbClr val="000000"/>
+              </a:solidFill>
+              <a:latin typeface="Arial"/>
+            </a:endParaRPr>
+          </a:p>
+        </p:txBody>
+      </p:sp>
+      <p:sp>
+        <p:nvSpPr>
+          <p:cNvPr id="93" name=""/>
+          <p:cNvSpPr/>
+          <p:nvPr/>
+        </p:nvSpPr>
+        <p:spPr>
+          <a:xfrm>
+            <a:off x="5038920" y="3422880"/>
+            <a:ext cx="683640" cy="501120"/>
           </a:xfrm>
           <a:prstGeom prst="roundRect">
             <a:avLst>
@@ -7419,7 +6425,7 @@
             </a:avLst>
           </a:prstGeom>
           <a:solidFill>
-            <a:srgbClr val="ffde59"/>
+            <a:srgbClr val="729fcf"/>
           </a:solidFill>
           <a:ln w="0">
             <a:solidFill>
@@ -7438,47 +6444,7 @@
             <a:noAutofit/>
           </a:bodyPr>
           <a:p>
-            <a:endParaRPr b="0" lang="en-US" sz="1800" spc="-1" strike="noStrike">
-              <a:solidFill>
-                <a:srgbClr val="000000"/>
-              </a:solidFill>
-              <a:latin typeface="Arial"/>
-              <a:ea typeface="DejaVu Sans"/>
-            </a:endParaRPr>
-          </a:p>
-        </p:txBody>
-      </p:sp>
-      <p:sp>
-        <p:nvSpPr>
-          <p:cNvPr id="123" name=""/>
-          <p:cNvSpPr/>
-          <p:nvPr/>
-        </p:nvSpPr>
-        <p:spPr>
-          <a:xfrm>
-            <a:off x="4516200" y="4645800"/>
-            <a:ext cx="342000" cy="345240"/>
-          </a:xfrm>
-          <a:prstGeom prst="rect">
-            <a:avLst/>
-          </a:prstGeom>
-          <a:noFill/>
-          <a:ln w="0">
-            <a:noFill/>
-          </a:ln>
-        </p:spPr>
-        <p:style>
-          <a:lnRef idx="0"/>
-          <a:fillRef idx="0"/>
-          <a:effectRef idx="0"/>
-          <a:fontRef idx="minor"/>
-        </p:style>
-        <p:txBody>
-          <a:bodyPr lIns="90000" rIns="90000" tIns="45000" bIns="45000" anchor="t">
-            <a:noAutofit/>
-          </a:bodyPr>
-          <a:p>
-            <a:pPr>
+            <a:pPr algn="ctr">
               <a:lnSpc>
                 <a:spcPct val="100000"/>
               </a:lnSpc>
@@ -7488,7 +6454,7 @@
                 <a:solidFill>
                   <a:srgbClr val="000000"/>
                 </a:solidFill>
-                <a:latin typeface="Arial"/>
+                <a:latin typeface="Times New Roman"/>
                 <a:ea typeface="DejaVu Sans"/>
               </a:rPr>
               <a:t>A</a:t>
@@ -7504,258 +6470,55 @@
       </p:sp>
       <p:sp>
         <p:nvSpPr>
-          <p:cNvPr id="124" name=""/>
-          <p:cNvSpPr/>
-          <p:nvPr/>
-        </p:nvSpPr>
-        <p:spPr>
-          <a:xfrm>
-            <a:off x="9664920" y="5258160"/>
-            <a:ext cx="3822480" cy="426960"/>
-          </a:xfrm>
-          <a:prstGeom prst="rect">
-            <a:avLst/>
-          </a:prstGeom>
-          <a:noFill/>
-          <a:ln w="0">
-            <a:noFill/>
-          </a:ln>
-        </p:spPr>
-        <p:style>
-          <a:lnRef idx="0"/>
-          <a:fillRef idx="0"/>
-          <a:effectRef idx="0"/>
-          <a:fontRef idx="minor"/>
-        </p:style>
-        <p:txBody>
-          <a:bodyPr lIns="90000" rIns="90000" tIns="45000" bIns="45000" anchor="t">
-            <a:noAutofit/>
-          </a:bodyPr>
-          <a:p>
-            <a:pPr>
-              <a:lnSpc>
-                <a:spcPct val="100000"/>
-              </a:lnSpc>
-            </a:pPr>
-            <a:r>
-              <a:rPr b="0" lang="en-US" sz="2400" spc="-1" strike="noStrike">
-                <a:solidFill>
-                  <a:srgbClr val="000000"/>
-                </a:solidFill>
-                <a:latin typeface="Times New Roman"/>
-              </a:rPr>
-              <a:t>5</a:t>
-            </a:r>
-            <a:endParaRPr b="0" lang="en-US" sz="2400" spc="-1" strike="noStrike">
-              <a:solidFill>
-                <a:srgbClr val="000000"/>
-              </a:solidFill>
-              <a:latin typeface="Arial"/>
-            </a:endParaRPr>
-          </a:p>
-        </p:txBody>
-      </p:sp>
-      <p:sp>
-        <p:nvSpPr>
-          <p:cNvPr id="125" name=""/>
-          <p:cNvSpPr/>
-          <p:nvPr/>
-        </p:nvSpPr>
-        <p:spPr>
-          <a:xfrm flipV="1">
-            <a:off x="4680000" y="5101200"/>
-            <a:ext cx="0" cy="349200"/>
-          </a:xfrm>
-          <a:prstGeom prst="line">
-            <a:avLst/>
-          </a:prstGeom>
-          <a:ln w="19080">
+          <p:cNvPr id="94" name=""/>
+          <p:cNvSpPr/>
+          <p:nvPr/>
+        </p:nvSpPr>
+        <p:spPr>
+          <a:xfrm>
+            <a:off x="4345200" y="4526640"/>
+            <a:ext cx="683640" cy="501120"/>
+          </a:xfrm>
+          <a:prstGeom prst="roundRect">
+            <a:avLst>
+              <a:gd name="adj" fmla="val 16667"/>
+            </a:avLst>
+          </a:prstGeom>
+          <a:solidFill>
+            <a:srgbClr val="ffde59"/>
+          </a:solidFill>
+          <a:ln w="0">
             <a:solidFill>
               <a:srgbClr val="3465a4"/>
             </a:solidFill>
-            <a:round/>
-            <a:tailEnd len="med" type="triangle" w="med"/>
-          </a:ln>
-        </p:spPr>
-        <p:style>
-          <a:lnRef idx="0"/>
-          <a:fillRef idx="0"/>
-          <a:effectRef idx="0"/>
-          <a:fontRef idx="minor"/>
-        </p:style>
-        <p:txBody>
-          <a:bodyPr lIns="99360" rIns="99360" tIns="54360" bIns="54360" anchor="ctr">
-            <a:noAutofit/>
-          </a:bodyPr>
-          <a:p>
-            <a:endParaRPr b="0" lang="en-US" sz="1800" spc="-1" strike="noStrike">
-              <a:solidFill>
-                <a:srgbClr val="000000"/>
-              </a:solidFill>
-              <a:latin typeface="Arial"/>
-            </a:endParaRPr>
-          </a:p>
-        </p:txBody>
-      </p:sp>
-      <p:sp>
-        <p:nvSpPr>
-          <p:cNvPr id="126" name=""/>
-          <p:cNvSpPr/>
-          <p:nvPr/>
-        </p:nvSpPr>
-        <p:spPr>
-          <a:xfrm flipV="1">
-            <a:off x="4680000" y="4062240"/>
-            <a:ext cx="0" cy="349200"/>
-          </a:xfrm>
-          <a:prstGeom prst="line">
-            <a:avLst/>
-          </a:prstGeom>
-          <a:ln w="19080">
-            <a:solidFill>
-              <a:srgbClr val="f10d0c"/>
-            </a:solidFill>
-            <a:round/>
-            <a:tailEnd len="med" type="triangle" w="med"/>
-          </a:ln>
-        </p:spPr>
-        <p:style>
-          <a:lnRef idx="0"/>
-          <a:fillRef idx="0"/>
-          <a:effectRef idx="0"/>
-          <a:fontRef idx="minor"/>
-        </p:style>
-        <p:txBody>
-          <a:bodyPr lIns="99360" rIns="99360" tIns="54360" bIns="54360" anchor="ctr">
-            <a:noAutofit/>
-          </a:bodyPr>
-          <a:p>
-            <a:endParaRPr b="0" lang="en-US" sz="1800" spc="-1" strike="noStrike">
-              <a:solidFill>
-                <a:srgbClr val="000000"/>
-              </a:solidFill>
-              <a:latin typeface="Arial"/>
-            </a:endParaRPr>
-          </a:p>
-        </p:txBody>
-      </p:sp>
-      <p:sp>
-        <p:nvSpPr>
-          <p:cNvPr id="127" name=""/>
-          <p:cNvSpPr/>
-          <p:nvPr/>
-        </p:nvSpPr>
-        <p:spPr>
-          <a:xfrm flipV="1">
-            <a:off x="5364000" y="4067280"/>
-            <a:ext cx="0" cy="349200"/>
-          </a:xfrm>
-          <a:prstGeom prst="line">
-            <a:avLst/>
-          </a:prstGeom>
-          <a:ln w="19080">
-            <a:solidFill>
-              <a:srgbClr val="f10d0c"/>
-            </a:solidFill>
-            <a:round/>
-            <a:tailEnd len="med" type="triangle" w="med"/>
-          </a:ln>
-        </p:spPr>
-        <p:style>
-          <a:lnRef idx="0"/>
-          <a:fillRef idx="0"/>
-          <a:effectRef idx="0"/>
-          <a:fontRef idx="minor"/>
-        </p:style>
-        <p:txBody>
-          <a:bodyPr lIns="99360" rIns="99360" tIns="54360" bIns="54360" anchor="ctr">
-            <a:noAutofit/>
-          </a:bodyPr>
-          <a:p>
-            <a:endParaRPr b="0" lang="en-US" sz="1800" spc="-1" strike="noStrike">
-              <a:solidFill>
-                <a:srgbClr val="000000"/>
-              </a:solidFill>
-              <a:latin typeface="Arial"/>
-            </a:endParaRPr>
-          </a:p>
-        </p:txBody>
-      </p:sp>
-      <p:sp>
-        <p:nvSpPr>
-          <p:cNvPr id="128" name=""/>
-          <p:cNvSpPr/>
-          <p:nvPr/>
-        </p:nvSpPr>
-        <p:spPr>
-          <a:xfrm flipV="1">
-            <a:off x="6048000" y="4067280"/>
-            <a:ext cx="0" cy="349200"/>
-          </a:xfrm>
-          <a:prstGeom prst="line">
-            <a:avLst/>
-          </a:prstGeom>
-          <a:ln w="19080">
-            <a:solidFill>
-              <a:srgbClr val="f10d0c"/>
-            </a:solidFill>
-            <a:round/>
-            <a:tailEnd len="med" type="triangle" w="med"/>
-          </a:ln>
-        </p:spPr>
-        <p:style>
-          <a:lnRef idx="0"/>
-          <a:fillRef idx="0"/>
-          <a:effectRef idx="0"/>
-          <a:fontRef idx="minor"/>
-        </p:style>
-        <p:txBody>
-          <a:bodyPr lIns="99360" rIns="99360" tIns="54360" bIns="54360" anchor="ctr">
-            <a:noAutofit/>
-          </a:bodyPr>
-          <a:p>
-            <a:endParaRPr b="0" lang="en-US" sz="1800" spc="-1" strike="noStrike">
-              <a:solidFill>
-                <a:srgbClr val="000000"/>
-              </a:solidFill>
-              <a:latin typeface="Arial"/>
-            </a:endParaRPr>
-          </a:p>
-        </p:txBody>
-      </p:sp>
-      <p:sp>
-        <p:nvSpPr>
-          <p:cNvPr id="129" name=""/>
-          <p:cNvSpPr/>
-          <p:nvPr/>
-        </p:nvSpPr>
-        <p:spPr>
-          <a:xfrm flipV="1">
-            <a:off x="6732000" y="4067280"/>
-            <a:ext cx="0" cy="349200"/>
-          </a:xfrm>
-          <a:prstGeom prst="line">
-            <a:avLst/>
-          </a:prstGeom>
-          <a:ln w="19080">
-            <a:solidFill>
-              <a:srgbClr val="f10d0c"/>
-            </a:solidFill>
-            <a:round/>
-            <a:tailEnd len="med" type="triangle" w="med"/>
-          </a:ln>
-        </p:spPr>
-        <p:style>
-          <a:lnRef idx="0"/>
-          <a:fillRef idx="0"/>
-          <a:effectRef idx="0"/>
-          <a:fontRef idx="minor"/>
-        </p:style>
-        <p:txBody>
-          <a:bodyPr lIns="99360" rIns="99360" tIns="54360" bIns="54360" anchor="ctr">
-            <a:noAutofit/>
-          </a:bodyPr>
-          <a:p>
+          </a:ln>
+        </p:spPr>
+        <p:style>
+          <a:lnRef idx="0"/>
+          <a:fillRef idx="0"/>
+          <a:effectRef idx="0"/>
+          <a:fontRef idx="minor"/>
+        </p:style>
+        <p:txBody>
+          <a:bodyPr lIns="90000" rIns="90000" tIns="45000" bIns="45000" anchor="ctr">
+            <a:noAutofit/>
+          </a:bodyPr>
+          <a:p>
+            <a:pPr algn="ctr">
+              <a:lnSpc>
+                <a:spcPct val="100000"/>
+              </a:lnSpc>
+            </a:pPr>
+            <a:r>
+              <a:rPr b="0" lang="en-US" sz="1800" spc="-1" strike="noStrike">
+                <a:solidFill>
+                  <a:srgbClr val="000000"/>
+                </a:solidFill>
+                <a:latin typeface="Times New Roman"/>
+                <a:ea typeface="DejaVu Sans"/>
+              </a:rPr>
+              <a:t>G</a:t>
+            </a:r>
             <a:endParaRPr b="0" lang="en-US" sz="1800" spc="-1" strike="noStrike">
               <a:solidFill>
                 <a:srgbClr val="000000"/>
@@ -7797,7 +6560,7 @@
       </p:grpSpPr>
       <p:sp>
         <p:nvSpPr>
-          <p:cNvPr id="130" name="Straight Connector 11"/>
+          <p:cNvPr id="95" name="Straight Connector 10"/>
           <p:cNvSpPr/>
           <p:nvPr/>
         </p:nvSpPr>
@@ -7839,14 +6602,14 @@
       </p:sp>
       <p:sp>
         <p:nvSpPr>
-          <p:cNvPr id="131" name="PlaceHolder 10"/>
+          <p:cNvPr id="96" name="PlaceHolder 9"/>
           <p:cNvSpPr/>
           <p:nvPr/>
         </p:nvSpPr>
         <p:spPr>
           <a:xfrm>
             <a:off x="914400" y="0"/>
-            <a:ext cx="8237160" cy="913680"/>
+            <a:ext cx="8236440" cy="912960"/>
           </a:xfrm>
           <a:prstGeom prst="rect">
             <a:avLst/>
@@ -7883,7 +6646,7 @@
                 <a:latin typeface="Times New Roman"/>
                 <a:ea typeface="DejaVu Sans"/>
               </a:rPr>
-              <a:t>How do the Buffers Work?</a:t>
+              <a:t>The “Sliding Window”</a:t>
             </a:r>
             <a:br>
               <a:rPr sz="2800"/>
@@ -7899,14 +6662,14 @@
       </p:sp>
       <p:sp>
         <p:nvSpPr>
-          <p:cNvPr id="132" name=""/>
+          <p:cNvPr id="97" name=""/>
           <p:cNvSpPr/>
           <p:nvPr/>
         </p:nvSpPr>
         <p:spPr>
           <a:xfrm>
             <a:off x="468000" y="1128600"/>
-            <a:ext cx="9132480" cy="1944360"/>
+            <a:ext cx="9131760" cy="1943640"/>
           </a:xfrm>
           <a:prstGeom prst="rect">
             <a:avLst/>
@@ -7946,7 +6709,7 @@
                 <a:latin typeface="Times New Roman"/>
                 <a:ea typeface="DejaVu Sans"/>
               </a:rPr>
-              <a:t>Starting at the current position, find the longest string that matches in the search buffer.</a:t>
+              <a:t>Starting at the current position, find the longest string that matches in the search buffer</a:t>
             </a:r>
             <a:endParaRPr b="0" lang="en-US" sz="2200" spc="-1" strike="noStrike">
               <a:solidFill>
@@ -7955,47 +6718,126 @@
               <a:latin typeface="Arial"/>
             </a:endParaRPr>
           </a:p>
-          <a:p>
-            <a:pPr marL="216000" indent="-216000">
-              <a:lnSpc>
-                <a:spcPct val="150000"/>
-              </a:lnSpc>
-              <a:buClr>
-                <a:srgbClr val="000000"/>
-              </a:buClr>
-              <a:buSzPct val="45000"/>
-              <a:buFont typeface="Wingdings" charset="2"/>
-              <a:buChar char=""/>
-            </a:pPr>
-            <a:r>
-              <a:rPr b="0" lang="en-US" sz="2200" spc="-1" strike="noStrike">
-                <a:solidFill>
-                  <a:srgbClr val="000000"/>
-                </a:solidFill>
-                <a:latin typeface="Times New Roman"/>
-                <a:ea typeface="DejaVu Sans"/>
-              </a:rPr>
-              <a:t>If found, replace the string with a pointer to the first character in the buffer with a read distance in bytes.</a:t>
-            </a:r>
-            <a:endParaRPr b="0" lang="en-US" sz="2200" spc="-1" strike="noStrike">
-              <a:solidFill>
-                <a:srgbClr val="000000"/>
-              </a:solidFill>
-              <a:latin typeface="Arial"/>
-            </a:endParaRPr>
-          </a:p>
-        </p:txBody>
-      </p:sp>
-      <p:sp>
-        <p:nvSpPr>
-          <p:cNvPr id="133" name=""/>
-          <p:cNvSpPr/>
-          <p:nvPr/>
-        </p:nvSpPr>
-        <p:spPr>
-          <a:xfrm>
-            <a:off x="4344840" y="3372120"/>
-            <a:ext cx="684360" cy="513360"/>
+        </p:txBody>
+      </p:sp>
+      <p:sp>
+        <p:nvSpPr>
+          <p:cNvPr id="98" name=""/>
+          <p:cNvSpPr/>
+          <p:nvPr/>
+        </p:nvSpPr>
+        <p:spPr>
+          <a:xfrm>
+            <a:off x="688320" y="3429360"/>
+            <a:ext cx="2512080" cy="455400"/>
+          </a:xfrm>
+          <a:prstGeom prst="rect">
+            <a:avLst/>
+          </a:prstGeom>
+          <a:noFill/>
+          <a:ln w="0">
+            <a:noFill/>
+          </a:ln>
+        </p:spPr>
+        <p:style>
+          <a:lnRef idx="0"/>
+          <a:fillRef idx="0"/>
+          <a:effectRef idx="0"/>
+          <a:fontRef idx="minor"/>
+        </p:style>
+        <p:txBody>
+          <a:bodyPr lIns="90000" rIns="90000" tIns="45000" bIns="45000" anchor="t">
+            <a:noAutofit/>
+          </a:bodyPr>
+          <a:p>
+            <a:pPr algn="ctr">
+              <a:lnSpc>
+                <a:spcPct val="100000"/>
+              </a:lnSpc>
+            </a:pPr>
+            <a:r>
+              <a:rPr b="0" lang="en-US" sz="2400" spc="-1" strike="noStrike">
+                <a:solidFill>
+                  <a:srgbClr val="000000"/>
+                </a:solidFill>
+                <a:latin typeface="Times New Roman"/>
+                <a:ea typeface="DejaVu Sans"/>
+              </a:rPr>
+              <a:t>Search Buffer</a:t>
+            </a:r>
+            <a:endParaRPr b="0" lang="en-US" sz="2400" spc="-1" strike="noStrike">
+              <a:solidFill>
+                <a:srgbClr val="000000"/>
+              </a:solidFill>
+              <a:latin typeface="Arial"/>
+            </a:endParaRPr>
+          </a:p>
+        </p:txBody>
+      </p:sp>
+      <p:sp>
+        <p:nvSpPr>
+          <p:cNvPr id="99" name=""/>
+          <p:cNvSpPr/>
+          <p:nvPr/>
+        </p:nvSpPr>
+        <p:spPr>
+          <a:xfrm>
+            <a:off x="1048320" y="4493880"/>
+            <a:ext cx="3197880" cy="762480"/>
+          </a:xfrm>
+          <a:prstGeom prst="rect">
+            <a:avLst/>
+          </a:prstGeom>
+          <a:noFill/>
+          <a:ln w="0">
+            <a:noFill/>
+          </a:ln>
+        </p:spPr>
+        <p:style>
+          <a:lnRef idx="0"/>
+          <a:fillRef idx="0"/>
+          <a:effectRef idx="0"/>
+          <a:fontRef idx="minor"/>
+        </p:style>
+        <p:txBody>
+          <a:bodyPr lIns="90000" rIns="90000" tIns="45000" bIns="45000" anchor="t">
+            <a:noAutofit/>
+          </a:bodyPr>
+          <a:p>
+            <a:pPr>
+              <a:lnSpc>
+                <a:spcPct val="100000"/>
+              </a:lnSpc>
+            </a:pPr>
+            <a:r>
+              <a:rPr b="0" lang="en-US" sz="2400" spc="-1" strike="noStrike">
+                <a:solidFill>
+                  <a:srgbClr val="000000"/>
+                </a:solidFill>
+                <a:latin typeface="Times New Roman"/>
+                <a:ea typeface="DejaVu Sans"/>
+              </a:rPr>
+              <a:t>Window</a:t>
+            </a:r>
+            <a:endParaRPr b="0" lang="en-US" sz="2400" spc="-1" strike="noStrike">
+              <a:solidFill>
+                <a:srgbClr val="000000"/>
+              </a:solidFill>
+              <a:latin typeface="Arial"/>
+            </a:endParaRPr>
+          </a:p>
+        </p:txBody>
+      </p:sp>
+      <p:sp>
+        <p:nvSpPr>
+          <p:cNvPr id="100" name=""/>
+          <p:cNvSpPr/>
+          <p:nvPr/>
+        </p:nvSpPr>
+        <p:spPr>
+          <a:xfrm>
+            <a:off x="4344840" y="4526640"/>
+            <a:ext cx="683640" cy="501120"/>
           </a:xfrm>
           <a:prstGeom prst="roundRect">
             <a:avLst>
@@ -8003,7 +6845,7 @@
             </a:avLst>
           </a:prstGeom>
           <a:solidFill>
-            <a:srgbClr val="729fcf"/>
+            <a:srgbClr val="ffde59"/>
           </a:solidFill>
           <a:ln w="0">
             <a:solidFill>
@@ -8022,6 +6864,117 @@
             <a:noAutofit/>
           </a:bodyPr>
           <a:p>
+            <a:pPr algn="ctr">
+              <a:lnSpc>
+                <a:spcPct val="100000"/>
+              </a:lnSpc>
+            </a:pPr>
+            <a:r>
+              <a:rPr b="0" lang="en-US" sz="1800" spc="-1" strike="noStrike">
+                <a:solidFill>
+                  <a:srgbClr val="000000"/>
+                </a:solidFill>
+                <a:latin typeface="Times New Roman"/>
+                <a:ea typeface="DejaVu Sans"/>
+              </a:rPr>
+              <a:t>G</a:t>
+            </a:r>
+            <a:endParaRPr b="0" lang="en-US" sz="1800" spc="-1" strike="noStrike">
+              <a:solidFill>
+                <a:srgbClr val="000000"/>
+              </a:solidFill>
+              <a:latin typeface="Arial"/>
+            </a:endParaRPr>
+          </a:p>
+        </p:txBody>
+      </p:sp>
+      <p:sp>
+        <p:nvSpPr>
+          <p:cNvPr id="101" name=""/>
+          <p:cNvSpPr/>
+          <p:nvPr/>
+        </p:nvSpPr>
+        <p:spPr>
+          <a:xfrm>
+            <a:off x="9664920" y="5258160"/>
+            <a:ext cx="3821760" cy="426240"/>
+          </a:xfrm>
+          <a:prstGeom prst="rect">
+            <a:avLst/>
+          </a:prstGeom>
+          <a:noFill/>
+          <a:ln w="0">
+            <a:noFill/>
+          </a:ln>
+        </p:spPr>
+        <p:style>
+          <a:lnRef idx="0"/>
+          <a:fillRef idx="0"/>
+          <a:effectRef idx="0"/>
+          <a:fontRef idx="minor"/>
+        </p:style>
+        <p:txBody>
+          <a:bodyPr lIns="90000" rIns="90000" tIns="45000" bIns="45000" anchor="t">
+            <a:noAutofit/>
+          </a:bodyPr>
+          <a:p>
+            <a:pPr>
+              <a:lnSpc>
+                <a:spcPct val="100000"/>
+              </a:lnSpc>
+            </a:pPr>
+            <a:r>
+              <a:rPr b="0" lang="en-US" sz="2400" spc="-1" strike="noStrike">
+                <a:solidFill>
+                  <a:srgbClr val="000000"/>
+                </a:solidFill>
+                <a:latin typeface="Times New Roman"/>
+                <a:ea typeface="DejaVu Sans"/>
+              </a:rPr>
+              <a:t>7</a:t>
+            </a:r>
+            <a:endParaRPr b="0" lang="en-US" sz="2400" spc="-1" strike="noStrike">
+              <a:solidFill>
+                <a:srgbClr val="000000"/>
+              </a:solidFill>
+              <a:latin typeface="Arial"/>
+            </a:endParaRPr>
+          </a:p>
+        </p:txBody>
+      </p:sp>
+      <p:sp>
+        <p:nvSpPr>
+          <p:cNvPr id="102" name=""/>
+          <p:cNvSpPr/>
+          <p:nvPr/>
+        </p:nvSpPr>
+        <p:spPr>
+          <a:xfrm flipV="1">
+            <a:off x="4680000" y="4062240"/>
+            <a:ext cx="360" cy="349200"/>
+          </a:xfrm>
+          <a:prstGeom prst="line">
+            <a:avLst/>
+          </a:prstGeom>
+          <a:ln w="19080">
+            <a:solidFill>
+              <a:srgbClr val="f10d0c"/>
+            </a:solidFill>
+            <a:round/>
+            <a:tailEnd len="med" type="triangle" w="med"/>
+          </a:ln>
+        </p:spPr>
+        <p:style>
+          <a:lnRef idx="0"/>
+          <a:fillRef idx="0"/>
+          <a:effectRef idx="0"/>
+          <a:fontRef idx="minor"/>
+        </p:style>
+        <p:txBody>
+          <a:bodyPr lIns="99360" rIns="99360" tIns="54360" bIns="54360" anchor="ctr">
+            <a:noAutofit/>
+          </a:bodyPr>
+          <a:p>
             <a:endParaRPr b="0" lang="en-US" sz="1800" spc="-1" strike="noStrike">
               <a:solidFill>
                 <a:srgbClr val="000000"/>
@@ -8034,14 +6987,143 @@
       </p:sp>
       <p:sp>
         <p:nvSpPr>
-          <p:cNvPr id="134" name=""/>
-          <p:cNvSpPr/>
-          <p:nvPr/>
-        </p:nvSpPr>
-        <p:spPr>
-          <a:xfrm>
-            <a:off x="5030640" y="3372120"/>
-            <a:ext cx="684360" cy="513000"/>
+          <p:cNvPr id="103" name=""/>
+          <p:cNvSpPr/>
+          <p:nvPr/>
+        </p:nvSpPr>
+        <p:spPr>
+          <a:xfrm flipV="1">
+            <a:off x="5364000" y="4067280"/>
+            <a:ext cx="360" cy="349200"/>
+          </a:xfrm>
+          <a:prstGeom prst="line">
+            <a:avLst/>
+          </a:prstGeom>
+          <a:ln w="19080">
+            <a:solidFill>
+              <a:srgbClr val="f10d0c"/>
+            </a:solidFill>
+            <a:round/>
+            <a:tailEnd len="med" type="triangle" w="med"/>
+          </a:ln>
+        </p:spPr>
+        <p:style>
+          <a:lnRef idx="0"/>
+          <a:fillRef idx="0"/>
+          <a:effectRef idx="0"/>
+          <a:fontRef idx="minor"/>
+        </p:style>
+        <p:txBody>
+          <a:bodyPr lIns="99360" rIns="99360" tIns="54360" bIns="54360" anchor="ctr">
+            <a:noAutofit/>
+          </a:bodyPr>
+          <a:p>
+            <a:endParaRPr b="0" lang="en-US" sz="1800" spc="-1" strike="noStrike">
+              <a:solidFill>
+                <a:srgbClr val="000000"/>
+              </a:solidFill>
+              <a:latin typeface="Arial"/>
+              <a:ea typeface="DejaVu Sans"/>
+            </a:endParaRPr>
+          </a:p>
+        </p:txBody>
+      </p:sp>
+      <p:sp>
+        <p:nvSpPr>
+          <p:cNvPr id="104" name=""/>
+          <p:cNvSpPr/>
+          <p:nvPr/>
+        </p:nvSpPr>
+        <p:spPr>
+          <a:xfrm flipV="1">
+            <a:off x="6048000" y="4067280"/>
+            <a:ext cx="360" cy="349200"/>
+          </a:xfrm>
+          <a:prstGeom prst="line">
+            <a:avLst/>
+          </a:prstGeom>
+          <a:ln w="19080">
+            <a:solidFill>
+              <a:srgbClr val="f10d0c"/>
+            </a:solidFill>
+            <a:round/>
+            <a:tailEnd len="med" type="triangle" w="med"/>
+          </a:ln>
+        </p:spPr>
+        <p:style>
+          <a:lnRef idx="0"/>
+          <a:fillRef idx="0"/>
+          <a:effectRef idx="0"/>
+          <a:fontRef idx="minor"/>
+        </p:style>
+        <p:txBody>
+          <a:bodyPr lIns="99360" rIns="99360" tIns="54360" bIns="54360" anchor="ctr">
+            <a:noAutofit/>
+          </a:bodyPr>
+          <a:p>
+            <a:endParaRPr b="0" lang="en-US" sz="1800" spc="-1" strike="noStrike">
+              <a:solidFill>
+                <a:srgbClr val="000000"/>
+              </a:solidFill>
+              <a:latin typeface="Arial"/>
+              <a:ea typeface="DejaVu Sans"/>
+            </a:endParaRPr>
+          </a:p>
+        </p:txBody>
+      </p:sp>
+      <p:sp>
+        <p:nvSpPr>
+          <p:cNvPr id="105" name=""/>
+          <p:cNvSpPr/>
+          <p:nvPr/>
+        </p:nvSpPr>
+        <p:spPr>
+          <a:xfrm flipV="1">
+            <a:off x="6732000" y="4067280"/>
+            <a:ext cx="360" cy="349200"/>
+          </a:xfrm>
+          <a:prstGeom prst="line">
+            <a:avLst/>
+          </a:prstGeom>
+          <a:ln w="19080">
+            <a:solidFill>
+              <a:srgbClr val="f10d0c"/>
+            </a:solidFill>
+            <a:round/>
+            <a:tailEnd len="med" type="triangle" w="med"/>
+          </a:ln>
+        </p:spPr>
+        <p:style>
+          <a:lnRef idx="0"/>
+          <a:fillRef idx="0"/>
+          <a:effectRef idx="0"/>
+          <a:fontRef idx="minor"/>
+        </p:style>
+        <p:txBody>
+          <a:bodyPr lIns="99360" rIns="99360" tIns="54360" bIns="54360" anchor="ctr">
+            <a:noAutofit/>
+          </a:bodyPr>
+          <a:p>
+            <a:endParaRPr b="0" lang="en-US" sz="1800" spc="-1" strike="noStrike">
+              <a:solidFill>
+                <a:srgbClr val="000000"/>
+              </a:solidFill>
+              <a:latin typeface="Arial"/>
+              <a:ea typeface="DejaVu Sans"/>
+            </a:endParaRPr>
+          </a:p>
+        </p:txBody>
+      </p:sp>
+      <p:sp>
+        <p:nvSpPr>
+          <p:cNvPr id="106" name=""/>
+          <p:cNvSpPr/>
+          <p:nvPr/>
+        </p:nvSpPr>
+        <p:spPr>
+          <a:xfrm>
+            <a:off x="8457840" y="4538880"/>
+            <a:ext cx="683640" cy="501120"/>
           </a:xfrm>
           <a:prstGeom prst="roundRect">
             <a:avLst>
@@ -8049,7 +7131,7 @@
             </a:avLst>
           </a:prstGeom>
           <a:solidFill>
-            <a:srgbClr val="729fcf"/>
+            <a:srgbClr val="77bc65"/>
           </a:solidFill>
           <a:ln w="0">
             <a:solidFill>
@@ -8068,26 +7150,40 @@
             <a:noAutofit/>
           </a:bodyPr>
           <a:p>
-            <a:endParaRPr b="0" lang="en-US" sz="1800" spc="-1" strike="noStrike">
-              <a:solidFill>
-                <a:srgbClr val="000000"/>
-              </a:solidFill>
-              <a:latin typeface="Arial"/>
-              <a:ea typeface="DejaVu Sans"/>
-            </a:endParaRPr>
-          </a:p>
-        </p:txBody>
-      </p:sp>
-      <p:sp>
-        <p:nvSpPr>
-          <p:cNvPr id="135" name=""/>
-          <p:cNvSpPr/>
-          <p:nvPr/>
-        </p:nvSpPr>
-        <p:spPr>
-          <a:xfrm>
-            <a:off x="6401880" y="3372120"/>
-            <a:ext cx="684360" cy="513360"/>
+            <a:pPr algn="ctr">
+              <a:lnSpc>
+                <a:spcPct val="100000"/>
+              </a:lnSpc>
+            </a:pPr>
+            <a:r>
+              <a:rPr b="0" lang="en-US" sz="1800" spc="-1" strike="noStrike">
+                <a:solidFill>
+                  <a:srgbClr val="000000"/>
+                </a:solidFill>
+                <a:latin typeface="Times New Roman"/>
+                <a:ea typeface="DejaVu Sans"/>
+              </a:rPr>
+              <a:t>F</a:t>
+            </a:r>
+            <a:endParaRPr b="0" lang="en-US" sz="1800" spc="-1" strike="noStrike">
+              <a:solidFill>
+                <a:srgbClr val="000000"/>
+              </a:solidFill>
+              <a:latin typeface="Arial"/>
+            </a:endParaRPr>
+          </a:p>
+        </p:txBody>
+      </p:sp>
+      <p:sp>
+        <p:nvSpPr>
+          <p:cNvPr id="107" name=""/>
+          <p:cNvSpPr/>
+          <p:nvPr/>
+        </p:nvSpPr>
+        <p:spPr>
+          <a:xfrm>
+            <a:off x="7774200" y="4538880"/>
+            <a:ext cx="683640" cy="501120"/>
           </a:xfrm>
           <a:prstGeom prst="roundRect">
             <a:avLst>
@@ -8095,7 +7191,7 @@
             </a:avLst>
           </a:prstGeom>
           <a:solidFill>
-            <a:srgbClr val="729fcf"/>
+            <a:srgbClr val="77bc65"/>
           </a:solidFill>
           <a:ln w="0">
             <a:solidFill>
@@ -8114,26 +7210,40 @@
             <a:noAutofit/>
           </a:bodyPr>
           <a:p>
-            <a:endParaRPr b="0" lang="en-US" sz="1800" spc="-1" strike="noStrike">
-              <a:solidFill>
-                <a:srgbClr val="000000"/>
-              </a:solidFill>
-              <a:latin typeface="Arial"/>
-              <a:ea typeface="DejaVu Sans"/>
-            </a:endParaRPr>
-          </a:p>
-        </p:txBody>
-      </p:sp>
-      <p:sp>
-        <p:nvSpPr>
-          <p:cNvPr id="136" name=""/>
-          <p:cNvSpPr/>
-          <p:nvPr/>
-        </p:nvSpPr>
-        <p:spPr>
-          <a:xfrm>
-            <a:off x="5716080" y="3372120"/>
-            <a:ext cx="684360" cy="513360"/>
+            <a:pPr algn="ctr">
+              <a:lnSpc>
+                <a:spcPct val="100000"/>
+              </a:lnSpc>
+            </a:pPr>
+            <a:r>
+              <a:rPr b="0" lang="en-US" sz="1800" spc="-1" strike="noStrike">
+                <a:solidFill>
+                  <a:srgbClr val="000000"/>
+                </a:solidFill>
+                <a:latin typeface="Times New Roman"/>
+                <a:ea typeface="DejaVu Sans"/>
+              </a:rPr>
+              <a:t>L</a:t>
+            </a:r>
+            <a:endParaRPr b="0" lang="en-US" sz="1800" spc="-1" strike="noStrike">
+              <a:solidFill>
+                <a:srgbClr val="000000"/>
+              </a:solidFill>
+              <a:latin typeface="Arial"/>
+            </a:endParaRPr>
+          </a:p>
+        </p:txBody>
+      </p:sp>
+      <p:sp>
+        <p:nvSpPr>
+          <p:cNvPr id="108" name=""/>
+          <p:cNvSpPr/>
+          <p:nvPr/>
+        </p:nvSpPr>
+        <p:spPr>
+          <a:xfrm>
+            <a:off x="7090200" y="4538880"/>
+            <a:ext cx="683640" cy="501120"/>
           </a:xfrm>
           <a:prstGeom prst="roundRect">
             <a:avLst>
@@ -8141,7 +7251,7 @@
             </a:avLst>
           </a:prstGeom>
           <a:solidFill>
-            <a:srgbClr val="729fcf"/>
+            <a:srgbClr val="77bc65"/>
           </a:solidFill>
           <a:ln w="0">
             <a:solidFill>
@@ -8160,26 +7270,40 @@
             <a:noAutofit/>
           </a:bodyPr>
           <a:p>
-            <a:endParaRPr b="0" lang="en-US" sz="1800" spc="-1" strike="noStrike">
-              <a:solidFill>
-                <a:srgbClr val="000000"/>
-              </a:solidFill>
-              <a:latin typeface="Arial"/>
-              <a:ea typeface="DejaVu Sans"/>
-            </a:endParaRPr>
-          </a:p>
-        </p:txBody>
-      </p:sp>
-      <p:sp>
-        <p:nvSpPr>
-          <p:cNvPr id="137" name=""/>
-          <p:cNvSpPr/>
-          <p:nvPr/>
-        </p:nvSpPr>
-        <p:spPr>
-          <a:xfrm>
-            <a:off x="7087320" y="4526640"/>
-            <a:ext cx="684360" cy="501840"/>
+            <a:pPr algn="ctr">
+              <a:lnSpc>
+                <a:spcPct val="100000"/>
+              </a:lnSpc>
+            </a:pPr>
+            <a:r>
+              <a:rPr b="0" lang="en-US" sz="1800" spc="-1" strike="noStrike">
+                <a:solidFill>
+                  <a:srgbClr val="000000"/>
+                </a:solidFill>
+                <a:latin typeface="Times New Roman"/>
+                <a:ea typeface="DejaVu Sans"/>
+              </a:rPr>
+              <a:t>A</a:t>
+            </a:r>
+            <a:endParaRPr b="0" lang="en-US" sz="1800" spc="-1" strike="noStrike">
+              <a:solidFill>
+                <a:srgbClr val="000000"/>
+              </a:solidFill>
+              <a:latin typeface="Arial"/>
+            </a:endParaRPr>
+          </a:p>
+        </p:txBody>
+      </p:sp>
+      <p:sp>
+        <p:nvSpPr>
+          <p:cNvPr id="109" name=""/>
+          <p:cNvSpPr/>
+          <p:nvPr/>
+        </p:nvSpPr>
+        <p:spPr>
+          <a:xfrm>
+            <a:off x="6406200" y="4538880"/>
+            <a:ext cx="683640" cy="501120"/>
           </a:xfrm>
           <a:prstGeom prst="roundRect">
             <a:avLst>
@@ -8187,7 +7311,7 @@
             </a:avLst>
           </a:prstGeom>
           <a:solidFill>
-            <a:srgbClr val="ffde59"/>
+            <a:srgbClr val="77bc65"/>
           </a:solidFill>
           <a:ln w="0">
             <a:solidFill>
@@ -8206,26 +7330,40 @@
             <a:noAutofit/>
           </a:bodyPr>
           <a:p>
-            <a:endParaRPr b="0" lang="en-US" sz="1800" spc="-1" strike="noStrike">
-              <a:solidFill>
-                <a:srgbClr val="000000"/>
-              </a:solidFill>
-              <a:latin typeface="Arial"/>
-              <a:ea typeface="DejaVu Sans"/>
-            </a:endParaRPr>
-          </a:p>
-        </p:txBody>
-      </p:sp>
-      <p:sp>
-        <p:nvSpPr>
-          <p:cNvPr id="138" name=""/>
-          <p:cNvSpPr/>
-          <p:nvPr/>
-        </p:nvSpPr>
-        <p:spPr>
-          <a:xfrm>
-            <a:off x="7773120" y="4538880"/>
-            <a:ext cx="684360" cy="501840"/>
+            <a:pPr algn="ctr">
+              <a:lnSpc>
+                <a:spcPct val="100000"/>
+              </a:lnSpc>
+            </a:pPr>
+            <a:r>
+              <a:rPr b="0" lang="en-US" sz="1800" spc="-1" strike="noStrike">
+                <a:solidFill>
+                  <a:srgbClr val="000000"/>
+                </a:solidFill>
+                <a:latin typeface="Times New Roman"/>
+                <a:ea typeface="DejaVu Sans"/>
+              </a:rPr>
+              <a:t>D</a:t>
+            </a:r>
+            <a:endParaRPr b="0" lang="en-US" sz="1800" spc="-1" strike="noStrike">
+              <a:solidFill>
+                <a:srgbClr val="000000"/>
+              </a:solidFill>
+              <a:latin typeface="Arial"/>
+            </a:endParaRPr>
+          </a:p>
+        </p:txBody>
+      </p:sp>
+      <p:sp>
+        <p:nvSpPr>
+          <p:cNvPr id="110" name=""/>
+          <p:cNvSpPr/>
+          <p:nvPr/>
+        </p:nvSpPr>
+        <p:spPr>
+          <a:xfrm>
+            <a:off x="5722200" y="4538880"/>
+            <a:ext cx="683640" cy="501120"/>
           </a:xfrm>
           <a:prstGeom prst="roundRect">
             <a:avLst>
@@ -8252,553 +7390,40 @@
             <a:noAutofit/>
           </a:bodyPr>
           <a:p>
-            <a:endParaRPr b="0" lang="en-US" sz="1800" spc="-1" strike="noStrike">
-              <a:solidFill>
-                <a:srgbClr val="000000"/>
-              </a:solidFill>
-              <a:latin typeface="Arial"/>
-              <a:ea typeface="DejaVu Sans"/>
-            </a:endParaRPr>
-          </a:p>
-        </p:txBody>
-      </p:sp>
-      <p:sp>
-        <p:nvSpPr>
-          <p:cNvPr id="139" name=""/>
-          <p:cNvSpPr/>
-          <p:nvPr/>
-        </p:nvSpPr>
-        <p:spPr>
-          <a:xfrm>
-            <a:off x="688320" y="3429360"/>
-            <a:ext cx="2512800" cy="456120"/>
-          </a:xfrm>
-          <a:prstGeom prst="rect">
-            <a:avLst/>
-          </a:prstGeom>
-          <a:noFill/>
-          <a:ln w="0">
-            <a:noFill/>
-          </a:ln>
-        </p:spPr>
-        <p:style>
-          <a:lnRef idx="0"/>
-          <a:fillRef idx="0"/>
-          <a:effectRef idx="0"/>
-          <a:fontRef idx="minor"/>
-        </p:style>
-        <p:txBody>
-          <a:bodyPr lIns="90000" rIns="90000" tIns="45000" bIns="45000" anchor="t">
-            <a:noAutofit/>
-          </a:bodyPr>
-          <a:p>
             <a:pPr algn="ctr">
               <a:lnSpc>
                 <a:spcPct val="100000"/>
               </a:lnSpc>
             </a:pPr>
             <a:r>
-              <a:rPr b="0" lang="en-US" sz="2400" spc="-1" strike="noStrike">
-                <a:solidFill>
-                  <a:srgbClr val="000000"/>
-                </a:solidFill>
-                <a:latin typeface="Times New Roman"/>
-                <a:ea typeface="DejaVu Sans"/>
-              </a:rPr>
-              <a:t>Search Buffer</a:t>
-            </a:r>
-            <a:endParaRPr b="0" lang="en-US" sz="2400" spc="-1" strike="noStrike">
-              <a:solidFill>
-                <a:srgbClr val="000000"/>
-              </a:solidFill>
-              <a:latin typeface="Arial"/>
-            </a:endParaRPr>
-          </a:p>
-        </p:txBody>
-      </p:sp>
-      <p:sp>
-        <p:nvSpPr>
-          <p:cNvPr id="140" name=""/>
-          <p:cNvSpPr/>
-          <p:nvPr/>
-        </p:nvSpPr>
-        <p:spPr>
-          <a:xfrm>
-            <a:off x="688320" y="4493880"/>
-            <a:ext cx="3198600" cy="763200"/>
-          </a:xfrm>
-          <a:prstGeom prst="rect">
-            <a:avLst/>
-          </a:prstGeom>
-          <a:noFill/>
-          <a:ln w="0">
-            <a:noFill/>
-          </a:ln>
-        </p:spPr>
-        <p:style>
-          <a:lnRef idx="0"/>
-          <a:fillRef idx="0"/>
-          <a:effectRef idx="0"/>
-          <a:fontRef idx="minor"/>
-        </p:style>
-        <p:txBody>
-          <a:bodyPr lIns="90000" rIns="90000" tIns="45000" bIns="45000" anchor="t">
-            <a:noAutofit/>
-          </a:bodyPr>
-          <a:p>
-            <a:pPr>
-              <a:lnSpc>
-                <a:spcPct val="100000"/>
-              </a:lnSpc>
-            </a:pPr>
-            <a:r>
-              <a:rPr b="0" lang="en-US" sz="2400" spc="-1" strike="noStrike">
-                <a:solidFill>
-                  <a:srgbClr val="000000"/>
-                </a:solidFill>
-                <a:latin typeface="Times New Roman"/>
-                <a:ea typeface="DejaVu Sans"/>
-              </a:rPr>
-              <a:t>Look Ahead Window</a:t>
-            </a:r>
-            <a:endParaRPr b="0" lang="en-US" sz="2400" spc="-1" strike="noStrike">
-              <a:solidFill>
-                <a:srgbClr val="000000"/>
-              </a:solidFill>
-              <a:latin typeface="Arial"/>
-            </a:endParaRPr>
-          </a:p>
-        </p:txBody>
-      </p:sp>
-      <p:sp>
-        <p:nvSpPr>
-          <p:cNvPr id="141" name=""/>
-          <p:cNvSpPr/>
-          <p:nvPr/>
-        </p:nvSpPr>
-        <p:spPr>
-          <a:xfrm>
-            <a:off x="4516200" y="3494160"/>
-            <a:ext cx="342000" cy="345240"/>
-          </a:xfrm>
-          <a:prstGeom prst="rect">
-            <a:avLst/>
-          </a:prstGeom>
-          <a:noFill/>
-          <a:ln w="0">
-            <a:noFill/>
-          </a:ln>
-        </p:spPr>
-        <p:style>
-          <a:lnRef idx="0"/>
-          <a:fillRef idx="0"/>
-          <a:effectRef idx="0"/>
-          <a:fontRef idx="minor"/>
-        </p:style>
-        <p:txBody>
-          <a:bodyPr lIns="90000" rIns="90000" tIns="45000" bIns="45000" anchor="t">
-            <a:noAutofit/>
-          </a:bodyPr>
-          <a:p>
-            <a:pPr>
-              <a:lnSpc>
-                <a:spcPct val="100000"/>
-              </a:lnSpc>
-            </a:pPr>
-            <a:r>
               <a:rPr b="0" lang="en-US" sz="1800" spc="-1" strike="noStrike">
                 <a:solidFill>
                   <a:srgbClr val="000000"/>
                 </a:solidFill>
-                <a:latin typeface="Arial"/>
-                <a:ea typeface="DejaVu Sans"/>
-              </a:rPr>
-              <a:t>A</a:t>
-            </a:r>
-            <a:endParaRPr b="0" lang="en-US" sz="1800" spc="-1" strike="noStrike">
-              <a:solidFill>
-                <a:srgbClr val="000000"/>
-              </a:solidFill>
-              <a:latin typeface="Arial"/>
-            </a:endParaRPr>
-          </a:p>
-        </p:txBody>
-      </p:sp>
-      <p:sp>
-        <p:nvSpPr>
-          <p:cNvPr id="142" name=""/>
-          <p:cNvSpPr/>
-          <p:nvPr/>
-        </p:nvSpPr>
-        <p:spPr>
-          <a:xfrm>
-            <a:off x="5202000" y="3494160"/>
-            <a:ext cx="342000" cy="345240"/>
-          </a:xfrm>
-          <a:prstGeom prst="rect">
-            <a:avLst/>
-          </a:prstGeom>
-          <a:noFill/>
-          <a:ln w="0">
-            <a:noFill/>
-          </a:ln>
-        </p:spPr>
-        <p:style>
-          <a:lnRef idx="0"/>
-          <a:fillRef idx="0"/>
-          <a:effectRef idx="0"/>
-          <a:fontRef idx="minor"/>
-        </p:style>
-        <p:txBody>
-          <a:bodyPr lIns="90000" rIns="90000" tIns="45000" bIns="45000" anchor="t">
-            <a:noAutofit/>
-          </a:bodyPr>
-          <a:p>
-            <a:pPr>
-              <a:lnSpc>
-                <a:spcPct val="100000"/>
-              </a:lnSpc>
-            </a:pPr>
-            <a:r>
-              <a:rPr b="0" lang="en-US" sz="1800" spc="-1" strike="noStrike">
-                <a:solidFill>
-                  <a:srgbClr val="000000"/>
-                </a:solidFill>
-                <a:latin typeface="Arial"/>
-                <a:ea typeface="DejaVu Sans"/>
-              </a:rPr>
-              <a:t>A</a:t>
-            </a:r>
-            <a:endParaRPr b="0" lang="en-US" sz="1800" spc="-1" strike="noStrike">
-              <a:solidFill>
-                <a:srgbClr val="000000"/>
-              </a:solidFill>
-              <a:latin typeface="Arial"/>
-            </a:endParaRPr>
-          </a:p>
-        </p:txBody>
-      </p:sp>
-      <p:sp>
-        <p:nvSpPr>
-          <p:cNvPr id="143" name=""/>
-          <p:cNvSpPr/>
-          <p:nvPr/>
-        </p:nvSpPr>
-        <p:spPr>
-          <a:xfrm>
-            <a:off x="5887440" y="3494160"/>
-            <a:ext cx="342000" cy="345240"/>
-          </a:xfrm>
-          <a:prstGeom prst="rect">
-            <a:avLst/>
-          </a:prstGeom>
-          <a:noFill/>
-          <a:ln w="0">
-            <a:noFill/>
-          </a:ln>
-        </p:spPr>
-        <p:style>
-          <a:lnRef idx="0"/>
-          <a:fillRef idx="0"/>
-          <a:effectRef idx="0"/>
-          <a:fontRef idx="minor"/>
-        </p:style>
-        <p:txBody>
-          <a:bodyPr lIns="90000" rIns="90000" tIns="45000" bIns="45000" anchor="t">
-            <a:noAutofit/>
-          </a:bodyPr>
-          <a:p>
-            <a:pPr>
-              <a:lnSpc>
-                <a:spcPct val="100000"/>
-              </a:lnSpc>
-            </a:pPr>
-            <a:r>
-              <a:rPr b="0" lang="en-US" sz="1800" spc="-1" strike="noStrike">
-                <a:solidFill>
-                  <a:srgbClr val="000000"/>
-                </a:solidFill>
-                <a:latin typeface="Arial"/>
-                <a:ea typeface="DejaVu Sans"/>
-              </a:rPr>
-              <a:t>B</a:t>
-            </a:r>
-            <a:endParaRPr b="0" lang="en-US" sz="1800" spc="-1" strike="noStrike">
-              <a:solidFill>
-                <a:srgbClr val="000000"/>
-              </a:solidFill>
-              <a:latin typeface="Arial"/>
-            </a:endParaRPr>
-          </a:p>
-        </p:txBody>
-      </p:sp>
-      <p:sp>
-        <p:nvSpPr>
-          <p:cNvPr id="144" name=""/>
-          <p:cNvSpPr/>
-          <p:nvPr/>
-        </p:nvSpPr>
-        <p:spPr>
-          <a:xfrm>
-            <a:off x="6573240" y="3494160"/>
-            <a:ext cx="342000" cy="345240"/>
-          </a:xfrm>
-          <a:prstGeom prst="rect">
-            <a:avLst/>
-          </a:prstGeom>
-          <a:noFill/>
-          <a:ln w="0">
-            <a:noFill/>
-          </a:ln>
-        </p:spPr>
-        <p:style>
-          <a:lnRef idx="0"/>
-          <a:fillRef idx="0"/>
-          <a:effectRef idx="0"/>
-          <a:fontRef idx="minor"/>
-        </p:style>
-        <p:txBody>
-          <a:bodyPr lIns="90000" rIns="90000" tIns="45000" bIns="45000" anchor="t">
-            <a:noAutofit/>
-          </a:bodyPr>
-          <a:p>
-            <a:pPr>
-              <a:lnSpc>
-                <a:spcPct val="100000"/>
-              </a:lnSpc>
-            </a:pPr>
-            <a:r>
-              <a:rPr b="0" lang="en-US" sz="1800" spc="-1" strike="noStrike">
-                <a:solidFill>
-                  <a:srgbClr val="000000"/>
-                </a:solidFill>
-                <a:latin typeface="Arial"/>
-                <a:ea typeface="DejaVu Sans"/>
-              </a:rPr>
-              <a:t>C</a:t>
-            </a:r>
-            <a:endParaRPr b="0" lang="en-US" sz="1800" spc="-1" strike="noStrike">
-              <a:solidFill>
-                <a:srgbClr val="000000"/>
-              </a:solidFill>
-              <a:latin typeface="Arial"/>
-            </a:endParaRPr>
-          </a:p>
-        </p:txBody>
-      </p:sp>
-      <p:sp>
-        <p:nvSpPr>
-          <p:cNvPr id="145" name=""/>
-          <p:cNvSpPr/>
-          <p:nvPr/>
-        </p:nvSpPr>
-        <p:spPr>
-          <a:xfrm>
-            <a:off x="7258680" y="4646160"/>
-            <a:ext cx="342000" cy="345240"/>
-          </a:xfrm>
-          <a:prstGeom prst="rect">
-            <a:avLst/>
-          </a:prstGeom>
-          <a:noFill/>
-          <a:ln w="0">
-            <a:noFill/>
-          </a:ln>
-        </p:spPr>
-        <p:style>
-          <a:lnRef idx="0"/>
-          <a:fillRef idx="0"/>
-          <a:effectRef idx="0"/>
-          <a:fontRef idx="minor"/>
-        </p:style>
-        <p:txBody>
-          <a:bodyPr lIns="90000" rIns="90000" tIns="45000" bIns="45000" anchor="t">
-            <a:noAutofit/>
-          </a:bodyPr>
-          <a:p>
-            <a:pPr>
-              <a:lnSpc>
-                <a:spcPct val="100000"/>
-              </a:lnSpc>
-            </a:pPr>
-            <a:r>
-              <a:rPr b="0" lang="en-US" sz="1800" spc="-1" strike="noStrike">
-                <a:solidFill>
-                  <a:srgbClr val="000000"/>
-                </a:solidFill>
-                <a:latin typeface="Arial"/>
-                <a:ea typeface="DejaVu Sans"/>
-              </a:rPr>
-              <a:t>D</a:t>
-            </a:r>
-            <a:endParaRPr b="0" lang="en-US" sz="1800" spc="-1" strike="noStrike">
-              <a:solidFill>
-                <a:srgbClr val="000000"/>
-              </a:solidFill>
-              <a:latin typeface="Arial"/>
-            </a:endParaRPr>
-          </a:p>
-        </p:txBody>
-      </p:sp>
-      <p:sp>
-        <p:nvSpPr>
-          <p:cNvPr id="146" name=""/>
-          <p:cNvSpPr/>
-          <p:nvPr/>
-        </p:nvSpPr>
-        <p:spPr>
-          <a:xfrm>
-            <a:off x="7944480" y="4658400"/>
-            <a:ext cx="342000" cy="345240"/>
-          </a:xfrm>
-          <a:prstGeom prst="rect">
-            <a:avLst/>
-          </a:prstGeom>
-          <a:noFill/>
-          <a:ln w="0">
-            <a:noFill/>
-          </a:ln>
-        </p:spPr>
-        <p:style>
-          <a:lnRef idx="0"/>
-          <a:fillRef idx="0"/>
-          <a:effectRef idx="0"/>
-          <a:fontRef idx="minor"/>
-        </p:style>
-        <p:txBody>
-          <a:bodyPr lIns="90000" rIns="90000" tIns="45000" bIns="45000" anchor="t">
-            <a:noAutofit/>
-          </a:bodyPr>
-          <a:p>
-            <a:pPr>
-              <a:lnSpc>
-                <a:spcPct val="100000"/>
-              </a:lnSpc>
-            </a:pPr>
-            <a:r>
-              <a:rPr b="0" lang="en-US" sz="1800" spc="-1" strike="noStrike">
-                <a:solidFill>
-                  <a:srgbClr val="000000"/>
-                </a:solidFill>
-                <a:latin typeface="Arial"/>
-                <a:ea typeface="DejaVu Sans"/>
-              </a:rPr>
-              <a:t>Z</a:t>
-            </a:r>
-            <a:endParaRPr b="0" lang="en-US" sz="1800" spc="-1" strike="noStrike">
-              <a:solidFill>
-                <a:srgbClr val="000000"/>
-              </a:solidFill>
-              <a:latin typeface="Arial"/>
-            </a:endParaRPr>
-          </a:p>
-        </p:txBody>
-      </p:sp>
-      <p:sp>
-        <p:nvSpPr>
-          <p:cNvPr id="147" name=""/>
-          <p:cNvSpPr/>
-          <p:nvPr/>
-        </p:nvSpPr>
-        <p:spPr>
-          <a:xfrm>
-            <a:off x="9664920" y="5258160"/>
-            <a:ext cx="3822480" cy="426960"/>
-          </a:xfrm>
-          <a:prstGeom prst="rect">
-            <a:avLst/>
-          </a:prstGeom>
-          <a:noFill/>
-          <a:ln w="0">
-            <a:noFill/>
-          </a:ln>
-        </p:spPr>
-        <p:style>
-          <a:lnRef idx="0"/>
-          <a:fillRef idx="0"/>
-          <a:effectRef idx="0"/>
-          <a:fontRef idx="minor"/>
-        </p:style>
-        <p:txBody>
-          <a:bodyPr lIns="90000" rIns="90000" tIns="45000" bIns="45000" anchor="t">
-            <a:noAutofit/>
-          </a:bodyPr>
-          <a:p>
-            <a:pPr>
-              <a:lnSpc>
-                <a:spcPct val="100000"/>
-              </a:lnSpc>
-            </a:pPr>
-            <a:r>
-              <a:rPr b="0" lang="en-US" sz="2400" spc="-1" strike="noStrike">
-                <a:solidFill>
-                  <a:srgbClr val="000000"/>
-                </a:solidFill>
-                <a:latin typeface="Times New Roman"/>
-              </a:rPr>
-              <a:t>4</a:t>
-            </a:r>
-            <a:endParaRPr b="0" lang="en-US" sz="2400" spc="-1" strike="noStrike">
-              <a:solidFill>
-                <a:srgbClr val="000000"/>
-              </a:solidFill>
-              <a:latin typeface="Arial"/>
-            </a:endParaRPr>
-          </a:p>
-        </p:txBody>
-      </p:sp>
-      <p:sp>
-        <p:nvSpPr>
-          <p:cNvPr id="148" name=""/>
-          <p:cNvSpPr/>
-          <p:nvPr/>
-        </p:nvSpPr>
-        <p:spPr>
-          <a:xfrm flipV="1">
-            <a:off x="7452000" y="5106240"/>
-            <a:ext cx="0" cy="349200"/>
-          </a:xfrm>
-          <a:prstGeom prst="line">
-            <a:avLst/>
-          </a:prstGeom>
-          <a:ln w="19080">
-            <a:solidFill>
-              <a:srgbClr val="3465a4"/>
-            </a:solidFill>
-            <a:round/>
-            <a:tailEnd len="med" type="triangle" w="med"/>
-          </a:ln>
-        </p:spPr>
-        <p:style>
-          <a:lnRef idx="0"/>
-          <a:fillRef idx="0"/>
-          <a:effectRef idx="0"/>
-          <a:fontRef idx="minor"/>
-        </p:style>
-        <p:txBody>
-          <a:bodyPr lIns="99360" rIns="99360" tIns="54360" bIns="54360" anchor="ctr">
-            <a:noAutofit/>
-          </a:bodyPr>
-          <a:p>
-            <a:endParaRPr b="0" lang="en-US" sz="1800" spc="-1" strike="noStrike">
-              <a:solidFill>
-                <a:srgbClr val="000000"/>
-              </a:solidFill>
-              <a:latin typeface="Arial"/>
-            </a:endParaRPr>
-          </a:p>
-        </p:txBody>
-      </p:sp>
-      <p:sp>
-        <p:nvSpPr>
-          <p:cNvPr id="149" name=""/>
-          <p:cNvSpPr/>
-          <p:nvPr/>
-        </p:nvSpPr>
-        <p:spPr>
-          <a:xfrm>
-            <a:off x="4344840" y="4524120"/>
-            <a:ext cx="1141560" cy="513360"/>
+                <a:latin typeface="Times New Roman"/>
+                <a:ea typeface="DejaVu Sans"/>
+              </a:rPr>
+              <a:t>N</a:t>
+            </a:r>
+            <a:endParaRPr b="0" lang="en-US" sz="1800" spc="-1" strike="noStrike">
+              <a:solidFill>
+                <a:srgbClr val="000000"/>
+              </a:solidFill>
+              <a:latin typeface="Arial"/>
+            </a:endParaRPr>
+          </a:p>
+        </p:txBody>
+      </p:sp>
+      <p:sp>
+        <p:nvSpPr>
+          <p:cNvPr id="111" name=""/>
+          <p:cNvSpPr/>
+          <p:nvPr/>
+        </p:nvSpPr>
+        <p:spPr>
+          <a:xfrm>
+            <a:off x="5038200" y="4538880"/>
+            <a:ext cx="683640" cy="501120"/>
           </a:xfrm>
           <a:prstGeom prst="roundRect">
             <a:avLst>
@@ -8806,7 +7431,7 @@
             </a:avLst>
           </a:prstGeom>
           <a:solidFill>
-            <a:srgbClr val="729fcf"/>
+            <a:srgbClr val="77bc65"/>
           </a:solidFill>
           <a:ln w="0">
             <a:solidFill>
@@ -8825,22 +7450,266 @@
             <a:noAutofit/>
           </a:bodyPr>
           <a:p>
-            <a:pPr algn="ctr"/>
+            <a:pPr algn="ctr">
+              <a:lnSpc>
+                <a:spcPct val="100000"/>
+              </a:lnSpc>
+            </a:pPr>
             <a:r>
               <a:rPr b="0" lang="en-US" sz="1800" spc="-1" strike="noStrike">
                 <a:solidFill>
                   <a:srgbClr val="000000"/>
                 </a:solidFill>
                 <a:latin typeface="Times New Roman"/>
-              </a:rPr>
-              <a:t>(4, 4)</a:t>
-            </a:r>
-            <a:endParaRPr b="0" lang="en-US" sz="1800" spc="-1" strike="noStrike">
-              <a:solidFill>
-                <a:srgbClr val="000000"/>
-              </a:solidFill>
-              <a:latin typeface="Arial"/>
-              <a:ea typeface="DejaVu Sans"/>
+                <a:ea typeface="DejaVu Sans"/>
+              </a:rPr>
+              <a:t>A</a:t>
+            </a:r>
+            <a:endParaRPr b="0" lang="en-US" sz="1800" spc="-1" strike="noStrike">
+              <a:solidFill>
+                <a:srgbClr val="000000"/>
+              </a:solidFill>
+              <a:latin typeface="Arial"/>
+            </a:endParaRPr>
+          </a:p>
+        </p:txBody>
+      </p:sp>
+      <p:sp>
+        <p:nvSpPr>
+          <p:cNvPr id="112" name=""/>
+          <p:cNvSpPr/>
+          <p:nvPr/>
+        </p:nvSpPr>
+        <p:spPr>
+          <a:xfrm>
+            <a:off x="4345200" y="3410640"/>
+            <a:ext cx="683640" cy="501120"/>
+          </a:xfrm>
+          <a:prstGeom prst="roundRect">
+            <a:avLst>
+              <a:gd name="adj" fmla="val 16667"/>
+            </a:avLst>
+          </a:prstGeom>
+          <a:solidFill>
+            <a:srgbClr val="729fcf"/>
+          </a:solidFill>
+          <a:ln w="0">
+            <a:solidFill>
+              <a:srgbClr val="3465a4"/>
+            </a:solidFill>
+          </a:ln>
+        </p:spPr>
+        <p:style>
+          <a:lnRef idx="0"/>
+          <a:fillRef idx="0"/>
+          <a:effectRef idx="0"/>
+          <a:fontRef idx="minor"/>
+        </p:style>
+        <p:txBody>
+          <a:bodyPr lIns="90000" rIns="90000" tIns="45000" bIns="45000" anchor="ctr">
+            <a:noAutofit/>
+          </a:bodyPr>
+          <a:p>
+            <a:pPr algn="ctr">
+              <a:lnSpc>
+                <a:spcPct val="100000"/>
+              </a:lnSpc>
+            </a:pPr>
+            <a:r>
+              <a:rPr b="0" lang="en-US" sz="1800" spc="-1" strike="noStrike">
+                <a:solidFill>
+                  <a:srgbClr val="000000"/>
+                </a:solidFill>
+                <a:latin typeface="Times New Roman"/>
+                <a:ea typeface="DejaVu Sans"/>
+              </a:rPr>
+              <a:t>G</a:t>
+            </a:r>
+            <a:endParaRPr b="0" lang="en-US" sz="1800" spc="-1" strike="noStrike">
+              <a:solidFill>
+                <a:srgbClr val="000000"/>
+              </a:solidFill>
+              <a:latin typeface="Arial"/>
+            </a:endParaRPr>
+          </a:p>
+        </p:txBody>
+      </p:sp>
+      <p:sp>
+        <p:nvSpPr>
+          <p:cNvPr id="113" name=""/>
+          <p:cNvSpPr/>
+          <p:nvPr/>
+        </p:nvSpPr>
+        <p:spPr>
+          <a:xfrm>
+            <a:off x="6406560" y="3422880"/>
+            <a:ext cx="683640" cy="501120"/>
+          </a:xfrm>
+          <a:prstGeom prst="roundRect">
+            <a:avLst>
+              <a:gd name="adj" fmla="val 16667"/>
+            </a:avLst>
+          </a:prstGeom>
+          <a:solidFill>
+            <a:srgbClr val="729fcf"/>
+          </a:solidFill>
+          <a:ln w="0">
+            <a:solidFill>
+              <a:srgbClr val="3465a4"/>
+            </a:solidFill>
+          </a:ln>
+        </p:spPr>
+        <p:style>
+          <a:lnRef idx="0"/>
+          <a:fillRef idx="0"/>
+          <a:effectRef idx="0"/>
+          <a:fontRef idx="minor"/>
+        </p:style>
+        <p:txBody>
+          <a:bodyPr lIns="90000" rIns="90000" tIns="45000" bIns="45000" anchor="ctr">
+            <a:noAutofit/>
+          </a:bodyPr>
+          <a:p>
+            <a:pPr algn="ctr">
+              <a:lnSpc>
+                <a:spcPct val="100000"/>
+              </a:lnSpc>
+            </a:pPr>
+            <a:r>
+              <a:rPr b="0" lang="en-US" sz="1800" spc="-1" strike="noStrike">
+                <a:solidFill>
+                  <a:srgbClr val="000000"/>
+                </a:solidFill>
+                <a:latin typeface="Times New Roman"/>
+                <a:ea typeface="DejaVu Sans"/>
+              </a:rPr>
+              <a:t>D</a:t>
+            </a:r>
+            <a:endParaRPr b="0" lang="en-US" sz="1800" spc="-1" strike="noStrike">
+              <a:solidFill>
+                <a:srgbClr val="000000"/>
+              </a:solidFill>
+              <a:latin typeface="Arial"/>
+            </a:endParaRPr>
+          </a:p>
+        </p:txBody>
+      </p:sp>
+      <p:sp>
+        <p:nvSpPr>
+          <p:cNvPr id="114" name=""/>
+          <p:cNvSpPr/>
+          <p:nvPr/>
+        </p:nvSpPr>
+        <p:spPr>
+          <a:xfrm>
+            <a:off x="5722560" y="3422880"/>
+            <a:ext cx="683640" cy="501120"/>
+          </a:xfrm>
+          <a:prstGeom prst="roundRect">
+            <a:avLst>
+              <a:gd name="adj" fmla="val 16667"/>
+            </a:avLst>
+          </a:prstGeom>
+          <a:solidFill>
+            <a:srgbClr val="729fcf"/>
+          </a:solidFill>
+          <a:ln w="0">
+            <a:solidFill>
+              <a:srgbClr val="3465a4"/>
+            </a:solidFill>
+          </a:ln>
+        </p:spPr>
+        <p:style>
+          <a:lnRef idx="0"/>
+          <a:fillRef idx="0"/>
+          <a:effectRef idx="0"/>
+          <a:fontRef idx="minor"/>
+        </p:style>
+        <p:txBody>
+          <a:bodyPr lIns="90000" rIns="90000" tIns="45000" bIns="45000" anchor="ctr">
+            <a:noAutofit/>
+          </a:bodyPr>
+          <a:p>
+            <a:pPr algn="ctr">
+              <a:lnSpc>
+                <a:spcPct val="100000"/>
+              </a:lnSpc>
+            </a:pPr>
+            <a:r>
+              <a:rPr b="0" lang="en-US" sz="1800" spc="-1" strike="noStrike">
+                <a:solidFill>
+                  <a:srgbClr val="000000"/>
+                </a:solidFill>
+                <a:latin typeface="Times New Roman"/>
+                <a:ea typeface="DejaVu Sans"/>
+              </a:rPr>
+              <a:t>N</a:t>
+            </a:r>
+            <a:endParaRPr b="0" lang="en-US" sz="1800" spc="-1" strike="noStrike">
+              <a:solidFill>
+                <a:srgbClr val="000000"/>
+              </a:solidFill>
+              <a:latin typeface="Arial"/>
+            </a:endParaRPr>
+          </a:p>
+        </p:txBody>
+      </p:sp>
+      <p:sp>
+        <p:nvSpPr>
+          <p:cNvPr id="115" name=""/>
+          <p:cNvSpPr/>
+          <p:nvPr/>
+        </p:nvSpPr>
+        <p:spPr>
+          <a:xfrm>
+            <a:off x="5038560" y="3422880"/>
+            <a:ext cx="683640" cy="501120"/>
+          </a:xfrm>
+          <a:prstGeom prst="roundRect">
+            <a:avLst>
+              <a:gd name="adj" fmla="val 16667"/>
+            </a:avLst>
+          </a:prstGeom>
+          <a:solidFill>
+            <a:srgbClr val="729fcf"/>
+          </a:solidFill>
+          <a:ln w="0">
+            <a:solidFill>
+              <a:srgbClr val="3465a4"/>
+            </a:solidFill>
+          </a:ln>
+        </p:spPr>
+        <p:style>
+          <a:lnRef idx="0"/>
+          <a:fillRef idx="0"/>
+          <a:effectRef idx="0"/>
+          <a:fontRef idx="minor"/>
+        </p:style>
+        <p:txBody>
+          <a:bodyPr lIns="90000" rIns="90000" tIns="45000" bIns="45000" anchor="ctr">
+            <a:noAutofit/>
+          </a:bodyPr>
+          <a:p>
+            <a:pPr algn="ctr">
+              <a:lnSpc>
+                <a:spcPct val="100000"/>
+              </a:lnSpc>
+            </a:pPr>
+            <a:r>
+              <a:rPr b="0" lang="en-US" sz="1800" spc="-1" strike="noStrike">
+                <a:solidFill>
+                  <a:srgbClr val="000000"/>
+                </a:solidFill>
+                <a:latin typeface="Times New Roman"/>
+                <a:ea typeface="DejaVu Sans"/>
+              </a:rPr>
+              <a:t>A</a:t>
+            </a:r>
+            <a:endParaRPr b="0" lang="en-US" sz="1800" spc="-1" strike="noStrike">
+              <a:solidFill>
+                <a:srgbClr val="000000"/>
+              </a:solidFill>
+              <a:latin typeface="Arial"/>
             </a:endParaRPr>
           </a:p>
         </p:txBody>
@@ -8877,7 +7746,7 @@
       </p:grpSpPr>
       <p:sp>
         <p:nvSpPr>
-          <p:cNvPr id="150" name="Straight Connector 6"/>
+          <p:cNvPr id="116" name="Straight Connector 11"/>
           <p:cNvSpPr/>
           <p:nvPr/>
         </p:nvSpPr>
@@ -8919,14 +7788,14 @@
       </p:sp>
       <p:sp>
         <p:nvSpPr>
-          <p:cNvPr id="151" name="PlaceHolder 5"/>
+          <p:cNvPr id="117" name="PlaceHolder 10"/>
           <p:cNvSpPr/>
           <p:nvPr/>
         </p:nvSpPr>
         <p:spPr>
           <a:xfrm>
             <a:off x="914400" y="0"/>
-            <a:ext cx="8237160" cy="913680"/>
+            <a:ext cx="8236440" cy="912960"/>
           </a:xfrm>
           <a:prstGeom prst="rect">
             <a:avLst/>
@@ -8963,7 +7832,7 @@
                 <a:latin typeface="Times New Roman"/>
                 <a:ea typeface="DejaVu Sans"/>
               </a:rPr>
-              <a:t>References</a:t>
+              <a:t>The “Sliding Window”</a:t>
             </a:r>
             <a:br>
               <a:rPr sz="2800"/>
@@ -8979,14 +7848,14 @@
       </p:sp>
       <p:sp>
         <p:nvSpPr>
-          <p:cNvPr id="152" name=""/>
+          <p:cNvPr id="118" name=""/>
           <p:cNvSpPr/>
           <p:nvPr/>
         </p:nvSpPr>
         <p:spPr>
           <a:xfrm>
             <a:off x="468000" y="1128600"/>
-            <a:ext cx="9132480" cy="1944360"/>
+            <a:ext cx="9131760" cy="1943640"/>
           </a:xfrm>
           <a:prstGeom prst="rect">
             <a:avLst/>
@@ -9019,18 +7888,16 @@
               <a:buChar char=""/>
             </a:pPr>
             <a:r>
-              <a:rPr b="0" lang="en-US" sz="1800" spc="-1" strike="noStrike" u="sng">
-                <a:solidFill>
-                  <a:srgbClr val="0000ee"/>
-                </a:solidFill>
-                <a:uFillTx/>
-                <a:latin typeface="Times New Roman"/>
-                <a:ea typeface="DejaVu Sans"/>
-                <a:hlinkClick r:id="rId1"/>
-              </a:rPr>
-              <a:t>https://cs.stanford.edu/people/eroberts/courses/soco/projects/data-compression/lossless/lz77/algorithm.html</a:t>
-            </a:r>
-            <a:endParaRPr b="0" lang="en-US" sz="1800" spc="-1" strike="noStrike">
+              <a:rPr b="0" lang="en-US" sz="2200" spc="-1" strike="noStrike">
+                <a:solidFill>
+                  <a:srgbClr val="000000"/>
+                </a:solidFill>
+                <a:latin typeface="Times New Roman"/>
+                <a:ea typeface="DejaVu Sans"/>
+              </a:rPr>
+              <a:t>Starting at the current position, find the longest string that matches in the search buffer.</a:t>
+            </a:r>
+            <a:endParaRPr b="0" lang="en-US" sz="2200" spc="-1" strike="noStrike">
               <a:solidFill>
                 <a:srgbClr val="000000"/>
               </a:solidFill>
@@ -9050,53 +7917,750 @@
               <a:buChar char=""/>
             </a:pPr>
             <a:r>
-              <a:rPr b="0" lang="en-US" sz="1800" spc="-1" strike="noStrike" u="sng">
-                <a:solidFill>
-                  <a:srgbClr val="0000ee"/>
-                </a:solidFill>
-                <a:uFillTx/>
-                <a:latin typeface="Times New Roman"/>
-                <a:ea typeface="DejaVu Sans"/>
-                <a:hlinkClick r:id="rId2"/>
-              </a:rPr>
-              <a:t>https://en.wikipedia.org/wiki/LZ77_and_LZ78</a:t>
-            </a:r>
-            <a:endParaRPr b="0" lang="en-US" sz="1800" spc="-1" strike="noStrike">
-              <a:solidFill>
-                <a:srgbClr val="000000"/>
-              </a:solidFill>
-              <a:latin typeface="Arial"/>
-            </a:endParaRPr>
-          </a:p>
-          <a:p>
-            <a:pPr marL="216000" indent="-216000">
-              <a:lnSpc>
-                <a:spcPct val="150000"/>
-              </a:lnSpc>
-              <a:buClr>
-                <a:srgbClr val="000000"/>
-              </a:buClr>
-              <a:buSzPct val="45000"/>
-              <a:buFont typeface="Wingdings" charset="2"/>
-              <a:buChar char=""/>
-            </a:pPr>
-            <a:r>
-              <a:rPr b="0" lang="en-US" sz="1800" spc="-1" strike="noStrike" u="sng">
-                <a:solidFill>
-                  <a:srgbClr val="0000ee"/>
-                </a:solidFill>
-                <a:uFillTx/>
-                <a:latin typeface="Times New Roman"/>
-                <a:ea typeface="DejaVu Sans"/>
-                <a:hlinkClick r:id="rId3"/>
-              </a:rPr>
-              <a:t>https://medium.com/@vincentcorbee/lz77-compression-in-javascript-cd2583d2a8bd</a:t>
-            </a:r>
-            <a:endParaRPr b="0" lang="en-US" sz="1800" spc="-1" strike="noStrike">
-              <a:solidFill>
-                <a:srgbClr val="000000"/>
-              </a:solidFill>
-              <a:latin typeface="Arial"/>
+              <a:rPr b="0" lang="en-US" sz="2200" spc="-1" strike="noStrike">
+                <a:solidFill>
+                  <a:srgbClr val="000000"/>
+                </a:solidFill>
+                <a:latin typeface="Times New Roman"/>
+                <a:ea typeface="DejaVu Sans"/>
+              </a:rPr>
+              <a:t>If found, replace the string with a pointer to the first character in the buffer with a read distance in bytes.</a:t>
+            </a:r>
+            <a:endParaRPr b="0" lang="en-US" sz="2200" spc="-1" strike="noStrike">
+              <a:solidFill>
+                <a:srgbClr val="000000"/>
+              </a:solidFill>
+              <a:latin typeface="Arial"/>
+            </a:endParaRPr>
+          </a:p>
+        </p:txBody>
+      </p:sp>
+      <p:sp>
+        <p:nvSpPr>
+          <p:cNvPr id="119" name=""/>
+          <p:cNvSpPr/>
+          <p:nvPr/>
+        </p:nvSpPr>
+        <p:spPr>
+          <a:xfrm>
+            <a:off x="688320" y="3429360"/>
+            <a:ext cx="2512080" cy="455400"/>
+          </a:xfrm>
+          <a:prstGeom prst="rect">
+            <a:avLst/>
+          </a:prstGeom>
+          <a:noFill/>
+          <a:ln w="0">
+            <a:noFill/>
+          </a:ln>
+        </p:spPr>
+        <p:style>
+          <a:lnRef idx="0"/>
+          <a:fillRef idx="0"/>
+          <a:effectRef idx="0"/>
+          <a:fontRef idx="minor"/>
+        </p:style>
+        <p:txBody>
+          <a:bodyPr lIns="90000" rIns="90000" tIns="45000" bIns="45000" anchor="t">
+            <a:noAutofit/>
+          </a:bodyPr>
+          <a:p>
+            <a:pPr algn="ctr">
+              <a:lnSpc>
+                <a:spcPct val="100000"/>
+              </a:lnSpc>
+            </a:pPr>
+            <a:r>
+              <a:rPr b="0" lang="en-US" sz="2400" spc="-1" strike="noStrike">
+                <a:solidFill>
+                  <a:srgbClr val="000000"/>
+                </a:solidFill>
+                <a:latin typeface="Times New Roman"/>
+                <a:ea typeface="DejaVu Sans"/>
+              </a:rPr>
+              <a:t>Search Buffer</a:t>
+            </a:r>
+            <a:endParaRPr b="0" lang="en-US" sz="2400" spc="-1" strike="noStrike">
+              <a:solidFill>
+                <a:srgbClr val="000000"/>
+              </a:solidFill>
+              <a:latin typeface="Arial"/>
+            </a:endParaRPr>
+          </a:p>
+        </p:txBody>
+      </p:sp>
+      <p:sp>
+        <p:nvSpPr>
+          <p:cNvPr id="120" name=""/>
+          <p:cNvSpPr/>
+          <p:nvPr/>
+        </p:nvSpPr>
+        <p:spPr>
+          <a:xfrm>
+            <a:off x="1048320" y="4493880"/>
+            <a:ext cx="3197880" cy="762480"/>
+          </a:xfrm>
+          <a:prstGeom prst="rect">
+            <a:avLst/>
+          </a:prstGeom>
+          <a:noFill/>
+          <a:ln w="0">
+            <a:noFill/>
+          </a:ln>
+        </p:spPr>
+        <p:style>
+          <a:lnRef idx="0"/>
+          <a:fillRef idx="0"/>
+          <a:effectRef idx="0"/>
+          <a:fontRef idx="minor"/>
+        </p:style>
+        <p:txBody>
+          <a:bodyPr lIns="90000" rIns="90000" tIns="45000" bIns="45000" anchor="t">
+            <a:noAutofit/>
+          </a:bodyPr>
+          <a:p>
+            <a:pPr>
+              <a:lnSpc>
+                <a:spcPct val="100000"/>
+              </a:lnSpc>
+            </a:pPr>
+            <a:r>
+              <a:rPr b="0" lang="en-US" sz="2400" spc="-1" strike="noStrike">
+                <a:solidFill>
+                  <a:srgbClr val="000000"/>
+                </a:solidFill>
+                <a:latin typeface="Times New Roman"/>
+                <a:ea typeface="DejaVu Sans"/>
+              </a:rPr>
+              <a:t>Window</a:t>
+            </a:r>
+            <a:endParaRPr b="0" lang="en-US" sz="2400" spc="-1" strike="noStrike">
+              <a:solidFill>
+                <a:srgbClr val="000000"/>
+              </a:solidFill>
+              <a:latin typeface="Arial"/>
+            </a:endParaRPr>
+          </a:p>
+        </p:txBody>
+      </p:sp>
+      <p:sp>
+        <p:nvSpPr>
+          <p:cNvPr id="121" name=""/>
+          <p:cNvSpPr/>
+          <p:nvPr/>
+        </p:nvSpPr>
+        <p:spPr>
+          <a:xfrm>
+            <a:off x="9664920" y="5258160"/>
+            <a:ext cx="3821760" cy="426240"/>
+          </a:xfrm>
+          <a:prstGeom prst="rect">
+            <a:avLst/>
+          </a:prstGeom>
+          <a:noFill/>
+          <a:ln w="0">
+            <a:noFill/>
+          </a:ln>
+        </p:spPr>
+        <p:style>
+          <a:lnRef idx="0"/>
+          <a:fillRef idx="0"/>
+          <a:effectRef idx="0"/>
+          <a:fontRef idx="minor"/>
+        </p:style>
+        <p:txBody>
+          <a:bodyPr lIns="90000" rIns="90000" tIns="45000" bIns="45000" anchor="t">
+            <a:noAutofit/>
+          </a:bodyPr>
+          <a:p>
+            <a:pPr>
+              <a:lnSpc>
+                <a:spcPct val="100000"/>
+              </a:lnSpc>
+            </a:pPr>
+            <a:r>
+              <a:rPr b="0" lang="en-US" sz="2400" spc="-1" strike="noStrike">
+                <a:solidFill>
+                  <a:srgbClr val="000000"/>
+                </a:solidFill>
+                <a:latin typeface="Times New Roman"/>
+                <a:ea typeface="DejaVu Sans"/>
+              </a:rPr>
+              <a:t>8</a:t>
+            </a:r>
+            <a:endParaRPr b="0" lang="en-US" sz="2400" spc="-1" strike="noStrike">
+              <a:solidFill>
+                <a:srgbClr val="000000"/>
+              </a:solidFill>
+              <a:latin typeface="Arial"/>
+            </a:endParaRPr>
+          </a:p>
+        </p:txBody>
+      </p:sp>
+      <p:sp>
+        <p:nvSpPr>
+          <p:cNvPr id="122" name=""/>
+          <p:cNvSpPr/>
+          <p:nvPr/>
+        </p:nvSpPr>
+        <p:spPr>
+          <a:xfrm>
+            <a:off x="5136840" y="4524120"/>
+            <a:ext cx="1140840" cy="512640"/>
+          </a:xfrm>
+          <a:prstGeom prst="roundRect">
+            <a:avLst>
+              <a:gd name="adj" fmla="val 16667"/>
+            </a:avLst>
+          </a:prstGeom>
+          <a:solidFill>
+            <a:srgbClr val="729fcf"/>
+          </a:solidFill>
+          <a:ln w="0">
+            <a:solidFill>
+              <a:srgbClr val="3465a4"/>
+            </a:solidFill>
+          </a:ln>
+        </p:spPr>
+        <p:style>
+          <a:lnRef idx="0"/>
+          <a:fillRef idx="0"/>
+          <a:effectRef idx="0"/>
+          <a:fontRef idx="minor"/>
+        </p:style>
+        <p:txBody>
+          <a:bodyPr lIns="90000" rIns="90000" tIns="45000" bIns="45000" anchor="ctr">
+            <a:noAutofit/>
+          </a:bodyPr>
+          <a:p>
+            <a:pPr algn="ctr">
+              <a:lnSpc>
+                <a:spcPct val="100000"/>
+              </a:lnSpc>
+            </a:pPr>
+            <a:r>
+              <a:rPr b="0" lang="en-US" sz="1800" spc="-1" strike="noStrike">
+                <a:solidFill>
+                  <a:srgbClr val="000000"/>
+                </a:solidFill>
+                <a:latin typeface="Times New Roman"/>
+                <a:ea typeface="DejaVu Sans"/>
+              </a:rPr>
+              <a:t>(4, 4)</a:t>
+            </a:r>
+            <a:endParaRPr b="0" lang="en-US" sz="1800" spc="-1" strike="noStrike">
+              <a:solidFill>
+                <a:srgbClr val="000000"/>
+              </a:solidFill>
+              <a:latin typeface="Arial"/>
+            </a:endParaRPr>
+          </a:p>
+        </p:txBody>
+      </p:sp>
+      <p:sp>
+        <p:nvSpPr>
+          <p:cNvPr id="123" name=""/>
+          <p:cNvSpPr/>
+          <p:nvPr/>
+        </p:nvSpPr>
+        <p:spPr>
+          <a:xfrm>
+            <a:off x="4345560" y="3410640"/>
+            <a:ext cx="683640" cy="501120"/>
+          </a:xfrm>
+          <a:prstGeom prst="roundRect">
+            <a:avLst>
+              <a:gd name="adj" fmla="val 16667"/>
+            </a:avLst>
+          </a:prstGeom>
+          <a:solidFill>
+            <a:srgbClr val="729fcf"/>
+          </a:solidFill>
+          <a:ln w="0">
+            <a:solidFill>
+              <a:srgbClr val="3465a4"/>
+            </a:solidFill>
+          </a:ln>
+        </p:spPr>
+        <p:style>
+          <a:lnRef idx="0"/>
+          <a:fillRef idx="0"/>
+          <a:effectRef idx="0"/>
+          <a:fontRef idx="minor"/>
+        </p:style>
+        <p:txBody>
+          <a:bodyPr lIns="90000" rIns="90000" tIns="45000" bIns="45000" anchor="ctr">
+            <a:noAutofit/>
+          </a:bodyPr>
+          <a:p>
+            <a:pPr algn="ctr">
+              <a:lnSpc>
+                <a:spcPct val="100000"/>
+              </a:lnSpc>
+            </a:pPr>
+            <a:r>
+              <a:rPr b="0" lang="en-US" sz="1800" spc="-1" strike="noStrike">
+                <a:solidFill>
+                  <a:srgbClr val="000000"/>
+                </a:solidFill>
+                <a:latin typeface="Times New Roman"/>
+                <a:ea typeface="DejaVu Sans"/>
+              </a:rPr>
+              <a:t>G</a:t>
+            </a:r>
+            <a:endParaRPr b="0" lang="en-US" sz="1800" spc="-1" strike="noStrike">
+              <a:solidFill>
+                <a:srgbClr val="000000"/>
+              </a:solidFill>
+              <a:latin typeface="Arial"/>
+            </a:endParaRPr>
+          </a:p>
+        </p:txBody>
+      </p:sp>
+      <p:sp>
+        <p:nvSpPr>
+          <p:cNvPr id="124" name=""/>
+          <p:cNvSpPr/>
+          <p:nvPr/>
+        </p:nvSpPr>
+        <p:spPr>
+          <a:xfrm>
+            <a:off x="6406920" y="3422880"/>
+            <a:ext cx="683640" cy="501120"/>
+          </a:xfrm>
+          <a:prstGeom prst="roundRect">
+            <a:avLst>
+              <a:gd name="adj" fmla="val 16667"/>
+            </a:avLst>
+          </a:prstGeom>
+          <a:solidFill>
+            <a:srgbClr val="729fcf"/>
+          </a:solidFill>
+          <a:ln w="0">
+            <a:solidFill>
+              <a:srgbClr val="3465a4"/>
+            </a:solidFill>
+          </a:ln>
+        </p:spPr>
+        <p:style>
+          <a:lnRef idx="0"/>
+          <a:fillRef idx="0"/>
+          <a:effectRef idx="0"/>
+          <a:fontRef idx="minor"/>
+        </p:style>
+        <p:txBody>
+          <a:bodyPr lIns="90000" rIns="90000" tIns="45000" bIns="45000" anchor="ctr">
+            <a:noAutofit/>
+          </a:bodyPr>
+          <a:p>
+            <a:pPr algn="ctr">
+              <a:lnSpc>
+                <a:spcPct val="100000"/>
+              </a:lnSpc>
+            </a:pPr>
+            <a:r>
+              <a:rPr b="0" lang="en-US" sz="1800" spc="-1" strike="noStrike">
+                <a:solidFill>
+                  <a:srgbClr val="000000"/>
+                </a:solidFill>
+                <a:latin typeface="Times New Roman"/>
+                <a:ea typeface="DejaVu Sans"/>
+              </a:rPr>
+              <a:t>D</a:t>
+            </a:r>
+            <a:endParaRPr b="0" lang="en-US" sz="1800" spc="-1" strike="noStrike">
+              <a:solidFill>
+                <a:srgbClr val="000000"/>
+              </a:solidFill>
+              <a:latin typeface="Arial"/>
+            </a:endParaRPr>
+          </a:p>
+        </p:txBody>
+      </p:sp>
+      <p:sp>
+        <p:nvSpPr>
+          <p:cNvPr id="125" name=""/>
+          <p:cNvSpPr/>
+          <p:nvPr/>
+        </p:nvSpPr>
+        <p:spPr>
+          <a:xfrm>
+            <a:off x="5722920" y="3422880"/>
+            <a:ext cx="683640" cy="501120"/>
+          </a:xfrm>
+          <a:prstGeom prst="roundRect">
+            <a:avLst>
+              <a:gd name="adj" fmla="val 16667"/>
+            </a:avLst>
+          </a:prstGeom>
+          <a:solidFill>
+            <a:srgbClr val="729fcf"/>
+          </a:solidFill>
+          <a:ln w="0">
+            <a:solidFill>
+              <a:srgbClr val="3465a4"/>
+            </a:solidFill>
+          </a:ln>
+        </p:spPr>
+        <p:style>
+          <a:lnRef idx="0"/>
+          <a:fillRef idx="0"/>
+          <a:effectRef idx="0"/>
+          <a:fontRef idx="minor"/>
+        </p:style>
+        <p:txBody>
+          <a:bodyPr lIns="90000" rIns="90000" tIns="45000" bIns="45000" anchor="ctr">
+            <a:noAutofit/>
+          </a:bodyPr>
+          <a:p>
+            <a:pPr algn="ctr">
+              <a:lnSpc>
+                <a:spcPct val="100000"/>
+              </a:lnSpc>
+            </a:pPr>
+            <a:r>
+              <a:rPr b="0" lang="en-US" sz="1800" spc="-1" strike="noStrike">
+                <a:solidFill>
+                  <a:srgbClr val="000000"/>
+                </a:solidFill>
+                <a:latin typeface="Times New Roman"/>
+                <a:ea typeface="DejaVu Sans"/>
+              </a:rPr>
+              <a:t>N</a:t>
+            </a:r>
+            <a:endParaRPr b="0" lang="en-US" sz="1800" spc="-1" strike="noStrike">
+              <a:solidFill>
+                <a:srgbClr val="000000"/>
+              </a:solidFill>
+              <a:latin typeface="Arial"/>
+            </a:endParaRPr>
+          </a:p>
+        </p:txBody>
+      </p:sp>
+      <p:sp>
+        <p:nvSpPr>
+          <p:cNvPr id="126" name=""/>
+          <p:cNvSpPr/>
+          <p:nvPr/>
+        </p:nvSpPr>
+        <p:spPr>
+          <a:xfrm>
+            <a:off x="5038920" y="3422880"/>
+            <a:ext cx="683640" cy="501120"/>
+          </a:xfrm>
+          <a:prstGeom prst="roundRect">
+            <a:avLst>
+              <a:gd name="adj" fmla="val 16667"/>
+            </a:avLst>
+          </a:prstGeom>
+          <a:solidFill>
+            <a:srgbClr val="729fcf"/>
+          </a:solidFill>
+          <a:ln w="0">
+            <a:solidFill>
+              <a:srgbClr val="3465a4"/>
+            </a:solidFill>
+          </a:ln>
+        </p:spPr>
+        <p:style>
+          <a:lnRef idx="0"/>
+          <a:fillRef idx="0"/>
+          <a:effectRef idx="0"/>
+          <a:fontRef idx="minor"/>
+        </p:style>
+        <p:txBody>
+          <a:bodyPr lIns="90000" rIns="90000" tIns="45000" bIns="45000" anchor="ctr">
+            <a:noAutofit/>
+          </a:bodyPr>
+          <a:p>
+            <a:pPr algn="ctr">
+              <a:lnSpc>
+                <a:spcPct val="100000"/>
+              </a:lnSpc>
+            </a:pPr>
+            <a:r>
+              <a:rPr b="0" lang="en-US" sz="1800" spc="-1" strike="noStrike">
+                <a:solidFill>
+                  <a:srgbClr val="000000"/>
+                </a:solidFill>
+                <a:latin typeface="Times New Roman"/>
+                <a:ea typeface="DejaVu Sans"/>
+              </a:rPr>
+              <a:t>A</a:t>
+            </a:r>
+            <a:endParaRPr b="0" lang="en-US" sz="1800" spc="-1" strike="noStrike">
+              <a:solidFill>
+                <a:srgbClr val="000000"/>
+              </a:solidFill>
+              <a:latin typeface="Arial"/>
+            </a:endParaRPr>
+          </a:p>
+        </p:txBody>
+      </p:sp>
+      <p:sp>
+        <p:nvSpPr>
+          <p:cNvPr id="127" name=""/>
+          <p:cNvSpPr/>
+          <p:nvPr/>
+        </p:nvSpPr>
+        <p:spPr>
+          <a:xfrm>
+            <a:off x="8458200" y="4538880"/>
+            <a:ext cx="683640" cy="501120"/>
+          </a:xfrm>
+          <a:prstGeom prst="roundRect">
+            <a:avLst>
+              <a:gd name="adj" fmla="val 16667"/>
+            </a:avLst>
+          </a:prstGeom>
+          <a:solidFill>
+            <a:srgbClr val="77bc65"/>
+          </a:solidFill>
+          <a:ln w="0">
+            <a:solidFill>
+              <a:srgbClr val="3465a4"/>
+            </a:solidFill>
+          </a:ln>
+        </p:spPr>
+        <p:style>
+          <a:lnRef idx="0"/>
+          <a:fillRef idx="0"/>
+          <a:effectRef idx="0"/>
+          <a:fontRef idx="minor"/>
+        </p:style>
+        <p:txBody>
+          <a:bodyPr lIns="90000" rIns="90000" tIns="45000" bIns="45000" anchor="ctr">
+            <a:noAutofit/>
+          </a:bodyPr>
+          <a:p>
+            <a:pPr algn="ctr">
+              <a:lnSpc>
+                <a:spcPct val="100000"/>
+              </a:lnSpc>
+            </a:pPr>
+            <a:r>
+              <a:rPr b="0" lang="en-US" sz="1800" spc="-1" strike="noStrike">
+                <a:solidFill>
+                  <a:srgbClr val="000000"/>
+                </a:solidFill>
+                <a:latin typeface="Times New Roman"/>
+                <a:ea typeface="DejaVu Sans"/>
+              </a:rPr>
+              <a:t>F</a:t>
+            </a:r>
+            <a:endParaRPr b="0" lang="en-US" sz="1800" spc="-1" strike="noStrike">
+              <a:solidFill>
+                <a:srgbClr val="000000"/>
+              </a:solidFill>
+              <a:latin typeface="Arial"/>
+            </a:endParaRPr>
+          </a:p>
+        </p:txBody>
+      </p:sp>
+      <p:sp>
+        <p:nvSpPr>
+          <p:cNvPr id="128" name=""/>
+          <p:cNvSpPr/>
+          <p:nvPr/>
+        </p:nvSpPr>
+        <p:spPr>
+          <a:xfrm>
+            <a:off x="7774560" y="4538880"/>
+            <a:ext cx="683640" cy="501120"/>
+          </a:xfrm>
+          <a:prstGeom prst="roundRect">
+            <a:avLst>
+              <a:gd name="adj" fmla="val 16667"/>
+            </a:avLst>
+          </a:prstGeom>
+          <a:solidFill>
+            <a:srgbClr val="77bc65"/>
+          </a:solidFill>
+          <a:ln w="0">
+            <a:solidFill>
+              <a:srgbClr val="3465a4"/>
+            </a:solidFill>
+          </a:ln>
+        </p:spPr>
+        <p:style>
+          <a:lnRef idx="0"/>
+          <a:fillRef idx="0"/>
+          <a:effectRef idx="0"/>
+          <a:fontRef idx="minor"/>
+        </p:style>
+        <p:txBody>
+          <a:bodyPr lIns="90000" rIns="90000" tIns="45000" bIns="45000" anchor="ctr">
+            <a:noAutofit/>
+          </a:bodyPr>
+          <a:p>
+            <a:pPr algn="ctr">
+              <a:lnSpc>
+                <a:spcPct val="100000"/>
+              </a:lnSpc>
+            </a:pPr>
+            <a:r>
+              <a:rPr b="0" lang="en-US" sz="1800" spc="-1" strike="noStrike">
+                <a:solidFill>
+                  <a:srgbClr val="000000"/>
+                </a:solidFill>
+                <a:latin typeface="Times New Roman"/>
+                <a:ea typeface="DejaVu Sans"/>
+              </a:rPr>
+              <a:t>L</a:t>
+            </a:r>
+            <a:endParaRPr b="0" lang="en-US" sz="1800" spc="-1" strike="noStrike">
+              <a:solidFill>
+                <a:srgbClr val="000000"/>
+              </a:solidFill>
+              <a:latin typeface="Arial"/>
+            </a:endParaRPr>
+          </a:p>
+        </p:txBody>
+      </p:sp>
+      <p:sp>
+        <p:nvSpPr>
+          <p:cNvPr id="129" name=""/>
+          <p:cNvSpPr/>
+          <p:nvPr/>
+        </p:nvSpPr>
+        <p:spPr>
+          <a:xfrm>
+            <a:off x="7090560" y="4538880"/>
+            <a:ext cx="683640" cy="501120"/>
+          </a:xfrm>
+          <a:prstGeom prst="roundRect">
+            <a:avLst>
+              <a:gd name="adj" fmla="val 16667"/>
+            </a:avLst>
+          </a:prstGeom>
+          <a:solidFill>
+            <a:srgbClr val="ffde59"/>
+          </a:solidFill>
+          <a:ln w="0">
+            <a:solidFill>
+              <a:srgbClr val="3465a4"/>
+            </a:solidFill>
+          </a:ln>
+        </p:spPr>
+        <p:style>
+          <a:lnRef idx="0"/>
+          <a:fillRef idx="0"/>
+          <a:effectRef idx="0"/>
+          <a:fontRef idx="minor"/>
+        </p:style>
+        <p:txBody>
+          <a:bodyPr lIns="90000" rIns="90000" tIns="45000" bIns="45000" anchor="ctr">
+            <a:noAutofit/>
+          </a:bodyPr>
+          <a:p>
+            <a:pPr algn="ctr">
+              <a:lnSpc>
+                <a:spcPct val="100000"/>
+              </a:lnSpc>
+            </a:pPr>
+            <a:r>
+              <a:rPr b="0" lang="en-US" sz="1800" spc="-1" strike="noStrike">
+                <a:solidFill>
+                  <a:srgbClr val="000000"/>
+                </a:solidFill>
+                <a:latin typeface="Times New Roman"/>
+                <a:ea typeface="DejaVu Sans"/>
+              </a:rPr>
+              <a:t>A</a:t>
+            </a:r>
+            <a:endParaRPr b="0" lang="en-US" sz="1800" spc="-1" strike="noStrike">
+              <a:solidFill>
+                <a:srgbClr val="000000"/>
+              </a:solidFill>
+              <a:latin typeface="Arial"/>
+            </a:endParaRPr>
+          </a:p>
+        </p:txBody>
+      </p:sp>
+      <p:sp>
+        <p:nvSpPr>
+          <p:cNvPr id="130" name=""/>
+          <p:cNvSpPr/>
+          <p:nvPr/>
+        </p:nvSpPr>
+        <p:spPr>
+          <a:xfrm rot="16200000">
+            <a:off x="5553000" y="2818440"/>
+            <a:ext cx="352080" cy="2541960"/>
+          </a:xfrm>
+          <a:custGeom>
+            <a:avLst/>
+            <a:gdLst>
+              <a:gd name="textAreaLeft" fmla="*/ 226080 w 352080"/>
+              <a:gd name="textAreaRight" fmla="*/ 353880 w 352080"/>
+              <a:gd name="textAreaTop" fmla="*/ 65880 h 2541960"/>
+              <a:gd name="textAreaBottom" fmla="*/ 2477520 h 2541960"/>
+            </a:gdLst>
+            <a:ahLst/>
+            <a:rect l="textAreaLeft" t="textAreaTop" r="textAreaRight" b="textAreaBottom"/>
+            <a:pathLst>
+              <a:path w="21600" h="21600">
+                <a:moveTo>
+                  <a:pt x="21600" y="0"/>
+                </a:moveTo>
+                <a:cubicBezTo>
+                  <a:pt x="16200" y="0"/>
+                  <a:pt x="10800" y="900"/>
+                  <a:pt x="10800" y="1800"/>
+                </a:cubicBezTo>
+                <a:lnTo>
+                  <a:pt x="10800" y="9000"/>
+                </a:lnTo>
+                <a:cubicBezTo>
+                  <a:pt x="10800" y="9900"/>
+                  <a:pt x="5400" y="10800"/>
+                  <a:pt x="0" y="10800"/>
+                </a:cubicBezTo>
+                <a:cubicBezTo>
+                  <a:pt x="5400" y="10800"/>
+                  <a:pt x="10800" y="11700"/>
+                  <a:pt x="10800" y="12600"/>
+                </a:cubicBezTo>
+                <a:lnTo>
+                  <a:pt x="10800" y="19800"/>
+                </a:lnTo>
+                <a:cubicBezTo>
+                  <a:pt x="10800" y="20700"/>
+                  <a:pt x="16200" y="21600"/>
+                  <a:pt x="21600" y="21600"/>
+                </a:cubicBezTo>
+              </a:path>
+            </a:pathLst>
+          </a:custGeom>
+          <a:noFill/>
+          <a:ln w="0">
+            <a:solidFill>
+              <a:srgbClr val="3465a4"/>
+            </a:solidFill>
+          </a:ln>
+        </p:spPr>
+        <p:style>
+          <a:lnRef idx="0"/>
+          <a:fillRef idx="0"/>
+          <a:effectRef idx="0"/>
+          <a:fontRef idx="minor"/>
+        </p:style>
+        <p:txBody>
+          <a:bodyPr lIns="90000" rIns="90000" tIns="45000" bIns="45000" anchor="ctr">
+            <a:noAutofit/>
+          </a:bodyPr>
+          <a:p>
+            <a:pPr>
+              <a:lnSpc>
+                <a:spcPct val="100000"/>
+              </a:lnSpc>
+            </a:pPr>
+            <a:endParaRPr b="0" lang="en-US" sz="1800" spc="-1" strike="noStrike">
+              <a:solidFill>
+                <a:srgbClr val="000000"/>
+              </a:solidFill>
+              <a:latin typeface="Arial"/>
+              <a:ea typeface="DejaVu Sans"/>
             </a:endParaRPr>
           </a:p>
         </p:txBody>

--- a/S24/cs494/notes/LZ77.pptx
+++ b/S24/cs494/notes/LZ77.pptx
@@ -17,6 +17,13 @@
     <p:sldId id="264" r:id="rId12"/>
     <p:sldId id="265" r:id="rId13"/>
     <p:sldId id="266" r:id="rId14"/>
+    <p:sldId id="267" r:id="rId15"/>
+    <p:sldId id="268" r:id="rId16"/>
+    <p:sldId id="269" r:id="rId17"/>
+    <p:sldId id="270" r:id="rId18"/>
+    <p:sldId id="271" r:id="rId19"/>
+    <p:sldId id="272" r:id="rId20"/>
+    <p:sldId id="273" r:id="rId21"/>
   </p:sldIdLst>
   <p:sldSz cx="10080625" cy="5670550"/>
   <p:notesSz cx="7772400" cy="10058400"/>
@@ -53,7 +60,7 @@
         <p:spPr>
           <a:xfrm>
             <a:off x="504000" y="226080"/>
-            <a:ext cx="9070200" cy="945000"/>
+            <a:ext cx="9069480" cy="944280"/>
           </a:xfrm>
           <a:prstGeom prst="rect">
             <a:avLst/>
@@ -154,7 +161,7 @@
         <p:txBody>
           <a:bodyPr/>
           <a:p>
-            <a:fld id="{90CEC9F6-7DF1-455C-B4DA-C49C32E9A7AD}" type="slidenum">
+            <a:fld id="{4D1E8696-2991-4B33-A98E-504851C34883}" type="slidenum">
               <a:t>&lt;#&gt;</a:t>
             </a:fld>
           </a:p>
@@ -238,7 +245,7 @@
         <p:spPr>
           <a:xfrm>
             <a:off x="504000" y="226080"/>
-            <a:ext cx="9070200" cy="945000"/>
+            <a:ext cx="9069480" cy="944280"/>
           </a:xfrm>
           <a:prstGeom prst="rect">
             <a:avLst/>
@@ -287,7 +294,7 @@
         <p:spPr>
           <a:xfrm>
             <a:off x="3447360" y="5165280"/>
-            <a:ext cx="3193560" cy="389160"/>
+            <a:ext cx="3192840" cy="388440"/>
           </a:xfrm>
           <a:prstGeom prst="rect">
             <a:avLst/>
@@ -359,7 +366,7 @@
         <p:spPr>
           <a:xfrm>
             <a:off x="7227360" y="5165280"/>
-            <a:ext cx="2346840" cy="389160"/>
+            <a:ext cx="2346120" cy="388440"/>
           </a:xfrm>
           <a:prstGeom prst="rect">
             <a:avLst/>
@@ -400,7 +407,7 @@
                 <a:tab algn="l" pos="0"/>
               </a:tabLst>
             </a:pPr>
-            <a:fld id="{61C845C3-6E6F-4ED1-886F-129EDE21E8A4}" type="slidenum">
+            <a:fld id="{788D7387-A160-41C6-9232-30026EAAD8C5}" type="slidenum">
               <a:rPr b="0" lang="en-US" sz="1400" spc="-1" strike="noStrike">
                 <a:solidFill>
                   <a:srgbClr val="000000"/>
@@ -431,7 +438,7 @@
         <p:spPr>
           <a:xfrm>
             <a:off x="504000" y="5165280"/>
-            <a:ext cx="2346840" cy="389160"/>
+            <a:ext cx="2346120" cy="388440"/>
           </a:xfrm>
           <a:prstGeom prst="rect">
             <a:avLst/>
@@ -855,7 +862,7 @@
         <p:spPr>
           <a:xfrm>
             <a:off x="928080" y="0"/>
-            <a:ext cx="8222760" cy="6293160"/>
+            <a:ext cx="8222040" cy="6292440"/>
           </a:xfrm>
           <a:prstGeom prst="rect">
             <a:avLst/>
@@ -1012,7 +1019,7 @@
       </p:grpSpPr>
       <p:sp>
         <p:nvSpPr>
-          <p:cNvPr id="131" name="Straight Connector 6"/>
+          <p:cNvPr id="131" name="Straight Connector 13"/>
           <p:cNvSpPr/>
           <p:nvPr/>
         </p:nvSpPr>
@@ -1054,14 +1061,14 @@
       </p:sp>
       <p:sp>
         <p:nvSpPr>
-          <p:cNvPr id="132" name="PlaceHolder 5"/>
+          <p:cNvPr id="132" name="PlaceHolder 12"/>
           <p:cNvSpPr/>
           <p:nvPr/>
         </p:nvSpPr>
         <p:spPr>
           <a:xfrm>
             <a:off x="914400" y="0"/>
-            <a:ext cx="8236440" cy="912960"/>
+            <a:ext cx="8235720" cy="912240"/>
           </a:xfrm>
           <a:prstGeom prst="rect">
             <a:avLst/>
@@ -1098,7 +1105,7 @@
                 <a:latin typeface="Times New Roman"/>
                 <a:ea typeface="DejaVu Sans"/>
               </a:rPr>
-              <a:t>References</a:t>
+              <a:t>The “Sliding Window”</a:t>
             </a:r>
             <a:br>
               <a:rPr sz="2800"/>
@@ -1121,7 +1128,7 @@
         <p:spPr>
           <a:xfrm>
             <a:off x="468000" y="1128600"/>
-            <a:ext cx="9131760" cy="1943640"/>
+            <a:ext cx="9131040" cy="1942920"/>
           </a:xfrm>
           <a:prstGeom prst="rect">
             <a:avLst/>
@@ -1154,18 +1161,16 @@
               <a:buChar char=""/>
             </a:pPr>
             <a:r>
-              <a:rPr b="0" lang="en-US" sz="1800" spc="-1" strike="noStrike" u="sng">
-                <a:solidFill>
-                  <a:srgbClr val="0000ee"/>
-                </a:solidFill>
-                <a:uFillTx/>
-                <a:latin typeface="Times New Roman"/>
-                <a:ea typeface="DejaVu Sans"/>
-                <a:hlinkClick r:id="rId1"/>
-              </a:rPr>
-              <a:t>https://cs.stanford.edu/people/eroberts/courses/soco/projects/data-compression/lossless/lz77/algorithm.html</a:t>
-            </a:r>
-            <a:endParaRPr b="0" lang="en-US" sz="1800" spc="-1" strike="noStrike">
+              <a:rPr b="0" lang="en-US" sz="2200" spc="-1" strike="noStrike">
+                <a:solidFill>
+                  <a:srgbClr val="000000"/>
+                </a:solidFill>
+                <a:latin typeface="Times New Roman"/>
+                <a:ea typeface="DejaVu Sans"/>
+              </a:rPr>
+              <a:t>Finally, shift the characters through the buffers and increment the pointer</a:t>
+            </a:r>
+            <a:endParaRPr b="0" lang="en-US" sz="2200" spc="-1" strike="noStrike">
               <a:solidFill>
                 <a:srgbClr val="000000"/>
               </a:solidFill>
@@ -1185,47 +1190,836 @@
               <a:buChar char=""/>
             </a:pPr>
             <a:r>
-              <a:rPr b="0" lang="en-US" sz="1800" spc="-1" strike="noStrike" u="sng">
-                <a:solidFill>
-                  <a:srgbClr val="0000ee"/>
-                </a:solidFill>
-                <a:uFillTx/>
-                <a:latin typeface="Times New Roman"/>
-                <a:ea typeface="DejaVu Sans"/>
-                <a:hlinkClick r:id="rId2"/>
-              </a:rPr>
-              <a:t>https://en.wikipedia.org/wiki/LZ77_and_LZ78</a:t>
-            </a:r>
-            <a:endParaRPr b="0" lang="en-US" sz="1800" spc="-1" strike="noStrike">
-              <a:solidFill>
-                <a:srgbClr val="000000"/>
-              </a:solidFill>
-              <a:latin typeface="Arial"/>
-            </a:endParaRPr>
-          </a:p>
-          <a:p>
-            <a:pPr marL="216000" indent="-216000">
-              <a:lnSpc>
-                <a:spcPct val="150000"/>
-              </a:lnSpc>
-              <a:buClr>
-                <a:srgbClr val="000000"/>
-              </a:buClr>
-              <a:buSzPct val="45000"/>
-              <a:buFont typeface="Wingdings" charset="2"/>
-              <a:buChar char=""/>
-            </a:pPr>
-            <a:r>
-              <a:rPr b="0" lang="en-US" sz="1800" spc="-1" strike="noStrike" u="sng">
-                <a:solidFill>
-                  <a:srgbClr val="0000ee"/>
-                </a:solidFill>
-                <a:uFillTx/>
-                <a:latin typeface="Times New Roman"/>
-                <a:ea typeface="DejaVu Sans"/>
-                <a:hlinkClick r:id="rId3"/>
-              </a:rPr>
-              <a:t>https://medium.com/@vincentcorbee/lz77-compression-in-javascript-cd2583d2a8bd</a:t>
+              <a:rPr b="0" lang="en-US" sz="2200" spc="-1" strike="noStrike">
+                <a:solidFill>
+                  <a:srgbClr val="000000"/>
+                </a:solidFill>
+                <a:latin typeface="Times New Roman"/>
+                <a:ea typeface="DejaVu Sans"/>
+              </a:rPr>
+              <a:t>In this iteration, the search buffer looks like it doesn’t change</a:t>
+            </a:r>
+            <a:endParaRPr b="0" lang="en-US" sz="2200" spc="-1" strike="noStrike">
+              <a:solidFill>
+                <a:srgbClr val="000000"/>
+              </a:solidFill>
+              <a:latin typeface="Arial"/>
+            </a:endParaRPr>
+          </a:p>
+        </p:txBody>
+      </p:sp>
+      <p:sp>
+        <p:nvSpPr>
+          <p:cNvPr id="134" name=""/>
+          <p:cNvSpPr/>
+          <p:nvPr/>
+        </p:nvSpPr>
+        <p:spPr>
+          <a:xfrm>
+            <a:off x="328320" y="3429360"/>
+            <a:ext cx="2511360" cy="454680"/>
+          </a:xfrm>
+          <a:prstGeom prst="rect">
+            <a:avLst/>
+          </a:prstGeom>
+          <a:noFill/>
+          <a:ln w="0">
+            <a:noFill/>
+          </a:ln>
+        </p:spPr>
+        <p:style>
+          <a:lnRef idx="0"/>
+          <a:fillRef idx="0"/>
+          <a:effectRef idx="0"/>
+          <a:fontRef idx="minor"/>
+        </p:style>
+        <p:txBody>
+          <a:bodyPr lIns="90000" rIns="90000" tIns="45000" bIns="45000" anchor="t">
+            <a:noAutofit/>
+          </a:bodyPr>
+          <a:p>
+            <a:pPr algn="ctr">
+              <a:lnSpc>
+                <a:spcPct val="100000"/>
+              </a:lnSpc>
+            </a:pPr>
+            <a:r>
+              <a:rPr b="0" lang="en-US" sz="2400" spc="-1" strike="noStrike">
+                <a:solidFill>
+                  <a:srgbClr val="000000"/>
+                </a:solidFill>
+                <a:latin typeface="Times New Roman"/>
+                <a:ea typeface="DejaVu Sans"/>
+              </a:rPr>
+              <a:t>Search</a:t>
+            </a:r>
+            <a:endParaRPr b="0" lang="en-US" sz="2400" spc="-1" strike="noStrike">
+              <a:solidFill>
+                <a:srgbClr val="000000"/>
+              </a:solidFill>
+              <a:latin typeface="Arial"/>
+            </a:endParaRPr>
+          </a:p>
+        </p:txBody>
+      </p:sp>
+      <p:sp>
+        <p:nvSpPr>
+          <p:cNvPr id="135" name=""/>
+          <p:cNvSpPr/>
+          <p:nvPr/>
+        </p:nvSpPr>
+        <p:spPr>
+          <a:xfrm>
+            <a:off x="1048320" y="4493880"/>
+            <a:ext cx="3197160" cy="761760"/>
+          </a:xfrm>
+          <a:prstGeom prst="rect">
+            <a:avLst/>
+          </a:prstGeom>
+          <a:noFill/>
+          <a:ln w="0">
+            <a:noFill/>
+          </a:ln>
+        </p:spPr>
+        <p:style>
+          <a:lnRef idx="0"/>
+          <a:fillRef idx="0"/>
+          <a:effectRef idx="0"/>
+          <a:fontRef idx="minor"/>
+        </p:style>
+        <p:txBody>
+          <a:bodyPr lIns="90000" rIns="90000" tIns="45000" bIns="45000" anchor="t">
+            <a:noAutofit/>
+          </a:bodyPr>
+          <a:p>
+            <a:pPr>
+              <a:lnSpc>
+                <a:spcPct val="100000"/>
+              </a:lnSpc>
+            </a:pPr>
+            <a:r>
+              <a:rPr b="0" lang="en-US" sz="2400" spc="-1" strike="noStrike">
+                <a:solidFill>
+                  <a:srgbClr val="000000"/>
+                </a:solidFill>
+                <a:latin typeface="Times New Roman"/>
+                <a:ea typeface="DejaVu Sans"/>
+              </a:rPr>
+              <a:t>Window</a:t>
+            </a:r>
+            <a:endParaRPr b="0" lang="en-US" sz="2400" spc="-1" strike="noStrike">
+              <a:solidFill>
+                <a:srgbClr val="000000"/>
+              </a:solidFill>
+              <a:latin typeface="Arial"/>
+            </a:endParaRPr>
+          </a:p>
+        </p:txBody>
+      </p:sp>
+      <p:sp>
+        <p:nvSpPr>
+          <p:cNvPr id="136" name=""/>
+          <p:cNvSpPr/>
+          <p:nvPr/>
+        </p:nvSpPr>
+        <p:spPr>
+          <a:xfrm>
+            <a:off x="9664920" y="5258160"/>
+            <a:ext cx="3821040" cy="425520"/>
+          </a:xfrm>
+          <a:prstGeom prst="rect">
+            <a:avLst/>
+          </a:prstGeom>
+          <a:noFill/>
+          <a:ln w="0">
+            <a:noFill/>
+          </a:ln>
+        </p:spPr>
+        <p:style>
+          <a:lnRef idx="0"/>
+          <a:fillRef idx="0"/>
+          <a:effectRef idx="0"/>
+          <a:fontRef idx="minor"/>
+        </p:style>
+        <p:txBody>
+          <a:bodyPr lIns="90000" rIns="90000" tIns="45000" bIns="45000" anchor="t">
+            <a:noAutofit/>
+          </a:bodyPr>
+          <a:p>
+            <a:pPr>
+              <a:lnSpc>
+                <a:spcPct val="100000"/>
+              </a:lnSpc>
+            </a:pPr>
+            <a:r>
+              <a:rPr b="0" lang="en-US" sz="2400" spc="-1" strike="noStrike">
+                <a:solidFill>
+                  <a:srgbClr val="000000"/>
+                </a:solidFill>
+                <a:latin typeface="Times New Roman"/>
+                <a:ea typeface="DejaVu Sans"/>
+              </a:rPr>
+              <a:t>9</a:t>
+            </a:r>
+            <a:endParaRPr b="0" lang="en-US" sz="2400" spc="-1" strike="noStrike">
+              <a:solidFill>
+                <a:srgbClr val="000000"/>
+              </a:solidFill>
+              <a:latin typeface="Arial"/>
+            </a:endParaRPr>
+          </a:p>
+        </p:txBody>
+      </p:sp>
+      <p:sp>
+        <p:nvSpPr>
+          <p:cNvPr id="137" name=""/>
+          <p:cNvSpPr/>
+          <p:nvPr/>
+        </p:nvSpPr>
+        <p:spPr>
+          <a:xfrm>
+            <a:off x="3336840" y="3410640"/>
+            <a:ext cx="682920" cy="500400"/>
+          </a:xfrm>
+          <a:prstGeom prst="roundRect">
+            <a:avLst>
+              <a:gd name="adj" fmla="val 16667"/>
+            </a:avLst>
+          </a:prstGeom>
+          <a:solidFill>
+            <a:srgbClr val="729fcf"/>
+          </a:solidFill>
+          <a:ln w="0">
+            <a:solidFill>
+              <a:srgbClr val="3465a4"/>
+            </a:solidFill>
+          </a:ln>
+        </p:spPr>
+        <p:style>
+          <a:lnRef idx="0"/>
+          <a:fillRef idx="0"/>
+          <a:effectRef idx="0"/>
+          <a:fontRef idx="minor"/>
+        </p:style>
+        <p:txBody>
+          <a:bodyPr lIns="90000" rIns="90000" tIns="45000" bIns="45000" anchor="ctr">
+            <a:noAutofit/>
+          </a:bodyPr>
+          <a:p>
+            <a:pPr algn="ctr">
+              <a:lnSpc>
+                <a:spcPct val="100000"/>
+              </a:lnSpc>
+            </a:pPr>
+            <a:r>
+              <a:rPr b="0" lang="en-US" sz="1800" spc="-1" strike="noStrike">
+                <a:solidFill>
+                  <a:srgbClr val="000000"/>
+                </a:solidFill>
+                <a:latin typeface="Times New Roman"/>
+                <a:ea typeface="DejaVu Sans"/>
+              </a:rPr>
+              <a:t>G</a:t>
+            </a:r>
+            <a:endParaRPr b="0" lang="en-US" sz="1800" spc="-1" strike="noStrike">
+              <a:solidFill>
+                <a:srgbClr val="000000"/>
+              </a:solidFill>
+              <a:latin typeface="Arial"/>
+            </a:endParaRPr>
+          </a:p>
+        </p:txBody>
+      </p:sp>
+      <p:sp>
+        <p:nvSpPr>
+          <p:cNvPr id="138" name=""/>
+          <p:cNvSpPr/>
+          <p:nvPr/>
+        </p:nvSpPr>
+        <p:spPr>
+          <a:xfrm>
+            <a:off x="5398200" y="3422880"/>
+            <a:ext cx="682920" cy="500400"/>
+          </a:xfrm>
+          <a:prstGeom prst="roundRect">
+            <a:avLst>
+              <a:gd name="adj" fmla="val 16667"/>
+            </a:avLst>
+          </a:prstGeom>
+          <a:solidFill>
+            <a:srgbClr val="729fcf"/>
+          </a:solidFill>
+          <a:ln w="0">
+            <a:solidFill>
+              <a:srgbClr val="3465a4"/>
+            </a:solidFill>
+          </a:ln>
+        </p:spPr>
+        <p:style>
+          <a:lnRef idx="0"/>
+          <a:fillRef idx="0"/>
+          <a:effectRef idx="0"/>
+          <a:fontRef idx="minor"/>
+        </p:style>
+        <p:txBody>
+          <a:bodyPr lIns="90000" rIns="90000" tIns="45000" bIns="45000" anchor="ctr">
+            <a:noAutofit/>
+          </a:bodyPr>
+          <a:p>
+            <a:pPr algn="ctr">
+              <a:lnSpc>
+                <a:spcPct val="100000"/>
+              </a:lnSpc>
+            </a:pPr>
+            <a:r>
+              <a:rPr b="0" lang="en-US" sz="1800" spc="-1" strike="noStrike">
+                <a:solidFill>
+                  <a:srgbClr val="000000"/>
+                </a:solidFill>
+                <a:latin typeface="Times New Roman"/>
+                <a:ea typeface="DejaVu Sans"/>
+              </a:rPr>
+              <a:t>D</a:t>
+            </a:r>
+            <a:endParaRPr b="0" lang="en-US" sz="1800" spc="-1" strike="noStrike">
+              <a:solidFill>
+                <a:srgbClr val="000000"/>
+              </a:solidFill>
+              <a:latin typeface="Arial"/>
+            </a:endParaRPr>
+          </a:p>
+        </p:txBody>
+      </p:sp>
+      <p:sp>
+        <p:nvSpPr>
+          <p:cNvPr id="139" name=""/>
+          <p:cNvSpPr/>
+          <p:nvPr/>
+        </p:nvSpPr>
+        <p:spPr>
+          <a:xfrm>
+            <a:off x="4714200" y="3422880"/>
+            <a:ext cx="682920" cy="500400"/>
+          </a:xfrm>
+          <a:prstGeom prst="roundRect">
+            <a:avLst>
+              <a:gd name="adj" fmla="val 16667"/>
+            </a:avLst>
+          </a:prstGeom>
+          <a:solidFill>
+            <a:srgbClr val="729fcf"/>
+          </a:solidFill>
+          <a:ln w="0">
+            <a:solidFill>
+              <a:srgbClr val="3465a4"/>
+            </a:solidFill>
+          </a:ln>
+        </p:spPr>
+        <p:style>
+          <a:lnRef idx="0"/>
+          <a:fillRef idx="0"/>
+          <a:effectRef idx="0"/>
+          <a:fontRef idx="minor"/>
+        </p:style>
+        <p:txBody>
+          <a:bodyPr lIns="90000" rIns="90000" tIns="45000" bIns="45000" anchor="ctr">
+            <a:noAutofit/>
+          </a:bodyPr>
+          <a:p>
+            <a:pPr algn="ctr">
+              <a:lnSpc>
+                <a:spcPct val="100000"/>
+              </a:lnSpc>
+            </a:pPr>
+            <a:r>
+              <a:rPr b="0" lang="en-US" sz="1800" spc="-1" strike="noStrike">
+                <a:solidFill>
+                  <a:srgbClr val="000000"/>
+                </a:solidFill>
+                <a:latin typeface="Times New Roman"/>
+                <a:ea typeface="DejaVu Sans"/>
+              </a:rPr>
+              <a:t>N</a:t>
+            </a:r>
+            <a:endParaRPr b="0" lang="en-US" sz="1800" spc="-1" strike="noStrike">
+              <a:solidFill>
+                <a:srgbClr val="000000"/>
+              </a:solidFill>
+              <a:latin typeface="Arial"/>
+            </a:endParaRPr>
+          </a:p>
+        </p:txBody>
+      </p:sp>
+      <p:sp>
+        <p:nvSpPr>
+          <p:cNvPr id="140" name=""/>
+          <p:cNvSpPr/>
+          <p:nvPr/>
+        </p:nvSpPr>
+        <p:spPr>
+          <a:xfrm>
+            <a:off x="4030200" y="3422880"/>
+            <a:ext cx="682920" cy="500400"/>
+          </a:xfrm>
+          <a:prstGeom prst="roundRect">
+            <a:avLst>
+              <a:gd name="adj" fmla="val 16667"/>
+            </a:avLst>
+          </a:prstGeom>
+          <a:solidFill>
+            <a:srgbClr val="729fcf"/>
+          </a:solidFill>
+          <a:ln w="0">
+            <a:solidFill>
+              <a:srgbClr val="3465a4"/>
+            </a:solidFill>
+          </a:ln>
+        </p:spPr>
+        <p:style>
+          <a:lnRef idx="0"/>
+          <a:fillRef idx="0"/>
+          <a:effectRef idx="0"/>
+          <a:fontRef idx="minor"/>
+        </p:style>
+        <p:txBody>
+          <a:bodyPr lIns="90000" rIns="90000" tIns="45000" bIns="45000" anchor="ctr">
+            <a:noAutofit/>
+          </a:bodyPr>
+          <a:p>
+            <a:pPr algn="ctr">
+              <a:lnSpc>
+                <a:spcPct val="100000"/>
+              </a:lnSpc>
+            </a:pPr>
+            <a:r>
+              <a:rPr b="0" lang="en-US" sz="1800" spc="-1" strike="noStrike">
+                <a:solidFill>
+                  <a:srgbClr val="000000"/>
+                </a:solidFill>
+                <a:latin typeface="Times New Roman"/>
+                <a:ea typeface="DejaVu Sans"/>
+              </a:rPr>
+              <a:t>A</a:t>
+            </a:r>
+            <a:endParaRPr b="0" lang="en-US" sz="1800" spc="-1" strike="noStrike">
+              <a:solidFill>
+                <a:srgbClr val="000000"/>
+              </a:solidFill>
+              <a:latin typeface="Arial"/>
+            </a:endParaRPr>
+          </a:p>
+        </p:txBody>
+      </p:sp>
+      <p:sp>
+        <p:nvSpPr>
+          <p:cNvPr id="141" name=""/>
+          <p:cNvSpPr/>
+          <p:nvPr/>
+        </p:nvSpPr>
+        <p:spPr>
+          <a:xfrm>
+            <a:off x="4713480" y="4538880"/>
+            <a:ext cx="682920" cy="500400"/>
+          </a:xfrm>
+          <a:prstGeom prst="roundRect">
+            <a:avLst>
+              <a:gd name="adj" fmla="val 16667"/>
+            </a:avLst>
+          </a:prstGeom>
+          <a:solidFill>
+            <a:srgbClr val="77bc65"/>
+          </a:solidFill>
+          <a:ln w="0">
+            <a:solidFill>
+              <a:srgbClr val="3465a4"/>
+            </a:solidFill>
+          </a:ln>
+        </p:spPr>
+        <p:style>
+          <a:lnRef idx="0"/>
+          <a:fillRef idx="0"/>
+          <a:effectRef idx="0"/>
+          <a:fontRef idx="minor"/>
+        </p:style>
+        <p:txBody>
+          <a:bodyPr lIns="90000" rIns="90000" tIns="45000" bIns="45000" anchor="ctr">
+            <a:noAutofit/>
+          </a:bodyPr>
+          <a:p>
+            <a:pPr algn="ctr">
+              <a:lnSpc>
+                <a:spcPct val="100000"/>
+              </a:lnSpc>
+            </a:pPr>
+            <a:r>
+              <a:rPr b="0" lang="en-US" sz="1800" spc="-1" strike="noStrike">
+                <a:solidFill>
+                  <a:srgbClr val="000000"/>
+                </a:solidFill>
+                <a:latin typeface="Times New Roman"/>
+                <a:ea typeface="DejaVu Sans"/>
+              </a:rPr>
+              <a:t>F</a:t>
+            </a:r>
+            <a:endParaRPr b="0" lang="en-US" sz="1800" spc="-1" strike="noStrike">
+              <a:solidFill>
+                <a:srgbClr val="000000"/>
+              </a:solidFill>
+              <a:latin typeface="Arial"/>
+            </a:endParaRPr>
+          </a:p>
+        </p:txBody>
+      </p:sp>
+      <p:sp>
+        <p:nvSpPr>
+          <p:cNvPr id="142" name=""/>
+          <p:cNvSpPr/>
+          <p:nvPr/>
+        </p:nvSpPr>
+        <p:spPr>
+          <a:xfrm>
+            <a:off x="4029840" y="4538880"/>
+            <a:ext cx="682920" cy="500400"/>
+          </a:xfrm>
+          <a:prstGeom prst="roundRect">
+            <a:avLst>
+              <a:gd name="adj" fmla="val 16667"/>
+            </a:avLst>
+          </a:prstGeom>
+          <a:solidFill>
+            <a:srgbClr val="77bc65"/>
+          </a:solidFill>
+          <a:ln w="0">
+            <a:solidFill>
+              <a:srgbClr val="3465a4"/>
+            </a:solidFill>
+          </a:ln>
+        </p:spPr>
+        <p:style>
+          <a:lnRef idx="0"/>
+          <a:fillRef idx="0"/>
+          <a:effectRef idx="0"/>
+          <a:fontRef idx="minor"/>
+        </p:style>
+        <p:txBody>
+          <a:bodyPr lIns="90000" rIns="90000" tIns="45000" bIns="45000" anchor="ctr">
+            <a:noAutofit/>
+          </a:bodyPr>
+          <a:p>
+            <a:pPr algn="ctr">
+              <a:lnSpc>
+                <a:spcPct val="100000"/>
+              </a:lnSpc>
+            </a:pPr>
+            <a:r>
+              <a:rPr b="0" lang="en-US" sz="1800" spc="-1" strike="noStrike">
+                <a:solidFill>
+                  <a:srgbClr val="000000"/>
+                </a:solidFill>
+                <a:latin typeface="Times New Roman"/>
+                <a:ea typeface="DejaVu Sans"/>
+              </a:rPr>
+              <a:t>L</a:t>
+            </a:r>
+            <a:endParaRPr b="0" lang="en-US" sz="1800" spc="-1" strike="noStrike">
+              <a:solidFill>
+                <a:srgbClr val="000000"/>
+              </a:solidFill>
+              <a:latin typeface="Arial"/>
+            </a:endParaRPr>
+          </a:p>
+        </p:txBody>
+      </p:sp>
+      <p:sp>
+        <p:nvSpPr>
+          <p:cNvPr id="143" name=""/>
+          <p:cNvSpPr/>
+          <p:nvPr/>
+        </p:nvSpPr>
+        <p:spPr>
+          <a:xfrm>
+            <a:off x="3346560" y="4538880"/>
+            <a:ext cx="682920" cy="500400"/>
+          </a:xfrm>
+          <a:prstGeom prst="roundRect">
+            <a:avLst>
+              <a:gd name="adj" fmla="val 16667"/>
+            </a:avLst>
+          </a:prstGeom>
+          <a:solidFill>
+            <a:srgbClr val="ffde59"/>
+          </a:solidFill>
+          <a:ln w="0">
+            <a:solidFill>
+              <a:srgbClr val="3465a4"/>
+            </a:solidFill>
+          </a:ln>
+        </p:spPr>
+        <p:style>
+          <a:lnRef idx="0"/>
+          <a:fillRef idx="0"/>
+          <a:effectRef idx="0"/>
+          <a:fontRef idx="minor"/>
+        </p:style>
+        <p:txBody>
+          <a:bodyPr lIns="90000" rIns="90000" tIns="45000" bIns="45000" anchor="ctr">
+            <a:noAutofit/>
+          </a:bodyPr>
+          <a:p>
+            <a:pPr algn="ctr">
+              <a:lnSpc>
+                <a:spcPct val="100000"/>
+              </a:lnSpc>
+            </a:pPr>
+            <a:r>
+              <a:rPr b="0" lang="en-US" sz="1800" spc="-1" strike="noStrike">
+                <a:solidFill>
+                  <a:srgbClr val="000000"/>
+                </a:solidFill>
+                <a:latin typeface="Times New Roman"/>
+                <a:ea typeface="DejaVu Sans"/>
+              </a:rPr>
+              <a:t>A</a:t>
+            </a:r>
+            <a:endParaRPr b="0" lang="en-US" sz="1800" spc="-1" strike="noStrike">
+              <a:solidFill>
+                <a:srgbClr val="000000"/>
+              </a:solidFill>
+              <a:latin typeface="Arial"/>
+            </a:endParaRPr>
+          </a:p>
+        </p:txBody>
+      </p:sp>
+      <p:sp>
+        <p:nvSpPr>
+          <p:cNvPr id="144" name=""/>
+          <p:cNvSpPr/>
+          <p:nvPr/>
+        </p:nvSpPr>
+        <p:spPr>
+          <a:xfrm>
+            <a:off x="6765120" y="4538880"/>
+            <a:ext cx="682920" cy="500400"/>
+          </a:xfrm>
+          <a:prstGeom prst="roundRect">
+            <a:avLst>
+              <a:gd name="adj" fmla="val 16667"/>
+            </a:avLst>
+          </a:prstGeom>
+          <a:solidFill>
+            <a:srgbClr val="77bc65"/>
+          </a:solidFill>
+          <a:ln w="0">
+            <a:solidFill>
+              <a:srgbClr val="3465a4"/>
+            </a:solidFill>
+          </a:ln>
+        </p:spPr>
+        <p:style>
+          <a:lnRef idx="0"/>
+          <a:fillRef idx="0"/>
+          <a:effectRef idx="0"/>
+          <a:fontRef idx="minor"/>
+        </p:style>
+        <p:txBody>
+          <a:bodyPr lIns="90000" rIns="90000" tIns="45000" bIns="45000" anchor="ctr">
+            <a:noAutofit/>
+          </a:bodyPr>
+          <a:p>
+            <a:pPr algn="ctr">
+              <a:lnSpc>
+                <a:spcPct val="100000"/>
+              </a:lnSpc>
+            </a:pPr>
+            <a:r>
+              <a:rPr b="0" lang="en-US" sz="1800" spc="-1" strike="noStrike">
+                <a:solidFill>
+                  <a:srgbClr val="000000"/>
+                </a:solidFill>
+                <a:latin typeface="Times New Roman"/>
+                <a:ea typeface="DejaVu Sans"/>
+              </a:rPr>
+              <a:t>E</a:t>
+            </a:r>
+            <a:endParaRPr b="0" lang="en-US" sz="1800" spc="-1" strike="noStrike">
+              <a:solidFill>
+                <a:srgbClr val="000000"/>
+              </a:solidFill>
+              <a:latin typeface="Arial"/>
+            </a:endParaRPr>
+          </a:p>
+        </p:txBody>
+      </p:sp>
+      <p:sp>
+        <p:nvSpPr>
+          <p:cNvPr id="145" name=""/>
+          <p:cNvSpPr/>
+          <p:nvPr/>
+        </p:nvSpPr>
+        <p:spPr>
+          <a:xfrm>
+            <a:off x="6081480" y="4538880"/>
+            <a:ext cx="682920" cy="500400"/>
+          </a:xfrm>
+          <a:prstGeom prst="roundRect">
+            <a:avLst>
+              <a:gd name="adj" fmla="val 16667"/>
+            </a:avLst>
+          </a:prstGeom>
+          <a:solidFill>
+            <a:srgbClr val="77bc65"/>
+          </a:solidFill>
+          <a:ln w="0">
+            <a:solidFill>
+              <a:srgbClr val="3465a4"/>
+            </a:solidFill>
+          </a:ln>
+        </p:spPr>
+        <p:style>
+          <a:lnRef idx="0"/>
+          <a:fillRef idx="0"/>
+          <a:effectRef idx="0"/>
+          <a:fontRef idx="minor"/>
+        </p:style>
+        <p:txBody>
+          <a:bodyPr lIns="90000" rIns="90000" tIns="45000" bIns="45000" anchor="ctr">
+            <a:noAutofit/>
+          </a:bodyPr>
+          <a:p>
+            <a:pPr algn="ctr">
+              <a:lnSpc>
+                <a:spcPct val="100000"/>
+              </a:lnSpc>
+            </a:pPr>
+            <a:r>
+              <a:rPr b="0" lang="en-US" sz="1800" spc="-1" strike="noStrike">
+                <a:solidFill>
+                  <a:srgbClr val="000000"/>
+                </a:solidFill>
+                <a:latin typeface="Times New Roman"/>
+                <a:ea typeface="DejaVu Sans"/>
+              </a:rPr>
+              <a:t>H</a:t>
+            </a:r>
+            <a:endParaRPr b="0" lang="en-US" sz="1800" spc="-1" strike="noStrike">
+              <a:solidFill>
+                <a:srgbClr val="000000"/>
+              </a:solidFill>
+              <a:latin typeface="Arial"/>
+            </a:endParaRPr>
+          </a:p>
+        </p:txBody>
+      </p:sp>
+      <p:sp>
+        <p:nvSpPr>
+          <p:cNvPr id="146" name=""/>
+          <p:cNvSpPr/>
+          <p:nvPr/>
+        </p:nvSpPr>
+        <p:spPr>
+          <a:xfrm>
+            <a:off x="5397480" y="4538880"/>
+            <a:ext cx="682920" cy="500400"/>
+          </a:xfrm>
+          <a:prstGeom prst="roundRect">
+            <a:avLst>
+              <a:gd name="adj" fmla="val 16667"/>
+            </a:avLst>
+          </a:prstGeom>
+          <a:solidFill>
+            <a:srgbClr val="77bc65"/>
+          </a:solidFill>
+          <a:ln w="0">
+            <a:solidFill>
+              <a:srgbClr val="3465a4"/>
+            </a:solidFill>
+          </a:ln>
+        </p:spPr>
+        <p:style>
+          <a:lnRef idx="0"/>
+          <a:fillRef idx="0"/>
+          <a:effectRef idx="0"/>
+          <a:fontRef idx="minor"/>
+        </p:style>
+        <p:txBody>
+          <a:bodyPr lIns="90000" rIns="90000" tIns="45000" bIns="45000" anchor="ctr">
+            <a:noAutofit/>
+          </a:bodyPr>
+          <a:p>
+            <a:pPr algn="ctr">
+              <a:lnSpc>
+                <a:spcPct val="100000"/>
+              </a:lnSpc>
+            </a:pPr>
+            <a:r>
+              <a:rPr b="0" lang="en-US" sz="1800" spc="-1" strike="noStrike">
+                <a:solidFill>
+                  <a:srgbClr val="000000"/>
+                </a:solidFill>
+                <a:latin typeface="Times New Roman"/>
+                <a:ea typeface="DejaVu Sans"/>
+              </a:rPr>
+              <a:t>T</a:t>
+            </a:r>
+            <a:endParaRPr b="0" lang="en-US" sz="1800" spc="-1" strike="noStrike">
+              <a:solidFill>
+                <a:srgbClr val="000000"/>
+              </a:solidFill>
+              <a:latin typeface="Arial"/>
+            </a:endParaRPr>
+          </a:p>
+        </p:txBody>
+      </p:sp>
+      <p:sp>
+        <p:nvSpPr>
+          <p:cNvPr id="147" name=""/>
+          <p:cNvSpPr/>
+          <p:nvPr/>
+        </p:nvSpPr>
+        <p:spPr>
+          <a:xfrm>
+            <a:off x="7449120" y="4538880"/>
+            <a:ext cx="682920" cy="500400"/>
+          </a:xfrm>
+          <a:prstGeom prst="roundRect">
+            <a:avLst>
+              <a:gd name="adj" fmla="val 16667"/>
+            </a:avLst>
+          </a:prstGeom>
+          <a:solidFill>
+            <a:srgbClr val="77bc65"/>
+          </a:solidFill>
+          <a:ln w="0">
+            <a:solidFill>
+              <a:srgbClr val="3465a4"/>
+            </a:solidFill>
+          </a:ln>
+        </p:spPr>
+        <p:style>
+          <a:lnRef idx="0"/>
+          <a:fillRef idx="0"/>
+          <a:effectRef idx="0"/>
+          <a:fontRef idx="minor"/>
+        </p:style>
+        <p:txBody>
+          <a:bodyPr lIns="90000" rIns="90000" tIns="45000" bIns="45000" anchor="ctr">
+            <a:noAutofit/>
+          </a:bodyPr>
+          <a:p>
+            <a:pPr algn="ctr">
+              <a:lnSpc>
+                <a:spcPct val="100000"/>
+              </a:lnSpc>
+            </a:pPr>
+            <a:r>
+              <a:rPr b="0" lang="en-US" sz="1800" spc="-1" strike="noStrike">
+                <a:solidFill>
+                  <a:srgbClr val="000000"/>
+                </a:solidFill>
+                <a:latin typeface="Times New Roman"/>
+                <a:ea typeface="DejaVu Sans"/>
+              </a:rPr>
+              <a:t>G</a:t>
             </a:r>
             <a:endParaRPr b="0" lang="en-US" sz="1800" spc="-1" strike="noStrike">
               <a:solidFill>
@@ -1268,13 +2062,13 @@
       </p:grpSpPr>
       <p:sp>
         <p:nvSpPr>
-          <p:cNvPr id="134" name="Straight Connector 7"/>
-          <p:cNvSpPr/>
-          <p:nvPr/>
-        </p:nvSpPr>
-        <p:spPr>
-          <a:xfrm>
-            <a:off x="468000" y="4044600"/>
+          <p:cNvPr id="148" name="Straight Connector 16"/>
+          <p:cNvSpPr/>
+          <p:nvPr/>
+        </p:nvSpPr>
+        <p:spPr>
+          <a:xfrm>
+            <a:off x="468000" y="1128600"/>
             <a:ext cx="9144000" cy="360"/>
           </a:xfrm>
           <a:prstGeom prst="line">
@@ -1310,7 +2104,1093 @@
       </p:sp>
       <p:sp>
         <p:nvSpPr>
-          <p:cNvPr id="135" name="Straight Connector 8"/>
+          <p:cNvPr id="149" name="PlaceHolder 14"/>
+          <p:cNvSpPr/>
+          <p:nvPr/>
+        </p:nvSpPr>
+        <p:spPr>
+          <a:xfrm>
+            <a:off x="914400" y="0"/>
+            <a:ext cx="8235720" cy="912240"/>
+          </a:xfrm>
+          <a:prstGeom prst="rect">
+            <a:avLst/>
+          </a:prstGeom>
+          <a:noFill/>
+          <a:ln w="9360">
+            <a:noFill/>
+          </a:ln>
+        </p:spPr>
+        <p:style>
+          <a:lnRef idx="0"/>
+          <a:fillRef idx="0"/>
+          <a:effectRef idx="0"/>
+          <a:fontRef idx="minor"/>
+        </p:style>
+        <p:txBody>
+          <a:bodyPr numCol="1" spcCol="0" lIns="90000" rIns="90000" tIns="45000" bIns="45000" anchor="t">
+            <a:noAutofit/>
+          </a:bodyPr>
+          <a:p>
+            <a:pPr algn="ctr">
+              <a:lnSpc>
+                <a:spcPct val="150000"/>
+              </a:lnSpc>
+              <a:tabLst>
+                <a:tab algn="l" pos="0"/>
+              </a:tabLst>
+            </a:pPr>
+            <a:r>
+              <a:rPr b="0" lang="en-US" sz="2800" spc="-1" strike="noStrike">
+                <a:solidFill>
+                  <a:srgbClr val="000000"/>
+                </a:solidFill>
+                <a:latin typeface="Times New Roman"/>
+                <a:ea typeface="DejaVu Sans"/>
+              </a:rPr>
+              <a:t>The “Sliding Window”</a:t>
+            </a:r>
+            <a:br>
+              <a:rPr sz="2800"/>
+            </a:br>
+            <a:endParaRPr b="0" lang="en-US" sz="2800" spc="-1" strike="noStrike">
+              <a:solidFill>
+                <a:srgbClr val="000000"/>
+              </a:solidFill>
+              <a:latin typeface="Arial"/>
+            </a:endParaRPr>
+          </a:p>
+        </p:txBody>
+      </p:sp>
+      <p:sp>
+        <p:nvSpPr>
+          <p:cNvPr id="150" name=""/>
+          <p:cNvSpPr/>
+          <p:nvPr/>
+        </p:nvSpPr>
+        <p:spPr>
+          <a:xfrm>
+            <a:off x="468000" y="1128600"/>
+            <a:ext cx="9131040" cy="1942920"/>
+          </a:xfrm>
+          <a:prstGeom prst="rect">
+            <a:avLst/>
+          </a:prstGeom>
+          <a:noFill/>
+          <a:ln w="0">
+            <a:noFill/>
+          </a:ln>
+        </p:spPr>
+        <p:style>
+          <a:lnRef idx="0"/>
+          <a:fillRef idx="0"/>
+          <a:effectRef idx="0"/>
+          <a:fontRef idx="minor"/>
+        </p:style>
+        <p:txBody>
+          <a:bodyPr lIns="90000" rIns="90000" tIns="45000" bIns="45000" anchor="t">
+            <a:noAutofit/>
+          </a:bodyPr>
+          <a:p>
+            <a:pPr marL="216000" indent="-216000">
+              <a:lnSpc>
+                <a:spcPct val="150000"/>
+              </a:lnSpc>
+              <a:buClr>
+                <a:srgbClr val="000000"/>
+              </a:buClr>
+              <a:buSzPct val="45000"/>
+              <a:buFont typeface="Wingdings" charset="2"/>
+              <a:buChar char=""/>
+            </a:pPr>
+            <a:r>
+              <a:rPr b="0" lang="en-US" sz="2200" spc="-1" strike="noStrike">
+                <a:solidFill>
+                  <a:srgbClr val="000000"/>
+                </a:solidFill>
+                <a:latin typeface="Times New Roman"/>
+                <a:ea typeface="DejaVu Sans"/>
+              </a:rPr>
+              <a:t>Finally, shift the characters through the buffers and increment the pointer</a:t>
+            </a:r>
+            <a:endParaRPr b="0" lang="en-US" sz="2200" spc="-1" strike="noStrike">
+              <a:solidFill>
+                <a:srgbClr val="000000"/>
+              </a:solidFill>
+              <a:latin typeface="Arial"/>
+            </a:endParaRPr>
+          </a:p>
+          <a:p>
+            <a:pPr marL="216000" indent="-216000">
+              <a:lnSpc>
+                <a:spcPct val="150000"/>
+              </a:lnSpc>
+              <a:buClr>
+                <a:srgbClr val="000000"/>
+              </a:buClr>
+              <a:buSzPct val="45000"/>
+              <a:buFont typeface="Wingdings" charset="2"/>
+              <a:buChar char=""/>
+            </a:pPr>
+            <a:r>
+              <a:rPr b="0" lang="en-US" sz="2200" spc="-1" strike="noStrike">
+                <a:solidFill>
+                  <a:srgbClr val="000000"/>
+                </a:solidFill>
+                <a:latin typeface="Times New Roman"/>
+                <a:ea typeface="DejaVu Sans"/>
+              </a:rPr>
+              <a:t>In this iteration, the search buffer looks like it doesn’t change</a:t>
+            </a:r>
+            <a:endParaRPr b="0" lang="en-US" sz="2200" spc="-1" strike="noStrike">
+              <a:solidFill>
+                <a:srgbClr val="000000"/>
+              </a:solidFill>
+              <a:latin typeface="Arial"/>
+            </a:endParaRPr>
+          </a:p>
+        </p:txBody>
+      </p:sp>
+      <p:sp>
+        <p:nvSpPr>
+          <p:cNvPr id="151" name=""/>
+          <p:cNvSpPr/>
+          <p:nvPr/>
+        </p:nvSpPr>
+        <p:spPr>
+          <a:xfrm>
+            <a:off x="328320" y="3429360"/>
+            <a:ext cx="2511360" cy="454680"/>
+          </a:xfrm>
+          <a:prstGeom prst="rect">
+            <a:avLst/>
+          </a:prstGeom>
+          <a:noFill/>
+          <a:ln w="0">
+            <a:noFill/>
+          </a:ln>
+        </p:spPr>
+        <p:style>
+          <a:lnRef idx="0"/>
+          <a:fillRef idx="0"/>
+          <a:effectRef idx="0"/>
+          <a:fontRef idx="minor"/>
+        </p:style>
+        <p:txBody>
+          <a:bodyPr lIns="90000" rIns="90000" tIns="45000" bIns="45000" anchor="t">
+            <a:noAutofit/>
+          </a:bodyPr>
+          <a:p>
+            <a:pPr algn="ctr">
+              <a:lnSpc>
+                <a:spcPct val="100000"/>
+              </a:lnSpc>
+            </a:pPr>
+            <a:r>
+              <a:rPr b="0" lang="en-US" sz="2400" spc="-1" strike="noStrike">
+                <a:solidFill>
+                  <a:srgbClr val="000000"/>
+                </a:solidFill>
+                <a:latin typeface="Times New Roman"/>
+                <a:ea typeface="DejaVu Sans"/>
+              </a:rPr>
+              <a:t>Search</a:t>
+            </a:r>
+            <a:endParaRPr b="0" lang="en-US" sz="2400" spc="-1" strike="noStrike">
+              <a:solidFill>
+                <a:srgbClr val="000000"/>
+              </a:solidFill>
+              <a:latin typeface="Arial"/>
+            </a:endParaRPr>
+          </a:p>
+        </p:txBody>
+      </p:sp>
+      <p:sp>
+        <p:nvSpPr>
+          <p:cNvPr id="152" name=""/>
+          <p:cNvSpPr/>
+          <p:nvPr/>
+        </p:nvSpPr>
+        <p:spPr>
+          <a:xfrm>
+            <a:off x="1048320" y="4493880"/>
+            <a:ext cx="3197160" cy="761760"/>
+          </a:xfrm>
+          <a:prstGeom prst="rect">
+            <a:avLst/>
+          </a:prstGeom>
+          <a:noFill/>
+          <a:ln w="0">
+            <a:noFill/>
+          </a:ln>
+        </p:spPr>
+        <p:style>
+          <a:lnRef idx="0"/>
+          <a:fillRef idx="0"/>
+          <a:effectRef idx="0"/>
+          <a:fontRef idx="minor"/>
+        </p:style>
+        <p:txBody>
+          <a:bodyPr lIns="90000" rIns="90000" tIns="45000" bIns="45000" anchor="t">
+            <a:noAutofit/>
+          </a:bodyPr>
+          <a:p>
+            <a:pPr>
+              <a:lnSpc>
+                <a:spcPct val="100000"/>
+              </a:lnSpc>
+            </a:pPr>
+            <a:r>
+              <a:rPr b="0" lang="en-US" sz="2400" spc="-1" strike="noStrike">
+                <a:solidFill>
+                  <a:srgbClr val="000000"/>
+                </a:solidFill>
+                <a:latin typeface="Times New Roman"/>
+                <a:ea typeface="DejaVu Sans"/>
+              </a:rPr>
+              <a:t>Window</a:t>
+            </a:r>
+            <a:endParaRPr b="0" lang="en-US" sz="2400" spc="-1" strike="noStrike">
+              <a:solidFill>
+                <a:srgbClr val="000000"/>
+              </a:solidFill>
+              <a:latin typeface="Arial"/>
+            </a:endParaRPr>
+          </a:p>
+        </p:txBody>
+      </p:sp>
+      <p:sp>
+        <p:nvSpPr>
+          <p:cNvPr id="153" name=""/>
+          <p:cNvSpPr/>
+          <p:nvPr/>
+        </p:nvSpPr>
+        <p:spPr>
+          <a:xfrm>
+            <a:off x="9664920" y="5258160"/>
+            <a:ext cx="3821040" cy="425520"/>
+          </a:xfrm>
+          <a:prstGeom prst="rect">
+            <a:avLst/>
+          </a:prstGeom>
+          <a:noFill/>
+          <a:ln w="0">
+            <a:noFill/>
+          </a:ln>
+        </p:spPr>
+        <p:style>
+          <a:lnRef idx="0"/>
+          <a:fillRef idx="0"/>
+          <a:effectRef idx="0"/>
+          <a:fontRef idx="minor"/>
+        </p:style>
+        <p:txBody>
+          <a:bodyPr lIns="90000" rIns="90000" tIns="45000" bIns="45000" anchor="t">
+            <a:noAutofit/>
+          </a:bodyPr>
+          <a:p>
+            <a:pPr>
+              <a:lnSpc>
+                <a:spcPct val="100000"/>
+              </a:lnSpc>
+            </a:pPr>
+            <a:r>
+              <a:rPr b="0" lang="en-US" sz="2400" spc="-1" strike="noStrike">
+                <a:solidFill>
+                  <a:srgbClr val="000000"/>
+                </a:solidFill>
+                <a:latin typeface="Times New Roman"/>
+                <a:ea typeface="DejaVu Sans"/>
+              </a:rPr>
+              <a:t>9</a:t>
+            </a:r>
+            <a:endParaRPr b="0" lang="en-US" sz="2400" spc="-1" strike="noStrike">
+              <a:solidFill>
+                <a:srgbClr val="000000"/>
+              </a:solidFill>
+              <a:latin typeface="Arial"/>
+            </a:endParaRPr>
+          </a:p>
+        </p:txBody>
+      </p:sp>
+      <p:sp>
+        <p:nvSpPr>
+          <p:cNvPr id="154" name=""/>
+          <p:cNvSpPr/>
+          <p:nvPr/>
+        </p:nvSpPr>
+        <p:spPr>
+          <a:xfrm>
+            <a:off x="3336840" y="3410640"/>
+            <a:ext cx="682920" cy="500400"/>
+          </a:xfrm>
+          <a:prstGeom prst="roundRect">
+            <a:avLst>
+              <a:gd name="adj" fmla="val 16667"/>
+            </a:avLst>
+          </a:prstGeom>
+          <a:solidFill>
+            <a:srgbClr val="729fcf"/>
+          </a:solidFill>
+          <a:ln w="0">
+            <a:solidFill>
+              <a:srgbClr val="3465a4"/>
+            </a:solidFill>
+          </a:ln>
+        </p:spPr>
+        <p:style>
+          <a:lnRef idx="0"/>
+          <a:fillRef idx="0"/>
+          <a:effectRef idx="0"/>
+          <a:fontRef idx="minor"/>
+        </p:style>
+        <p:txBody>
+          <a:bodyPr lIns="90000" rIns="90000" tIns="45000" bIns="45000" anchor="ctr">
+            <a:noAutofit/>
+          </a:bodyPr>
+          <a:p>
+            <a:pPr algn="ctr">
+              <a:lnSpc>
+                <a:spcPct val="100000"/>
+              </a:lnSpc>
+            </a:pPr>
+            <a:r>
+              <a:rPr b="0" lang="en-US" sz="1800" spc="-1" strike="noStrike">
+                <a:solidFill>
+                  <a:srgbClr val="000000"/>
+                </a:solidFill>
+                <a:latin typeface="Times New Roman"/>
+                <a:ea typeface="DejaVu Sans"/>
+              </a:rPr>
+              <a:t>G</a:t>
+            </a:r>
+            <a:endParaRPr b="0" lang="en-US" sz="1800" spc="-1" strike="noStrike">
+              <a:solidFill>
+                <a:srgbClr val="000000"/>
+              </a:solidFill>
+              <a:latin typeface="Arial"/>
+            </a:endParaRPr>
+          </a:p>
+        </p:txBody>
+      </p:sp>
+      <p:sp>
+        <p:nvSpPr>
+          <p:cNvPr id="155" name=""/>
+          <p:cNvSpPr/>
+          <p:nvPr/>
+        </p:nvSpPr>
+        <p:spPr>
+          <a:xfrm>
+            <a:off x="5398200" y="3422880"/>
+            <a:ext cx="682920" cy="500400"/>
+          </a:xfrm>
+          <a:prstGeom prst="roundRect">
+            <a:avLst>
+              <a:gd name="adj" fmla="val 16667"/>
+            </a:avLst>
+          </a:prstGeom>
+          <a:solidFill>
+            <a:srgbClr val="729fcf"/>
+          </a:solidFill>
+          <a:ln w="0">
+            <a:solidFill>
+              <a:srgbClr val="3465a4"/>
+            </a:solidFill>
+          </a:ln>
+        </p:spPr>
+        <p:style>
+          <a:lnRef idx="0"/>
+          <a:fillRef idx="0"/>
+          <a:effectRef idx="0"/>
+          <a:fontRef idx="minor"/>
+        </p:style>
+        <p:txBody>
+          <a:bodyPr lIns="90000" rIns="90000" tIns="45000" bIns="45000" anchor="ctr">
+            <a:noAutofit/>
+          </a:bodyPr>
+          <a:p>
+            <a:pPr algn="ctr">
+              <a:lnSpc>
+                <a:spcPct val="100000"/>
+              </a:lnSpc>
+            </a:pPr>
+            <a:r>
+              <a:rPr b="0" lang="en-US" sz="1800" spc="-1" strike="noStrike">
+                <a:solidFill>
+                  <a:srgbClr val="000000"/>
+                </a:solidFill>
+                <a:latin typeface="Times New Roman"/>
+                <a:ea typeface="DejaVu Sans"/>
+              </a:rPr>
+              <a:t>D</a:t>
+            </a:r>
+            <a:endParaRPr b="0" lang="en-US" sz="1800" spc="-1" strike="noStrike">
+              <a:solidFill>
+                <a:srgbClr val="000000"/>
+              </a:solidFill>
+              <a:latin typeface="Arial"/>
+            </a:endParaRPr>
+          </a:p>
+        </p:txBody>
+      </p:sp>
+      <p:sp>
+        <p:nvSpPr>
+          <p:cNvPr id="156" name=""/>
+          <p:cNvSpPr/>
+          <p:nvPr/>
+        </p:nvSpPr>
+        <p:spPr>
+          <a:xfrm>
+            <a:off x="4714200" y="3422880"/>
+            <a:ext cx="682920" cy="500400"/>
+          </a:xfrm>
+          <a:prstGeom prst="roundRect">
+            <a:avLst>
+              <a:gd name="adj" fmla="val 16667"/>
+            </a:avLst>
+          </a:prstGeom>
+          <a:solidFill>
+            <a:srgbClr val="729fcf"/>
+          </a:solidFill>
+          <a:ln w="0">
+            <a:solidFill>
+              <a:srgbClr val="3465a4"/>
+            </a:solidFill>
+          </a:ln>
+        </p:spPr>
+        <p:style>
+          <a:lnRef idx="0"/>
+          <a:fillRef idx="0"/>
+          <a:effectRef idx="0"/>
+          <a:fontRef idx="minor"/>
+        </p:style>
+        <p:txBody>
+          <a:bodyPr lIns="90000" rIns="90000" tIns="45000" bIns="45000" anchor="ctr">
+            <a:noAutofit/>
+          </a:bodyPr>
+          <a:p>
+            <a:pPr algn="ctr">
+              <a:lnSpc>
+                <a:spcPct val="100000"/>
+              </a:lnSpc>
+            </a:pPr>
+            <a:r>
+              <a:rPr b="0" lang="en-US" sz="1800" spc="-1" strike="noStrike">
+                <a:solidFill>
+                  <a:srgbClr val="000000"/>
+                </a:solidFill>
+                <a:latin typeface="Times New Roman"/>
+                <a:ea typeface="DejaVu Sans"/>
+              </a:rPr>
+              <a:t>N</a:t>
+            </a:r>
+            <a:endParaRPr b="0" lang="en-US" sz="1800" spc="-1" strike="noStrike">
+              <a:solidFill>
+                <a:srgbClr val="000000"/>
+              </a:solidFill>
+              <a:latin typeface="Arial"/>
+            </a:endParaRPr>
+          </a:p>
+        </p:txBody>
+      </p:sp>
+      <p:sp>
+        <p:nvSpPr>
+          <p:cNvPr id="157" name=""/>
+          <p:cNvSpPr/>
+          <p:nvPr/>
+        </p:nvSpPr>
+        <p:spPr>
+          <a:xfrm>
+            <a:off x="4030200" y="3422880"/>
+            <a:ext cx="682920" cy="500400"/>
+          </a:xfrm>
+          <a:prstGeom prst="roundRect">
+            <a:avLst>
+              <a:gd name="adj" fmla="val 16667"/>
+            </a:avLst>
+          </a:prstGeom>
+          <a:solidFill>
+            <a:srgbClr val="729fcf"/>
+          </a:solidFill>
+          <a:ln w="0">
+            <a:solidFill>
+              <a:srgbClr val="3465a4"/>
+            </a:solidFill>
+          </a:ln>
+        </p:spPr>
+        <p:style>
+          <a:lnRef idx="0"/>
+          <a:fillRef idx="0"/>
+          <a:effectRef idx="0"/>
+          <a:fontRef idx="minor"/>
+        </p:style>
+        <p:txBody>
+          <a:bodyPr lIns="90000" rIns="90000" tIns="45000" bIns="45000" anchor="ctr">
+            <a:noAutofit/>
+          </a:bodyPr>
+          <a:p>
+            <a:pPr algn="ctr">
+              <a:lnSpc>
+                <a:spcPct val="100000"/>
+              </a:lnSpc>
+            </a:pPr>
+            <a:r>
+              <a:rPr b="0" lang="en-US" sz="1800" spc="-1" strike="noStrike">
+                <a:solidFill>
+                  <a:srgbClr val="000000"/>
+                </a:solidFill>
+                <a:latin typeface="Times New Roman"/>
+                <a:ea typeface="DejaVu Sans"/>
+              </a:rPr>
+              <a:t>A</a:t>
+            </a:r>
+            <a:endParaRPr b="0" lang="en-US" sz="1800" spc="-1" strike="noStrike">
+              <a:solidFill>
+                <a:srgbClr val="000000"/>
+              </a:solidFill>
+              <a:latin typeface="Arial"/>
+            </a:endParaRPr>
+          </a:p>
+        </p:txBody>
+      </p:sp>
+      <p:sp>
+        <p:nvSpPr>
+          <p:cNvPr id="158" name=""/>
+          <p:cNvSpPr/>
+          <p:nvPr/>
+        </p:nvSpPr>
+        <p:spPr>
+          <a:xfrm>
+            <a:off x="4713480" y="4538880"/>
+            <a:ext cx="682920" cy="500400"/>
+          </a:xfrm>
+          <a:prstGeom prst="roundRect">
+            <a:avLst>
+              <a:gd name="adj" fmla="val 16667"/>
+            </a:avLst>
+          </a:prstGeom>
+          <a:solidFill>
+            <a:srgbClr val="77bc65"/>
+          </a:solidFill>
+          <a:ln w="0">
+            <a:solidFill>
+              <a:srgbClr val="3465a4"/>
+            </a:solidFill>
+          </a:ln>
+        </p:spPr>
+        <p:style>
+          <a:lnRef idx="0"/>
+          <a:fillRef idx="0"/>
+          <a:effectRef idx="0"/>
+          <a:fontRef idx="minor"/>
+        </p:style>
+        <p:txBody>
+          <a:bodyPr lIns="90000" rIns="90000" tIns="45000" bIns="45000" anchor="ctr">
+            <a:noAutofit/>
+          </a:bodyPr>
+          <a:p>
+            <a:pPr algn="ctr">
+              <a:lnSpc>
+                <a:spcPct val="100000"/>
+              </a:lnSpc>
+            </a:pPr>
+            <a:r>
+              <a:rPr b="0" lang="en-US" sz="1800" spc="-1" strike="noStrike">
+                <a:solidFill>
+                  <a:srgbClr val="000000"/>
+                </a:solidFill>
+                <a:latin typeface="Times New Roman"/>
+                <a:ea typeface="DejaVu Sans"/>
+              </a:rPr>
+              <a:t>F</a:t>
+            </a:r>
+            <a:endParaRPr b="0" lang="en-US" sz="1800" spc="-1" strike="noStrike">
+              <a:solidFill>
+                <a:srgbClr val="000000"/>
+              </a:solidFill>
+              <a:latin typeface="Arial"/>
+            </a:endParaRPr>
+          </a:p>
+        </p:txBody>
+      </p:sp>
+      <p:sp>
+        <p:nvSpPr>
+          <p:cNvPr id="159" name=""/>
+          <p:cNvSpPr/>
+          <p:nvPr/>
+        </p:nvSpPr>
+        <p:spPr>
+          <a:xfrm>
+            <a:off x="4029840" y="4538880"/>
+            <a:ext cx="682920" cy="500400"/>
+          </a:xfrm>
+          <a:prstGeom prst="roundRect">
+            <a:avLst>
+              <a:gd name="adj" fmla="val 16667"/>
+            </a:avLst>
+          </a:prstGeom>
+          <a:solidFill>
+            <a:srgbClr val="77bc65"/>
+          </a:solidFill>
+          <a:ln w="0">
+            <a:solidFill>
+              <a:srgbClr val="3465a4"/>
+            </a:solidFill>
+          </a:ln>
+        </p:spPr>
+        <p:style>
+          <a:lnRef idx="0"/>
+          <a:fillRef idx="0"/>
+          <a:effectRef idx="0"/>
+          <a:fontRef idx="minor"/>
+        </p:style>
+        <p:txBody>
+          <a:bodyPr lIns="90000" rIns="90000" tIns="45000" bIns="45000" anchor="ctr">
+            <a:noAutofit/>
+          </a:bodyPr>
+          <a:p>
+            <a:pPr algn="ctr">
+              <a:lnSpc>
+                <a:spcPct val="100000"/>
+              </a:lnSpc>
+            </a:pPr>
+            <a:r>
+              <a:rPr b="0" lang="en-US" sz="1800" spc="-1" strike="noStrike">
+                <a:solidFill>
+                  <a:srgbClr val="000000"/>
+                </a:solidFill>
+                <a:latin typeface="Times New Roman"/>
+                <a:ea typeface="DejaVu Sans"/>
+              </a:rPr>
+              <a:t>L</a:t>
+            </a:r>
+            <a:endParaRPr b="0" lang="en-US" sz="1800" spc="-1" strike="noStrike">
+              <a:solidFill>
+                <a:srgbClr val="000000"/>
+              </a:solidFill>
+              <a:latin typeface="Arial"/>
+            </a:endParaRPr>
+          </a:p>
+        </p:txBody>
+      </p:sp>
+      <p:sp>
+        <p:nvSpPr>
+          <p:cNvPr id="160" name=""/>
+          <p:cNvSpPr/>
+          <p:nvPr/>
+        </p:nvSpPr>
+        <p:spPr>
+          <a:xfrm>
+            <a:off x="3346560" y="4538880"/>
+            <a:ext cx="682920" cy="500400"/>
+          </a:xfrm>
+          <a:prstGeom prst="roundRect">
+            <a:avLst>
+              <a:gd name="adj" fmla="val 16667"/>
+            </a:avLst>
+          </a:prstGeom>
+          <a:solidFill>
+            <a:srgbClr val="ffde59"/>
+          </a:solidFill>
+          <a:ln w="0">
+            <a:solidFill>
+              <a:srgbClr val="3465a4"/>
+            </a:solidFill>
+          </a:ln>
+        </p:spPr>
+        <p:style>
+          <a:lnRef idx="0"/>
+          <a:fillRef idx="0"/>
+          <a:effectRef idx="0"/>
+          <a:fontRef idx="minor"/>
+        </p:style>
+        <p:txBody>
+          <a:bodyPr lIns="90000" rIns="90000" tIns="45000" bIns="45000" anchor="ctr">
+            <a:noAutofit/>
+          </a:bodyPr>
+          <a:p>
+            <a:pPr algn="ctr">
+              <a:lnSpc>
+                <a:spcPct val="100000"/>
+              </a:lnSpc>
+            </a:pPr>
+            <a:r>
+              <a:rPr b="0" lang="en-US" sz="1800" spc="-1" strike="noStrike">
+                <a:solidFill>
+                  <a:srgbClr val="000000"/>
+                </a:solidFill>
+                <a:latin typeface="Times New Roman"/>
+                <a:ea typeface="DejaVu Sans"/>
+              </a:rPr>
+              <a:t>A</a:t>
+            </a:r>
+            <a:endParaRPr b="0" lang="en-US" sz="1800" spc="-1" strike="noStrike">
+              <a:solidFill>
+                <a:srgbClr val="000000"/>
+              </a:solidFill>
+              <a:latin typeface="Arial"/>
+            </a:endParaRPr>
+          </a:p>
+        </p:txBody>
+      </p:sp>
+      <p:sp>
+        <p:nvSpPr>
+          <p:cNvPr id="161" name=""/>
+          <p:cNvSpPr/>
+          <p:nvPr/>
+        </p:nvSpPr>
+        <p:spPr>
+          <a:xfrm>
+            <a:off x="6765120" y="4538880"/>
+            <a:ext cx="682920" cy="500400"/>
+          </a:xfrm>
+          <a:prstGeom prst="roundRect">
+            <a:avLst>
+              <a:gd name="adj" fmla="val 16667"/>
+            </a:avLst>
+          </a:prstGeom>
+          <a:solidFill>
+            <a:srgbClr val="77bc65"/>
+          </a:solidFill>
+          <a:ln w="0">
+            <a:solidFill>
+              <a:srgbClr val="3465a4"/>
+            </a:solidFill>
+          </a:ln>
+        </p:spPr>
+        <p:style>
+          <a:lnRef idx="0"/>
+          <a:fillRef idx="0"/>
+          <a:effectRef idx="0"/>
+          <a:fontRef idx="minor"/>
+        </p:style>
+        <p:txBody>
+          <a:bodyPr lIns="90000" rIns="90000" tIns="45000" bIns="45000" anchor="ctr">
+            <a:noAutofit/>
+          </a:bodyPr>
+          <a:p>
+            <a:pPr algn="ctr">
+              <a:lnSpc>
+                <a:spcPct val="100000"/>
+              </a:lnSpc>
+            </a:pPr>
+            <a:r>
+              <a:rPr b="0" lang="en-US" sz="1800" spc="-1" strike="noStrike">
+                <a:solidFill>
+                  <a:srgbClr val="000000"/>
+                </a:solidFill>
+                <a:latin typeface="Times New Roman"/>
+                <a:ea typeface="DejaVu Sans"/>
+              </a:rPr>
+              <a:t>E</a:t>
+            </a:r>
+            <a:endParaRPr b="0" lang="en-US" sz="1800" spc="-1" strike="noStrike">
+              <a:solidFill>
+                <a:srgbClr val="000000"/>
+              </a:solidFill>
+              <a:latin typeface="Arial"/>
+            </a:endParaRPr>
+          </a:p>
+        </p:txBody>
+      </p:sp>
+      <p:sp>
+        <p:nvSpPr>
+          <p:cNvPr id="162" name=""/>
+          <p:cNvSpPr/>
+          <p:nvPr/>
+        </p:nvSpPr>
+        <p:spPr>
+          <a:xfrm>
+            <a:off x="6081480" y="4538880"/>
+            <a:ext cx="682920" cy="500400"/>
+          </a:xfrm>
+          <a:prstGeom prst="roundRect">
+            <a:avLst>
+              <a:gd name="adj" fmla="val 16667"/>
+            </a:avLst>
+          </a:prstGeom>
+          <a:solidFill>
+            <a:srgbClr val="77bc65"/>
+          </a:solidFill>
+          <a:ln w="0">
+            <a:solidFill>
+              <a:srgbClr val="3465a4"/>
+            </a:solidFill>
+          </a:ln>
+        </p:spPr>
+        <p:style>
+          <a:lnRef idx="0"/>
+          <a:fillRef idx="0"/>
+          <a:effectRef idx="0"/>
+          <a:fontRef idx="minor"/>
+        </p:style>
+        <p:txBody>
+          <a:bodyPr lIns="90000" rIns="90000" tIns="45000" bIns="45000" anchor="ctr">
+            <a:noAutofit/>
+          </a:bodyPr>
+          <a:p>
+            <a:pPr algn="ctr">
+              <a:lnSpc>
+                <a:spcPct val="100000"/>
+              </a:lnSpc>
+            </a:pPr>
+            <a:r>
+              <a:rPr b="0" lang="en-US" sz="1800" spc="-1" strike="noStrike">
+                <a:solidFill>
+                  <a:srgbClr val="000000"/>
+                </a:solidFill>
+                <a:latin typeface="Times New Roman"/>
+                <a:ea typeface="DejaVu Sans"/>
+              </a:rPr>
+              <a:t>H</a:t>
+            </a:r>
+            <a:endParaRPr b="0" lang="en-US" sz="1800" spc="-1" strike="noStrike">
+              <a:solidFill>
+                <a:srgbClr val="000000"/>
+              </a:solidFill>
+              <a:latin typeface="Arial"/>
+            </a:endParaRPr>
+          </a:p>
+        </p:txBody>
+      </p:sp>
+      <p:sp>
+        <p:nvSpPr>
+          <p:cNvPr id="163" name=""/>
+          <p:cNvSpPr/>
+          <p:nvPr/>
+        </p:nvSpPr>
+        <p:spPr>
+          <a:xfrm>
+            <a:off x="5397480" y="4538880"/>
+            <a:ext cx="682920" cy="500400"/>
+          </a:xfrm>
+          <a:prstGeom prst="roundRect">
+            <a:avLst>
+              <a:gd name="adj" fmla="val 16667"/>
+            </a:avLst>
+          </a:prstGeom>
+          <a:solidFill>
+            <a:srgbClr val="77bc65"/>
+          </a:solidFill>
+          <a:ln w="0">
+            <a:solidFill>
+              <a:srgbClr val="3465a4"/>
+            </a:solidFill>
+          </a:ln>
+        </p:spPr>
+        <p:style>
+          <a:lnRef idx="0"/>
+          <a:fillRef idx="0"/>
+          <a:effectRef idx="0"/>
+          <a:fontRef idx="minor"/>
+        </p:style>
+        <p:txBody>
+          <a:bodyPr lIns="90000" rIns="90000" tIns="45000" bIns="45000" anchor="ctr">
+            <a:noAutofit/>
+          </a:bodyPr>
+          <a:p>
+            <a:pPr algn="ctr">
+              <a:lnSpc>
+                <a:spcPct val="100000"/>
+              </a:lnSpc>
+            </a:pPr>
+            <a:r>
+              <a:rPr b="0" lang="en-US" sz="1800" spc="-1" strike="noStrike">
+                <a:solidFill>
+                  <a:srgbClr val="000000"/>
+                </a:solidFill>
+                <a:latin typeface="Times New Roman"/>
+                <a:ea typeface="DejaVu Sans"/>
+              </a:rPr>
+              <a:t>T</a:t>
+            </a:r>
+            <a:endParaRPr b="0" lang="en-US" sz="1800" spc="-1" strike="noStrike">
+              <a:solidFill>
+                <a:srgbClr val="000000"/>
+              </a:solidFill>
+              <a:latin typeface="Arial"/>
+            </a:endParaRPr>
+          </a:p>
+        </p:txBody>
+      </p:sp>
+      <p:sp>
+        <p:nvSpPr>
+          <p:cNvPr id="164" name=""/>
+          <p:cNvSpPr/>
+          <p:nvPr/>
+        </p:nvSpPr>
+        <p:spPr>
+          <a:xfrm>
+            <a:off x="7449120" y="4538880"/>
+            <a:ext cx="682920" cy="500400"/>
+          </a:xfrm>
+          <a:prstGeom prst="roundRect">
+            <a:avLst>
+              <a:gd name="adj" fmla="val 16667"/>
+            </a:avLst>
+          </a:prstGeom>
+          <a:solidFill>
+            <a:srgbClr val="77bc65"/>
+          </a:solidFill>
+          <a:ln w="0">
+            <a:solidFill>
+              <a:srgbClr val="3465a4"/>
+            </a:solidFill>
+          </a:ln>
+        </p:spPr>
+        <p:style>
+          <a:lnRef idx="0"/>
+          <a:fillRef idx="0"/>
+          <a:effectRef idx="0"/>
+          <a:fontRef idx="minor"/>
+        </p:style>
+        <p:txBody>
+          <a:bodyPr lIns="90000" rIns="90000" tIns="45000" bIns="45000" anchor="ctr">
+            <a:noAutofit/>
+          </a:bodyPr>
+          <a:p>
+            <a:pPr algn="ctr">
+              <a:lnSpc>
+                <a:spcPct val="100000"/>
+              </a:lnSpc>
+            </a:pPr>
+            <a:r>
+              <a:rPr b="0" lang="en-US" sz="1800" spc="-1" strike="noStrike">
+                <a:solidFill>
+                  <a:srgbClr val="000000"/>
+                </a:solidFill>
+                <a:latin typeface="Times New Roman"/>
+                <a:ea typeface="DejaVu Sans"/>
+              </a:rPr>
+              <a:t>G</a:t>
+            </a:r>
+            <a:endParaRPr b="0" lang="en-US" sz="1800" spc="-1" strike="noStrike">
+              <a:solidFill>
+                <a:srgbClr val="000000"/>
+              </a:solidFill>
+              <a:latin typeface="Arial"/>
+            </a:endParaRPr>
+          </a:p>
+        </p:txBody>
+      </p:sp>
+      <p:sp>
+        <p:nvSpPr>
+          <p:cNvPr id="165" name=""/>
+          <p:cNvSpPr/>
+          <p:nvPr/>
+        </p:nvSpPr>
+        <p:spPr>
+          <a:xfrm>
+            <a:off x="3007800" y="3143520"/>
+            <a:ext cx="3429000" cy="1043280"/>
+          </a:xfrm>
+          <a:prstGeom prst="ellipse">
+            <a:avLst/>
+          </a:prstGeom>
+          <a:noFill/>
+          <a:ln w="19080">
+            <a:solidFill>
+              <a:srgbClr val="f10d0c"/>
+            </a:solidFill>
+            <a:round/>
+          </a:ln>
+        </p:spPr>
+        <p:style>
+          <a:lnRef idx="0"/>
+          <a:fillRef idx="0"/>
+          <a:effectRef idx="0"/>
+          <a:fontRef idx="minor"/>
+        </p:style>
+        <p:txBody>
+          <a:bodyPr lIns="99360" rIns="99360" tIns="54360" bIns="54360" anchor="ctr">
+            <a:noAutofit/>
+          </a:bodyPr>
+          <a:p>
+            <a:endParaRPr b="0" lang="en-US" sz="1800" spc="-1" strike="noStrike">
+              <a:solidFill>
+                <a:srgbClr val="000000"/>
+              </a:solidFill>
+              <a:latin typeface="Arial"/>
+            </a:endParaRPr>
+          </a:p>
+        </p:txBody>
+      </p:sp>
+      <p:sp>
+        <p:nvSpPr>
+          <p:cNvPr id="166" name=""/>
+          <p:cNvSpPr txBox="1"/>
+          <p:nvPr/>
+        </p:nvSpPr>
+        <p:spPr>
+          <a:xfrm>
+            <a:off x="5943600" y="2743200"/>
+            <a:ext cx="2057400" cy="849600"/>
+          </a:xfrm>
+          <a:prstGeom prst="rect">
+            <a:avLst/>
+          </a:prstGeom>
+          <a:noFill/>
+          <a:ln w="0">
+            <a:noFill/>
+          </a:ln>
+        </p:spPr>
+        <p:txBody>
+          <a:bodyPr lIns="90000" rIns="90000" tIns="45000" bIns="45000" anchor="t">
+            <a:noAutofit/>
+          </a:bodyPr>
+          <a:p>
+            <a:pPr algn="ctr"/>
+            <a:r>
+              <a:rPr b="0" lang="en-US" sz="1800" spc="-1" strike="noStrike">
+                <a:solidFill>
+                  <a:srgbClr val="f10d0c"/>
+                </a:solidFill>
+                <a:latin typeface="Times New Roman"/>
+              </a:rPr>
+              <a:t>Lets take a look at one more iteration</a:t>
+            </a:r>
+            <a:endParaRPr b="0" lang="en-US" sz="1800" spc="-1" strike="noStrike">
+              <a:solidFill>
+                <a:srgbClr val="f10d0c"/>
+              </a:solidFill>
+              <a:latin typeface="Times New Roman"/>
+            </a:endParaRPr>
+          </a:p>
+        </p:txBody>
+      </p:sp>
+    </p:spTree>
+  </p:cSld>
+  <mc:AlternateContent>
+    <mc:Choice Requires="p14">
+      <p:transition spd="slow" p14:dur="2000"/>
+    </mc:Choice>
+    <mc:Fallback>
+      <p:transition spd="slow"/>
+    </mc:Fallback>
+  </mc:AlternateContent>
+</p:sld>
+</file>
+
+<file path=ppt/slides/slide12.xml><?xml version="1.0" encoding="utf-8"?>
+<p:sld xmlns:a="http://schemas.openxmlformats.org/drawingml/2006/main" xmlns:p="http://schemas.openxmlformats.org/presentationml/2006/main" xmlns:r="http://schemas.openxmlformats.org/officeDocument/2006/relationships" xmlns:p14="http://schemas.microsoft.com/office/powerpoint/2010/main" xmlns:p15="http://schemas.microsoft.com/office/powerpoint/2012/main" xmlns:mc="http://schemas.openxmlformats.org/markup-compatibility/2006">
+  <p:cSld>
+    <p:spTree>
+      <p:nvGrpSpPr>
+        <p:cNvPr id="1" name=""/>
+        <p:cNvGrpSpPr/>
+        <p:nvPr/>
+      </p:nvGrpSpPr>
+      <p:grpSpPr>
+        <a:xfrm>
+          <a:off x="0" y="0"/>
+          <a:ext cx="0" cy="0"/>
+          <a:chOff x="0" y="0"/>
+          <a:chExt cx="0" cy="0"/>
+        </a:xfrm>
+      </p:grpSpPr>
+      <p:sp>
+        <p:nvSpPr>
+          <p:cNvPr id="167" name="Straight Connector 17"/>
           <p:cNvSpPr/>
           <p:nvPr/>
         </p:nvSpPr>
@@ -1352,14 +3232,4894 @@
       </p:sp>
       <p:sp>
         <p:nvSpPr>
-          <p:cNvPr id="136" name="PlaceHolder 6"/>
+          <p:cNvPr id="168" name="PlaceHolder 15"/>
+          <p:cNvSpPr/>
+          <p:nvPr/>
+        </p:nvSpPr>
+        <p:spPr>
+          <a:xfrm>
+            <a:off x="914400" y="0"/>
+            <a:ext cx="8235720" cy="912240"/>
+          </a:xfrm>
+          <a:prstGeom prst="rect">
+            <a:avLst/>
+          </a:prstGeom>
+          <a:noFill/>
+          <a:ln w="9360">
+            <a:noFill/>
+          </a:ln>
+        </p:spPr>
+        <p:style>
+          <a:lnRef idx="0"/>
+          <a:fillRef idx="0"/>
+          <a:effectRef idx="0"/>
+          <a:fontRef idx="minor"/>
+        </p:style>
+        <p:txBody>
+          <a:bodyPr numCol="1" spcCol="0" lIns="90000" rIns="90000" tIns="45000" bIns="45000" anchor="t">
+            <a:noAutofit/>
+          </a:bodyPr>
+          <a:p>
+            <a:pPr algn="ctr">
+              <a:lnSpc>
+                <a:spcPct val="150000"/>
+              </a:lnSpc>
+              <a:tabLst>
+                <a:tab algn="l" pos="0"/>
+              </a:tabLst>
+            </a:pPr>
+            <a:r>
+              <a:rPr b="0" lang="en-US" sz="2800" spc="-1" strike="noStrike">
+                <a:solidFill>
+                  <a:srgbClr val="000000"/>
+                </a:solidFill>
+                <a:latin typeface="Times New Roman"/>
+                <a:ea typeface="DejaVu Sans"/>
+              </a:rPr>
+              <a:t>The “Sliding Window”</a:t>
+            </a:r>
+            <a:br>
+              <a:rPr sz="2800"/>
+            </a:br>
+            <a:endParaRPr b="0" lang="en-US" sz="2800" spc="-1" strike="noStrike">
+              <a:solidFill>
+                <a:srgbClr val="000000"/>
+              </a:solidFill>
+              <a:latin typeface="Arial"/>
+            </a:endParaRPr>
+          </a:p>
+        </p:txBody>
+      </p:sp>
+      <p:sp>
+        <p:nvSpPr>
+          <p:cNvPr id="169" name=""/>
+          <p:cNvSpPr/>
+          <p:nvPr/>
+        </p:nvSpPr>
+        <p:spPr>
+          <a:xfrm>
+            <a:off x="468000" y="1128600"/>
+            <a:ext cx="9131040" cy="1942920"/>
+          </a:xfrm>
+          <a:prstGeom prst="rect">
+            <a:avLst/>
+          </a:prstGeom>
+          <a:noFill/>
+          <a:ln w="0">
+            <a:noFill/>
+          </a:ln>
+        </p:spPr>
+        <p:style>
+          <a:lnRef idx="0"/>
+          <a:fillRef idx="0"/>
+          <a:effectRef idx="0"/>
+          <a:fontRef idx="minor"/>
+        </p:style>
+        <p:txBody>
+          <a:bodyPr lIns="90000" rIns="90000" tIns="45000" bIns="45000" anchor="t">
+            <a:noAutofit/>
+          </a:bodyPr>
+          <a:p>
+            <a:pPr marL="216000" indent="-216000">
+              <a:lnSpc>
+                <a:spcPct val="150000"/>
+              </a:lnSpc>
+              <a:buClr>
+                <a:srgbClr val="000000"/>
+              </a:buClr>
+              <a:buSzPct val="45000"/>
+              <a:buFont typeface="Wingdings" charset="2"/>
+              <a:buChar char=""/>
+            </a:pPr>
+            <a:r>
+              <a:rPr b="0" lang="en-US" sz="2200" spc="-1" strike="noStrike">
+                <a:solidFill>
+                  <a:srgbClr val="000000"/>
+                </a:solidFill>
+                <a:latin typeface="Times New Roman"/>
+                <a:ea typeface="DejaVu Sans"/>
+              </a:rPr>
+              <a:t>We search for the longest match in search buffer</a:t>
+            </a:r>
+            <a:endParaRPr b="0" lang="en-US" sz="2200" spc="-1" strike="noStrike">
+              <a:solidFill>
+                <a:srgbClr val="000000"/>
+              </a:solidFill>
+              <a:latin typeface="Arial"/>
+            </a:endParaRPr>
+          </a:p>
+          <a:p>
+            <a:pPr marL="216000" indent="-216000">
+              <a:lnSpc>
+                <a:spcPct val="150000"/>
+              </a:lnSpc>
+              <a:buClr>
+                <a:srgbClr val="000000"/>
+              </a:buClr>
+              <a:buSzPct val="45000"/>
+              <a:buFont typeface="Wingdings" charset="2"/>
+              <a:buChar char=""/>
+            </a:pPr>
+            <a:endParaRPr b="0" lang="en-US" sz="2200" spc="-1" strike="noStrike">
+              <a:solidFill>
+                <a:srgbClr val="000000"/>
+              </a:solidFill>
+              <a:latin typeface="Arial"/>
+            </a:endParaRPr>
+          </a:p>
+        </p:txBody>
+      </p:sp>
+      <p:sp>
+        <p:nvSpPr>
+          <p:cNvPr id="170" name=""/>
+          <p:cNvSpPr/>
+          <p:nvPr/>
+        </p:nvSpPr>
+        <p:spPr>
+          <a:xfrm>
+            <a:off x="328320" y="3429360"/>
+            <a:ext cx="2511360" cy="454680"/>
+          </a:xfrm>
+          <a:prstGeom prst="rect">
+            <a:avLst/>
+          </a:prstGeom>
+          <a:noFill/>
+          <a:ln w="0">
+            <a:noFill/>
+          </a:ln>
+        </p:spPr>
+        <p:style>
+          <a:lnRef idx="0"/>
+          <a:fillRef idx="0"/>
+          <a:effectRef idx="0"/>
+          <a:fontRef idx="minor"/>
+        </p:style>
+        <p:txBody>
+          <a:bodyPr lIns="90000" rIns="90000" tIns="45000" bIns="45000" anchor="t">
+            <a:noAutofit/>
+          </a:bodyPr>
+          <a:p>
+            <a:pPr algn="ctr">
+              <a:lnSpc>
+                <a:spcPct val="100000"/>
+              </a:lnSpc>
+            </a:pPr>
+            <a:r>
+              <a:rPr b="0" lang="en-US" sz="2400" spc="-1" strike="noStrike">
+                <a:solidFill>
+                  <a:srgbClr val="000000"/>
+                </a:solidFill>
+                <a:latin typeface="Times New Roman"/>
+                <a:ea typeface="DejaVu Sans"/>
+              </a:rPr>
+              <a:t>Search</a:t>
+            </a:r>
+            <a:endParaRPr b="0" lang="en-US" sz="2400" spc="-1" strike="noStrike">
+              <a:solidFill>
+                <a:srgbClr val="000000"/>
+              </a:solidFill>
+              <a:latin typeface="Arial"/>
+            </a:endParaRPr>
+          </a:p>
+        </p:txBody>
+      </p:sp>
+      <p:sp>
+        <p:nvSpPr>
+          <p:cNvPr id="171" name=""/>
+          <p:cNvSpPr/>
+          <p:nvPr/>
+        </p:nvSpPr>
+        <p:spPr>
+          <a:xfrm>
+            <a:off x="1048320" y="4493880"/>
+            <a:ext cx="3197160" cy="761760"/>
+          </a:xfrm>
+          <a:prstGeom prst="rect">
+            <a:avLst/>
+          </a:prstGeom>
+          <a:noFill/>
+          <a:ln w="0">
+            <a:noFill/>
+          </a:ln>
+        </p:spPr>
+        <p:style>
+          <a:lnRef idx="0"/>
+          <a:fillRef idx="0"/>
+          <a:effectRef idx="0"/>
+          <a:fontRef idx="minor"/>
+        </p:style>
+        <p:txBody>
+          <a:bodyPr lIns="90000" rIns="90000" tIns="45000" bIns="45000" anchor="t">
+            <a:noAutofit/>
+          </a:bodyPr>
+          <a:p>
+            <a:pPr>
+              <a:lnSpc>
+                <a:spcPct val="100000"/>
+              </a:lnSpc>
+            </a:pPr>
+            <a:endParaRPr b="0" lang="en-US" sz="1800" spc="-1" strike="noStrike">
+              <a:solidFill>
+                <a:srgbClr val="000000"/>
+              </a:solidFill>
+              <a:latin typeface="Arial"/>
+            </a:endParaRPr>
+          </a:p>
+        </p:txBody>
+      </p:sp>
+      <p:sp>
+        <p:nvSpPr>
+          <p:cNvPr id="172" name=""/>
+          <p:cNvSpPr/>
+          <p:nvPr/>
+        </p:nvSpPr>
+        <p:spPr>
+          <a:xfrm>
+            <a:off x="9664920" y="5258160"/>
+            <a:ext cx="3821040" cy="425520"/>
+          </a:xfrm>
+          <a:prstGeom prst="rect">
+            <a:avLst/>
+          </a:prstGeom>
+          <a:noFill/>
+          <a:ln w="0">
+            <a:noFill/>
+          </a:ln>
+        </p:spPr>
+        <p:style>
+          <a:lnRef idx="0"/>
+          <a:fillRef idx="0"/>
+          <a:effectRef idx="0"/>
+          <a:fontRef idx="minor"/>
+        </p:style>
+        <p:txBody>
+          <a:bodyPr lIns="90000" rIns="90000" tIns="45000" bIns="45000" anchor="t">
+            <a:noAutofit/>
+          </a:bodyPr>
+          <a:p>
+            <a:pPr>
+              <a:lnSpc>
+                <a:spcPct val="100000"/>
+              </a:lnSpc>
+            </a:pPr>
+            <a:r>
+              <a:rPr b="0" lang="en-US" sz="2400" spc="-1" strike="noStrike">
+                <a:solidFill>
+                  <a:srgbClr val="000000"/>
+                </a:solidFill>
+                <a:latin typeface="Times New Roman"/>
+                <a:ea typeface="DejaVu Sans"/>
+              </a:rPr>
+              <a:t>10</a:t>
+            </a:r>
+            <a:endParaRPr b="0" lang="en-US" sz="2400" spc="-1" strike="noStrike">
+              <a:solidFill>
+                <a:srgbClr val="000000"/>
+              </a:solidFill>
+              <a:latin typeface="Arial"/>
+            </a:endParaRPr>
+          </a:p>
+        </p:txBody>
+      </p:sp>
+      <p:sp>
+        <p:nvSpPr>
+          <p:cNvPr id="173" name=""/>
+          <p:cNvSpPr/>
+          <p:nvPr/>
+        </p:nvSpPr>
+        <p:spPr>
+          <a:xfrm>
+            <a:off x="3336840" y="3410640"/>
+            <a:ext cx="682920" cy="500400"/>
+          </a:xfrm>
+          <a:prstGeom prst="roundRect">
+            <a:avLst>
+              <a:gd name="adj" fmla="val 16667"/>
+            </a:avLst>
+          </a:prstGeom>
+          <a:solidFill>
+            <a:srgbClr val="729fcf"/>
+          </a:solidFill>
+          <a:ln w="0">
+            <a:solidFill>
+              <a:srgbClr val="3465a4"/>
+            </a:solidFill>
+          </a:ln>
+        </p:spPr>
+        <p:style>
+          <a:lnRef idx="0"/>
+          <a:fillRef idx="0"/>
+          <a:effectRef idx="0"/>
+          <a:fontRef idx="minor"/>
+        </p:style>
+        <p:txBody>
+          <a:bodyPr lIns="90000" rIns="90000" tIns="45000" bIns="45000" anchor="ctr">
+            <a:noAutofit/>
+          </a:bodyPr>
+          <a:p>
+            <a:pPr algn="ctr">
+              <a:lnSpc>
+                <a:spcPct val="100000"/>
+              </a:lnSpc>
+            </a:pPr>
+            <a:r>
+              <a:rPr b="0" lang="en-US" sz="1800" spc="-1" strike="noStrike">
+                <a:solidFill>
+                  <a:srgbClr val="000000"/>
+                </a:solidFill>
+                <a:latin typeface="Times New Roman"/>
+                <a:ea typeface="DejaVu Sans"/>
+              </a:rPr>
+              <a:t>G</a:t>
+            </a:r>
+            <a:endParaRPr b="0" lang="en-US" sz="1800" spc="-1" strike="noStrike">
+              <a:solidFill>
+                <a:srgbClr val="000000"/>
+              </a:solidFill>
+              <a:latin typeface="Arial"/>
+            </a:endParaRPr>
+          </a:p>
+        </p:txBody>
+      </p:sp>
+      <p:sp>
+        <p:nvSpPr>
+          <p:cNvPr id="174" name=""/>
+          <p:cNvSpPr/>
+          <p:nvPr/>
+        </p:nvSpPr>
+        <p:spPr>
+          <a:xfrm>
+            <a:off x="5398200" y="3422880"/>
+            <a:ext cx="682920" cy="500400"/>
+          </a:xfrm>
+          <a:prstGeom prst="roundRect">
+            <a:avLst>
+              <a:gd name="adj" fmla="val 16667"/>
+            </a:avLst>
+          </a:prstGeom>
+          <a:solidFill>
+            <a:srgbClr val="729fcf"/>
+          </a:solidFill>
+          <a:ln w="0">
+            <a:solidFill>
+              <a:srgbClr val="3465a4"/>
+            </a:solidFill>
+          </a:ln>
+        </p:spPr>
+        <p:style>
+          <a:lnRef idx="0"/>
+          <a:fillRef idx="0"/>
+          <a:effectRef idx="0"/>
+          <a:fontRef idx="minor"/>
+        </p:style>
+        <p:txBody>
+          <a:bodyPr lIns="90000" rIns="90000" tIns="45000" bIns="45000" anchor="ctr">
+            <a:noAutofit/>
+          </a:bodyPr>
+          <a:p>
+            <a:pPr algn="ctr">
+              <a:lnSpc>
+                <a:spcPct val="100000"/>
+              </a:lnSpc>
+            </a:pPr>
+            <a:r>
+              <a:rPr b="0" lang="en-US" sz="1800" spc="-1" strike="noStrike">
+                <a:solidFill>
+                  <a:srgbClr val="000000"/>
+                </a:solidFill>
+                <a:latin typeface="Times New Roman"/>
+                <a:ea typeface="DejaVu Sans"/>
+              </a:rPr>
+              <a:t>D</a:t>
+            </a:r>
+            <a:endParaRPr b="0" lang="en-US" sz="1800" spc="-1" strike="noStrike">
+              <a:solidFill>
+                <a:srgbClr val="000000"/>
+              </a:solidFill>
+              <a:latin typeface="Arial"/>
+            </a:endParaRPr>
+          </a:p>
+        </p:txBody>
+      </p:sp>
+      <p:sp>
+        <p:nvSpPr>
+          <p:cNvPr id="175" name=""/>
+          <p:cNvSpPr/>
+          <p:nvPr/>
+        </p:nvSpPr>
+        <p:spPr>
+          <a:xfrm>
+            <a:off x="4714200" y="3422880"/>
+            <a:ext cx="682920" cy="500400"/>
+          </a:xfrm>
+          <a:prstGeom prst="roundRect">
+            <a:avLst>
+              <a:gd name="adj" fmla="val 16667"/>
+            </a:avLst>
+          </a:prstGeom>
+          <a:solidFill>
+            <a:srgbClr val="729fcf"/>
+          </a:solidFill>
+          <a:ln w="0">
+            <a:solidFill>
+              <a:srgbClr val="3465a4"/>
+            </a:solidFill>
+          </a:ln>
+        </p:spPr>
+        <p:style>
+          <a:lnRef idx="0"/>
+          <a:fillRef idx="0"/>
+          <a:effectRef idx="0"/>
+          <a:fontRef idx="minor"/>
+        </p:style>
+        <p:txBody>
+          <a:bodyPr lIns="90000" rIns="90000" tIns="45000" bIns="45000" anchor="ctr">
+            <a:noAutofit/>
+          </a:bodyPr>
+          <a:p>
+            <a:pPr algn="ctr">
+              <a:lnSpc>
+                <a:spcPct val="100000"/>
+              </a:lnSpc>
+            </a:pPr>
+            <a:r>
+              <a:rPr b="0" lang="en-US" sz="1800" spc="-1" strike="noStrike">
+                <a:solidFill>
+                  <a:srgbClr val="000000"/>
+                </a:solidFill>
+                <a:latin typeface="Times New Roman"/>
+                <a:ea typeface="DejaVu Sans"/>
+              </a:rPr>
+              <a:t>N</a:t>
+            </a:r>
+            <a:endParaRPr b="0" lang="en-US" sz="1800" spc="-1" strike="noStrike">
+              <a:solidFill>
+                <a:srgbClr val="000000"/>
+              </a:solidFill>
+              <a:latin typeface="Arial"/>
+            </a:endParaRPr>
+          </a:p>
+        </p:txBody>
+      </p:sp>
+      <p:sp>
+        <p:nvSpPr>
+          <p:cNvPr id="176" name=""/>
+          <p:cNvSpPr/>
+          <p:nvPr/>
+        </p:nvSpPr>
+        <p:spPr>
+          <a:xfrm>
+            <a:off x="4030200" y="3422880"/>
+            <a:ext cx="682920" cy="500400"/>
+          </a:xfrm>
+          <a:prstGeom prst="roundRect">
+            <a:avLst>
+              <a:gd name="adj" fmla="val 16667"/>
+            </a:avLst>
+          </a:prstGeom>
+          <a:solidFill>
+            <a:srgbClr val="729fcf"/>
+          </a:solidFill>
+          <a:ln w="0">
+            <a:solidFill>
+              <a:srgbClr val="3465a4"/>
+            </a:solidFill>
+          </a:ln>
+        </p:spPr>
+        <p:style>
+          <a:lnRef idx="0"/>
+          <a:fillRef idx="0"/>
+          <a:effectRef idx="0"/>
+          <a:fontRef idx="minor"/>
+        </p:style>
+        <p:txBody>
+          <a:bodyPr lIns="90000" rIns="90000" tIns="45000" bIns="45000" anchor="ctr">
+            <a:noAutofit/>
+          </a:bodyPr>
+          <a:p>
+            <a:pPr algn="ctr">
+              <a:lnSpc>
+                <a:spcPct val="100000"/>
+              </a:lnSpc>
+            </a:pPr>
+            <a:r>
+              <a:rPr b="0" lang="en-US" sz="1800" spc="-1" strike="noStrike">
+                <a:solidFill>
+                  <a:srgbClr val="000000"/>
+                </a:solidFill>
+                <a:latin typeface="Times New Roman"/>
+                <a:ea typeface="DejaVu Sans"/>
+              </a:rPr>
+              <a:t>A</a:t>
+            </a:r>
+            <a:endParaRPr b="0" lang="en-US" sz="1800" spc="-1" strike="noStrike">
+              <a:solidFill>
+                <a:srgbClr val="000000"/>
+              </a:solidFill>
+              <a:latin typeface="Arial"/>
+            </a:endParaRPr>
+          </a:p>
+        </p:txBody>
+      </p:sp>
+      <p:sp>
+        <p:nvSpPr>
+          <p:cNvPr id="177" name=""/>
+          <p:cNvSpPr/>
+          <p:nvPr/>
+        </p:nvSpPr>
+        <p:spPr>
+          <a:xfrm>
+            <a:off x="4713480" y="4538880"/>
+            <a:ext cx="682920" cy="500400"/>
+          </a:xfrm>
+          <a:prstGeom prst="roundRect">
+            <a:avLst>
+              <a:gd name="adj" fmla="val 16667"/>
+            </a:avLst>
+          </a:prstGeom>
+          <a:solidFill>
+            <a:srgbClr val="77bc65"/>
+          </a:solidFill>
+          <a:ln w="0">
+            <a:solidFill>
+              <a:srgbClr val="3465a4"/>
+            </a:solidFill>
+          </a:ln>
+        </p:spPr>
+        <p:style>
+          <a:lnRef idx="0"/>
+          <a:fillRef idx="0"/>
+          <a:effectRef idx="0"/>
+          <a:fontRef idx="minor"/>
+        </p:style>
+        <p:txBody>
+          <a:bodyPr lIns="90000" rIns="90000" tIns="45000" bIns="45000" anchor="ctr">
+            <a:noAutofit/>
+          </a:bodyPr>
+          <a:p>
+            <a:pPr algn="ctr">
+              <a:lnSpc>
+                <a:spcPct val="100000"/>
+              </a:lnSpc>
+            </a:pPr>
+            <a:r>
+              <a:rPr b="0" lang="en-US" sz="1800" spc="-1" strike="noStrike">
+                <a:solidFill>
+                  <a:srgbClr val="000000"/>
+                </a:solidFill>
+                <a:latin typeface="Times New Roman"/>
+                <a:ea typeface="DejaVu Sans"/>
+              </a:rPr>
+              <a:t>F</a:t>
+            </a:r>
+            <a:endParaRPr b="0" lang="en-US" sz="1800" spc="-1" strike="noStrike">
+              <a:solidFill>
+                <a:srgbClr val="000000"/>
+              </a:solidFill>
+              <a:latin typeface="Arial"/>
+            </a:endParaRPr>
+          </a:p>
+        </p:txBody>
+      </p:sp>
+      <p:sp>
+        <p:nvSpPr>
+          <p:cNvPr id="178" name=""/>
+          <p:cNvSpPr/>
+          <p:nvPr/>
+        </p:nvSpPr>
+        <p:spPr>
+          <a:xfrm>
+            <a:off x="4029840" y="4538880"/>
+            <a:ext cx="682920" cy="500400"/>
+          </a:xfrm>
+          <a:prstGeom prst="roundRect">
+            <a:avLst>
+              <a:gd name="adj" fmla="val 16667"/>
+            </a:avLst>
+          </a:prstGeom>
+          <a:solidFill>
+            <a:srgbClr val="77bc65"/>
+          </a:solidFill>
+          <a:ln w="0">
+            <a:solidFill>
+              <a:srgbClr val="3465a4"/>
+            </a:solidFill>
+          </a:ln>
+        </p:spPr>
+        <p:style>
+          <a:lnRef idx="0"/>
+          <a:fillRef idx="0"/>
+          <a:effectRef idx="0"/>
+          <a:fontRef idx="minor"/>
+        </p:style>
+        <p:txBody>
+          <a:bodyPr lIns="90000" rIns="90000" tIns="45000" bIns="45000" anchor="ctr">
+            <a:noAutofit/>
+          </a:bodyPr>
+          <a:p>
+            <a:pPr algn="ctr">
+              <a:lnSpc>
+                <a:spcPct val="100000"/>
+              </a:lnSpc>
+            </a:pPr>
+            <a:r>
+              <a:rPr b="0" lang="en-US" sz="1800" spc="-1" strike="noStrike">
+                <a:solidFill>
+                  <a:srgbClr val="000000"/>
+                </a:solidFill>
+                <a:latin typeface="Times New Roman"/>
+                <a:ea typeface="DejaVu Sans"/>
+              </a:rPr>
+              <a:t>L</a:t>
+            </a:r>
+            <a:endParaRPr b="0" lang="en-US" sz="1800" spc="-1" strike="noStrike">
+              <a:solidFill>
+                <a:srgbClr val="000000"/>
+              </a:solidFill>
+              <a:latin typeface="Arial"/>
+            </a:endParaRPr>
+          </a:p>
+        </p:txBody>
+      </p:sp>
+      <p:sp>
+        <p:nvSpPr>
+          <p:cNvPr id="179" name=""/>
+          <p:cNvSpPr/>
+          <p:nvPr/>
+        </p:nvSpPr>
+        <p:spPr>
+          <a:xfrm>
+            <a:off x="3346560" y="4538880"/>
+            <a:ext cx="682920" cy="500400"/>
+          </a:xfrm>
+          <a:prstGeom prst="roundRect">
+            <a:avLst>
+              <a:gd name="adj" fmla="val 16667"/>
+            </a:avLst>
+          </a:prstGeom>
+          <a:solidFill>
+            <a:srgbClr val="ffde59"/>
+          </a:solidFill>
+          <a:ln w="0">
+            <a:solidFill>
+              <a:srgbClr val="3465a4"/>
+            </a:solidFill>
+          </a:ln>
+        </p:spPr>
+        <p:style>
+          <a:lnRef idx="0"/>
+          <a:fillRef idx="0"/>
+          <a:effectRef idx="0"/>
+          <a:fontRef idx="minor"/>
+        </p:style>
+        <p:txBody>
+          <a:bodyPr lIns="90000" rIns="90000" tIns="45000" bIns="45000" anchor="ctr">
+            <a:noAutofit/>
+          </a:bodyPr>
+          <a:p>
+            <a:pPr algn="ctr">
+              <a:lnSpc>
+                <a:spcPct val="100000"/>
+              </a:lnSpc>
+            </a:pPr>
+            <a:r>
+              <a:rPr b="0" lang="en-US" sz="1800" spc="-1" strike="noStrike">
+                <a:solidFill>
+                  <a:srgbClr val="000000"/>
+                </a:solidFill>
+                <a:latin typeface="Times New Roman"/>
+                <a:ea typeface="DejaVu Sans"/>
+              </a:rPr>
+              <a:t>A</a:t>
+            </a:r>
+            <a:endParaRPr b="0" lang="en-US" sz="1800" spc="-1" strike="noStrike">
+              <a:solidFill>
+                <a:srgbClr val="000000"/>
+              </a:solidFill>
+              <a:latin typeface="Arial"/>
+            </a:endParaRPr>
+          </a:p>
+        </p:txBody>
+      </p:sp>
+      <p:sp>
+        <p:nvSpPr>
+          <p:cNvPr id="180" name=""/>
+          <p:cNvSpPr/>
+          <p:nvPr/>
+        </p:nvSpPr>
+        <p:spPr>
+          <a:xfrm>
+            <a:off x="6765120" y="4538880"/>
+            <a:ext cx="682920" cy="500400"/>
+          </a:xfrm>
+          <a:prstGeom prst="roundRect">
+            <a:avLst>
+              <a:gd name="adj" fmla="val 16667"/>
+            </a:avLst>
+          </a:prstGeom>
+          <a:solidFill>
+            <a:srgbClr val="77bc65"/>
+          </a:solidFill>
+          <a:ln w="0">
+            <a:solidFill>
+              <a:srgbClr val="3465a4"/>
+            </a:solidFill>
+          </a:ln>
+        </p:spPr>
+        <p:style>
+          <a:lnRef idx="0"/>
+          <a:fillRef idx="0"/>
+          <a:effectRef idx="0"/>
+          <a:fontRef idx="minor"/>
+        </p:style>
+        <p:txBody>
+          <a:bodyPr lIns="90000" rIns="90000" tIns="45000" bIns="45000" anchor="ctr">
+            <a:noAutofit/>
+          </a:bodyPr>
+          <a:p>
+            <a:pPr algn="ctr">
+              <a:lnSpc>
+                <a:spcPct val="100000"/>
+              </a:lnSpc>
+            </a:pPr>
+            <a:r>
+              <a:rPr b="0" lang="en-US" sz="1800" spc="-1" strike="noStrike">
+                <a:solidFill>
+                  <a:srgbClr val="000000"/>
+                </a:solidFill>
+                <a:latin typeface="Times New Roman"/>
+                <a:ea typeface="DejaVu Sans"/>
+              </a:rPr>
+              <a:t>E</a:t>
+            </a:r>
+            <a:endParaRPr b="0" lang="en-US" sz="1800" spc="-1" strike="noStrike">
+              <a:solidFill>
+                <a:srgbClr val="000000"/>
+              </a:solidFill>
+              <a:latin typeface="Arial"/>
+            </a:endParaRPr>
+          </a:p>
+        </p:txBody>
+      </p:sp>
+      <p:sp>
+        <p:nvSpPr>
+          <p:cNvPr id="181" name=""/>
+          <p:cNvSpPr/>
+          <p:nvPr/>
+        </p:nvSpPr>
+        <p:spPr>
+          <a:xfrm>
+            <a:off x="6081480" y="4538880"/>
+            <a:ext cx="682920" cy="500400"/>
+          </a:xfrm>
+          <a:prstGeom prst="roundRect">
+            <a:avLst>
+              <a:gd name="adj" fmla="val 16667"/>
+            </a:avLst>
+          </a:prstGeom>
+          <a:solidFill>
+            <a:srgbClr val="77bc65"/>
+          </a:solidFill>
+          <a:ln w="0">
+            <a:solidFill>
+              <a:srgbClr val="3465a4"/>
+            </a:solidFill>
+          </a:ln>
+        </p:spPr>
+        <p:style>
+          <a:lnRef idx="0"/>
+          <a:fillRef idx="0"/>
+          <a:effectRef idx="0"/>
+          <a:fontRef idx="minor"/>
+        </p:style>
+        <p:txBody>
+          <a:bodyPr lIns="90000" rIns="90000" tIns="45000" bIns="45000" anchor="ctr">
+            <a:noAutofit/>
+          </a:bodyPr>
+          <a:p>
+            <a:pPr algn="ctr">
+              <a:lnSpc>
+                <a:spcPct val="100000"/>
+              </a:lnSpc>
+            </a:pPr>
+            <a:r>
+              <a:rPr b="0" lang="en-US" sz="1800" spc="-1" strike="noStrike">
+                <a:solidFill>
+                  <a:srgbClr val="000000"/>
+                </a:solidFill>
+                <a:latin typeface="Times New Roman"/>
+                <a:ea typeface="DejaVu Sans"/>
+              </a:rPr>
+              <a:t>H</a:t>
+            </a:r>
+            <a:endParaRPr b="0" lang="en-US" sz="1800" spc="-1" strike="noStrike">
+              <a:solidFill>
+                <a:srgbClr val="000000"/>
+              </a:solidFill>
+              <a:latin typeface="Arial"/>
+            </a:endParaRPr>
+          </a:p>
+        </p:txBody>
+      </p:sp>
+      <p:sp>
+        <p:nvSpPr>
+          <p:cNvPr id="182" name=""/>
+          <p:cNvSpPr/>
+          <p:nvPr/>
+        </p:nvSpPr>
+        <p:spPr>
+          <a:xfrm>
+            <a:off x="5397480" y="4538880"/>
+            <a:ext cx="682920" cy="500400"/>
+          </a:xfrm>
+          <a:prstGeom prst="roundRect">
+            <a:avLst>
+              <a:gd name="adj" fmla="val 16667"/>
+            </a:avLst>
+          </a:prstGeom>
+          <a:solidFill>
+            <a:srgbClr val="77bc65"/>
+          </a:solidFill>
+          <a:ln w="0">
+            <a:solidFill>
+              <a:srgbClr val="3465a4"/>
+            </a:solidFill>
+          </a:ln>
+        </p:spPr>
+        <p:style>
+          <a:lnRef idx="0"/>
+          <a:fillRef idx="0"/>
+          <a:effectRef idx="0"/>
+          <a:fontRef idx="minor"/>
+        </p:style>
+        <p:txBody>
+          <a:bodyPr lIns="90000" rIns="90000" tIns="45000" bIns="45000" anchor="ctr">
+            <a:noAutofit/>
+          </a:bodyPr>
+          <a:p>
+            <a:pPr algn="ctr">
+              <a:lnSpc>
+                <a:spcPct val="100000"/>
+              </a:lnSpc>
+            </a:pPr>
+            <a:r>
+              <a:rPr b="0" lang="en-US" sz="1800" spc="-1" strike="noStrike">
+                <a:solidFill>
+                  <a:srgbClr val="000000"/>
+                </a:solidFill>
+                <a:latin typeface="Times New Roman"/>
+                <a:ea typeface="DejaVu Sans"/>
+              </a:rPr>
+              <a:t>T</a:t>
+            </a:r>
+            <a:endParaRPr b="0" lang="en-US" sz="1800" spc="-1" strike="noStrike">
+              <a:solidFill>
+                <a:srgbClr val="000000"/>
+              </a:solidFill>
+              <a:latin typeface="Arial"/>
+            </a:endParaRPr>
+          </a:p>
+        </p:txBody>
+      </p:sp>
+      <p:sp>
+        <p:nvSpPr>
+          <p:cNvPr id="183" name=""/>
+          <p:cNvSpPr/>
+          <p:nvPr/>
+        </p:nvSpPr>
+        <p:spPr>
+          <a:xfrm>
+            <a:off x="7449120" y="4538880"/>
+            <a:ext cx="682920" cy="500400"/>
+          </a:xfrm>
+          <a:prstGeom prst="roundRect">
+            <a:avLst>
+              <a:gd name="adj" fmla="val 16667"/>
+            </a:avLst>
+          </a:prstGeom>
+          <a:solidFill>
+            <a:srgbClr val="77bc65"/>
+          </a:solidFill>
+          <a:ln w="0">
+            <a:solidFill>
+              <a:srgbClr val="3465a4"/>
+            </a:solidFill>
+          </a:ln>
+        </p:spPr>
+        <p:style>
+          <a:lnRef idx="0"/>
+          <a:fillRef idx="0"/>
+          <a:effectRef idx="0"/>
+          <a:fontRef idx="minor"/>
+        </p:style>
+        <p:txBody>
+          <a:bodyPr lIns="90000" rIns="90000" tIns="45000" bIns="45000" anchor="ctr">
+            <a:noAutofit/>
+          </a:bodyPr>
+          <a:p>
+            <a:pPr algn="ctr">
+              <a:lnSpc>
+                <a:spcPct val="100000"/>
+              </a:lnSpc>
+            </a:pPr>
+            <a:r>
+              <a:rPr b="0" lang="en-US" sz="1800" spc="-1" strike="noStrike">
+                <a:solidFill>
+                  <a:srgbClr val="000000"/>
+                </a:solidFill>
+                <a:latin typeface="Times New Roman"/>
+                <a:ea typeface="DejaVu Sans"/>
+              </a:rPr>
+              <a:t>G</a:t>
+            </a:r>
+            <a:endParaRPr b="0" lang="en-US" sz="1800" spc="-1" strike="noStrike">
+              <a:solidFill>
+                <a:srgbClr val="000000"/>
+              </a:solidFill>
+              <a:latin typeface="Arial"/>
+            </a:endParaRPr>
+          </a:p>
+        </p:txBody>
+      </p:sp>
+      <p:sp>
+        <p:nvSpPr>
+          <p:cNvPr id="184" name=""/>
+          <p:cNvSpPr/>
+          <p:nvPr/>
+        </p:nvSpPr>
+        <p:spPr>
+          <a:xfrm flipV="1">
+            <a:off x="3837240" y="4083120"/>
+            <a:ext cx="237960" cy="329040"/>
+          </a:xfrm>
+          <a:prstGeom prst="line">
+            <a:avLst/>
+          </a:prstGeom>
+          <a:ln w="19080">
+            <a:solidFill>
+              <a:srgbClr val="f10d0c"/>
+            </a:solidFill>
+            <a:round/>
+            <a:tailEnd len="med" type="triangle" w="med"/>
+          </a:ln>
+        </p:spPr>
+        <p:style>
+          <a:lnRef idx="0"/>
+          <a:fillRef idx="0"/>
+          <a:effectRef idx="0"/>
+          <a:fontRef idx="minor"/>
+        </p:style>
+        <p:txBody>
+          <a:bodyPr lIns="99360" rIns="99360" tIns="54360" bIns="54360" anchor="ctr">
+            <a:noAutofit/>
+          </a:bodyPr>
+          <a:p>
+            <a:endParaRPr b="0" lang="en-US" sz="1800" spc="-1" strike="noStrike">
+              <a:solidFill>
+                <a:srgbClr val="000000"/>
+              </a:solidFill>
+              <a:latin typeface="Arial"/>
+              <a:ea typeface="DejaVu Sans"/>
+            </a:endParaRPr>
+          </a:p>
+        </p:txBody>
+      </p:sp>
+    </p:spTree>
+  </p:cSld>
+  <mc:AlternateContent>
+    <mc:Choice Requires="p14">
+      <p:transition spd="slow" p14:dur="2000"/>
+    </mc:Choice>
+    <mc:Fallback>
+      <p:transition spd="slow"/>
+    </mc:Fallback>
+  </mc:AlternateContent>
+</p:sld>
+</file>
+
+<file path=ppt/slides/slide13.xml><?xml version="1.0" encoding="utf-8"?>
+<p:sld xmlns:a="http://schemas.openxmlformats.org/drawingml/2006/main" xmlns:p="http://schemas.openxmlformats.org/presentationml/2006/main" xmlns:r="http://schemas.openxmlformats.org/officeDocument/2006/relationships" xmlns:p14="http://schemas.microsoft.com/office/powerpoint/2010/main" xmlns:p15="http://schemas.microsoft.com/office/powerpoint/2012/main" xmlns:mc="http://schemas.openxmlformats.org/markup-compatibility/2006">
+  <p:cSld>
+    <p:spTree>
+      <p:nvGrpSpPr>
+        <p:cNvPr id="1" name=""/>
+        <p:cNvGrpSpPr/>
+        <p:nvPr/>
+      </p:nvGrpSpPr>
+      <p:grpSpPr>
+        <a:xfrm>
+          <a:off x="0" y="0"/>
+          <a:ext cx="0" cy="0"/>
+          <a:chOff x="0" y="0"/>
+          <a:chExt cx="0" cy="0"/>
+        </a:xfrm>
+      </p:grpSpPr>
+      <p:sp>
+        <p:nvSpPr>
+          <p:cNvPr id="185" name="Straight Connector 18"/>
+          <p:cNvSpPr/>
+          <p:nvPr/>
+        </p:nvSpPr>
+        <p:spPr>
+          <a:xfrm>
+            <a:off x="468000" y="1128600"/>
+            <a:ext cx="9144000" cy="360"/>
+          </a:xfrm>
+          <a:prstGeom prst="line">
+            <a:avLst/>
+          </a:prstGeom>
+          <a:ln w="57240">
+            <a:solidFill>
+              <a:srgbClr val="ed7d31"/>
+            </a:solidFill>
+            <a:miter/>
+          </a:ln>
+        </p:spPr>
+        <p:style>
+          <a:lnRef idx="0"/>
+          <a:fillRef idx="0"/>
+          <a:effectRef idx="0"/>
+          <a:fontRef idx="minor"/>
+        </p:style>
+        <p:txBody>
+          <a:bodyPr lIns="90000" rIns="90000" tIns="-44640" bIns="-44640" anchor="t" anchorCtr="1">
+            <a:noAutofit/>
+          </a:bodyPr>
+          <a:p>
+            <a:endParaRPr b="0" lang="en-US" sz="1800" spc="-1" strike="noStrike">
+              <a:solidFill>
+                <a:srgbClr val="000000"/>
+              </a:solidFill>
+              <a:latin typeface="Arial"/>
+              <a:ea typeface="DejaVu Sans"/>
+            </a:endParaRPr>
+          </a:p>
+        </p:txBody>
+      </p:sp>
+      <p:sp>
+        <p:nvSpPr>
+          <p:cNvPr id="186" name="PlaceHolder 16"/>
+          <p:cNvSpPr/>
+          <p:nvPr/>
+        </p:nvSpPr>
+        <p:spPr>
+          <a:xfrm>
+            <a:off x="914400" y="0"/>
+            <a:ext cx="8235720" cy="912240"/>
+          </a:xfrm>
+          <a:prstGeom prst="rect">
+            <a:avLst/>
+          </a:prstGeom>
+          <a:noFill/>
+          <a:ln w="9360">
+            <a:noFill/>
+          </a:ln>
+        </p:spPr>
+        <p:style>
+          <a:lnRef idx="0"/>
+          <a:fillRef idx="0"/>
+          <a:effectRef idx="0"/>
+          <a:fontRef idx="minor"/>
+        </p:style>
+        <p:txBody>
+          <a:bodyPr numCol="1" spcCol="0" lIns="90000" rIns="90000" tIns="45000" bIns="45000" anchor="t">
+            <a:noAutofit/>
+          </a:bodyPr>
+          <a:p>
+            <a:pPr algn="ctr">
+              <a:lnSpc>
+                <a:spcPct val="150000"/>
+              </a:lnSpc>
+              <a:tabLst>
+                <a:tab algn="l" pos="0"/>
+              </a:tabLst>
+            </a:pPr>
+            <a:r>
+              <a:rPr b="0" lang="en-US" sz="2800" spc="-1" strike="noStrike">
+                <a:solidFill>
+                  <a:srgbClr val="000000"/>
+                </a:solidFill>
+                <a:latin typeface="Times New Roman"/>
+                <a:ea typeface="DejaVu Sans"/>
+              </a:rPr>
+              <a:t>The “Sliding Window”</a:t>
+            </a:r>
+            <a:br>
+              <a:rPr sz="2800"/>
+            </a:br>
+            <a:endParaRPr b="0" lang="en-US" sz="2800" spc="-1" strike="noStrike">
+              <a:solidFill>
+                <a:srgbClr val="000000"/>
+              </a:solidFill>
+              <a:latin typeface="Arial"/>
+            </a:endParaRPr>
+          </a:p>
+        </p:txBody>
+      </p:sp>
+      <p:sp>
+        <p:nvSpPr>
+          <p:cNvPr id="187" name=""/>
+          <p:cNvSpPr/>
+          <p:nvPr/>
+        </p:nvSpPr>
+        <p:spPr>
+          <a:xfrm>
+            <a:off x="468000" y="1128600"/>
+            <a:ext cx="9131040" cy="1942920"/>
+          </a:xfrm>
+          <a:prstGeom prst="rect">
+            <a:avLst/>
+          </a:prstGeom>
+          <a:noFill/>
+          <a:ln w="0">
+            <a:noFill/>
+          </a:ln>
+        </p:spPr>
+        <p:style>
+          <a:lnRef idx="0"/>
+          <a:fillRef idx="0"/>
+          <a:effectRef idx="0"/>
+          <a:fontRef idx="minor"/>
+        </p:style>
+        <p:txBody>
+          <a:bodyPr lIns="90000" rIns="90000" tIns="45000" bIns="45000" anchor="t">
+            <a:noAutofit/>
+          </a:bodyPr>
+          <a:p>
+            <a:pPr marL="216000" indent="-216000">
+              <a:lnSpc>
+                <a:spcPct val="150000"/>
+              </a:lnSpc>
+              <a:buClr>
+                <a:srgbClr val="000000"/>
+              </a:buClr>
+              <a:buSzPct val="45000"/>
+              <a:buFont typeface="Wingdings" charset="2"/>
+              <a:buChar char=""/>
+            </a:pPr>
+            <a:r>
+              <a:rPr b="0" lang="en-US" sz="2200" spc="-1" strike="noStrike">
+                <a:solidFill>
+                  <a:srgbClr val="000000"/>
+                </a:solidFill>
+                <a:latin typeface="Times New Roman"/>
+                <a:ea typeface="DejaVu Sans"/>
+              </a:rPr>
+              <a:t>We search for the longest match in search buffer</a:t>
+            </a:r>
+            <a:endParaRPr b="0" lang="en-US" sz="2200" spc="-1" strike="noStrike">
+              <a:solidFill>
+                <a:srgbClr val="000000"/>
+              </a:solidFill>
+              <a:latin typeface="Arial"/>
+            </a:endParaRPr>
+          </a:p>
+          <a:p>
+            <a:pPr marL="216000" indent="-216000">
+              <a:lnSpc>
+                <a:spcPct val="150000"/>
+              </a:lnSpc>
+              <a:buClr>
+                <a:srgbClr val="000000"/>
+              </a:buClr>
+              <a:buSzPct val="45000"/>
+              <a:buFont typeface="Wingdings" charset="2"/>
+              <a:buChar char=""/>
+            </a:pPr>
+            <a:r>
+              <a:rPr b="0" lang="en-US" sz="2200" spc="-1" strike="noStrike">
+                <a:solidFill>
+                  <a:srgbClr val="000000"/>
+                </a:solidFill>
+                <a:latin typeface="Times New Roman"/>
+                <a:ea typeface="DejaVu Sans"/>
+              </a:rPr>
+              <a:t>Then, encode our match – unfortunately, this time we actually expand ‘A’</a:t>
+            </a:r>
+            <a:endParaRPr b="0" lang="en-US" sz="2200" spc="-1" strike="noStrike">
+              <a:solidFill>
+                <a:srgbClr val="000000"/>
+              </a:solidFill>
+              <a:latin typeface="Arial"/>
+            </a:endParaRPr>
+          </a:p>
+        </p:txBody>
+      </p:sp>
+      <p:sp>
+        <p:nvSpPr>
+          <p:cNvPr id="188" name=""/>
+          <p:cNvSpPr/>
+          <p:nvPr/>
+        </p:nvSpPr>
+        <p:spPr>
+          <a:xfrm>
+            <a:off x="328320" y="3429360"/>
+            <a:ext cx="2511360" cy="454680"/>
+          </a:xfrm>
+          <a:prstGeom prst="rect">
+            <a:avLst/>
+          </a:prstGeom>
+          <a:noFill/>
+          <a:ln w="0">
+            <a:noFill/>
+          </a:ln>
+        </p:spPr>
+        <p:style>
+          <a:lnRef idx="0"/>
+          <a:fillRef idx="0"/>
+          <a:effectRef idx="0"/>
+          <a:fontRef idx="minor"/>
+        </p:style>
+        <p:txBody>
+          <a:bodyPr lIns="90000" rIns="90000" tIns="45000" bIns="45000" anchor="t">
+            <a:noAutofit/>
+          </a:bodyPr>
+          <a:p>
+            <a:pPr algn="ctr">
+              <a:lnSpc>
+                <a:spcPct val="100000"/>
+              </a:lnSpc>
+            </a:pPr>
+            <a:r>
+              <a:rPr b="0" lang="en-US" sz="2400" spc="-1" strike="noStrike">
+                <a:solidFill>
+                  <a:srgbClr val="000000"/>
+                </a:solidFill>
+                <a:latin typeface="Times New Roman"/>
+                <a:ea typeface="DejaVu Sans"/>
+              </a:rPr>
+              <a:t>Search</a:t>
+            </a:r>
+            <a:endParaRPr b="0" lang="en-US" sz="2400" spc="-1" strike="noStrike">
+              <a:solidFill>
+                <a:srgbClr val="000000"/>
+              </a:solidFill>
+              <a:latin typeface="Arial"/>
+            </a:endParaRPr>
+          </a:p>
+        </p:txBody>
+      </p:sp>
+      <p:sp>
+        <p:nvSpPr>
+          <p:cNvPr id="189" name=""/>
+          <p:cNvSpPr/>
+          <p:nvPr/>
+        </p:nvSpPr>
+        <p:spPr>
+          <a:xfrm>
+            <a:off x="1048320" y="4493880"/>
+            <a:ext cx="3197160" cy="761760"/>
+          </a:xfrm>
+          <a:prstGeom prst="rect">
+            <a:avLst/>
+          </a:prstGeom>
+          <a:noFill/>
+          <a:ln w="0">
+            <a:noFill/>
+          </a:ln>
+        </p:spPr>
+        <p:style>
+          <a:lnRef idx="0"/>
+          <a:fillRef idx="0"/>
+          <a:effectRef idx="0"/>
+          <a:fontRef idx="minor"/>
+        </p:style>
+        <p:txBody>
+          <a:bodyPr lIns="90000" rIns="90000" tIns="45000" bIns="45000" anchor="t">
+            <a:noAutofit/>
+          </a:bodyPr>
+          <a:p>
+            <a:pPr>
+              <a:lnSpc>
+                <a:spcPct val="100000"/>
+              </a:lnSpc>
+            </a:pPr>
+            <a:r>
+              <a:rPr b="0" lang="en-US" sz="2400" spc="-1" strike="noStrike">
+                <a:solidFill>
+                  <a:srgbClr val="000000"/>
+                </a:solidFill>
+                <a:latin typeface="Times New Roman"/>
+                <a:ea typeface="DejaVu Sans"/>
+              </a:rPr>
+              <a:t>(3, 1)</a:t>
+            </a:r>
+            <a:endParaRPr b="0" lang="en-US" sz="2400" spc="-1" strike="noStrike">
+              <a:solidFill>
+                <a:srgbClr val="000000"/>
+              </a:solidFill>
+              <a:latin typeface="Arial"/>
+            </a:endParaRPr>
+          </a:p>
+        </p:txBody>
+      </p:sp>
+      <p:sp>
+        <p:nvSpPr>
+          <p:cNvPr id="190" name=""/>
+          <p:cNvSpPr/>
+          <p:nvPr/>
+        </p:nvSpPr>
+        <p:spPr>
+          <a:xfrm>
+            <a:off x="9664920" y="5258160"/>
+            <a:ext cx="3821040" cy="425520"/>
+          </a:xfrm>
+          <a:prstGeom prst="rect">
+            <a:avLst/>
+          </a:prstGeom>
+          <a:noFill/>
+          <a:ln w="0">
+            <a:noFill/>
+          </a:ln>
+        </p:spPr>
+        <p:style>
+          <a:lnRef idx="0"/>
+          <a:fillRef idx="0"/>
+          <a:effectRef idx="0"/>
+          <a:fontRef idx="minor"/>
+        </p:style>
+        <p:txBody>
+          <a:bodyPr lIns="90000" rIns="90000" tIns="45000" bIns="45000" anchor="t">
+            <a:noAutofit/>
+          </a:bodyPr>
+          <a:p>
+            <a:pPr>
+              <a:lnSpc>
+                <a:spcPct val="100000"/>
+              </a:lnSpc>
+            </a:pPr>
+            <a:r>
+              <a:rPr b="0" lang="en-US" sz="2400" spc="-1" strike="noStrike">
+                <a:solidFill>
+                  <a:srgbClr val="000000"/>
+                </a:solidFill>
+                <a:latin typeface="Times New Roman"/>
+                <a:ea typeface="DejaVu Sans"/>
+              </a:rPr>
+              <a:t>11</a:t>
+            </a:r>
+            <a:endParaRPr b="0" lang="en-US" sz="2400" spc="-1" strike="noStrike">
+              <a:solidFill>
+                <a:srgbClr val="000000"/>
+              </a:solidFill>
+              <a:latin typeface="Arial"/>
+            </a:endParaRPr>
+          </a:p>
+        </p:txBody>
+      </p:sp>
+      <p:sp>
+        <p:nvSpPr>
+          <p:cNvPr id="191" name=""/>
+          <p:cNvSpPr/>
+          <p:nvPr/>
+        </p:nvSpPr>
+        <p:spPr>
+          <a:xfrm>
+            <a:off x="3336840" y="3410640"/>
+            <a:ext cx="682920" cy="500400"/>
+          </a:xfrm>
+          <a:prstGeom prst="roundRect">
+            <a:avLst>
+              <a:gd name="adj" fmla="val 16667"/>
+            </a:avLst>
+          </a:prstGeom>
+          <a:solidFill>
+            <a:srgbClr val="729fcf"/>
+          </a:solidFill>
+          <a:ln w="0">
+            <a:solidFill>
+              <a:srgbClr val="3465a4"/>
+            </a:solidFill>
+          </a:ln>
+        </p:spPr>
+        <p:style>
+          <a:lnRef idx="0"/>
+          <a:fillRef idx="0"/>
+          <a:effectRef idx="0"/>
+          <a:fontRef idx="minor"/>
+        </p:style>
+        <p:txBody>
+          <a:bodyPr lIns="90000" rIns="90000" tIns="45000" bIns="45000" anchor="ctr">
+            <a:noAutofit/>
+          </a:bodyPr>
+          <a:p>
+            <a:pPr algn="ctr">
+              <a:lnSpc>
+                <a:spcPct val="100000"/>
+              </a:lnSpc>
+            </a:pPr>
+            <a:r>
+              <a:rPr b="0" lang="en-US" sz="1800" spc="-1" strike="noStrike">
+                <a:solidFill>
+                  <a:srgbClr val="000000"/>
+                </a:solidFill>
+                <a:latin typeface="Times New Roman"/>
+                <a:ea typeface="DejaVu Sans"/>
+              </a:rPr>
+              <a:t>G</a:t>
+            </a:r>
+            <a:endParaRPr b="0" lang="en-US" sz="1800" spc="-1" strike="noStrike">
+              <a:solidFill>
+                <a:srgbClr val="000000"/>
+              </a:solidFill>
+              <a:latin typeface="Arial"/>
+            </a:endParaRPr>
+          </a:p>
+        </p:txBody>
+      </p:sp>
+      <p:sp>
+        <p:nvSpPr>
+          <p:cNvPr id="192" name=""/>
+          <p:cNvSpPr/>
+          <p:nvPr/>
+        </p:nvSpPr>
+        <p:spPr>
+          <a:xfrm>
+            <a:off x="5398200" y="3422880"/>
+            <a:ext cx="682920" cy="500400"/>
+          </a:xfrm>
+          <a:prstGeom prst="roundRect">
+            <a:avLst>
+              <a:gd name="adj" fmla="val 16667"/>
+            </a:avLst>
+          </a:prstGeom>
+          <a:solidFill>
+            <a:srgbClr val="729fcf"/>
+          </a:solidFill>
+          <a:ln w="0">
+            <a:solidFill>
+              <a:srgbClr val="3465a4"/>
+            </a:solidFill>
+          </a:ln>
+        </p:spPr>
+        <p:style>
+          <a:lnRef idx="0"/>
+          <a:fillRef idx="0"/>
+          <a:effectRef idx="0"/>
+          <a:fontRef idx="minor"/>
+        </p:style>
+        <p:txBody>
+          <a:bodyPr lIns="90000" rIns="90000" tIns="45000" bIns="45000" anchor="ctr">
+            <a:noAutofit/>
+          </a:bodyPr>
+          <a:p>
+            <a:pPr algn="ctr">
+              <a:lnSpc>
+                <a:spcPct val="100000"/>
+              </a:lnSpc>
+            </a:pPr>
+            <a:r>
+              <a:rPr b="0" lang="en-US" sz="1800" spc="-1" strike="noStrike">
+                <a:solidFill>
+                  <a:srgbClr val="000000"/>
+                </a:solidFill>
+                <a:latin typeface="Times New Roman"/>
+                <a:ea typeface="DejaVu Sans"/>
+              </a:rPr>
+              <a:t>D</a:t>
+            </a:r>
+            <a:endParaRPr b="0" lang="en-US" sz="1800" spc="-1" strike="noStrike">
+              <a:solidFill>
+                <a:srgbClr val="000000"/>
+              </a:solidFill>
+              <a:latin typeface="Arial"/>
+            </a:endParaRPr>
+          </a:p>
+        </p:txBody>
+      </p:sp>
+      <p:sp>
+        <p:nvSpPr>
+          <p:cNvPr id="193" name=""/>
+          <p:cNvSpPr/>
+          <p:nvPr/>
+        </p:nvSpPr>
+        <p:spPr>
+          <a:xfrm>
+            <a:off x="4714200" y="3422880"/>
+            <a:ext cx="682920" cy="500400"/>
+          </a:xfrm>
+          <a:prstGeom prst="roundRect">
+            <a:avLst>
+              <a:gd name="adj" fmla="val 16667"/>
+            </a:avLst>
+          </a:prstGeom>
+          <a:solidFill>
+            <a:srgbClr val="729fcf"/>
+          </a:solidFill>
+          <a:ln w="0">
+            <a:solidFill>
+              <a:srgbClr val="3465a4"/>
+            </a:solidFill>
+          </a:ln>
+        </p:spPr>
+        <p:style>
+          <a:lnRef idx="0"/>
+          <a:fillRef idx="0"/>
+          <a:effectRef idx="0"/>
+          <a:fontRef idx="minor"/>
+        </p:style>
+        <p:txBody>
+          <a:bodyPr lIns="90000" rIns="90000" tIns="45000" bIns="45000" anchor="ctr">
+            <a:noAutofit/>
+          </a:bodyPr>
+          <a:p>
+            <a:pPr algn="ctr">
+              <a:lnSpc>
+                <a:spcPct val="100000"/>
+              </a:lnSpc>
+            </a:pPr>
+            <a:r>
+              <a:rPr b="0" lang="en-US" sz="1800" spc="-1" strike="noStrike">
+                <a:solidFill>
+                  <a:srgbClr val="000000"/>
+                </a:solidFill>
+                <a:latin typeface="Times New Roman"/>
+                <a:ea typeface="DejaVu Sans"/>
+              </a:rPr>
+              <a:t>N</a:t>
+            </a:r>
+            <a:endParaRPr b="0" lang="en-US" sz="1800" spc="-1" strike="noStrike">
+              <a:solidFill>
+                <a:srgbClr val="000000"/>
+              </a:solidFill>
+              <a:latin typeface="Arial"/>
+            </a:endParaRPr>
+          </a:p>
+        </p:txBody>
+      </p:sp>
+      <p:sp>
+        <p:nvSpPr>
+          <p:cNvPr id="194" name=""/>
+          <p:cNvSpPr/>
+          <p:nvPr/>
+        </p:nvSpPr>
+        <p:spPr>
+          <a:xfrm>
+            <a:off x="4030200" y="3422880"/>
+            <a:ext cx="682920" cy="500400"/>
+          </a:xfrm>
+          <a:prstGeom prst="roundRect">
+            <a:avLst>
+              <a:gd name="adj" fmla="val 16667"/>
+            </a:avLst>
+          </a:prstGeom>
+          <a:solidFill>
+            <a:srgbClr val="729fcf"/>
+          </a:solidFill>
+          <a:ln w="0">
+            <a:solidFill>
+              <a:srgbClr val="3465a4"/>
+            </a:solidFill>
+          </a:ln>
+        </p:spPr>
+        <p:style>
+          <a:lnRef idx="0"/>
+          <a:fillRef idx="0"/>
+          <a:effectRef idx="0"/>
+          <a:fontRef idx="minor"/>
+        </p:style>
+        <p:txBody>
+          <a:bodyPr lIns="90000" rIns="90000" tIns="45000" bIns="45000" anchor="ctr">
+            <a:noAutofit/>
+          </a:bodyPr>
+          <a:p>
+            <a:pPr algn="ctr">
+              <a:lnSpc>
+                <a:spcPct val="100000"/>
+              </a:lnSpc>
+            </a:pPr>
+            <a:r>
+              <a:rPr b="0" lang="en-US" sz="1800" spc="-1" strike="noStrike">
+                <a:solidFill>
+                  <a:srgbClr val="000000"/>
+                </a:solidFill>
+                <a:latin typeface="Times New Roman"/>
+                <a:ea typeface="DejaVu Sans"/>
+              </a:rPr>
+              <a:t>A</a:t>
+            </a:r>
+            <a:endParaRPr b="0" lang="en-US" sz="1800" spc="-1" strike="noStrike">
+              <a:solidFill>
+                <a:srgbClr val="000000"/>
+              </a:solidFill>
+              <a:latin typeface="Arial"/>
+            </a:endParaRPr>
+          </a:p>
+        </p:txBody>
+      </p:sp>
+      <p:sp>
+        <p:nvSpPr>
+          <p:cNvPr id="195" name=""/>
+          <p:cNvSpPr/>
+          <p:nvPr/>
+        </p:nvSpPr>
+        <p:spPr>
+          <a:xfrm>
+            <a:off x="4713480" y="4538880"/>
+            <a:ext cx="682920" cy="500400"/>
+          </a:xfrm>
+          <a:prstGeom prst="roundRect">
+            <a:avLst>
+              <a:gd name="adj" fmla="val 16667"/>
+            </a:avLst>
+          </a:prstGeom>
+          <a:solidFill>
+            <a:srgbClr val="77bc65"/>
+          </a:solidFill>
+          <a:ln w="0">
+            <a:solidFill>
+              <a:srgbClr val="3465a4"/>
+            </a:solidFill>
+          </a:ln>
+        </p:spPr>
+        <p:style>
+          <a:lnRef idx="0"/>
+          <a:fillRef idx="0"/>
+          <a:effectRef idx="0"/>
+          <a:fontRef idx="minor"/>
+        </p:style>
+        <p:txBody>
+          <a:bodyPr lIns="90000" rIns="90000" tIns="45000" bIns="45000" anchor="ctr">
+            <a:noAutofit/>
+          </a:bodyPr>
+          <a:p>
+            <a:pPr algn="ctr">
+              <a:lnSpc>
+                <a:spcPct val="100000"/>
+              </a:lnSpc>
+            </a:pPr>
+            <a:r>
+              <a:rPr b="0" lang="en-US" sz="1800" spc="-1" strike="noStrike">
+                <a:solidFill>
+                  <a:srgbClr val="000000"/>
+                </a:solidFill>
+                <a:latin typeface="Times New Roman"/>
+                <a:ea typeface="DejaVu Sans"/>
+              </a:rPr>
+              <a:t>F</a:t>
+            </a:r>
+            <a:endParaRPr b="0" lang="en-US" sz="1800" spc="-1" strike="noStrike">
+              <a:solidFill>
+                <a:srgbClr val="000000"/>
+              </a:solidFill>
+              <a:latin typeface="Arial"/>
+            </a:endParaRPr>
+          </a:p>
+        </p:txBody>
+      </p:sp>
+      <p:sp>
+        <p:nvSpPr>
+          <p:cNvPr id="196" name=""/>
+          <p:cNvSpPr/>
+          <p:nvPr/>
+        </p:nvSpPr>
+        <p:spPr>
+          <a:xfrm>
+            <a:off x="4029840" y="4538880"/>
+            <a:ext cx="682920" cy="500400"/>
+          </a:xfrm>
+          <a:prstGeom prst="roundRect">
+            <a:avLst>
+              <a:gd name="adj" fmla="val 16667"/>
+            </a:avLst>
+          </a:prstGeom>
+          <a:solidFill>
+            <a:srgbClr val="77bc65"/>
+          </a:solidFill>
+          <a:ln w="0">
+            <a:solidFill>
+              <a:srgbClr val="3465a4"/>
+            </a:solidFill>
+          </a:ln>
+        </p:spPr>
+        <p:style>
+          <a:lnRef idx="0"/>
+          <a:fillRef idx="0"/>
+          <a:effectRef idx="0"/>
+          <a:fontRef idx="minor"/>
+        </p:style>
+        <p:txBody>
+          <a:bodyPr lIns="90000" rIns="90000" tIns="45000" bIns="45000" anchor="ctr">
+            <a:noAutofit/>
+          </a:bodyPr>
+          <a:p>
+            <a:pPr algn="ctr">
+              <a:lnSpc>
+                <a:spcPct val="100000"/>
+              </a:lnSpc>
+            </a:pPr>
+            <a:r>
+              <a:rPr b="0" lang="en-US" sz="1800" spc="-1" strike="noStrike">
+                <a:solidFill>
+                  <a:srgbClr val="000000"/>
+                </a:solidFill>
+                <a:latin typeface="Times New Roman"/>
+                <a:ea typeface="DejaVu Sans"/>
+              </a:rPr>
+              <a:t>L</a:t>
+            </a:r>
+            <a:endParaRPr b="0" lang="en-US" sz="1800" spc="-1" strike="noStrike">
+              <a:solidFill>
+                <a:srgbClr val="000000"/>
+              </a:solidFill>
+              <a:latin typeface="Arial"/>
+            </a:endParaRPr>
+          </a:p>
+        </p:txBody>
+      </p:sp>
+      <p:sp>
+        <p:nvSpPr>
+          <p:cNvPr id="197" name=""/>
+          <p:cNvSpPr/>
+          <p:nvPr/>
+        </p:nvSpPr>
+        <p:spPr>
+          <a:xfrm>
+            <a:off x="3346560" y="4538880"/>
+            <a:ext cx="682920" cy="500400"/>
+          </a:xfrm>
+          <a:prstGeom prst="roundRect">
+            <a:avLst>
+              <a:gd name="adj" fmla="val 16667"/>
+            </a:avLst>
+          </a:prstGeom>
+          <a:solidFill>
+            <a:srgbClr val="ffde59"/>
+          </a:solidFill>
+          <a:ln w="0">
+            <a:solidFill>
+              <a:srgbClr val="3465a4"/>
+            </a:solidFill>
+          </a:ln>
+        </p:spPr>
+        <p:style>
+          <a:lnRef idx="0"/>
+          <a:fillRef idx="0"/>
+          <a:effectRef idx="0"/>
+          <a:fontRef idx="minor"/>
+        </p:style>
+        <p:txBody>
+          <a:bodyPr lIns="90000" rIns="90000" tIns="45000" bIns="45000" anchor="ctr">
+            <a:noAutofit/>
+          </a:bodyPr>
+          <a:p>
+            <a:pPr algn="ctr">
+              <a:lnSpc>
+                <a:spcPct val="100000"/>
+              </a:lnSpc>
+            </a:pPr>
+            <a:r>
+              <a:rPr b="0" lang="en-US" sz="1800" spc="-1" strike="noStrike">
+                <a:solidFill>
+                  <a:srgbClr val="000000"/>
+                </a:solidFill>
+                <a:latin typeface="Times New Roman"/>
+                <a:ea typeface="DejaVu Sans"/>
+              </a:rPr>
+              <a:t>A</a:t>
+            </a:r>
+            <a:endParaRPr b="0" lang="en-US" sz="1800" spc="-1" strike="noStrike">
+              <a:solidFill>
+                <a:srgbClr val="000000"/>
+              </a:solidFill>
+              <a:latin typeface="Arial"/>
+            </a:endParaRPr>
+          </a:p>
+        </p:txBody>
+      </p:sp>
+      <p:sp>
+        <p:nvSpPr>
+          <p:cNvPr id="198" name=""/>
+          <p:cNvSpPr/>
+          <p:nvPr/>
+        </p:nvSpPr>
+        <p:spPr>
+          <a:xfrm>
+            <a:off x="6765120" y="4538880"/>
+            <a:ext cx="682920" cy="500400"/>
+          </a:xfrm>
+          <a:prstGeom prst="roundRect">
+            <a:avLst>
+              <a:gd name="adj" fmla="val 16667"/>
+            </a:avLst>
+          </a:prstGeom>
+          <a:solidFill>
+            <a:srgbClr val="77bc65"/>
+          </a:solidFill>
+          <a:ln w="0">
+            <a:solidFill>
+              <a:srgbClr val="3465a4"/>
+            </a:solidFill>
+          </a:ln>
+        </p:spPr>
+        <p:style>
+          <a:lnRef idx="0"/>
+          <a:fillRef idx="0"/>
+          <a:effectRef idx="0"/>
+          <a:fontRef idx="minor"/>
+        </p:style>
+        <p:txBody>
+          <a:bodyPr lIns="90000" rIns="90000" tIns="45000" bIns="45000" anchor="ctr">
+            <a:noAutofit/>
+          </a:bodyPr>
+          <a:p>
+            <a:pPr algn="ctr">
+              <a:lnSpc>
+                <a:spcPct val="100000"/>
+              </a:lnSpc>
+            </a:pPr>
+            <a:r>
+              <a:rPr b="0" lang="en-US" sz="1800" spc="-1" strike="noStrike">
+                <a:solidFill>
+                  <a:srgbClr val="000000"/>
+                </a:solidFill>
+                <a:latin typeface="Times New Roman"/>
+                <a:ea typeface="DejaVu Sans"/>
+              </a:rPr>
+              <a:t>E</a:t>
+            </a:r>
+            <a:endParaRPr b="0" lang="en-US" sz="1800" spc="-1" strike="noStrike">
+              <a:solidFill>
+                <a:srgbClr val="000000"/>
+              </a:solidFill>
+              <a:latin typeface="Arial"/>
+            </a:endParaRPr>
+          </a:p>
+        </p:txBody>
+      </p:sp>
+      <p:sp>
+        <p:nvSpPr>
+          <p:cNvPr id="199" name=""/>
+          <p:cNvSpPr/>
+          <p:nvPr/>
+        </p:nvSpPr>
+        <p:spPr>
+          <a:xfrm>
+            <a:off x="6081480" y="4538880"/>
+            <a:ext cx="682920" cy="500400"/>
+          </a:xfrm>
+          <a:prstGeom prst="roundRect">
+            <a:avLst>
+              <a:gd name="adj" fmla="val 16667"/>
+            </a:avLst>
+          </a:prstGeom>
+          <a:solidFill>
+            <a:srgbClr val="77bc65"/>
+          </a:solidFill>
+          <a:ln w="0">
+            <a:solidFill>
+              <a:srgbClr val="3465a4"/>
+            </a:solidFill>
+          </a:ln>
+        </p:spPr>
+        <p:style>
+          <a:lnRef idx="0"/>
+          <a:fillRef idx="0"/>
+          <a:effectRef idx="0"/>
+          <a:fontRef idx="minor"/>
+        </p:style>
+        <p:txBody>
+          <a:bodyPr lIns="90000" rIns="90000" tIns="45000" bIns="45000" anchor="ctr">
+            <a:noAutofit/>
+          </a:bodyPr>
+          <a:p>
+            <a:pPr algn="ctr">
+              <a:lnSpc>
+                <a:spcPct val="100000"/>
+              </a:lnSpc>
+            </a:pPr>
+            <a:r>
+              <a:rPr b="0" lang="en-US" sz="1800" spc="-1" strike="noStrike">
+                <a:solidFill>
+                  <a:srgbClr val="000000"/>
+                </a:solidFill>
+                <a:latin typeface="Times New Roman"/>
+                <a:ea typeface="DejaVu Sans"/>
+              </a:rPr>
+              <a:t>H</a:t>
+            </a:r>
+            <a:endParaRPr b="0" lang="en-US" sz="1800" spc="-1" strike="noStrike">
+              <a:solidFill>
+                <a:srgbClr val="000000"/>
+              </a:solidFill>
+              <a:latin typeface="Arial"/>
+            </a:endParaRPr>
+          </a:p>
+        </p:txBody>
+      </p:sp>
+      <p:sp>
+        <p:nvSpPr>
+          <p:cNvPr id="200" name=""/>
+          <p:cNvSpPr/>
+          <p:nvPr/>
+        </p:nvSpPr>
+        <p:spPr>
+          <a:xfrm>
+            <a:off x="5397480" y="4538880"/>
+            <a:ext cx="682920" cy="500400"/>
+          </a:xfrm>
+          <a:prstGeom prst="roundRect">
+            <a:avLst>
+              <a:gd name="adj" fmla="val 16667"/>
+            </a:avLst>
+          </a:prstGeom>
+          <a:solidFill>
+            <a:srgbClr val="77bc65"/>
+          </a:solidFill>
+          <a:ln w="0">
+            <a:solidFill>
+              <a:srgbClr val="3465a4"/>
+            </a:solidFill>
+          </a:ln>
+        </p:spPr>
+        <p:style>
+          <a:lnRef idx="0"/>
+          <a:fillRef idx="0"/>
+          <a:effectRef idx="0"/>
+          <a:fontRef idx="minor"/>
+        </p:style>
+        <p:txBody>
+          <a:bodyPr lIns="90000" rIns="90000" tIns="45000" bIns="45000" anchor="ctr">
+            <a:noAutofit/>
+          </a:bodyPr>
+          <a:p>
+            <a:pPr algn="ctr">
+              <a:lnSpc>
+                <a:spcPct val="100000"/>
+              </a:lnSpc>
+            </a:pPr>
+            <a:r>
+              <a:rPr b="0" lang="en-US" sz="1800" spc="-1" strike="noStrike">
+                <a:solidFill>
+                  <a:srgbClr val="000000"/>
+                </a:solidFill>
+                <a:latin typeface="Times New Roman"/>
+                <a:ea typeface="DejaVu Sans"/>
+              </a:rPr>
+              <a:t>T</a:t>
+            </a:r>
+            <a:endParaRPr b="0" lang="en-US" sz="1800" spc="-1" strike="noStrike">
+              <a:solidFill>
+                <a:srgbClr val="000000"/>
+              </a:solidFill>
+              <a:latin typeface="Arial"/>
+            </a:endParaRPr>
+          </a:p>
+        </p:txBody>
+      </p:sp>
+      <p:sp>
+        <p:nvSpPr>
+          <p:cNvPr id="201" name=""/>
+          <p:cNvSpPr/>
+          <p:nvPr/>
+        </p:nvSpPr>
+        <p:spPr>
+          <a:xfrm>
+            <a:off x="7449120" y="4538880"/>
+            <a:ext cx="682920" cy="500400"/>
+          </a:xfrm>
+          <a:prstGeom prst="roundRect">
+            <a:avLst>
+              <a:gd name="adj" fmla="val 16667"/>
+            </a:avLst>
+          </a:prstGeom>
+          <a:solidFill>
+            <a:srgbClr val="77bc65"/>
+          </a:solidFill>
+          <a:ln w="0">
+            <a:solidFill>
+              <a:srgbClr val="3465a4"/>
+            </a:solidFill>
+          </a:ln>
+        </p:spPr>
+        <p:style>
+          <a:lnRef idx="0"/>
+          <a:fillRef idx="0"/>
+          <a:effectRef idx="0"/>
+          <a:fontRef idx="minor"/>
+        </p:style>
+        <p:txBody>
+          <a:bodyPr lIns="90000" rIns="90000" tIns="45000" bIns="45000" anchor="ctr">
+            <a:noAutofit/>
+          </a:bodyPr>
+          <a:p>
+            <a:pPr algn="ctr">
+              <a:lnSpc>
+                <a:spcPct val="100000"/>
+              </a:lnSpc>
+            </a:pPr>
+            <a:r>
+              <a:rPr b="0" lang="en-US" sz="1800" spc="-1" strike="noStrike">
+                <a:solidFill>
+                  <a:srgbClr val="000000"/>
+                </a:solidFill>
+                <a:latin typeface="Times New Roman"/>
+                <a:ea typeface="DejaVu Sans"/>
+              </a:rPr>
+              <a:t>G</a:t>
+            </a:r>
+            <a:endParaRPr b="0" lang="en-US" sz="1800" spc="-1" strike="noStrike">
+              <a:solidFill>
+                <a:srgbClr val="000000"/>
+              </a:solidFill>
+              <a:latin typeface="Arial"/>
+            </a:endParaRPr>
+          </a:p>
+        </p:txBody>
+      </p:sp>
+      <p:sp>
+        <p:nvSpPr>
+          <p:cNvPr id="202" name=""/>
+          <p:cNvSpPr/>
+          <p:nvPr/>
+        </p:nvSpPr>
+        <p:spPr>
+          <a:xfrm>
+            <a:off x="2262240" y="4741560"/>
+            <a:ext cx="442800" cy="0"/>
+          </a:xfrm>
+          <a:prstGeom prst="line">
+            <a:avLst/>
+          </a:prstGeom>
+          <a:ln w="19080">
+            <a:solidFill>
+              <a:srgbClr val="000000"/>
+            </a:solidFill>
+            <a:round/>
+            <a:tailEnd len="med" type="triangle" w="med"/>
+          </a:ln>
+        </p:spPr>
+        <p:style>
+          <a:lnRef idx="0"/>
+          <a:fillRef idx="0"/>
+          <a:effectRef idx="0"/>
+          <a:fontRef idx="minor"/>
+        </p:style>
+        <p:txBody>
+          <a:bodyPr lIns="99360" rIns="99360" tIns="-54360" bIns="-54360" anchor="ctr">
+            <a:noAutofit/>
+          </a:bodyPr>
+          <a:p>
+            <a:endParaRPr b="0" lang="en-US" sz="1800" spc="-1" strike="noStrike">
+              <a:solidFill>
+                <a:srgbClr val="000000"/>
+              </a:solidFill>
+              <a:latin typeface="Arial"/>
+            </a:endParaRPr>
+          </a:p>
+        </p:txBody>
+      </p:sp>
+      <p:sp>
+        <p:nvSpPr>
+          <p:cNvPr id="203" name=""/>
+          <p:cNvSpPr/>
+          <p:nvPr/>
+        </p:nvSpPr>
+        <p:spPr>
+          <a:xfrm flipV="1">
+            <a:off x="3841560" y="4078440"/>
+            <a:ext cx="237960" cy="329040"/>
+          </a:xfrm>
+          <a:prstGeom prst="line">
+            <a:avLst/>
+          </a:prstGeom>
+          <a:ln w="19080">
+            <a:solidFill>
+              <a:srgbClr val="f10d0c"/>
+            </a:solidFill>
+            <a:round/>
+            <a:tailEnd len="med" type="triangle" w="med"/>
+          </a:ln>
+        </p:spPr>
+        <p:style>
+          <a:lnRef idx="0"/>
+          <a:fillRef idx="0"/>
+          <a:effectRef idx="0"/>
+          <a:fontRef idx="minor"/>
+        </p:style>
+        <p:txBody>
+          <a:bodyPr lIns="99360" rIns="99360" tIns="54360" bIns="54360" anchor="ctr">
+            <a:noAutofit/>
+          </a:bodyPr>
+          <a:p>
+            <a:endParaRPr b="0" lang="en-US" sz="1800" spc="-1" strike="noStrike">
+              <a:solidFill>
+                <a:srgbClr val="000000"/>
+              </a:solidFill>
+              <a:latin typeface="Arial"/>
+              <a:ea typeface="DejaVu Sans"/>
+            </a:endParaRPr>
+          </a:p>
+        </p:txBody>
+      </p:sp>
+    </p:spTree>
+  </p:cSld>
+  <mc:AlternateContent>
+    <mc:Choice Requires="p14">
+      <p:transition spd="slow" p14:dur="2000"/>
+    </mc:Choice>
+    <mc:Fallback>
+      <p:transition spd="slow"/>
+    </mc:Fallback>
+  </mc:AlternateContent>
+</p:sld>
+</file>
+
+<file path=ppt/slides/slide14.xml><?xml version="1.0" encoding="utf-8"?>
+<p:sld xmlns:a="http://schemas.openxmlformats.org/drawingml/2006/main" xmlns:p="http://schemas.openxmlformats.org/presentationml/2006/main" xmlns:r="http://schemas.openxmlformats.org/officeDocument/2006/relationships" xmlns:p14="http://schemas.microsoft.com/office/powerpoint/2010/main" xmlns:p15="http://schemas.microsoft.com/office/powerpoint/2012/main" xmlns:mc="http://schemas.openxmlformats.org/markup-compatibility/2006">
+  <p:cSld>
+    <p:spTree>
+      <p:nvGrpSpPr>
+        <p:cNvPr id="1" name=""/>
+        <p:cNvGrpSpPr/>
+        <p:nvPr/>
+      </p:nvGrpSpPr>
+      <p:grpSpPr>
+        <a:xfrm>
+          <a:off x="0" y="0"/>
+          <a:ext cx="0" cy="0"/>
+          <a:chOff x="0" y="0"/>
+          <a:chExt cx="0" cy="0"/>
+        </a:xfrm>
+      </p:grpSpPr>
+      <p:sp>
+        <p:nvSpPr>
+          <p:cNvPr id="204" name="Straight Connector 15"/>
+          <p:cNvSpPr/>
+          <p:nvPr/>
+        </p:nvSpPr>
+        <p:spPr>
+          <a:xfrm>
+            <a:off x="468000" y="1128600"/>
+            <a:ext cx="9144000" cy="360"/>
+          </a:xfrm>
+          <a:prstGeom prst="line">
+            <a:avLst/>
+          </a:prstGeom>
+          <a:ln w="57240">
+            <a:solidFill>
+              <a:srgbClr val="ed7d31"/>
+            </a:solidFill>
+            <a:miter/>
+          </a:ln>
+        </p:spPr>
+        <p:style>
+          <a:lnRef idx="0"/>
+          <a:fillRef idx="0"/>
+          <a:effectRef idx="0"/>
+          <a:fontRef idx="minor"/>
+        </p:style>
+        <p:txBody>
+          <a:bodyPr lIns="90000" rIns="90000" tIns="-44640" bIns="-44640" anchor="t" anchorCtr="1">
+            <a:noAutofit/>
+          </a:bodyPr>
+          <a:p>
+            <a:endParaRPr b="0" lang="en-US" sz="1800" spc="-1" strike="noStrike">
+              <a:solidFill>
+                <a:srgbClr val="000000"/>
+              </a:solidFill>
+              <a:latin typeface="Arial"/>
+              <a:ea typeface="DejaVu Sans"/>
+            </a:endParaRPr>
+          </a:p>
+        </p:txBody>
+      </p:sp>
+      <p:sp>
+        <p:nvSpPr>
+          <p:cNvPr id="205" name="PlaceHolder 13"/>
+          <p:cNvSpPr/>
+          <p:nvPr/>
+        </p:nvSpPr>
+        <p:spPr>
+          <a:xfrm>
+            <a:off x="914400" y="0"/>
+            <a:ext cx="8235720" cy="912240"/>
+          </a:xfrm>
+          <a:prstGeom prst="rect">
+            <a:avLst/>
+          </a:prstGeom>
+          <a:noFill/>
+          <a:ln w="9360">
+            <a:noFill/>
+          </a:ln>
+        </p:spPr>
+        <p:style>
+          <a:lnRef idx="0"/>
+          <a:fillRef idx="0"/>
+          <a:effectRef idx="0"/>
+          <a:fontRef idx="minor"/>
+        </p:style>
+        <p:txBody>
+          <a:bodyPr numCol="1" spcCol="0" lIns="90000" rIns="90000" tIns="45000" bIns="45000" anchor="t">
+            <a:noAutofit/>
+          </a:bodyPr>
+          <a:p>
+            <a:pPr algn="ctr">
+              <a:lnSpc>
+                <a:spcPct val="150000"/>
+              </a:lnSpc>
+              <a:tabLst>
+                <a:tab algn="l" pos="0"/>
+              </a:tabLst>
+            </a:pPr>
+            <a:r>
+              <a:rPr b="0" lang="en-US" sz="2800" spc="-1" strike="noStrike">
+                <a:solidFill>
+                  <a:srgbClr val="000000"/>
+                </a:solidFill>
+                <a:latin typeface="Times New Roman"/>
+                <a:ea typeface="DejaVu Sans"/>
+              </a:rPr>
+              <a:t>The “Sliding Window”</a:t>
+            </a:r>
+            <a:br>
+              <a:rPr sz="2800"/>
+            </a:br>
+            <a:endParaRPr b="0" lang="en-US" sz="2800" spc="-1" strike="noStrike">
+              <a:solidFill>
+                <a:srgbClr val="000000"/>
+              </a:solidFill>
+              <a:latin typeface="Arial"/>
+            </a:endParaRPr>
+          </a:p>
+        </p:txBody>
+      </p:sp>
+      <p:sp>
+        <p:nvSpPr>
+          <p:cNvPr id="206" name=""/>
+          <p:cNvSpPr/>
+          <p:nvPr/>
+        </p:nvSpPr>
+        <p:spPr>
+          <a:xfrm>
+            <a:off x="468000" y="1128600"/>
+            <a:ext cx="9131040" cy="1942920"/>
+          </a:xfrm>
+          <a:prstGeom prst="rect">
+            <a:avLst/>
+          </a:prstGeom>
+          <a:noFill/>
+          <a:ln w="0">
+            <a:noFill/>
+          </a:ln>
+        </p:spPr>
+        <p:style>
+          <a:lnRef idx="0"/>
+          <a:fillRef idx="0"/>
+          <a:effectRef idx="0"/>
+          <a:fontRef idx="minor"/>
+        </p:style>
+        <p:txBody>
+          <a:bodyPr lIns="90000" rIns="90000" tIns="45000" bIns="45000" anchor="t">
+            <a:noAutofit/>
+          </a:bodyPr>
+          <a:p>
+            <a:pPr marL="216000" indent="-216000">
+              <a:lnSpc>
+                <a:spcPct val="150000"/>
+              </a:lnSpc>
+              <a:buClr>
+                <a:srgbClr val="000000"/>
+              </a:buClr>
+              <a:buSzPct val="45000"/>
+              <a:buFont typeface="Wingdings" charset="2"/>
+              <a:buChar char=""/>
+            </a:pPr>
+            <a:r>
+              <a:rPr b="0" lang="en-US" sz="2200" spc="-1" strike="noStrike">
+                <a:solidFill>
+                  <a:srgbClr val="000000"/>
+                </a:solidFill>
+                <a:latin typeface="Times New Roman"/>
+                <a:ea typeface="DejaVu Sans"/>
+              </a:rPr>
+              <a:t>We search for the longest match in search buffer</a:t>
+            </a:r>
+            <a:endParaRPr b="0" lang="en-US" sz="2200" spc="-1" strike="noStrike">
+              <a:solidFill>
+                <a:srgbClr val="000000"/>
+              </a:solidFill>
+              <a:latin typeface="Arial"/>
+            </a:endParaRPr>
+          </a:p>
+          <a:p>
+            <a:pPr marL="216000" indent="-216000">
+              <a:lnSpc>
+                <a:spcPct val="150000"/>
+              </a:lnSpc>
+              <a:buClr>
+                <a:srgbClr val="000000"/>
+              </a:buClr>
+              <a:buSzPct val="45000"/>
+              <a:buFont typeface="Wingdings" charset="2"/>
+              <a:buChar char=""/>
+            </a:pPr>
+            <a:r>
+              <a:rPr b="0" lang="en-US" sz="2200" spc="-1" strike="noStrike">
+                <a:solidFill>
+                  <a:srgbClr val="000000"/>
+                </a:solidFill>
+                <a:latin typeface="Times New Roman"/>
+                <a:ea typeface="DejaVu Sans"/>
+              </a:rPr>
+              <a:t>Then, encode our match – unfortunately, this time we actually expand ‘A’</a:t>
+            </a:r>
+            <a:endParaRPr b="0" lang="en-US" sz="2200" spc="-1" strike="noStrike">
+              <a:solidFill>
+                <a:srgbClr val="000000"/>
+              </a:solidFill>
+              <a:latin typeface="Arial"/>
+            </a:endParaRPr>
+          </a:p>
+          <a:p>
+            <a:pPr marL="216000" indent="-216000">
+              <a:lnSpc>
+                <a:spcPct val="150000"/>
+              </a:lnSpc>
+              <a:buClr>
+                <a:srgbClr val="000000"/>
+              </a:buClr>
+              <a:buSzPct val="45000"/>
+              <a:buFont typeface="Wingdings" charset="2"/>
+              <a:buChar char=""/>
+            </a:pPr>
+            <a:r>
+              <a:rPr b="0" lang="en-US" sz="2200" spc="-1" strike="noStrike">
+                <a:solidFill>
+                  <a:srgbClr val="000000"/>
+                </a:solidFill>
+                <a:latin typeface="Times New Roman"/>
+                <a:ea typeface="DejaVu Sans"/>
+              </a:rPr>
+              <a:t>Finally, we shift our buffers and start again</a:t>
+            </a:r>
+            <a:endParaRPr b="0" lang="en-US" sz="2200" spc="-1" strike="noStrike">
+              <a:solidFill>
+                <a:srgbClr val="000000"/>
+              </a:solidFill>
+              <a:latin typeface="Arial"/>
+            </a:endParaRPr>
+          </a:p>
+        </p:txBody>
+      </p:sp>
+      <p:sp>
+        <p:nvSpPr>
+          <p:cNvPr id="207" name=""/>
+          <p:cNvSpPr/>
+          <p:nvPr/>
+        </p:nvSpPr>
+        <p:spPr>
+          <a:xfrm>
+            <a:off x="1048320" y="4493880"/>
+            <a:ext cx="3197160" cy="761760"/>
+          </a:xfrm>
+          <a:prstGeom prst="rect">
+            <a:avLst/>
+          </a:prstGeom>
+          <a:noFill/>
+          <a:ln w="0">
+            <a:noFill/>
+          </a:ln>
+        </p:spPr>
+        <p:style>
+          <a:lnRef idx="0"/>
+          <a:fillRef idx="0"/>
+          <a:effectRef idx="0"/>
+          <a:fontRef idx="minor"/>
+        </p:style>
+        <p:txBody>
+          <a:bodyPr lIns="90000" rIns="90000" tIns="45000" bIns="45000" anchor="t">
+            <a:noAutofit/>
+          </a:bodyPr>
+          <a:p>
+            <a:pPr>
+              <a:lnSpc>
+                <a:spcPct val="100000"/>
+              </a:lnSpc>
+            </a:pPr>
+            <a:endParaRPr b="0" lang="en-US" sz="1800" spc="-1" strike="noStrike">
+              <a:solidFill>
+                <a:srgbClr val="000000"/>
+              </a:solidFill>
+              <a:latin typeface="Arial"/>
+            </a:endParaRPr>
+          </a:p>
+        </p:txBody>
+      </p:sp>
+      <p:sp>
+        <p:nvSpPr>
+          <p:cNvPr id="208" name=""/>
+          <p:cNvSpPr/>
+          <p:nvPr/>
+        </p:nvSpPr>
+        <p:spPr>
+          <a:xfrm>
+            <a:off x="9664920" y="5258160"/>
+            <a:ext cx="3821040" cy="425520"/>
+          </a:xfrm>
+          <a:prstGeom prst="rect">
+            <a:avLst/>
+          </a:prstGeom>
+          <a:noFill/>
+          <a:ln w="0">
+            <a:noFill/>
+          </a:ln>
+        </p:spPr>
+        <p:style>
+          <a:lnRef idx="0"/>
+          <a:fillRef idx="0"/>
+          <a:effectRef idx="0"/>
+          <a:fontRef idx="minor"/>
+        </p:style>
+        <p:txBody>
+          <a:bodyPr lIns="90000" rIns="90000" tIns="45000" bIns="45000" anchor="t">
+            <a:noAutofit/>
+          </a:bodyPr>
+          <a:p>
+            <a:pPr>
+              <a:lnSpc>
+                <a:spcPct val="100000"/>
+              </a:lnSpc>
+            </a:pPr>
+            <a:r>
+              <a:rPr b="0" lang="en-US" sz="2400" spc="-1" strike="noStrike">
+                <a:solidFill>
+                  <a:srgbClr val="000000"/>
+                </a:solidFill>
+                <a:latin typeface="Times New Roman"/>
+                <a:ea typeface="DejaVu Sans"/>
+              </a:rPr>
+              <a:t>12</a:t>
+            </a:r>
+            <a:endParaRPr b="0" lang="en-US" sz="2400" spc="-1" strike="noStrike">
+              <a:solidFill>
+                <a:srgbClr val="000000"/>
+              </a:solidFill>
+              <a:latin typeface="Arial"/>
+            </a:endParaRPr>
+          </a:p>
+        </p:txBody>
+      </p:sp>
+      <p:sp>
+        <p:nvSpPr>
+          <p:cNvPr id="209" name=""/>
+          <p:cNvSpPr/>
+          <p:nvPr/>
+        </p:nvSpPr>
+        <p:spPr>
+          <a:xfrm>
+            <a:off x="3336840" y="3410640"/>
+            <a:ext cx="682920" cy="500400"/>
+          </a:xfrm>
+          <a:prstGeom prst="roundRect">
+            <a:avLst>
+              <a:gd name="adj" fmla="val 16667"/>
+            </a:avLst>
+          </a:prstGeom>
+          <a:solidFill>
+            <a:srgbClr val="729fcf"/>
+          </a:solidFill>
+          <a:ln w="0">
+            <a:solidFill>
+              <a:srgbClr val="3465a4"/>
+            </a:solidFill>
+          </a:ln>
+        </p:spPr>
+        <p:style>
+          <a:lnRef idx="0"/>
+          <a:fillRef idx="0"/>
+          <a:effectRef idx="0"/>
+          <a:fontRef idx="minor"/>
+        </p:style>
+        <p:txBody>
+          <a:bodyPr lIns="90000" rIns="90000" tIns="45000" bIns="45000" anchor="ctr">
+            <a:noAutofit/>
+          </a:bodyPr>
+          <a:p>
+            <a:pPr algn="ctr">
+              <a:lnSpc>
+                <a:spcPct val="100000"/>
+              </a:lnSpc>
+            </a:pPr>
+            <a:r>
+              <a:rPr b="0" lang="en-US" sz="1800" spc="-1" strike="noStrike">
+                <a:solidFill>
+                  <a:srgbClr val="000000"/>
+                </a:solidFill>
+                <a:latin typeface="Times New Roman"/>
+                <a:ea typeface="DejaVu Sans"/>
+              </a:rPr>
+              <a:t>A</a:t>
+            </a:r>
+            <a:endParaRPr b="0" lang="en-US" sz="1800" spc="-1" strike="noStrike">
+              <a:solidFill>
+                <a:srgbClr val="000000"/>
+              </a:solidFill>
+              <a:latin typeface="Arial"/>
+            </a:endParaRPr>
+          </a:p>
+        </p:txBody>
+      </p:sp>
+      <p:sp>
+        <p:nvSpPr>
+          <p:cNvPr id="210" name=""/>
+          <p:cNvSpPr/>
+          <p:nvPr/>
+        </p:nvSpPr>
+        <p:spPr>
+          <a:xfrm>
+            <a:off x="5398200" y="3422880"/>
+            <a:ext cx="682920" cy="500400"/>
+          </a:xfrm>
+          <a:prstGeom prst="roundRect">
+            <a:avLst>
+              <a:gd name="adj" fmla="val 16667"/>
+            </a:avLst>
+          </a:prstGeom>
+          <a:solidFill>
+            <a:srgbClr val="729fcf"/>
+          </a:solidFill>
+          <a:ln w="0">
+            <a:solidFill>
+              <a:srgbClr val="3465a4"/>
+            </a:solidFill>
+          </a:ln>
+        </p:spPr>
+        <p:style>
+          <a:lnRef idx="0"/>
+          <a:fillRef idx="0"/>
+          <a:effectRef idx="0"/>
+          <a:fontRef idx="minor"/>
+        </p:style>
+        <p:txBody>
+          <a:bodyPr lIns="90000" rIns="90000" tIns="45000" bIns="45000" anchor="ctr">
+            <a:noAutofit/>
+          </a:bodyPr>
+          <a:p>
+            <a:pPr algn="ctr">
+              <a:lnSpc>
+                <a:spcPct val="100000"/>
+              </a:lnSpc>
+            </a:pPr>
+            <a:r>
+              <a:rPr b="0" lang="en-US" sz="1800" spc="-1" strike="noStrike">
+                <a:solidFill>
+                  <a:srgbClr val="000000"/>
+                </a:solidFill>
+                <a:latin typeface="Times New Roman"/>
+                <a:ea typeface="DejaVu Sans"/>
+              </a:rPr>
+              <a:t>A</a:t>
+            </a:r>
+            <a:endParaRPr b="0" lang="en-US" sz="1800" spc="-1" strike="noStrike">
+              <a:solidFill>
+                <a:srgbClr val="000000"/>
+              </a:solidFill>
+              <a:latin typeface="Arial"/>
+            </a:endParaRPr>
+          </a:p>
+        </p:txBody>
+      </p:sp>
+      <p:sp>
+        <p:nvSpPr>
+          <p:cNvPr id="211" name=""/>
+          <p:cNvSpPr/>
+          <p:nvPr/>
+        </p:nvSpPr>
+        <p:spPr>
+          <a:xfrm>
+            <a:off x="4714200" y="3422880"/>
+            <a:ext cx="682920" cy="500400"/>
+          </a:xfrm>
+          <a:prstGeom prst="roundRect">
+            <a:avLst>
+              <a:gd name="adj" fmla="val 16667"/>
+            </a:avLst>
+          </a:prstGeom>
+          <a:solidFill>
+            <a:srgbClr val="729fcf"/>
+          </a:solidFill>
+          <a:ln w="0">
+            <a:solidFill>
+              <a:srgbClr val="3465a4"/>
+            </a:solidFill>
+          </a:ln>
+        </p:spPr>
+        <p:style>
+          <a:lnRef idx="0"/>
+          <a:fillRef idx="0"/>
+          <a:effectRef idx="0"/>
+          <a:fontRef idx="minor"/>
+        </p:style>
+        <p:txBody>
+          <a:bodyPr lIns="90000" rIns="90000" tIns="45000" bIns="45000" anchor="ctr">
+            <a:noAutofit/>
+          </a:bodyPr>
+          <a:p>
+            <a:pPr algn="ctr">
+              <a:lnSpc>
+                <a:spcPct val="100000"/>
+              </a:lnSpc>
+            </a:pPr>
+            <a:r>
+              <a:rPr b="0" lang="en-US" sz="1800" spc="-1" strike="noStrike">
+                <a:solidFill>
+                  <a:srgbClr val="000000"/>
+                </a:solidFill>
+                <a:latin typeface="Times New Roman"/>
+                <a:ea typeface="DejaVu Sans"/>
+              </a:rPr>
+              <a:t>D</a:t>
+            </a:r>
+            <a:endParaRPr b="0" lang="en-US" sz="1800" spc="-1" strike="noStrike">
+              <a:solidFill>
+                <a:srgbClr val="000000"/>
+              </a:solidFill>
+              <a:latin typeface="Arial"/>
+            </a:endParaRPr>
+          </a:p>
+        </p:txBody>
+      </p:sp>
+      <p:sp>
+        <p:nvSpPr>
+          <p:cNvPr id="212" name=""/>
+          <p:cNvSpPr/>
+          <p:nvPr/>
+        </p:nvSpPr>
+        <p:spPr>
+          <a:xfrm>
+            <a:off x="4030200" y="3422880"/>
+            <a:ext cx="682920" cy="500400"/>
+          </a:xfrm>
+          <a:prstGeom prst="roundRect">
+            <a:avLst>
+              <a:gd name="adj" fmla="val 16667"/>
+            </a:avLst>
+          </a:prstGeom>
+          <a:solidFill>
+            <a:srgbClr val="729fcf"/>
+          </a:solidFill>
+          <a:ln w="0">
+            <a:solidFill>
+              <a:srgbClr val="3465a4"/>
+            </a:solidFill>
+          </a:ln>
+        </p:spPr>
+        <p:style>
+          <a:lnRef idx="0"/>
+          <a:fillRef idx="0"/>
+          <a:effectRef idx="0"/>
+          <a:fontRef idx="minor"/>
+        </p:style>
+        <p:txBody>
+          <a:bodyPr lIns="90000" rIns="90000" tIns="45000" bIns="45000" anchor="ctr">
+            <a:noAutofit/>
+          </a:bodyPr>
+          <a:p>
+            <a:pPr algn="ctr">
+              <a:lnSpc>
+                <a:spcPct val="100000"/>
+              </a:lnSpc>
+            </a:pPr>
+            <a:r>
+              <a:rPr b="0" lang="en-US" sz="1800" spc="-1" strike="noStrike">
+                <a:solidFill>
+                  <a:srgbClr val="000000"/>
+                </a:solidFill>
+                <a:latin typeface="Times New Roman"/>
+                <a:ea typeface="DejaVu Sans"/>
+              </a:rPr>
+              <a:t>N</a:t>
+            </a:r>
+            <a:endParaRPr b="0" lang="en-US" sz="1800" spc="-1" strike="noStrike">
+              <a:solidFill>
+                <a:srgbClr val="000000"/>
+              </a:solidFill>
+              <a:latin typeface="Arial"/>
+            </a:endParaRPr>
+          </a:p>
+        </p:txBody>
+      </p:sp>
+      <p:sp>
+        <p:nvSpPr>
+          <p:cNvPr id="213" name=""/>
+          <p:cNvSpPr/>
+          <p:nvPr/>
+        </p:nvSpPr>
+        <p:spPr>
+          <a:xfrm>
+            <a:off x="4713480" y="4538880"/>
+            <a:ext cx="682920" cy="500400"/>
+          </a:xfrm>
+          <a:prstGeom prst="roundRect">
+            <a:avLst>
+              <a:gd name="adj" fmla="val 16667"/>
+            </a:avLst>
+          </a:prstGeom>
+          <a:solidFill>
+            <a:srgbClr val="77bc65"/>
+          </a:solidFill>
+          <a:ln w="0">
+            <a:solidFill>
+              <a:srgbClr val="3465a4"/>
+            </a:solidFill>
+          </a:ln>
+        </p:spPr>
+        <p:style>
+          <a:lnRef idx="0"/>
+          <a:fillRef idx="0"/>
+          <a:effectRef idx="0"/>
+          <a:fontRef idx="minor"/>
+        </p:style>
+        <p:txBody>
+          <a:bodyPr lIns="90000" rIns="90000" tIns="45000" bIns="45000" anchor="ctr">
+            <a:noAutofit/>
+          </a:bodyPr>
+          <a:p>
+            <a:pPr algn="ctr">
+              <a:lnSpc>
+                <a:spcPct val="100000"/>
+              </a:lnSpc>
+            </a:pPr>
+            <a:r>
+              <a:rPr b="0" lang="en-US" sz="1800" spc="-1" strike="noStrike">
+                <a:solidFill>
+                  <a:srgbClr val="000000"/>
+                </a:solidFill>
+                <a:latin typeface="Times New Roman"/>
+                <a:ea typeface="DejaVu Sans"/>
+              </a:rPr>
+              <a:t>T</a:t>
+            </a:r>
+            <a:endParaRPr b="0" lang="en-US" sz="1800" spc="-1" strike="noStrike">
+              <a:solidFill>
+                <a:srgbClr val="000000"/>
+              </a:solidFill>
+              <a:latin typeface="Arial"/>
+            </a:endParaRPr>
+          </a:p>
+        </p:txBody>
+      </p:sp>
+      <p:sp>
+        <p:nvSpPr>
+          <p:cNvPr id="214" name=""/>
+          <p:cNvSpPr/>
+          <p:nvPr/>
+        </p:nvSpPr>
+        <p:spPr>
+          <a:xfrm>
+            <a:off x="4029840" y="4538880"/>
+            <a:ext cx="682920" cy="500400"/>
+          </a:xfrm>
+          <a:prstGeom prst="roundRect">
+            <a:avLst>
+              <a:gd name="adj" fmla="val 16667"/>
+            </a:avLst>
+          </a:prstGeom>
+          <a:solidFill>
+            <a:srgbClr val="77bc65"/>
+          </a:solidFill>
+          <a:ln w="0">
+            <a:solidFill>
+              <a:srgbClr val="3465a4"/>
+            </a:solidFill>
+          </a:ln>
+        </p:spPr>
+        <p:style>
+          <a:lnRef idx="0"/>
+          <a:fillRef idx="0"/>
+          <a:effectRef idx="0"/>
+          <a:fontRef idx="minor"/>
+        </p:style>
+        <p:txBody>
+          <a:bodyPr lIns="90000" rIns="90000" tIns="45000" bIns="45000" anchor="ctr">
+            <a:noAutofit/>
+          </a:bodyPr>
+          <a:p>
+            <a:pPr algn="ctr">
+              <a:lnSpc>
+                <a:spcPct val="100000"/>
+              </a:lnSpc>
+            </a:pPr>
+            <a:r>
+              <a:rPr b="0" lang="en-US" sz="1800" spc="-1" strike="noStrike">
+                <a:solidFill>
+                  <a:srgbClr val="000000"/>
+                </a:solidFill>
+                <a:latin typeface="Times New Roman"/>
+                <a:ea typeface="DejaVu Sans"/>
+              </a:rPr>
+              <a:t>F</a:t>
+            </a:r>
+            <a:endParaRPr b="0" lang="en-US" sz="1800" spc="-1" strike="noStrike">
+              <a:solidFill>
+                <a:srgbClr val="000000"/>
+              </a:solidFill>
+              <a:latin typeface="Arial"/>
+            </a:endParaRPr>
+          </a:p>
+        </p:txBody>
+      </p:sp>
+      <p:sp>
+        <p:nvSpPr>
+          <p:cNvPr id="215" name=""/>
+          <p:cNvSpPr/>
+          <p:nvPr/>
+        </p:nvSpPr>
+        <p:spPr>
+          <a:xfrm>
+            <a:off x="3346560" y="4538880"/>
+            <a:ext cx="682920" cy="500400"/>
+          </a:xfrm>
+          <a:prstGeom prst="roundRect">
+            <a:avLst>
+              <a:gd name="adj" fmla="val 16667"/>
+            </a:avLst>
+          </a:prstGeom>
+          <a:solidFill>
+            <a:srgbClr val="ffde59"/>
+          </a:solidFill>
+          <a:ln w="0">
+            <a:solidFill>
+              <a:srgbClr val="3465a4"/>
+            </a:solidFill>
+          </a:ln>
+        </p:spPr>
+        <p:style>
+          <a:lnRef idx="0"/>
+          <a:fillRef idx="0"/>
+          <a:effectRef idx="0"/>
+          <a:fontRef idx="minor"/>
+        </p:style>
+        <p:txBody>
+          <a:bodyPr lIns="90000" rIns="90000" tIns="45000" bIns="45000" anchor="ctr">
+            <a:noAutofit/>
+          </a:bodyPr>
+          <a:p>
+            <a:pPr algn="ctr">
+              <a:lnSpc>
+                <a:spcPct val="100000"/>
+              </a:lnSpc>
+            </a:pPr>
+            <a:r>
+              <a:rPr b="0" lang="en-US" sz="1800" spc="-1" strike="noStrike">
+                <a:solidFill>
+                  <a:srgbClr val="000000"/>
+                </a:solidFill>
+                <a:latin typeface="Times New Roman"/>
+                <a:ea typeface="DejaVu Sans"/>
+              </a:rPr>
+              <a:t>L</a:t>
+            </a:r>
+            <a:endParaRPr b="0" lang="en-US" sz="1800" spc="-1" strike="noStrike">
+              <a:solidFill>
+                <a:srgbClr val="000000"/>
+              </a:solidFill>
+              <a:latin typeface="Arial"/>
+            </a:endParaRPr>
+          </a:p>
+        </p:txBody>
+      </p:sp>
+      <p:sp>
+        <p:nvSpPr>
+          <p:cNvPr id="216" name=""/>
+          <p:cNvSpPr/>
+          <p:nvPr/>
+        </p:nvSpPr>
+        <p:spPr>
+          <a:xfrm>
+            <a:off x="6765120" y="4538880"/>
+            <a:ext cx="682920" cy="500400"/>
+          </a:xfrm>
+          <a:prstGeom prst="roundRect">
+            <a:avLst>
+              <a:gd name="adj" fmla="val 16667"/>
+            </a:avLst>
+          </a:prstGeom>
+          <a:solidFill>
+            <a:srgbClr val="77bc65"/>
+          </a:solidFill>
+          <a:ln w="0">
+            <a:solidFill>
+              <a:srgbClr val="3465a4"/>
+            </a:solidFill>
+          </a:ln>
+        </p:spPr>
+        <p:style>
+          <a:lnRef idx="0"/>
+          <a:fillRef idx="0"/>
+          <a:effectRef idx="0"/>
+          <a:fontRef idx="minor"/>
+        </p:style>
+        <p:txBody>
+          <a:bodyPr lIns="90000" rIns="90000" tIns="45000" bIns="45000" anchor="ctr">
+            <a:noAutofit/>
+          </a:bodyPr>
+          <a:p>
+            <a:pPr algn="ctr">
+              <a:lnSpc>
+                <a:spcPct val="100000"/>
+              </a:lnSpc>
+            </a:pPr>
+            <a:r>
+              <a:rPr b="0" lang="en-US" sz="1800" spc="-1" strike="noStrike">
+                <a:solidFill>
+                  <a:srgbClr val="000000"/>
+                </a:solidFill>
+                <a:latin typeface="Times New Roman"/>
+                <a:ea typeface="DejaVu Sans"/>
+              </a:rPr>
+              <a:t>G</a:t>
+            </a:r>
+            <a:endParaRPr b="0" lang="en-US" sz="1800" spc="-1" strike="noStrike">
+              <a:solidFill>
+                <a:srgbClr val="000000"/>
+              </a:solidFill>
+              <a:latin typeface="Arial"/>
+            </a:endParaRPr>
+          </a:p>
+        </p:txBody>
+      </p:sp>
+      <p:sp>
+        <p:nvSpPr>
+          <p:cNvPr id="217" name=""/>
+          <p:cNvSpPr/>
+          <p:nvPr/>
+        </p:nvSpPr>
+        <p:spPr>
+          <a:xfrm>
+            <a:off x="6081480" y="4538880"/>
+            <a:ext cx="682920" cy="500400"/>
+          </a:xfrm>
+          <a:prstGeom prst="roundRect">
+            <a:avLst>
+              <a:gd name="adj" fmla="val 16667"/>
+            </a:avLst>
+          </a:prstGeom>
+          <a:solidFill>
+            <a:srgbClr val="77bc65"/>
+          </a:solidFill>
+          <a:ln w="0">
+            <a:solidFill>
+              <a:srgbClr val="3465a4"/>
+            </a:solidFill>
+          </a:ln>
+        </p:spPr>
+        <p:style>
+          <a:lnRef idx="0"/>
+          <a:fillRef idx="0"/>
+          <a:effectRef idx="0"/>
+          <a:fontRef idx="minor"/>
+        </p:style>
+        <p:txBody>
+          <a:bodyPr lIns="90000" rIns="90000" tIns="45000" bIns="45000" anchor="ctr">
+            <a:noAutofit/>
+          </a:bodyPr>
+          <a:p>
+            <a:pPr algn="ctr">
+              <a:lnSpc>
+                <a:spcPct val="100000"/>
+              </a:lnSpc>
+            </a:pPr>
+            <a:r>
+              <a:rPr b="0" lang="en-US" sz="1800" spc="-1" strike="noStrike">
+                <a:solidFill>
+                  <a:srgbClr val="000000"/>
+                </a:solidFill>
+                <a:latin typeface="Times New Roman"/>
+                <a:ea typeface="DejaVu Sans"/>
+              </a:rPr>
+              <a:t>E</a:t>
+            </a:r>
+            <a:endParaRPr b="0" lang="en-US" sz="1800" spc="-1" strike="noStrike">
+              <a:solidFill>
+                <a:srgbClr val="000000"/>
+              </a:solidFill>
+              <a:latin typeface="Arial"/>
+            </a:endParaRPr>
+          </a:p>
+        </p:txBody>
+      </p:sp>
+      <p:sp>
+        <p:nvSpPr>
+          <p:cNvPr id="218" name=""/>
+          <p:cNvSpPr/>
+          <p:nvPr/>
+        </p:nvSpPr>
+        <p:spPr>
+          <a:xfrm>
+            <a:off x="5397480" y="4538880"/>
+            <a:ext cx="682920" cy="500400"/>
+          </a:xfrm>
+          <a:prstGeom prst="roundRect">
+            <a:avLst>
+              <a:gd name="adj" fmla="val 16667"/>
+            </a:avLst>
+          </a:prstGeom>
+          <a:solidFill>
+            <a:srgbClr val="77bc65"/>
+          </a:solidFill>
+          <a:ln w="0">
+            <a:solidFill>
+              <a:srgbClr val="3465a4"/>
+            </a:solidFill>
+          </a:ln>
+        </p:spPr>
+        <p:style>
+          <a:lnRef idx="0"/>
+          <a:fillRef idx="0"/>
+          <a:effectRef idx="0"/>
+          <a:fontRef idx="minor"/>
+        </p:style>
+        <p:txBody>
+          <a:bodyPr lIns="90000" rIns="90000" tIns="45000" bIns="45000" anchor="ctr">
+            <a:noAutofit/>
+          </a:bodyPr>
+          <a:p>
+            <a:pPr algn="ctr">
+              <a:lnSpc>
+                <a:spcPct val="100000"/>
+              </a:lnSpc>
+            </a:pPr>
+            <a:r>
+              <a:rPr b="0" lang="en-US" sz="1800" spc="-1" strike="noStrike">
+                <a:solidFill>
+                  <a:srgbClr val="000000"/>
+                </a:solidFill>
+                <a:latin typeface="Times New Roman"/>
+                <a:ea typeface="DejaVu Sans"/>
+              </a:rPr>
+              <a:t>H</a:t>
+            </a:r>
+            <a:endParaRPr b="0" lang="en-US" sz="1800" spc="-1" strike="noStrike">
+              <a:solidFill>
+                <a:srgbClr val="000000"/>
+              </a:solidFill>
+              <a:latin typeface="Arial"/>
+            </a:endParaRPr>
+          </a:p>
+        </p:txBody>
+      </p:sp>
+      <p:sp>
+        <p:nvSpPr>
+          <p:cNvPr id="219" name=""/>
+          <p:cNvSpPr/>
+          <p:nvPr/>
+        </p:nvSpPr>
+        <p:spPr>
+          <a:xfrm>
+            <a:off x="7449120" y="4538880"/>
+            <a:ext cx="682920" cy="500400"/>
+          </a:xfrm>
+          <a:prstGeom prst="roundRect">
+            <a:avLst>
+              <a:gd name="adj" fmla="val 16667"/>
+            </a:avLst>
+          </a:prstGeom>
+          <a:solidFill>
+            <a:srgbClr val="77bc65"/>
+          </a:solidFill>
+          <a:ln w="0">
+            <a:solidFill>
+              <a:srgbClr val="3465a4"/>
+            </a:solidFill>
+          </a:ln>
+        </p:spPr>
+        <p:style>
+          <a:lnRef idx="0"/>
+          <a:fillRef idx="0"/>
+          <a:effectRef idx="0"/>
+          <a:fontRef idx="minor"/>
+        </p:style>
+        <p:txBody>
+          <a:bodyPr lIns="90000" rIns="90000" tIns="45000" bIns="45000" anchor="ctr">
+            <a:noAutofit/>
+          </a:bodyPr>
+          <a:p>
+            <a:pPr algn="ctr">
+              <a:lnSpc>
+                <a:spcPct val="100000"/>
+              </a:lnSpc>
+            </a:pPr>
+            <a:r>
+              <a:rPr b="0" lang="en-US" sz="1800" spc="-1" strike="noStrike">
+                <a:solidFill>
+                  <a:srgbClr val="000000"/>
+                </a:solidFill>
+                <a:latin typeface="Times New Roman"/>
+                <a:ea typeface="DejaVu Sans"/>
+              </a:rPr>
+              <a:t>R</a:t>
+            </a:r>
+            <a:endParaRPr b="0" lang="en-US" sz="1800" spc="-1" strike="noStrike">
+              <a:solidFill>
+                <a:srgbClr val="000000"/>
+              </a:solidFill>
+              <a:latin typeface="Arial"/>
+            </a:endParaRPr>
+          </a:p>
+        </p:txBody>
+      </p:sp>
+      <p:sp>
+        <p:nvSpPr>
+          <p:cNvPr id="220" name=""/>
+          <p:cNvSpPr/>
+          <p:nvPr/>
+        </p:nvSpPr>
+        <p:spPr>
+          <a:xfrm>
+            <a:off x="2652840" y="3410640"/>
+            <a:ext cx="682920" cy="500400"/>
+          </a:xfrm>
+          <a:prstGeom prst="roundRect">
+            <a:avLst>
+              <a:gd name="adj" fmla="val 16667"/>
+            </a:avLst>
+          </a:prstGeom>
+          <a:solidFill>
+            <a:srgbClr val="ffa6a6"/>
+          </a:solidFill>
+          <a:ln w="0">
+            <a:solidFill>
+              <a:srgbClr val="3465a4"/>
+            </a:solidFill>
+          </a:ln>
+        </p:spPr>
+        <p:style>
+          <a:lnRef idx="0"/>
+          <a:fillRef idx="0"/>
+          <a:effectRef idx="0"/>
+          <a:fontRef idx="minor"/>
+        </p:style>
+        <p:txBody>
+          <a:bodyPr lIns="90000" rIns="90000" tIns="45000" bIns="45000" anchor="ctr">
+            <a:noAutofit/>
+          </a:bodyPr>
+          <a:p>
+            <a:pPr algn="ctr">
+              <a:lnSpc>
+                <a:spcPct val="100000"/>
+              </a:lnSpc>
+            </a:pPr>
+            <a:r>
+              <a:rPr b="0" lang="en-US" sz="1800" spc="-1" strike="noStrike">
+                <a:solidFill>
+                  <a:srgbClr val="000000"/>
+                </a:solidFill>
+                <a:latin typeface="Times New Roman"/>
+                <a:ea typeface="DejaVu Sans"/>
+              </a:rPr>
+              <a:t>G</a:t>
+            </a:r>
+            <a:endParaRPr b="0" lang="en-US" sz="1800" spc="-1" strike="noStrike">
+              <a:solidFill>
+                <a:srgbClr val="000000"/>
+              </a:solidFill>
+              <a:latin typeface="Arial"/>
+            </a:endParaRPr>
+          </a:p>
+        </p:txBody>
+      </p:sp>
+    </p:spTree>
+  </p:cSld>
+  <mc:AlternateContent>
+    <mc:Choice Requires="p14">
+      <p:transition spd="slow" p14:dur="2000"/>
+    </mc:Choice>
+    <mc:Fallback>
+      <p:transition spd="slow"/>
+    </mc:Fallback>
+  </mc:AlternateContent>
+</p:sld>
+</file>
+
+<file path=ppt/slides/slide15.xml><?xml version="1.0" encoding="utf-8"?>
+<p:sld xmlns:a="http://schemas.openxmlformats.org/drawingml/2006/main" xmlns:p="http://schemas.openxmlformats.org/presentationml/2006/main" xmlns:r="http://schemas.openxmlformats.org/officeDocument/2006/relationships" xmlns:p14="http://schemas.microsoft.com/office/powerpoint/2010/main" xmlns:p15="http://schemas.microsoft.com/office/powerpoint/2012/main" xmlns:mc="http://schemas.openxmlformats.org/markup-compatibility/2006">
+  <p:cSld>
+    <p:spTree>
+      <p:nvGrpSpPr>
+        <p:cNvPr id="1" name=""/>
+        <p:cNvGrpSpPr/>
+        <p:nvPr/>
+      </p:nvGrpSpPr>
+      <p:grpSpPr>
+        <a:xfrm>
+          <a:off x="0" y="0"/>
+          <a:ext cx="0" cy="0"/>
+          <a:chOff x="0" y="0"/>
+          <a:chExt cx="0" cy="0"/>
+        </a:xfrm>
+      </p:grpSpPr>
+      <p:sp>
+        <p:nvSpPr>
+          <p:cNvPr id="221" name="Straight Connector 19"/>
+          <p:cNvSpPr/>
+          <p:nvPr/>
+        </p:nvSpPr>
+        <p:spPr>
+          <a:xfrm>
+            <a:off x="468000" y="1128600"/>
+            <a:ext cx="9144000" cy="360"/>
+          </a:xfrm>
+          <a:prstGeom prst="line">
+            <a:avLst/>
+          </a:prstGeom>
+          <a:ln w="57240">
+            <a:solidFill>
+              <a:srgbClr val="ed7d31"/>
+            </a:solidFill>
+            <a:miter/>
+          </a:ln>
+        </p:spPr>
+        <p:style>
+          <a:lnRef idx="0"/>
+          <a:fillRef idx="0"/>
+          <a:effectRef idx="0"/>
+          <a:fontRef idx="minor"/>
+        </p:style>
+        <p:txBody>
+          <a:bodyPr lIns="90000" rIns="90000" tIns="-44640" bIns="-44640" anchor="t" anchorCtr="1">
+            <a:noAutofit/>
+          </a:bodyPr>
+          <a:p>
+            <a:endParaRPr b="0" lang="en-US" sz="1800" spc="-1" strike="noStrike">
+              <a:solidFill>
+                <a:srgbClr val="000000"/>
+              </a:solidFill>
+              <a:latin typeface="Arial"/>
+              <a:ea typeface="DejaVu Sans"/>
+            </a:endParaRPr>
+          </a:p>
+        </p:txBody>
+      </p:sp>
+      <p:sp>
+        <p:nvSpPr>
+          <p:cNvPr id="222" name="PlaceHolder 17"/>
+          <p:cNvSpPr/>
+          <p:nvPr/>
+        </p:nvSpPr>
+        <p:spPr>
+          <a:xfrm>
+            <a:off x="914400" y="0"/>
+            <a:ext cx="8235720" cy="912240"/>
+          </a:xfrm>
+          <a:prstGeom prst="rect">
+            <a:avLst/>
+          </a:prstGeom>
+          <a:noFill/>
+          <a:ln w="9360">
+            <a:noFill/>
+          </a:ln>
+        </p:spPr>
+        <p:style>
+          <a:lnRef idx="0"/>
+          <a:fillRef idx="0"/>
+          <a:effectRef idx="0"/>
+          <a:fontRef idx="minor"/>
+        </p:style>
+        <p:txBody>
+          <a:bodyPr numCol="1" spcCol="0" lIns="90000" rIns="90000" tIns="45000" bIns="45000" anchor="t">
+            <a:noAutofit/>
+          </a:bodyPr>
+          <a:p>
+            <a:pPr algn="ctr">
+              <a:lnSpc>
+                <a:spcPct val="150000"/>
+              </a:lnSpc>
+              <a:tabLst>
+                <a:tab algn="l" pos="0"/>
+              </a:tabLst>
+            </a:pPr>
+            <a:r>
+              <a:rPr b="0" lang="en-US" sz="2800" spc="-1" strike="noStrike">
+                <a:solidFill>
+                  <a:srgbClr val="000000"/>
+                </a:solidFill>
+                <a:latin typeface="Times New Roman"/>
+                <a:ea typeface="DejaVu Sans"/>
+              </a:rPr>
+              <a:t>The “Sliding Window”</a:t>
+            </a:r>
+            <a:br>
+              <a:rPr sz="2800"/>
+            </a:br>
+            <a:endParaRPr b="0" lang="en-US" sz="2800" spc="-1" strike="noStrike">
+              <a:solidFill>
+                <a:srgbClr val="000000"/>
+              </a:solidFill>
+              <a:latin typeface="Arial"/>
+            </a:endParaRPr>
+          </a:p>
+        </p:txBody>
+      </p:sp>
+      <p:sp>
+        <p:nvSpPr>
+          <p:cNvPr id="223" name=""/>
+          <p:cNvSpPr/>
+          <p:nvPr/>
+        </p:nvSpPr>
+        <p:spPr>
+          <a:xfrm>
+            <a:off x="468000" y="1128600"/>
+            <a:ext cx="9131040" cy="1942920"/>
+          </a:xfrm>
+          <a:prstGeom prst="rect">
+            <a:avLst/>
+          </a:prstGeom>
+          <a:noFill/>
+          <a:ln w="0">
+            <a:noFill/>
+          </a:ln>
+        </p:spPr>
+        <p:style>
+          <a:lnRef idx="0"/>
+          <a:fillRef idx="0"/>
+          <a:effectRef idx="0"/>
+          <a:fontRef idx="minor"/>
+        </p:style>
+        <p:txBody>
+          <a:bodyPr lIns="90000" rIns="90000" tIns="45000" bIns="45000" anchor="t">
+            <a:noAutofit/>
+          </a:bodyPr>
+          <a:p>
+            <a:pPr marL="216000" indent="-216000">
+              <a:lnSpc>
+                <a:spcPct val="150000"/>
+              </a:lnSpc>
+              <a:buClr>
+                <a:srgbClr val="000000"/>
+              </a:buClr>
+              <a:buSzPct val="45000"/>
+              <a:buFont typeface="Wingdings" charset="2"/>
+              <a:buChar char=""/>
+            </a:pPr>
+            <a:r>
+              <a:rPr b="0" lang="en-US" sz="2200" spc="-1" strike="noStrike">
+                <a:solidFill>
+                  <a:srgbClr val="000000"/>
+                </a:solidFill>
+                <a:latin typeface="Times New Roman"/>
+                <a:ea typeface="DejaVu Sans"/>
+              </a:rPr>
+              <a:t>This time, we have no match and make a new tag</a:t>
+            </a:r>
+            <a:endParaRPr b="0" lang="en-US" sz="2200" spc="-1" strike="noStrike">
+              <a:solidFill>
+                <a:srgbClr val="000000"/>
+              </a:solidFill>
+              <a:latin typeface="Arial"/>
+            </a:endParaRPr>
+          </a:p>
+        </p:txBody>
+      </p:sp>
+      <p:sp>
+        <p:nvSpPr>
+          <p:cNvPr id="224" name=""/>
+          <p:cNvSpPr/>
+          <p:nvPr/>
+        </p:nvSpPr>
+        <p:spPr>
+          <a:xfrm>
+            <a:off x="1048320" y="4493880"/>
+            <a:ext cx="3197160" cy="761760"/>
+          </a:xfrm>
+          <a:prstGeom prst="rect">
+            <a:avLst/>
+          </a:prstGeom>
+          <a:noFill/>
+          <a:ln w="0">
+            <a:noFill/>
+          </a:ln>
+        </p:spPr>
+        <p:style>
+          <a:lnRef idx="0"/>
+          <a:fillRef idx="0"/>
+          <a:effectRef idx="0"/>
+          <a:fontRef idx="minor"/>
+        </p:style>
+        <p:txBody>
+          <a:bodyPr lIns="90000" rIns="90000" tIns="45000" bIns="45000" anchor="t">
+            <a:noAutofit/>
+          </a:bodyPr>
+          <a:p>
+            <a:endParaRPr b="0" lang="en-US" sz="1800" spc="-1" strike="noStrike">
+              <a:solidFill>
+                <a:srgbClr val="000000"/>
+              </a:solidFill>
+              <a:latin typeface="Arial"/>
+            </a:endParaRPr>
+          </a:p>
+        </p:txBody>
+      </p:sp>
+      <p:sp>
+        <p:nvSpPr>
+          <p:cNvPr id="225" name=""/>
+          <p:cNvSpPr/>
+          <p:nvPr/>
+        </p:nvSpPr>
+        <p:spPr>
+          <a:xfrm>
+            <a:off x="9664920" y="5258160"/>
+            <a:ext cx="3821040" cy="425520"/>
+          </a:xfrm>
+          <a:prstGeom prst="rect">
+            <a:avLst/>
+          </a:prstGeom>
+          <a:noFill/>
+          <a:ln w="0">
+            <a:noFill/>
+          </a:ln>
+        </p:spPr>
+        <p:style>
+          <a:lnRef idx="0"/>
+          <a:fillRef idx="0"/>
+          <a:effectRef idx="0"/>
+          <a:fontRef idx="minor"/>
+        </p:style>
+        <p:txBody>
+          <a:bodyPr lIns="90000" rIns="90000" tIns="45000" bIns="45000" anchor="t">
+            <a:noAutofit/>
+          </a:bodyPr>
+          <a:p>
+            <a:pPr>
+              <a:lnSpc>
+                <a:spcPct val="100000"/>
+              </a:lnSpc>
+            </a:pPr>
+            <a:r>
+              <a:rPr b="0" lang="en-US" sz="2400" spc="-1" strike="noStrike">
+                <a:solidFill>
+                  <a:srgbClr val="000000"/>
+                </a:solidFill>
+                <a:latin typeface="Times New Roman"/>
+                <a:ea typeface="DejaVu Sans"/>
+              </a:rPr>
+              <a:t>13</a:t>
+            </a:r>
+            <a:endParaRPr b="0" lang="en-US" sz="2400" spc="-1" strike="noStrike">
+              <a:solidFill>
+                <a:srgbClr val="000000"/>
+              </a:solidFill>
+              <a:latin typeface="Arial"/>
+            </a:endParaRPr>
+          </a:p>
+        </p:txBody>
+      </p:sp>
+      <p:sp>
+        <p:nvSpPr>
+          <p:cNvPr id="226" name=""/>
+          <p:cNvSpPr/>
+          <p:nvPr/>
+        </p:nvSpPr>
+        <p:spPr>
+          <a:xfrm>
+            <a:off x="3336840" y="3410640"/>
+            <a:ext cx="682920" cy="500400"/>
+          </a:xfrm>
+          <a:prstGeom prst="roundRect">
+            <a:avLst>
+              <a:gd name="adj" fmla="val 16667"/>
+            </a:avLst>
+          </a:prstGeom>
+          <a:solidFill>
+            <a:srgbClr val="729fcf"/>
+          </a:solidFill>
+          <a:ln w="0">
+            <a:solidFill>
+              <a:srgbClr val="3465a4"/>
+            </a:solidFill>
+          </a:ln>
+        </p:spPr>
+        <p:style>
+          <a:lnRef idx="0"/>
+          <a:fillRef idx="0"/>
+          <a:effectRef idx="0"/>
+          <a:fontRef idx="minor"/>
+        </p:style>
+        <p:txBody>
+          <a:bodyPr lIns="90000" rIns="90000" tIns="45000" bIns="45000" anchor="ctr">
+            <a:noAutofit/>
+          </a:bodyPr>
+          <a:p>
+            <a:pPr algn="ctr">
+              <a:lnSpc>
+                <a:spcPct val="100000"/>
+              </a:lnSpc>
+            </a:pPr>
+            <a:r>
+              <a:rPr b="0" lang="en-US" sz="1800" spc="-1" strike="noStrike">
+                <a:solidFill>
+                  <a:srgbClr val="000000"/>
+                </a:solidFill>
+                <a:latin typeface="Times New Roman"/>
+                <a:ea typeface="DejaVu Sans"/>
+              </a:rPr>
+              <a:t>A</a:t>
+            </a:r>
+            <a:endParaRPr b="0" lang="en-US" sz="1800" spc="-1" strike="noStrike">
+              <a:solidFill>
+                <a:srgbClr val="000000"/>
+              </a:solidFill>
+              <a:latin typeface="Arial"/>
+            </a:endParaRPr>
+          </a:p>
+        </p:txBody>
+      </p:sp>
+      <p:sp>
+        <p:nvSpPr>
+          <p:cNvPr id="227" name=""/>
+          <p:cNvSpPr/>
+          <p:nvPr/>
+        </p:nvSpPr>
+        <p:spPr>
+          <a:xfrm>
+            <a:off x="5398200" y="3422880"/>
+            <a:ext cx="682920" cy="500400"/>
+          </a:xfrm>
+          <a:prstGeom prst="roundRect">
+            <a:avLst>
+              <a:gd name="adj" fmla="val 16667"/>
+            </a:avLst>
+          </a:prstGeom>
+          <a:solidFill>
+            <a:srgbClr val="729fcf"/>
+          </a:solidFill>
+          <a:ln w="0">
+            <a:solidFill>
+              <a:srgbClr val="3465a4"/>
+            </a:solidFill>
+          </a:ln>
+        </p:spPr>
+        <p:style>
+          <a:lnRef idx="0"/>
+          <a:fillRef idx="0"/>
+          <a:effectRef idx="0"/>
+          <a:fontRef idx="minor"/>
+        </p:style>
+        <p:txBody>
+          <a:bodyPr lIns="90000" rIns="90000" tIns="45000" bIns="45000" anchor="ctr">
+            <a:noAutofit/>
+          </a:bodyPr>
+          <a:p>
+            <a:pPr algn="ctr">
+              <a:lnSpc>
+                <a:spcPct val="100000"/>
+              </a:lnSpc>
+            </a:pPr>
+            <a:r>
+              <a:rPr b="0" lang="en-US" sz="1800" spc="-1" strike="noStrike">
+                <a:solidFill>
+                  <a:srgbClr val="000000"/>
+                </a:solidFill>
+                <a:latin typeface="Times New Roman"/>
+                <a:ea typeface="DejaVu Sans"/>
+              </a:rPr>
+              <a:t>A</a:t>
+            </a:r>
+            <a:endParaRPr b="0" lang="en-US" sz="1800" spc="-1" strike="noStrike">
+              <a:solidFill>
+                <a:srgbClr val="000000"/>
+              </a:solidFill>
+              <a:latin typeface="Arial"/>
+            </a:endParaRPr>
+          </a:p>
+        </p:txBody>
+      </p:sp>
+      <p:sp>
+        <p:nvSpPr>
+          <p:cNvPr id="228" name=""/>
+          <p:cNvSpPr/>
+          <p:nvPr/>
+        </p:nvSpPr>
+        <p:spPr>
+          <a:xfrm>
+            <a:off x="4714200" y="3422880"/>
+            <a:ext cx="682920" cy="500400"/>
+          </a:xfrm>
+          <a:prstGeom prst="roundRect">
+            <a:avLst>
+              <a:gd name="adj" fmla="val 16667"/>
+            </a:avLst>
+          </a:prstGeom>
+          <a:solidFill>
+            <a:srgbClr val="729fcf"/>
+          </a:solidFill>
+          <a:ln w="0">
+            <a:solidFill>
+              <a:srgbClr val="3465a4"/>
+            </a:solidFill>
+          </a:ln>
+        </p:spPr>
+        <p:style>
+          <a:lnRef idx="0"/>
+          <a:fillRef idx="0"/>
+          <a:effectRef idx="0"/>
+          <a:fontRef idx="minor"/>
+        </p:style>
+        <p:txBody>
+          <a:bodyPr lIns="90000" rIns="90000" tIns="45000" bIns="45000" anchor="ctr">
+            <a:noAutofit/>
+          </a:bodyPr>
+          <a:p>
+            <a:pPr algn="ctr">
+              <a:lnSpc>
+                <a:spcPct val="100000"/>
+              </a:lnSpc>
+            </a:pPr>
+            <a:r>
+              <a:rPr b="0" lang="en-US" sz="1800" spc="-1" strike="noStrike">
+                <a:solidFill>
+                  <a:srgbClr val="000000"/>
+                </a:solidFill>
+                <a:latin typeface="Times New Roman"/>
+                <a:ea typeface="DejaVu Sans"/>
+              </a:rPr>
+              <a:t>D</a:t>
+            </a:r>
+            <a:endParaRPr b="0" lang="en-US" sz="1800" spc="-1" strike="noStrike">
+              <a:solidFill>
+                <a:srgbClr val="000000"/>
+              </a:solidFill>
+              <a:latin typeface="Arial"/>
+            </a:endParaRPr>
+          </a:p>
+        </p:txBody>
+      </p:sp>
+      <p:sp>
+        <p:nvSpPr>
+          <p:cNvPr id="229" name=""/>
+          <p:cNvSpPr/>
+          <p:nvPr/>
+        </p:nvSpPr>
+        <p:spPr>
+          <a:xfrm>
+            <a:off x="4030200" y="3422880"/>
+            <a:ext cx="682920" cy="500400"/>
+          </a:xfrm>
+          <a:prstGeom prst="roundRect">
+            <a:avLst>
+              <a:gd name="adj" fmla="val 16667"/>
+            </a:avLst>
+          </a:prstGeom>
+          <a:solidFill>
+            <a:srgbClr val="729fcf"/>
+          </a:solidFill>
+          <a:ln w="0">
+            <a:solidFill>
+              <a:srgbClr val="3465a4"/>
+            </a:solidFill>
+          </a:ln>
+        </p:spPr>
+        <p:style>
+          <a:lnRef idx="0"/>
+          <a:fillRef idx="0"/>
+          <a:effectRef idx="0"/>
+          <a:fontRef idx="minor"/>
+        </p:style>
+        <p:txBody>
+          <a:bodyPr lIns="90000" rIns="90000" tIns="45000" bIns="45000" anchor="ctr">
+            <a:noAutofit/>
+          </a:bodyPr>
+          <a:p>
+            <a:pPr algn="ctr">
+              <a:lnSpc>
+                <a:spcPct val="100000"/>
+              </a:lnSpc>
+            </a:pPr>
+            <a:r>
+              <a:rPr b="0" lang="en-US" sz="1800" spc="-1" strike="noStrike">
+                <a:solidFill>
+                  <a:srgbClr val="000000"/>
+                </a:solidFill>
+                <a:latin typeface="Times New Roman"/>
+                <a:ea typeface="DejaVu Sans"/>
+              </a:rPr>
+              <a:t>N</a:t>
+            </a:r>
+            <a:endParaRPr b="0" lang="en-US" sz="1800" spc="-1" strike="noStrike">
+              <a:solidFill>
+                <a:srgbClr val="000000"/>
+              </a:solidFill>
+              <a:latin typeface="Arial"/>
+            </a:endParaRPr>
+          </a:p>
+        </p:txBody>
+      </p:sp>
+      <p:sp>
+        <p:nvSpPr>
+          <p:cNvPr id="230" name=""/>
+          <p:cNvSpPr/>
+          <p:nvPr/>
+        </p:nvSpPr>
+        <p:spPr>
+          <a:xfrm>
+            <a:off x="4713480" y="4538880"/>
+            <a:ext cx="682920" cy="500400"/>
+          </a:xfrm>
+          <a:prstGeom prst="roundRect">
+            <a:avLst>
+              <a:gd name="adj" fmla="val 16667"/>
+            </a:avLst>
+          </a:prstGeom>
+          <a:solidFill>
+            <a:srgbClr val="77bc65"/>
+          </a:solidFill>
+          <a:ln w="0">
+            <a:solidFill>
+              <a:srgbClr val="3465a4"/>
+            </a:solidFill>
+          </a:ln>
+        </p:spPr>
+        <p:style>
+          <a:lnRef idx="0"/>
+          <a:fillRef idx="0"/>
+          <a:effectRef idx="0"/>
+          <a:fontRef idx="minor"/>
+        </p:style>
+        <p:txBody>
+          <a:bodyPr lIns="90000" rIns="90000" tIns="45000" bIns="45000" anchor="ctr">
+            <a:noAutofit/>
+          </a:bodyPr>
+          <a:p>
+            <a:pPr algn="ctr">
+              <a:lnSpc>
+                <a:spcPct val="100000"/>
+              </a:lnSpc>
+            </a:pPr>
+            <a:r>
+              <a:rPr b="0" lang="en-US" sz="1800" spc="-1" strike="noStrike">
+                <a:solidFill>
+                  <a:srgbClr val="000000"/>
+                </a:solidFill>
+                <a:latin typeface="Times New Roman"/>
+                <a:ea typeface="DejaVu Sans"/>
+              </a:rPr>
+              <a:t>T</a:t>
+            </a:r>
+            <a:endParaRPr b="0" lang="en-US" sz="1800" spc="-1" strike="noStrike">
+              <a:solidFill>
+                <a:srgbClr val="000000"/>
+              </a:solidFill>
+              <a:latin typeface="Arial"/>
+            </a:endParaRPr>
+          </a:p>
+        </p:txBody>
+      </p:sp>
+      <p:sp>
+        <p:nvSpPr>
+          <p:cNvPr id="231" name=""/>
+          <p:cNvSpPr/>
+          <p:nvPr/>
+        </p:nvSpPr>
+        <p:spPr>
+          <a:xfrm>
+            <a:off x="4029840" y="4538880"/>
+            <a:ext cx="682920" cy="500400"/>
+          </a:xfrm>
+          <a:prstGeom prst="roundRect">
+            <a:avLst>
+              <a:gd name="adj" fmla="val 16667"/>
+            </a:avLst>
+          </a:prstGeom>
+          <a:solidFill>
+            <a:srgbClr val="77bc65"/>
+          </a:solidFill>
+          <a:ln w="0">
+            <a:solidFill>
+              <a:srgbClr val="3465a4"/>
+            </a:solidFill>
+          </a:ln>
+        </p:spPr>
+        <p:style>
+          <a:lnRef idx="0"/>
+          <a:fillRef idx="0"/>
+          <a:effectRef idx="0"/>
+          <a:fontRef idx="minor"/>
+        </p:style>
+        <p:txBody>
+          <a:bodyPr lIns="90000" rIns="90000" tIns="45000" bIns="45000" anchor="ctr">
+            <a:noAutofit/>
+          </a:bodyPr>
+          <a:p>
+            <a:pPr algn="ctr">
+              <a:lnSpc>
+                <a:spcPct val="100000"/>
+              </a:lnSpc>
+            </a:pPr>
+            <a:r>
+              <a:rPr b="0" lang="en-US" sz="1800" spc="-1" strike="noStrike">
+                <a:solidFill>
+                  <a:srgbClr val="000000"/>
+                </a:solidFill>
+                <a:latin typeface="Times New Roman"/>
+                <a:ea typeface="DejaVu Sans"/>
+              </a:rPr>
+              <a:t>F</a:t>
+            </a:r>
+            <a:endParaRPr b="0" lang="en-US" sz="1800" spc="-1" strike="noStrike">
+              <a:solidFill>
+                <a:srgbClr val="000000"/>
+              </a:solidFill>
+              <a:latin typeface="Arial"/>
+            </a:endParaRPr>
+          </a:p>
+        </p:txBody>
+      </p:sp>
+      <p:sp>
+        <p:nvSpPr>
+          <p:cNvPr id="232" name=""/>
+          <p:cNvSpPr/>
+          <p:nvPr/>
+        </p:nvSpPr>
+        <p:spPr>
+          <a:xfrm>
+            <a:off x="3346560" y="4544640"/>
+            <a:ext cx="682920" cy="500400"/>
+          </a:xfrm>
+          <a:prstGeom prst="roundRect">
+            <a:avLst>
+              <a:gd name="adj" fmla="val 16667"/>
+            </a:avLst>
+          </a:prstGeom>
+          <a:solidFill>
+            <a:srgbClr val="ffde59"/>
+          </a:solidFill>
+          <a:ln w="0">
+            <a:solidFill>
+              <a:srgbClr val="3465a4"/>
+            </a:solidFill>
+          </a:ln>
+        </p:spPr>
+        <p:style>
+          <a:lnRef idx="0"/>
+          <a:fillRef idx="0"/>
+          <a:effectRef idx="0"/>
+          <a:fontRef idx="minor"/>
+        </p:style>
+        <p:txBody>
+          <a:bodyPr lIns="90000" rIns="90000" tIns="45000" bIns="45000" anchor="ctr">
+            <a:noAutofit/>
+          </a:bodyPr>
+          <a:p>
+            <a:pPr algn="ctr">
+              <a:lnSpc>
+                <a:spcPct val="100000"/>
+              </a:lnSpc>
+            </a:pPr>
+            <a:r>
+              <a:rPr b="0" lang="en-US" sz="1800" spc="-1" strike="noStrike">
+                <a:solidFill>
+                  <a:srgbClr val="000000"/>
+                </a:solidFill>
+                <a:latin typeface="Times New Roman"/>
+                <a:ea typeface="DejaVu Sans"/>
+              </a:rPr>
+              <a:t>L</a:t>
+            </a:r>
+            <a:endParaRPr b="0" lang="en-US" sz="1800" spc="-1" strike="noStrike">
+              <a:solidFill>
+                <a:srgbClr val="000000"/>
+              </a:solidFill>
+              <a:latin typeface="Arial"/>
+            </a:endParaRPr>
+          </a:p>
+        </p:txBody>
+      </p:sp>
+      <p:sp>
+        <p:nvSpPr>
+          <p:cNvPr id="233" name=""/>
+          <p:cNvSpPr/>
+          <p:nvPr/>
+        </p:nvSpPr>
+        <p:spPr>
+          <a:xfrm>
+            <a:off x="6765120" y="4538880"/>
+            <a:ext cx="682920" cy="500400"/>
+          </a:xfrm>
+          <a:prstGeom prst="roundRect">
+            <a:avLst>
+              <a:gd name="adj" fmla="val 16667"/>
+            </a:avLst>
+          </a:prstGeom>
+          <a:solidFill>
+            <a:srgbClr val="77bc65"/>
+          </a:solidFill>
+          <a:ln w="0">
+            <a:solidFill>
+              <a:srgbClr val="3465a4"/>
+            </a:solidFill>
+          </a:ln>
+        </p:spPr>
+        <p:style>
+          <a:lnRef idx="0"/>
+          <a:fillRef idx="0"/>
+          <a:effectRef idx="0"/>
+          <a:fontRef idx="minor"/>
+        </p:style>
+        <p:txBody>
+          <a:bodyPr lIns="90000" rIns="90000" tIns="45000" bIns="45000" anchor="ctr">
+            <a:noAutofit/>
+          </a:bodyPr>
+          <a:p>
+            <a:pPr algn="ctr">
+              <a:lnSpc>
+                <a:spcPct val="100000"/>
+              </a:lnSpc>
+            </a:pPr>
+            <a:r>
+              <a:rPr b="0" lang="en-US" sz="1800" spc="-1" strike="noStrike">
+                <a:solidFill>
+                  <a:srgbClr val="000000"/>
+                </a:solidFill>
+                <a:latin typeface="Times New Roman"/>
+                <a:ea typeface="DejaVu Sans"/>
+              </a:rPr>
+              <a:t>G</a:t>
+            </a:r>
+            <a:endParaRPr b="0" lang="en-US" sz="1800" spc="-1" strike="noStrike">
+              <a:solidFill>
+                <a:srgbClr val="000000"/>
+              </a:solidFill>
+              <a:latin typeface="Arial"/>
+            </a:endParaRPr>
+          </a:p>
+        </p:txBody>
+      </p:sp>
+      <p:sp>
+        <p:nvSpPr>
+          <p:cNvPr id="234" name=""/>
+          <p:cNvSpPr/>
+          <p:nvPr/>
+        </p:nvSpPr>
+        <p:spPr>
+          <a:xfrm>
+            <a:off x="6081480" y="4538880"/>
+            <a:ext cx="682920" cy="500400"/>
+          </a:xfrm>
+          <a:prstGeom prst="roundRect">
+            <a:avLst>
+              <a:gd name="adj" fmla="val 16667"/>
+            </a:avLst>
+          </a:prstGeom>
+          <a:solidFill>
+            <a:srgbClr val="77bc65"/>
+          </a:solidFill>
+          <a:ln w="0">
+            <a:solidFill>
+              <a:srgbClr val="3465a4"/>
+            </a:solidFill>
+          </a:ln>
+        </p:spPr>
+        <p:style>
+          <a:lnRef idx="0"/>
+          <a:fillRef idx="0"/>
+          <a:effectRef idx="0"/>
+          <a:fontRef idx="minor"/>
+        </p:style>
+        <p:txBody>
+          <a:bodyPr lIns="90000" rIns="90000" tIns="45000" bIns="45000" anchor="ctr">
+            <a:noAutofit/>
+          </a:bodyPr>
+          <a:p>
+            <a:pPr algn="ctr">
+              <a:lnSpc>
+                <a:spcPct val="100000"/>
+              </a:lnSpc>
+            </a:pPr>
+            <a:r>
+              <a:rPr b="0" lang="en-US" sz="1800" spc="-1" strike="noStrike">
+                <a:solidFill>
+                  <a:srgbClr val="000000"/>
+                </a:solidFill>
+                <a:latin typeface="Times New Roman"/>
+                <a:ea typeface="DejaVu Sans"/>
+              </a:rPr>
+              <a:t>E</a:t>
+            </a:r>
+            <a:endParaRPr b="0" lang="en-US" sz="1800" spc="-1" strike="noStrike">
+              <a:solidFill>
+                <a:srgbClr val="000000"/>
+              </a:solidFill>
+              <a:latin typeface="Arial"/>
+            </a:endParaRPr>
+          </a:p>
+        </p:txBody>
+      </p:sp>
+      <p:sp>
+        <p:nvSpPr>
+          <p:cNvPr id="235" name=""/>
+          <p:cNvSpPr/>
+          <p:nvPr/>
+        </p:nvSpPr>
+        <p:spPr>
+          <a:xfrm>
+            <a:off x="5397480" y="4538880"/>
+            <a:ext cx="682920" cy="500400"/>
+          </a:xfrm>
+          <a:prstGeom prst="roundRect">
+            <a:avLst>
+              <a:gd name="adj" fmla="val 16667"/>
+            </a:avLst>
+          </a:prstGeom>
+          <a:solidFill>
+            <a:srgbClr val="77bc65"/>
+          </a:solidFill>
+          <a:ln w="0">
+            <a:solidFill>
+              <a:srgbClr val="3465a4"/>
+            </a:solidFill>
+          </a:ln>
+        </p:spPr>
+        <p:style>
+          <a:lnRef idx="0"/>
+          <a:fillRef idx="0"/>
+          <a:effectRef idx="0"/>
+          <a:fontRef idx="minor"/>
+        </p:style>
+        <p:txBody>
+          <a:bodyPr lIns="90000" rIns="90000" tIns="45000" bIns="45000" anchor="ctr">
+            <a:noAutofit/>
+          </a:bodyPr>
+          <a:p>
+            <a:pPr algn="ctr">
+              <a:lnSpc>
+                <a:spcPct val="100000"/>
+              </a:lnSpc>
+            </a:pPr>
+            <a:r>
+              <a:rPr b="0" lang="en-US" sz="1800" spc="-1" strike="noStrike">
+                <a:solidFill>
+                  <a:srgbClr val="000000"/>
+                </a:solidFill>
+                <a:latin typeface="Times New Roman"/>
+                <a:ea typeface="DejaVu Sans"/>
+              </a:rPr>
+              <a:t>H</a:t>
+            </a:r>
+            <a:endParaRPr b="0" lang="en-US" sz="1800" spc="-1" strike="noStrike">
+              <a:solidFill>
+                <a:srgbClr val="000000"/>
+              </a:solidFill>
+              <a:latin typeface="Arial"/>
+            </a:endParaRPr>
+          </a:p>
+        </p:txBody>
+      </p:sp>
+      <p:sp>
+        <p:nvSpPr>
+          <p:cNvPr id="236" name=""/>
+          <p:cNvSpPr/>
+          <p:nvPr/>
+        </p:nvSpPr>
+        <p:spPr>
+          <a:xfrm>
+            <a:off x="7449120" y="4538880"/>
+            <a:ext cx="682920" cy="500400"/>
+          </a:xfrm>
+          <a:prstGeom prst="roundRect">
+            <a:avLst>
+              <a:gd name="adj" fmla="val 16667"/>
+            </a:avLst>
+          </a:prstGeom>
+          <a:solidFill>
+            <a:srgbClr val="77bc65"/>
+          </a:solidFill>
+          <a:ln w="0">
+            <a:solidFill>
+              <a:srgbClr val="3465a4"/>
+            </a:solidFill>
+          </a:ln>
+        </p:spPr>
+        <p:style>
+          <a:lnRef idx="0"/>
+          <a:fillRef idx="0"/>
+          <a:effectRef idx="0"/>
+          <a:fontRef idx="minor"/>
+        </p:style>
+        <p:txBody>
+          <a:bodyPr lIns="90000" rIns="90000" tIns="45000" bIns="45000" anchor="ctr">
+            <a:noAutofit/>
+          </a:bodyPr>
+          <a:p>
+            <a:pPr algn="ctr">
+              <a:lnSpc>
+                <a:spcPct val="100000"/>
+              </a:lnSpc>
+            </a:pPr>
+            <a:r>
+              <a:rPr b="0" lang="en-US" sz="1800" spc="-1" strike="noStrike">
+                <a:solidFill>
+                  <a:srgbClr val="000000"/>
+                </a:solidFill>
+                <a:latin typeface="Times New Roman"/>
+                <a:ea typeface="DejaVu Sans"/>
+              </a:rPr>
+              <a:t>R</a:t>
+            </a:r>
+            <a:endParaRPr b="0" lang="en-US" sz="1800" spc="-1" strike="noStrike">
+              <a:solidFill>
+                <a:srgbClr val="000000"/>
+              </a:solidFill>
+              <a:latin typeface="Arial"/>
+            </a:endParaRPr>
+          </a:p>
+        </p:txBody>
+      </p:sp>
+      <p:sp>
+        <p:nvSpPr>
+          <p:cNvPr id="237" name=""/>
+          <p:cNvSpPr/>
+          <p:nvPr/>
+        </p:nvSpPr>
+        <p:spPr>
+          <a:xfrm>
+            <a:off x="2257560" y="4741560"/>
+            <a:ext cx="442800" cy="0"/>
+          </a:xfrm>
+          <a:prstGeom prst="line">
+            <a:avLst/>
+          </a:prstGeom>
+          <a:ln w="19080">
+            <a:solidFill>
+              <a:srgbClr val="000000"/>
+            </a:solidFill>
+            <a:round/>
+            <a:tailEnd len="med" type="triangle" w="med"/>
+          </a:ln>
+        </p:spPr>
+        <p:style>
+          <a:lnRef idx="0"/>
+          <a:fillRef idx="0"/>
+          <a:effectRef idx="0"/>
+          <a:fontRef idx="minor"/>
+        </p:style>
+        <p:txBody>
+          <a:bodyPr lIns="99360" rIns="99360" tIns="-54360" bIns="-54360" anchor="ctr">
+            <a:noAutofit/>
+          </a:bodyPr>
+          <a:p>
+            <a:endParaRPr b="0" lang="en-US" sz="1800" spc="-1" strike="noStrike">
+              <a:solidFill>
+                <a:srgbClr val="000000"/>
+              </a:solidFill>
+              <a:latin typeface="Arial"/>
+            </a:endParaRPr>
+          </a:p>
+        </p:txBody>
+      </p:sp>
+      <p:sp>
+        <p:nvSpPr>
+          <p:cNvPr id="238" name=""/>
+          <p:cNvSpPr/>
+          <p:nvPr/>
+        </p:nvSpPr>
+        <p:spPr>
+          <a:xfrm>
+            <a:off x="1048320" y="4493880"/>
+            <a:ext cx="3197160" cy="761760"/>
+          </a:xfrm>
+          <a:prstGeom prst="rect">
+            <a:avLst/>
+          </a:prstGeom>
+          <a:noFill/>
+          <a:ln w="0">
+            <a:noFill/>
+          </a:ln>
+        </p:spPr>
+        <p:style>
+          <a:lnRef idx="0"/>
+          <a:fillRef idx="0"/>
+          <a:effectRef idx="0"/>
+          <a:fontRef idx="minor"/>
+        </p:style>
+        <p:txBody>
+          <a:bodyPr lIns="90000" rIns="90000" tIns="45000" bIns="45000" anchor="t">
+            <a:noAutofit/>
+          </a:bodyPr>
+          <a:p>
+            <a:pPr>
+              <a:lnSpc>
+                <a:spcPct val="100000"/>
+              </a:lnSpc>
+            </a:pPr>
+            <a:r>
+              <a:rPr b="0" lang="en-US" sz="2400" spc="-1" strike="noStrike">
+                <a:solidFill>
+                  <a:srgbClr val="000000"/>
+                </a:solidFill>
+                <a:latin typeface="Times New Roman"/>
+                <a:ea typeface="DejaVu Sans"/>
+              </a:rPr>
+              <a:t>(0, 0, L)</a:t>
+            </a:r>
+            <a:endParaRPr b="0" lang="en-US" sz="2400" spc="-1" strike="noStrike">
+              <a:solidFill>
+                <a:srgbClr val="000000"/>
+              </a:solidFill>
+              <a:latin typeface="Arial"/>
+            </a:endParaRPr>
+          </a:p>
+        </p:txBody>
+      </p:sp>
+    </p:spTree>
+  </p:cSld>
+  <mc:AlternateContent>
+    <mc:Choice Requires="p14">
+      <p:transition spd="slow" p14:dur="2000"/>
+    </mc:Choice>
+    <mc:Fallback>
+      <p:transition spd="slow"/>
+    </mc:Fallback>
+  </mc:AlternateContent>
+</p:sld>
+</file>
+
+<file path=ppt/slides/slide16.xml><?xml version="1.0" encoding="utf-8"?>
+<p:sld xmlns:a="http://schemas.openxmlformats.org/drawingml/2006/main" xmlns:p="http://schemas.openxmlformats.org/presentationml/2006/main" xmlns:r="http://schemas.openxmlformats.org/officeDocument/2006/relationships" xmlns:p14="http://schemas.microsoft.com/office/powerpoint/2010/main" xmlns:p15="http://schemas.microsoft.com/office/powerpoint/2012/main" xmlns:mc="http://schemas.openxmlformats.org/markup-compatibility/2006">
+  <p:cSld>
+    <p:spTree>
+      <p:nvGrpSpPr>
+        <p:cNvPr id="1" name=""/>
+        <p:cNvGrpSpPr/>
+        <p:nvPr/>
+      </p:nvGrpSpPr>
+      <p:grpSpPr>
+        <a:xfrm>
+          <a:off x="0" y="0"/>
+          <a:ext cx="0" cy="0"/>
+          <a:chOff x="0" y="0"/>
+          <a:chExt cx="0" cy="0"/>
+        </a:xfrm>
+      </p:grpSpPr>
+      <p:sp>
+        <p:nvSpPr>
+          <p:cNvPr id="239" name="Straight Connector 20"/>
+          <p:cNvSpPr/>
+          <p:nvPr/>
+        </p:nvSpPr>
+        <p:spPr>
+          <a:xfrm>
+            <a:off x="468000" y="1128600"/>
+            <a:ext cx="9144000" cy="360"/>
+          </a:xfrm>
+          <a:prstGeom prst="line">
+            <a:avLst/>
+          </a:prstGeom>
+          <a:ln w="57240">
+            <a:solidFill>
+              <a:srgbClr val="ed7d31"/>
+            </a:solidFill>
+            <a:miter/>
+          </a:ln>
+        </p:spPr>
+        <p:style>
+          <a:lnRef idx="0"/>
+          <a:fillRef idx="0"/>
+          <a:effectRef idx="0"/>
+          <a:fontRef idx="minor"/>
+        </p:style>
+        <p:txBody>
+          <a:bodyPr lIns="90000" rIns="90000" tIns="-44640" bIns="-44640" anchor="t" anchorCtr="1">
+            <a:noAutofit/>
+          </a:bodyPr>
+          <a:p>
+            <a:endParaRPr b="0" lang="en-US" sz="1800" spc="-1" strike="noStrike">
+              <a:solidFill>
+                <a:srgbClr val="000000"/>
+              </a:solidFill>
+              <a:latin typeface="Arial"/>
+              <a:ea typeface="DejaVu Sans"/>
+            </a:endParaRPr>
+          </a:p>
+        </p:txBody>
+      </p:sp>
+      <p:sp>
+        <p:nvSpPr>
+          <p:cNvPr id="240" name="PlaceHolder 18"/>
+          <p:cNvSpPr/>
+          <p:nvPr/>
+        </p:nvSpPr>
+        <p:spPr>
+          <a:xfrm>
+            <a:off x="914400" y="0"/>
+            <a:ext cx="8235720" cy="912240"/>
+          </a:xfrm>
+          <a:prstGeom prst="rect">
+            <a:avLst/>
+          </a:prstGeom>
+          <a:noFill/>
+          <a:ln w="9360">
+            <a:noFill/>
+          </a:ln>
+        </p:spPr>
+        <p:style>
+          <a:lnRef idx="0"/>
+          <a:fillRef idx="0"/>
+          <a:effectRef idx="0"/>
+          <a:fontRef idx="minor"/>
+        </p:style>
+        <p:txBody>
+          <a:bodyPr numCol="1" spcCol="0" lIns="90000" rIns="90000" tIns="45000" bIns="45000" anchor="t">
+            <a:noAutofit/>
+          </a:bodyPr>
+          <a:p>
+            <a:pPr algn="ctr">
+              <a:lnSpc>
+                <a:spcPct val="150000"/>
+              </a:lnSpc>
+              <a:tabLst>
+                <a:tab algn="l" pos="0"/>
+              </a:tabLst>
+            </a:pPr>
+            <a:r>
+              <a:rPr b="0" lang="en-US" sz="2800" spc="-1" strike="noStrike">
+                <a:solidFill>
+                  <a:srgbClr val="000000"/>
+                </a:solidFill>
+                <a:latin typeface="Times New Roman"/>
+                <a:ea typeface="DejaVu Sans"/>
+              </a:rPr>
+              <a:t>Optimizing LZ77</a:t>
+            </a:r>
+            <a:br>
+              <a:rPr sz="2800"/>
+            </a:br>
+            <a:endParaRPr b="0" lang="en-US" sz="2800" spc="-1" strike="noStrike">
+              <a:solidFill>
+                <a:srgbClr val="000000"/>
+              </a:solidFill>
+              <a:latin typeface="Arial"/>
+            </a:endParaRPr>
+          </a:p>
+        </p:txBody>
+      </p:sp>
+      <p:sp>
+        <p:nvSpPr>
+          <p:cNvPr id="241" name=""/>
+          <p:cNvSpPr/>
+          <p:nvPr/>
+        </p:nvSpPr>
+        <p:spPr>
+          <a:xfrm>
+            <a:off x="468000" y="1128600"/>
+            <a:ext cx="9131040" cy="1942920"/>
+          </a:xfrm>
+          <a:prstGeom prst="rect">
+            <a:avLst/>
+          </a:prstGeom>
+          <a:noFill/>
+          <a:ln w="0">
+            <a:noFill/>
+          </a:ln>
+        </p:spPr>
+        <p:style>
+          <a:lnRef idx="0"/>
+          <a:fillRef idx="0"/>
+          <a:effectRef idx="0"/>
+          <a:fontRef idx="minor"/>
+        </p:style>
+        <p:txBody>
+          <a:bodyPr lIns="90000" rIns="90000" tIns="45000" bIns="45000" anchor="t">
+            <a:noAutofit/>
+          </a:bodyPr>
+          <a:p>
+            <a:pPr marL="216000" indent="-216000">
+              <a:lnSpc>
+                <a:spcPct val="150000"/>
+              </a:lnSpc>
+              <a:buClr>
+                <a:srgbClr val="000000"/>
+              </a:buClr>
+              <a:buSzPct val="45000"/>
+              <a:buFont typeface="Wingdings" charset="2"/>
+              <a:buChar char=""/>
+            </a:pPr>
+            <a:r>
+              <a:rPr b="0" lang="en-US" sz="2200" spc="-1" strike="noStrike">
+                <a:solidFill>
+                  <a:srgbClr val="000000"/>
+                </a:solidFill>
+                <a:latin typeface="Times New Roman"/>
+                <a:ea typeface="DejaVu Sans"/>
+              </a:rPr>
+              <a:t>It is best to favor the search buffer size</a:t>
+            </a:r>
+            <a:endParaRPr b="0" lang="en-US" sz="2200" spc="-1" strike="noStrike">
+              <a:solidFill>
+                <a:srgbClr val="000000"/>
+              </a:solidFill>
+              <a:latin typeface="Arial"/>
+            </a:endParaRPr>
+          </a:p>
+          <a:p>
+            <a:pPr>
+              <a:lnSpc>
+                <a:spcPct val="150000"/>
+              </a:lnSpc>
+            </a:pPr>
+            <a:r>
+              <a:rPr b="0" lang="en-US" sz="2200" spc="-1" strike="noStrike">
+                <a:solidFill>
+                  <a:srgbClr val="000000"/>
+                </a:solidFill>
+                <a:latin typeface="Times New Roman"/>
+                <a:ea typeface="DejaVu Sans"/>
+              </a:rPr>
+              <a:t>	</a:t>
+            </a:r>
+            <a:r>
+              <a:rPr b="0" lang="en-US" sz="2200" spc="-1" strike="noStrike">
+                <a:solidFill>
+                  <a:srgbClr val="000000"/>
+                </a:solidFill>
+                <a:latin typeface="Times New Roman"/>
+                <a:ea typeface="DejaVu Sans"/>
+              </a:rPr>
+              <a:t>- Ideal to search farther back than consider ridiculously long words</a:t>
+            </a:r>
+            <a:endParaRPr b="0" lang="en-US" sz="2200" spc="-1" strike="noStrike">
+              <a:solidFill>
+                <a:srgbClr val="000000"/>
+              </a:solidFill>
+              <a:latin typeface="Arial"/>
+            </a:endParaRPr>
+          </a:p>
+        </p:txBody>
+      </p:sp>
+      <p:sp>
+        <p:nvSpPr>
+          <p:cNvPr id="242" name=""/>
+          <p:cNvSpPr/>
+          <p:nvPr/>
+        </p:nvSpPr>
+        <p:spPr>
+          <a:xfrm>
+            <a:off x="9664920" y="5258160"/>
+            <a:ext cx="3821040" cy="425520"/>
+          </a:xfrm>
+          <a:prstGeom prst="rect">
+            <a:avLst/>
+          </a:prstGeom>
+          <a:noFill/>
+          <a:ln w="0">
+            <a:noFill/>
+          </a:ln>
+        </p:spPr>
+        <p:style>
+          <a:lnRef idx="0"/>
+          <a:fillRef idx="0"/>
+          <a:effectRef idx="0"/>
+          <a:fontRef idx="minor"/>
+        </p:style>
+        <p:txBody>
+          <a:bodyPr lIns="90000" rIns="90000" tIns="45000" bIns="45000" anchor="t">
+            <a:noAutofit/>
+          </a:bodyPr>
+          <a:p>
+            <a:pPr>
+              <a:lnSpc>
+                <a:spcPct val="100000"/>
+              </a:lnSpc>
+            </a:pPr>
+            <a:r>
+              <a:rPr b="0" lang="en-US" sz="2400" spc="-1" strike="noStrike">
+                <a:solidFill>
+                  <a:srgbClr val="000000"/>
+                </a:solidFill>
+                <a:latin typeface="Times New Roman"/>
+                <a:ea typeface="DejaVu Sans"/>
+              </a:rPr>
+              <a:t>14</a:t>
+            </a:r>
+            <a:endParaRPr b="0" lang="en-US" sz="2400" spc="-1" strike="noStrike">
+              <a:solidFill>
+                <a:srgbClr val="000000"/>
+              </a:solidFill>
+              <a:latin typeface="Arial"/>
+            </a:endParaRPr>
+          </a:p>
+        </p:txBody>
+      </p:sp>
+    </p:spTree>
+  </p:cSld>
+  <mc:AlternateContent>
+    <mc:Choice Requires="p14">
+      <p:transition spd="slow" p14:dur="2000"/>
+    </mc:Choice>
+    <mc:Fallback>
+      <p:transition spd="slow"/>
+    </mc:Fallback>
+  </mc:AlternateContent>
+</p:sld>
+</file>
+
+<file path=ppt/slides/slide17.xml><?xml version="1.0" encoding="utf-8"?>
+<p:sld xmlns:a="http://schemas.openxmlformats.org/drawingml/2006/main" xmlns:p="http://schemas.openxmlformats.org/presentationml/2006/main" xmlns:r="http://schemas.openxmlformats.org/officeDocument/2006/relationships" xmlns:p14="http://schemas.microsoft.com/office/powerpoint/2010/main" xmlns:p15="http://schemas.microsoft.com/office/powerpoint/2012/main" xmlns:mc="http://schemas.openxmlformats.org/markup-compatibility/2006">
+  <p:cSld>
+    <p:spTree>
+      <p:nvGrpSpPr>
+        <p:cNvPr id="1" name=""/>
+        <p:cNvGrpSpPr/>
+        <p:nvPr/>
+      </p:nvGrpSpPr>
+      <p:grpSpPr>
+        <a:xfrm>
+          <a:off x="0" y="0"/>
+          <a:ext cx="0" cy="0"/>
+          <a:chOff x="0" y="0"/>
+          <a:chExt cx="0" cy="0"/>
+        </a:xfrm>
+      </p:grpSpPr>
+      <p:sp>
+        <p:nvSpPr>
+          <p:cNvPr id="243" name="Straight Connector 6"/>
+          <p:cNvSpPr/>
+          <p:nvPr/>
+        </p:nvSpPr>
+        <p:spPr>
+          <a:xfrm>
+            <a:off x="468000" y="1128600"/>
+            <a:ext cx="9144000" cy="360"/>
+          </a:xfrm>
+          <a:prstGeom prst="line">
+            <a:avLst/>
+          </a:prstGeom>
+          <a:ln w="57240">
+            <a:solidFill>
+              <a:srgbClr val="ed7d31"/>
+            </a:solidFill>
+            <a:miter/>
+          </a:ln>
+        </p:spPr>
+        <p:style>
+          <a:lnRef idx="0"/>
+          <a:fillRef idx="0"/>
+          <a:effectRef idx="0"/>
+          <a:fontRef idx="minor"/>
+        </p:style>
+        <p:txBody>
+          <a:bodyPr lIns="90000" rIns="90000" tIns="-44640" bIns="-44640" anchor="t" anchorCtr="1">
+            <a:noAutofit/>
+          </a:bodyPr>
+          <a:p>
+            <a:endParaRPr b="0" lang="en-US" sz="1800" spc="-1" strike="noStrike">
+              <a:solidFill>
+                <a:srgbClr val="000000"/>
+              </a:solidFill>
+              <a:latin typeface="Arial"/>
+              <a:ea typeface="DejaVu Sans"/>
+            </a:endParaRPr>
+          </a:p>
+        </p:txBody>
+      </p:sp>
+      <p:sp>
+        <p:nvSpPr>
+          <p:cNvPr id="244" name="PlaceHolder 5"/>
+          <p:cNvSpPr/>
+          <p:nvPr/>
+        </p:nvSpPr>
+        <p:spPr>
+          <a:xfrm>
+            <a:off x="914400" y="0"/>
+            <a:ext cx="8235720" cy="912240"/>
+          </a:xfrm>
+          <a:prstGeom prst="rect">
+            <a:avLst/>
+          </a:prstGeom>
+          <a:noFill/>
+          <a:ln w="9360">
+            <a:noFill/>
+          </a:ln>
+        </p:spPr>
+        <p:style>
+          <a:lnRef idx="0"/>
+          <a:fillRef idx="0"/>
+          <a:effectRef idx="0"/>
+          <a:fontRef idx="minor"/>
+        </p:style>
+        <p:txBody>
+          <a:bodyPr numCol="1" spcCol="0" lIns="90000" rIns="90000" tIns="45000" bIns="45000" anchor="t">
+            <a:noAutofit/>
+          </a:bodyPr>
+          <a:p>
+            <a:pPr algn="ctr">
+              <a:lnSpc>
+                <a:spcPct val="150000"/>
+              </a:lnSpc>
+              <a:tabLst>
+                <a:tab algn="l" pos="0"/>
+              </a:tabLst>
+            </a:pPr>
+            <a:r>
+              <a:rPr b="0" lang="en-US" sz="2800" spc="-1" strike="noStrike">
+                <a:solidFill>
+                  <a:srgbClr val="000000"/>
+                </a:solidFill>
+                <a:latin typeface="Times New Roman"/>
+                <a:ea typeface="DejaVu Sans"/>
+              </a:rPr>
+              <a:t>References</a:t>
+            </a:r>
+            <a:br>
+              <a:rPr sz="2800"/>
+            </a:br>
+            <a:endParaRPr b="0" lang="en-US" sz="2800" spc="-1" strike="noStrike">
+              <a:solidFill>
+                <a:srgbClr val="000000"/>
+              </a:solidFill>
+              <a:latin typeface="Arial"/>
+            </a:endParaRPr>
+          </a:p>
+        </p:txBody>
+      </p:sp>
+      <p:sp>
+        <p:nvSpPr>
+          <p:cNvPr id="245" name=""/>
+          <p:cNvSpPr/>
+          <p:nvPr/>
+        </p:nvSpPr>
+        <p:spPr>
+          <a:xfrm>
+            <a:off x="468000" y="1128600"/>
+            <a:ext cx="9131040" cy="1942920"/>
+          </a:xfrm>
+          <a:prstGeom prst="rect">
+            <a:avLst/>
+          </a:prstGeom>
+          <a:noFill/>
+          <a:ln w="0">
+            <a:noFill/>
+          </a:ln>
+        </p:spPr>
+        <p:style>
+          <a:lnRef idx="0"/>
+          <a:fillRef idx="0"/>
+          <a:effectRef idx="0"/>
+          <a:fontRef idx="minor"/>
+        </p:style>
+        <p:txBody>
+          <a:bodyPr lIns="90000" rIns="90000" tIns="45000" bIns="45000" anchor="t">
+            <a:noAutofit/>
+          </a:bodyPr>
+          <a:p>
+            <a:pPr marL="216000" indent="-216000">
+              <a:lnSpc>
+                <a:spcPct val="150000"/>
+              </a:lnSpc>
+              <a:buClr>
+                <a:srgbClr val="000000"/>
+              </a:buClr>
+              <a:buSzPct val="45000"/>
+              <a:buFont typeface="Wingdings" charset="2"/>
+              <a:buChar char=""/>
+            </a:pPr>
+            <a:r>
+              <a:rPr b="0" lang="en-US" sz="1800" spc="-1" strike="noStrike" u="sng">
+                <a:solidFill>
+                  <a:srgbClr val="0000ee"/>
+                </a:solidFill>
+                <a:uFillTx/>
+                <a:latin typeface="Times New Roman"/>
+                <a:ea typeface="DejaVu Sans"/>
+                <a:hlinkClick r:id="rId1"/>
+              </a:rPr>
+              <a:t>https://cs.stanford.edu/people/eroberts/courses/soco/projects/data-compression/lossless/lz77/algorithm.html</a:t>
+            </a:r>
+            <a:endParaRPr b="0" lang="en-US" sz="1800" spc="-1" strike="noStrike">
+              <a:solidFill>
+                <a:srgbClr val="000000"/>
+              </a:solidFill>
+              <a:latin typeface="Arial"/>
+            </a:endParaRPr>
+          </a:p>
+          <a:p>
+            <a:pPr marL="216000" indent="-216000">
+              <a:lnSpc>
+                <a:spcPct val="150000"/>
+              </a:lnSpc>
+              <a:buClr>
+                <a:srgbClr val="000000"/>
+              </a:buClr>
+              <a:buSzPct val="45000"/>
+              <a:buFont typeface="Wingdings" charset="2"/>
+              <a:buChar char=""/>
+            </a:pPr>
+            <a:r>
+              <a:rPr b="0" lang="en-US" sz="1800" spc="-1" strike="noStrike" u="sng">
+                <a:solidFill>
+                  <a:srgbClr val="0000ee"/>
+                </a:solidFill>
+                <a:uFillTx/>
+                <a:latin typeface="Times New Roman"/>
+                <a:ea typeface="DejaVu Sans"/>
+                <a:hlinkClick r:id="rId2"/>
+              </a:rPr>
+              <a:t>https://en.wikipedia.org/wiki/LZ77_and_LZ78</a:t>
+            </a:r>
+            <a:endParaRPr b="0" lang="en-US" sz="1800" spc="-1" strike="noStrike">
+              <a:solidFill>
+                <a:srgbClr val="000000"/>
+              </a:solidFill>
+              <a:latin typeface="Arial"/>
+            </a:endParaRPr>
+          </a:p>
+          <a:p>
+            <a:pPr marL="216000" indent="-216000">
+              <a:lnSpc>
+                <a:spcPct val="150000"/>
+              </a:lnSpc>
+              <a:buClr>
+                <a:srgbClr val="000000"/>
+              </a:buClr>
+              <a:buSzPct val="45000"/>
+              <a:buFont typeface="Wingdings" charset="2"/>
+              <a:buChar char=""/>
+            </a:pPr>
+            <a:r>
+              <a:rPr b="0" lang="en-US" sz="1800" spc="-1" strike="noStrike" u="sng">
+                <a:solidFill>
+                  <a:srgbClr val="0000ee"/>
+                </a:solidFill>
+                <a:uFillTx/>
+                <a:latin typeface="Times New Roman"/>
+                <a:ea typeface="DejaVu Sans"/>
+                <a:hlinkClick r:id="rId3"/>
+              </a:rPr>
+              <a:t>https://medium.com/@vincentcorbee/lz77-compression-in-javascript-cd2583d2a8bd</a:t>
+            </a:r>
+            <a:endParaRPr b="0" lang="en-US" sz="1800" spc="-1" strike="noStrike">
+              <a:solidFill>
+                <a:srgbClr val="000000"/>
+              </a:solidFill>
+              <a:latin typeface="Arial"/>
+            </a:endParaRPr>
+          </a:p>
+        </p:txBody>
+      </p:sp>
+    </p:spTree>
+  </p:cSld>
+  <mc:AlternateContent>
+    <mc:Choice Requires="p14">
+      <p:transition spd="slow" p14:dur="2000"/>
+    </mc:Choice>
+    <mc:Fallback>
+      <p:transition spd="slow"/>
+    </mc:Fallback>
+  </mc:AlternateContent>
+</p:sld>
+</file>
+
+<file path=ppt/slides/slide18.xml><?xml version="1.0" encoding="utf-8"?>
+<p:sld xmlns:a="http://schemas.openxmlformats.org/drawingml/2006/main" xmlns:p="http://schemas.openxmlformats.org/presentationml/2006/main" xmlns:r="http://schemas.openxmlformats.org/officeDocument/2006/relationships" xmlns:p14="http://schemas.microsoft.com/office/powerpoint/2010/main" xmlns:p15="http://schemas.microsoft.com/office/powerpoint/2012/main" xmlns:mc="http://schemas.openxmlformats.org/markup-compatibility/2006">
+  <p:cSld>
+    <p:spTree>
+      <p:nvGrpSpPr>
+        <p:cNvPr id="1" name=""/>
+        <p:cNvGrpSpPr/>
+        <p:nvPr/>
+      </p:nvGrpSpPr>
+      <p:grpSpPr>
+        <a:xfrm>
+          <a:off x="0" y="0"/>
+          <a:ext cx="0" cy="0"/>
+          <a:chOff x="0" y="0"/>
+          <a:chExt cx="0" cy="0"/>
+        </a:xfrm>
+      </p:grpSpPr>
+      <p:sp>
+        <p:nvSpPr>
+          <p:cNvPr id="246" name="Straight Connector 7"/>
+          <p:cNvSpPr/>
+          <p:nvPr/>
+        </p:nvSpPr>
+        <p:spPr>
+          <a:xfrm>
+            <a:off x="468000" y="4044600"/>
+            <a:ext cx="9144000" cy="360"/>
+          </a:xfrm>
+          <a:prstGeom prst="line">
+            <a:avLst/>
+          </a:prstGeom>
+          <a:ln w="57240">
+            <a:solidFill>
+              <a:srgbClr val="ed7d31"/>
+            </a:solidFill>
+            <a:miter/>
+          </a:ln>
+        </p:spPr>
+        <p:style>
+          <a:lnRef idx="0"/>
+          <a:fillRef idx="0"/>
+          <a:effectRef idx="0"/>
+          <a:fontRef idx="minor"/>
+        </p:style>
+        <p:txBody>
+          <a:bodyPr lIns="90000" rIns="90000" tIns="-44640" bIns="-44640" anchor="t" anchorCtr="1">
+            <a:noAutofit/>
+          </a:bodyPr>
+          <a:p>
+            <a:endParaRPr b="0" lang="en-US" sz="1800" spc="-1" strike="noStrike">
+              <a:solidFill>
+                <a:srgbClr val="000000"/>
+              </a:solidFill>
+              <a:latin typeface="Arial"/>
+              <a:ea typeface="DejaVu Sans"/>
+            </a:endParaRPr>
+          </a:p>
+        </p:txBody>
+      </p:sp>
+      <p:sp>
+        <p:nvSpPr>
+          <p:cNvPr id="247" name="Straight Connector 8"/>
+          <p:cNvSpPr/>
+          <p:nvPr/>
+        </p:nvSpPr>
+        <p:spPr>
+          <a:xfrm>
+            <a:off x="468000" y="1128600"/>
+            <a:ext cx="9144000" cy="360"/>
+          </a:xfrm>
+          <a:prstGeom prst="line">
+            <a:avLst/>
+          </a:prstGeom>
+          <a:ln w="57240">
+            <a:solidFill>
+              <a:srgbClr val="ed7d31"/>
+            </a:solidFill>
+            <a:miter/>
+          </a:ln>
+        </p:spPr>
+        <p:style>
+          <a:lnRef idx="0"/>
+          <a:fillRef idx="0"/>
+          <a:effectRef idx="0"/>
+          <a:fontRef idx="minor"/>
+        </p:style>
+        <p:txBody>
+          <a:bodyPr lIns="90000" rIns="90000" tIns="-44640" bIns="-44640" anchor="t" anchorCtr="1">
+            <a:noAutofit/>
+          </a:bodyPr>
+          <a:p>
+            <a:endParaRPr b="0" lang="en-US" sz="1800" spc="-1" strike="noStrike">
+              <a:solidFill>
+                <a:srgbClr val="000000"/>
+              </a:solidFill>
+              <a:latin typeface="Arial"/>
+              <a:ea typeface="DejaVu Sans"/>
+            </a:endParaRPr>
+          </a:p>
+        </p:txBody>
+      </p:sp>
+      <p:sp>
+        <p:nvSpPr>
+          <p:cNvPr id="248" name="PlaceHolder 6"/>
           <p:cNvSpPr/>
           <p:nvPr/>
         </p:nvSpPr>
         <p:spPr>
           <a:xfrm>
             <a:off x="928080" y="0"/>
-            <a:ext cx="8222760" cy="6293160"/>
+            <a:ext cx="8222040" cy="6292440"/>
           </a:xfrm>
           <a:prstGeom prst="rect">
             <a:avLst/>
@@ -1565,7 +8325,7 @@
         <p:spPr>
           <a:xfrm>
             <a:off x="914400" y="0"/>
-            <a:ext cx="8236440" cy="912960"/>
+            <a:ext cx="8235720" cy="912240"/>
           </a:xfrm>
           <a:prstGeom prst="rect">
             <a:avLst/>
@@ -1625,7 +8385,7 @@
         <p:spPr>
           <a:xfrm>
             <a:off x="457200" y="1128600"/>
-            <a:ext cx="9142560" cy="3884760"/>
+            <a:ext cx="9141840" cy="3884040"/>
           </a:xfrm>
           <a:prstGeom prst="rect">
             <a:avLst/>
@@ -1670,7 +8430,7 @@
         <p:spPr>
           <a:xfrm>
             <a:off x="457920" y="1372320"/>
-            <a:ext cx="9141840" cy="1598760"/>
+            <a:ext cx="9141120" cy="1598040"/>
           </a:xfrm>
           <a:prstGeom prst="roundRect">
             <a:avLst>
@@ -1777,7 +8537,7 @@
         <p:spPr>
           <a:xfrm>
             <a:off x="9664920" y="5258160"/>
-            <a:ext cx="3821760" cy="426240"/>
+            <a:ext cx="3821040" cy="425520"/>
           </a:xfrm>
           <a:prstGeom prst="rect">
             <a:avLst/>
@@ -1903,7 +8663,7 @@
         <p:spPr>
           <a:xfrm>
             <a:off x="921960" y="0"/>
-            <a:ext cx="8236440" cy="912960"/>
+            <a:ext cx="8235720" cy="912240"/>
           </a:xfrm>
           <a:prstGeom prst="rect">
             <a:avLst/>
@@ -1963,7 +8723,7 @@
         <p:spPr>
           <a:xfrm>
             <a:off x="457200" y="915120"/>
-            <a:ext cx="9142560" cy="3884760"/>
+            <a:ext cx="9141840" cy="3884040"/>
           </a:xfrm>
           <a:prstGeom prst="rect">
             <a:avLst/>
@@ -2089,7 +8849,7 @@
         <p:spPr>
           <a:xfrm>
             <a:off x="9664920" y="5258160"/>
-            <a:ext cx="3821760" cy="426240"/>
+            <a:ext cx="3821040" cy="425520"/>
           </a:xfrm>
           <a:prstGeom prst="rect">
             <a:avLst/>
@@ -2143,7 +8903,7 @@
         <p:spPr>
           <a:xfrm>
             <a:off x="2239200" y="3896640"/>
-            <a:ext cx="724680" cy="543240"/>
+            <a:ext cx="723960" cy="542520"/>
           </a:xfrm>
           <a:prstGeom prst="roundRect">
             <a:avLst>
@@ -2194,7 +8954,7 @@
         <p:spPr>
           <a:xfrm>
             <a:off x="3692520" y="3896640"/>
-            <a:ext cx="724680" cy="543240"/>
+            <a:ext cx="723960" cy="542520"/>
           </a:xfrm>
           <a:prstGeom prst="roundRect">
             <a:avLst>
@@ -2245,7 +9005,7 @@
         <p:spPr>
           <a:xfrm>
             <a:off x="2965680" y="3896640"/>
-            <a:ext cx="724680" cy="543240"/>
+            <a:ext cx="723960" cy="542520"/>
           </a:xfrm>
           <a:prstGeom prst="roundRect">
             <a:avLst>
@@ -2296,7 +9056,7 @@
         <p:spPr>
           <a:xfrm>
             <a:off x="2456640" y="3989880"/>
-            <a:ext cx="361800" cy="361440"/>
+            <a:ext cx="361080" cy="360720"/>
           </a:xfrm>
           <a:prstGeom prst="rect">
             <a:avLst/>
@@ -2350,7 +9110,7 @@
         <p:spPr>
           <a:xfrm>
             <a:off x="3183120" y="3989880"/>
-            <a:ext cx="361800" cy="361440"/>
+            <a:ext cx="361080" cy="360720"/>
           </a:xfrm>
           <a:prstGeom prst="rect">
             <a:avLst/>
@@ -2404,7 +9164,7 @@
         <p:spPr>
           <a:xfrm>
             <a:off x="3909960" y="3989880"/>
-            <a:ext cx="361800" cy="361440"/>
+            <a:ext cx="361080" cy="360720"/>
           </a:xfrm>
           <a:prstGeom prst="rect">
             <a:avLst/>
@@ -2458,7 +9218,7 @@
         <p:spPr>
           <a:xfrm>
             <a:off x="5904360" y="3896640"/>
-            <a:ext cx="1181880" cy="543240"/>
+            <a:ext cx="1181160" cy="542520"/>
           </a:xfrm>
           <a:prstGeom prst="roundRect">
             <a:avLst>
@@ -2590,7 +9350,7 @@
         <p:spPr>
           <a:xfrm>
             <a:off x="921960" y="0"/>
-            <a:ext cx="8236440" cy="912960"/>
+            <a:ext cx="8235720" cy="912240"/>
           </a:xfrm>
           <a:prstGeom prst="rect">
             <a:avLst/>
@@ -2650,7 +9410,7 @@
         <p:spPr>
           <a:xfrm>
             <a:off x="9664920" y="5258160"/>
-            <a:ext cx="3821760" cy="426240"/>
+            <a:ext cx="3821040" cy="425520"/>
           </a:xfrm>
           <a:prstGeom prst="rect">
             <a:avLst/>
@@ -2704,7 +9464,7 @@
         <p:spPr>
           <a:xfrm>
             <a:off x="2238840" y="3896640"/>
-            <a:ext cx="724680" cy="543240"/>
+            <a:ext cx="723960" cy="542520"/>
           </a:xfrm>
           <a:prstGeom prst="roundRect">
             <a:avLst>
@@ -2755,7 +9515,7 @@
         <p:spPr>
           <a:xfrm>
             <a:off x="3692160" y="3896640"/>
-            <a:ext cx="724680" cy="543240"/>
+            <a:ext cx="723960" cy="542520"/>
           </a:xfrm>
           <a:prstGeom prst="roundRect">
             <a:avLst>
@@ -2806,7 +9566,7 @@
         <p:spPr>
           <a:xfrm>
             <a:off x="2965320" y="3896640"/>
-            <a:ext cx="724680" cy="543240"/>
+            <a:ext cx="723960" cy="542520"/>
           </a:xfrm>
           <a:prstGeom prst="roundRect">
             <a:avLst>
@@ -2857,7 +9617,7 @@
         <p:spPr>
           <a:xfrm>
             <a:off x="2456280" y="3989880"/>
-            <a:ext cx="361800" cy="361440"/>
+            <a:ext cx="361080" cy="360720"/>
           </a:xfrm>
           <a:prstGeom prst="rect">
             <a:avLst/>
@@ -2911,7 +9671,7 @@
         <p:spPr>
           <a:xfrm>
             <a:off x="3182760" y="3989880"/>
-            <a:ext cx="361800" cy="361440"/>
+            <a:ext cx="361080" cy="360720"/>
           </a:xfrm>
           <a:prstGeom prst="rect">
             <a:avLst/>
@@ -2965,7 +9725,7 @@
         <p:spPr>
           <a:xfrm>
             <a:off x="3909600" y="3989880"/>
-            <a:ext cx="361800" cy="361440"/>
+            <a:ext cx="361080" cy="360720"/>
           </a:xfrm>
           <a:prstGeom prst="rect">
             <a:avLst/>
@@ -3019,7 +9779,7 @@
         <p:spPr>
           <a:xfrm>
             <a:off x="5904000" y="3896640"/>
-            <a:ext cx="1181880" cy="543240"/>
+            <a:ext cx="1181160" cy="542520"/>
           </a:xfrm>
           <a:prstGeom prst="roundRect">
             <a:avLst>
@@ -3079,7 +9839,7 @@
         <p:spPr>
           <a:xfrm>
             <a:off x="6003720" y="4280040"/>
-            <a:ext cx="361800" cy="361440"/>
+            <a:ext cx="361080" cy="360720"/>
           </a:xfrm>
           <a:prstGeom prst="rect">
             <a:avLst/>
@@ -3167,7 +9927,7 @@
         <p:spPr>
           <a:xfrm>
             <a:off x="5571000" y="3164400"/>
-            <a:ext cx="1599480" cy="342720"/>
+            <a:ext cx="1598760" cy="342000"/>
           </a:xfrm>
           <a:prstGeom prst="rect">
             <a:avLst/>
@@ -3264,7 +10024,7 @@
         <p:spPr>
           <a:xfrm>
             <a:off x="5967360" y="4820400"/>
-            <a:ext cx="1599480" cy="342720"/>
+            <a:ext cx="1598760" cy="342000"/>
           </a:xfrm>
           <a:prstGeom prst="rect">
             <a:avLst/>
@@ -3318,7 +10078,7 @@
         <p:spPr>
           <a:xfrm>
             <a:off x="468000" y="1128600"/>
-            <a:ext cx="9131760" cy="1384560"/>
+            <a:ext cx="9131040" cy="1383840"/>
           </a:xfrm>
           <a:prstGeom prst="rect">
             <a:avLst/>
@@ -3450,7 +10210,7 @@
         <p:spPr>
           <a:xfrm>
             <a:off x="921960" y="0"/>
-            <a:ext cx="8236440" cy="912960"/>
+            <a:ext cx="8235720" cy="912240"/>
           </a:xfrm>
           <a:prstGeom prst="rect">
             <a:avLst/>
@@ -3510,7 +10270,7 @@
         <p:spPr>
           <a:xfrm>
             <a:off x="9664920" y="5258160"/>
-            <a:ext cx="3821760" cy="426240"/>
+            <a:ext cx="3821040" cy="425520"/>
           </a:xfrm>
           <a:prstGeom prst="rect">
             <a:avLst/>
@@ -3564,7 +10324,7 @@
         <p:spPr>
           <a:xfrm>
             <a:off x="1828800" y="3896640"/>
-            <a:ext cx="1134720" cy="543240"/>
+            <a:ext cx="1134000" cy="542520"/>
           </a:xfrm>
           <a:prstGeom prst="roundRect">
             <a:avLst>
@@ -3615,7 +10375,7 @@
         <p:spPr>
           <a:xfrm>
             <a:off x="3692160" y="3896640"/>
-            <a:ext cx="724680" cy="543240"/>
+            <a:ext cx="723960" cy="542520"/>
           </a:xfrm>
           <a:prstGeom prst="roundRect">
             <a:avLst>
@@ -3666,7 +10426,7 @@
         <p:spPr>
           <a:xfrm>
             <a:off x="2965320" y="3896640"/>
-            <a:ext cx="724680" cy="543240"/>
+            <a:ext cx="723960" cy="542520"/>
           </a:xfrm>
           <a:prstGeom prst="roundRect">
             <a:avLst>
@@ -3717,7 +10477,7 @@
         <p:spPr>
           <a:xfrm>
             <a:off x="1828800" y="3989880"/>
-            <a:ext cx="1134720" cy="361440"/>
+            <a:ext cx="1134000" cy="360720"/>
           </a:xfrm>
           <a:prstGeom prst="rect">
             <a:avLst/>
@@ -3751,7 +10511,7 @@
                 <a:latin typeface="Times New Roman"/>
                 <a:ea typeface="DejaVu Sans"/>
               </a:rPr>
-              <a:t>(0,  0, A)</a:t>
+              <a:t>(0,  0,  A)</a:t>
             </a:r>
             <a:endParaRPr b="0" lang="en-US" sz="1800" spc="-1" strike="noStrike">
               <a:solidFill>
@@ -3771,7 +10531,7 @@
         <p:spPr>
           <a:xfrm>
             <a:off x="3182760" y="3989880"/>
-            <a:ext cx="361800" cy="361440"/>
+            <a:ext cx="361080" cy="360720"/>
           </a:xfrm>
           <a:prstGeom prst="rect">
             <a:avLst/>
@@ -3825,7 +10585,7 @@
         <p:spPr>
           <a:xfrm>
             <a:off x="3909600" y="3989880"/>
-            <a:ext cx="361800" cy="361440"/>
+            <a:ext cx="361080" cy="360720"/>
           </a:xfrm>
           <a:prstGeom prst="rect">
             <a:avLst/>
@@ -3879,7 +10639,7 @@
         <p:spPr>
           <a:xfrm>
             <a:off x="5904000" y="3896640"/>
-            <a:ext cx="1181880" cy="543240"/>
+            <a:ext cx="1181160" cy="542520"/>
           </a:xfrm>
           <a:prstGeom prst="roundRect">
             <a:avLst>
@@ -3939,7 +10699,7 @@
         <p:spPr>
           <a:xfrm>
             <a:off x="6003720" y="4280040"/>
-            <a:ext cx="361800" cy="361440"/>
+            <a:ext cx="361080" cy="360720"/>
           </a:xfrm>
           <a:prstGeom prst="rect">
             <a:avLst/>
@@ -4027,7 +10787,7 @@
         <p:spPr>
           <a:xfrm>
             <a:off x="5571000" y="3164400"/>
-            <a:ext cx="1599480" cy="342720"/>
+            <a:ext cx="1598760" cy="342000"/>
           </a:xfrm>
           <a:prstGeom prst="rect">
             <a:avLst/>
@@ -4124,7 +10884,7 @@
         <p:spPr>
           <a:xfrm>
             <a:off x="5967360" y="4820400"/>
-            <a:ext cx="1599480" cy="342720"/>
+            <a:ext cx="1598760" cy="342000"/>
           </a:xfrm>
           <a:prstGeom prst="rect">
             <a:avLst/>
@@ -4178,7 +10938,7 @@
         <p:spPr>
           <a:xfrm>
             <a:off x="468000" y="1128600"/>
-            <a:ext cx="9131760" cy="1384560"/>
+            <a:ext cx="9131040" cy="1383840"/>
           </a:xfrm>
           <a:prstGeom prst="rect">
             <a:avLst/>
@@ -4339,7 +11099,7 @@
         <p:spPr>
           <a:xfrm>
             <a:off x="914400" y="0"/>
-            <a:ext cx="8236440" cy="912960"/>
+            <a:ext cx="8235720" cy="912240"/>
           </a:xfrm>
           <a:prstGeom prst="rect">
             <a:avLst/>
@@ -4376,7 +11136,7 @@
                 <a:latin typeface="Times New Roman"/>
                 <a:ea typeface="DejaVu Sans"/>
               </a:rPr>
-              <a:t>The “Sliding Window”</a:t>
+              <a:t>Encode with Search Buffers</a:t>
             </a:r>
             <a:br>
               <a:rPr sz="2800"/>
@@ -4399,7 +11159,7 @@
         <p:spPr>
           <a:xfrm>
             <a:off x="468000" y="1128600"/>
-            <a:ext cx="9131760" cy="1384560"/>
+            <a:ext cx="9131040" cy="1383840"/>
           </a:xfrm>
           <a:prstGeom prst="rect">
             <a:avLst/>
@@ -4459,15 +11219,15 @@
         <p:spPr>
           <a:xfrm rot="5391600">
             <a:off x="6655320" y="1710000"/>
-            <a:ext cx="453240" cy="3267000"/>
+            <a:ext cx="452520" cy="3266280"/>
           </a:xfrm>
           <a:custGeom>
             <a:avLst/>
             <a:gdLst>
-              <a:gd name="textAreaLeft" fmla="*/ 290520 w 453240"/>
-              <a:gd name="textAreaRight" fmla="*/ 455040 w 453240"/>
-              <a:gd name="textAreaTop" fmla="*/ 84960 h 3267000"/>
-              <a:gd name="textAreaBottom" fmla="*/ 3183480 h 3267000"/>
+              <a:gd name="textAreaLeft" fmla="*/ 290520 w 452520"/>
+              <a:gd name="textAreaRight" fmla="*/ 455040 w 452520"/>
+              <a:gd name="textAreaTop" fmla="*/ 84960 h 3266280"/>
+              <a:gd name="textAreaBottom" fmla="*/ 3183480 h 3266280"/>
             </a:gdLst>
             <a:ahLst/>
             <a:rect l="textAreaLeft" t="textAreaTop" r="textAreaRight" b="textAreaBottom"/>
@@ -4547,7 +11307,7 @@
         <p:spPr>
           <a:xfrm>
             <a:off x="3612600" y="3528720"/>
-            <a:ext cx="724680" cy="543240"/>
+            <a:ext cx="723960" cy="542520"/>
           </a:xfrm>
           <a:prstGeom prst="roundRect">
             <a:avLst>
@@ -4607,7 +11367,7 @@
         <p:spPr>
           <a:xfrm>
             <a:off x="4339080" y="3528720"/>
-            <a:ext cx="724680" cy="543240"/>
+            <a:ext cx="723960" cy="542520"/>
           </a:xfrm>
           <a:prstGeom prst="roundRect">
             <a:avLst>
@@ -4667,7 +11427,7 @@
         <p:spPr>
           <a:xfrm>
             <a:off x="5065920" y="3528720"/>
-            <a:ext cx="724680" cy="543240"/>
+            <a:ext cx="723960" cy="542520"/>
           </a:xfrm>
           <a:prstGeom prst="roundRect">
             <a:avLst>
@@ -4727,7 +11487,7 @@
         <p:spPr>
           <a:xfrm>
             <a:off x="5792400" y="3528720"/>
-            <a:ext cx="724680" cy="543240"/>
+            <a:ext cx="723960" cy="542520"/>
           </a:xfrm>
           <a:prstGeom prst="roundRect">
             <a:avLst>
@@ -4787,7 +11547,7 @@
         <p:spPr>
           <a:xfrm>
             <a:off x="6519600" y="3528720"/>
-            <a:ext cx="724680" cy="543240"/>
+            <a:ext cx="723960" cy="542520"/>
           </a:xfrm>
           <a:prstGeom prst="roundRect">
             <a:avLst>
@@ -4847,7 +11607,7 @@
         <p:spPr>
           <a:xfrm>
             <a:off x="7246080" y="3528720"/>
-            <a:ext cx="725040" cy="543240"/>
+            <a:ext cx="724320" cy="542520"/>
           </a:xfrm>
           <a:prstGeom prst="roundRect">
             <a:avLst>
@@ -4907,7 +11667,7 @@
         <p:spPr>
           <a:xfrm>
             <a:off x="7972920" y="3528720"/>
-            <a:ext cx="724680" cy="543240"/>
+            <a:ext cx="723960" cy="542520"/>
           </a:xfrm>
           <a:prstGeom prst="roundRect">
             <a:avLst>
@@ -5009,16 +11769,16 @@
         </p:nvSpPr>
         <p:spPr>
           <a:xfrm rot="5392800">
-            <a:off x="2708640" y="2072520"/>
-            <a:ext cx="352080" cy="2541960"/>
+            <a:off x="2708640" y="2071800"/>
+            <a:ext cx="351360" cy="2541240"/>
           </a:xfrm>
           <a:custGeom>
             <a:avLst/>
             <a:gdLst>
-              <a:gd name="textAreaLeft" fmla="*/ 226080 w 352080"/>
-              <a:gd name="textAreaRight" fmla="*/ 353880 w 352080"/>
-              <a:gd name="textAreaTop" fmla="*/ 65880 h 2541960"/>
-              <a:gd name="textAreaBottom" fmla="*/ 2477520 h 2541960"/>
+              <a:gd name="textAreaLeft" fmla="*/ 226080 w 351360"/>
+              <a:gd name="textAreaRight" fmla="*/ 353880 w 351360"/>
+              <a:gd name="textAreaTop" fmla="*/ 65880 h 2541240"/>
+              <a:gd name="textAreaBottom" fmla="*/ 2477520 h 2541240"/>
             </a:gdLst>
             <a:ahLst/>
             <a:rect l="textAreaLeft" t="textAreaTop" r="textAreaRight" b="textAreaBottom"/>
@@ -5098,7 +11858,7 @@
         <p:spPr>
           <a:xfrm>
             <a:off x="1474200" y="2743200"/>
-            <a:ext cx="2699640" cy="282960"/>
+            <a:ext cx="2698920" cy="282240"/>
           </a:xfrm>
           <a:prstGeom prst="rect">
             <a:avLst/>
@@ -5152,7 +11912,7 @@
         <p:spPr>
           <a:xfrm>
             <a:off x="5740560" y="2711160"/>
-            <a:ext cx="3353400" cy="472320"/>
+            <a:ext cx="3352680" cy="471600"/>
           </a:xfrm>
           <a:prstGeom prst="rect">
             <a:avLst/>
@@ -5206,7 +11966,7 @@
         <p:spPr>
           <a:xfrm>
             <a:off x="3779280" y="4744800"/>
-            <a:ext cx="2513160" cy="354960"/>
+            <a:ext cx="2512440" cy="354240"/>
           </a:xfrm>
           <a:prstGeom prst="rect">
             <a:avLst/>
@@ -5260,7 +12020,7 @@
         <p:spPr>
           <a:xfrm>
             <a:off x="9664560" y="5257800"/>
-            <a:ext cx="3821760" cy="426240"/>
+            <a:ext cx="3821040" cy="425520"/>
           </a:xfrm>
           <a:prstGeom prst="rect">
             <a:avLst/>
@@ -5314,7 +12074,7 @@
         <p:spPr>
           <a:xfrm>
             <a:off x="2892600" y="3528720"/>
-            <a:ext cx="724680" cy="543240"/>
+            <a:ext cx="723960" cy="542520"/>
           </a:xfrm>
           <a:prstGeom prst="roundRect">
             <a:avLst>
@@ -5374,7 +12134,7 @@
         <p:spPr>
           <a:xfrm>
             <a:off x="2172600" y="3528720"/>
-            <a:ext cx="724680" cy="543240"/>
+            <a:ext cx="723960" cy="542520"/>
           </a:xfrm>
           <a:prstGeom prst="roundRect">
             <a:avLst>
@@ -5434,7 +12194,7 @@
         <p:spPr>
           <a:xfrm>
             <a:off x="1452600" y="3528720"/>
-            <a:ext cx="724680" cy="543240"/>
+            <a:ext cx="723960" cy="542520"/>
           </a:xfrm>
           <a:prstGeom prst="roundRect">
             <a:avLst>
@@ -5566,7 +12326,7 @@
         <p:spPr>
           <a:xfrm>
             <a:off x="914400" y="0"/>
-            <a:ext cx="8236440" cy="912960"/>
+            <a:ext cx="8235720" cy="912240"/>
           </a:xfrm>
           <a:prstGeom prst="rect">
             <a:avLst/>
@@ -5626,7 +12386,7 @@
         <p:spPr>
           <a:xfrm>
             <a:off x="468000" y="1128600"/>
-            <a:ext cx="9131760" cy="1943640"/>
+            <a:ext cx="9131040" cy="1942920"/>
           </a:xfrm>
           <a:prstGeom prst="rect">
             <a:avLst/>
@@ -5714,8 +12474,8 @@
         </p:nvSpPr>
         <p:spPr>
           <a:xfrm>
-            <a:off x="688320" y="3429360"/>
-            <a:ext cx="2512080" cy="455400"/>
+            <a:off x="328320" y="3429360"/>
+            <a:ext cx="2511360" cy="454680"/>
           </a:xfrm>
           <a:prstGeom prst="rect">
             <a:avLst/>
@@ -5749,7 +12509,7 @@
                 <a:latin typeface="Times New Roman"/>
                 <a:ea typeface="DejaVu Sans"/>
               </a:rPr>
-              <a:t>Search Buffer</a:t>
+              <a:t>Search</a:t>
             </a:r>
             <a:endParaRPr b="0" lang="en-US" sz="2400" spc="-1" strike="noStrike">
               <a:solidFill>
@@ -5769,7 +12529,7 @@
         <p:spPr>
           <a:xfrm>
             <a:off x="1048320" y="4493880"/>
-            <a:ext cx="3197880" cy="762480"/>
+            <a:ext cx="3197160" cy="761760"/>
           </a:xfrm>
           <a:prstGeom prst="rect">
             <a:avLst/>
@@ -5823,7 +12583,7 @@
         <p:spPr>
           <a:xfrm>
             <a:off x="9664920" y="5258160"/>
-            <a:ext cx="3821760" cy="426240"/>
+            <a:ext cx="3821040" cy="425520"/>
           </a:xfrm>
           <a:prstGeom prst="rect">
             <a:avLst/>
@@ -5876,8 +12636,8 @@
         </p:nvSpPr>
         <p:spPr>
           <a:xfrm>
-            <a:off x="8457480" y="4538880"/>
-            <a:ext cx="683640" cy="501120"/>
+            <a:off x="3336840" y="3410640"/>
+            <a:ext cx="682920" cy="500400"/>
           </a:xfrm>
           <a:prstGeom prst="roundRect">
             <a:avLst>
@@ -5885,7 +12645,7 @@
             </a:avLst>
           </a:prstGeom>
           <a:solidFill>
-            <a:srgbClr val="77bc65"/>
+            <a:srgbClr val="729fcf"/>
           </a:solidFill>
           <a:ln w="0">
             <a:solidFill>
@@ -5917,7 +12677,7 @@
                 <a:latin typeface="Times New Roman"/>
                 <a:ea typeface="DejaVu Sans"/>
               </a:rPr>
-              <a:t>F</a:t>
+              <a:t>G</a:t>
             </a:r>
             <a:endParaRPr b="0" lang="en-US" sz="1800" spc="-1" strike="noStrike">
               <a:solidFill>
@@ -5936,8 +12696,8 @@
         </p:nvSpPr>
         <p:spPr>
           <a:xfrm>
-            <a:off x="7773840" y="4538880"/>
-            <a:ext cx="683640" cy="501120"/>
+            <a:off x="5398200" y="3422880"/>
+            <a:ext cx="682920" cy="500400"/>
           </a:xfrm>
           <a:prstGeom prst="roundRect">
             <a:avLst>
@@ -5945,7 +12705,7 @@
             </a:avLst>
           </a:prstGeom>
           <a:solidFill>
-            <a:srgbClr val="77bc65"/>
+            <a:srgbClr val="729fcf"/>
           </a:solidFill>
           <a:ln w="0">
             <a:solidFill>
@@ -5977,7 +12737,7 @@
                 <a:latin typeface="Times New Roman"/>
                 <a:ea typeface="DejaVu Sans"/>
               </a:rPr>
-              <a:t>L</a:t>
+              <a:t>D</a:t>
             </a:r>
             <a:endParaRPr b="0" lang="en-US" sz="1800" spc="-1" strike="noStrike">
               <a:solidFill>
@@ -5996,8 +12756,8 @@
         </p:nvSpPr>
         <p:spPr>
           <a:xfrm>
-            <a:off x="7089840" y="4538880"/>
-            <a:ext cx="683640" cy="501120"/>
+            <a:off x="4714200" y="3422880"/>
+            <a:ext cx="682920" cy="500400"/>
           </a:xfrm>
           <a:prstGeom prst="roundRect">
             <a:avLst>
@@ -6005,7 +12765,7 @@
             </a:avLst>
           </a:prstGeom>
           <a:solidFill>
-            <a:srgbClr val="77bc65"/>
+            <a:srgbClr val="729fcf"/>
           </a:solidFill>
           <a:ln w="0">
             <a:solidFill>
@@ -6037,7 +12797,7 @@
                 <a:latin typeface="Times New Roman"/>
                 <a:ea typeface="DejaVu Sans"/>
               </a:rPr>
-              <a:t>A</a:t>
+              <a:t>N</a:t>
             </a:r>
             <a:endParaRPr b="0" lang="en-US" sz="1800" spc="-1" strike="noStrike">
               <a:solidFill>
@@ -6056,8 +12816,8 @@
         </p:nvSpPr>
         <p:spPr>
           <a:xfrm>
-            <a:off x="6405840" y="4538880"/>
-            <a:ext cx="683640" cy="501120"/>
+            <a:off x="4030200" y="3422880"/>
+            <a:ext cx="682920" cy="500400"/>
           </a:xfrm>
           <a:prstGeom prst="roundRect">
             <a:avLst>
@@ -6065,7 +12825,7 @@
             </a:avLst>
           </a:prstGeom>
           <a:solidFill>
-            <a:srgbClr val="77bc65"/>
+            <a:srgbClr val="729fcf"/>
           </a:solidFill>
           <a:ln w="0">
             <a:solidFill>
@@ -6097,7 +12857,7 @@
                 <a:latin typeface="Times New Roman"/>
                 <a:ea typeface="DejaVu Sans"/>
               </a:rPr>
-              <a:t>D</a:t>
+              <a:t>A</a:t>
             </a:r>
             <a:endParaRPr b="0" lang="en-US" sz="1800" spc="-1" strike="noStrike">
               <a:solidFill>
@@ -6116,8 +12876,8 @@
         </p:nvSpPr>
         <p:spPr>
           <a:xfrm>
-            <a:off x="5721840" y="4538880"/>
-            <a:ext cx="683640" cy="501120"/>
+            <a:off x="3346560" y="4535280"/>
+            <a:ext cx="682920" cy="500400"/>
           </a:xfrm>
           <a:prstGeom prst="roundRect">
             <a:avLst>
@@ -6125,7 +12885,7 @@
             </a:avLst>
           </a:prstGeom>
           <a:solidFill>
-            <a:srgbClr val="77bc65"/>
+            <a:srgbClr val="ffde59"/>
           </a:solidFill>
           <a:ln w="0">
             <a:solidFill>
@@ -6157,7 +12917,7 @@
                 <a:latin typeface="Times New Roman"/>
                 <a:ea typeface="DejaVu Sans"/>
               </a:rPr>
-              <a:t>N</a:t>
+              <a:t>G</a:t>
             </a:r>
             <a:endParaRPr b="0" lang="en-US" sz="1800" spc="-1" strike="noStrike">
               <a:solidFill>
@@ -6176,8 +12936,8 @@
         </p:nvSpPr>
         <p:spPr>
           <a:xfrm>
-            <a:off x="5037840" y="4538880"/>
-            <a:ext cx="683640" cy="501120"/>
+            <a:off x="7449480" y="4538880"/>
+            <a:ext cx="682920" cy="500400"/>
           </a:xfrm>
           <a:prstGeom prst="roundRect">
             <a:avLst>
@@ -6217,7 +12977,7 @@
                 <a:latin typeface="Times New Roman"/>
                 <a:ea typeface="DejaVu Sans"/>
               </a:rPr>
-              <a:t>A</a:t>
+              <a:t>F</a:t>
             </a:r>
             <a:endParaRPr b="0" lang="en-US" sz="1800" spc="-1" strike="noStrike">
               <a:solidFill>
@@ -6236,8 +12996,8 @@
         </p:nvSpPr>
         <p:spPr>
           <a:xfrm>
-            <a:off x="4345560" y="3410640"/>
-            <a:ext cx="683640" cy="501120"/>
+            <a:off x="6765840" y="4538880"/>
+            <a:ext cx="682920" cy="500400"/>
           </a:xfrm>
           <a:prstGeom prst="roundRect">
             <a:avLst>
@@ -6245,7 +13005,7 @@
             </a:avLst>
           </a:prstGeom>
           <a:solidFill>
-            <a:srgbClr val="729fcf"/>
+            <a:srgbClr val="77bc65"/>
           </a:solidFill>
           <a:ln w="0">
             <a:solidFill>
@@ -6277,7 +13037,7 @@
                 <a:latin typeface="Times New Roman"/>
                 <a:ea typeface="DejaVu Sans"/>
               </a:rPr>
-              <a:t>G</a:t>
+              <a:t>L</a:t>
             </a:r>
             <a:endParaRPr b="0" lang="en-US" sz="1800" spc="-1" strike="noStrike">
               <a:solidFill>
@@ -6296,8 +13056,8 @@
         </p:nvSpPr>
         <p:spPr>
           <a:xfrm>
-            <a:off x="6406920" y="3422880"/>
-            <a:ext cx="683640" cy="501120"/>
+            <a:off x="6081840" y="4538880"/>
+            <a:ext cx="682920" cy="500400"/>
           </a:xfrm>
           <a:prstGeom prst="roundRect">
             <a:avLst>
@@ -6305,7 +13065,7 @@
             </a:avLst>
           </a:prstGeom>
           <a:solidFill>
-            <a:srgbClr val="729fcf"/>
+            <a:srgbClr val="77bc65"/>
           </a:solidFill>
           <a:ln w="0">
             <a:solidFill>
@@ -6337,7 +13097,7 @@
                 <a:latin typeface="Times New Roman"/>
                 <a:ea typeface="DejaVu Sans"/>
               </a:rPr>
-              <a:t>D</a:t>
+              <a:t>A</a:t>
             </a:r>
             <a:endParaRPr b="0" lang="en-US" sz="1800" spc="-1" strike="noStrike">
               <a:solidFill>
@@ -6356,8 +13116,8 @@
         </p:nvSpPr>
         <p:spPr>
           <a:xfrm>
-            <a:off x="5722920" y="3422880"/>
-            <a:ext cx="683640" cy="501120"/>
+            <a:off x="5397840" y="4538880"/>
+            <a:ext cx="682920" cy="500400"/>
           </a:xfrm>
           <a:prstGeom prst="roundRect">
             <a:avLst>
@@ -6365,7 +13125,7 @@
             </a:avLst>
           </a:prstGeom>
           <a:solidFill>
-            <a:srgbClr val="729fcf"/>
+            <a:srgbClr val="77bc65"/>
           </a:solidFill>
           <a:ln w="0">
             <a:solidFill>
@@ -6397,7 +13157,7 @@
                 <a:latin typeface="Times New Roman"/>
                 <a:ea typeface="DejaVu Sans"/>
               </a:rPr>
-              <a:t>N</a:t>
+              <a:t>D</a:t>
             </a:r>
             <a:endParaRPr b="0" lang="en-US" sz="1800" spc="-1" strike="noStrike">
               <a:solidFill>
@@ -6416,8 +13176,8 @@
         </p:nvSpPr>
         <p:spPr>
           <a:xfrm>
-            <a:off x="5038920" y="3422880"/>
-            <a:ext cx="683640" cy="501120"/>
+            <a:off x="4713840" y="4538880"/>
+            <a:ext cx="682920" cy="500400"/>
           </a:xfrm>
           <a:prstGeom prst="roundRect">
             <a:avLst>
@@ -6425,7 +13185,7 @@
             </a:avLst>
           </a:prstGeom>
           <a:solidFill>
-            <a:srgbClr val="729fcf"/>
+            <a:srgbClr val="77bc65"/>
           </a:solidFill>
           <a:ln w="0">
             <a:solidFill>
@@ -6457,7 +13217,7 @@
                 <a:latin typeface="Times New Roman"/>
                 <a:ea typeface="DejaVu Sans"/>
               </a:rPr>
-              <a:t>A</a:t>
+              <a:t>N</a:t>
             </a:r>
             <a:endParaRPr b="0" lang="en-US" sz="1800" spc="-1" strike="noStrike">
               <a:solidFill>
@@ -6476,8 +13236,8 @@
         </p:nvSpPr>
         <p:spPr>
           <a:xfrm>
-            <a:off x="4345200" y="4526640"/>
-            <a:ext cx="683640" cy="501120"/>
+            <a:off x="4029840" y="4538880"/>
+            <a:ext cx="682920" cy="500400"/>
           </a:xfrm>
           <a:prstGeom prst="roundRect">
             <a:avLst>
@@ -6485,7 +13245,7 @@
             </a:avLst>
           </a:prstGeom>
           <a:solidFill>
-            <a:srgbClr val="ffde59"/>
+            <a:srgbClr val="77bc65"/>
           </a:solidFill>
           <a:ln w="0">
             <a:solidFill>
@@ -6517,7 +13277,7 @@
                 <a:latin typeface="Times New Roman"/>
                 <a:ea typeface="DejaVu Sans"/>
               </a:rPr>
-              <a:t>G</a:t>
+              <a:t>A</a:t>
             </a:r>
             <a:endParaRPr b="0" lang="en-US" sz="1800" spc="-1" strike="noStrike">
               <a:solidFill>
@@ -6609,7 +13369,7 @@
         <p:spPr>
           <a:xfrm>
             <a:off x="914400" y="0"/>
-            <a:ext cx="8236440" cy="912960"/>
+            <a:ext cx="8235720" cy="912240"/>
           </a:xfrm>
           <a:prstGeom prst="rect">
             <a:avLst/>
@@ -6646,7 +13406,7 @@
                 <a:latin typeface="Times New Roman"/>
                 <a:ea typeface="DejaVu Sans"/>
               </a:rPr>
-              <a:t>The “Sliding Window”</a:t>
+              <a:t>How do the Buffers Work?</a:t>
             </a:r>
             <a:br>
               <a:rPr sz="2800"/>
@@ -6669,7 +13429,7 @@
         <p:spPr>
           <a:xfrm>
             <a:off x="468000" y="1128600"/>
-            <a:ext cx="9131760" cy="1943640"/>
+            <a:ext cx="9131040" cy="1942920"/>
           </a:xfrm>
           <a:prstGeom prst="rect">
             <a:avLst/>
@@ -6728,8 +13488,8 @@
         </p:nvSpPr>
         <p:spPr>
           <a:xfrm>
-            <a:off x="688320" y="3429360"/>
-            <a:ext cx="2512080" cy="455400"/>
+            <a:off x="328320" y="3429360"/>
+            <a:ext cx="2511360" cy="454680"/>
           </a:xfrm>
           <a:prstGeom prst="rect">
             <a:avLst/>
@@ -6763,7 +13523,7 @@
                 <a:latin typeface="Times New Roman"/>
                 <a:ea typeface="DejaVu Sans"/>
               </a:rPr>
-              <a:t>Search Buffer</a:t>
+              <a:t>Search</a:t>
             </a:r>
             <a:endParaRPr b="0" lang="en-US" sz="2400" spc="-1" strike="noStrike">
               <a:solidFill>
@@ -6783,7 +13543,7 @@
         <p:spPr>
           <a:xfrm>
             <a:off x="1048320" y="4493880"/>
-            <a:ext cx="3197880" cy="762480"/>
+            <a:ext cx="3197160" cy="761760"/>
           </a:xfrm>
           <a:prstGeom prst="rect">
             <a:avLst/>
@@ -6836,8 +13596,8 @@
         </p:nvSpPr>
         <p:spPr>
           <a:xfrm>
-            <a:off x="4344840" y="4526640"/>
-            <a:ext cx="683640" cy="501120"/>
+            <a:off x="3346560" y="4544640"/>
+            <a:ext cx="682920" cy="500400"/>
           </a:xfrm>
           <a:prstGeom prst="roundRect">
             <a:avLst>
@@ -6897,7 +13657,7 @@
         <p:spPr>
           <a:xfrm>
             <a:off x="9664920" y="5258160"/>
-            <a:ext cx="3821760" cy="426240"/>
+            <a:ext cx="3821040" cy="425520"/>
           </a:xfrm>
           <a:prstGeom prst="rect">
             <a:avLst/>
@@ -6950,7 +13710,7 @@
         </p:nvSpPr>
         <p:spPr>
           <a:xfrm flipV="1">
-            <a:off x="4680000" y="4062240"/>
+            <a:off x="3672000" y="4062240"/>
             <a:ext cx="360" cy="349200"/>
           </a:xfrm>
           <a:prstGeom prst="line">
@@ -6993,7 +13753,7 @@
         </p:nvSpPr>
         <p:spPr>
           <a:xfrm flipV="1">
-            <a:off x="5364000" y="4067280"/>
+            <a:off x="4356000" y="4067280"/>
             <a:ext cx="360" cy="349200"/>
           </a:xfrm>
           <a:prstGeom prst="line">
@@ -7036,7 +13796,7 @@
         </p:nvSpPr>
         <p:spPr>
           <a:xfrm flipV="1">
-            <a:off x="6048000" y="4067280"/>
+            <a:off x="5040000" y="4067280"/>
             <a:ext cx="360" cy="349200"/>
           </a:xfrm>
           <a:prstGeom prst="line">
@@ -7079,7 +13839,7 @@
         </p:nvSpPr>
         <p:spPr>
           <a:xfrm flipV="1">
-            <a:off x="6732000" y="4067280"/>
+            <a:off x="5724000" y="4067280"/>
             <a:ext cx="360" cy="349200"/>
           </a:xfrm>
           <a:prstGeom prst="line">
@@ -7122,8 +13882,8 @@
         </p:nvSpPr>
         <p:spPr>
           <a:xfrm>
-            <a:off x="8457840" y="4538880"/>
-            <a:ext cx="683640" cy="501120"/>
+            <a:off x="7449840" y="4538880"/>
+            <a:ext cx="682920" cy="500400"/>
           </a:xfrm>
           <a:prstGeom prst="roundRect">
             <a:avLst>
@@ -7182,8 +13942,8 @@
         </p:nvSpPr>
         <p:spPr>
           <a:xfrm>
-            <a:off x="7774200" y="4538880"/>
-            <a:ext cx="683640" cy="501120"/>
+            <a:off x="6766200" y="4538880"/>
+            <a:ext cx="682920" cy="500400"/>
           </a:xfrm>
           <a:prstGeom prst="roundRect">
             <a:avLst>
@@ -7242,8 +14002,8 @@
         </p:nvSpPr>
         <p:spPr>
           <a:xfrm>
-            <a:off x="7090200" y="4538880"/>
-            <a:ext cx="683640" cy="501120"/>
+            <a:off x="6082200" y="4538880"/>
+            <a:ext cx="682920" cy="500400"/>
           </a:xfrm>
           <a:prstGeom prst="roundRect">
             <a:avLst>
@@ -7302,8 +14062,8 @@
         </p:nvSpPr>
         <p:spPr>
           <a:xfrm>
-            <a:off x="6406200" y="4538880"/>
-            <a:ext cx="683640" cy="501120"/>
+            <a:off x="5398200" y="4538880"/>
+            <a:ext cx="682920" cy="500400"/>
           </a:xfrm>
           <a:prstGeom prst="roundRect">
             <a:avLst>
@@ -7362,8 +14122,8 @@
         </p:nvSpPr>
         <p:spPr>
           <a:xfrm>
-            <a:off x="5722200" y="4538880"/>
-            <a:ext cx="683640" cy="501120"/>
+            <a:off x="4714200" y="4538880"/>
+            <a:ext cx="682920" cy="500400"/>
           </a:xfrm>
           <a:prstGeom prst="roundRect">
             <a:avLst>
@@ -7422,8 +14182,8 @@
         </p:nvSpPr>
         <p:spPr>
           <a:xfrm>
-            <a:off x="5038200" y="4538880"/>
-            <a:ext cx="683640" cy="501120"/>
+            <a:off x="4030200" y="4538880"/>
+            <a:ext cx="682920" cy="500400"/>
           </a:xfrm>
           <a:prstGeom prst="roundRect">
             <a:avLst>
@@ -7482,8 +14242,8 @@
         </p:nvSpPr>
         <p:spPr>
           <a:xfrm>
-            <a:off x="4345200" y="3410640"/>
-            <a:ext cx="683640" cy="501120"/>
+            <a:off x="3337200" y="3410640"/>
+            <a:ext cx="682920" cy="500400"/>
           </a:xfrm>
           <a:prstGeom prst="roundRect">
             <a:avLst>
@@ -7542,8 +14302,8 @@
         </p:nvSpPr>
         <p:spPr>
           <a:xfrm>
-            <a:off x="6406560" y="3422880"/>
-            <a:ext cx="683640" cy="501120"/>
+            <a:off x="5398560" y="3422880"/>
+            <a:ext cx="682920" cy="500400"/>
           </a:xfrm>
           <a:prstGeom prst="roundRect">
             <a:avLst>
@@ -7602,8 +14362,8 @@
         </p:nvSpPr>
         <p:spPr>
           <a:xfrm>
-            <a:off x="5722560" y="3422880"/>
-            <a:ext cx="683640" cy="501120"/>
+            <a:off x="4714560" y="3422880"/>
+            <a:ext cx="682920" cy="500400"/>
           </a:xfrm>
           <a:prstGeom prst="roundRect">
             <a:avLst>
@@ -7662,8 +14422,8 @@
         </p:nvSpPr>
         <p:spPr>
           <a:xfrm>
-            <a:off x="5038560" y="3422880"/>
-            <a:ext cx="683640" cy="501120"/>
+            <a:off x="4030560" y="3422880"/>
+            <a:ext cx="682920" cy="500400"/>
           </a:xfrm>
           <a:prstGeom prst="roundRect">
             <a:avLst>
@@ -7795,7 +14555,7 @@
         <p:spPr>
           <a:xfrm>
             <a:off x="914400" y="0"/>
-            <a:ext cx="8236440" cy="912960"/>
+            <a:ext cx="8235720" cy="912240"/>
           </a:xfrm>
           <a:prstGeom prst="rect">
             <a:avLst/>
@@ -7832,7 +14592,7 @@
                 <a:latin typeface="Times New Roman"/>
                 <a:ea typeface="DejaVu Sans"/>
               </a:rPr>
-              <a:t>The “Sliding Window”</a:t>
+              <a:t>How do the Buffers Work?</a:t>
             </a:r>
             <a:br>
               <a:rPr sz="2800"/>
@@ -7855,7 +14615,7 @@
         <p:spPr>
           <a:xfrm>
             <a:off x="468000" y="1128600"/>
-            <a:ext cx="9131760" cy="1943640"/>
+            <a:ext cx="9131040" cy="1942920"/>
           </a:xfrm>
           <a:prstGeom prst="rect">
             <a:avLst/>
@@ -7943,8 +14703,8 @@
         </p:nvSpPr>
         <p:spPr>
           <a:xfrm>
-            <a:off x="688320" y="3429360"/>
-            <a:ext cx="2512080" cy="455400"/>
+            <a:off x="328320" y="3429360"/>
+            <a:ext cx="2511360" cy="454680"/>
           </a:xfrm>
           <a:prstGeom prst="rect">
             <a:avLst/>
@@ -7978,7 +14738,7 @@
                 <a:latin typeface="Times New Roman"/>
                 <a:ea typeface="DejaVu Sans"/>
               </a:rPr>
-              <a:t>Search Buffer</a:t>
+              <a:t>Search</a:t>
             </a:r>
             <a:endParaRPr b="0" lang="en-US" sz="2400" spc="-1" strike="noStrike">
               <a:solidFill>
@@ -7998,7 +14758,7 @@
         <p:spPr>
           <a:xfrm>
             <a:off x="1048320" y="4493880"/>
-            <a:ext cx="3197880" cy="762480"/>
+            <a:ext cx="3197160" cy="761760"/>
           </a:xfrm>
           <a:prstGeom prst="rect">
             <a:avLst/>
@@ -8052,7 +14812,7 @@
         <p:spPr>
           <a:xfrm>
             <a:off x="9664920" y="5258160"/>
-            <a:ext cx="3821760" cy="426240"/>
+            <a:ext cx="3821040" cy="425520"/>
           </a:xfrm>
           <a:prstGeom prst="rect">
             <a:avLst/>
@@ -8105,8 +14865,8 @@
         </p:nvSpPr>
         <p:spPr>
           <a:xfrm>
-            <a:off x="5136840" y="4524120"/>
-            <a:ext cx="1140840" cy="512640"/>
+            <a:off x="4164840" y="4524120"/>
+            <a:ext cx="1140120" cy="511920"/>
           </a:xfrm>
           <a:prstGeom prst="roundRect">
             <a:avLst>
@@ -8164,437 +14924,17 @@
           <p:nvPr/>
         </p:nvSpPr>
         <p:spPr>
-          <a:xfrm>
-            <a:off x="4345560" y="3410640"/>
-            <a:ext cx="683640" cy="501120"/>
-          </a:xfrm>
-          <a:prstGeom prst="roundRect">
-            <a:avLst>
-              <a:gd name="adj" fmla="val 16667"/>
-            </a:avLst>
-          </a:prstGeom>
-          <a:solidFill>
-            <a:srgbClr val="729fcf"/>
-          </a:solidFill>
-          <a:ln w="0">
-            <a:solidFill>
-              <a:srgbClr val="3465a4"/>
-            </a:solidFill>
-          </a:ln>
-        </p:spPr>
-        <p:style>
-          <a:lnRef idx="0"/>
-          <a:fillRef idx="0"/>
-          <a:effectRef idx="0"/>
-          <a:fontRef idx="minor"/>
-        </p:style>
-        <p:txBody>
-          <a:bodyPr lIns="90000" rIns="90000" tIns="45000" bIns="45000" anchor="ctr">
-            <a:noAutofit/>
-          </a:bodyPr>
-          <a:p>
-            <a:pPr algn="ctr">
-              <a:lnSpc>
-                <a:spcPct val="100000"/>
-              </a:lnSpc>
-            </a:pPr>
-            <a:r>
-              <a:rPr b="0" lang="en-US" sz="1800" spc="-1" strike="noStrike">
-                <a:solidFill>
-                  <a:srgbClr val="000000"/>
-                </a:solidFill>
-                <a:latin typeface="Times New Roman"/>
-                <a:ea typeface="DejaVu Sans"/>
-              </a:rPr>
-              <a:t>G</a:t>
-            </a:r>
-            <a:endParaRPr b="0" lang="en-US" sz="1800" spc="-1" strike="noStrike">
-              <a:solidFill>
-                <a:srgbClr val="000000"/>
-              </a:solidFill>
-              <a:latin typeface="Arial"/>
-            </a:endParaRPr>
-          </a:p>
-        </p:txBody>
-      </p:sp>
-      <p:sp>
-        <p:nvSpPr>
-          <p:cNvPr id="124" name=""/>
-          <p:cNvSpPr/>
-          <p:nvPr/>
-        </p:nvSpPr>
-        <p:spPr>
-          <a:xfrm>
-            <a:off x="6406920" y="3422880"/>
-            <a:ext cx="683640" cy="501120"/>
-          </a:xfrm>
-          <a:prstGeom prst="roundRect">
-            <a:avLst>
-              <a:gd name="adj" fmla="val 16667"/>
-            </a:avLst>
-          </a:prstGeom>
-          <a:solidFill>
-            <a:srgbClr val="729fcf"/>
-          </a:solidFill>
-          <a:ln w="0">
-            <a:solidFill>
-              <a:srgbClr val="3465a4"/>
-            </a:solidFill>
-          </a:ln>
-        </p:spPr>
-        <p:style>
-          <a:lnRef idx="0"/>
-          <a:fillRef idx="0"/>
-          <a:effectRef idx="0"/>
-          <a:fontRef idx="minor"/>
-        </p:style>
-        <p:txBody>
-          <a:bodyPr lIns="90000" rIns="90000" tIns="45000" bIns="45000" anchor="ctr">
-            <a:noAutofit/>
-          </a:bodyPr>
-          <a:p>
-            <a:pPr algn="ctr">
-              <a:lnSpc>
-                <a:spcPct val="100000"/>
-              </a:lnSpc>
-            </a:pPr>
-            <a:r>
-              <a:rPr b="0" lang="en-US" sz="1800" spc="-1" strike="noStrike">
-                <a:solidFill>
-                  <a:srgbClr val="000000"/>
-                </a:solidFill>
-                <a:latin typeface="Times New Roman"/>
-                <a:ea typeface="DejaVu Sans"/>
-              </a:rPr>
-              <a:t>D</a:t>
-            </a:r>
-            <a:endParaRPr b="0" lang="en-US" sz="1800" spc="-1" strike="noStrike">
-              <a:solidFill>
-                <a:srgbClr val="000000"/>
-              </a:solidFill>
-              <a:latin typeface="Arial"/>
-            </a:endParaRPr>
-          </a:p>
-        </p:txBody>
-      </p:sp>
-      <p:sp>
-        <p:nvSpPr>
-          <p:cNvPr id="125" name=""/>
-          <p:cNvSpPr/>
-          <p:nvPr/>
-        </p:nvSpPr>
-        <p:spPr>
-          <a:xfrm>
-            <a:off x="5722920" y="3422880"/>
-            <a:ext cx="683640" cy="501120"/>
-          </a:xfrm>
-          <a:prstGeom prst="roundRect">
-            <a:avLst>
-              <a:gd name="adj" fmla="val 16667"/>
-            </a:avLst>
-          </a:prstGeom>
-          <a:solidFill>
-            <a:srgbClr val="729fcf"/>
-          </a:solidFill>
-          <a:ln w="0">
-            <a:solidFill>
-              <a:srgbClr val="3465a4"/>
-            </a:solidFill>
-          </a:ln>
-        </p:spPr>
-        <p:style>
-          <a:lnRef idx="0"/>
-          <a:fillRef idx="0"/>
-          <a:effectRef idx="0"/>
-          <a:fontRef idx="minor"/>
-        </p:style>
-        <p:txBody>
-          <a:bodyPr lIns="90000" rIns="90000" tIns="45000" bIns="45000" anchor="ctr">
-            <a:noAutofit/>
-          </a:bodyPr>
-          <a:p>
-            <a:pPr algn="ctr">
-              <a:lnSpc>
-                <a:spcPct val="100000"/>
-              </a:lnSpc>
-            </a:pPr>
-            <a:r>
-              <a:rPr b="0" lang="en-US" sz="1800" spc="-1" strike="noStrike">
-                <a:solidFill>
-                  <a:srgbClr val="000000"/>
-                </a:solidFill>
-                <a:latin typeface="Times New Roman"/>
-                <a:ea typeface="DejaVu Sans"/>
-              </a:rPr>
-              <a:t>N</a:t>
-            </a:r>
-            <a:endParaRPr b="0" lang="en-US" sz="1800" spc="-1" strike="noStrike">
-              <a:solidFill>
-                <a:srgbClr val="000000"/>
-              </a:solidFill>
-              <a:latin typeface="Arial"/>
-            </a:endParaRPr>
-          </a:p>
-        </p:txBody>
-      </p:sp>
-      <p:sp>
-        <p:nvSpPr>
-          <p:cNvPr id="126" name=""/>
-          <p:cNvSpPr/>
-          <p:nvPr/>
-        </p:nvSpPr>
-        <p:spPr>
-          <a:xfrm>
-            <a:off x="5038920" y="3422880"/>
-            <a:ext cx="683640" cy="501120"/>
-          </a:xfrm>
-          <a:prstGeom prst="roundRect">
-            <a:avLst>
-              <a:gd name="adj" fmla="val 16667"/>
-            </a:avLst>
-          </a:prstGeom>
-          <a:solidFill>
-            <a:srgbClr val="729fcf"/>
-          </a:solidFill>
-          <a:ln w="0">
-            <a:solidFill>
-              <a:srgbClr val="3465a4"/>
-            </a:solidFill>
-          </a:ln>
-        </p:spPr>
-        <p:style>
-          <a:lnRef idx="0"/>
-          <a:fillRef idx="0"/>
-          <a:effectRef idx="0"/>
-          <a:fontRef idx="minor"/>
-        </p:style>
-        <p:txBody>
-          <a:bodyPr lIns="90000" rIns="90000" tIns="45000" bIns="45000" anchor="ctr">
-            <a:noAutofit/>
-          </a:bodyPr>
-          <a:p>
-            <a:pPr algn="ctr">
-              <a:lnSpc>
-                <a:spcPct val="100000"/>
-              </a:lnSpc>
-            </a:pPr>
-            <a:r>
-              <a:rPr b="0" lang="en-US" sz="1800" spc="-1" strike="noStrike">
-                <a:solidFill>
-                  <a:srgbClr val="000000"/>
-                </a:solidFill>
-                <a:latin typeface="Times New Roman"/>
-                <a:ea typeface="DejaVu Sans"/>
-              </a:rPr>
-              <a:t>A</a:t>
-            </a:r>
-            <a:endParaRPr b="0" lang="en-US" sz="1800" spc="-1" strike="noStrike">
-              <a:solidFill>
-                <a:srgbClr val="000000"/>
-              </a:solidFill>
-              <a:latin typeface="Arial"/>
-            </a:endParaRPr>
-          </a:p>
-        </p:txBody>
-      </p:sp>
-      <p:sp>
-        <p:nvSpPr>
-          <p:cNvPr id="127" name=""/>
-          <p:cNvSpPr/>
-          <p:nvPr/>
-        </p:nvSpPr>
-        <p:spPr>
-          <a:xfrm>
-            <a:off x="8458200" y="4538880"/>
-            <a:ext cx="683640" cy="501120"/>
-          </a:xfrm>
-          <a:prstGeom prst="roundRect">
-            <a:avLst>
-              <a:gd name="adj" fmla="val 16667"/>
-            </a:avLst>
-          </a:prstGeom>
-          <a:solidFill>
-            <a:srgbClr val="77bc65"/>
-          </a:solidFill>
-          <a:ln w="0">
-            <a:solidFill>
-              <a:srgbClr val="3465a4"/>
-            </a:solidFill>
-          </a:ln>
-        </p:spPr>
-        <p:style>
-          <a:lnRef idx="0"/>
-          <a:fillRef idx="0"/>
-          <a:effectRef idx="0"/>
-          <a:fontRef idx="minor"/>
-        </p:style>
-        <p:txBody>
-          <a:bodyPr lIns="90000" rIns="90000" tIns="45000" bIns="45000" anchor="ctr">
-            <a:noAutofit/>
-          </a:bodyPr>
-          <a:p>
-            <a:pPr algn="ctr">
-              <a:lnSpc>
-                <a:spcPct val="100000"/>
-              </a:lnSpc>
-            </a:pPr>
-            <a:r>
-              <a:rPr b="0" lang="en-US" sz="1800" spc="-1" strike="noStrike">
-                <a:solidFill>
-                  <a:srgbClr val="000000"/>
-                </a:solidFill>
-                <a:latin typeface="Times New Roman"/>
-                <a:ea typeface="DejaVu Sans"/>
-              </a:rPr>
-              <a:t>F</a:t>
-            </a:r>
-            <a:endParaRPr b="0" lang="en-US" sz="1800" spc="-1" strike="noStrike">
-              <a:solidFill>
-                <a:srgbClr val="000000"/>
-              </a:solidFill>
-              <a:latin typeface="Arial"/>
-            </a:endParaRPr>
-          </a:p>
-        </p:txBody>
-      </p:sp>
-      <p:sp>
-        <p:nvSpPr>
-          <p:cNvPr id="128" name=""/>
-          <p:cNvSpPr/>
-          <p:nvPr/>
-        </p:nvSpPr>
-        <p:spPr>
-          <a:xfrm>
-            <a:off x="7774560" y="4538880"/>
-            <a:ext cx="683640" cy="501120"/>
-          </a:xfrm>
-          <a:prstGeom prst="roundRect">
-            <a:avLst>
-              <a:gd name="adj" fmla="val 16667"/>
-            </a:avLst>
-          </a:prstGeom>
-          <a:solidFill>
-            <a:srgbClr val="77bc65"/>
-          </a:solidFill>
-          <a:ln w="0">
-            <a:solidFill>
-              <a:srgbClr val="3465a4"/>
-            </a:solidFill>
-          </a:ln>
-        </p:spPr>
-        <p:style>
-          <a:lnRef idx="0"/>
-          <a:fillRef idx="0"/>
-          <a:effectRef idx="0"/>
-          <a:fontRef idx="minor"/>
-        </p:style>
-        <p:txBody>
-          <a:bodyPr lIns="90000" rIns="90000" tIns="45000" bIns="45000" anchor="ctr">
-            <a:noAutofit/>
-          </a:bodyPr>
-          <a:p>
-            <a:pPr algn="ctr">
-              <a:lnSpc>
-                <a:spcPct val="100000"/>
-              </a:lnSpc>
-            </a:pPr>
-            <a:r>
-              <a:rPr b="0" lang="en-US" sz="1800" spc="-1" strike="noStrike">
-                <a:solidFill>
-                  <a:srgbClr val="000000"/>
-                </a:solidFill>
-                <a:latin typeface="Times New Roman"/>
-                <a:ea typeface="DejaVu Sans"/>
-              </a:rPr>
-              <a:t>L</a:t>
-            </a:r>
-            <a:endParaRPr b="0" lang="en-US" sz="1800" spc="-1" strike="noStrike">
-              <a:solidFill>
-                <a:srgbClr val="000000"/>
-              </a:solidFill>
-              <a:latin typeface="Arial"/>
-            </a:endParaRPr>
-          </a:p>
-        </p:txBody>
-      </p:sp>
-      <p:sp>
-        <p:nvSpPr>
-          <p:cNvPr id="129" name=""/>
-          <p:cNvSpPr/>
-          <p:nvPr/>
-        </p:nvSpPr>
-        <p:spPr>
-          <a:xfrm>
-            <a:off x="7090560" y="4538880"/>
-            <a:ext cx="683640" cy="501120"/>
-          </a:xfrm>
-          <a:prstGeom prst="roundRect">
-            <a:avLst>
-              <a:gd name="adj" fmla="val 16667"/>
-            </a:avLst>
-          </a:prstGeom>
-          <a:solidFill>
-            <a:srgbClr val="ffde59"/>
-          </a:solidFill>
-          <a:ln w="0">
-            <a:solidFill>
-              <a:srgbClr val="3465a4"/>
-            </a:solidFill>
-          </a:ln>
-        </p:spPr>
-        <p:style>
-          <a:lnRef idx="0"/>
-          <a:fillRef idx="0"/>
-          <a:effectRef idx="0"/>
-          <a:fontRef idx="minor"/>
-        </p:style>
-        <p:txBody>
-          <a:bodyPr lIns="90000" rIns="90000" tIns="45000" bIns="45000" anchor="ctr">
-            <a:noAutofit/>
-          </a:bodyPr>
-          <a:p>
-            <a:pPr algn="ctr">
-              <a:lnSpc>
-                <a:spcPct val="100000"/>
-              </a:lnSpc>
-            </a:pPr>
-            <a:r>
-              <a:rPr b="0" lang="en-US" sz="1800" spc="-1" strike="noStrike">
-                <a:solidFill>
-                  <a:srgbClr val="000000"/>
-                </a:solidFill>
-                <a:latin typeface="Times New Roman"/>
-                <a:ea typeface="DejaVu Sans"/>
-              </a:rPr>
-              <a:t>A</a:t>
-            </a:r>
-            <a:endParaRPr b="0" lang="en-US" sz="1800" spc="-1" strike="noStrike">
-              <a:solidFill>
-                <a:srgbClr val="000000"/>
-              </a:solidFill>
-              <a:latin typeface="Arial"/>
-            </a:endParaRPr>
-          </a:p>
-        </p:txBody>
-      </p:sp>
-      <p:sp>
-        <p:nvSpPr>
-          <p:cNvPr id="130" name=""/>
-          <p:cNvSpPr/>
-          <p:nvPr/>
-        </p:nvSpPr>
-        <p:spPr>
           <a:xfrm rot="16200000">
-            <a:off x="5553000" y="2818440"/>
-            <a:ext cx="352080" cy="2541960"/>
+            <a:off x="4545000" y="2819160"/>
+            <a:ext cx="351360" cy="2541240"/>
           </a:xfrm>
           <a:custGeom>
             <a:avLst/>
             <a:gdLst>
-              <a:gd name="textAreaLeft" fmla="*/ 226080 w 352080"/>
-              <a:gd name="textAreaRight" fmla="*/ 353880 w 352080"/>
-              <a:gd name="textAreaTop" fmla="*/ 65880 h 2541960"/>
-              <a:gd name="textAreaBottom" fmla="*/ 2477520 h 2541960"/>
+              <a:gd name="textAreaLeft" fmla="*/ 226080 w 351360"/>
+              <a:gd name="textAreaRight" fmla="*/ 353880 w 351360"/>
+              <a:gd name="textAreaTop" fmla="*/ 65880 h 2541240"/>
+              <a:gd name="textAreaBottom" fmla="*/ 2477520 h 2541240"/>
             </a:gdLst>
             <a:ahLst/>
             <a:rect l="textAreaLeft" t="textAreaTop" r="textAreaRight" b="textAreaBottom"/>
@@ -8661,6 +15001,426 @@
               </a:solidFill>
               <a:latin typeface="Arial"/>
               <a:ea typeface="DejaVu Sans"/>
+            </a:endParaRPr>
+          </a:p>
+        </p:txBody>
+      </p:sp>
+      <p:sp>
+        <p:nvSpPr>
+          <p:cNvPr id="124" name=""/>
+          <p:cNvSpPr/>
+          <p:nvPr/>
+        </p:nvSpPr>
+        <p:spPr>
+          <a:xfrm>
+            <a:off x="3336840" y="3410640"/>
+            <a:ext cx="682920" cy="500400"/>
+          </a:xfrm>
+          <a:prstGeom prst="roundRect">
+            <a:avLst>
+              <a:gd name="adj" fmla="val 16667"/>
+            </a:avLst>
+          </a:prstGeom>
+          <a:solidFill>
+            <a:srgbClr val="729fcf"/>
+          </a:solidFill>
+          <a:ln w="0">
+            <a:solidFill>
+              <a:srgbClr val="3465a4"/>
+            </a:solidFill>
+          </a:ln>
+        </p:spPr>
+        <p:style>
+          <a:lnRef idx="0"/>
+          <a:fillRef idx="0"/>
+          <a:effectRef idx="0"/>
+          <a:fontRef idx="minor"/>
+        </p:style>
+        <p:txBody>
+          <a:bodyPr lIns="90000" rIns="90000" tIns="45000" bIns="45000" anchor="ctr">
+            <a:noAutofit/>
+          </a:bodyPr>
+          <a:p>
+            <a:pPr algn="ctr">
+              <a:lnSpc>
+                <a:spcPct val="100000"/>
+              </a:lnSpc>
+            </a:pPr>
+            <a:r>
+              <a:rPr b="0" lang="en-US" sz="1800" spc="-1" strike="noStrike">
+                <a:solidFill>
+                  <a:srgbClr val="000000"/>
+                </a:solidFill>
+                <a:latin typeface="Times New Roman"/>
+                <a:ea typeface="DejaVu Sans"/>
+              </a:rPr>
+              <a:t>G</a:t>
+            </a:r>
+            <a:endParaRPr b="0" lang="en-US" sz="1800" spc="-1" strike="noStrike">
+              <a:solidFill>
+                <a:srgbClr val="000000"/>
+              </a:solidFill>
+              <a:latin typeface="Arial"/>
+            </a:endParaRPr>
+          </a:p>
+        </p:txBody>
+      </p:sp>
+      <p:sp>
+        <p:nvSpPr>
+          <p:cNvPr id="125" name=""/>
+          <p:cNvSpPr/>
+          <p:nvPr/>
+        </p:nvSpPr>
+        <p:spPr>
+          <a:xfrm>
+            <a:off x="5398200" y="3422880"/>
+            <a:ext cx="682920" cy="500400"/>
+          </a:xfrm>
+          <a:prstGeom prst="roundRect">
+            <a:avLst>
+              <a:gd name="adj" fmla="val 16667"/>
+            </a:avLst>
+          </a:prstGeom>
+          <a:solidFill>
+            <a:srgbClr val="729fcf"/>
+          </a:solidFill>
+          <a:ln w="0">
+            <a:solidFill>
+              <a:srgbClr val="3465a4"/>
+            </a:solidFill>
+          </a:ln>
+        </p:spPr>
+        <p:style>
+          <a:lnRef idx="0"/>
+          <a:fillRef idx="0"/>
+          <a:effectRef idx="0"/>
+          <a:fontRef idx="minor"/>
+        </p:style>
+        <p:txBody>
+          <a:bodyPr lIns="90000" rIns="90000" tIns="45000" bIns="45000" anchor="ctr">
+            <a:noAutofit/>
+          </a:bodyPr>
+          <a:p>
+            <a:pPr algn="ctr">
+              <a:lnSpc>
+                <a:spcPct val="100000"/>
+              </a:lnSpc>
+            </a:pPr>
+            <a:r>
+              <a:rPr b="0" lang="en-US" sz="1800" spc="-1" strike="noStrike">
+                <a:solidFill>
+                  <a:srgbClr val="000000"/>
+                </a:solidFill>
+                <a:latin typeface="Times New Roman"/>
+                <a:ea typeface="DejaVu Sans"/>
+              </a:rPr>
+              <a:t>D</a:t>
+            </a:r>
+            <a:endParaRPr b="0" lang="en-US" sz="1800" spc="-1" strike="noStrike">
+              <a:solidFill>
+                <a:srgbClr val="000000"/>
+              </a:solidFill>
+              <a:latin typeface="Arial"/>
+            </a:endParaRPr>
+          </a:p>
+        </p:txBody>
+      </p:sp>
+      <p:sp>
+        <p:nvSpPr>
+          <p:cNvPr id="126" name=""/>
+          <p:cNvSpPr/>
+          <p:nvPr/>
+        </p:nvSpPr>
+        <p:spPr>
+          <a:xfrm>
+            <a:off x="4714200" y="3422880"/>
+            <a:ext cx="682920" cy="500400"/>
+          </a:xfrm>
+          <a:prstGeom prst="roundRect">
+            <a:avLst>
+              <a:gd name="adj" fmla="val 16667"/>
+            </a:avLst>
+          </a:prstGeom>
+          <a:solidFill>
+            <a:srgbClr val="729fcf"/>
+          </a:solidFill>
+          <a:ln w="0">
+            <a:solidFill>
+              <a:srgbClr val="3465a4"/>
+            </a:solidFill>
+          </a:ln>
+        </p:spPr>
+        <p:style>
+          <a:lnRef idx="0"/>
+          <a:fillRef idx="0"/>
+          <a:effectRef idx="0"/>
+          <a:fontRef idx="minor"/>
+        </p:style>
+        <p:txBody>
+          <a:bodyPr lIns="90000" rIns="90000" tIns="45000" bIns="45000" anchor="ctr">
+            <a:noAutofit/>
+          </a:bodyPr>
+          <a:p>
+            <a:pPr algn="ctr">
+              <a:lnSpc>
+                <a:spcPct val="100000"/>
+              </a:lnSpc>
+            </a:pPr>
+            <a:r>
+              <a:rPr b="0" lang="en-US" sz="1800" spc="-1" strike="noStrike">
+                <a:solidFill>
+                  <a:srgbClr val="000000"/>
+                </a:solidFill>
+                <a:latin typeface="Times New Roman"/>
+                <a:ea typeface="DejaVu Sans"/>
+              </a:rPr>
+              <a:t>N</a:t>
+            </a:r>
+            <a:endParaRPr b="0" lang="en-US" sz="1800" spc="-1" strike="noStrike">
+              <a:solidFill>
+                <a:srgbClr val="000000"/>
+              </a:solidFill>
+              <a:latin typeface="Arial"/>
+            </a:endParaRPr>
+          </a:p>
+        </p:txBody>
+      </p:sp>
+      <p:sp>
+        <p:nvSpPr>
+          <p:cNvPr id="127" name=""/>
+          <p:cNvSpPr/>
+          <p:nvPr/>
+        </p:nvSpPr>
+        <p:spPr>
+          <a:xfrm>
+            <a:off x="4030200" y="3422880"/>
+            <a:ext cx="682920" cy="500400"/>
+          </a:xfrm>
+          <a:prstGeom prst="roundRect">
+            <a:avLst>
+              <a:gd name="adj" fmla="val 16667"/>
+            </a:avLst>
+          </a:prstGeom>
+          <a:solidFill>
+            <a:srgbClr val="729fcf"/>
+          </a:solidFill>
+          <a:ln w="0">
+            <a:solidFill>
+              <a:srgbClr val="3465a4"/>
+            </a:solidFill>
+          </a:ln>
+        </p:spPr>
+        <p:style>
+          <a:lnRef idx="0"/>
+          <a:fillRef idx="0"/>
+          <a:effectRef idx="0"/>
+          <a:fontRef idx="minor"/>
+        </p:style>
+        <p:txBody>
+          <a:bodyPr lIns="90000" rIns="90000" tIns="45000" bIns="45000" anchor="ctr">
+            <a:noAutofit/>
+          </a:bodyPr>
+          <a:p>
+            <a:pPr algn="ctr">
+              <a:lnSpc>
+                <a:spcPct val="100000"/>
+              </a:lnSpc>
+            </a:pPr>
+            <a:r>
+              <a:rPr b="0" lang="en-US" sz="1800" spc="-1" strike="noStrike">
+                <a:solidFill>
+                  <a:srgbClr val="000000"/>
+                </a:solidFill>
+                <a:latin typeface="Times New Roman"/>
+                <a:ea typeface="DejaVu Sans"/>
+              </a:rPr>
+              <a:t>A</a:t>
+            </a:r>
+            <a:endParaRPr b="0" lang="en-US" sz="1800" spc="-1" strike="noStrike">
+              <a:solidFill>
+                <a:srgbClr val="000000"/>
+              </a:solidFill>
+              <a:latin typeface="Arial"/>
+            </a:endParaRPr>
+          </a:p>
+        </p:txBody>
+      </p:sp>
+      <p:sp>
+        <p:nvSpPr>
+          <p:cNvPr id="128" name=""/>
+          <p:cNvSpPr/>
+          <p:nvPr/>
+        </p:nvSpPr>
+        <p:spPr>
+          <a:xfrm>
+            <a:off x="7449480" y="4538880"/>
+            <a:ext cx="682920" cy="500400"/>
+          </a:xfrm>
+          <a:prstGeom prst="roundRect">
+            <a:avLst>
+              <a:gd name="adj" fmla="val 16667"/>
+            </a:avLst>
+          </a:prstGeom>
+          <a:solidFill>
+            <a:srgbClr val="77bc65"/>
+          </a:solidFill>
+          <a:ln w="0">
+            <a:solidFill>
+              <a:srgbClr val="3465a4"/>
+            </a:solidFill>
+          </a:ln>
+        </p:spPr>
+        <p:style>
+          <a:lnRef idx="0"/>
+          <a:fillRef idx="0"/>
+          <a:effectRef idx="0"/>
+          <a:fontRef idx="minor"/>
+        </p:style>
+        <p:txBody>
+          <a:bodyPr lIns="90000" rIns="90000" tIns="45000" bIns="45000" anchor="ctr">
+            <a:noAutofit/>
+          </a:bodyPr>
+          <a:p>
+            <a:pPr algn="ctr">
+              <a:lnSpc>
+                <a:spcPct val="100000"/>
+              </a:lnSpc>
+            </a:pPr>
+            <a:r>
+              <a:rPr b="0" lang="en-US" sz="1800" spc="-1" strike="noStrike">
+                <a:solidFill>
+                  <a:srgbClr val="000000"/>
+                </a:solidFill>
+                <a:latin typeface="Times New Roman"/>
+                <a:ea typeface="DejaVu Sans"/>
+              </a:rPr>
+              <a:t>F</a:t>
+            </a:r>
+            <a:endParaRPr b="0" lang="en-US" sz="1800" spc="-1" strike="noStrike">
+              <a:solidFill>
+                <a:srgbClr val="000000"/>
+              </a:solidFill>
+              <a:latin typeface="Arial"/>
+            </a:endParaRPr>
+          </a:p>
+        </p:txBody>
+      </p:sp>
+      <p:sp>
+        <p:nvSpPr>
+          <p:cNvPr id="129" name=""/>
+          <p:cNvSpPr/>
+          <p:nvPr/>
+        </p:nvSpPr>
+        <p:spPr>
+          <a:xfrm>
+            <a:off x="6765840" y="4538880"/>
+            <a:ext cx="682920" cy="500400"/>
+          </a:xfrm>
+          <a:prstGeom prst="roundRect">
+            <a:avLst>
+              <a:gd name="adj" fmla="val 16667"/>
+            </a:avLst>
+          </a:prstGeom>
+          <a:solidFill>
+            <a:srgbClr val="77bc65"/>
+          </a:solidFill>
+          <a:ln w="0">
+            <a:solidFill>
+              <a:srgbClr val="3465a4"/>
+            </a:solidFill>
+          </a:ln>
+        </p:spPr>
+        <p:style>
+          <a:lnRef idx="0"/>
+          <a:fillRef idx="0"/>
+          <a:effectRef idx="0"/>
+          <a:fontRef idx="minor"/>
+        </p:style>
+        <p:txBody>
+          <a:bodyPr lIns="90000" rIns="90000" tIns="45000" bIns="45000" anchor="ctr">
+            <a:noAutofit/>
+          </a:bodyPr>
+          <a:p>
+            <a:pPr algn="ctr">
+              <a:lnSpc>
+                <a:spcPct val="100000"/>
+              </a:lnSpc>
+            </a:pPr>
+            <a:r>
+              <a:rPr b="0" lang="en-US" sz="1800" spc="-1" strike="noStrike">
+                <a:solidFill>
+                  <a:srgbClr val="000000"/>
+                </a:solidFill>
+                <a:latin typeface="Times New Roman"/>
+                <a:ea typeface="DejaVu Sans"/>
+              </a:rPr>
+              <a:t>L</a:t>
+            </a:r>
+            <a:endParaRPr b="0" lang="en-US" sz="1800" spc="-1" strike="noStrike">
+              <a:solidFill>
+                <a:srgbClr val="000000"/>
+              </a:solidFill>
+              <a:latin typeface="Arial"/>
+            </a:endParaRPr>
+          </a:p>
+        </p:txBody>
+      </p:sp>
+      <p:sp>
+        <p:nvSpPr>
+          <p:cNvPr id="130" name=""/>
+          <p:cNvSpPr/>
+          <p:nvPr/>
+        </p:nvSpPr>
+        <p:spPr>
+          <a:xfrm>
+            <a:off x="6081840" y="4538880"/>
+            <a:ext cx="682920" cy="500400"/>
+          </a:xfrm>
+          <a:prstGeom prst="roundRect">
+            <a:avLst>
+              <a:gd name="adj" fmla="val 16667"/>
+            </a:avLst>
+          </a:prstGeom>
+          <a:solidFill>
+            <a:srgbClr val="77bc65"/>
+          </a:solidFill>
+          <a:ln w="0">
+            <a:solidFill>
+              <a:srgbClr val="3465a4"/>
+            </a:solidFill>
+          </a:ln>
+        </p:spPr>
+        <p:style>
+          <a:lnRef idx="0"/>
+          <a:fillRef idx="0"/>
+          <a:effectRef idx="0"/>
+          <a:fontRef idx="minor"/>
+        </p:style>
+        <p:txBody>
+          <a:bodyPr lIns="90000" rIns="90000" tIns="45000" bIns="45000" anchor="ctr">
+            <a:noAutofit/>
+          </a:bodyPr>
+          <a:p>
+            <a:pPr algn="ctr">
+              <a:lnSpc>
+                <a:spcPct val="100000"/>
+              </a:lnSpc>
+            </a:pPr>
+            <a:r>
+              <a:rPr b="0" lang="en-US" sz="1800" spc="-1" strike="noStrike">
+                <a:solidFill>
+                  <a:srgbClr val="000000"/>
+                </a:solidFill>
+                <a:latin typeface="Times New Roman"/>
+                <a:ea typeface="DejaVu Sans"/>
+              </a:rPr>
+              <a:t>A</a:t>
+            </a:r>
+            <a:endParaRPr b="0" lang="en-US" sz="1800" spc="-1" strike="noStrike">
+              <a:solidFill>
+                <a:srgbClr val="000000"/>
+              </a:solidFill>
+              <a:latin typeface="Arial"/>
             </a:endParaRPr>
           </a:p>
         </p:txBody>

--- a/S24/cs494/notes/LZ77.pptx
+++ b/S24/cs494/notes/LZ77.pptx
@@ -24,6 +24,10 @@
     <p:sldId id="271" r:id="rId19"/>
     <p:sldId id="272" r:id="rId20"/>
     <p:sldId id="273" r:id="rId21"/>
+    <p:sldId id="274" r:id="rId22"/>
+    <p:sldId id="275" r:id="rId23"/>
+    <p:sldId id="276" r:id="rId24"/>
+    <p:sldId id="277" r:id="rId25"/>
   </p:sldIdLst>
   <p:sldSz cx="10080625" cy="5670550"/>
   <p:notesSz cx="7772400" cy="10058400"/>
@@ -60,7 +64,7 @@
         <p:spPr>
           <a:xfrm>
             <a:off x="504000" y="226080"/>
-            <a:ext cx="9069480" cy="944280"/>
+            <a:ext cx="9068400" cy="943200"/>
           </a:xfrm>
           <a:prstGeom prst="rect">
             <a:avLst/>
@@ -161,7 +165,7 @@
         <p:txBody>
           <a:bodyPr/>
           <a:p>
-            <a:fld id="{4D1E8696-2991-4B33-A98E-504851C34883}" type="slidenum">
+            <a:fld id="{FE6DF40A-8B7C-4B39-B547-FF71804CD936}" type="slidenum">
               <a:t>&lt;#&gt;</a:t>
             </a:fld>
           </a:p>
@@ -245,7 +249,7 @@
         <p:spPr>
           <a:xfrm>
             <a:off x="504000" y="226080"/>
-            <a:ext cx="9069480" cy="944280"/>
+            <a:ext cx="9068400" cy="943200"/>
           </a:xfrm>
           <a:prstGeom prst="rect">
             <a:avLst/>
@@ -294,7 +298,7 @@
         <p:spPr>
           <a:xfrm>
             <a:off x="3447360" y="5165280"/>
-            <a:ext cx="3192840" cy="388440"/>
+            <a:ext cx="3191760" cy="387360"/>
           </a:xfrm>
           <a:prstGeom prst="rect">
             <a:avLst/>
@@ -366,7 +370,7 @@
         <p:spPr>
           <a:xfrm>
             <a:off x="7227360" y="5165280"/>
-            <a:ext cx="2346120" cy="388440"/>
+            <a:ext cx="2345040" cy="387360"/>
           </a:xfrm>
           <a:prstGeom prst="rect">
             <a:avLst/>
@@ -407,7 +411,7 @@
                 <a:tab algn="l" pos="0"/>
               </a:tabLst>
             </a:pPr>
-            <a:fld id="{788D7387-A160-41C6-9232-30026EAAD8C5}" type="slidenum">
+            <a:fld id="{215549A9-C852-4F19-9368-8B23F1FC1FCB}" type="slidenum">
               <a:rPr b="0" lang="en-US" sz="1400" spc="-1" strike="noStrike">
                 <a:solidFill>
                   <a:srgbClr val="000000"/>
@@ -438,7 +442,7 @@
         <p:spPr>
           <a:xfrm>
             <a:off x="504000" y="5165280"/>
-            <a:ext cx="2346120" cy="388440"/>
+            <a:ext cx="2345040" cy="387360"/>
           </a:xfrm>
           <a:prstGeom prst="rect">
             <a:avLst/>
@@ -862,7 +866,7 @@
         <p:spPr>
           <a:xfrm>
             <a:off x="928080" y="0"/>
-            <a:ext cx="8222040" cy="6292440"/>
+            <a:ext cx="8220960" cy="6291360"/>
           </a:xfrm>
           <a:prstGeom prst="rect">
             <a:avLst/>
@@ -1019,7 +1023,7 @@
       </p:grpSpPr>
       <p:sp>
         <p:nvSpPr>
-          <p:cNvPr id="131" name="Straight Connector 13"/>
+          <p:cNvPr id="133" name="Straight Connector 13"/>
           <p:cNvSpPr/>
           <p:nvPr/>
         </p:nvSpPr>
@@ -1061,14 +1065,14 @@
       </p:sp>
       <p:sp>
         <p:nvSpPr>
-          <p:cNvPr id="132" name="PlaceHolder 12"/>
+          <p:cNvPr id="134" name="PlaceHolder 12"/>
           <p:cNvSpPr/>
           <p:nvPr/>
         </p:nvSpPr>
         <p:spPr>
           <a:xfrm>
             <a:off x="914400" y="0"/>
-            <a:ext cx="8235720" cy="912240"/>
+            <a:ext cx="8234640" cy="911160"/>
           </a:xfrm>
           <a:prstGeom prst="rect">
             <a:avLst/>
@@ -1121,14 +1125,14 @@
       </p:sp>
       <p:sp>
         <p:nvSpPr>
-          <p:cNvPr id="133" name=""/>
+          <p:cNvPr id="135" name=""/>
           <p:cNvSpPr/>
           <p:nvPr/>
         </p:nvSpPr>
         <p:spPr>
           <a:xfrm>
             <a:off x="468000" y="1128600"/>
-            <a:ext cx="9131040" cy="1942920"/>
+            <a:ext cx="9129960" cy="1941840"/>
           </a:xfrm>
           <a:prstGeom prst="rect">
             <a:avLst/>
@@ -1210,14 +1214,14 @@
       </p:sp>
       <p:sp>
         <p:nvSpPr>
-          <p:cNvPr id="134" name=""/>
+          <p:cNvPr id="136" name=""/>
           <p:cNvSpPr/>
           <p:nvPr/>
         </p:nvSpPr>
         <p:spPr>
           <a:xfrm>
             <a:off x="328320" y="3429360"/>
-            <a:ext cx="2511360" cy="454680"/>
+            <a:ext cx="2510280" cy="453600"/>
           </a:xfrm>
           <a:prstGeom prst="rect">
             <a:avLst/>
@@ -1264,14 +1268,14 @@
       </p:sp>
       <p:sp>
         <p:nvSpPr>
-          <p:cNvPr id="135" name=""/>
+          <p:cNvPr id="137" name=""/>
           <p:cNvSpPr/>
           <p:nvPr/>
         </p:nvSpPr>
         <p:spPr>
           <a:xfrm>
             <a:off x="1048320" y="4493880"/>
-            <a:ext cx="3197160" cy="761760"/>
+            <a:ext cx="3196080" cy="760680"/>
           </a:xfrm>
           <a:prstGeom prst="rect">
             <a:avLst/>
@@ -1318,14 +1322,14 @@
       </p:sp>
       <p:sp>
         <p:nvSpPr>
-          <p:cNvPr id="136" name=""/>
+          <p:cNvPr id="138" name=""/>
           <p:cNvSpPr/>
           <p:nvPr/>
         </p:nvSpPr>
         <p:spPr>
           <a:xfrm>
             <a:off x="9664920" y="5258160"/>
-            <a:ext cx="3821040" cy="425520"/>
+            <a:ext cx="3819960" cy="424440"/>
           </a:xfrm>
           <a:prstGeom prst="rect">
             <a:avLst/>
@@ -1372,14 +1376,14 @@
       </p:sp>
       <p:sp>
         <p:nvSpPr>
-          <p:cNvPr id="137" name=""/>
+          <p:cNvPr id="139" name=""/>
           <p:cNvSpPr/>
           <p:nvPr/>
         </p:nvSpPr>
         <p:spPr>
           <a:xfrm>
             <a:off x="3336840" y="3410640"/>
-            <a:ext cx="682920" cy="500400"/>
+            <a:ext cx="681840" cy="499320"/>
           </a:xfrm>
           <a:prstGeom prst="roundRect">
             <a:avLst>
@@ -1432,14 +1436,14 @@
       </p:sp>
       <p:sp>
         <p:nvSpPr>
-          <p:cNvPr id="138" name=""/>
+          <p:cNvPr id="140" name=""/>
           <p:cNvSpPr/>
           <p:nvPr/>
         </p:nvSpPr>
         <p:spPr>
           <a:xfrm>
             <a:off x="5398200" y="3422880"/>
-            <a:ext cx="682920" cy="500400"/>
+            <a:ext cx="681840" cy="499320"/>
           </a:xfrm>
           <a:prstGeom prst="roundRect">
             <a:avLst>
@@ -1492,14 +1496,14 @@
       </p:sp>
       <p:sp>
         <p:nvSpPr>
-          <p:cNvPr id="139" name=""/>
+          <p:cNvPr id="141" name=""/>
           <p:cNvSpPr/>
           <p:nvPr/>
         </p:nvSpPr>
         <p:spPr>
           <a:xfrm>
             <a:off x="4714200" y="3422880"/>
-            <a:ext cx="682920" cy="500400"/>
+            <a:ext cx="681840" cy="499320"/>
           </a:xfrm>
           <a:prstGeom prst="roundRect">
             <a:avLst>
@@ -1552,14 +1556,14 @@
       </p:sp>
       <p:sp>
         <p:nvSpPr>
-          <p:cNvPr id="140" name=""/>
+          <p:cNvPr id="142" name=""/>
           <p:cNvSpPr/>
           <p:nvPr/>
         </p:nvSpPr>
         <p:spPr>
           <a:xfrm>
             <a:off x="4030200" y="3422880"/>
-            <a:ext cx="682920" cy="500400"/>
+            <a:ext cx="681840" cy="499320"/>
           </a:xfrm>
           <a:prstGeom prst="roundRect">
             <a:avLst>
@@ -1612,14 +1616,14 @@
       </p:sp>
       <p:sp>
         <p:nvSpPr>
-          <p:cNvPr id="141" name=""/>
+          <p:cNvPr id="143" name=""/>
           <p:cNvSpPr/>
           <p:nvPr/>
         </p:nvSpPr>
         <p:spPr>
           <a:xfrm>
             <a:off x="4713480" y="4538880"/>
-            <a:ext cx="682920" cy="500400"/>
+            <a:ext cx="681840" cy="499320"/>
           </a:xfrm>
           <a:prstGeom prst="roundRect">
             <a:avLst>
@@ -1672,14 +1676,14 @@
       </p:sp>
       <p:sp>
         <p:nvSpPr>
-          <p:cNvPr id="142" name=""/>
+          <p:cNvPr id="144" name=""/>
           <p:cNvSpPr/>
           <p:nvPr/>
         </p:nvSpPr>
         <p:spPr>
           <a:xfrm>
             <a:off x="4029840" y="4538880"/>
-            <a:ext cx="682920" cy="500400"/>
+            <a:ext cx="681840" cy="499320"/>
           </a:xfrm>
           <a:prstGeom prst="roundRect">
             <a:avLst>
@@ -1732,14 +1736,14 @@
       </p:sp>
       <p:sp>
         <p:nvSpPr>
-          <p:cNvPr id="143" name=""/>
-          <p:cNvSpPr/>
-          <p:nvPr/>
-        </p:nvSpPr>
-        <p:spPr>
-          <a:xfrm>
-            <a:off x="3346560" y="4538880"/>
-            <a:ext cx="682920" cy="500400"/>
+          <p:cNvPr id="145" name=""/>
+          <p:cNvSpPr/>
+          <p:nvPr/>
+        </p:nvSpPr>
+        <p:spPr>
+          <a:xfrm>
+            <a:off x="3346560" y="4544640"/>
+            <a:ext cx="681840" cy="499320"/>
           </a:xfrm>
           <a:prstGeom prst="roundRect">
             <a:avLst>
@@ -1792,14 +1796,14 @@
       </p:sp>
       <p:sp>
         <p:nvSpPr>
-          <p:cNvPr id="144" name=""/>
+          <p:cNvPr id="146" name=""/>
           <p:cNvSpPr/>
           <p:nvPr/>
         </p:nvSpPr>
         <p:spPr>
           <a:xfrm>
             <a:off x="6765120" y="4538880"/>
-            <a:ext cx="682920" cy="500400"/>
+            <a:ext cx="681840" cy="499320"/>
           </a:xfrm>
           <a:prstGeom prst="roundRect">
             <a:avLst>
@@ -1852,14 +1856,14 @@
       </p:sp>
       <p:sp>
         <p:nvSpPr>
-          <p:cNvPr id="145" name=""/>
+          <p:cNvPr id="147" name=""/>
           <p:cNvSpPr/>
           <p:nvPr/>
         </p:nvSpPr>
         <p:spPr>
           <a:xfrm>
             <a:off x="6081480" y="4538880"/>
-            <a:ext cx="682920" cy="500400"/>
+            <a:ext cx="681840" cy="499320"/>
           </a:xfrm>
           <a:prstGeom prst="roundRect">
             <a:avLst>
@@ -1912,14 +1916,14 @@
       </p:sp>
       <p:sp>
         <p:nvSpPr>
-          <p:cNvPr id="146" name=""/>
+          <p:cNvPr id="148" name=""/>
           <p:cNvSpPr/>
           <p:nvPr/>
         </p:nvSpPr>
         <p:spPr>
           <a:xfrm>
             <a:off x="5397480" y="4538880"/>
-            <a:ext cx="682920" cy="500400"/>
+            <a:ext cx="681840" cy="499320"/>
           </a:xfrm>
           <a:prstGeom prst="roundRect">
             <a:avLst>
@@ -1972,14 +1976,14 @@
       </p:sp>
       <p:sp>
         <p:nvSpPr>
-          <p:cNvPr id="147" name=""/>
+          <p:cNvPr id="149" name=""/>
           <p:cNvSpPr/>
           <p:nvPr/>
         </p:nvSpPr>
         <p:spPr>
           <a:xfrm>
             <a:off x="7449120" y="4538880"/>
-            <a:ext cx="682920" cy="500400"/>
+            <a:ext cx="681840" cy="499320"/>
           </a:xfrm>
           <a:prstGeom prst="roundRect">
             <a:avLst>
@@ -2062,7 +2066,7 @@
       </p:grpSpPr>
       <p:sp>
         <p:nvSpPr>
-          <p:cNvPr id="148" name="Straight Connector 16"/>
+          <p:cNvPr id="150" name="Straight Connector 16"/>
           <p:cNvSpPr/>
           <p:nvPr/>
         </p:nvSpPr>
@@ -2104,14 +2108,14 @@
       </p:sp>
       <p:sp>
         <p:nvSpPr>
-          <p:cNvPr id="149" name="PlaceHolder 14"/>
+          <p:cNvPr id="151" name="PlaceHolder 14"/>
           <p:cNvSpPr/>
           <p:nvPr/>
         </p:nvSpPr>
         <p:spPr>
           <a:xfrm>
             <a:off x="914400" y="0"/>
-            <a:ext cx="8235720" cy="912240"/>
+            <a:ext cx="8234640" cy="911160"/>
           </a:xfrm>
           <a:prstGeom prst="rect">
             <a:avLst/>
@@ -2164,14 +2168,14 @@
       </p:sp>
       <p:sp>
         <p:nvSpPr>
-          <p:cNvPr id="150" name=""/>
+          <p:cNvPr id="152" name=""/>
           <p:cNvSpPr/>
           <p:nvPr/>
         </p:nvSpPr>
         <p:spPr>
           <a:xfrm>
             <a:off x="468000" y="1128600"/>
-            <a:ext cx="9131040" cy="1942920"/>
+            <a:ext cx="9129960" cy="1941840"/>
           </a:xfrm>
           <a:prstGeom prst="rect">
             <a:avLst/>
@@ -2253,14 +2257,14 @@
       </p:sp>
       <p:sp>
         <p:nvSpPr>
-          <p:cNvPr id="151" name=""/>
+          <p:cNvPr id="153" name=""/>
           <p:cNvSpPr/>
           <p:nvPr/>
         </p:nvSpPr>
         <p:spPr>
           <a:xfrm>
             <a:off x="328320" y="3429360"/>
-            <a:ext cx="2511360" cy="454680"/>
+            <a:ext cx="2510280" cy="453600"/>
           </a:xfrm>
           <a:prstGeom prst="rect">
             <a:avLst/>
@@ -2307,14 +2311,14 @@
       </p:sp>
       <p:sp>
         <p:nvSpPr>
-          <p:cNvPr id="152" name=""/>
+          <p:cNvPr id="154" name=""/>
           <p:cNvSpPr/>
           <p:nvPr/>
         </p:nvSpPr>
         <p:spPr>
           <a:xfrm>
             <a:off x="1048320" y="4493880"/>
-            <a:ext cx="3197160" cy="761760"/>
+            <a:ext cx="3196080" cy="760680"/>
           </a:xfrm>
           <a:prstGeom prst="rect">
             <a:avLst/>
@@ -2361,14 +2365,14 @@
       </p:sp>
       <p:sp>
         <p:nvSpPr>
-          <p:cNvPr id="153" name=""/>
+          <p:cNvPr id="155" name=""/>
           <p:cNvSpPr/>
           <p:nvPr/>
         </p:nvSpPr>
         <p:spPr>
           <a:xfrm>
             <a:off x="9664920" y="5258160"/>
-            <a:ext cx="3821040" cy="425520"/>
+            <a:ext cx="3819960" cy="424440"/>
           </a:xfrm>
           <a:prstGeom prst="rect">
             <a:avLst/>
@@ -2415,14 +2419,14 @@
       </p:sp>
       <p:sp>
         <p:nvSpPr>
-          <p:cNvPr id="154" name=""/>
+          <p:cNvPr id="156" name=""/>
           <p:cNvSpPr/>
           <p:nvPr/>
         </p:nvSpPr>
         <p:spPr>
           <a:xfrm>
             <a:off x="3336840" y="3410640"/>
-            <a:ext cx="682920" cy="500400"/>
+            <a:ext cx="681840" cy="499320"/>
           </a:xfrm>
           <a:prstGeom prst="roundRect">
             <a:avLst>
@@ -2475,14 +2479,14 @@
       </p:sp>
       <p:sp>
         <p:nvSpPr>
-          <p:cNvPr id="155" name=""/>
+          <p:cNvPr id="157" name=""/>
           <p:cNvSpPr/>
           <p:nvPr/>
         </p:nvSpPr>
         <p:spPr>
           <a:xfrm>
             <a:off x="5398200" y="3422880"/>
-            <a:ext cx="682920" cy="500400"/>
+            <a:ext cx="681840" cy="499320"/>
           </a:xfrm>
           <a:prstGeom prst="roundRect">
             <a:avLst>
@@ -2535,14 +2539,14 @@
       </p:sp>
       <p:sp>
         <p:nvSpPr>
-          <p:cNvPr id="156" name=""/>
+          <p:cNvPr id="158" name=""/>
           <p:cNvSpPr/>
           <p:nvPr/>
         </p:nvSpPr>
         <p:spPr>
           <a:xfrm>
             <a:off x="4714200" y="3422880"/>
-            <a:ext cx="682920" cy="500400"/>
+            <a:ext cx="681840" cy="499320"/>
           </a:xfrm>
           <a:prstGeom prst="roundRect">
             <a:avLst>
@@ -2595,14 +2599,14 @@
       </p:sp>
       <p:sp>
         <p:nvSpPr>
-          <p:cNvPr id="157" name=""/>
+          <p:cNvPr id="159" name=""/>
           <p:cNvSpPr/>
           <p:nvPr/>
         </p:nvSpPr>
         <p:spPr>
           <a:xfrm>
             <a:off x="4030200" y="3422880"/>
-            <a:ext cx="682920" cy="500400"/>
+            <a:ext cx="681840" cy="499320"/>
           </a:xfrm>
           <a:prstGeom prst="roundRect">
             <a:avLst>
@@ -2655,14 +2659,14 @@
       </p:sp>
       <p:sp>
         <p:nvSpPr>
-          <p:cNvPr id="158" name=""/>
+          <p:cNvPr id="160" name=""/>
           <p:cNvSpPr/>
           <p:nvPr/>
         </p:nvSpPr>
         <p:spPr>
           <a:xfrm>
             <a:off x="4713480" y="4538880"/>
-            <a:ext cx="682920" cy="500400"/>
+            <a:ext cx="681840" cy="499320"/>
           </a:xfrm>
           <a:prstGeom prst="roundRect">
             <a:avLst>
@@ -2715,14 +2719,14 @@
       </p:sp>
       <p:sp>
         <p:nvSpPr>
-          <p:cNvPr id="159" name=""/>
+          <p:cNvPr id="161" name=""/>
           <p:cNvSpPr/>
           <p:nvPr/>
         </p:nvSpPr>
         <p:spPr>
           <a:xfrm>
             <a:off x="4029840" y="4538880"/>
-            <a:ext cx="682920" cy="500400"/>
+            <a:ext cx="681840" cy="499320"/>
           </a:xfrm>
           <a:prstGeom prst="roundRect">
             <a:avLst>
@@ -2775,14 +2779,14 @@
       </p:sp>
       <p:sp>
         <p:nvSpPr>
-          <p:cNvPr id="160" name=""/>
-          <p:cNvSpPr/>
-          <p:nvPr/>
-        </p:nvSpPr>
-        <p:spPr>
-          <a:xfrm>
-            <a:off x="3346560" y="4538880"/>
-            <a:ext cx="682920" cy="500400"/>
+          <p:cNvPr id="162" name=""/>
+          <p:cNvSpPr/>
+          <p:nvPr/>
+        </p:nvSpPr>
+        <p:spPr>
+          <a:xfrm>
+            <a:off x="3346560" y="4544640"/>
+            <a:ext cx="681840" cy="499320"/>
           </a:xfrm>
           <a:prstGeom prst="roundRect">
             <a:avLst>
@@ -2835,14 +2839,14 @@
       </p:sp>
       <p:sp>
         <p:nvSpPr>
-          <p:cNvPr id="161" name=""/>
+          <p:cNvPr id="163" name=""/>
           <p:cNvSpPr/>
           <p:nvPr/>
         </p:nvSpPr>
         <p:spPr>
           <a:xfrm>
             <a:off x="6765120" y="4538880"/>
-            <a:ext cx="682920" cy="500400"/>
+            <a:ext cx="681840" cy="499320"/>
           </a:xfrm>
           <a:prstGeom prst="roundRect">
             <a:avLst>
@@ -2895,14 +2899,14 @@
       </p:sp>
       <p:sp>
         <p:nvSpPr>
-          <p:cNvPr id="162" name=""/>
+          <p:cNvPr id="164" name=""/>
           <p:cNvSpPr/>
           <p:nvPr/>
         </p:nvSpPr>
         <p:spPr>
           <a:xfrm>
             <a:off x="6081480" y="4538880"/>
-            <a:ext cx="682920" cy="500400"/>
+            <a:ext cx="681840" cy="499320"/>
           </a:xfrm>
           <a:prstGeom prst="roundRect">
             <a:avLst>
@@ -2955,14 +2959,14 @@
       </p:sp>
       <p:sp>
         <p:nvSpPr>
-          <p:cNvPr id="163" name=""/>
+          <p:cNvPr id="165" name=""/>
           <p:cNvSpPr/>
           <p:nvPr/>
         </p:nvSpPr>
         <p:spPr>
           <a:xfrm>
             <a:off x="5397480" y="4538880"/>
-            <a:ext cx="682920" cy="500400"/>
+            <a:ext cx="681840" cy="499320"/>
           </a:xfrm>
           <a:prstGeom prst="roundRect">
             <a:avLst>
@@ -3015,14 +3019,14 @@
       </p:sp>
       <p:sp>
         <p:nvSpPr>
-          <p:cNvPr id="164" name=""/>
+          <p:cNvPr id="166" name=""/>
           <p:cNvSpPr/>
           <p:nvPr/>
         </p:nvSpPr>
         <p:spPr>
           <a:xfrm>
             <a:off x="7449120" y="4538880"/>
-            <a:ext cx="682920" cy="500400"/>
+            <a:ext cx="681840" cy="499320"/>
           </a:xfrm>
           <a:prstGeom prst="roundRect">
             <a:avLst>
@@ -3075,14 +3079,14 @@
       </p:sp>
       <p:sp>
         <p:nvSpPr>
-          <p:cNvPr id="165" name=""/>
+          <p:cNvPr id="167" name=""/>
           <p:cNvSpPr/>
           <p:nvPr/>
         </p:nvSpPr>
         <p:spPr>
           <a:xfrm>
             <a:off x="3007800" y="3143520"/>
-            <a:ext cx="3429000" cy="1043280"/>
+            <a:ext cx="3427920" cy="1042200"/>
           </a:xfrm>
           <a:prstGeom prst="ellipse">
             <a:avLst/>
@@ -3106,25 +3110,31 @@
             <a:noAutofit/>
           </a:bodyPr>
           <a:p>
-            <a:endParaRPr b="0" lang="en-US" sz="1800" spc="-1" strike="noStrike">
-              <a:solidFill>
-                <a:srgbClr val="000000"/>
-              </a:solidFill>
-              <a:latin typeface="Arial"/>
-            </a:endParaRPr>
-          </a:p>
-        </p:txBody>
-      </p:sp>
-      <p:sp>
-        <p:nvSpPr>
-          <p:cNvPr id="166" name=""/>
-          <p:cNvSpPr txBox="1"/>
+            <a:pPr>
+              <a:lnSpc>
+                <a:spcPct val="100000"/>
+              </a:lnSpc>
+            </a:pPr>
+            <a:endParaRPr b="0" lang="en-US" sz="1800" spc="-1" strike="noStrike">
+              <a:solidFill>
+                <a:srgbClr val="000000"/>
+              </a:solidFill>
+              <a:latin typeface="Arial"/>
+              <a:ea typeface="DejaVu Sans"/>
+            </a:endParaRPr>
+          </a:p>
+        </p:txBody>
+      </p:sp>
+      <p:sp>
+        <p:nvSpPr>
+          <p:cNvPr id="168" name=""/>
+          <p:cNvSpPr/>
           <p:nvPr/>
         </p:nvSpPr>
         <p:spPr>
           <a:xfrm>
             <a:off x="5943600" y="2743200"/>
-            <a:ext cx="2057400" cy="849600"/>
+            <a:ext cx="2056320" cy="848520"/>
           </a:xfrm>
           <a:prstGeom prst="rect">
             <a:avLst/>
@@ -3134,26 +3144,37 @@
             <a:noFill/>
           </a:ln>
         </p:spPr>
+        <p:style>
+          <a:lnRef idx="0"/>
+          <a:fillRef idx="0"/>
+          <a:effectRef idx="0"/>
+          <a:fontRef idx="minor"/>
+        </p:style>
         <p:txBody>
           <a:bodyPr lIns="90000" rIns="90000" tIns="45000" bIns="45000" anchor="t">
             <a:noAutofit/>
           </a:bodyPr>
           <a:p>
-            <a:pPr algn="ctr"/>
+            <a:pPr algn="ctr">
+              <a:lnSpc>
+                <a:spcPct val="100000"/>
+              </a:lnSpc>
+            </a:pPr>
             <a:r>
               <a:rPr b="0" lang="en-US" sz="1800" spc="-1" strike="noStrike">
                 <a:solidFill>
                   <a:srgbClr val="f10d0c"/>
                 </a:solidFill>
                 <a:latin typeface="Times New Roman"/>
+                <a:ea typeface="DejaVu Sans"/>
               </a:rPr>
               <a:t>Lets take a look at one more iteration</a:t>
             </a:r>
             <a:endParaRPr b="0" lang="en-US" sz="1800" spc="-1" strike="noStrike">
               <a:solidFill>
-                <a:srgbClr val="f10d0c"/>
-              </a:solidFill>
-              <a:latin typeface="Times New Roman"/>
+                <a:srgbClr val="000000"/>
+              </a:solidFill>
+              <a:latin typeface="Arial"/>
             </a:endParaRPr>
           </a:p>
         </p:txBody>
@@ -3190,7 +3211,7 @@
       </p:grpSpPr>
       <p:sp>
         <p:nvSpPr>
-          <p:cNvPr id="167" name="Straight Connector 17"/>
+          <p:cNvPr id="169" name="Straight Connector 17"/>
           <p:cNvSpPr/>
           <p:nvPr/>
         </p:nvSpPr>
@@ -3232,14 +3253,14 @@
       </p:sp>
       <p:sp>
         <p:nvSpPr>
-          <p:cNvPr id="168" name="PlaceHolder 15"/>
+          <p:cNvPr id="170" name="PlaceHolder 15"/>
           <p:cNvSpPr/>
           <p:nvPr/>
         </p:nvSpPr>
         <p:spPr>
           <a:xfrm>
             <a:off x="914400" y="0"/>
-            <a:ext cx="8235720" cy="912240"/>
+            <a:ext cx="8234640" cy="911160"/>
           </a:xfrm>
           <a:prstGeom prst="rect">
             <a:avLst/>
@@ -3292,14 +3313,14 @@
       </p:sp>
       <p:sp>
         <p:nvSpPr>
-          <p:cNvPr id="169" name=""/>
+          <p:cNvPr id="171" name=""/>
           <p:cNvSpPr/>
           <p:nvPr/>
         </p:nvSpPr>
         <p:spPr>
           <a:xfrm>
             <a:off x="468000" y="1128600"/>
-            <a:ext cx="9131040" cy="1942920"/>
+            <a:ext cx="9129960" cy="1941840"/>
           </a:xfrm>
           <a:prstGeom prst="rect">
             <a:avLst/>
@@ -3339,7 +3360,7 @@
                 <a:latin typeface="Times New Roman"/>
                 <a:ea typeface="DejaVu Sans"/>
               </a:rPr>
-              <a:t>We search for the longest match in search buffer</a:t>
+              <a:t>We search for the longest match in the search buffer</a:t>
             </a:r>
             <a:endParaRPr b="0" lang="en-US" sz="2200" spc="-1" strike="noStrike">
               <a:solidFill>
@@ -3349,16 +3370,10 @@
             </a:endParaRPr>
           </a:p>
           <a:p>
-            <a:pPr marL="216000" indent="-216000">
+            <a:pPr>
               <a:lnSpc>
                 <a:spcPct val="150000"/>
               </a:lnSpc>
-              <a:buClr>
-                <a:srgbClr val="000000"/>
-              </a:buClr>
-              <a:buSzPct val="45000"/>
-              <a:buFont typeface="Wingdings" charset="2"/>
-              <a:buChar char=""/>
             </a:pPr>
             <a:endParaRPr b="0" lang="en-US" sz="2200" spc="-1" strike="noStrike">
               <a:solidFill>
@@ -3371,14 +3386,14 @@
       </p:sp>
       <p:sp>
         <p:nvSpPr>
-          <p:cNvPr id="170" name=""/>
+          <p:cNvPr id="172" name=""/>
           <p:cNvSpPr/>
           <p:nvPr/>
         </p:nvSpPr>
         <p:spPr>
           <a:xfrm>
             <a:off x="328320" y="3429360"/>
-            <a:ext cx="2511360" cy="454680"/>
+            <a:ext cx="2510280" cy="453600"/>
           </a:xfrm>
           <a:prstGeom prst="rect">
             <a:avLst/>
@@ -3425,14 +3440,14 @@
       </p:sp>
       <p:sp>
         <p:nvSpPr>
-          <p:cNvPr id="171" name=""/>
+          <p:cNvPr id="173" name=""/>
           <p:cNvSpPr/>
           <p:nvPr/>
         </p:nvSpPr>
         <p:spPr>
           <a:xfrm>
             <a:off x="1048320" y="4493880"/>
-            <a:ext cx="3197160" cy="761760"/>
+            <a:ext cx="3196080" cy="760680"/>
           </a:xfrm>
           <a:prstGeom prst="rect">
             <a:avLst/>
@@ -3463,20 +3478,21 @@
                 <a:srgbClr val="000000"/>
               </a:solidFill>
               <a:latin typeface="Arial"/>
-            </a:endParaRPr>
-          </a:p>
-        </p:txBody>
-      </p:sp>
-      <p:sp>
-        <p:nvSpPr>
-          <p:cNvPr id="172" name=""/>
+              <a:ea typeface="DejaVu Sans"/>
+            </a:endParaRPr>
+          </a:p>
+        </p:txBody>
+      </p:sp>
+      <p:sp>
+        <p:nvSpPr>
+          <p:cNvPr id="174" name=""/>
           <p:cNvSpPr/>
           <p:nvPr/>
         </p:nvSpPr>
         <p:spPr>
           <a:xfrm>
             <a:off x="9664920" y="5258160"/>
-            <a:ext cx="3821040" cy="425520"/>
+            <a:ext cx="3819960" cy="424440"/>
           </a:xfrm>
           <a:prstGeom prst="rect">
             <a:avLst/>
@@ -3523,14 +3539,14 @@
       </p:sp>
       <p:sp>
         <p:nvSpPr>
-          <p:cNvPr id="173" name=""/>
+          <p:cNvPr id="175" name=""/>
           <p:cNvSpPr/>
           <p:nvPr/>
         </p:nvSpPr>
         <p:spPr>
           <a:xfrm>
             <a:off x="3336840" y="3410640"/>
-            <a:ext cx="682920" cy="500400"/>
+            <a:ext cx="681840" cy="499320"/>
           </a:xfrm>
           <a:prstGeom prst="roundRect">
             <a:avLst>
@@ -3583,14 +3599,14 @@
       </p:sp>
       <p:sp>
         <p:nvSpPr>
-          <p:cNvPr id="174" name=""/>
+          <p:cNvPr id="176" name=""/>
           <p:cNvSpPr/>
           <p:nvPr/>
         </p:nvSpPr>
         <p:spPr>
           <a:xfrm>
             <a:off x="5398200" y="3422880"/>
-            <a:ext cx="682920" cy="500400"/>
+            <a:ext cx="681840" cy="499320"/>
           </a:xfrm>
           <a:prstGeom prst="roundRect">
             <a:avLst>
@@ -3643,14 +3659,14 @@
       </p:sp>
       <p:sp>
         <p:nvSpPr>
-          <p:cNvPr id="175" name=""/>
+          <p:cNvPr id="177" name=""/>
           <p:cNvSpPr/>
           <p:nvPr/>
         </p:nvSpPr>
         <p:spPr>
           <a:xfrm>
             <a:off x="4714200" y="3422880"/>
-            <a:ext cx="682920" cy="500400"/>
+            <a:ext cx="681840" cy="499320"/>
           </a:xfrm>
           <a:prstGeom prst="roundRect">
             <a:avLst>
@@ -3703,14 +3719,14 @@
       </p:sp>
       <p:sp>
         <p:nvSpPr>
-          <p:cNvPr id="176" name=""/>
+          <p:cNvPr id="178" name=""/>
           <p:cNvSpPr/>
           <p:nvPr/>
         </p:nvSpPr>
         <p:spPr>
           <a:xfrm>
             <a:off x="4030200" y="3422880"/>
-            <a:ext cx="682920" cy="500400"/>
+            <a:ext cx="681840" cy="499320"/>
           </a:xfrm>
           <a:prstGeom prst="roundRect">
             <a:avLst>
@@ -3763,14 +3779,14 @@
       </p:sp>
       <p:sp>
         <p:nvSpPr>
-          <p:cNvPr id="177" name=""/>
+          <p:cNvPr id="179" name=""/>
           <p:cNvSpPr/>
           <p:nvPr/>
         </p:nvSpPr>
         <p:spPr>
           <a:xfrm>
             <a:off x="4713480" y="4538880"/>
-            <a:ext cx="682920" cy="500400"/>
+            <a:ext cx="681840" cy="499320"/>
           </a:xfrm>
           <a:prstGeom prst="roundRect">
             <a:avLst>
@@ -3823,14 +3839,14 @@
       </p:sp>
       <p:sp>
         <p:nvSpPr>
-          <p:cNvPr id="178" name=""/>
+          <p:cNvPr id="180" name=""/>
           <p:cNvSpPr/>
           <p:nvPr/>
         </p:nvSpPr>
         <p:spPr>
           <a:xfrm>
             <a:off x="4029840" y="4538880"/>
-            <a:ext cx="682920" cy="500400"/>
+            <a:ext cx="681840" cy="499320"/>
           </a:xfrm>
           <a:prstGeom prst="roundRect">
             <a:avLst>
@@ -3883,14 +3899,14 @@
       </p:sp>
       <p:sp>
         <p:nvSpPr>
-          <p:cNvPr id="179" name=""/>
-          <p:cNvSpPr/>
-          <p:nvPr/>
-        </p:nvSpPr>
-        <p:spPr>
-          <a:xfrm>
-            <a:off x="3346560" y="4538880"/>
-            <a:ext cx="682920" cy="500400"/>
+          <p:cNvPr id="181" name=""/>
+          <p:cNvSpPr/>
+          <p:nvPr/>
+        </p:nvSpPr>
+        <p:spPr>
+          <a:xfrm>
+            <a:off x="3346560" y="4544640"/>
+            <a:ext cx="681840" cy="499320"/>
           </a:xfrm>
           <a:prstGeom prst="roundRect">
             <a:avLst>
@@ -3943,14 +3959,14 @@
       </p:sp>
       <p:sp>
         <p:nvSpPr>
-          <p:cNvPr id="180" name=""/>
+          <p:cNvPr id="182" name=""/>
           <p:cNvSpPr/>
           <p:nvPr/>
         </p:nvSpPr>
         <p:spPr>
           <a:xfrm>
             <a:off x="6765120" y="4538880"/>
-            <a:ext cx="682920" cy="500400"/>
+            <a:ext cx="681840" cy="499320"/>
           </a:xfrm>
           <a:prstGeom prst="roundRect">
             <a:avLst>
@@ -4003,14 +4019,14 @@
       </p:sp>
       <p:sp>
         <p:nvSpPr>
-          <p:cNvPr id="181" name=""/>
+          <p:cNvPr id="183" name=""/>
           <p:cNvSpPr/>
           <p:nvPr/>
         </p:nvSpPr>
         <p:spPr>
           <a:xfrm>
             <a:off x="6081480" y="4538880"/>
-            <a:ext cx="682920" cy="500400"/>
+            <a:ext cx="681840" cy="499320"/>
           </a:xfrm>
           <a:prstGeom prst="roundRect">
             <a:avLst>
@@ -4063,14 +4079,14 @@
       </p:sp>
       <p:sp>
         <p:nvSpPr>
-          <p:cNvPr id="182" name=""/>
+          <p:cNvPr id="184" name=""/>
           <p:cNvSpPr/>
           <p:nvPr/>
         </p:nvSpPr>
         <p:spPr>
           <a:xfrm>
             <a:off x="5397480" y="4538880"/>
-            <a:ext cx="682920" cy="500400"/>
+            <a:ext cx="681840" cy="499320"/>
           </a:xfrm>
           <a:prstGeom prst="roundRect">
             <a:avLst>
@@ -4123,14 +4139,14 @@
       </p:sp>
       <p:sp>
         <p:nvSpPr>
-          <p:cNvPr id="183" name=""/>
+          <p:cNvPr id="185" name=""/>
           <p:cNvSpPr/>
           <p:nvPr/>
         </p:nvSpPr>
         <p:spPr>
           <a:xfrm>
             <a:off x="7449120" y="4538880"/>
-            <a:ext cx="682920" cy="500400"/>
+            <a:ext cx="681840" cy="499320"/>
           </a:xfrm>
           <a:prstGeom prst="roundRect">
             <a:avLst>
@@ -4183,13 +4199,13 @@
       </p:sp>
       <p:sp>
         <p:nvSpPr>
-          <p:cNvPr id="184" name=""/>
+          <p:cNvPr id="186" name=""/>
           <p:cNvSpPr/>
           <p:nvPr/>
         </p:nvSpPr>
         <p:spPr>
           <a:xfrm flipV="1">
-            <a:off x="3837240" y="4083120"/>
+            <a:off x="3837240" y="4078080"/>
             <a:ext cx="237960" cy="329040"/>
           </a:xfrm>
           <a:prstGeom prst="line">
@@ -4256,7 +4272,7 @@
       </p:grpSpPr>
       <p:sp>
         <p:nvSpPr>
-          <p:cNvPr id="185" name="Straight Connector 18"/>
+          <p:cNvPr id="187" name="Straight Connector 18"/>
           <p:cNvSpPr/>
           <p:nvPr/>
         </p:nvSpPr>
@@ -4298,14 +4314,14 @@
       </p:sp>
       <p:sp>
         <p:nvSpPr>
-          <p:cNvPr id="186" name="PlaceHolder 16"/>
+          <p:cNvPr id="188" name="PlaceHolder 16"/>
           <p:cNvSpPr/>
           <p:nvPr/>
         </p:nvSpPr>
         <p:spPr>
           <a:xfrm>
             <a:off x="914400" y="0"/>
-            <a:ext cx="8235720" cy="912240"/>
+            <a:ext cx="8234640" cy="911160"/>
           </a:xfrm>
           <a:prstGeom prst="rect">
             <a:avLst/>
@@ -4358,14 +4374,14 @@
       </p:sp>
       <p:sp>
         <p:nvSpPr>
-          <p:cNvPr id="187" name=""/>
+          <p:cNvPr id="189" name=""/>
           <p:cNvSpPr/>
           <p:nvPr/>
         </p:nvSpPr>
         <p:spPr>
           <a:xfrm>
             <a:off x="468000" y="1128600"/>
-            <a:ext cx="9131040" cy="1942920"/>
+            <a:ext cx="9129960" cy="1941840"/>
           </a:xfrm>
           <a:prstGeom prst="rect">
             <a:avLst/>
@@ -4405,7 +4421,7 @@
                 <a:latin typeface="Times New Roman"/>
                 <a:ea typeface="DejaVu Sans"/>
               </a:rPr>
-              <a:t>We search for the longest match in search buffer</a:t>
+              <a:t>We search for the longest match in the search buffer</a:t>
             </a:r>
             <a:endParaRPr b="0" lang="en-US" sz="2200" spc="-1" strike="noStrike">
               <a:solidFill>
@@ -4447,14 +4463,14 @@
       </p:sp>
       <p:sp>
         <p:nvSpPr>
-          <p:cNvPr id="188" name=""/>
+          <p:cNvPr id="190" name=""/>
           <p:cNvSpPr/>
           <p:nvPr/>
         </p:nvSpPr>
         <p:spPr>
           <a:xfrm>
             <a:off x="328320" y="3429360"/>
-            <a:ext cx="2511360" cy="454680"/>
+            <a:ext cx="2510280" cy="453600"/>
           </a:xfrm>
           <a:prstGeom prst="rect">
             <a:avLst/>
@@ -4501,14 +4517,14 @@
       </p:sp>
       <p:sp>
         <p:nvSpPr>
-          <p:cNvPr id="189" name=""/>
+          <p:cNvPr id="191" name=""/>
           <p:cNvSpPr/>
           <p:nvPr/>
         </p:nvSpPr>
         <p:spPr>
           <a:xfrm>
             <a:off x="1048320" y="4493880"/>
-            <a:ext cx="3197160" cy="761760"/>
+            <a:ext cx="3196080" cy="760680"/>
           </a:xfrm>
           <a:prstGeom prst="rect">
             <a:avLst/>
@@ -4555,14 +4571,14 @@
       </p:sp>
       <p:sp>
         <p:nvSpPr>
-          <p:cNvPr id="190" name=""/>
+          <p:cNvPr id="192" name=""/>
           <p:cNvSpPr/>
           <p:nvPr/>
         </p:nvSpPr>
         <p:spPr>
           <a:xfrm>
             <a:off x="9664920" y="5258160"/>
-            <a:ext cx="3821040" cy="425520"/>
+            <a:ext cx="3819960" cy="424440"/>
           </a:xfrm>
           <a:prstGeom prst="rect">
             <a:avLst/>
@@ -4609,14 +4625,14 @@
       </p:sp>
       <p:sp>
         <p:nvSpPr>
-          <p:cNvPr id="191" name=""/>
+          <p:cNvPr id="193" name=""/>
           <p:cNvSpPr/>
           <p:nvPr/>
         </p:nvSpPr>
         <p:spPr>
           <a:xfrm>
             <a:off x="3336840" y="3410640"/>
-            <a:ext cx="682920" cy="500400"/>
+            <a:ext cx="681840" cy="499320"/>
           </a:xfrm>
           <a:prstGeom prst="roundRect">
             <a:avLst>
@@ -4669,14 +4685,14 @@
       </p:sp>
       <p:sp>
         <p:nvSpPr>
-          <p:cNvPr id="192" name=""/>
+          <p:cNvPr id="194" name=""/>
           <p:cNvSpPr/>
           <p:nvPr/>
         </p:nvSpPr>
         <p:spPr>
           <a:xfrm>
             <a:off x="5398200" y="3422880"/>
-            <a:ext cx="682920" cy="500400"/>
+            <a:ext cx="681840" cy="499320"/>
           </a:xfrm>
           <a:prstGeom prst="roundRect">
             <a:avLst>
@@ -4729,14 +4745,14 @@
       </p:sp>
       <p:sp>
         <p:nvSpPr>
-          <p:cNvPr id="193" name=""/>
+          <p:cNvPr id="195" name=""/>
           <p:cNvSpPr/>
           <p:nvPr/>
         </p:nvSpPr>
         <p:spPr>
           <a:xfrm>
             <a:off x="4714200" y="3422880"/>
-            <a:ext cx="682920" cy="500400"/>
+            <a:ext cx="681840" cy="499320"/>
           </a:xfrm>
           <a:prstGeom prst="roundRect">
             <a:avLst>
@@ -4789,14 +4805,14 @@
       </p:sp>
       <p:sp>
         <p:nvSpPr>
-          <p:cNvPr id="194" name=""/>
+          <p:cNvPr id="196" name=""/>
           <p:cNvSpPr/>
           <p:nvPr/>
         </p:nvSpPr>
         <p:spPr>
           <a:xfrm>
             <a:off x="4030200" y="3422880"/>
-            <a:ext cx="682920" cy="500400"/>
+            <a:ext cx="681840" cy="499320"/>
           </a:xfrm>
           <a:prstGeom prst="roundRect">
             <a:avLst>
@@ -4849,14 +4865,14 @@
       </p:sp>
       <p:sp>
         <p:nvSpPr>
-          <p:cNvPr id="195" name=""/>
+          <p:cNvPr id="197" name=""/>
           <p:cNvSpPr/>
           <p:nvPr/>
         </p:nvSpPr>
         <p:spPr>
           <a:xfrm>
             <a:off x="4713480" y="4538880"/>
-            <a:ext cx="682920" cy="500400"/>
+            <a:ext cx="681840" cy="499320"/>
           </a:xfrm>
           <a:prstGeom prst="roundRect">
             <a:avLst>
@@ -4909,14 +4925,14 @@
       </p:sp>
       <p:sp>
         <p:nvSpPr>
-          <p:cNvPr id="196" name=""/>
+          <p:cNvPr id="198" name=""/>
           <p:cNvSpPr/>
           <p:nvPr/>
         </p:nvSpPr>
         <p:spPr>
           <a:xfrm>
             <a:off x="4029840" y="4538880"/>
-            <a:ext cx="682920" cy="500400"/>
+            <a:ext cx="681840" cy="499320"/>
           </a:xfrm>
           <a:prstGeom prst="roundRect">
             <a:avLst>
@@ -4969,14 +4985,14 @@
       </p:sp>
       <p:sp>
         <p:nvSpPr>
-          <p:cNvPr id="197" name=""/>
-          <p:cNvSpPr/>
-          <p:nvPr/>
-        </p:nvSpPr>
-        <p:spPr>
-          <a:xfrm>
-            <a:off x="3346560" y="4538880"/>
-            <a:ext cx="682920" cy="500400"/>
+          <p:cNvPr id="199" name=""/>
+          <p:cNvSpPr/>
+          <p:nvPr/>
+        </p:nvSpPr>
+        <p:spPr>
+          <a:xfrm>
+            <a:off x="3346560" y="4544640"/>
+            <a:ext cx="681840" cy="499320"/>
           </a:xfrm>
           <a:prstGeom prst="roundRect">
             <a:avLst>
@@ -5029,14 +5045,14 @@
       </p:sp>
       <p:sp>
         <p:nvSpPr>
-          <p:cNvPr id="198" name=""/>
+          <p:cNvPr id="200" name=""/>
           <p:cNvSpPr/>
           <p:nvPr/>
         </p:nvSpPr>
         <p:spPr>
           <a:xfrm>
             <a:off x="6765120" y="4538880"/>
-            <a:ext cx="682920" cy="500400"/>
+            <a:ext cx="681840" cy="499320"/>
           </a:xfrm>
           <a:prstGeom prst="roundRect">
             <a:avLst>
@@ -5089,14 +5105,14 @@
       </p:sp>
       <p:sp>
         <p:nvSpPr>
-          <p:cNvPr id="199" name=""/>
+          <p:cNvPr id="201" name=""/>
           <p:cNvSpPr/>
           <p:nvPr/>
         </p:nvSpPr>
         <p:spPr>
           <a:xfrm>
             <a:off x="6081480" y="4538880"/>
-            <a:ext cx="682920" cy="500400"/>
+            <a:ext cx="681840" cy="499320"/>
           </a:xfrm>
           <a:prstGeom prst="roundRect">
             <a:avLst>
@@ -5149,14 +5165,14 @@
       </p:sp>
       <p:sp>
         <p:nvSpPr>
-          <p:cNvPr id="200" name=""/>
+          <p:cNvPr id="202" name=""/>
           <p:cNvSpPr/>
           <p:nvPr/>
         </p:nvSpPr>
         <p:spPr>
           <a:xfrm>
             <a:off x="5397480" y="4538880"/>
-            <a:ext cx="682920" cy="500400"/>
+            <a:ext cx="681840" cy="499320"/>
           </a:xfrm>
           <a:prstGeom prst="roundRect">
             <a:avLst>
@@ -5209,14 +5225,14 @@
       </p:sp>
       <p:sp>
         <p:nvSpPr>
-          <p:cNvPr id="201" name=""/>
+          <p:cNvPr id="203" name=""/>
           <p:cNvSpPr/>
           <p:nvPr/>
         </p:nvSpPr>
         <p:spPr>
           <a:xfrm>
             <a:off x="7449120" y="4538880"/>
-            <a:ext cx="682920" cy="500400"/>
+            <a:ext cx="681840" cy="499320"/>
           </a:xfrm>
           <a:prstGeom prst="roundRect">
             <a:avLst>
@@ -5269,14 +5285,14 @@
       </p:sp>
       <p:sp>
         <p:nvSpPr>
-          <p:cNvPr id="202" name=""/>
+          <p:cNvPr id="204" name=""/>
           <p:cNvSpPr/>
           <p:nvPr/>
         </p:nvSpPr>
         <p:spPr>
           <a:xfrm>
             <a:off x="2262240" y="4741560"/>
-            <a:ext cx="442800" cy="0"/>
+            <a:ext cx="442800" cy="360"/>
           </a:xfrm>
           <a:prstGeom prst="line">
             <a:avLst/>
@@ -5305,19 +5321,20 @@
                 <a:srgbClr val="000000"/>
               </a:solidFill>
               <a:latin typeface="Arial"/>
-            </a:endParaRPr>
-          </a:p>
-        </p:txBody>
-      </p:sp>
-      <p:sp>
-        <p:nvSpPr>
-          <p:cNvPr id="203" name=""/>
+              <a:ea typeface="DejaVu Sans"/>
+            </a:endParaRPr>
+          </a:p>
+        </p:txBody>
+      </p:sp>
+      <p:sp>
+        <p:nvSpPr>
+          <p:cNvPr id="205" name=""/>
           <p:cNvSpPr/>
           <p:nvPr/>
         </p:nvSpPr>
         <p:spPr>
           <a:xfrm flipV="1">
-            <a:off x="3841560" y="4078440"/>
+            <a:off x="3840480" y="4078080"/>
             <a:ext cx="237960" cy="329040"/>
           </a:xfrm>
           <a:prstGeom prst="line">
@@ -5384,7 +5401,7 @@
       </p:grpSpPr>
       <p:sp>
         <p:nvSpPr>
-          <p:cNvPr id="204" name="Straight Connector 15"/>
+          <p:cNvPr id="206" name="Straight Connector 15"/>
           <p:cNvSpPr/>
           <p:nvPr/>
         </p:nvSpPr>
@@ -5426,14 +5443,14 @@
       </p:sp>
       <p:sp>
         <p:nvSpPr>
-          <p:cNvPr id="205" name="PlaceHolder 13"/>
+          <p:cNvPr id="207" name="PlaceHolder 13"/>
           <p:cNvSpPr/>
           <p:nvPr/>
         </p:nvSpPr>
         <p:spPr>
           <a:xfrm>
             <a:off x="914400" y="0"/>
-            <a:ext cx="8235720" cy="912240"/>
+            <a:ext cx="8234640" cy="911160"/>
           </a:xfrm>
           <a:prstGeom prst="rect">
             <a:avLst/>
@@ -5486,14 +5503,14 @@
       </p:sp>
       <p:sp>
         <p:nvSpPr>
-          <p:cNvPr id="206" name=""/>
+          <p:cNvPr id="208" name=""/>
           <p:cNvSpPr/>
           <p:nvPr/>
         </p:nvSpPr>
         <p:spPr>
           <a:xfrm>
             <a:off x="468000" y="1128600"/>
-            <a:ext cx="9131040" cy="1942920"/>
+            <a:ext cx="9129960" cy="1941840"/>
           </a:xfrm>
           <a:prstGeom prst="rect">
             <a:avLst/>
@@ -5604,14 +5621,14 @@
       </p:sp>
       <p:sp>
         <p:nvSpPr>
-          <p:cNvPr id="207" name=""/>
+          <p:cNvPr id="209" name=""/>
           <p:cNvSpPr/>
           <p:nvPr/>
         </p:nvSpPr>
         <p:spPr>
           <a:xfrm>
             <a:off x="1048320" y="4493880"/>
-            <a:ext cx="3197160" cy="761760"/>
+            <a:ext cx="3196080" cy="760680"/>
           </a:xfrm>
           <a:prstGeom prst="rect">
             <a:avLst/>
@@ -5642,20 +5659,21 @@
                 <a:srgbClr val="000000"/>
               </a:solidFill>
               <a:latin typeface="Arial"/>
-            </a:endParaRPr>
-          </a:p>
-        </p:txBody>
-      </p:sp>
-      <p:sp>
-        <p:nvSpPr>
-          <p:cNvPr id="208" name=""/>
+              <a:ea typeface="DejaVu Sans"/>
+            </a:endParaRPr>
+          </a:p>
+        </p:txBody>
+      </p:sp>
+      <p:sp>
+        <p:nvSpPr>
+          <p:cNvPr id="210" name=""/>
           <p:cNvSpPr/>
           <p:nvPr/>
         </p:nvSpPr>
         <p:spPr>
           <a:xfrm>
             <a:off x="9664920" y="5258160"/>
-            <a:ext cx="3821040" cy="425520"/>
+            <a:ext cx="3819960" cy="424440"/>
           </a:xfrm>
           <a:prstGeom prst="rect">
             <a:avLst/>
@@ -5702,14 +5720,14 @@
       </p:sp>
       <p:sp>
         <p:nvSpPr>
-          <p:cNvPr id="209" name=""/>
+          <p:cNvPr id="211" name=""/>
           <p:cNvSpPr/>
           <p:nvPr/>
         </p:nvSpPr>
         <p:spPr>
           <a:xfrm>
             <a:off x="3336840" y="3410640"/>
-            <a:ext cx="682920" cy="500400"/>
+            <a:ext cx="681840" cy="499320"/>
           </a:xfrm>
           <a:prstGeom prst="roundRect">
             <a:avLst>
@@ -5762,14 +5780,14 @@
       </p:sp>
       <p:sp>
         <p:nvSpPr>
-          <p:cNvPr id="210" name=""/>
+          <p:cNvPr id="212" name=""/>
           <p:cNvSpPr/>
           <p:nvPr/>
         </p:nvSpPr>
         <p:spPr>
           <a:xfrm>
             <a:off x="5398200" y="3422880"/>
-            <a:ext cx="682920" cy="500400"/>
+            <a:ext cx="681840" cy="499320"/>
           </a:xfrm>
           <a:prstGeom prst="roundRect">
             <a:avLst>
@@ -5822,14 +5840,14 @@
       </p:sp>
       <p:sp>
         <p:nvSpPr>
-          <p:cNvPr id="211" name=""/>
+          <p:cNvPr id="213" name=""/>
           <p:cNvSpPr/>
           <p:nvPr/>
         </p:nvSpPr>
         <p:spPr>
           <a:xfrm>
             <a:off x="4714200" y="3422880"/>
-            <a:ext cx="682920" cy="500400"/>
+            <a:ext cx="681840" cy="499320"/>
           </a:xfrm>
           <a:prstGeom prst="roundRect">
             <a:avLst>
@@ -5882,14 +5900,14 @@
       </p:sp>
       <p:sp>
         <p:nvSpPr>
-          <p:cNvPr id="212" name=""/>
+          <p:cNvPr id="214" name=""/>
           <p:cNvSpPr/>
           <p:nvPr/>
         </p:nvSpPr>
         <p:spPr>
           <a:xfrm>
             <a:off x="4030200" y="3422880"/>
-            <a:ext cx="682920" cy="500400"/>
+            <a:ext cx="681840" cy="499320"/>
           </a:xfrm>
           <a:prstGeom prst="roundRect">
             <a:avLst>
@@ -5942,14 +5960,14 @@
       </p:sp>
       <p:sp>
         <p:nvSpPr>
-          <p:cNvPr id="213" name=""/>
+          <p:cNvPr id="215" name=""/>
           <p:cNvSpPr/>
           <p:nvPr/>
         </p:nvSpPr>
         <p:spPr>
           <a:xfrm>
             <a:off x="4713480" y="4538880"/>
-            <a:ext cx="682920" cy="500400"/>
+            <a:ext cx="681840" cy="499320"/>
           </a:xfrm>
           <a:prstGeom prst="roundRect">
             <a:avLst>
@@ -6002,14 +6020,14 @@
       </p:sp>
       <p:sp>
         <p:nvSpPr>
-          <p:cNvPr id="214" name=""/>
+          <p:cNvPr id="216" name=""/>
           <p:cNvSpPr/>
           <p:nvPr/>
         </p:nvSpPr>
         <p:spPr>
           <a:xfrm>
             <a:off x="4029840" y="4538880"/>
-            <a:ext cx="682920" cy="500400"/>
+            <a:ext cx="681840" cy="499320"/>
           </a:xfrm>
           <a:prstGeom prst="roundRect">
             <a:avLst>
@@ -6062,14 +6080,14 @@
       </p:sp>
       <p:sp>
         <p:nvSpPr>
-          <p:cNvPr id="215" name=""/>
-          <p:cNvSpPr/>
-          <p:nvPr/>
-        </p:nvSpPr>
-        <p:spPr>
-          <a:xfrm>
-            <a:off x="3346560" y="4538880"/>
-            <a:ext cx="682920" cy="500400"/>
+          <p:cNvPr id="217" name=""/>
+          <p:cNvSpPr/>
+          <p:nvPr/>
+        </p:nvSpPr>
+        <p:spPr>
+          <a:xfrm>
+            <a:off x="3346560" y="4544640"/>
+            <a:ext cx="681840" cy="499320"/>
           </a:xfrm>
           <a:prstGeom prst="roundRect">
             <a:avLst>
@@ -6122,14 +6140,14 @@
       </p:sp>
       <p:sp>
         <p:nvSpPr>
-          <p:cNvPr id="216" name=""/>
+          <p:cNvPr id="218" name=""/>
           <p:cNvSpPr/>
           <p:nvPr/>
         </p:nvSpPr>
         <p:spPr>
           <a:xfrm>
             <a:off x="6765120" y="4538880"/>
-            <a:ext cx="682920" cy="500400"/>
+            <a:ext cx="681840" cy="499320"/>
           </a:xfrm>
           <a:prstGeom prst="roundRect">
             <a:avLst>
@@ -6182,14 +6200,14 @@
       </p:sp>
       <p:sp>
         <p:nvSpPr>
-          <p:cNvPr id="217" name=""/>
+          <p:cNvPr id="219" name=""/>
           <p:cNvSpPr/>
           <p:nvPr/>
         </p:nvSpPr>
         <p:spPr>
           <a:xfrm>
             <a:off x="6081480" y="4538880"/>
-            <a:ext cx="682920" cy="500400"/>
+            <a:ext cx="681840" cy="499320"/>
           </a:xfrm>
           <a:prstGeom prst="roundRect">
             <a:avLst>
@@ -6242,14 +6260,14 @@
       </p:sp>
       <p:sp>
         <p:nvSpPr>
-          <p:cNvPr id="218" name=""/>
+          <p:cNvPr id="220" name=""/>
           <p:cNvSpPr/>
           <p:nvPr/>
         </p:nvSpPr>
         <p:spPr>
           <a:xfrm>
             <a:off x="5397480" y="4538880"/>
-            <a:ext cx="682920" cy="500400"/>
+            <a:ext cx="681840" cy="499320"/>
           </a:xfrm>
           <a:prstGeom prst="roundRect">
             <a:avLst>
@@ -6302,14 +6320,14 @@
       </p:sp>
       <p:sp>
         <p:nvSpPr>
-          <p:cNvPr id="219" name=""/>
+          <p:cNvPr id="221" name=""/>
           <p:cNvSpPr/>
           <p:nvPr/>
         </p:nvSpPr>
         <p:spPr>
           <a:xfrm>
             <a:off x="7449120" y="4538880"/>
-            <a:ext cx="682920" cy="500400"/>
+            <a:ext cx="681840" cy="499320"/>
           </a:xfrm>
           <a:prstGeom prst="roundRect">
             <a:avLst>
@@ -6362,14 +6380,14 @@
       </p:sp>
       <p:sp>
         <p:nvSpPr>
-          <p:cNvPr id="220" name=""/>
+          <p:cNvPr id="222" name=""/>
           <p:cNvSpPr/>
           <p:nvPr/>
         </p:nvSpPr>
         <p:spPr>
           <a:xfrm>
             <a:off x="2652840" y="3410640"/>
-            <a:ext cx="682920" cy="500400"/>
+            <a:ext cx="681840" cy="499320"/>
           </a:xfrm>
           <a:prstGeom prst="roundRect">
             <a:avLst>
@@ -6452,7 +6470,7 @@
       </p:grpSpPr>
       <p:sp>
         <p:nvSpPr>
-          <p:cNvPr id="221" name="Straight Connector 19"/>
+          <p:cNvPr id="223" name="Straight Connector 19"/>
           <p:cNvSpPr/>
           <p:nvPr/>
         </p:nvSpPr>
@@ -6494,14 +6512,14 @@
       </p:sp>
       <p:sp>
         <p:nvSpPr>
-          <p:cNvPr id="222" name="PlaceHolder 17"/>
+          <p:cNvPr id="224" name="PlaceHolder 17"/>
           <p:cNvSpPr/>
           <p:nvPr/>
         </p:nvSpPr>
         <p:spPr>
           <a:xfrm>
             <a:off x="914400" y="0"/>
-            <a:ext cx="8235720" cy="912240"/>
+            <a:ext cx="8234640" cy="911160"/>
           </a:xfrm>
           <a:prstGeom prst="rect">
             <a:avLst/>
@@ -6554,14 +6572,14 @@
       </p:sp>
       <p:sp>
         <p:nvSpPr>
-          <p:cNvPr id="223" name=""/>
+          <p:cNvPr id="225" name=""/>
           <p:cNvSpPr/>
           <p:nvPr/>
         </p:nvSpPr>
         <p:spPr>
           <a:xfrm>
             <a:off x="468000" y="1128600"/>
-            <a:ext cx="9131040" cy="1942920"/>
+            <a:ext cx="9129960" cy="1941840"/>
           </a:xfrm>
           <a:prstGeom prst="rect">
             <a:avLst/>
@@ -6614,14 +6632,14 @@
       </p:sp>
       <p:sp>
         <p:nvSpPr>
-          <p:cNvPr id="224" name=""/>
+          <p:cNvPr id="226" name=""/>
           <p:cNvSpPr/>
           <p:nvPr/>
         </p:nvSpPr>
         <p:spPr>
           <a:xfrm>
             <a:off x="1048320" y="4493880"/>
-            <a:ext cx="3197160" cy="761760"/>
+            <a:ext cx="3196080" cy="760680"/>
           </a:xfrm>
           <a:prstGeom prst="rect">
             <a:avLst/>
@@ -6642,25 +6660,31 @@
             <a:noAutofit/>
           </a:bodyPr>
           <a:p>
-            <a:endParaRPr b="0" lang="en-US" sz="1800" spc="-1" strike="noStrike">
-              <a:solidFill>
-                <a:srgbClr val="000000"/>
-              </a:solidFill>
-              <a:latin typeface="Arial"/>
-            </a:endParaRPr>
-          </a:p>
-        </p:txBody>
-      </p:sp>
-      <p:sp>
-        <p:nvSpPr>
-          <p:cNvPr id="225" name=""/>
+            <a:pPr>
+              <a:lnSpc>
+                <a:spcPct val="100000"/>
+              </a:lnSpc>
+            </a:pPr>
+            <a:endParaRPr b="0" lang="en-US" sz="1800" spc="-1" strike="noStrike">
+              <a:solidFill>
+                <a:srgbClr val="000000"/>
+              </a:solidFill>
+              <a:latin typeface="Arial"/>
+              <a:ea typeface="DejaVu Sans"/>
+            </a:endParaRPr>
+          </a:p>
+        </p:txBody>
+      </p:sp>
+      <p:sp>
+        <p:nvSpPr>
+          <p:cNvPr id="227" name=""/>
           <p:cNvSpPr/>
           <p:nvPr/>
         </p:nvSpPr>
         <p:spPr>
           <a:xfrm>
             <a:off x="9664920" y="5258160"/>
-            <a:ext cx="3821040" cy="425520"/>
+            <a:ext cx="3819960" cy="424440"/>
           </a:xfrm>
           <a:prstGeom prst="rect">
             <a:avLst/>
@@ -6707,14 +6731,14 @@
       </p:sp>
       <p:sp>
         <p:nvSpPr>
-          <p:cNvPr id="226" name=""/>
+          <p:cNvPr id="228" name=""/>
           <p:cNvSpPr/>
           <p:nvPr/>
         </p:nvSpPr>
         <p:spPr>
           <a:xfrm>
             <a:off x="3336840" y="3410640"/>
-            <a:ext cx="682920" cy="500400"/>
+            <a:ext cx="681840" cy="499320"/>
           </a:xfrm>
           <a:prstGeom prst="roundRect">
             <a:avLst>
@@ -6767,14 +6791,14 @@
       </p:sp>
       <p:sp>
         <p:nvSpPr>
-          <p:cNvPr id="227" name=""/>
+          <p:cNvPr id="229" name=""/>
           <p:cNvSpPr/>
           <p:nvPr/>
         </p:nvSpPr>
         <p:spPr>
           <a:xfrm>
             <a:off x="5398200" y="3422880"/>
-            <a:ext cx="682920" cy="500400"/>
+            <a:ext cx="681840" cy="499320"/>
           </a:xfrm>
           <a:prstGeom prst="roundRect">
             <a:avLst>
@@ -6827,14 +6851,14 @@
       </p:sp>
       <p:sp>
         <p:nvSpPr>
-          <p:cNvPr id="228" name=""/>
+          <p:cNvPr id="230" name=""/>
           <p:cNvSpPr/>
           <p:nvPr/>
         </p:nvSpPr>
         <p:spPr>
           <a:xfrm>
             <a:off x="4714200" y="3422880"/>
-            <a:ext cx="682920" cy="500400"/>
+            <a:ext cx="681840" cy="499320"/>
           </a:xfrm>
           <a:prstGeom prst="roundRect">
             <a:avLst>
@@ -6887,14 +6911,14 @@
       </p:sp>
       <p:sp>
         <p:nvSpPr>
-          <p:cNvPr id="229" name=""/>
+          <p:cNvPr id="231" name=""/>
           <p:cNvSpPr/>
           <p:nvPr/>
         </p:nvSpPr>
         <p:spPr>
           <a:xfrm>
             <a:off x="4030200" y="3422880"/>
-            <a:ext cx="682920" cy="500400"/>
+            <a:ext cx="681840" cy="499320"/>
           </a:xfrm>
           <a:prstGeom prst="roundRect">
             <a:avLst>
@@ -6947,14 +6971,14 @@
       </p:sp>
       <p:sp>
         <p:nvSpPr>
-          <p:cNvPr id="230" name=""/>
+          <p:cNvPr id="232" name=""/>
           <p:cNvSpPr/>
           <p:nvPr/>
         </p:nvSpPr>
         <p:spPr>
           <a:xfrm>
             <a:off x="4713480" y="4538880"/>
-            <a:ext cx="682920" cy="500400"/>
+            <a:ext cx="681840" cy="499320"/>
           </a:xfrm>
           <a:prstGeom prst="roundRect">
             <a:avLst>
@@ -7007,14 +7031,14 @@
       </p:sp>
       <p:sp>
         <p:nvSpPr>
-          <p:cNvPr id="231" name=""/>
+          <p:cNvPr id="233" name=""/>
           <p:cNvSpPr/>
           <p:nvPr/>
         </p:nvSpPr>
         <p:spPr>
           <a:xfrm>
             <a:off x="4029840" y="4538880"/>
-            <a:ext cx="682920" cy="500400"/>
+            <a:ext cx="681840" cy="499320"/>
           </a:xfrm>
           <a:prstGeom prst="roundRect">
             <a:avLst>
@@ -7067,14 +7091,14 @@
       </p:sp>
       <p:sp>
         <p:nvSpPr>
-          <p:cNvPr id="232" name=""/>
+          <p:cNvPr id="234" name=""/>
           <p:cNvSpPr/>
           <p:nvPr/>
         </p:nvSpPr>
         <p:spPr>
           <a:xfrm>
             <a:off x="3346560" y="4544640"/>
-            <a:ext cx="682920" cy="500400"/>
+            <a:ext cx="681840" cy="499320"/>
           </a:xfrm>
           <a:prstGeom prst="roundRect">
             <a:avLst>
@@ -7127,14 +7151,14 @@
       </p:sp>
       <p:sp>
         <p:nvSpPr>
-          <p:cNvPr id="233" name=""/>
+          <p:cNvPr id="235" name=""/>
           <p:cNvSpPr/>
           <p:nvPr/>
         </p:nvSpPr>
         <p:spPr>
           <a:xfrm>
             <a:off x="6765120" y="4538880"/>
-            <a:ext cx="682920" cy="500400"/>
+            <a:ext cx="681840" cy="499320"/>
           </a:xfrm>
           <a:prstGeom prst="roundRect">
             <a:avLst>
@@ -7187,14 +7211,14 @@
       </p:sp>
       <p:sp>
         <p:nvSpPr>
-          <p:cNvPr id="234" name=""/>
+          <p:cNvPr id="236" name=""/>
           <p:cNvSpPr/>
           <p:nvPr/>
         </p:nvSpPr>
         <p:spPr>
           <a:xfrm>
             <a:off x="6081480" y="4538880"/>
-            <a:ext cx="682920" cy="500400"/>
+            <a:ext cx="681840" cy="499320"/>
           </a:xfrm>
           <a:prstGeom prst="roundRect">
             <a:avLst>
@@ -7247,14 +7271,14 @@
       </p:sp>
       <p:sp>
         <p:nvSpPr>
-          <p:cNvPr id="235" name=""/>
+          <p:cNvPr id="237" name=""/>
           <p:cNvSpPr/>
           <p:nvPr/>
         </p:nvSpPr>
         <p:spPr>
           <a:xfrm>
             <a:off x="5397480" y="4538880"/>
-            <a:ext cx="682920" cy="500400"/>
+            <a:ext cx="681840" cy="499320"/>
           </a:xfrm>
           <a:prstGeom prst="roundRect">
             <a:avLst>
@@ -7307,14 +7331,14 @@
       </p:sp>
       <p:sp>
         <p:nvSpPr>
-          <p:cNvPr id="236" name=""/>
+          <p:cNvPr id="238" name=""/>
           <p:cNvSpPr/>
           <p:nvPr/>
         </p:nvSpPr>
         <p:spPr>
           <a:xfrm>
             <a:off x="7449120" y="4538880"/>
-            <a:ext cx="682920" cy="500400"/>
+            <a:ext cx="681840" cy="499320"/>
           </a:xfrm>
           <a:prstGeom prst="roundRect">
             <a:avLst>
@@ -7367,14 +7391,14 @@
       </p:sp>
       <p:sp>
         <p:nvSpPr>
-          <p:cNvPr id="237" name=""/>
+          <p:cNvPr id="239" name=""/>
           <p:cNvSpPr/>
           <p:nvPr/>
         </p:nvSpPr>
         <p:spPr>
           <a:xfrm>
             <a:off x="2257560" y="4741560"/>
-            <a:ext cx="442800" cy="0"/>
+            <a:ext cx="442800" cy="360"/>
           </a:xfrm>
           <a:prstGeom prst="line">
             <a:avLst/>
@@ -7403,20 +7427,21 @@
                 <a:srgbClr val="000000"/>
               </a:solidFill>
               <a:latin typeface="Arial"/>
-            </a:endParaRPr>
-          </a:p>
-        </p:txBody>
-      </p:sp>
-      <p:sp>
-        <p:nvSpPr>
-          <p:cNvPr id="238" name=""/>
+              <a:ea typeface="DejaVu Sans"/>
+            </a:endParaRPr>
+          </a:p>
+        </p:txBody>
+      </p:sp>
+      <p:sp>
+        <p:nvSpPr>
+          <p:cNvPr id="240" name=""/>
           <p:cNvSpPr/>
           <p:nvPr/>
         </p:nvSpPr>
         <p:spPr>
           <a:xfrm>
             <a:off x="1048320" y="4493880"/>
-            <a:ext cx="3197160" cy="761760"/>
+            <a:ext cx="3196080" cy="760680"/>
           </a:xfrm>
           <a:prstGeom prst="rect">
             <a:avLst/>
@@ -7493,7 +7518,7 @@
       </p:grpSpPr>
       <p:sp>
         <p:nvSpPr>
-          <p:cNvPr id="239" name="Straight Connector 20"/>
+          <p:cNvPr id="241" name="Straight Connector 21"/>
           <p:cNvSpPr/>
           <p:nvPr/>
         </p:nvSpPr>
@@ -7535,14 +7560,14 @@
       </p:sp>
       <p:sp>
         <p:nvSpPr>
-          <p:cNvPr id="240" name="PlaceHolder 18"/>
+          <p:cNvPr id="242" name="PlaceHolder 19"/>
           <p:cNvSpPr/>
           <p:nvPr/>
         </p:nvSpPr>
         <p:spPr>
           <a:xfrm>
             <a:off x="914400" y="0"/>
-            <a:ext cx="8235720" cy="912240"/>
+            <a:ext cx="8234640" cy="911160"/>
           </a:xfrm>
           <a:prstGeom prst="rect">
             <a:avLst/>
@@ -7579,7 +7604,7 @@
                 <a:latin typeface="Times New Roman"/>
                 <a:ea typeface="DejaVu Sans"/>
               </a:rPr>
-              <a:t>Optimizing LZ77</a:t>
+              <a:t>Runtime</a:t>
             </a:r>
             <a:br>
               <a:rPr sz="2800"/>
@@ -7595,14 +7620,14 @@
       </p:sp>
       <p:sp>
         <p:nvSpPr>
-          <p:cNvPr id="241" name=""/>
+          <p:cNvPr id="243" name=""/>
           <p:cNvSpPr/>
           <p:nvPr/>
         </p:nvSpPr>
         <p:spPr>
           <a:xfrm>
             <a:off x="468000" y="1128600"/>
-            <a:ext cx="9131040" cy="1942920"/>
+            <a:ext cx="9129960" cy="1941840"/>
           </a:xfrm>
           <a:prstGeom prst="rect">
             <a:avLst/>
@@ -7642,7 +7667,7 @@
                 <a:latin typeface="Times New Roman"/>
                 <a:ea typeface="DejaVu Sans"/>
               </a:rPr>
-              <a:t>It is best to favor the search buffer size</a:t>
+              <a:t>At worst, you must traverse the entire search buffer approximately n times</a:t>
             </a:r>
             <a:endParaRPr b="0" lang="en-US" sz="2200" spc="-1" strike="noStrike">
               <a:solidFill>
@@ -7657,6 +7682,71 @@
                 <a:spcPct val="150000"/>
               </a:lnSpc>
             </a:pPr>
+            <a:endParaRPr b="0" lang="en-US" sz="2200" spc="-1" strike="noStrike">
+              <a:solidFill>
+                <a:srgbClr val="000000"/>
+              </a:solidFill>
+              <a:latin typeface="Arial"/>
+            </a:endParaRPr>
+          </a:p>
+          <a:p>
+            <a:pPr>
+              <a:lnSpc>
+                <a:spcPct val="150000"/>
+              </a:lnSpc>
+            </a:pPr>
+            <a:endParaRPr b="0" lang="en-US" sz="2200" spc="-1" strike="noStrike">
+              <a:solidFill>
+                <a:srgbClr val="000000"/>
+              </a:solidFill>
+              <a:latin typeface="Arial"/>
+            </a:endParaRPr>
+          </a:p>
+          <a:p>
+            <a:pPr>
+              <a:lnSpc>
+                <a:spcPct val="150000"/>
+              </a:lnSpc>
+            </a:pPr>
+            <a:endParaRPr b="0" lang="en-US" sz="2200" spc="-1" strike="noStrike">
+              <a:solidFill>
+                <a:srgbClr val="000000"/>
+              </a:solidFill>
+              <a:latin typeface="Arial"/>
+            </a:endParaRPr>
+          </a:p>
+          <a:p>
+            <a:pPr>
+              <a:lnSpc>
+                <a:spcPct val="150000"/>
+              </a:lnSpc>
+            </a:pPr>
+            <a:endParaRPr b="0" lang="en-US" sz="2200" spc="-1" strike="noStrike">
+              <a:solidFill>
+                <a:srgbClr val="000000"/>
+              </a:solidFill>
+              <a:latin typeface="Arial"/>
+            </a:endParaRPr>
+          </a:p>
+          <a:p>
+            <a:pPr>
+              <a:lnSpc>
+                <a:spcPct val="150000"/>
+              </a:lnSpc>
+            </a:pPr>
+            <a:endParaRPr b="0" lang="en-US" sz="2200" spc="-1" strike="noStrike">
+              <a:solidFill>
+                <a:srgbClr val="000000"/>
+              </a:solidFill>
+              <a:latin typeface="Arial"/>
+            </a:endParaRPr>
+          </a:p>
+          <a:p>
+            <a:pPr algn="ctr">
+              <a:lnSpc>
+                <a:spcPct val="150000"/>
+              </a:lnSpc>
+            </a:pPr>
             <a:r>
               <a:rPr b="0" lang="en-US" sz="2200" spc="-1" strike="noStrike">
                 <a:solidFill>
@@ -7665,7 +7755,7 @@
                 <a:latin typeface="Times New Roman"/>
                 <a:ea typeface="DejaVu Sans"/>
               </a:rPr>
-              <a:t>	</a:t>
+              <a:t> </a:t>
             </a:r>
             <a:r>
               <a:rPr b="0" lang="en-US" sz="2200" spc="-1" strike="noStrike">
@@ -7675,7 +7765,7 @@
                 <a:latin typeface="Times New Roman"/>
                 <a:ea typeface="DejaVu Sans"/>
               </a:rPr>
-              <a:t>- Ideal to search farther back than consider ridiculously long words</a:t>
+              <a:t>O(n * s)</a:t>
             </a:r>
             <a:endParaRPr b="0" lang="en-US" sz="2200" spc="-1" strike="noStrike">
               <a:solidFill>
@@ -7688,14 +7778,14 @@
       </p:sp>
       <p:sp>
         <p:nvSpPr>
-          <p:cNvPr id="242" name=""/>
+          <p:cNvPr id="244" name=""/>
           <p:cNvSpPr/>
           <p:nvPr/>
         </p:nvSpPr>
         <p:spPr>
           <a:xfrm>
             <a:off x="9664920" y="5258160"/>
-            <a:ext cx="3821040" cy="425520"/>
+            <a:ext cx="3819960" cy="424440"/>
           </a:xfrm>
           <a:prstGeom prst="rect">
             <a:avLst/>
@@ -7772,7 +7862,7 @@
       </p:grpSpPr>
       <p:sp>
         <p:nvSpPr>
-          <p:cNvPr id="243" name="Straight Connector 6"/>
+          <p:cNvPr id="245" name="Straight Connector 20"/>
           <p:cNvSpPr/>
           <p:nvPr/>
         </p:nvSpPr>
@@ -7814,14 +7904,14 @@
       </p:sp>
       <p:sp>
         <p:nvSpPr>
-          <p:cNvPr id="244" name="PlaceHolder 5"/>
+          <p:cNvPr id="246" name="PlaceHolder 18"/>
           <p:cNvSpPr/>
           <p:nvPr/>
         </p:nvSpPr>
         <p:spPr>
           <a:xfrm>
             <a:off x="914400" y="0"/>
-            <a:ext cx="8235720" cy="912240"/>
+            <a:ext cx="8234640" cy="911160"/>
           </a:xfrm>
           <a:prstGeom prst="rect">
             <a:avLst/>
@@ -7858,7 +7948,7 @@
                 <a:latin typeface="Times New Roman"/>
                 <a:ea typeface="DejaVu Sans"/>
               </a:rPr>
-              <a:t>References</a:t>
+              <a:t>Optimizing LZ77</a:t>
             </a:r>
             <a:br>
               <a:rPr sz="2800"/>
@@ -7874,14 +7964,14 @@
       </p:sp>
       <p:sp>
         <p:nvSpPr>
-          <p:cNvPr id="245" name=""/>
+          <p:cNvPr id="247" name=""/>
           <p:cNvSpPr/>
           <p:nvPr/>
         </p:nvSpPr>
         <p:spPr>
           <a:xfrm>
             <a:off x="468000" y="1128600"/>
-            <a:ext cx="9131040" cy="1942920"/>
+            <a:ext cx="9129960" cy="1941840"/>
           </a:xfrm>
           <a:prstGeom prst="rect">
             <a:avLst/>
@@ -7914,84 +8004,183 @@
               <a:buChar char=""/>
             </a:pPr>
             <a:r>
-              <a:rPr b="0" lang="en-US" sz="1800" spc="-1" strike="noStrike" u="sng">
-                <a:solidFill>
-                  <a:srgbClr val="0000ee"/>
-                </a:solidFill>
-                <a:uFillTx/>
-                <a:latin typeface="Times New Roman"/>
-                <a:ea typeface="DejaVu Sans"/>
-                <a:hlinkClick r:id="rId1"/>
-              </a:rPr>
-              <a:t>https://cs.stanford.edu/people/eroberts/courses/soco/projects/data-compression/lossless/lz77/algorithm.html</a:t>
-            </a:r>
-            <a:endParaRPr b="0" lang="en-US" sz="1800" spc="-1" strike="noStrike">
-              <a:solidFill>
-                <a:srgbClr val="000000"/>
-              </a:solidFill>
-              <a:latin typeface="Arial"/>
-            </a:endParaRPr>
-          </a:p>
-          <a:p>
-            <a:pPr marL="216000" indent="-216000">
+              <a:rPr b="0" lang="en-US" sz="2200" spc="-1" strike="noStrike">
+                <a:solidFill>
+                  <a:srgbClr val="000000"/>
+                </a:solidFill>
+                <a:latin typeface="Times New Roman"/>
+                <a:ea typeface="DejaVu Sans"/>
+              </a:rPr>
+              <a:t>It is best to favor the search buffer size</a:t>
+            </a:r>
+            <a:endParaRPr b="0" lang="en-US" sz="2200" spc="-1" strike="noStrike">
+              <a:solidFill>
+                <a:srgbClr val="000000"/>
+              </a:solidFill>
+              <a:latin typeface="Arial"/>
+            </a:endParaRPr>
+          </a:p>
+          <a:p>
+            <a:pPr>
               <a:lnSpc>
                 <a:spcPct val="150000"/>
               </a:lnSpc>
-              <a:buClr>
-                <a:srgbClr val="000000"/>
-              </a:buClr>
-              <a:buSzPct val="45000"/>
-              <a:buFont typeface="Wingdings" charset="2"/>
-              <a:buChar char=""/>
-            </a:pPr>
-            <a:r>
-              <a:rPr b="0" lang="en-US" sz="1800" spc="-1" strike="noStrike" u="sng">
-                <a:solidFill>
-                  <a:srgbClr val="0000ee"/>
-                </a:solidFill>
-                <a:uFillTx/>
-                <a:latin typeface="Times New Roman"/>
-                <a:ea typeface="DejaVu Sans"/>
-                <a:hlinkClick r:id="rId2"/>
-              </a:rPr>
-              <a:t>https://en.wikipedia.org/wiki/LZ77_and_LZ78</a:t>
-            </a:r>
-            <a:endParaRPr b="0" lang="en-US" sz="1800" spc="-1" strike="noStrike">
-              <a:solidFill>
-                <a:srgbClr val="000000"/>
-              </a:solidFill>
-              <a:latin typeface="Arial"/>
-            </a:endParaRPr>
-          </a:p>
-          <a:p>
-            <a:pPr marL="216000" indent="-216000">
+            </a:pPr>
+            <a:r>
+              <a:rPr b="0" lang="en-US" sz="2200" spc="-1" strike="noStrike">
+                <a:solidFill>
+                  <a:srgbClr val="000000"/>
+                </a:solidFill>
+                <a:latin typeface="Times New Roman"/>
+                <a:ea typeface="DejaVu Sans"/>
+              </a:rPr>
+              <a:t>	</a:t>
+            </a:r>
+            <a:r>
+              <a:rPr b="0" lang="en-US" sz="2200" spc="-1" strike="noStrike">
+                <a:solidFill>
+                  <a:srgbClr val="000000"/>
+                </a:solidFill>
+                <a:latin typeface="Times New Roman"/>
+                <a:ea typeface="DejaVu Sans"/>
+              </a:rPr>
+              <a:t>- Ideal to search farther back than consider ridiculously long words</a:t>
+            </a:r>
+            <a:endParaRPr b="0" lang="en-US" sz="2200" spc="-1" strike="noStrike">
+              <a:solidFill>
+                <a:srgbClr val="000000"/>
+              </a:solidFill>
+              <a:latin typeface="Arial"/>
+            </a:endParaRPr>
+          </a:p>
+          <a:p>
+            <a:pPr>
               <a:lnSpc>
                 <a:spcPct val="150000"/>
               </a:lnSpc>
-              <a:buClr>
-                <a:srgbClr val="000000"/>
-              </a:buClr>
-              <a:buSzPct val="45000"/>
-              <a:buFont typeface="Wingdings" charset="2"/>
-              <a:buChar char=""/>
-            </a:pPr>
-            <a:r>
-              <a:rPr b="0" lang="en-US" sz="1800" spc="-1" strike="noStrike" u="sng">
-                <a:solidFill>
-                  <a:srgbClr val="0000ee"/>
-                </a:solidFill>
-                <a:uFillTx/>
-                <a:latin typeface="Times New Roman"/>
-                <a:ea typeface="DejaVu Sans"/>
-                <a:hlinkClick r:id="rId3"/>
-              </a:rPr>
-              <a:t>https://medium.com/@vincentcorbee/lz77-compression-in-javascript-cd2583d2a8bd</a:t>
-            </a:r>
-            <a:endParaRPr b="0" lang="en-US" sz="1800" spc="-1" strike="noStrike">
-              <a:solidFill>
-                <a:srgbClr val="000000"/>
-              </a:solidFill>
-              <a:latin typeface="Arial"/>
+            </a:pPr>
+            <a:r>
+              <a:rPr b="0" lang="en-US" sz="2200" spc="-1" strike="noStrike">
+                <a:solidFill>
+                  <a:srgbClr val="000000"/>
+                </a:solidFill>
+                <a:latin typeface="Times New Roman"/>
+                <a:ea typeface="DejaVu Sans"/>
+              </a:rPr>
+              <a:t>	</a:t>
+            </a:r>
+            <a:r>
+              <a:rPr b="0" lang="en-US" sz="2200" spc="-1" strike="noStrike">
+                <a:solidFill>
+                  <a:srgbClr val="000000"/>
+                </a:solidFill>
+                <a:latin typeface="Times New Roman"/>
+                <a:ea typeface="DejaVu Sans"/>
+              </a:rPr>
+              <a:t>- The longer the search buffer, the slower the compression</a:t>
+            </a:r>
+            <a:endParaRPr b="0" lang="en-US" sz="2200" spc="-1" strike="noStrike">
+              <a:solidFill>
+                <a:srgbClr val="000000"/>
+              </a:solidFill>
+              <a:latin typeface="Arial"/>
+            </a:endParaRPr>
+          </a:p>
+        </p:txBody>
+      </p:sp>
+      <p:sp>
+        <p:nvSpPr>
+          <p:cNvPr id="248" name=""/>
+          <p:cNvSpPr/>
+          <p:nvPr/>
+        </p:nvSpPr>
+        <p:spPr>
+          <a:xfrm>
+            <a:off x="9664920" y="5258160"/>
+            <a:ext cx="3819960" cy="424440"/>
+          </a:xfrm>
+          <a:prstGeom prst="rect">
+            <a:avLst/>
+          </a:prstGeom>
+          <a:noFill/>
+          <a:ln w="0">
+            <a:noFill/>
+          </a:ln>
+        </p:spPr>
+        <p:style>
+          <a:lnRef idx="0"/>
+          <a:fillRef idx="0"/>
+          <a:effectRef idx="0"/>
+          <a:fontRef idx="minor"/>
+        </p:style>
+        <p:txBody>
+          <a:bodyPr lIns="90000" rIns="90000" tIns="45000" bIns="45000" anchor="t">
+            <a:noAutofit/>
+          </a:bodyPr>
+          <a:p>
+            <a:pPr>
+              <a:lnSpc>
+                <a:spcPct val="100000"/>
+              </a:lnSpc>
+            </a:pPr>
+            <a:r>
+              <a:rPr b="0" lang="en-US" sz="2400" spc="-1" strike="noStrike">
+                <a:solidFill>
+                  <a:srgbClr val="000000"/>
+                </a:solidFill>
+                <a:latin typeface="Times New Roman"/>
+                <a:ea typeface="DejaVu Sans"/>
+              </a:rPr>
+              <a:t>15</a:t>
+            </a:r>
+            <a:endParaRPr b="0" lang="en-US" sz="2400" spc="-1" strike="noStrike">
+              <a:solidFill>
+                <a:srgbClr val="000000"/>
+              </a:solidFill>
+              <a:latin typeface="Arial"/>
+            </a:endParaRPr>
+          </a:p>
+        </p:txBody>
+      </p:sp>
+      <p:sp>
+        <p:nvSpPr>
+          <p:cNvPr id="249" name=""/>
+          <p:cNvSpPr txBox="1"/>
+          <p:nvPr/>
+        </p:nvSpPr>
+        <p:spPr>
+          <a:xfrm>
+            <a:off x="4379400" y="4343400"/>
+            <a:ext cx="1371600" cy="457200"/>
+          </a:xfrm>
+          <a:prstGeom prst="rect">
+            <a:avLst/>
+          </a:prstGeom>
+          <a:noFill/>
+          <a:ln w="0">
+            <a:noFill/>
+          </a:ln>
+        </p:spPr>
+        <p:txBody>
+          <a:bodyPr lIns="90000" rIns="90000" tIns="45000" bIns="45000" anchor="t">
+            <a:noAutofit/>
+          </a:bodyPr>
+          <a:p>
+            <a:pPr algn="ctr"/>
+            <a:r>
+              <a:rPr b="0" lang="en-US" sz="2200" spc="-1" strike="noStrike">
+                <a:solidFill>
+                  <a:srgbClr val="000000"/>
+                </a:solidFill>
+                <a:latin typeface="Times New Roman"/>
+              </a:rPr>
+              <a:t>O(n * s)</a:t>
+            </a:r>
+            <a:endParaRPr b="0" lang="en-US" sz="2200" spc="-1" strike="noStrike">
+              <a:solidFill>
+                <a:srgbClr val="000000"/>
+              </a:solidFill>
+              <a:latin typeface="Times New Roman"/>
             </a:endParaRPr>
           </a:p>
         </p:txBody>
@@ -8028,13 +8217,13 @@
       </p:grpSpPr>
       <p:sp>
         <p:nvSpPr>
-          <p:cNvPr id="246" name="Straight Connector 7"/>
-          <p:cNvSpPr/>
-          <p:nvPr/>
-        </p:nvSpPr>
-        <p:spPr>
-          <a:xfrm>
-            <a:off x="468000" y="4044600"/>
+          <p:cNvPr id="250" name="Straight Connector 22"/>
+          <p:cNvSpPr/>
+          <p:nvPr/>
+        </p:nvSpPr>
+        <p:spPr>
+          <a:xfrm>
+            <a:off x="468000" y="1128600"/>
             <a:ext cx="9144000" cy="360"/>
           </a:xfrm>
           <a:prstGeom prst="line">
@@ -8070,7 +8259,196 @@
       </p:sp>
       <p:sp>
         <p:nvSpPr>
-          <p:cNvPr id="247" name="Straight Connector 8"/>
+          <p:cNvPr id="251" name="PlaceHolder 20"/>
+          <p:cNvSpPr/>
+          <p:nvPr/>
+        </p:nvSpPr>
+        <p:spPr>
+          <a:xfrm>
+            <a:off x="914400" y="0"/>
+            <a:ext cx="8234640" cy="911160"/>
+          </a:xfrm>
+          <a:prstGeom prst="rect">
+            <a:avLst/>
+          </a:prstGeom>
+          <a:noFill/>
+          <a:ln w="9360">
+            <a:noFill/>
+          </a:ln>
+        </p:spPr>
+        <p:style>
+          <a:lnRef idx="0"/>
+          <a:fillRef idx="0"/>
+          <a:effectRef idx="0"/>
+          <a:fontRef idx="minor"/>
+        </p:style>
+        <p:txBody>
+          <a:bodyPr numCol="1" spcCol="0" lIns="90000" rIns="90000" tIns="45000" bIns="45000" anchor="t">
+            <a:noAutofit/>
+          </a:bodyPr>
+          <a:p>
+            <a:pPr algn="ctr">
+              <a:lnSpc>
+                <a:spcPct val="150000"/>
+              </a:lnSpc>
+              <a:tabLst>
+                <a:tab algn="l" pos="0"/>
+              </a:tabLst>
+            </a:pPr>
+            <a:r>
+              <a:rPr b="0" lang="en-US" sz="2800" spc="-1" strike="noStrike">
+                <a:solidFill>
+                  <a:srgbClr val="000000"/>
+                </a:solidFill>
+                <a:latin typeface="Times New Roman"/>
+                <a:ea typeface="DejaVu Sans"/>
+              </a:rPr>
+              <a:t>So, How can we search faster?</a:t>
+            </a:r>
+            <a:br>
+              <a:rPr sz="2800"/>
+            </a:br>
+            <a:endParaRPr b="0" lang="en-US" sz="2800" spc="-1" strike="noStrike">
+              <a:solidFill>
+                <a:srgbClr val="000000"/>
+              </a:solidFill>
+              <a:latin typeface="Arial"/>
+            </a:endParaRPr>
+          </a:p>
+        </p:txBody>
+      </p:sp>
+      <p:sp>
+        <p:nvSpPr>
+          <p:cNvPr id="252" name=""/>
+          <p:cNvSpPr/>
+          <p:nvPr/>
+        </p:nvSpPr>
+        <p:spPr>
+          <a:xfrm>
+            <a:off x="468000" y="1128600"/>
+            <a:ext cx="9129960" cy="1941840"/>
+          </a:xfrm>
+          <a:prstGeom prst="rect">
+            <a:avLst/>
+          </a:prstGeom>
+          <a:noFill/>
+          <a:ln w="0">
+            <a:noFill/>
+          </a:ln>
+        </p:spPr>
+        <p:style>
+          <a:lnRef idx="0"/>
+          <a:fillRef idx="0"/>
+          <a:effectRef idx="0"/>
+          <a:fontRef idx="minor"/>
+        </p:style>
+        <p:txBody>
+          <a:bodyPr lIns="90000" rIns="90000" tIns="45000" bIns="45000" anchor="t">
+            <a:noAutofit/>
+          </a:bodyPr>
+          <a:p>
+            <a:pPr>
+              <a:lnSpc>
+                <a:spcPct val="150000"/>
+              </a:lnSpc>
+            </a:pPr>
+            <a:endParaRPr b="0" lang="en-US" sz="1800" spc="-1" strike="noStrike">
+              <a:solidFill>
+                <a:srgbClr val="000000"/>
+              </a:solidFill>
+              <a:latin typeface="Arial"/>
+              <a:ea typeface="DejaVu Sans"/>
+            </a:endParaRPr>
+          </a:p>
+        </p:txBody>
+      </p:sp>
+      <p:sp>
+        <p:nvSpPr>
+          <p:cNvPr id="253" name=""/>
+          <p:cNvSpPr/>
+          <p:nvPr/>
+        </p:nvSpPr>
+        <p:spPr>
+          <a:xfrm>
+            <a:off x="9664920" y="5258160"/>
+            <a:ext cx="3819960" cy="424440"/>
+          </a:xfrm>
+          <a:prstGeom prst="rect">
+            <a:avLst/>
+          </a:prstGeom>
+          <a:noFill/>
+          <a:ln w="0">
+            <a:noFill/>
+          </a:ln>
+        </p:spPr>
+        <p:style>
+          <a:lnRef idx="0"/>
+          <a:fillRef idx="0"/>
+          <a:effectRef idx="0"/>
+          <a:fontRef idx="minor"/>
+        </p:style>
+        <p:txBody>
+          <a:bodyPr lIns="90000" rIns="90000" tIns="45000" bIns="45000" anchor="t">
+            <a:noAutofit/>
+          </a:bodyPr>
+          <a:p>
+            <a:pPr>
+              <a:lnSpc>
+                <a:spcPct val="100000"/>
+              </a:lnSpc>
+            </a:pPr>
+            <a:r>
+              <a:rPr b="0" lang="en-US" sz="2400" spc="-1" strike="noStrike">
+                <a:solidFill>
+                  <a:srgbClr val="000000"/>
+                </a:solidFill>
+                <a:latin typeface="Times New Roman"/>
+                <a:ea typeface="DejaVu Sans"/>
+              </a:rPr>
+              <a:t>16</a:t>
+            </a:r>
+            <a:endParaRPr b="0" lang="en-US" sz="2400" spc="-1" strike="noStrike">
+              <a:solidFill>
+                <a:srgbClr val="000000"/>
+              </a:solidFill>
+              <a:latin typeface="Arial"/>
+            </a:endParaRPr>
+          </a:p>
+        </p:txBody>
+      </p:sp>
+    </p:spTree>
+  </p:cSld>
+  <mc:AlternateContent>
+    <mc:Choice Requires="p14">
+      <p:transition spd="slow" p14:dur="2000"/>
+    </mc:Choice>
+    <mc:Fallback>
+      <p:transition spd="slow"/>
+    </mc:Fallback>
+  </mc:AlternateContent>
+</p:sld>
+</file>
+
+<file path=ppt/slides/slide19.xml><?xml version="1.0" encoding="utf-8"?>
+<p:sld xmlns:a="http://schemas.openxmlformats.org/drawingml/2006/main" xmlns:p="http://schemas.openxmlformats.org/presentationml/2006/main" xmlns:r="http://schemas.openxmlformats.org/officeDocument/2006/relationships" xmlns:p14="http://schemas.microsoft.com/office/powerpoint/2010/main" xmlns:p15="http://schemas.microsoft.com/office/powerpoint/2012/main" xmlns:mc="http://schemas.openxmlformats.org/markup-compatibility/2006">
+  <p:cSld>
+    <p:spTree>
+      <p:nvGrpSpPr>
+        <p:cNvPr id="1" name=""/>
+        <p:cNvGrpSpPr/>
+        <p:nvPr/>
+      </p:nvGrpSpPr>
+      <p:grpSpPr>
+        <a:xfrm>
+          <a:off x="0" y="0"/>
+          <a:ext cx="0" cy="0"/>
+          <a:chOff x="0" y="0"/>
+          <a:chExt cx="0" cy="0"/>
+        </a:xfrm>
+      </p:grpSpPr>
+      <p:sp>
+        <p:nvSpPr>
+          <p:cNvPr id="254" name="Straight Connector 23"/>
           <p:cNvSpPr/>
           <p:nvPr/>
         </p:nvSpPr>
@@ -8112,14 +8490,14 @@
       </p:sp>
       <p:sp>
         <p:nvSpPr>
-          <p:cNvPr id="248" name="PlaceHolder 6"/>
-          <p:cNvSpPr/>
-          <p:nvPr/>
-        </p:nvSpPr>
-        <p:spPr>
-          <a:xfrm>
-            <a:off x="928080" y="0"/>
-            <a:ext cx="8222040" cy="6292440"/>
+          <p:cNvPr id="255" name="PlaceHolder 21"/>
+          <p:cNvSpPr/>
+          <p:nvPr/>
+        </p:nvSpPr>
+        <p:spPr>
+          <a:xfrm>
+            <a:off x="914400" y="0"/>
+            <a:ext cx="8234640" cy="911160"/>
           </a:xfrm>
           <a:prstGeom prst="rect">
             <a:avLst/>
@@ -8149,93 +8527,219 @@
               </a:tabLst>
             </a:pPr>
             <a:r>
-              <a:rPr b="0" lang="en-US" sz="2600" spc="-1" strike="noStrike">
-                <a:solidFill>
-                  <a:srgbClr val="000000"/>
-                </a:solidFill>
-                <a:latin typeface="Times New Roman"/>
-                <a:ea typeface="DejaVu Sans"/>
-              </a:rPr>
-              <a:t>LZ77 Compression</a:t>
+              <a:rPr b="0" lang="en-US" sz="2800" spc="-1" strike="noStrike">
+                <a:solidFill>
+                  <a:srgbClr val="000000"/>
+                </a:solidFill>
+                <a:latin typeface="Times New Roman"/>
+                <a:ea typeface="DejaVu Sans"/>
+              </a:rPr>
+              <a:t>So, How can we search faster?</a:t>
             </a:r>
             <a:br>
-              <a:rPr sz="2600"/>
+              <a:rPr sz="2800"/>
             </a:br>
-            <a:br>
-              <a:rPr sz="2600"/>
-            </a:br>
-            <a:r>
-              <a:rPr b="0" lang="en-US" sz="2600" spc="-1" strike="noStrike">
-                <a:solidFill>
-                  <a:srgbClr val="000000"/>
-                </a:solidFill>
-                <a:latin typeface="Times New Roman"/>
-                <a:ea typeface="DejaVu Sans"/>
-              </a:rPr>
-              <a:t>Will Buziak</a:t>
-            </a:r>
-            <a:br>
-              <a:rPr sz="2600"/>
-            </a:br>
-            <a:r>
-              <a:rPr b="0" lang="en-US" sz="2600" spc="-1" strike="noStrike">
-                <a:solidFill>
-                  <a:srgbClr val="000000"/>
-                </a:solidFill>
-                <a:latin typeface="Times New Roman"/>
-                <a:ea typeface="DejaVu Sans"/>
-              </a:rPr>
-              <a:t>MABE/EECS</a:t>
-            </a:r>
-            <a:br>
-              <a:rPr sz="2600"/>
-            </a:br>
-            <a:r>
-              <a:rPr b="0" lang="en-US" sz="2600" spc="-1" strike="noStrike">
-                <a:solidFill>
-                  <a:srgbClr val="000000"/>
-                </a:solidFill>
-                <a:latin typeface="Times New Roman"/>
-                <a:ea typeface="DejaVu Sans"/>
-              </a:rPr>
-              <a:t>University of Tennessee</a:t>
-            </a:r>
-            <a:br>
-              <a:rPr sz="2600"/>
-            </a:br>
-            <a:br>
-              <a:rPr sz="2600"/>
-            </a:br>
-            <a:br>
-              <a:rPr sz="2600"/>
-            </a:br>
-            <a:r>
-              <a:rPr b="0" lang="en-US" sz="2600" spc="-1" strike="noStrike">
-                <a:solidFill>
-                  <a:srgbClr val="000000"/>
-                </a:solidFill>
-                <a:latin typeface="Times New Roman"/>
-                <a:ea typeface="DejaVu Sans"/>
-              </a:rPr>
-              <a:t>CS494</a:t>
-            </a:r>
-            <a:br>
-              <a:rPr sz="2600"/>
-            </a:br>
-            <a:r>
-              <a:rPr b="0" lang="en-US" sz="2600" spc="-1" strike="noStrike">
-                <a:solidFill>
-                  <a:srgbClr val="000000"/>
-                </a:solidFill>
-                <a:latin typeface="Times New Roman"/>
-                <a:ea typeface="DejaVu Sans"/>
-              </a:rPr>
-              <a:t>February 20, 2024</a:t>
-            </a:r>
-            <a:br>
-              <a:rPr sz="2600"/>
-            </a:br>
-            <a:endParaRPr b="0" lang="en-US" sz="2600" spc="-1" strike="noStrike">
+            <a:endParaRPr b="0" lang="en-US" sz="2800" spc="-1" strike="noStrike">
+              <a:solidFill>
+                <a:srgbClr val="000000"/>
+              </a:solidFill>
+              <a:latin typeface="Arial"/>
+            </a:endParaRPr>
+          </a:p>
+        </p:txBody>
+      </p:sp>
+      <p:sp>
+        <p:nvSpPr>
+          <p:cNvPr id="256" name=""/>
+          <p:cNvSpPr/>
+          <p:nvPr/>
+        </p:nvSpPr>
+        <p:spPr>
+          <a:xfrm>
+            <a:off x="468000" y="1128600"/>
+            <a:ext cx="9129960" cy="1941840"/>
+          </a:xfrm>
+          <a:prstGeom prst="rect">
+            <a:avLst/>
+          </a:prstGeom>
+          <a:noFill/>
+          <a:ln w="0">
+            <a:noFill/>
+          </a:ln>
+        </p:spPr>
+        <p:style>
+          <a:lnRef idx="0"/>
+          <a:fillRef idx="0"/>
+          <a:effectRef idx="0"/>
+          <a:fontRef idx="minor"/>
+        </p:style>
+        <p:txBody>
+          <a:bodyPr lIns="90000" rIns="90000" tIns="45000" bIns="45000" anchor="t">
+            <a:noAutofit/>
+          </a:bodyPr>
+          <a:p>
+            <a:pPr marL="216000" indent="-216000">
+              <a:lnSpc>
+                <a:spcPct val="150000"/>
+              </a:lnSpc>
+              <a:buClr>
+                <a:srgbClr val="000000"/>
+              </a:buClr>
+              <a:buSzPct val="45000"/>
+              <a:buFont typeface="Wingdings" charset="2"/>
+              <a:buChar char=""/>
+            </a:pPr>
+            <a:r>
+              <a:rPr b="0" lang="en-US" sz="2200" spc="-1" strike="noStrike">
+                <a:solidFill>
+                  <a:srgbClr val="000000"/>
+                </a:solidFill>
+                <a:latin typeface="Times New Roman"/>
+                <a:ea typeface="DejaVu Sans"/>
+              </a:rPr>
+              <a:t>Hash table</a:t>
+            </a:r>
+            <a:endParaRPr b="0" lang="en-US" sz="2200" spc="-1" strike="noStrike">
+              <a:solidFill>
+                <a:srgbClr val="000000"/>
+              </a:solidFill>
+              <a:latin typeface="Arial"/>
+            </a:endParaRPr>
+          </a:p>
+          <a:p>
+            <a:pPr>
+              <a:lnSpc>
+                <a:spcPct val="150000"/>
+              </a:lnSpc>
+            </a:pPr>
+            <a:r>
+              <a:rPr b="0" lang="en-US" sz="2200" spc="-1" strike="noStrike">
+                <a:solidFill>
+                  <a:srgbClr val="000000"/>
+                </a:solidFill>
+                <a:latin typeface="Times New Roman"/>
+                <a:ea typeface="DejaVu Sans"/>
+              </a:rPr>
+              <a:t>	</a:t>
+            </a:r>
+            <a:r>
+              <a:rPr b="0" lang="en-US" sz="2200" spc="-1" strike="noStrike">
+                <a:solidFill>
+                  <a:srgbClr val="000000"/>
+                </a:solidFill>
+                <a:latin typeface="Times New Roman"/>
+                <a:ea typeface="DejaVu Sans"/>
+              </a:rPr>
+              <a:t>- It is ideal to check all instances of each character in case of a longer </a:t>
+            </a:r>
+            <a:r>
+              <a:rPr b="0" lang="en-US" sz="2200" spc="-1" strike="noStrike">
+                <a:solidFill>
+                  <a:srgbClr val="000000"/>
+                </a:solidFill>
+                <a:latin typeface="Times New Roman"/>
+                <a:ea typeface="DejaVu Sans"/>
+              </a:rPr>
+              <a:t>	</a:t>
+            </a:r>
+            <a:r>
+              <a:rPr b="0" lang="en-US" sz="2200" spc="-1" strike="noStrike">
+                <a:solidFill>
+                  <a:srgbClr val="000000"/>
+                </a:solidFill>
+                <a:latin typeface="Times New Roman"/>
+                <a:ea typeface="DejaVu Sans"/>
+              </a:rPr>
+              <a:t>   match</a:t>
+            </a:r>
+            <a:endParaRPr b="0" lang="en-US" sz="2200" spc="-1" strike="noStrike">
+              <a:solidFill>
+                <a:srgbClr val="000000"/>
+              </a:solidFill>
+              <a:latin typeface="Arial"/>
+            </a:endParaRPr>
+          </a:p>
+          <a:p>
+            <a:pPr>
+              <a:lnSpc>
+                <a:spcPct val="150000"/>
+              </a:lnSpc>
+            </a:pPr>
+            <a:r>
+              <a:rPr b="0" lang="en-US" sz="2200" spc="-1" strike="noStrike">
+                <a:solidFill>
+                  <a:srgbClr val="000000"/>
+                </a:solidFill>
+                <a:latin typeface="Times New Roman"/>
+                <a:ea typeface="DejaVu Sans"/>
+              </a:rPr>
+              <a:t>	</a:t>
+            </a:r>
+            <a:r>
+              <a:rPr b="0" lang="en-US" sz="2200" spc="-1" strike="noStrike">
+                <a:solidFill>
+                  <a:srgbClr val="000000"/>
+                </a:solidFill>
+                <a:latin typeface="Times New Roman"/>
+                <a:ea typeface="DejaVu Sans"/>
+              </a:rPr>
+              <a:t>- Searching is O(1) in a hash table</a:t>
+            </a:r>
+            <a:endParaRPr b="0" lang="en-US" sz="2200" spc="-1" strike="noStrike">
+              <a:solidFill>
+                <a:srgbClr val="000000"/>
+              </a:solidFill>
+              <a:latin typeface="Arial"/>
+            </a:endParaRPr>
+          </a:p>
+        </p:txBody>
+      </p:sp>
+      <p:sp>
+        <p:nvSpPr>
+          <p:cNvPr id="257" name=""/>
+          <p:cNvSpPr/>
+          <p:nvPr/>
+        </p:nvSpPr>
+        <p:spPr>
+          <a:xfrm>
+            <a:off x="9664920" y="5258160"/>
+            <a:ext cx="3819960" cy="424440"/>
+          </a:xfrm>
+          <a:prstGeom prst="rect">
+            <a:avLst/>
+          </a:prstGeom>
+          <a:noFill/>
+          <a:ln w="0">
+            <a:noFill/>
+          </a:ln>
+        </p:spPr>
+        <p:style>
+          <a:lnRef idx="0"/>
+          <a:fillRef idx="0"/>
+          <a:effectRef idx="0"/>
+          <a:fontRef idx="minor"/>
+        </p:style>
+        <p:txBody>
+          <a:bodyPr lIns="90000" rIns="90000" tIns="45000" bIns="45000" anchor="t">
+            <a:noAutofit/>
+          </a:bodyPr>
+          <a:p>
+            <a:pPr>
+              <a:lnSpc>
+                <a:spcPct val="100000"/>
+              </a:lnSpc>
+            </a:pPr>
+            <a:r>
+              <a:rPr b="0" lang="en-US" sz="2400" spc="-1" strike="noStrike">
+                <a:solidFill>
+                  <a:srgbClr val="000000"/>
+                </a:solidFill>
+                <a:latin typeface="Times New Roman"/>
+                <a:ea typeface="DejaVu Sans"/>
+              </a:rPr>
+              <a:t>16</a:t>
+            </a:r>
+            <a:endParaRPr b="0" lang="en-US" sz="2400" spc="-1" strike="noStrike">
               <a:solidFill>
                 <a:srgbClr val="000000"/>
               </a:solidFill>
@@ -8325,7 +8829,7 @@
         <p:spPr>
           <a:xfrm>
             <a:off x="914400" y="0"/>
-            <a:ext cx="8235720" cy="912240"/>
+            <a:ext cx="8234640" cy="911160"/>
           </a:xfrm>
           <a:prstGeom prst="rect">
             <a:avLst/>
@@ -8385,7 +8889,7 @@
         <p:spPr>
           <a:xfrm>
             <a:off x="457200" y="1128600"/>
-            <a:ext cx="9141840" cy="3884040"/>
+            <a:ext cx="9140760" cy="3882960"/>
           </a:xfrm>
           <a:prstGeom prst="rect">
             <a:avLst/>
@@ -8430,7 +8934,7 @@
         <p:spPr>
           <a:xfrm>
             <a:off x="457920" y="1372320"/>
-            <a:ext cx="9141120" cy="1598040"/>
+            <a:ext cx="9140040" cy="1596960"/>
           </a:xfrm>
           <a:prstGeom prst="roundRect">
             <a:avLst>
@@ -8537,7 +9041,7 @@
         <p:spPr>
           <a:xfrm>
             <a:off x="9664920" y="5258160"/>
-            <a:ext cx="3821040" cy="425520"/>
+            <a:ext cx="3819960" cy="424440"/>
           </a:xfrm>
           <a:prstGeom prst="rect">
             <a:avLst/>
@@ -8574,6 +9078,907 @@
               <a:t>1</a:t>
             </a:r>
             <a:endParaRPr b="0" lang="en-US" sz="2400" spc="-1" strike="noStrike">
+              <a:solidFill>
+                <a:srgbClr val="000000"/>
+              </a:solidFill>
+              <a:latin typeface="Arial"/>
+            </a:endParaRPr>
+          </a:p>
+        </p:txBody>
+      </p:sp>
+    </p:spTree>
+  </p:cSld>
+  <mc:AlternateContent>
+    <mc:Choice Requires="p14">
+      <p:transition spd="slow" p14:dur="2000"/>
+    </mc:Choice>
+    <mc:Fallback>
+      <p:transition spd="slow"/>
+    </mc:Fallback>
+  </mc:AlternateContent>
+</p:sld>
+</file>
+
+<file path=ppt/slides/slide20.xml><?xml version="1.0" encoding="utf-8"?>
+<p:sld xmlns:a="http://schemas.openxmlformats.org/drawingml/2006/main" xmlns:p="http://schemas.openxmlformats.org/presentationml/2006/main" xmlns:r="http://schemas.openxmlformats.org/officeDocument/2006/relationships" xmlns:p14="http://schemas.microsoft.com/office/powerpoint/2010/main" xmlns:p15="http://schemas.microsoft.com/office/powerpoint/2012/main" xmlns:mc="http://schemas.openxmlformats.org/markup-compatibility/2006">
+  <p:cSld>
+    <p:spTree>
+      <p:nvGrpSpPr>
+        <p:cNvPr id="1" name=""/>
+        <p:cNvGrpSpPr/>
+        <p:nvPr/>
+      </p:nvGrpSpPr>
+      <p:grpSpPr>
+        <a:xfrm>
+          <a:off x="0" y="0"/>
+          <a:ext cx="0" cy="0"/>
+          <a:chOff x="0" y="0"/>
+          <a:chExt cx="0" cy="0"/>
+        </a:xfrm>
+      </p:grpSpPr>
+      <p:sp>
+        <p:nvSpPr>
+          <p:cNvPr id="258" name="Straight Connector 24"/>
+          <p:cNvSpPr/>
+          <p:nvPr/>
+        </p:nvSpPr>
+        <p:spPr>
+          <a:xfrm>
+            <a:off x="468000" y="1128600"/>
+            <a:ext cx="9144000" cy="360"/>
+          </a:xfrm>
+          <a:prstGeom prst="line">
+            <a:avLst/>
+          </a:prstGeom>
+          <a:ln w="57240">
+            <a:solidFill>
+              <a:srgbClr val="ed7d31"/>
+            </a:solidFill>
+            <a:miter/>
+          </a:ln>
+        </p:spPr>
+        <p:style>
+          <a:lnRef idx="0"/>
+          <a:fillRef idx="0"/>
+          <a:effectRef idx="0"/>
+          <a:fontRef idx="minor"/>
+        </p:style>
+        <p:txBody>
+          <a:bodyPr lIns="90000" rIns="90000" tIns="-44640" bIns="-44640" anchor="t" anchorCtr="1">
+            <a:noAutofit/>
+          </a:bodyPr>
+          <a:p>
+            <a:endParaRPr b="0" lang="en-US" sz="1800" spc="-1" strike="noStrike">
+              <a:solidFill>
+                <a:srgbClr val="000000"/>
+              </a:solidFill>
+              <a:latin typeface="Arial"/>
+              <a:ea typeface="DejaVu Sans"/>
+            </a:endParaRPr>
+          </a:p>
+        </p:txBody>
+      </p:sp>
+      <p:sp>
+        <p:nvSpPr>
+          <p:cNvPr id="259" name="PlaceHolder 22"/>
+          <p:cNvSpPr/>
+          <p:nvPr/>
+        </p:nvSpPr>
+        <p:spPr>
+          <a:xfrm>
+            <a:off x="914400" y="0"/>
+            <a:ext cx="8234640" cy="911160"/>
+          </a:xfrm>
+          <a:prstGeom prst="rect">
+            <a:avLst/>
+          </a:prstGeom>
+          <a:noFill/>
+          <a:ln w="9360">
+            <a:noFill/>
+          </a:ln>
+        </p:spPr>
+        <p:style>
+          <a:lnRef idx="0"/>
+          <a:fillRef idx="0"/>
+          <a:effectRef idx="0"/>
+          <a:fontRef idx="minor"/>
+        </p:style>
+        <p:txBody>
+          <a:bodyPr numCol="1" spcCol="0" lIns="90000" rIns="90000" tIns="45000" bIns="45000" anchor="t">
+            <a:noAutofit/>
+          </a:bodyPr>
+          <a:p>
+            <a:pPr algn="ctr">
+              <a:lnSpc>
+                <a:spcPct val="150000"/>
+              </a:lnSpc>
+              <a:tabLst>
+                <a:tab algn="l" pos="0"/>
+              </a:tabLst>
+            </a:pPr>
+            <a:r>
+              <a:rPr b="0" lang="en-US" sz="2800" spc="-1" strike="noStrike">
+                <a:solidFill>
+                  <a:srgbClr val="000000"/>
+                </a:solidFill>
+                <a:latin typeface="Times New Roman"/>
+                <a:ea typeface="DejaVu Sans"/>
+              </a:rPr>
+              <a:t>So, How can we search faster?</a:t>
+            </a:r>
+            <a:br>
+              <a:rPr sz="2800"/>
+            </a:br>
+            <a:endParaRPr b="0" lang="en-US" sz="2800" spc="-1" strike="noStrike">
+              <a:solidFill>
+                <a:srgbClr val="000000"/>
+              </a:solidFill>
+              <a:latin typeface="Arial"/>
+            </a:endParaRPr>
+          </a:p>
+        </p:txBody>
+      </p:sp>
+      <p:sp>
+        <p:nvSpPr>
+          <p:cNvPr id="260" name=""/>
+          <p:cNvSpPr/>
+          <p:nvPr/>
+        </p:nvSpPr>
+        <p:spPr>
+          <a:xfrm>
+            <a:off x="468000" y="1128600"/>
+            <a:ext cx="9129960" cy="1941840"/>
+          </a:xfrm>
+          <a:prstGeom prst="rect">
+            <a:avLst/>
+          </a:prstGeom>
+          <a:noFill/>
+          <a:ln w="0">
+            <a:noFill/>
+          </a:ln>
+        </p:spPr>
+        <p:style>
+          <a:lnRef idx="0"/>
+          <a:fillRef idx="0"/>
+          <a:effectRef idx="0"/>
+          <a:fontRef idx="minor"/>
+        </p:style>
+        <p:txBody>
+          <a:bodyPr lIns="90000" rIns="90000" tIns="45000" bIns="45000" anchor="t">
+            <a:noAutofit/>
+          </a:bodyPr>
+          <a:p>
+            <a:pPr marL="216000" indent="-216000">
+              <a:lnSpc>
+                <a:spcPct val="150000"/>
+              </a:lnSpc>
+              <a:buClr>
+                <a:srgbClr val="000000"/>
+              </a:buClr>
+              <a:buSzPct val="45000"/>
+              <a:buFont typeface="Wingdings" charset="2"/>
+              <a:buChar char=""/>
+            </a:pPr>
+            <a:r>
+              <a:rPr b="0" lang="en-US" sz="2200" spc="-1" strike="noStrike">
+                <a:solidFill>
+                  <a:srgbClr val="000000"/>
+                </a:solidFill>
+                <a:latin typeface="Times New Roman"/>
+                <a:ea typeface="DejaVu Sans"/>
+              </a:rPr>
+              <a:t>Hash table</a:t>
+            </a:r>
+            <a:endParaRPr b="0" lang="en-US" sz="2200" spc="-1" strike="noStrike">
+              <a:solidFill>
+                <a:srgbClr val="000000"/>
+              </a:solidFill>
+              <a:latin typeface="Arial"/>
+            </a:endParaRPr>
+          </a:p>
+          <a:p>
+            <a:pPr>
+              <a:lnSpc>
+                <a:spcPct val="150000"/>
+              </a:lnSpc>
+            </a:pPr>
+            <a:r>
+              <a:rPr b="0" lang="en-US" sz="2200" spc="-1" strike="noStrike">
+                <a:solidFill>
+                  <a:srgbClr val="000000"/>
+                </a:solidFill>
+                <a:latin typeface="Times New Roman"/>
+                <a:ea typeface="DejaVu Sans"/>
+              </a:rPr>
+              <a:t>	</a:t>
+            </a:r>
+            <a:r>
+              <a:rPr b="0" lang="en-US" sz="2200" spc="-1" strike="noStrike">
+                <a:solidFill>
+                  <a:srgbClr val="000000"/>
+                </a:solidFill>
+                <a:latin typeface="Times New Roman"/>
+                <a:ea typeface="DejaVu Sans"/>
+              </a:rPr>
+              <a:t>- It is ideal to check all instances of each character in case of a longer </a:t>
+            </a:r>
+            <a:r>
+              <a:rPr b="0" lang="en-US" sz="2200" spc="-1" strike="noStrike">
+                <a:solidFill>
+                  <a:srgbClr val="000000"/>
+                </a:solidFill>
+                <a:latin typeface="Times New Roman"/>
+                <a:ea typeface="DejaVu Sans"/>
+              </a:rPr>
+              <a:t>	</a:t>
+            </a:r>
+            <a:r>
+              <a:rPr b="0" lang="en-US" sz="2200" spc="-1" strike="noStrike">
+                <a:solidFill>
+                  <a:srgbClr val="000000"/>
+                </a:solidFill>
+                <a:latin typeface="Times New Roman"/>
+                <a:ea typeface="DejaVu Sans"/>
+              </a:rPr>
+              <a:t>   match</a:t>
+            </a:r>
+            <a:endParaRPr b="0" lang="en-US" sz="2200" spc="-1" strike="noStrike">
+              <a:solidFill>
+                <a:srgbClr val="000000"/>
+              </a:solidFill>
+              <a:latin typeface="Arial"/>
+            </a:endParaRPr>
+          </a:p>
+          <a:p>
+            <a:pPr>
+              <a:lnSpc>
+                <a:spcPct val="150000"/>
+              </a:lnSpc>
+            </a:pPr>
+            <a:r>
+              <a:rPr b="0" lang="en-US" sz="2200" spc="-1" strike="noStrike">
+                <a:solidFill>
+                  <a:srgbClr val="000000"/>
+                </a:solidFill>
+                <a:latin typeface="Times New Roman"/>
+                <a:ea typeface="DejaVu Sans"/>
+              </a:rPr>
+              <a:t>	</a:t>
+            </a:r>
+            <a:r>
+              <a:rPr b="0" lang="en-US" sz="2200" spc="-1" strike="noStrike">
+                <a:solidFill>
+                  <a:srgbClr val="000000"/>
+                </a:solidFill>
+                <a:latin typeface="Times New Roman"/>
+                <a:ea typeface="DejaVu Sans"/>
+              </a:rPr>
+              <a:t>- Searching is O(1) in a hash table</a:t>
+            </a:r>
+            <a:endParaRPr b="0" lang="en-US" sz="2200" spc="-1" strike="noStrike">
+              <a:solidFill>
+                <a:srgbClr val="000000"/>
+              </a:solidFill>
+              <a:latin typeface="Arial"/>
+            </a:endParaRPr>
+          </a:p>
+          <a:p>
+            <a:pPr marL="216000" indent="-216000">
+              <a:lnSpc>
+                <a:spcPct val="150000"/>
+              </a:lnSpc>
+              <a:buClr>
+                <a:srgbClr val="000000"/>
+              </a:buClr>
+              <a:buSzPct val="45000"/>
+              <a:buFont typeface="Wingdings" charset="2"/>
+              <a:buChar char=""/>
+            </a:pPr>
+            <a:r>
+              <a:rPr b="0" lang="en-US" sz="2200" spc="-1" strike="noStrike">
+                <a:solidFill>
+                  <a:srgbClr val="000000"/>
+                </a:solidFill>
+                <a:latin typeface="Times New Roman"/>
+                <a:ea typeface="DejaVu Sans"/>
+              </a:rPr>
+              <a:t>Now, we have our friendly linear run time</a:t>
+            </a:r>
+            <a:endParaRPr b="0" lang="en-US" sz="2200" spc="-1" strike="noStrike">
+              <a:solidFill>
+                <a:srgbClr val="000000"/>
+              </a:solidFill>
+              <a:latin typeface="Arial"/>
+            </a:endParaRPr>
+          </a:p>
+          <a:p>
+            <a:pPr>
+              <a:lnSpc>
+                <a:spcPct val="150000"/>
+              </a:lnSpc>
+            </a:pPr>
+            <a:endParaRPr b="0" lang="en-US" sz="2200" spc="-1" strike="noStrike">
+              <a:solidFill>
+                <a:srgbClr val="000000"/>
+              </a:solidFill>
+              <a:latin typeface="Arial"/>
+            </a:endParaRPr>
+          </a:p>
+          <a:p>
+            <a:pPr algn="ctr">
+              <a:lnSpc>
+                <a:spcPct val="150000"/>
+              </a:lnSpc>
+            </a:pPr>
+            <a:r>
+              <a:rPr b="0" lang="en-US" sz="2200" spc="-1" strike="noStrike">
+                <a:solidFill>
+                  <a:srgbClr val="000000"/>
+                </a:solidFill>
+                <a:latin typeface="Times New Roman"/>
+                <a:ea typeface="DejaVu Sans"/>
+              </a:rPr>
+              <a:t>O(n)</a:t>
+            </a:r>
+            <a:endParaRPr b="0" lang="en-US" sz="2200" spc="-1" strike="noStrike">
+              <a:solidFill>
+                <a:srgbClr val="000000"/>
+              </a:solidFill>
+              <a:latin typeface="Arial"/>
+            </a:endParaRPr>
+          </a:p>
+        </p:txBody>
+      </p:sp>
+      <p:sp>
+        <p:nvSpPr>
+          <p:cNvPr id="261" name=""/>
+          <p:cNvSpPr/>
+          <p:nvPr/>
+        </p:nvSpPr>
+        <p:spPr>
+          <a:xfrm>
+            <a:off x="9664920" y="5258160"/>
+            <a:ext cx="3819960" cy="424440"/>
+          </a:xfrm>
+          <a:prstGeom prst="rect">
+            <a:avLst/>
+          </a:prstGeom>
+          <a:noFill/>
+          <a:ln w="0">
+            <a:noFill/>
+          </a:ln>
+        </p:spPr>
+        <p:style>
+          <a:lnRef idx="0"/>
+          <a:fillRef idx="0"/>
+          <a:effectRef idx="0"/>
+          <a:fontRef idx="minor"/>
+        </p:style>
+        <p:txBody>
+          <a:bodyPr lIns="90000" rIns="90000" tIns="45000" bIns="45000" anchor="t">
+            <a:noAutofit/>
+          </a:bodyPr>
+          <a:p>
+            <a:pPr>
+              <a:lnSpc>
+                <a:spcPct val="100000"/>
+              </a:lnSpc>
+            </a:pPr>
+            <a:r>
+              <a:rPr b="0" lang="en-US" sz="2400" spc="-1" strike="noStrike">
+                <a:solidFill>
+                  <a:srgbClr val="000000"/>
+                </a:solidFill>
+                <a:latin typeface="Times New Roman"/>
+                <a:ea typeface="DejaVu Sans"/>
+              </a:rPr>
+              <a:t>16</a:t>
+            </a:r>
+            <a:endParaRPr b="0" lang="en-US" sz="2400" spc="-1" strike="noStrike">
+              <a:solidFill>
+                <a:srgbClr val="000000"/>
+              </a:solidFill>
+              <a:latin typeface="Arial"/>
+            </a:endParaRPr>
+          </a:p>
+        </p:txBody>
+      </p:sp>
+    </p:spTree>
+  </p:cSld>
+  <mc:AlternateContent>
+    <mc:Choice Requires="p14">
+      <p:transition spd="slow" p14:dur="2000"/>
+    </mc:Choice>
+    <mc:Fallback>
+      <p:transition spd="slow"/>
+    </mc:Fallback>
+  </mc:AlternateContent>
+</p:sld>
+</file>
+
+<file path=ppt/slides/slide21.xml><?xml version="1.0" encoding="utf-8"?>
+<p:sld xmlns:a="http://schemas.openxmlformats.org/drawingml/2006/main" xmlns:p="http://schemas.openxmlformats.org/presentationml/2006/main" xmlns:r="http://schemas.openxmlformats.org/officeDocument/2006/relationships" xmlns:p14="http://schemas.microsoft.com/office/powerpoint/2010/main" xmlns:p15="http://schemas.microsoft.com/office/powerpoint/2012/main" xmlns:mc="http://schemas.openxmlformats.org/markup-compatibility/2006">
+  <p:cSld>
+    <p:spTree>
+      <p:nvGrpSpPr>
+        <p:cNvPr id="1" name=""/>
+        <p:cNvGrpSpPr/>
+        <p:nvPr/>
+      </p:nvGrpSpPr>
+      <p:grpSpPr>
+        <a:xfrm>
+          <a:off x="0" y="0"/>
+          <a:ext cx="0" cy="0"/>
+          <a:chOff x="0" y="0"/>
+          <a:chExt cx="0" cy="0"/>
+        </a:xfrm>
+      </p:grpSpPr>
+      <p:sp>
+        <p:nvSpPr>
+          <p:cNvPr id="262" name="Straight Connector 6"/>
+          <p:cNvSpPr/>
+          <p:nvPr/>
+        </p:nvSpPr>
+        <p:spPr>
+          <a:xfrm>
+            <a:off x="468000" y="1128600"/>
+            <a:ext cx="9144000" cy="360"/>
+          </a:xfrm>
+          <a:prstGeom prst="line">
+            <a:avLst/>
+          </a:prstGeom>
+          <a:ln w="57240">
+            <a:solidFill>
+              <a:srgbClr val="ed7d31"/>
+            </a:solidFill>
+            <a:miter/>
+          </a:ln>
+        </p:spPr>
+        <p:style>
+          <a:lnRef idx="0"/>
+          <a:fillRef idx="0"/>
+          <a:effectRef idx="0"/>
+          <a:fontRef idx="minor"/>
+        </p:style>
+        <p:txBody>
+          <a:bodyPr lIns="90000" rIns="90000" tIns="-44640" bIns="-44640" anchor="t" anchorCtr="1">
+            <a:noAutofit/>
+          </a:bodyPr>
+          <a:p>
+            <a:endParaRPr b="0" lang="en-US" sz="1800" spc="-1" strike="noStrike">
+              <a:solidFill>
+                <a:srgbClr val="000000"/>
+              </a:solidFill>
+              <a:latin typeface="Arial"/>
+              <a:ea typeface="DejaVu Sans"/>
+            </a:endParaRPr>
+          </a:p>
+        </p:txBody>
+      </p:sp>
+      <p:sp>
+        <p:nvSpPr>
+          <p:cNvPr id="263" name="PlaceHolder 5"/>
+          <p:cNvSpPr/>
+          <p:nvPr/>
+        </p:nvSpPr>
+        <p:spPr>
+          <a:xfrm>
+            <a:off x="914400" y="0"/>
+            <a:ext cx="8234640" cy="911160"/>
+          </a:xfrm>
+          <a:prstGeom prst="rect">
+            <a:avLst/>
+          </a:prstGeom>
+          <a:noFill/>
+          <a:ln w="9360">
+            <a:noFill/>
+          </a:ln>
+        </p:spPr>
+        <p:style>
+          <a:lnRef idx="0"/>
+          <a:fillRef idx="0"/>
+          <a:effectRef idx="0"/>
+          <a:fontRef idx="minor"/>
+        </p:style>
+        <p:txBody>
+          <a:bodyPr numCol="1" spcCol="0" lIns="90000" rIns="90000" tIns="45000" bIns="45000" anchor="t">
+            <a:noAutofit/>
+          </a:bodyPr>
+          <a:p>
+            <a:pPr algn="ctr">
+              <a:lnSpc>
+                <a:spcPct val="150000"/>
+              </a:lnSpc>
+              <a:tabLst>
+                <a:tab algn="l" pos="0"/>
+              </a:tabLst>
+            </a:pPr>
+            <a:r>
+              <a:rPr b="0" lang="en-US" sz="2800" spc="-1" strike="noStrike">
+                <a:solidFill>
+                  <a:srgbClr val="000000"/>
+                </a:solidFill>
+                <a:latin typeface="Times New Roman"/>
+                <a:ea typeface="DejaVu Sans"/>
+              </a:rPr>
+              <a:t>References</a:t>
+            </a:r>
+            <a:br>
+              <a:rPr sz="2800"/>
+            </a:br>
+            <a:endParaRPr b="0" lang="en-US" sz="2800" spc="-1" strike="noStrike">
+              <a:solidFill>
+                <a:srgbClr val="000000"/>
+              </a:solidFill>
+              <a:latin typeface="Arial"/>
+            </a:endParaRPr>
+          </a:p>
+        </p:txBody>
+      </p:sp>
+      <p:sp>
+        <p:nvSpPr>
+          <p:cNvPr id="264" name=""/>
+          <p:cNvSpPr/>
+          <p:nvPr/>
+        </p:nvSpPr>
+        <p:spPr>
+          <a:xfrm>
+            <a:off x="468000" y="1128600"/>
+            <a:ext cx="9129960" cy="1941840"/>
+          </a:xfrm>
+          <a:prstGeom prst="rect">
+            <a:avLst/>
+          </a:prstGeom>
+          <a:noFill/>
+          <a:ln w="0">
+            <a:noFill/>
+          </a:ln>
+        </p:spPr>
+        <p:style>
+          <a:lnRef idx="0"/>
+          <a:fillRef idx="0"/>
+          <a:effectRef idx="0"/>
+          <a:fontRef idx="minor"/>
+        </p:style>
+        <p:txBody>
+          <a:bodyPr lIns="90000" rIns="90000" tIns="45000" bIns="45000" anchor="t">
+            <a:noAutofit/>
+          </a:bodyPr>
+          <a:p>
+            <a:pPr marL="216000" indent="-216000">
+              <a:lnSpc>
+                <a:spcPct val="150000"/>
+              </a:lnSpc>
+              <a:buClr>
+                <a:srgbClr val="000000"/>
+              </a:buClr>
+              <a:buSzPct val="45000"/>
+              <a:buFont typeface="Wingdings" charset="2"/>
+              <a:buChar char=""/>
+            </a:pPr>
+            <a:r>
+              <a:rPr b="0" lang="en-US" sz="1800" spc="-1" strike="noStrike" u="sng">
+                <a:solidFill>
+                  <a:srgbClr val="0000ee"/>
+                </a:solidFill>
+                <a:uFillTx/>
+                <a:latin typeface="Times New Roman"/>
+                <a:ea typeface="DejaVu Sans"/>
+                <a:hlinkClick r:id="rId1"/>
+              </a:rPr>
+              <a:t>https://cs.stanford.edu/people/eroberts/courses/soco/projects/data-compression/lossless/lz77/algorithm.html</a:t>
+            </a:r>
+            <a:endParaRPr b="0" lang="en-US" sz="1800" spc="-1" strike="noStrike">
+              <a:solidFill>
+                <a:srgbClr val="000000"/>
+              </a:solidFill>
+              <a:latin typeface="Arial"/>
+            </a:endParaRPr>
+          </a:p>
+          <a:p>
+            <a:pPr marL="216000" indent="-216000">
+              <a:lnSpc>
+                <a:spcPct val="150000"/>
+              </a:lnSpc>
+              <a:buClr>
+                <a:srgbClr val="000000"/>
+              </a:buClr>
+              <a:buSzPct val="45000"/>
+              <a:buFont typeface="Wingdings" charset="2"/>
+              <a:buChar char=""/>
+            </a:pPr>
+            <a:r>
+              <a:rPr b="0" lang="en-US" sz="1800" spc="-1" strike="noStrike" u="sng">
+                <a:solidFill>
+                  <a:srgbClr val="0000ee"/>
+                </a:solidFill>
+                <a:uFillTx/>
+                <a:latin typeface="Times New Roman"/>
+                <a:ea typeface="DejaVu Sans"/>
+                <a:hlinkClick r:id="rId2"/>
+              </a:rPr>
+              <a:t>https://en.wikipedia.org/wiki/LZ77_and_LZ78</a:t>
+            </a:r>
+            <a:endParaRPr b="0" lang="en-US" sz="1800" spc="-1" strike="noStrike">
+              <a:solidFill>
+                <a:srgbClr val="000000"/>
+              </a:solidFill>
+              <a:latin typeface="Arial"/>
+            </a:endParaRPr>
+          </a:p>
+          <a:p>
+            <a:pPr marL="216000" indent="-216000">
+              <a:lnSpc>
+                <a:spcPct val="150000"/>
+              </a:lnSpc>
+              <a:buClr>
+                <a:srgbClr val="000000"/>
+              </a:buClr>
+              <a:buSzPct val="45000"/>
+              <a:buFont typeface="Wingdings" charset="2"/>
+              <a:buChar char=""/>
+            </a:pPr>
+            <a:r>
+              <a:rPr b="0" lang="en-US" sz="1800" spc="-1" strike="noStrike" u="sng">
+                <a:solidFill>
+                  <a:srgbClr val="0000ee"/>
+                </a:solidFill>
+                <a:uFillTx/>
+                <a:latin typeface="Times New Roman"/>
+                <a:ea typeface="DejaVu Sans"/>
+                <a:hlinkClick r:id="rId3"/>
+              </a:rPr>
+              <a:t>https://medium.com/@vincentcorbee/lz77-compression-in-javascript-cd2583d2a8bd</a:t>
+            </a:r>
+            <a:endParaRPr b="0" lang="en-US" sz="1800" spc="-1" strike="noStrike">
+              <a:solidFill>
+                <a:srgbClr val="000000"/>
+              </a:solidFill>
+              <a:latin typeface="Arial"/>
+            </a:endParaRPr>
+          </a:p>
+        </p:txBody>
+      </p:sp>
+    </p:spTree>
+  </p:cSld>
+  <mc:AlternateContent>
+    <mc:Choice Requires="p14">
+      <p:transition spd="slow" p14:dur="2000"/>
+    </mc:Choice>
+    <mc:Fallback>
+      <p:transition spd="slow"/>
+    </mc:Fallback>
+  </mc:AlternateContent>
+</p:sld>
+</file>
+
+<file path=ppt/slides/slide22.xml><?xml version="1.0" encoding="utf-8"?>
+<p:sld xmlns:a="http://schemas.openxmlformats.org/drawingml/2006/main" xmlns:p="http://schemas.openxmlformats.org/presentationml/2006/main" xmlns:r="http://schemas.openxmlformats.org/officeDocument/2006/relationships" xmlns:p14="http://schemas.microsoft.com/office/powerpoint/2010/main" xmlns:p15="http://schemas.microsoft.com/office/powerpoint/2012/main" xmlns:mc="http://schemas.openxmlformats.org/markup-compatibility/2006">
+  <p:cSld>
+    <p:spTree>
+      <p:nvGrpSpPr>
+        <p:cNvPr id="1" name=""/>
+        <p:cNvGrpSpPr/>
+        <p:nvPr/>
+      </p:nvGrpSpPr>
+      <p:grpSpPr>
+        <a:xfrm>
+          <a:off x="0" y="0"/>
+          <a:ext cx="0" cy="0"/>
+          <a:chOff x="0" y="0"/>
+          <a:chExt cx="0" cy="0"/>
+        </a:xfrm>
+      </p:grpSpPr>
+      <p:sp>
+        <p:nvSpPr>
+          <p:cNvPr id="265" name="Straight Connector 7"/>
+          <p:cNvSpPr/>
+          <p:nvPr/>
+        </p:nvSpPr>
+        <p:spPr>
+          <a:xfrm>
+            <a:off x="468000" y="4044600"/>
+            <a:ext cx="9144000" cy="360"/>
+          </a:xfrm>
+          <a:prstGeom prst="line">
+            <a:avLst/>
+          </a:prstGeom>
+          <a:ln w="57240">
+            <a:solidFill>
+              <a:srgbClr val="ed7d31"/>
+            </a:solidFill>
+            <a:miter/>
+          </a:ln>
+        </p:spPr>
+        <p:style>
+          <a:lnRef idx="0"/>
+          <a:fillRef idx="0"/>
+          <a:effectRef idx="0"/>
+          <a:fontRef idx="minor"/>
+        </p:style>
+        <p:txBody>
+          <a:bodyPr lIns="90000" rIns="90000" tIns="-44640" bIns="-44640" anchor="t" anchorCtr="1">
+            <a:noAutofit/>
+          </a:bodyPr>
+          <a:p>
+            <a:endParaRPr b="0" lang="en-US" sz="1800" spc="-1" strike="noStrike">
+              <a:solidFill>
+                <a:srgbClr val="000000"/>
+              </a:solidFill>
+              <a:latin typeface="Arial"/>
+              <a:ea typeface="DejaVu Sans"/>
+            </a:endParaRPr>
+          </a:p>
+        </p:txBody>
+      </p:sp>
+      <p:sp>
+        <p:nvSpPr>
+          <p:cNvPr id="266" name="Straight Connector 8"/>
+          <p:cNvSpPr/>
+          <p:nvPr/>
+        </p:nvSpPr>
+        <p:spPr>
+          <a:xfrm>
+            <a:off x="468000" y="1128600"/>
+            <a:ext cx="9144000" cy="360"/>
+          </a:xfrm>
+          <a:prstGeom prst="line">
+            <a:avLst/>
+          </a:prstGeom>
+          <a:ln w="57240">
+            <a:solidFill>
+              <a:srgbClr val="ed7d31"/>
+            </a:solidFill>
+            <a:miter/>
+          </a:ln>
+        </p:spPr>
+        <p:style>
+          <a:lnRef idx="0"/>
+          <a:fillRef idx="0"/>
+          <a:effectRef idx="0"/>
+          <a:fontRef idx="minor"/>
+        </p:style>
+        <p:txBody>
+          <a:bodyPr lIns="90000" rIns="90000" tIns="-44640" bIns="-44640" anchor="t" anchorCtr="1">
+            <a:noAutofit/>
+          </a:bodyPr>
+          <a:p>
+            <a:endParaRPr b="0" lang="en-US" sz="1800" spc="-1" strike="noStrike">
+              <a:solidFill>
+                <a:srgbClr val="000000"/>
+              </a:solidFill>
+              <a:latin typeface="Arial"/>
+              <a:ea typeface="DejaVu Sans"/>
+            </a:endParaRPr>
+          </a:p>
+        </p:txBody>
+      </p:sp>
+      <p:sp>
+        <p:nvSpPr>
+          <p:cNvPr id="267" name="PlaceHolder 6"/>
+          <p:cNvSpPr/>
+          <p:nvPr/>
+        </p:nvSpPr>
+        <p:spPr>
+          <a:xfrm>
+            <a:off x="928080" y="0"/>
+            <a:ext cx="8220960" cy="6291360"/>
+          </a:xfrm>
+          <a:prstGeom prst="rect">
+            <a:avLst/>
+          </a:prstGeom>
+          <a:noFill/>
+          <a:ln w="9360">
+            <a:noFill/>
+          </a:ln>
+        </p:spPr>
+        <p:style>
+          <a:lnRef idx="0"/>
+          <a:fillRef idx="0"/>
+          <a:effectRef idx="0"/>
+          <a:fontRef idx="minor"/>
+        </p:style>
+        <p:txBody>
+          <a:bodyPr numCol="1" spcCol="0" lIns="90000" rIns="90000" tIns="45000" bIns="45000" anchor="t">
+            <a:noAutofit/>
+          </a:bodyPr>
+          <a:p>
+            <a:pPr algn="ctr">
+              <a:lnSpc>
+                <a:spcPct val="150000"/>
+              </a:lnSpc>
+              <a:tabLst>
+                <a:tab algn="l" pos="0"/>
+              </a:tabLst>
+            </a:pPr>
+            <a:r>
+              <a:rPr b="0" lang="en-US" sz="2600" spc="-1" strike="noStrike">
+                <a:solidFill>
+                  <a:srgbClr val="000000"/>
+                </a:solidFill>
+                <a:latin typeface="Times New Roman"/>
+                <a:ea typeface="DejaVu Sans"/>
+              </a:rPr>
+              <a:t>LZ77 Compression</a:t>
+            </a:r>
+            <a:br>
+              <a:rPr sz="2600"/>
+            </a:br>
+            <a:br>
+              <a:rPr sz="2600"/>
+            </a:br>
+            <a:r>
+              <a:rPr b="0" lang="en-US" sz="2600" spc="-1" strike="noStrike">
+                <a:solidFill>
+                  <a:srgbClr val="000000"/>
+                </a:solidFill>
+                <a:latin typeface="Times New Roman"/>
+                <a:ea typeface="DejaVu Sans"/>
+              </a:rPr>
+              <a:t>Will Buziak</a:t>
+            </a:r>
+            <a:br>
+              <a:rPr sz="2600"/>
+            </a:br>
+            <a:r>
+              <a:rPr b="0" lang="en-US" sz="2600" spc="-1" strike="noStrike">
+                <a:solidFill>
+                  <a:srgbClr val="000000"/>
+                </a:solidFill>
+                <a:latin typeface="Times New Roman"/>
+                <a:ea typeface="DejaVu Sans"/>
+              </a:rPr>
+              <a:t>MABE/EECS</a:t>
+            </a:r>
+            <a:br>
+              <a:rPr sz="2600"/>
+            </a:br>
+            <a:r>
+              <a:rPr b="0" lang="en-US" sz="2600" spc="-1" strike="noStrike">
+                <a:solidFill>
+                  <a:srgbClr val="000000"/>
+                </a:solidFill>
+                <a:latin typeface="Times New Roman"/>
+                <a:ea typeface="DejaVu Sans"/>
+              </a:rPr>
+              <a:t>University of Tennessee</a:t>
+            </a:r>
+            <a:br>
+              <a:rPr sz="2600"/>
+            </a:br>
+            <a:br>
+              <a:rPr sz="2600"/>
+            </a:br>
+            <a:br>
+              <a:rPr sz="2600"/>
+            </a:br>
+            <a:r>
+              <a:rPr b="0" lang="en-US" sz="2600" spc="-1" strike="noStrike">
+                <a:solidFill>
+                  <a:srgbClr val="000000"/>
+                </a:solidFill>
+                <a:latin typeface="Times New Roman"/>
+                <a:ea typeface="DejaVu Sans"/>
+              </a:rPr>
+              <a:t>CS494</a:t>
+            </a:r>
+            <a:br>
+              <a:rPr sz="2600"/>
+            </a:br>
+            <a:r>
+              <a:rPr b="0" lang="en-US" sz="2600" spc="-1" strike="noStrike">
+                <a:solidFill>
+                  <a:srgbClr val="000000"/>
+                </a:solidFill>
+                <a:latin typeface="Times New Roman"/>
+                <a:ea typeface="DejaVu Sans"/>
+              </a:rPr>
+              <a:t>February 20, 2024</a:t>
+            </a:r>
+            <a:br>
+              <a:rPr sz="2600"/>
+            </a:br>
+            <a:endParaRPr b="0" lang="en-US" sz="2600" spc="-1" strike="noStrike">
               <a:solidFill>
                 <a:srgbClr val="000000"/>
               </a:solidFill>
@@ -8663,7 +10068,7 @@
         <p:spPr>
           <a:xfrm>
             <a:off x="921960" y="0"/>
-            <a:ext cx="8235720" cy="912240"/>
+            <a:ext cx="8234640" cy="911160"/>
           </a:xfrm>
           <a:prstGeom prst="rect">
             <a:avLst/>
@@ -8723,7 +10128,7 @@
         <p:spPr>
           <a:xfrm>
             <a:off x="457200" y="915120"/>
-            <a:ext cx="9141840" cy="3884040"/>
+            <a:ext cx="9140760" cy="3882960"/>
           </a:xfrm>
           <a:prstGeom prst="rect">
             <a:avLst/>
@@ -8849,7 +10254,7 @@
         <p:spPr>
           <a:xfrm>
             <a:off x="9664920" y="5258160"/>
-            <a:ext cx="3821040" cy="425520"/>
+            <a:ext cx="3819960" cy="424440"/>
           </a:xfrm>
           <a:prstGeom prst="rect">
             <a:avLst/>
@@ -8903,7 +10308,7 @@
         <p:spPr>
           <a:xfrm>
             <a:off x="2239200" y="3896640"/>
-            <a:ext cx="723960" cy="542520"/>
+            <a:ext cx="722880" cy="541440"/>
           </a:xfrm>
           <a:prstGeom prst="roundRect">
             <a:avLst>
@@ -8954,7 +10359,7 @@
         <p:spPr>
           <a:xfrm>
             <a:off x="3692520" y="3896640"/>
-            <a:ext cx="723960" cy="542520"/>
+            <a:ext cx="722880" cy="541440"/>
           </a:xfrm>
           <a:prstGeom prst="roundRect">
             <a:avLst>
@@ -9005,7 +10410,7 @@
         <p:spPr>
           <a:xfrm>
             <a:off x="2965680" y="3896640"/>
-            <a:ext cx="723960" cy="542520"/>
+            <a:ext cx="722880" cy="541440"/>
           </a:xfrm>
           <a:prstGeom prst="roundRect">
             <a:avLst>
@@ -9056,7 +10461,7 @@
         <p:spPr>
           <a:xfrm>
             <a:off x="2456640" y="3989880"/>
-            <a:ext cx="361080" cy="360720"/>
+            <a:ext cx="360000" cy="359640"/>
           </a:xfrm>
           <a:prstGeom prst="rect">
             <a:avLst/>
@@ -9110,7 +10515,7 @@
         <p:spPr>
           <a:xfrm>
             <a:off x="3183120" y="3989880"/>
-            <a:ext cx="361080" cy="360720"/>
+            <a:ext cx="360000" cy="359640"/>
           </a:xfrm>
           <a:prstGeom prst="rect">
             <a:avLst/>
@@ -9164,7 +10569,7 @@
         <p:spPr>
           <a:xfrm>
             <a:off x="3909960" y="3989880"/>
-            <a:ext cx="361080" cy="360720"/>
+            <a:ext cx="360000" cy="359640"/>
           </a:xfrm>
           <a:prstGeom prst="rect">
             <a:avLst/>
@@ -9218,7 +10623,7 @@
         <p:spPr>
           <a:xfrm>
             <a:off x="5904360" y="3896640"/>
-            <a:ext cx="1181160" cy="542520"/>
+            <a:ext cx="1180080" cy="541440"/>
           </a:xfrm>
           <a:prstGeom prst="roundRect">
             <a:avLst>
@@ -9258,7 +10663,7 @@
                 <a:latin typeface="Times New Roman"/>
                 <a:ea typeface="DejaVu Sans"/>
               </a:rPr>
-              <a:t>(d, n)</a:t>
+              <a:t>(d, r)</a:t>
             </a:r>
             <a:endParaRPr b="0" lang="en-US" sz="2100" spc="-1" strike="noStrike">
               <a:solidFill>
@@ -9350,7 +10755,7 @@
         <p:spPr>
           <a:xfrm>
             <a:off x="921960" y="0"/>
-            <a:ext cx="8235720" cy="912240"/>
+            <a:ext cx="8234640" cy="911160"/>
           </a:xfrm>
           <a:prstGeom prst="rect">
             <a:avLst/>
@@ -9410,7 +10815,7 @@
         <p:spPr>
           <a:xfrm>
             <a:off x="9664920" y="5258160"/>
-            <a:ext cx="3821040" cy="425520"/>
+            <a:ext cx="3819960" cy="424440"/>
           </a:xfrm>
           <a:prstGeom prst="rect">
             <a:avLst/>
@@ -9464,7 +10869,7 @@
         <p:spPr>
           <a:xfrm>
             <a:off x="2238840" y="3896640"/>
-            <a:ext cx="723960" cy="542520"/>
+            <a:ext cx="722880" cy="541440"/>
           </a:xfrm>
           <a:prstGeom prst="roundRect">
             <a:avLst>
@@ -9515,7 +10920,7 @@
         <p:spPr>
           <a:xfrm>
             <a:off x="3692160" y="3896640"/>
-            <a:ext cx="723960" cy="542520"/>
+            <a:ext cx="722880" cy="541440"/>
           </a:xfrm>
           <a:prstGeom prst="roundRect">
             <a:avLst>
@@ -9566,7 +10971,7 @@
         <p:spPr>
           <a:xfrm>
             <a:off x="2965320" y="3896640"/>
-            <a:ext cx="723960" cy="542520"/>
+            <a:ext cx="722880" cy="541440"/>
           </a:xfrm>
           <a:prstGeom prst="roundRect">
             <a:avLst>
@@ -9617,7 +11022,7 @@
         <p:spPr>
           <a:xfrm>
             <a:off x="2456280" y="3989880"/>
-            <a:ext cx="361080" cy="360720"/>
+            <a:ext cx="360000" cy="359640"/>
           </a:xfrm>
           <a:prstGeom prst="rect">
             <a:avLst/>
@@ -9671,7 +11076,7 @@
         <p:spPr>
           <a:xfrm>
             <a:off x="3182760" y="3989880"/>
-            <a:ext cx="361080" cy="360720"/>
+            <a:ext cx="360000" cy="359640"/>
           </a:xfrm>
           <a:prstGeom prst="rect">
             <a:avLst/>
@@ -9725,7 +11130,7 @@
         <p:spPr>
           <a:xfrm>
             <a:off x="3909600" y="3989880"/>
-            <a:ext cx="361080" cy="360720"/>
+            <a:ext cx="360000" cy="359640"/>
           </a:xfrm>
           <a:prstGeom prst="rect">
             <a:avLst/>
@@ -9779,7 +11184,7 @@
         <p:spPr>
           <a:xfrm>
             <a:off x="5904000" y="3896640"/>
-            <a:ext cx="1181160" cy="542520"/>
+            <a:ext cx="1180080" cy="541440"/>
           </a:xfrm>
           <a:prstGeom prst="roundRect">
             <a:avLst>
@@ -9839,7 +11244,7 @@
         <p:spPr>
           <a:xfrm>
             <a:off x="6003720" y="4280040"/>
-            <a:ext cx="361080" cy="360720"/>
+            <a:ext cx="360000" cy="359640"/>
           </a:xfrm>
           <a:prstGeom prst="rect">
             <a:avLst/>
@@ -9927,7 +11332,7 @@
         <p:spPr>
           <a:xfrm>
             <a:off x="5571000" y="3164400"/>
-            <a:ext cx="1598760" cy="342000"/>
+            <a:ext cx="1597680" cy="340920"/>
           </a:xfrm>
           <a:prstGeom prst="rect">
             <a:avLst/>
@@ -10024,7 +11429,7 @@
         <p:spPr>
           <a:xfrm>
             <a:off x="5967360" y="4820400"/>
-            <a:ext cx="1598760" cy="342000"/>
+            <a:ext cx="1597680" cy="340920"/>
           </a:xfrm>
           <a:prstGeom prst="rect">
             <a:avLst/>
@@ -10078,7 +11483,7 @@
         <p:spPr>
           <a:xfrm>
             <a:off x="468000" y="1128600"/>
-            <a:ext cx="9131040" cy="1383840"/>
+            <a:ext cx="9129960" cy="1382760"/>
           </a:xfrm>
           <a:prstGeom prst="rect">
             <a:avLst/>
@@ -10210,7 +11615,7 @@
         <p:spPr>
           <a:xfrm>
             <a:off x="921960" y="0"/>
-            <a:ext cx="8235720" cy="912240"/>
+            <a:ext cx="8234640" cy="911160"/>
           </a:xfrm>
           <a:prstGeom prst="rect">
             <a:avLst/>
@@ -10270,7 +11675,7 @@
         <p:spPr>
           <a:xfrm>
             <a:off x="9664920" y="5258160"/>
-            <a:ext cx="3821040" cy="425520"/>
+            <a:ext cx="3819960" cy="424440"/>
           </a:xfrm>
           <a:prstGeom prst="rect">
             <a:avLst/>
@@ -10324,7 +11729,7 @@
         <p:spPr>
           <a:xfrm>
             <a:off x="1828800" y="3896640"/>
-            <a:ext cx="1134000" cy="542520"/>
+            <a:ext cx="1132920" cy="541440"/>
           </a:xfrm>
           <a:prstGeom prst="roundRect">
             <a:avLst>
@@ -10375,7 +11780,7 @@
         <p:spPr>
           <a:xfrm>
             <a:off x="3692160" y="3896640"/>
-            <a:ext cx="723960" cy="542520"/>
+            <a:ext cx="722880" cy="541440"/>
           </a:xfrm>
           <a:prstGeom prst="roundRect">
             <a:avLst>
@@ -10426,7 +11831,7 @@
         <p:spPr>
           <a:xfrm>
             <a:off x="2965320" y="3896640"/>
-            <a:ext cx="723960" cy="542520"/>
+            <a:ext cx="722880" cy="541440"/>
           </a:xfrm>
           <a:prstGeom prst="roundRect">
             <a:avLst>
@@ -10477,7 +11882,7 @@
         <p:spPr>
           <a:xfrm>
             <a:off x="1828800" y="3989880"/>
-            <a:ext cx="1134000" cy="360720"/>
+            <a:ext cx="1132920" cy="359640"/>
           </a:xfrm>
           <a:prstGeom prst="rect">
             <a:avLst/>
@@ -10531,7 +11936,7 @@
         <p:spPr>
           <a:xfrm>
             <a:off x="3182760" y="3989880"/>
-            <a:ext cx="361080" cy="360720"/>
+            <a:ext cx="360000" cy="359640"/>
           </a:xfrm>
           <a:prstGeom prst="rect">
             <a:avLst/>
@@ -10585,7 +11990,7 @@
         <p:spPr>
           <a:xfrm>
             <a:off x="3909600" y="3989880"/>
-            <a:ext cx="361080" cy="360720"/>
+            <a:ext cx="360000" cy="359640"/>
           </a:xfrm>
           <a:prstGeom prst="rect">
             <a:avLst/>
@@ -10639,7 +12044,7 @@
         <p:spPr>
           <a:xfrm>
             <a:off x="5904000" y="3896640"/>
-            <a:ext cx="1181160" cy="542520"/>
+            <a:ext cx="1180080" cy="541440"/>
           </a:xfrm>
           <a:prstGeom prst="roundRect">
             <a:avLst>
@@ -10699,7 +12104,7 @@
         <p:spPr>
           <a:xfrm>
             <a:off x="6003720" y="4280040"/>
-            <a:ext cx="361080" cy="360720"/>
+            <a:ext cx="360000" cy="359640"/>
           </a:xfrm>
           <a:prstGeom prst="rect">
             <a:avLst/>
@@ -10787,7 +12192,7 @@
         <p:spPr>
           <a:xfrm>
             <a:off x="5571000" y="3164400"/>
-            <a:ext cx="1598760" cy="342000"/>
+            <a:ext cx="1597680" cy="340920"/>
           </a:xfrm>
           <a:prstGeom prst="rect">
             <a:avLst/>
@@ -10884,7 +12289,7 @@
         <p:spPr>
           <a:xfrm>
             <a:off x="5967360" y="4820400"/>
-            <a:ext cx="1598760" cy="342000"/>
+            <a:ext cx="1597680" cy="340920"/>
           </a:xfrm>
           <a:prstGeom prst="rect">
             <a:avLst/>
@@ -10938,7 +12343,7 @@
         <p:spPr>
           <a:xfrm>
             <a:off x="468000" y="1128600"/>
-            <a:ext cx="9131040" cy="1383840"/>
+            <a:ext cx="9129960" cy="1382760"/>
           </a:xfrm>
           <a:prstGeom prst="rect">
             <a:avLst/>
@@ -11010,6 +12415,103 @@
               <a:t>Unique characters are set as zero and include their respective character</a:t>
             </a:r>
             <a:endParaRPr b="0" lang="en-US" sz="2400" spc="-1" strike="noStrike">
+              <a:solidFill>
+                <a:srgbClr val="000000"/>
+              </a:solidFill>
+              <a:latin typeface="Arial"/>
+            </a:endParaRPr>
+          </a:p>
+        </p:txBody>
+      </p:sp>
+      <p:sp>
+        <p:nvSpPr>
+          <p:cNvPr id="58" name=""/>
+          <p:cNvSpPr/>
+          <p:nvPr/>
+        </p:nvSpPr>
+        <p:spPr>
+          <a:xfrm>
+            <a:off x="2657160" y="3488400"/>
+            <a:ext cx="360" cy="347400"/>
+          </a:xfrm>
+          <a:prstGeom prst="line">
+            <a:avLst/>
+          </a:prstGeom>
+          <a:ln w="19080">
+            <a:solidFill>
+              <a:srgbClr val="3465a4"/>
+            </a:solidFill>
+            <a:round/>
+            <a:tailEnd len="med" type="triangle" w="med"/>
+          </a:ln>
+        </p:spPr>
+        <p:style>
+          <a:lnRef idx="0"/>
+          <a:fillRef idx="0"/>
+          <a:effectRef idx="0"/>
+          <a:fontRef idx="minor"/>
+        </p:style>
+        <p:txBody>
+          <a:bodyPr lIns="99360" rIns="99360" tIns="54360" bIns="54360" anchor="ctr">
+            <a:noAutofit/>
+          </a:bodyPr>
+          <a:p>
+            <a:endParaRPr b="0" lang="en-US" sz="1800" spc="-1" strike="noStrike">
+              <a:solidFill>
+                <a:srgbClr val="000000"/>
+              </a:solidFill>
+              <a:latin typeface="Arial"/>
+              <a:ea typeface="DejaVu Sans"/>
+            </a:endParaRPr>
+          </a:p>
+        </p:txBody>
+      </p:sp>
+      <p:sp>
+        <p:nvSpPr>
+          <p:cNvPr id="59" name=""/>
+          <p:cNvSpPr/>
+          <p:nvPr/>
+        </p:nvSpPr>
+        <p:spPr>
+          <a:xfrm>
+            <a:off x="1539000" y="3164400"/>
+            <a:ext cx="2251800" cy="340920"/>
+          </a:xfrm>
+          <a:prstGeom prst="rect">
+            <a:avLst/>
+          </a:prstGeom>
+          <a:noFill/>
+          <a:ln w="0">
+            <a:noFill/>
+          </a:ln>
+        </p:spPr>
+        <p:style>
+          <a:lnRef idx="0"/>
+          <a:fillRef idx="0"/>
+          <a:effectRef idx="0"/>
+          <a:fontRef idx="minor"/>
+        </p:style>
+        <p:txBody>
+          <a:bodyPr lIns="90000" rIns="90000" tIns="45000" bIns="45000" anchor="t">
+            <a:noAutofit/>
+          </a:bodyPr>
+          <a:p>
+            <a:pPr algn="ctr">
+              <a:lnSpc>
+                <a:spcPct val="100000"/>
+              </a:lnSpc>
+            </a:pPr>
+            <a:r>
+              <a:rPr b="0" lang="en-US" sz="1800" spc="-1" strike="noStrike">
+                <a:solidFill>
+                  <a:srgbClr val="000000"/>
+                </a:solidFill>
+                <a:latin typeface="Times New Roman"/>
+                <a:ea typeface="DejaVu Sans"/>
+              </a:rPr>
+              <a:t>Encoded character</a:t>
+            </a:r>
+            <a:endParaRPr b="0" lang="en-US" sz="1800" spc="-1" strike="noStrike">
               <a:solidFill>
                 <a:srgbClr val="000000"/>
               </a:solidFill>
@@ -11050,7 +12552,7 @@
       </p:grpSpPr>
       <p:sp>
         <p:nvSpPr>
-          <p:cNvPr id="58" name="Straight Connector 4"/>
+          <p:cNvPr id="60" name="Straight Connector 4"/>
           <p:cNvSpPr/>
           <p:nvPr/>
         </p:nvSpPr>
@@ -11092,14 +12594,14 @@
       </p:sp>
       <p:sp>
         <p:nvSpPr>
-          <p:cNvPr id="59" name="PlaceHolder 3"/>
+          <p:cNvPr id="61" name="PlaceHolder 3"/>
           <p:cNvSpPr/>
           <p:nvPr/>
         </p:nvSpPr>
         <p:spPr>
           <a:xfrm>
             <a:off x="914400" y="0"/>
-            <a:ext cx="8235720" cy="912240"/>
+            <a:ext cx="8234640" cy="911160"/>
           </a:xfrm>
           <a:prstGeom prst="rect">
             <a:avLst/>
@@ -11152,14 +12654,14 @@
       </p:sp>
       <p:sp>
         <p:nvSpPr>
-          <p:cNvPr id="60" name=""/>
+          <p:cNvPr id="62" name=""/>
           <p:cNvSpPr/>
           <p:nvPr/>
         </p:nvSpPr>
         <p:spPr>
           <a:xfrm>
             <a:off x="468000" y="1128600"/>
-            <a:ext cx="9131040" cy="1383840"/>
+            <a:ext cx="9129960" cy="1382760"/>
           </a:xfrm>
           <a:prstGeom prst="rect">
             <a:avLst/>
@@ -11212,22 +12714,22 @@
       </p:sp>
       <p:sp>
         <p:nvSpPr>
-          <p:cNvPr id="61" name=""/>
+          <p:cNvPr id="63" name=""/>
           <p:cNvSpPr/>
           <p:nvPr/>
         </p:nvSpPr>
         <p:spPr>
           <a:xfrm rot="5391600">
-            <a:off x="6655320" y="1710000"/>
-            <a:ext cx="452520" cy="3266280"/>
+            <a:off x="6375960" y="1485720"/>
+            <a:ext cx="451440" cy="3712680"/>
           </a:xfrm>
           <a:custGeom>
             <a:avLst/>
             <a:gdLst>
-              <a:gd name="textAreaLeft" fmla="*/ 290520 w 452520"/>
-              <a:gd name="textAreaRight" fmla="*/ 455040 w 452520"/>
-              <a:gd name="textAreaTop" fmla="*/ 84960 h 3266280"/>
-              <a:gd name="textAreaBottom" fmla="*/ 3183480 h 3266280"/>
+              <a:gd name="textAreaLeft" fmla="*/ 290520 w 451440"/>
+              <a:gd name="textAreaRight" fmla="*/ 455040 w 451440"/>
+              <a:gd name="textAreaTop" fmla="*/ 96480 h 3712680"/>
+              <a:gd name="textAreaBottom" fmla="*/ 3619440 h 3712680"/>
             </a:gdLst>
             <a:ahLst/>
             <a:rect l="textAreaLeft" t="textAreaTop" r="textAreaRight" b="textAreaBottom"/>
@@ -11300,14 +12802,14 @@
       </p:sp>
       <p:sp>
         <p:nvSpPr>
-          <p:cNvPr id="62" name=""/>
+          <p:cNvPr id="64" name=""/>
           <p:cNvSpPr/>
           <p:nvPr/>
         </p:nvSpPr>
         <p:spPr>
           <a:xfrm>
             <a:off x="3612600" y="3528720"/>
-            <a:ext cx="723960" cy="542520"/>
+            <a:ext cx="722880" cy="541440"/>
           </a:xfrm>
           <a:prstGeom prst="roundRect">
             <a:avLst>
@@ -11360,14 +12862,14 @@
       </p:sp>
       <p:sp>
         <p:nvSpPr>
-          <p:cNvPr id="63" name=""/>
+          <p:cNvPr id="65" name=""/>
           <p:cNvSpPr/>
           <p:nvPr/>
         </p:nvSpPr>
         <p:spPr>
           <a:xfrm>
             <a:off x="4339080" y="3528720"/>
-            <a:ext cx="723960" cy="542520"/>
+            <a:ext cx="722880" cy="541440"/>
           </a:xfrm>
           <a:prstGeom prst="roundRect">
             <a:avLst>
@@ -11420,14 +12922,14 @@
       </p:sp>
       <p:sp>
         <p:nvSpPr>
-          <p:cNvPr id="64" name=""/>
+          <p:cNvPr id="66" name=""/>
           <p:cNvSpPr/>
           <p:nvPr/>
         </p:nvSpPr>
         <p:spPr>
           <a:xfrm>
             <a:off x="5065920" y="3528720"/>
-            <a:ext cx="723960" cy="542520"/>
+            <a:ext cx="722880" cy="541440"/>
           </a:xfrm>
           <a:prstGeom prst="roundRect">
             <a:avLst>
@@ -11480,14 +12982,14 @@
       </p:sp>
       <p:sp>
         <p:nvSpPr>
-          <p:cNvPr id="65" name=""/>
+          <p:cNvPr id="67" name=""/>
           <p:cNvSpPr/>
           <p:nvPr/>
         </p:nvSpPr>
         <p:spPr>
           <a:xfrm>
             <a:off x="5792400" y="3528720"/>
-            <a:ext cx="723960" cy="542520"/>
+            <a:ext cx="722880" cy="541440"/>
           </a:xfrm>
           <a:prstGeom prst="roundRect">
             <a:avLst>
@@ -11540,14 +13042,14 @@
       </p:sp>
       <p:sp>
         <p:nvSpPr>
-          <p:cNvPr id="66" name=""/>
+          <p:cNvPr id="68" name=""/>
           <p:cNvSpPr/>
           <p:nvPr/>
         </p:nvSpPr>
         <p:spPr>
           <a:xfrm>
             <a:off x="6519600" y="3528720"/>
-            <a:ext cx="723960" cy="542520"/>
+            <a:ext cx="722880" cy="541440"/>
           </a:xfrm>
           <a:prstGeom prst="roundRect">
             <a:avLst>
@@ -11600,14 +13102,14 @@
       </p:sp>
       <p:sp>
         <p:nvSpPr>
-          <p:cNvPr id="67" name=""/>
+          <p:cNvPr id="69" name=""/>
           <p:cNvSpPr/>
           <p:nvPr/>
         </p:nvSpPr>
         <p:spPr>
           <a:xfrm>
             <a:off x="7246080" y="3528720"/>
-            <a:ext cx="724320" cy="542520"/>
+            <a:ext cx="723240" cy="541440"/>
           </a:xfrm>
           <a:prstGeom prst="roundRect">
             <a:avLst>
@@ -11660,14 +13162,14 @@
       </p:sp>
       <p:sp>
         <p:nvSpPr>
-          <p:cNvPr id="68" name=""/>
+          <p:cNvPr id="70" name=""/>
           <p:cNvSpPr/>
           <p:nvPr/>
         </p:nvSpPr>
         <p:spPr>
           <a:xfrm>
             <a:off x="7972920" y="3528720"/>
-            <a:ext cx="723960" cy="542520"/>
+            <a:ext cx="722880" cy="541440"/>
           </a:xfrm>
           <a:prstGeom prst="roundRect">
             <a:avLst>
@@ -11720,7 +13222,7 @@
       </p:sp>
       <p:sp>
         <p:nvSpPr>
-          <p:cNvPr id="69" name=""/>
+          <p:cNvPr id="71" name=""/>
           <p:cNvSpPr/>
           <p:nvPr/>
         </p:nvSpPr>
@@ -11763,22 +13265,22 @@
       </p:sp>
       <p:sp>
         <p:nvSpPr>
-          <p:cNvPr id="70" name=""/>
+          <p:cNvPr id="72" name=""/>
           <p:cNvSpPr/>
           <p:nvPr/>
         </p:nvSpPr>
         <p:spPr>
           <a:xfrm rot="5392800">
-            <a:off x="2708640" y="2071800"/>
-            <a:ext cx="351360" cy="2541240"/>
+            <a:off x="2708640" y="2070720"/>
+            <a:ext cx="350280" cy="2540160"/>
           </a:xfrm>
           <a:custGeom>
             <a:avLst/>
             <a:gdLst>
-              <a:gd name="textAreaLeft" fmla="*/ 226080 w 351360"/>
-              <a:gd name="textAreaRight" fmla="*/ 353880 w 351360"/>
-              <a:gd name="textAreaTop" fmla="*/ 65880 h 2541240"/>
-              <a:gd name="textAreaBottom" fmla="*/ 2477520 h 2541240"/>
+              <a:gd name="textAreaLeft" fmla="*/ 226080 w 350280"/>
+              <a:gd name="textAreaRight" fmla="*/ 353880 w 350280"/>
+              <a:gd name="textAreaTop" fmla="*/ 65880 h 2540160"/>
+              <a:gd name="textAreaBottom" fmla="*/ 2477520 h 2540160"/>
             </a:gdLst>
             <a:ahLst/>
             <a:rect l="textAreaLeft" t="textAreaTop" r="textAreaRight" b="textAreaBottom"/>
@@ -11851,14 +13353,14 @@
       </p:sp>
       <p:sp>
         <p:nvSpPr>
-          <p:cNvPr id="71" name=""/>
+          <p:cNvPr id="73" name=""/>
           <p:cNvSpPr/>
           <p:nvPr/>
         </p:nvSpPr>
         <p:spPr>
           <a:xfrm>
             <a:off x="1474200" y="2743200"/>
-            <a:ext cx="2698920" cy="282240"/>
+            <a:ext cx="2697840" cy="281160"/>
           </a:xfrm>
           <a:prstGeom prst="rect">
             <a:avLst/>
@@ -11905,14 +13407,14 @@
       </p:sp>
       <p:sp>
         <p:nvSpPr>
-          <p:cNvPr id="72" name=""/>
-          <p:cNvSpPr/>
-          <p:nvPr/>
-        </p:nvSpPr>
-        <p:spPr>
-          <a:xfrm>
-            <a:off x="5740560" y="2711160"/>
-            <a:ext cx="3352680" cy="471600"/>
+          <p:cNvPr id="74" name=""/>
+          <p:cNvSpPr/>
+          <p:nvPr/>
+        </p:nvSpPr>
+        <p:spPr>
+          <a:xfrm>
+            <a:off x="5452560" y="2711160"/>
+            <a:ext cx="3351600" cy="470520"/>
           </a:xfrm>
           <a:prstGeom prst="rect">
             <a:avLst/>
@@ -11959,14 +13461,14 @@
       </p:sp>
       <p:sp>
         <p:nvSpPr>
-          <p:cNvPr id="73" name=""/>
+          <p:cNvPr id="75" name=""/>
           <p:cNvSpPr/>
           <p:nvPr/>
         </p:nvSpPr>
         <p:spPr>
           <a:xfrm>
             <a:off x="3779280" y="4744800"/>
-            <a:ext cx="2512440" cy="354240"/>
+            <a:ext cx="2511360" cy="353160"/>
           </a:xfrm>
           <a:prstGeom prst="rect">
             <a:avLst/>
@@ -12013,14 +13515,14 @@
       </p:sp>
       <p:sp>
         <p:nvSpPr>
-          <p:cNvPr id="74" name=""/>
+          <p:cNvPr id="76" name=""/>
           <p:cNvSpPr/>
           <p:nvPr/>
         </p:nvSpPr>
         <p:spPr>
           <a:xfrm>
             <a:off x="9664560" y="5257800"/>
-            <a:ext cx="3821040" cy="425520"/>
+            <a:ext cx="3819960" cy="424440"/>
           </a:xfrm>
           <a:prstGeom prst="rect">
             <a:avLst/>
@@ -12067,14 +13569,14 @@
       </p:sp>
       <p:sp>
         <p:nvSpPr>
-          <p:cNvPr id="75" name=""/>
+          <p:cNvPr id="77" name=""/>
           <p:cNvSpPr/>
           <p:nvPr/>
         </p:nvSpPr>
         <p:spPr>
           <a:xfrm>
             <a:off x="2892600" y="3528720"/>
-            <a:ext cx="723960" cy="542520"/>
+            <a:ext cx="722880" cy="541440"/>
           </a:xfrm>
           <a:prstGeom prst="roundRect">
             <a:avLst>
@@ -12127,14 +13629,14 @@
       </p:sp>
       <p:sp>
         <p:nvSpPr>
-          <p:cNvPr id="76" name=""/>
+          <p:cNvPr id="78" name=""/>
           <p:cNvSpPr/>
           <p:nvPr/>
         </p:nvSpPr>
         <p:spPr>
           <a:xfrm>
             <a:off x="2172600" y="3528720"/>
-            <a:ext cx="723960" cy="542520"/>
+            <a:ext cx="722880" cy="541440"/>
           </a:xfrm>
           <a:prstGeom prst="roundRect">
             <a:avLst>
@@ -12187,14 +13689,14 @@
       </p:sp>
       <p:sp>
         <p:nvSpPr>
-          <p:cNvPr id="77" name=""/>
+          <p:cNvPr id="79" name=""/>
           <p:cNvSpPr/>
           <p:nvPr/>
         </p:nvSpPr>
         <p:spPr>
           <a:xfrm>
             <a:off x="1452600" y="3528720"/>
-            <a:ext cx="723960" cy="542520"/>
+            <a:ext cx="722880" cy="541440"/>
           </a:xfrm>
           <a:prstGeom prst="roundRect">
             <a:avLst>
@@ -12277,7 +13779,7 @@
       </p:grpSpPr>
       <p:sp>
         <p:nvSpPr>
-          <p:cNvPr id="78" name="Straight Connector 5"/>
+          <p:cNvPr id="80" name="Straight Connector 5"/>
           <p:cNvSpPr/>
           <p:nvPr/>
         </p:nvSpPr>
@@ -12319,14 +13821,14 @@
       </p:sp>
       <p:sp>
         <p:nvSpPr>
-          <p:cNvPr id="79" name="PlaceHolder 4"/>
+          <p:cNvPr id="81" name="PlaceHolder 4"/>
           <p:cNvSpPr/>
           <p:nvPr/>
         </p:nvSpPr>
         <p:spPr>
           <a:xfrm>
             <a:off x="914400" y="0"/>
-            <a:ext cx="8235720" cy="912240"/>
+            <a:ext cx="8234640" cy="911160"/>
           </a:xfrm>
           <a:prstGeom prst="rect">
             <a:avLst/>
@@ -12379,14 +13881,14 @@
       </p:sp>
       <p:sp>
         <p:nvSpPr>
-          <p:cNvPr id="80" name=""/>
+          <p:cNvPr id="82" name=""/>
           <p:cNvSpPr/>
           <p:nvPr/>
         </p:nvSpPr>
         <p:spPr>
           <a:xfrm>
             <a:off x="468000" y="1128600"/>
-            <a:ext cx="9131040" cy="1942920"/>
+            <a:ext cx="9129960" cy="1941840"/>
           </a:xfrm>
           <a:prstGeom prst="rect">
             <a:avLst/>
@@ -12468,14 +13970,14 @@
       </p:sp>
       <p:sp>
         <p:nvSpPr>
-          <p:cNvPr id="81" name=""/>
+          <p:cNvPr id="83" name=""/>
           <p:cNvSpPr/>
           <p:nvPr/>
         </p:nvSpPr>
         <p:spPr>
           <a:xfrm>
             <a:off x="328320" y="3429360"/>
-            <a:ext cx="2511360" cy="454680"/>
+            <a:ext cx="2510280" cy="453600"/>
           </a:xfrm>
           <a:prstGeom prst="rect">
             <a:avLst/>
@@ -12522,14 +14024,14 @@
       </p:sp>
       <p:sp>
         <p:nvSpPr>
-          <p:cNvPr id="82" name=""/>
+          <p:cNvPr id="84" name=""/>
           <p:cNvSpPr/>
           <p:nvPr/>
         </p:nvSpPr>
         <p:spPr>
           <a:xfrm>
             <a:off x="1048320" y="4493880"/>
-            <a:ext cx="3197160" cy="761760"/>
+            <a:ext cx="3196080" cy="760680"/>
           </a:xfrm>
           <a:prstGeom prst="rect">
             <a:avLst/>
@@ -12576,14 +14078,14 @@
       </p:sp>
       <p:sp>
         <p:nvSpPr>
-          <p:cNvPr id="83" name=""/>
+          <p:cNvPr id="85" name=""/>
           <p:cNvSpPr/>
           <p:nvPr/>
         </p:nvSpPr>
         <p:spPr>
           <a:xfrm>
             <a:off x="9664920" y="5258160"/>
-            <a:ext cx="3821040" cy="425520"/>
+            <a:ext cx="3819960" cy="424440"/>
           </a:xfrm>
           <a:prstGeom prst="rect">
             <a:avLst/>
@@ -12630,14 +14132,14 @@
       </p:sp>
       <p:sp>
         <p:nvSpPr>
-          <p:cNvPr id="84" name=""/>
+          <p:cNvPr id="86" name=""/>
           <p:cNvSpPr/>
           <p:nvPr/>
         </p:nvSpPr>
         <p:spPr>
           <a:xfrm>
             <a:off x="3336840" y="3410640"/>
-            <a:ext cx="682920" cy="500400"/>
+            <a:ext cx="681840" cy="499320"/>
           </a:xfrm>
           <a:prstGeom prst="roundRect">
             <a:avLst>
@@ -12690,14 +14192,14 @@
       </p:sp>
       <p:sp>
         <p:nvSpPr>
-          <p:cNvPr id="85" name=""/>
+          <p:cNvPr id="87" name=""/>
           <p:cNvSpPr/>
           <p:nvPr/>
         </p:nvSpPr>
         <p:spPr>
           <a:xfrm>
             <a:off x="5398200" y="3422880"/>
-            <a:ext cx="682920" cy="500400"/>
+            <a:ext cx="681840" cy="499320"/>
           </a:xfrm>
           <a:prstGeom prst="roundRect">
             <a:avLst>
@@ -12750,14 +14252,14 @@
       </p:sp>
       <p:sp>
         <p:nvSpPr>
-          <p:cNvPr id="86" name=""/>
+          <p:cNvPr id="88" name=""/>
           <p:cNvSpPr/>
           <p:nvPr/>
         </p:nvSpPr>
         <p:spPr>
           <a:xfrm>
             <a:off x="4714200" y="3422880"/>
-            <a:ext cx="682920" cy="500400"/>
+            <a:ext cx="681840" cy="499320"/>
           </a:xfrm>
           <a:prstGeom prst="roundRect">
             <a:avLst>
@@ -12810,14 +14312,14 @@
       </p:sp>
       <p:sp>
         <p:nvSpPr>
-          <p:cNvPr id="87" name=""/>
+          <p:cNvPr id="89" name=""/>
           <p:cNvSpPr/>
           <p:nvPr/>
         </p:nvSpPr>
         <p:spPr>
           <a:xfrm>
             <a:off x="4030200" y="3422880"/>
-            <a:ext cx="682920" cy="500400"/>
+            <a:ext cx="681840" cy="499320"/>
           </a:xfrm>
           <a:prstGeom prst="roundRect">
             <a:avLst>
@@ -12870,14 +14372,14 @@
       </p:sp>
       <p:sp>
         <p:nvSpPr>
-          <p:cNvPr id="88" name=""/>
-          <p:cNvSpPr/>
-          <p:nvPr/>
-        </p:nvSpPr>
-        <p:spPr>
-          <a:xfrm>
-            <a:off x="3346560" y="4535280"/>
-            <a:ext cx="682920" cy="500400"/>
+          <p:cNvPr id="90" name=""/>
+          <p:cNvSpPr/>
+          <p:nvPr/>
+        </p:nvSpPr>
+        <p:spPr>
+          <a:xfrm>
+            <a:off x="3346560" y="4544640"/>
+            <a:ext cx="681840" cy="499320"/>
           </a:xfrm>
           <a:prstGeom prst="roundRect">
             <a:avLst>
@@ -12930,14 +14432,14 @@
       </p:sp>
       <p:sp>
         <p:nvSpPr>
-          <p:cNvPr id="89" name=""/>
+          <p:cNvPr id="91" name=""/>
           <p:cNvSpPr/>
           <p:nvPr/>
         </p:nvSpPr>
         <p:spPr>
           <a:xfrm>
             <a:off x="7449480" y="4538880"/>
-            <a:ext cx="682920" cy="500400"/>
+            <a:ext cx="681840" cy="499320"/>
           </a:xfrm>
           <a:prstGeom prst="roundRect">
             <a:avLst>
@@ -12990,14 +14492,14 @@
       </p:sp>
       <p:sp>
         <p:nvSpPr>
-          <p:cNvPr id="90" name=""/>
+          <p:cNvPr id="92" name=""/>
           <p:cNvSpPr/>
           <p:nvPr/>
         </p:nvSpPr>
         <p:spPr>
           <a:xfrm>
             <a:off x="6765840" y="4538880"/>
-            <a:ext cx="682920" cy="500400"/>
+            <a:ext cx="681840" cy="499320"/>
           </a:xfrm>
           <a:prstGeom prst="roundRect">
             <a:avLst>
@@ -13050,14 +14552,14 @@
       </p:sp>
       <p:sp>
         <p:nvSpPr>
-          <p:cNvPr id="91" name=""/>
+          <p:cNvPr id="93" name=""/>
           <p:cNvSpPr/>
           <p:nvPr/>
         </p:nvSpPr>
         <p:spPr>
           <a:xfrm>
             <a:off x="6081840" y="4538880"/>
-            <a:ext cx="682920" cy="500400"/>
+            <a:ext cx="681840" cy="499320"/>
           </a:xfrm>
           <a:prstGeom prst="roundRect">
             <a:avLst>
@@ -13110,14 +14612,14 @@
       </p:sp>
       <p:sp>
         <p:nvSpPr>
-          <p:cNvPr id="92" name=""/>
+          <p:cNvPr id="94" name=""/>
           <p:cNvSpPr/>
           <p:nvPr/>
         </p:nvSpPr>
         <p:spPr>
           <a:xfrm>
             <a:off x="5397840" y="4538880"/>
-            <a:ext cx="682920" cy="500400"/>
+            <a:ext cx="681840" cy="499320"/>
           </a:xfrm>
           <a:prstGeom prst="roundRect">
             <a:avLst>
@@ -13170,14 +14672,14 @@
       </p:sp>
       <p:sp>
         <p:nvSpPr>
-          <p:cNvPr id="93" name=""/>
+          <p:cNvPr id="95" name=""/>
           <p:cNvSpPr/>
           <p:nvPr/>
         </p:nvSpPr>
         <p:spPr>
           <a:xfrm>
             <a:off x="4713840" y="4538880"/>
-            <a:ext cx="682920" cy="500400"/>
+            <a:ext cx="681840" cy="499320"/>
           </a:xfrm>
           <a:prstGeom prst="roundRect">
             <a:avLst>
@@ -13230,14 +14732,14 @@
       </p:sp>
       <p:sp>
         <p:nvSpPr>
-          <p:cNvPr id="94" name=""/>
+          <p:cNvPr id="96" name=""/>
           <p:cNvSpPr/>
           <p:nvPr/>
         </p:nvSpPr>
         <p:spPr>
           <a:xfrm>
             <a:off x="4029840" y="4538880"/>
-            <a:ext cx="682920" cy="500400"/>
+            <a:ext cx="681840" cy="499320"/>
           </a:xfrm>
           <a:prstGeom prst="roundRect">
             <a:avLst>
@@ -13320,7 +14822,7 @@
       </p:grpSpPr>
       <p:sp>
         <p:nvSpPr>
-          <p:cNvPr id="95" name="Straight Connector 10"/>
+          <p:cNvPr id="97" name="Straight Connector 10"/>
           <p:cNvSpPr/>
           <p:nvPr/>
         </p:nvSpPr>
@@ -13362,14 +14864,14 @@
       </p:sp>
       <p:sp>
         <p:nvSpPr>
-          <p:cNvPr id="96" name="PlaceHolder 9"/>
+          <p:cNvPr id="98" name="PlaceHolder 9"/>
           <p:cNvSpPr/>
           <p:nvPr/>
         </p:nvSpPr>
         <p:spPr>
           <a:xfrm>
             <a:off x="914400" y="0"/>
-            <a:ext cx="8235720" cy="912240"/>
+            <a:ext cx="8234640" cy="911160"/>
           </a:xfrm>
           <a:prstGeom prst="rect">
             <a:avLst/>
@@ -13422,14 +14924,14 @@
       </p:sp>
       <p:sp>
         <p:nvSpPr>
-          <p:cNvPr id="97" name=""/>
+          <p:cNvPr id="99" name=""/>
           <p:cNvSpPr/>
           <p:nvPr/>
         </p:nvSpPr>
         <p:spPr>
           <a:xfrm>
             <a:off x="468000" y="1128600"/>
-            <a:ext cx="9131040" cy="1942920"/>
+            <a:ext cx="9129960" cy="1941840"/>
           </a:xfrm>
           <a:prstGeom prst="rect">
             <a:avLst/>
@@ -13482,14 +14984,14 @@
       </p:sp>
       <p:sp>
         <p:nvSpPr>
-          <p:cNvPr id="98" name=""/>
+          <p:cNvPr id="100" name=""/>
           <p:cNvSpPr/>
           <p:nvPr/>
         </p:nvSpPr>
         <p:spPr>
           <a:xfrm>
             <a:off x="328320" y="3429360"/>
-            <a:ext cx="2511360" cy="454680"/>
+            <a:ext cx="2510280" cy="453600"/>
           </a:xfrm>
           <a:prstGeom prst="rect">
             <a:avLst/>
@@ -13536,14 +15038,14 @@
       </p:sp>
       <p:sp>
         <p:nvSpPr>
-          <p:cNvPr id="99" name=""/>
+          <p:cNvPr id="101" name=""/>
           <p:cNvSpPr/>
           <p:nvPr/>
         </p:nvSpPr>
         <p:spPr>
           <a:xfrm>
             <a:off x="1048320" y="4493880"/>
-            <a:ext cx="3197160" cy="761760"/>
+            <a:ext cx="3196080" cy="760680"/>
           </a:xfrm>
           <a:prstGeom prst="rect">
             <a:avLst/>
@@ -13590,14 +15092,14 @@
       </p:sp>
       <p:sp>
         <p:nvSpPr>
-          <p:cNvPr id="100" name=""/>
+          <p:cNvPr id="102" name=""/>
           <p:cNvSpPr/>
           <p:nvPr/>
         </p:nvSpPr>
         <p:spPr>
           <a:xfrm>
             <a:off x="3346560" y="4544640"/>
-            <a:ext cx="682920" cy="500400"/>
+            <a:ext cx="681840" cy="499320"/>
           </a:xfrm>
           <a:prstGeom prst="roundRect">
             <a:avLst>
@@ -13650,14 +15152,14 @@
       </p:sp>
       <p:sp>
         <p:nvSpPr>
-          <p:cNvPr id="101" name=""/>
+          <p:cNvPr id="103" name=""/>
           <p:cNvSpPr/>
           <p:nvPr/>
         </p:nvSpPr>
         <p:spPr>
           <a:xfrm>
             <a:off x="9664920" y="5258160"/>
-            <a:ext cx="3821040" cy="425520"/>
+            <a:ext cx="3819960" cy="424440"/>
           </a:xfrm>
           <a:prstGeom prst="rect">
             <a:avLst/>
@@ -13704,7 +15206,7 @@
       </p:sp>
       <p:sp>
         <p:nvSpPr>
-          <p:cNvPr id="102" name=""/>
+          <p:cNvPr id="104" name=""/>
           <p:cNvSpPr/>
           <p:nvPr/>
         </p:nvSpPr>
@@ -13747,7 +15249,7 @@
       </p:sp>
       <p:sp>
         <p:nvSpPr>
-          <p:cNvPr id="103" name=""/>
+          <p:cNvPr id="105" name=""/>
           <p:cNvSpPr/>
           <p:nvPr/>
         </p:nvSpPr>
@@ -13790,7 +15292,7 @@
       </p:sp>
       <p:sp>
         <p:nvSpPr>
-          <p:cNvPr id="104" name=""/>
+          <p:cNvPr id="106" name=""/>
           <p:cNvSpPr/>
           <p:nvPr/>
         </p:nvSpPr>
@@ -13833,7 +15335,7 @@
       </p:sp>
       <p:sp>
         <p:nvSpPr>
-          <p:cNvPr id="105" name=""/>
+          <p:cNvPr id="107" name=""/>
           <p:cNvSpPr/>
           <p:nvPr/>
         </p:nvSpPr>
@@ -13876,14 +15378,14 @@
       </p:sp>
       <p:sp>
         <p:nvSpPr>
-          <p:cNvPr id="106" name=""/>
+          <p:cNvPr id="108" name=""/>
           <p:cNvSpPr/>
           <p:nvPr/>
         </p:nvSpPr>
         <p:spPr>
           <a:xfrm>
             <a:off x="7449840" y="4538880"/>
-            <a:ext cx="682920" cy="500400"/>
+            <a:ext cx="681840" cy="499320"/>
           </a:xfrm>
           <a:prstGeom prst="roundRect">
             <a:avLst>
@@ -13936,14 +15438,14 @@
       </p:sp>
       <p:sp>
         <p:nvSpPr>
-          <p:cNvPr id="107" name=""/>
+          <p:cNvPr id="109" name=""/>
           <p:cNvSpPr/>
           <p:nvPr/>
         </p:nvSpPr>
         <p:spPr>
           <a:xfrm>
             <a:off x="6766200" y="4538880"/>
-            <a:ext cx="682920" cy="500400"/>
+            <a:ext cx="681840" cy="499320"/>
           </a:xfrm>
           <a:prstGeom prst="roundRect">
             <a:avLst>
@@ -13996,14 +15498,14 @@
       </p:sp>
       <p:sp>
         <p:nvSpPr>
-          <p:cNvPr id="108" name=""/>
+          <p:cNvPr id="110" name=""/>
           <p:cNvSpPr/>
           <p:nvPr/>
         </p:nvSpPr>
         <p:spPr>
           <a:xfrm>
             <a:off x="6082200" y="4538880"/>
-            <a:ext cx="682920" cy="500400"/>
+            <a:ext cx="681840" cy="499320"/>
           </a:xfrm>
           <a:prstGeom prst="roundRect">
             <a:avLst>
@@ -14056,14 +15558,14 @@
       </p:sp>
       <p:sp>
         <p:nvSpPr>
-          <p:cNvPr id="109" name=""/>
+          <p:cNvPr id="111" name=""/>
           <p:cNvSpPr/>
           <p:nvPr/>
         </p:nvSpPr>
         <p:spPr>
           <a:xfrm>
             <a:off x="5398200" y="4538880"/>
-            <a:ext cx="682920" cy="500400"/>
+            <a:ext cx="681840" cy="499320"/>
           </a:xfrm>
           <a:prstGeom prst="roundRect">
             <a:avLst>
@@ -14116,14 +15618,14 @@
       </p:sp>
       <p:sp>
         <p:nvSpPr>
-          <p:cNvPr id="110" name=""/>
+          <p:cNvPr id="112" name=""/>
           <p:cNvSpPr/>
           <p:nvPr/>
         </p:nvSpPr>
         <p:spPr>
           <a:xfrm>
             <a:off x="4714200" y="4538880"/>
-            <a:ext cx="682920" cy="500400"/>
+            <a:ext cx="681840" cy="499320"/>
           </a:xfrm>
           <a:prstGeom prst="roundRect">
             <a:avLst>
@@ -14176,14 +15678,14 @@
       </p:sp>
       <p:sp>
         <p:nvSpPr>
-          <p:cNvPr id="111" name=""/>
+          <p:cNvPr id="113" name=""/>
           <p:cNvSpPr/>
           <p:nvPr/>
         </p:nvSpPr>
         <p:spPr>
           <a:xfrm>
             <a:off x="4030200" y="4538880"/>
-            <a:ext cx="682920" cy="500400"/>
+            <a:ext cx="681840" cy="499320"/>
           </a:xfrm>
           <a:prstGeom prst="roundRect">
             <a:avLst>
@@ -14236,14 +15738,14 @@
       </p:sp>
       <p:sp>
         <p:nvSpPr>
-          <p:cNvPr id="112" name=""/>
+          <p:cNvPr id="114" name=""/>
           <p:cNvSpPr/>
           <p:nvPr/>
         </p:nvSpPr>
         <p:spPr>
           <a:xfrm>
             <a:off x="3337200" y="3410640"/>
-            <a:ext cx="682920" cy="500400"/>
+            <a:ext cx="681840" cy="499320"/>
           </a:xfrm>
           <a:prstGeom prst="roundRect">
             <a:avLst>
@@ -14296,14 +15798,14 @@
       </p:sp>
       <p:sp>
         <p:nvSpPr>
-          <p:cNvPr id="113" name=""/>
+          <p:cNvPr id="115" name=""/>
           <p:cNvSpPr/>
           <p:nvPr/>
         </p:nvSpPr>
         <p:spPr>
           <a:xfrm>
             <a:off x="5398560" y="3422880"/>
-            <a:ext cx="682920" cy="500400"/>
+            <a:ext cx="681840" cy="499320"/>
           </a:xfrm>
           <a:prstGeom prst="roundRect">
             <a:avLst>
@@ -14356,14 +15858,14 @@
       </p:sp>
       <p:sp>
         <p:nvSpPr>
-          <p:cNvPr id="114" name=""/>
+          <p:cNvPr id="116" name=""/>
           <p:cNvSpPr/>
           <p:nvPr/>
         </p:nvSpPr>
         <p:spPr>
           <a:xfrm>
             <a:off x="4714560" y="3422880"/>
-            <a:ext cx="682920" cy="500400"/>
+            <a:ext cx="681840" cy="499320"/>
           </a:xfrm>
           <a:prstGeom prst="roundRect">
             <a:avLst>
@@ -14416,14 +15918,14 @@
       </p:sp>
       <p:sp>
         <p:nvSpPr>
-          <p:cNvPr id="115" name=""/>
+          <p:cNvPr id="117" name=""/>
           <p:cNvSpPr/>
           <p:nvPr/>
         </p:nvSpPr>
         <p:spPr>
           <a:xfrm>
             <a:off x="4030560" y="3422880"/>
-            <a:ext cx="682920" cy="500400"/>
+            <a:ext cx="681840" cy="499320"/>
           </a:xfrm>
           <a:prstGeom prst="roundRect">
             <a:avLst>
@@ -14506,7 +16008,7 @@
       </p:grpSpPr>
       <p:sp>
         <p:nvSpPr>
-          <p:cNvPr id="116" name="Straight Connector 11"/>
+          <p:cNvPr id="118" name="Straight Connector 11"/>
           <p:cNvSpPr/>
           <p:nvPr/>
         </p:nvSpPr>
@@ -14548,14 +16050,14 @@
       </p:sp>
       <p:sp>
         <p:nvSpPr>
-          <p:cNvPr id="117" name="PlaceHolder 10"/>
+          <p:cNvPr id="119" name="PlaceHolder 10"/>
           <p:cNvSpPr/>
           <p:nvPr/>
         </p:nvSpPr>
         <p:spPr>
           <a:xfrm>
             <a:off x="914400" y="0"/>
-            <a:ext cx="8235720" cy="912240"/>
+            <a:ext cx="8234640" cy="911160"/>
           </a:xfrm>
           <a:prstGeom prst="rect">
             <a:avLst/>
@@ -14608,14 +16110,14 @@
       </p:sp>
       <p:sp>
         <p:nvSpPr>
-          <p:cNvPr id="118" name=""/>
+          <p:cNvPr id="120" name=""/>
           <p:cNvSpPr/>
           <p:nvPr/>
         </p:nvSpPr>
         <p:spPr>
           <a:xfrm>
             <a:off x="468000" y="1128600"/>
-            <a:ext cx="9131040" cy="1942920"/>
+            <a:ext cx="9129960" cy="1941840"/>
           </a:xfrm>
           <a:prstGeom prst="rect">
             <a:avLst/>
@@ -14697,14 +16199,14 @@
       </p:sp>
       <p:sp>
         <p:nvSpPr>
-          <p:cNvPr id="119" name=""/>
+          <p:cNvPr id="121" name=""/>
           <p:cNvSpPr/>
           <p:nvPr/>
         </p:nvSpPr>
         <p:spPr>
           <a:xfrm>
             <a:off x="328320" y="3429360"/>
-            <a:ext cx="2511360" cy="454680"/>
+            <a:ext cx="2510280" cy="453600"/>
           </a:xfrm>
           <a:prstGeom prst="rect">
             <a:avLst/>
@@ -14751,14 +16253,14 @@
       </p:sp>
       <p:sp>
         <p:nvSpPr>
-          <p:cNvPr id="120" name=""/>
+          <p:cNvPr id="122" name=""/>
           <p:cNvSpPr/>
           <p:nvPr/>
         </p:nvSpPr>
         <p:spPr>
           <a:xfrm>
             <a:off x="1048320" y="4493880"/>
-            <a:ext cx="3197160" cy="761760"/>
+            <a:ext cx="3196080" cy="760680"/>
           </a:xfrm>
           <a:prstGeom prst="rect">
             <a:avLst/>
@@ -14805,14 +16307,14 @@
       </p:sp>
       <p:sp>
         <p:nvSpPr>
-          <p:cNvPr id="121" name=""/>
+          <p:cNvPr id="123" name=""/>
           <p:cNvSpPr/>
           <p:nvPr/>
         </p:nvSpPr>
         <p:spPr>
           <a:xfrm>
             <a:off x="9664920" y="5258160"/>
-            <a:ext cx="3821040" cy="425520"/>
+            <a:ext cx="3819960" cy="424440"/>
           </a:xfrm>
           <a:prstGeom prst="rect">
             <a:avLst/>
@@ -14859,14 +16361,14 @@
       </p:sp>
       <p:sp>
         <p:nvSpPr>
-          <p:cNvPr id="122" name=""/>
+          <p:cNvPr id="124" name=""/>
           <p:cNvSpPr/>
           <p:nvPr/>
         </p:nvSpPr>
         <p:spPr>
           <a:xfrm>
             <a:off x="4164840" y="4524120"/>
-            <a:ext cx="1140120" cy="511920"/>
+            <a:ext cx="1139040" cy="510840"/>
           </a:xfrm>
           <a:prstGeom prst="roundRect">
             <a:avLst>
@@ -14919,22 +16421,22 @@
       </p:sp>
       <p:sp>
         <p:nvSpPr>
-          <p:cNvPr id="123" name=""/>
+          <p:cNvPr id="125" name=""/>
           <p:cNvSpPr/>
           <p:nvPr/>
         </p:nvSpPr>
         <p:spPr>
           <a:xfrm rot="16200000">
-            <a:off x="4545000" y="2819160"/>
-            <a:ext cx="351360" cy="2541240"/>
+            <a:off x="4545000" y="2820240"/>
+            <a:ext cx="350280" cy="2540160"/>
           </a:xfrm>
           <a:custGeom>
             <a:avLst/>
             <a:gdLst>
-              <a:gd name="textAreaLeft" fmla="*/ 226080 w 351360"/>
-              <a:gd name="textAreaRight" fmla="*/ 353880 w 351360"/>
-              <a:gd name="textAreaTop" fmla="*/ 65880 h 2541240"/>
-              <a:gd name="textAreaBottom" fmla="*/ 2477520 h 2541240"/>
+              <a:gd name="textAreaLeft" fmla="*/ 226080 w 350280"/>
+              <a:gd name="textAreaRight" fmla="*/ 353880 w 350280"/>
+              <a:gd name="textAreaTop" fmla="*/ 65880 h 2540160"/>
+              <a:gd name="textAreaBottom" fmla="*/ 2477520 h 2540160"/>
             </a:gdLst>
             <a:ahLst/>
             <a:rect l="textAreaLeft" t="textAreaTop" r="textAreaRight" b="textAreaBottom"/>
@@ -15007,14 +16509,14 @@
       </p:sp>
       <p:sp>
         <p:nvSpPr>
-          <p:cNvPr id="124" name=""/>
+          <p:cNvPr id="126" name=""/>
           <p:cNvSpPr/>
           <p:nvPr/>
         </p:nvSpPr>
         <p:spPr>
           <a:xfrm>
             <a:off x="3336840" y="3410640"/>
-            <a:ext cx="682920" cy="500400"/>
+            <a:ext cx="681840" cy="499320"/>
           </a:xfrm>
           <a:prstGeom prst="roundRect">
             <a:avLst>
@@ -15067,14 +16569,14 @@
       </p:sp>
       <p:sp>
         <p:nvSpPr>
-          <p:cNvPr id="125" name=""/>
+          <p:cNvPr id="127" name=""/>
           <p:cNvSpPr/>
           <p:nvPr/>
         </p:nvSpPr>
         <p:spPr>
           <a:xfrm>
             <a:off x="5398200" y="3422880"/>
-            <a:ext cx="682920" cy="500400"/>
+            <a:ext cx="681840" cy="499320"/>
           </a:xfrm>
           <a:prstGeom prst="roundRect">
             <a:avLst>
@@ -15127,14 +16629,14 @@
       </p:sp>
       <p:sp>
         <p:nvSpPr>
-          <p:cNvPr id="126" name=""/>
+          <p:cNvPr id="128" name=""/>
           <p:cNvSpPr/>
           <p:nvPr/>
         </p:nvSpPr>
         <p:spPr>
           <a:xfrm>
             <a:off x="4714200" y="3422880"/>
-            <a:ext cx="682920" cy="500400"/>
+            <a:ext cx="681840" cy="499320"/>
           </a:xfrm>
           <a:prstGeom prst="roundRect">
             <a:avLst>
@@ -15187,14 +16689,14 @@
       </p:sp>
       <p:sp>
         <p:nvSpPr>
-          <p:cNvPr id="127" name=""/>
+          <p:cNvPr id="129" name=""/>
           <p:cNvSpPr/>
           <p:nvPr/>
         </p:nvSpPr>
         <p:spPr>
           <a:xfrm>
             <a:off x="4030200" y="3422880"/>
-            <a:ext cx="682920" cy="500400"/>
+            <a:ext cx="681840" cy="499320"/>
           </a:xfrm>
           <a:prstGeom prst="roundRect">
             <a:avLst>
@@ -15247,14 +16749,14 @@
       </p:sp>
       <p:sp>
         <p:nvSpPr>
-          <p:cNvPr id="128" name=""/>
+          <p:cNvPr id="130" name=""/>
           <p:cNvSpPr/>
           <p:nvPr/>
         </p:nvSpPr>
         <p:spPr>
           <a:xfrm>
             <a:off x="7449480" y="4538880"/>
-            <a:ext cx="682920" cy="500400"/>
+            <a:ext cx="681840" cy="499320"/>
           </a:xfrm>
           <a:prstGeom prst="roundRect">
             <a:avLst>
@@ -15307,14 +16809,14 @@
       </p:sp>
       <p:sp>
         <p:nvSpPr>
-          <p:cNvPr id="129" name=""/>
+          <p:cNvPr id="131" name=""/>
           <p:cNvSpPr/>
           <p:nvPr/>
         </p:nvSpPr>
         <p:spPr>
           <a:xfrm>
             <a:off x="6765840" y="4538880"/>
-            <a:ext cx="682920" cy="500400"/>
+            <a:ext cx="681840" cy="499320"/>
           </a:xfrm>
           <a:prstGeom prst="roundRect">
             <a:avLst>
@@ -15367,14 +16869,14 @@
       </p:sp>
       <p:sp>
         <p:nvSpPr>
-          <p:cNvPr id="130" name=""/>
+          <p:cNvPr id="132" name=""/>
           <p:cNvSpPr/>
           <p:nvPr/>
         </p:nvSpPr>
         <p:spPr>
           <a:xfrm>
             <a:off x="6081840" y="4538880"/>
-            <a:ext cx="682920" cy="500400"/>
+            <a:ext cx="681840" cy="499320"/>
           </a:xfrm>
           <a:prstGeom prst="roundRect">
             <a:avLst>
